--- a/Introduction_EDA_R.pptx
+++ b/Introduction_EDA_R.pptx
@@ -24012,13 +24012,13 @@
             <p:ph idx="1"/>
             <p:extLst>
               <p:ext uri="{D42A27DB-BD31-4B8C-83A1-F6EECF244321}">
-                <p14:modId xmlns:p14="http://schemas.microsoft.com/office/powerpoint/2010/main" val="2745380034"/>
+                <p14:modId xmlns:p14="http://schemas.microsoft.com/office/powerpoint/2010/main" val="1955329903"/>
               </p:ext>
             </p:extLst>
           </p:nvPr>
         </p:nvGraphicFramePr>
         <p:xfrm>
-          <a:off x="1012032" y="2626368"/>
+          <a:off x="833613" y="2302983"/>
           <a:ext cx="10167936" cy="4191000"/>
         </p:xfrm>
         <a:graphic>

--- a/Introduction_EDA_R.pptx
+++ b/Introduction_EDA_R.pptx
@@ -5,7 +5,7 @@
     <p:sldMasterId id="2147483710" r:id="rId1"/>
   </p:sldMasterIdLst>
   <p:notesMasterIdLst>
-    <p:notesMasterId r:id="rId27"/>
+    <p:notesMasterId r:id="rId31"/>
   </p:notesMasterIdLst>
   <p:sldIdLst>
     <p:sldId id="256" r:id="rId2"/>
@@ -22,17 +22,21 @@
     <p:sldId id="322" r:id="rId13"/>
     <p:sldId id="321" r:id="rId14"/>
     <p:sldId id="313" r:id="rId15"/>
-    <p:sldId id="315" r:id="rId16"/>
-    <p:sldId id="320" r:id="rId17"/>
-    <p:sldId id="314" r:id="rId18"/>
-    <p:sldId id="318" r:id="rId19"/>
-    <p:sldId id="319" r:id="rId20"/>
-    <p:sldId id="309" r:id="rId21"/>
-    <p:sldId id="262" r:id="rId22"/>
-    <p:sldId id="282" r:id="rId23"/>
-    <p:sldId id="285" r:id="rId24"/>
-    <p:sldId id="286" r:id="rId25"/>
-    <p:sldId id="284" r:id="rId26"/>
+    <p:sldId id="324" r:id="rId16"/>
+    <p:sldId id="325" r:id="rId17"/>
+    <p:sldId id="326" r:id="rId18"/>
+    <p:sldId id="327" r:id="rId19"/>
+    <p:sldId id="315" r:id="rId20"/>
+    <p:sldId id="320" r:id="rId21"/>
+    <p:sldId id="314" r:id="rId22"/>
+    <p:sldId id="318" r:id="rId23"/>
+    <p:sldId id="319" r:id="rId24"/>
+    <p:sldId id="309" r:id="rId25"/>
+    <p:sldId id="262" r:id="rId26"/>
+    <p:sldId id="282" r:id="rId27"/>
+    <p:sldId id="285" r:id="rId28"/>
+    <p:sldId id="286" r:id="rId29"/>
+    <p:sldId id="284" r:id="rId30"/>
   </p:sldIdLst>
   <p:sldSz cx="12192000" cy="6858000"/>
   <p:notesSz cx="6858000" cy="9144000"/>
@@ -150,6 +154,10 @@
             <p14:sldId id="322"/>
             <p14:sldId id="321"/>
             <p14:sldId id="313"/>
+            <p14:sldId id="324"/>
+            <p14:sldId id="325"/>
+            <p14:sldId id="326"/>
+            <p14:sldId id="327"/>
             <p14:sldId id="315"/>
             <p14:sldId id="320"/>
             <p14:sldId id="314"/>
@@ -14037,6 +14045,486 @@
 </dgm:styleDef>
 </file>
 
+<file path=ppt/ink/ink1.xml><?xml version="1.0" encoding="utf-8"?>
+<inkml:ink xmlns:inkml="http://www.w3.org/2003/InkML">
+  <inkml:definitions>
+    <inkml:context xml:id="ctx0">
+      <inkml:inkSource xml:id="inkSrc0">
+        <inkml:traceFormat>
+          <inkml:channel name="X" type="integer" min="-2.14748E9" max="2.14748E9" units="cm"/>
+          <inkml:channel name="Y" type="integer" min="-2.14748E9" max="2.14748E9" units="cm"/>
+          <inkml:channel name="F" type="integer" max="32767" units="dev"/>
+        </inkml:traceFormat>
+        <inkml:channelProperties>
+          <inkml:channelProperty channel="X" name="resolution" value="1000" units="1/cm"/>
+          <inkml:channelProperty channel="Y" name="resolution" value="1000" units="1/cm"/>
+          <inkml:channelProperty channel="F" name="resolution" value="0" units="1/dev"/>
+        </inkml:channelProperties>
+      </inkml:inkSource>
+      <inkml:timestamp xml:id="ts0" timeString="2023-02-15T17:18:51.681"/>
+    </inkml:context>
+    <inkml:brush xml:id="br0">
+      <inkml:brushProperty name="width" value="0.3" units="cm"/>
+      <inkml:brushProperty name="height" value="0.6" units="cm"/>
+      <inkml:brushProperty name="color" value="#FFFC00"/>
+      <inkml:brushProperty name="tip" value="rectangle"/>
+      <inkml:brushProperty name="rasterOp" value="maskPen"/>
+    </inkml:brush>
+  </inkml:definitions>
+  <inkml:trace contextRef="#ctx0" brushRef="#br0">1 1 16383,'48'0'0,"-5"0"0,-23 0 0,11 0 0,-12 0 0,9 0 0,-17 0 0,1 0 0,9 0 0,-10 0 0,12 0 0,-11 0 0,2 0 0,4 0 0,-4 0 0,5 0 0,-5 0 0,3 0 0,-2 0 0,1 0 0,5 0 0,-7 0 0,11 0 0,-13 0 0,5 0 0,0 0 0,-3 0 0,5 0 0,-2 0 0,-5 0 0,8 0 0,-6 0 0,2 0 0,6 0 0,-6 0 0,6 0 0,-6 0 0,-1 0 0,5 0 0,-6 0 0,7 0 0,-9 0 0,4 0 0,2 0 0,-4 0 0,5 0 0,-6 0 0,4 0 0,-1 0 0,1 0 0,-1 0 0,1 0 0,-1 0 0,1 0 0,-1 0 0,0 0 0,0 0 0,0 0 0,1 0 0,2 0 0,-2 0 0,-2 0 0,0 0 0,-2 0 0,4 0 0,-1 0 0,1 0 0,0 0 0,-1 0 0,1 0 0,-1 0 0,-1 0 0,0 0 0,1 0 0,-1 0 0,0 0 0,3 0 0,-3 0 0,3 0 0,-1 0 0,-1 0 0,1 0 0,0 0 0,-2 0 0,0 0 0,-2 0 0</inkml:trace>
+</inkml:ink>
+</file>
+
+<file path=ppt/ink/ink10.xml><?xml version="1.0" encoding="utf-8"?>
+<inkml:ink xmlns:inkml="http://www.w3.org/2003/InkML">
+  <inkml:definitions>
+    <inkml:context xml:id="ctx0">
+      <inkml:inkSource xml:id="inkSrc0">
+        <inkml:traceFormat>
+          <inkml:channel name="X" type="integer" min="-2.14748E9" max="2.14748E9" units="cm"/>
+          <inkml:channel name="Y" type="integer" min="-2.14748E9" max="2.14748E9" units="cm"/>
+          <inkml:channel name="F" type="integer" max="32767" units="dev"/>
+        </inkml:traceFormat>
+        <inkml:channelProperties>
+          <inkml:channelProperty channel="X" name="resolution" value="1000" units="1/cm"/>
+          <inkml:channelProperty channel="Y" name="resolution" value="1000" units="1/cm"/>
+          <inkml:channelProperty channel="F" name="resolution" value="0" units="1/dev"/>
+        </inkml:channelProperties>
+      </inkml:inkSource>
+      <inkml:timestamp xml:id="ts0" timeString="2023-02-15T17:21:55.307"/>
+    </inkml:context>
+    <inkml:brush xml:id="br0">
+      <inkml:brushProperty name="width" value="0.3" units="cm"/>
+      <inkml:brushProperty name="height" value="0.6" units="cm"/>
+      <inkml:brushProperty name="color" value="#FFFC00"/>
+      <inkml:brushProperty name="tip" value="rectangle"/>
+      <inkml:brushProperty name="rasterOp" value="maskPen"/>
+    </inkml:brush>
+  </inkml:definitions>
+  <inkml:trace contextRef="#ctx0" brushRef="#br0">0 0 16383,'41'0'0,"3"0"0,-24 0 0,8 0 0,-3 0 0,0 0 0,0 0 0,-3 0 0,-1 0 0,-5 0 0,3 0 0,0 0 0,3 0 0,0 0 0,0 0 0,3 0 0,0 0 0,0 0 0,-3 0 0,-3 0 0,-1 0 0,-1 0 0,-1 0 0,-1 0 0,6 0 0,-9 0 0,8 0 0,-6 0 0,1 0 0,2 0 0,-3 0 0,2 0 0,6 0 0,-2 0 0,2 0 0,-4 0 0,-5 0 0,2 0 0,0 0 0</inkml:trace>
+</inkml:ink>
+</file>
+
+<file path=ppt/ink/ink11.xml><?xml version="1.0" encoding="utf-8"?>
+<inkml:ink xmlns:inkml="http://www.w3.org/2003/InkML">
+  <inkml:definitions>
+    <inkml:context xml:id="ctx0">
+      <inkml:inkSource xml:id="inkSrc0">
+        <inkml:traceFormat>
+          <inkml:channel name="X" type="integer" min="-2.14748E9" max="2.14748E9" units="cm"/>
+          <inkml:channel name="Y" type="integer" min="-2.14748E9" max="2.14748E9" units="cm"/>
+          <inkml:channel name="F" type="integer" max="32767" units="dev"/>
+        </inkml:traceFormat>
+        <inkml:channelProperties>
+          <inkml:channelProperty channel="X" name="resolution" value="1000" units="1/cm"/>
+          <inkml:channelProperty channel="Y" name="resolution" value="1000" units="1/cm"/>
+          <inkml:channelProperty channel="F" name="resolution" value="0" units="1/dev"/>
+        </inkml:channelProperties>
+      </inkml:inkSource>
+      <inkml:timestamp xml:id="ts0" timeString="2023-02-15T17:21:58.596"/>
+    </inkml:context>
+    <inkml:brush xml:id="br0">
+      <inkml:brushProperty name="width" value="0.3" units="cm"/>
+      <inkml:brushProperty name="height" value="0.6" units="cm"/>
+      <inkml:brushProperty name="color" value="#FFFC00"/>
+      <inkml:brushProperty name="tip" value="rectangle"/>
+      <inkml:brushProperty name="rasterOp" value="maskPen"/>
+    </inkml:brush>
+  </inkml:definitions>
+  <inkml:trace contextRef="#ctx0" brushRef="#br0">1 1 16383,'59'0'0,"-1"0"0,-19 0 0,1 0 0,-1 0 0,-4 0 0,0 0 0,1 0 0,-2 0 0,0 0 0,0 0 0,0 0 0,-3 0 0,1 0 0,-5 0 0,-2 0 0,2 0 0,-1 0 0,-4 0 0,4 0 0,-13 0 0,6 0 0,-1 0 0,-5 0 0,10 0 0,-10 0 0,2 0 0,5 0 0,-7 0 0,8 0 0,-6 0 0,-2 0 0,6 0 0,-6 0 0,5 0 0,-1 0 0,-5 0 0,8 1 0,-3 1 0,0 2 0,3 1 0,-5-2 0,-1 0 0,7 2 0,-5-1 0,4 2 0,-5-2 0,-1 0 0,5 0 0,-4 1 0,1-1 0,3-2 0,-9 1 0,13 0 0,-10-1 0,2 2 0,4-2 0,-9 3 0,9-1 0,-8-1 0</inkml:trace>
+</inkml:ink>
+</file>
+
+<file path=ppt/ink/ink12.xml><?xml version="1.0" encoding="utf-8"?>
+<inkml:ink xmlns:inkml="http://www.w3.org/2003/InkML">
+  <inkml:definitions>
+    <inkml:context xml:id="ctx0">
+      <inkml:inkSource xml:id="inkSrc0">
+        <inkml:traceFormat>
+          <inkml:channel name="X" type="integer" min="-2.14748E9" max="2.14748E9" units="cm"/>
+          <inkml:channel name="Y" type="integer" min="-2.14748E9" max="2.14748E9" units="cm"/>
+          <inkml:channel name="F" type="integer" max="32767" units="dev"/>
+        </inkml:traceFormat>
+        <inkml:channelProperties>
+          <inkml:channelProperty channel="X" name="resolution" value="1000" units="1/cm"/>
+          <inkml:channelProperty channel="Y" name="resolution" value="1000" units="1/cm"/>
+          <inkml:channelProperty channel="F" name="resolution" value="0" units="1/dev"/>
+        </inkml:channelProperties>
+      </inkml:inkSource>
+      <inkml:timestamp xml:id="ts0" timeString="2023-02-15T17:23:23.016"/>
+    </inkml:context>
+    <inkml:brush xml:id="br0">
+      <inkml:brushProperty name="width" value="0.3" units="cm"/>
+      <inkml:brushProperty name="height" value="0.6" units="cm"/>
+      <inkml:brushProperty name="color" value="#FFFC00"/>
+      <inkml:brushProperty name="tip" value="rectangle"/>
+      <inkml:brushProperty name="rasterOp" value="maskPen"/>
+    </inkml:brush>
+  </inkml:definitions>
+  <inkml:trace contextRef="#ctx0" brushRef="#br0">0 0 16383,'73'0'0,"-8"0"0,-27 2 0,-1 2 0,-2 3 0,-5 2 0,-7-1 0,-3-3 0,-1-1 0,4-2 0,3 0 0,3 0 0,-3 0 0,-1 1 0,-2-1 0,0 0 0,2 1 0,0 3 0,1 2 0,-4 2 0,-2-2 0,-2-3 0,-1-3 0,-1 1 0,-1-1 0,5 2 0,-8 0 0,8-1 0,0-2 0,-8-1 0,11 0 0,-11 0 0,2 0 0,6 0 0,-1 0 0,1 0 0,2 0 0,-10 0 0,1 0 0</inkml:trace>
+</inkml:ink>
+</file>
+
+<file path=ppt/ink/ink13.xml><?xml version="1.0" encoding="utf-8"?>
+<inkml:ink xmlns:inkml="http://www.w3.org/2003/InkML">
+  <inkml:definitions>
+    <inkml:context xml:id="ctx0">
+      <inkml:inkSource xml:id="inkSrc0">
+        <inkml:traceFormat>
+          <inkml:channel name="X" type="integer" min="-2.14748E9" max="2.14748E9" units="cm"/>
+          <inkml:channel name="Y" type="integer" min="-2.14748E9" max="2.14748E9" units="cm"/>
+          <inkml:channel name="F" type="integer" max="32767" units="dev"/>
+        </inkml:traceFormat>
+        <inkml:channelProperties>
+          <inkml:channelProperty channel="X" name="resolution" value="1000" units="1/cm"/>
+          <inkml:channelProperty channel="Y" name="resolution" value="1000" units="1/cm"/>
+          <inkml:channelProperty channel="F" name="resolution" value="0" units="1/dev"/>
+        </inkml:channelProperties>
+      </inkml:inkSource>
+      <inkml:timestamp xml:id="ts0" timeString="2023-02-15T17:23:39.078"/>
+    </inkml:context>
+    <inkml:brush xml:id="br0">
+      <inkml:brushProperty name="width" value="0.3" units="cm"/>
+      <inkml:brushProperty name="height" value="0.6" units="cm"/>
+      <inkml:brushProperty name="color" value="#FFFC00"/>
+      <inkml:brushProperty name="tip" value="rectangle"/>
+      <inkml:brushProperty name="rasterOp" value="maskPen"/>
+    </inkml:brush>
+  </inkml:definitions>
+  <inkml:trace contextRef="#ctx0" brushRef="#br0">0 250 16383,'56'0'0,"-1"0"0,2 0 0,-2 0 0,40 0 0,-44 0 0,1 0 0,3 0 0,1 0 0,5-1 0,0-1 0,2 1 0,0-2 0,2 0 0,-2-1 0,-3-1 0,-2-1 0,-6 1 0,-2-1 0,36-7 0,-12 4 0,-4 0 0,6 0 0,10-2 0,4 0 0,-1 2 0,-10 3 0,-8 1 0,-5-3 0,-4-1 0,2-2 0,-3-1 0,-8 2 0,-7 2 0,-10 1 0,-7 3 0,0 0 0,2-3 0,2 2 0,-1-2 0,3-1 0,0 1 0,4-2 0,2 2 0,-1 2 0,-5 3 0,-8 0 0,-4 2 0,-14 0 0,0 0 0</inkml:trace>
+</inkml:ink>
+</file>
+
+<file path=ppt/ink/ink14.xml><?xml version="1.0" encoding="utf-8"?>
+<inkml:ink xmlns:inkml="http://www.w3.org/2003/InkML">
+  <inkml:definitions>
+    <inkml:context xml:id="ctx0">
+      <inkml:inkSource xml:id="inkSrc0">
+        <inkml:traceFormat>
+          <inkml:channel name="X" type="integer" min="-2.14748E9" max="2.14748E9" units="cm"/>
+          <inkml:channel name="Y" type="integer" min="-2.14748E9" max="2.14748E9" units="cm"/>
+          <inkml:channel name="F" type="integer" max="32767" units="dev"/>
+        </inkml:traceFormat>
+        <inkml:channelProperties>
+          <inkml:channelProperty channel="X" name="resolution" value="1000" units="1/cm"/>
+          <inkml:channelProperty channel="Y" name="resolution" value="1000" units="1/cm"/>
+          <inkml:channelProperty channel="F" name="resolution" value="0" units="1/dev"/>
+        </inkml:channelProperties>
+      </inkml:inkSource>
+      <inkml:timestamp xml:id="ts0" timeString="2023-02-15T17:23:42.629"/>
+    </inkml:context>
+    <inkml:brush xml:id="br0">
+      <inkml:brushProperty name="width" value="0.3" units="cm"/>
+      <inkml:brushProperty name="height" value="0.6" units="cm"/>
+      <inkml:brushProperty name="color" value="#FFFC00"/>
+      <inkml:brushProperty name="tip" value="rectangle"/>
+      <inkml:brushProperty name="rasterOp" value="maskPen"/>
+    </inkml:brush>
+  </inkml:definitions>
+  <inkml:trace contextRef="#ctx0" brushRef="#br0">1 1 16383,'98'0'0,"0"0"0,-32 0 0,0 0 0,2 0 0,8 0 0,1 0 0,-1 0 0,-1 0 0,-1 0 0,0 0 0,-1 0 0,-1 0 0,-1 0 0,30 0 0,-3 0 0,-14 0 0,-3 0 0,-4 0 0,-1 0 0,-11 0 0,-2 0 0,-6 0 0,-2 0 0,40 0 0,-16 0 0,-15 4 0,-15 3 0,-10 3 0,-7 2 0,-6-3 0,-4-1 0,-2-1 0,0-3 0,-9-2 0,8 6 0,-9-5 0,5 6 0,5-3 0,-11-4 0,3 2 0</inkml:trace>
+</inkml:ink>
+</file>
+
+<file path=ppt/ink/ink15.xml><?xml version="1.0" encoding="utf-8"?>
+<inkml:ink xmlns:inkml="http://www.w3.org/2003/InkML">
+  <inkml:definitions>
+    <inkml:context xml:id="ctx0">
+      <inkml:inkSource xml:id="inkSrc0">
+        <inkml:traceFormat>
+          <inkml:channel name="X" type="integer" min="-2.14748E9" max="2.14748E9" units="cm"/>
+          <inkml:channel name="Y" type="integer" min="-2.14748E9" max="2.14748E9" units="cm"/>
+          <inkml:channel name="F" type="integer" max="32767" units="dev"/>
+        </inkml:traceFormat>
+        <inkml:channelProperties>
+          <inkml:channelProperty channel="X" name="resolution" value="1000" units="1/cm"/>
+          <inkml:channelProperty channel="Y" name="resolution" value="1000" units="1/cm"/>
+          <inkml:channelProperty channel="F" name="resolution" value="0" units="1/dev"/>
+        </inkml:channelProperties>
+      </inkml:inkSource>
+      <inkml:timestamp xml:id="ts0" timeString="2023-02-15T17:23:49.305"/>
+    </inkml:context>
+    <inkml:brush xml:id="br0">
+      <inkml:brushProperty name="width" value="0.3" units="cm"/>
+      <inkml:brushProperty name="height" value="0.6" units="cm"/>
+      <inkml:brushProperty name="color" value="#FFFC00"/>
+      <inkml:brushProperty name="tip" value="rectangle"/>
+      <inkml:brushProperty name="rasterOp" value="maskPen"/>
+    </inkml:brush>
+  </inkml:definitions>
+  <inkml:trace contextRef="#ctx0" brushRef="#br0">1 0 16383,'88'0'0,"-6"0"0,-23 0 0,-4 0 0,-6 0 0,-3 0 0,-10 0 0,-4 0 0,-4 0 0,-4 0 0,2 0 0,-4 0 0,-2 0 0,-1 0 0,-3 2 0,1 1 0,0-1 0,-1 0 0,1-2 0,0 0 0,1 0 0,4 0 0,1 0 0,3 0 0,0 0 0,-2 0 0,-2 0 0,-2 0 0,-4 0 0,1 0 0,-1 0 0,1 0 0,0 0 0,-2 0 0,0 0 0,0 0 0,1 0 0,0 0 0</inkml:trace>
+</inkml:ink>
+</file>
+
+<file path=ppt/ink/ink16.xml><?xml version="1.0" encoding="utf-8"?>
+<inkml:ink xmlns:inkml="http://www.w3.org/2003/InkML">
+  <inkml:definitions>
+    <inkml:context xml:id="ctx0">
+      <inkml:inkSource xml:id="inkSrc0">
+        <inkml:traceFormat>
+          <inkml:channel name="X" type="integer" min="-2.14748E9" max="2.14748E9" units="cm"/>
+          <inkml:channel name="Y" type="integer" min="-2.14748E9" max="2.14748E9" units="cm"/>
+          <inkml:channel name="F" type="integer" max="32767" units="dev"/>
+        </inkml:traceFormat>
+        <inkml:channelProperties>
+          <inkml:channelProperty channel="X" name="resolution" value="1000" units="1/cm"/>
+          <inkml:channelProperty channel="Y" name="resolution" value="1000" units="1/cm"/>
+          <inkml:channelProperty channel="F" name="resolution" value="0" units="1/dev"/>
+        </inkml:channelProperties>
+      </inkml:inkSource>
+      <inkml:timestamp xml:id="ts0" timeString="2023-02-15T17:23:52.871"/>
+    </inkml:context>
+    <inkml:brush xml:id="br0">
+      <inkml:brushProperty name="width" value="0.3" units="cm"/>
+      <inkml:brushProperty name="height" value="0.6" units="cm"/>
+      <inkml:brushProperty name="color" value="#FFFC00"/>
+      <inkml:brushProperty name="tip" value="rectangle"/>
+      <inkml:brushProperty name="rasterOp" value="maskPen"/>
+    </inkml:brush>
+  </inkml:definitions>
+  <inkml:trace contextRef="#ctx0" brushRef="#br0">1 0 16383,'55'0'0,"5"0"0,-2 0 0,8 0 0,8 0 0,-4 0 0,-7 0 0,-12 0 0,-12 0 0,-10 0 0,-4 0 0,-2 0 0,0 0 0,2 0 0,-2 0 0,-1 0 0,-3 0 0,-1 0 0,-6 0 0,13 0 0,-14 0 0,8 0 0,-12 0 0</inkml:trace>
+</inkml:ink>
+</file>
+
+<file path=ppt/ink/ink2.xml><?xml version="1.0" encoding="utf-8"?>
+<inkml:ink xmlns:inkml="http://www.w3.org/2003/InkML">
+  <inkml:definitions>
+    <inkml:context xml:id="ctx0">
+      <inkml:inkSource xml:id="inkSrc0">
+        <inkml:traceFormat>
+          <inkml:channel name="X" type="integer" min="-2.14748E9" max="2.14748E9" units="cm"/>
+          <inkml:channel name="Y" type="integer" min="-2.14748E9" max="2.14748E9" units="cm"/>
+          <inkml:channel name="F" type="integer" max="32767" units="dev"/>
+        </inkml:traceFormat>
+        <inkml:channelProperties>
+          <inkml:channelProperty channel="X" name="resolution" value="1000" units="1/cm"/>
+          <inkml:channelProperty channel="Y" name="resolution" value="1000" units="1/cm"/>
+          <inkml:channelProperty channel="F" name="resolution" value="0" units="1/dev"/>
+        </inkml:channelProperties>
+      </inkml:inkSource>
+      <inkml:timestamp xml:id="ts0" timeString="2023-02-15T17:21:15.189"/>
+    </inkml:context>
+    <inkml:brush xml:id="br0">
+      <inkml:brushProperty name="width" value="0.3" units="cm"/>
+      <inkml:brushProperty name="height" value="0.6" units="cm"/>
+      <inkml:brushProperty name="color" value="#FFFC00"/>
+      <inkml:brushProperty name="tip" value="rectangle"/>
+      <inkml:brushProperty name="rasterOp" value="maskPen"/>
+    </inkml:brush>
+  </inkml:definitions>
+  <inkml:trace contextRef="#ctx0" brushRef="#br0">1 0 16383,'51'0'0,"-2"0"0,-10 0 0,1 0 0,1 0 0,2 0 0,-2 0 0,-1 0 0,-3 0 0,-1 0 0,1 0 0,-2 0 0,-4 0 0,-4 0 0,-4 0 0,1 0 0,1 0 0,-6 0 0,-2 0 0,-2 0 0,0 0 0,3 0 0,-3 0 0,4 0 0,-1 0 0,-7 0 0,11 0 0,-12 0 0,9 0 0,-4 0 0,-1 0 0,9 0 0,-5 0 0,8 0 0,-5 0 0,0 0 0,0 0 0,-1 0 0,-1 0 0,-1 0 0,-3 0 0,1 0 0,-1 0 0,1 3 0,-2-2 0,2 5 0,1-5 0,0 6 0,0-6 0,0 5 0,-2-4 0</inkml:trace>
+</inkml:ink>
+</file>
+
+<file path=ppt/ink/ink3.xml><?xml version="1.0" encoding="utf-8"?>
+<inkml:ink xmlns:inkml="http://www.w3.org/2003/InkML">
+  <inkml:definitions>
+    <inkml:context xml:id="ctx0">
+      <inkml:inkSource xml:id="inkSrc0">
+        <inkml:traceFormat>
+          <inkml:channel name="X" type="integer" min="-2.14748E9" max="2.14748E9" units="cm"/>
+          <inkml:channel name="Y" type="integer" min="-2.14748E9" max="2.14748E9" units="cm"/>
+          <inkml:channel name="F" type="integer" max="32767" units="dev"/>
+        </inkml:traceFormat>
+        <inkml:channelProperties>
+          <inkml:channelProperty channel="X" name="resolution" value="1000" units="1/cm"/>
+          <inkml:channelProperty channel="Y" name="resolution" value="1000" units="1/cm"/>
+          <inkml:channelProperty channel="F" name="resolution" value="0" units="1/dev"/>
+        </inkml:channelProperties>
+      </inkml:inkSource>
+      <inkml:timestamp xml:id="ts0" timeString="2023-02-15T17:21:18.209"/>
+    </inkml:context>
+    <inkml:brush xml:id="br0">
+      <inkml:brushProperty name="width" value="0.3" units="cm"/>
+      <inkml:brushProperty name="height" value="0.6" units="cm"/>
+      <inkml:brushProperty name="color" value="#FFFC00"/>
+      <inkml:brushProperty name="tip" value="rectangle"/>
+      <inkml:brushProperty name="rasterOp" value="maskPen"/>
+    </inkml:brush>
+  </inkml:definitions>
+  <inkml:trace contextRef="#ctx0" brushRef="#br0">0 1 16383,'64'0'0,"12"0"0,-46 0 0,25 0 0,-12 0 0,10 0 0,0 0 0,3 0 0,-5 0 0,11 0 0,0 0 0,12 0 0,6 0 0,1 0 0,0 0 0,-7 0 0,-7 0 0,-3 0 0,-3 0 0,-6 0 0,-2 0 0,-4 0 0,-4 0 0,-3 0 0,-1 0 0,1 0 0,4 2 0,4 2 0,0-1 0,-3 1 0,-4-1 0,-4 0 0,-2 0 0,-3 0 0,-4-2 0,-5-1 0,-7 0 0,-3 0 0,0 0 0,1 0 0,1 3 0,-1-2 0,2 3 0,-6-4 0,7 2 0,-4 1 0,0-1 0,1 1 0,-1-3 0,5 3 0,-3-1 0,4 1 0,-7-3 0,0 1 0,5 1 0,-4 0 0,2 1 0,-3-3 0,0 0 0,3 0 0,-2 0 0,2 0 0,-2 0 0,3 0 0,-2 0 0,-1 0 0,0 0 0,0 0 0,2 0 0,-2 0 0,1 0 0,-1 0 0,2 0 0,-2 0 0,0 0 0</inkml:trace>
+</inkml:ink>
+</file>
+
+<file path=ppt/ink/ink4.xml><?xml version="1.0" encoding="utf-8"?>
+<inkml:ink xmlns:inkml="http://www.w3.org/2003/InkML">
+  <inkml:definitions>
+    <inkml:context xml:id="ctx0">
+      <inkml:inkSource xml:id="inkSrc0">
+        <inkml:traceFormat>
+          <inkml:channel name="X" type="integer" min="-2.14748E9" max="2.14748E9" units="cm"/>
+          <inkml:channel name="Y" type="integer" min="-2.14748E9" max="2.14748E9" units="cm"/>
+          <inkml:channel name="F" type="integer" max="32767" units="dev"/>
+        </inkml:traceFormat>
+        <inkml:channelProperties>
+          <inkml:channelProperty channel="X" name="resolution" value="1000" units="1/cm"/>
+          <inkml:channelProperty channel="Y" name="resolution" value="1000" units="1/cm"/>
+          <inkml:channelProperty channel="F" name="resolution" value="0" units="1/dev"/>
+        </inkml:channelProperties>
+      </inkml:inkSource>
+      <inkml:timestamp xml:id="ts0" timeString="2023-02-15T17:21:21.114"/>
+    </inkml:context>
+    <inkml:brush xml:id="br0">
+      <inkml:brushProperty name="width" value="0.3" units="cm"/>
+      <inkml:brushProperty name="height" value="0.6" units="cm"/>
+      <inkml:brushProperty name="color" value="#FFFC00"/>
+      <inkml:brushProperty name="tip" value="rectangle"/>
+      <inkml:brushProperty name="rasterOp" value="maskPen"/>
+    </inkml:brush>
+  </inkml:definitions>
+  <inkml:trace contextRef="#ctx0" brushRef="#br0">0 1 16383,'51'0'0,"-5"0"0,-27 0 0,1 0 0,-1 0 0,1 0 0,4 0 0,1 0 0,3 0 0,-2 0 0,8 0 0,-15 0 0,9 0 0,-13 0 0,6 0 0,-1 0 0,0 0 0,-3 0 0,0 0 0,-3 0 0,1 0 0,4 4 0,-3 0 0,3 2 0,-4 0 0,0-3 0,0 1 0,1-2 0,0 2 0,-2 0 0,2-2 0,-1 3 0,0-2 0,3 3 0,-5-1 0,3-1 0,-1 1 0,0-3 0,2 2 0,-3-4 0,4 0 0,-2 3 0,1-2 0,-2 3 0,-1-4 0</inkml:trace>
+</inkml:ink>
+</file>
+
+<file path=ppt/ink/ink5.xml><?xml version="1.0" encoding="utf-8"?>
+<inkml:ink xmlns:inkml="http://www.w3.org/2003/InkML">
+  <inkml:definitions>
+    <inkml:context xml:id="ctx0">
+      <inkml:inkSource xml:id="inkSrc0">
+        <inkml:traceFormat>
+          <inkml:channel name="X" type="integer" min="-2.14748E9" max="2.14748E9" units="cm"/>
+          <inkml:channel name="Y" type="integer" min="-2.14748E9" max="2.14748E9" units="cm"/>
+          <inkml:channel name="F" type="integer" max="32767" units="dev"/>
+        </inkml:traceFormat>
+        <inkml:channelProperties>
+          <inkml:channelProperty channel="X" name="resolution" value="1000" units="1/cm"/>
+          <inkml:channelProperty channel="Y" name="resolution" value="1000" units="1/cm"/>
+          <inkml:channelProperty channel="F" name="resolution" value="0" units="1/dev"/>
+        </inkml:channelProperties>
+      </inkml:inkSource>
+      <inkml:timestamp xml:id="ts0" timeString="2023-02-15T17:21:23.438"/>
+    </inkml:context>
+    <inkml:brush xml:id="br0">
+      <inkml:brushProperty name="width" value="0.3" units="cm"/>
+      <inkml:brushProperty name="height" value="0.6" units="cm"/>
+      <inkml:brushProperty name="color" value="#FFFC00"/>
+      <inkml:brushProperty name="tip" value="rectangle"/>
+      <inkml:brushProperty name="rasterOp" value="maskPen"/>
+    </inkml:brush>
+  </inkml:definitions>
+  <inkml:trace contextRef="#ctx0" brushRef="#br0">0 0 16383,'56'0'0,"-6"0"0,-15 0 0,3 0 0,5 0 0,6 0 0,4 0 0,2 0 0,6 0 0,-1 0 0,3 0 0,5 0 0,0 0 0,4 3 0,0 4 0,-7 3 0,-1 4 0,-9-2 0,-7-2 0,-6-3 0,-8-3 0,-6-1 0,-4-3 0,-8 0 0,1 0 0,-3 2 0,1 0 0</inkml:trace>
+</inkml:ink>
+</file>
+
+<file path=ppt/ink/ink6.xml><?xml version="1.0" encoding="utf-8"?>
+<inkml:ink xmlns:inkml="http://www.w3.org/2003/InkML">
+  <inkml:definitions>
+    <inkml:context xml:id="ctx0">
+      <inkml:inkSource xml:id="inkSrc0">
+        <inkml:traceFormat>
+          <inkml:channel name="X" type="integer" min="-2.14748E9" max="2.14748E9" units="cm"/>
+          <inkml:channel name="Y" type="integer" min="-2.14748E9" max="2.14748E9" units="cm"/>
+          <inkml:channel name="F" type="integer" max="32767" units="dev"/>
+        </inkml:traceFormat>
+        <inkml:channelProperties>
+          <inkml:channelProperty channel="X" name="resolution" value="1000" units="1/cm"/>
+          <inkml:channelProperty channel="Y" name="resolution" value="1000" units="1/cm"/>
+          <inkml:channelProperty channel="F" name="resolution" value="0" units="1/dev"/>
+        </inkml:channelProperties>
+      </inkml:inkSource>
+      <inkml:timestamp xml:id="ts0" timeString="2023-02-15T17:21:25.982"/>
+    </inkml:context>
+    <inkml:brush xml:id="br0">
+      <inkml:brushProperty name="width" value="0.3" units="cm"/>
+      <inkml:brushProperty name="height" value="0.6" units="cm"/>
+      <inkml:brushProperty name="color" value="#FFFC00"/>
+      <inkml:brushProperty name="tip" value="rectangle"/>
+      <inkml:brushProperty name="rasterOp" value="maskPen"/>
+    </inkml:brush>
+  </inkml:definitions>
+  <inkml:trace contextRef="#ctx0" brushRef="#br0">1 0 16383,'39'0'0,"-4"0"0,-26 0 0,5 0 0,3 0 0,9 0 0,6 0 0,5 0 0,-5 0 0,4 0 0,0 0 0,-1 0 0,3 0 0,-2 0 0,0 0 0,0 0 0,-4 0 0,0 0 0,-1 0 0,1 0 0,-1 0 0,1 0 0,-2 0 0,-3 0 0,-3 0 0,-2 0 0,-3 0 0,-2 0 0,-1 0 0,2 0 0,-3 2 0,1 0 0,-1 0 0,-2 3 0,3-1 0,1 0 0,-1 2 0,-1-5 0,-3 3 0</inkml:trace>
+</inkml:ink>
+</file>
+
+<file path=ppt/ink/ink7.xml><?xml version="1.0" encoding="utf-8"?>
+<inkml:ink xmlns:inkml="http://www.w3.org/2003/InkML">
+  <inkml:definitions>
+    <inkml:context xml:id="ctx0">
+      <inkml:inkSource xml:id="inkSrc0">
+        <inkml:traceFormat>
+          <inkml:channel name="X" type="integer" min="-2.14748E9" max="2.14748E9" units="cm"/>
+          <inkml:channel name="Y" type="integer" min="-2.14748E9" max="2.14748E9" units="cm"/>
+          <inkml:channel name="F" type="integer" max="32767" units="dev"/>
+        </inkml:traceFormat>
+        <inkml:channelProperties>
+          <inkml:channelProperty channel="X" name="resolution" value="1000" units="1/cm"/>
+          <inkml:channelProperty channel="Y" name="resolution" value="1000" units="1/cm"/>
+          <inkml:channelProperty channel="F" name="resolution" value="0" units="1/dev"/>
+        </inkml:channelProperties>
+      </inkml:inkSource>
+      <inkml:timestamp xml:id="ts0" timeString="2023-02-15T17:21:29.266"/>
+    </inkml:context>
+    <inkml:brush xml:id="br0">
+      <inkml:brushProperty name="width" value="0.3" units="cm"/>
+      <inkml:brushProperty name="height" value="0.6" units="cm"/>
+      <inkml:brushProperty name="color" value="#FFFC00"/>
+      <inkml:brushProperty name="tip" value="rectangle"/>
+      <inkml:brushProperty name="rasterOp" value="maskPen"/>
+    </inkml:brush>
+  </inkml:definitions>
+  <inkml:trace contextRef="#ctx0" brushRef="#br0">1 0 16383,'77'0'0,"12"0"0,-11 0 0,-19 0 0,4 0 0,7 0 0,2 0 0,-3 0 0,0 0 0,1 0 0,-3 0 0,-13 0 0,-3 0 0,43 0 0,-1 0 0,-10 0 0,-10 0 0,-6 0 0,-6 0 0,-6 0 0,-3 0 0,-3 0 0,-4 0 0,-3 0 0,-6 0 0,-3 0 0,-3 0 0,-4 0 0,-1 0 0,-4 0 0,0 0 0,-3 0 0,0 0 0,-1 0 0,-2 0 0,10 0 0,-12 0 0,5 0 0,-4 0 0,-1 0 0,8 1 0,-6 3 0,-2-1 0,4 4 0,-5-3 0,5 0 0,2-2 0,-6-1 0,6-1 0,-5 0 0,1 0 0,4 0 0,-7 0 0,6 0 0,-6 0 0</inkml:trace>
+</inkml:ink>
+</file>
+
+<file path=ppt/ink/ink8.xml><?xml version="1.0" encoding="utf-8"?>
+<inkml:ink xmlns:inkml="http://www.w3.org/2003/InkML">
+  <inkml:definitions>
+    <inkml:context xml:id="ctx0">
+      <inkml:inkSource xml:id="inkSrc0">
+        <inkml:traceFormat>
+          <inkml:channel name="X" type="integer" min="-2.14748E9" max="2.14748E9" units="cm"/>
+          <inkml:channel name="Y" type="integer" min="-2.14748E9" max="2.14748E9" units="cm"/>
+          <inkml:channel name="F" type="integer" max="32767" units="dev"/>
+        </inkml:traceFormat>
+        <inkml:channelProperties>
+          <inkml:channelProperty channel="X" name="resolution" value="1000" units="1/cm"/>
+          <inkml:channelProperty channel="Y" name="resolution" value="1000" units="1/cm"/>
+          <inkml:channelProperty channel="F" name="resolution" value="0" units="1/dev"/>
+        </inkml:channelProperties>
+      </inkml:inkSource>
+      <inkml:timestamp xml:id="ts0" timeString="2023-02-15T17:21:47.256"/>
+    </inkml:context>
+    <inkml:brush xml:id="br0">
+      <inkml:brushProperty name="width" value="0.3" units="cm"/>
+      <inkml:brushProperty name="height" value="0.6" units="cm"/>
+      <inkml:brushProperty name="color" value="#FFFC00"/>
+      <inkml:brushProperty name="tip" value="rectangle"/>
+      <inkml:brushProperty name="rasterOp" value="maskPen"/>
+    </inkml:brush>
+  </inkml:definitions>
+  <inkml:trace contextRef="#ctx0" brushRef="#br0">1 27 16383,'65'0'0,"-5"0"0,-24 0 0,-1 0 0,0 0 0,0 0 0,-1 0 0,-2 0 0,-3 0 0,-2 0 0,-2 0 0,0 0 0,-1 0 0,1 0 0,0 0 0,1 0 0,1 0 0,1 0 0,1 0 0,-1 0 0,1 0 0,-3 0 0,-2 0 0,-5 0 0,-4 0 0,1 0 0,-3 0 0,3-2 0,2-1 0,-6-1 0,9 0 0,-8 1 0,7-1 0,-4 1 0,-1 0 0,1 2 0,-1 1 0,1 0 0,1 0 0,-1 0 0,1 0 0,-1 0 0,-1 0 0</inkml:trace>
+</inkml:ink>
+</file>
+
+<file path=ppt/ink/ink9.xml><?xml version="1.0" encoding="utf-8"?>
+<inkml:ink xmlns:inkml="http://www.w3.org/2003/InkML">
+  <inkml:definitions>
+    <inkml:context xml:id="ctx0">
+      <inkml:inkSource xml:id="inkSrc0">
+        <inkml:traceFormat>
+          <inkml:channel name="X" type="integer" min="-2.14748E9" max="2.14748E9" units="cm"/>
+          <inkml:channel name="Y" type="integer" min="-2.14748E9" max="2.14748E9" units="cm"/>
+          <inkml:channel name="F" type="integer" max="32767" units="dev"/>
+        </inkml:traceFormat>
+        <inkml:channelProperties>
+          <inkml:channelProperty channel="X" name="resolution" value="1000" units="1/cm"/>
+          <inkml:channelProperty channel="Y" name="resolution" value="1000" units="1/cm"/>
+          <inkml:channelProperty channel="F" name="resolution" value="0" units="1/dev"/>
+        </inkml:channelProperties>
+      </inkml:inkSource>
+      <inkml:timestamp xml:id="ts0" timeString="2023-02-15T17:21:49.967"/>
+    </inkml:context>
+    <inkml:brush xml:id="br0">
+      <inkml:brushProperty name="width" value="0.3" units="cm"/>
+      <inkml:brushProperty name="height" value="0.6" units="cm"/>
+      <inkml:brushProperty name="color" value="#FFFC00"/>
+      <inkml:brushProperty name="tip" value="rectangle"/>
+      <inkml:brushProperty name="rasterOp" value="maskPen"/>
+    </inkml:brush>
+  </inkml:definitions>
+  <inkml:trace contextRef="#ctx0" brushRef="#br0">1 1 16383,'68'0'0,"-4"0"0,-17 0 0,4 0 0,7 0 0,3 0 0,6 0 0,3 0 0,3 0 0,3 0 0,-1 0 0,1 0 0,-3 0 0,-3 0 0,-4 0 0,-7 0 0,-2 0 0,-2 0 0,-7 0 0,-5 0 0,-5 0 0,-1 0 0,-3 0 0,-5 0 0,-1 0 0,-3 0 0,0 0 0,4 0 0,-15 0 0,7 0 0,-5 0 0,-1 0 0,6 0 0,-9 0 0,7 0 0,-6 0 0,7 0 0,-4 0 0,-1 0 0,4 0 0,-6 0 0,5 0 0,1 0 0,-2 0 0,7 0 0,-5 0 0,4 0 0,2 0 0,3 0 0,1 0 0,0 0 0,-1 0 0,1 0 0,-1 0 0,-2 0 0,-2 0 0,-2 0 0,-4 0 0,4 0 0,-11 0 0,10 0 0,-10 0 0,10 0 0,-6 0 0,0 0 0,5 0 0,-10 0 0,15 0 0,-12 0 0,7 0 0,-5 0 0,-1 0 0,4 0 0,-2 1 0,1 1 0,-2 0 0,-1 0 0,2-1 0,-1-1 0,2 3 0,-1-2 0,0 3 0,2-4 0,4 0 0,-8 0 0,6 0 0,-4 0 0,0 0 0,5 0 0,-7 0 0,2 0 0,3 0 0,-4 0 0,2 0 0,0 0 0,-5 0 0,5 0 0</inkml:trace>
+</inkml:ink>
+</file>
+
 <file path=ppt/notesMasters/notesMaster1.xml><?xml version="1.0" encoding="utf-8"?>
 <p:notesMaster xmlns:a="http://schemas.openxmlformats.org/drawingml/2006/main" xmlns:r="http://schemas.openxmlformats.org/officeDocument/2006/relationships" xmlns:p="http://schemas.openxmlformats.org/presentationml/2006/main">
   <p:cSld>
@@ -14119,7 +14607,7 @@
           <a:p>
             <a:fld id="{95F3A9C0-D7C5-1F4F-9ADD-323C3EAE9429}" type="datetimeFigureOut">
               <a:rPr lang="fr-CA" smtClean="0"/>
-              <a:t>2023-02-12</a:t>
+              <a:t>2023-02-15</a:t>
             </a:fld>
             <a:endParaRPr lang="fr-CA"/>
           </a:p>
@@ -14474,7 +14962,7 @@
           <a:p>
             <a:fld id="{5AF06E3D-D3AF-974B-B662-9B3DFC1298AA}" type="slidenum">
               <a:rPr lang="fr-CA" smtClean="0"/>
-              <a:t>18</a:t>
+              <a:t>22</a:t>
             </a:fld>
             <a:endParaRPr lang="fr-CA"/>
           </a:p>
@@ -14649,7 +15137,7 @@
           <a:p>
             <a:fld id="{02AC24A9-CCB6-4F8D-B8DB-C2F3692CFA5A}" type="datetimeFigureOut">
               <a:rPr lang="en-US" smtClean="0"/>
-              <a:t>2/12/23</a:t>
+              <a:t>2/15/23</a:t>
             </a:fld>
             <a:endParaRPr lang="en-US" dirty="0"/>
           </a:p>
@@ -15019,7 +15507,7 @@
           <a:p>
             <a:fld id="{02AC24A9-CCB6-4F8D-B8DB-C2F3692CFA5A}" type="datetimeFigureOut">
               <a:rPr lang="en-US" smtClean="0"/>
-              <a:t>2/12/23</a:t>
+              <a:t>2/15/23</a:t>
             </a:fld>
             <a:endParaRPr lang="en-US"/>
           </a:p>
@@ -15228,7 +15716,7 @@
           <a:p>
             <a:fld id="{02AC24A9-CCB6-4F8D-B8DB-C2F3692CFA5A}" type="datetimeFigureOut">
               <a:rPr lang="en-US" smtClean="0"/>
-              <a:t>2/12/23</a:t>
+              <a:t>2/15/23</a:t>
             </a:fld>
             <a:endParaRPr lang="en-US"/>
           </a:p>
@@ -15698,7 +16186,7 @@
           <a:p>
             <a:fld id="{02AC24A9-CCB6-4F8D-B8DB-C2F3692CFA5A}" type="datetimeFigureOut">
               <a:rPr lang="en-US" smtClean="0"/>
-              <a:t>2/12/23</a:t>
+              <a:t>2/15/23</a:t>
             </a:fld>
             <a:endParaRPr lang="en-US"/>
           </a:p>
@@ -16152,7 +16640,7 @@
           <a:p>
             <a:fld id="{02AC24A9-CCB6-4F8D-B8DB-C2F3692CFA5A}" type="datetimeFigureOut">
               <a:rPr lang="en-US" smtClean="0"/>
-              <a:t>2/12/23</a:t>
+              <a:t>2/15/23</a:t>
             </a:fld>
             <a:endParaRPr lang="en-US"/>
           </a:p>
@@ -16684,7 +17172,7 @@
           <a:p>
             <a:fld id="{02AC24A9-CCB6-4F8D-B8DB-C2F3692CFA5A}" type="datetimeFigureOut">
               <a:rPr lang="en-US" smtClean="0"/>
-              <a:t>2/12/23</a:t>
+              <a:t>2/15/23</a:t>
             </a:fld>
             <a:endParaRPr lang="en-US"/>
           </a:p>
@@ -17383,7 +17871,7 @@
           <a:p>
             <a:fld id="{02AC24A9-CCB6-4F8D-B8DB-C2F3692CFA5A}" type="datetimeFigureOut">
               <a:rPr lang="en-US" smtClean="0"/>
-              <a:t>2/12/23</a:t>
+              <a:t>2/15/23</a:t>
             </a:fld>
             <a:endParaRPr lang="en-US"/>
           </a:p>
@@ -17712,7 +18200,7 @@
           <a:p>
             <a:fld id="{02AC24A9-CCB6-4F8D-B8DB-C2F3692CFA5A}" type="datetimeFigureOut">
               <a:rPr lang="en-US" smtClean="0"/>
-              <a:t>2/12/23</a:t>
+              <a:t>2/15/23</a:t>
             </a:fld>
             <a:endParaRPr lang="en-US"/>
           </a:p>
@@ -17825,7 +18313,7 @@
           <a:p>
             <a:fld id="{02AC24A9-CCB6-4F8D-B8DB-C2F3692CFA5A}" type="datetimeFigureOut">
               <a:rPr lang="en-US" smtClean="0"/>
-              <a:t>2/12/23</a:t>
+              <a:t>2/15/23</a:t>
             </a:fld>
             <a:endParaRPr lang="en-US"/>
           </a:p>
@@ -18320,7 +18808,7 @@
           <a:p>
             <a:fld id="{02AC24A9-CCB6-4F8D-B8DB-C2F3692CFA5A}" type="datetimeFigureOut">
               <a:rPr lang="en-US" smtClean="0"/>
-              <a:t>2/12/23</a:t>
+              <a:t>2/15/23</a:t>
             </a:fld>
             <a:endParaRPr lang="en-US" dirty="0"/>
           </a:p>
@@ -18797,7 +19285,7 @@
           <a:p>
             <a:fld id="{02AC24A9-CCB6-4F8D-B8DB-C2F3692CFA5A}" type="datetimeFigureOut">
               <a:rPr lang="en-US" smtClean="0"/>
-              <a:t>2/12/23</a:t>
+              <a:t>2/15/23</a:t>
             </a:fld>
             <a:endParaRPr lang="en-US"/>
           </a:p>
@@ -19040,7 +19528,7 @@
           <a:p>
             <a:fld id="{02AC24A9-CCB6-4F8D-B8DB-C2F3692CFA5A}" type="datetimeFigureOut">
               <a:rPr lang="en-US" smtClean="0"/>
-              <a:t>2/12/23</a:t>
+              <a:t>2/15/23</a:t>
             </a:fld>
             <a:endParaRPr lang="en-US"/>
           </a:p>
@@ -22667,6 +23155,109 @@
           </a:p>
         </p:txBody>
       </p:sp>
+      <p:pic>
+        <p:nvPicPr>
+          <p:cNvPr id="15" name="Image 14">
+            <a:extLst>
+              <a:ext uri="{FF2B5EF4-FFF2-40B4-BE49-F238E27FC236}">
+                <a16:creationId xmlns:a16="http://schemas.microsoft.com/office/drawing/2014/main" id="{7F8CB6F4-6CA2-A802-60BC-B5A1D865F788}"/>
+              </a:ext>
+            </a:extLst>
+          </p:cNvPr>
+          <p:cNvPicPr>
+            <a:picLocks noChangeAspect="1"/>
+          </p:cNvPicPr>
+          <p:nvPr/>
+        </p:nvPicPr>
+        <p:blipFill>
+          <a:blip r:embed="rId2"/>
+          <a:stretch>
+            <a:fillRect/>
+          </a:stretch>
+        </p:blipFill>
+        <p:spPr>
+          <a:xfrm>
+            <a:off x="77899" y="4482708"/>
+            <a:ext cx="5491803" cy="2215991"/>
+          </a:xfrm>
+          <a:prstGeom prst="rect">
+            <a:avLst/>
+          </a:prstGeom>
+        </p:spPr>
+      </p:pic>
+      <p:sp>
+        <p:nvSpPr>
+          <p:cNvPr id="27" name="ZoneTexte 26">
+            <a:extLst>
+              <a:ext uri="{FF2B5EF4-FFF2-40B4-BE49-F238E27FC236}">
+                <a16:creationId xmlns:a16="http://schemas.microsoft.com/office/drawing/2014/main" id="{C34A0E55-452A-F692-4417-0C5B7801F870}"/>
+              </a:ext>
+            </a:extLst>
+          </p:cNvPr>
+          <p:cNvSpPr txBox="1"/>
+          <p:nvPr/>
+        </p:nvSpPr>
+        <p:spPr>
+          <a:xfrm>
+            <a:off x="2823801" y="592448"/>
+            <a:ext cx="7533747" cy="523220"/>
+          </a:xfrm>
+          <a:prstGeom prst="rect">
+            <a:avLst/>
+          </a:prstGeom>
+          <a:noFill/>
+        </p:spPr>
+        <p:txBody>
+          <a:bodyPr wrap="square" rtlCol="0">
+            <a:spAutoFit/>
+          </a:bodyPr>
+          <a:lstStyle/>
+          <a:p>
+            <a:r>
+              <a:rPr lang="fr-CA" sz="2800" dirty="0">
+                <a:latin typeface="Aharoni" panose="02010803020104030203" pitchFamily="2" charset="-79"/>
+                <a:cs typeface="Aharoni" panose="02010803020104030203" pitchFamily="2" charset="-79"/>
+              </a:rPr>
+              <a:t>Indexer ou filtrer les données d’un tableau</a:t>
+            </a:r>
+          </a:p>
+        </p:txBody>
+      </p:sp>
+      <p:sp>
+        <p:nvSpPr>
+          <p:cNvPr id="28" name="ZoneTexte 27">
+            <a:extLst>
+              <a:ext uri="{FF2B5EF4-FFF2-40B4-BE49-F238E27FC236}">
+                <a16:creationId xmlns:a16="http://schemas.microsoft.com/office/drawing/2014/main" id="{34E2AC90-471F-89B8-9D04-84E08AD91798}"/>
+              </a:ext>
+            </a:extLst>
+          </p:cNvPr>
+          <p:cNvSpPr txBox="1"/>
+          <p:nvPr/>
+        </p:nvSpPr>
+        <p:spPr>
+          <a:xfrm>
+            <a:off x="1317237" y="1383251"/>
+            <a:ext cx="10208303" cy="2215991"/>
+          </a:xfrm>
+          <a:prstGeom prst="rect">
+            <a:avLst/>
+          </a:prstGeom>
+          <a:noFill/>
+        </p:spPr>
+        <p:txBody>
+          <a:bodyPr wrap="square" rtlCol="0">
+            <a:spAutoFit/>
+          </a:bodyPr>
+          <a:lstStyle/>
+          <a:p>
+            <a:r>
+              <a:rPr lang="fr-CA" sz="13800" dirty="0"/>
+              <a:t>XYZ[          ]</a:t>
+            </a:r>
+          </a:p>
+        </p:txBody>
+      </p:sp>
       <p:graphicFrame>
         <p:nvGraphicFramePr>
           <p:cNvPr id="13" name="Tableau 13">
@@ -22682,7 +23273,7 @@
           <p:nvPr>
             <p:extLst>
               <p:ext uri="{D42A27DB-BD31-4B8C-83A1-F6EECF244321}">
-                <p14:modId xmlns:p14="http://schemas.microsoft.com/office/powerpoint/2010/main" val="3455450649"/>
+                <p14:modId xmlns:p14="http://schemas.microsoft.com/office/powerpoint/2010/main" val="3410990877"/>
               </p:ext>
             </p:extLst>
           </p:nvPr>
@@ -22722,6 +23313,9 @@
                       <a:pPr algn="ctr"/>
                       <a:r>
                         <a:rPr lang="fr-CA" sz="1200" dirty="0">
+                          <a:highlight>
+                            <a:srgbClr val="FFFF00"/>
+                          </a:highlight>
                           <a:latin typeface="Courier" pitchFamily="2" charset="0"/>
                         </a:rPr>
                         <a:t>1</a:t>
@@ -22738,6 +23332,9 @@
                       <a:pPr algn="ctr"/>
                       <a:r>
                         <a:rPr lang="fr-CA" sz="1200" dirty="0">
+                          <a:highlight>
+                            <a:srgbClr val="FFFF00"/>
+                          </a:highlight>
                           <a:latin typeface="Courier" pitchFamily="2" charset="0"/>
                         </a:rPr>
                         <a:t>1</a:t>
@@ -22948,6 +23545,280 @@
           </a:graphicData>
         </a:graphic>
       </p:graphicFrame>
+      <mc:AlternateContent xmlns:mc="http://schemas.openxmlformats.org/markup-compatibility/2006">
+        <mc:Choice xmlns:p14="http://schemas.microsoft.com/office/powerpoint/2010/main" Requires="p14">
+          <p:contentPart p14:bwMode="auto" r:id="rId3">
+            <p14:nvContentPartPr>
+              <p14:cNvPr id="2" name="Entrée manuscrite 1">
+                <a:extLst>
+                  <a:ext uri="{FF2B5EF4-FFF2-40B4-BE49-F238E27FC236}">
+                    <a16:creationId xmlns:a16="http://schemas.microsoft.com/office/drawing/2014/main" id="{5179F35F-CFB0-BF86-87F5-DF161C6B3855}"/>
+                  </a:ext>
+                </a:extLst>
+              </p14:cNvPr>
+              <p14:cNvContentPartPr/>
+              <p14:nvPr/>
+            </p14:nvContentPartPr>
+            <p14:xfrm>
+              <a:off x="248793" y="5386778"/>
+              <a:ext cx="537120" cy="360"/>
+            </p14:xfrm>
+          </p:contentPart>
+        </mc:Choice>
+        <mc:Fallback>
+          <p:pic>
+            <p:nvPicPr>
+              <p:cNvPr id="2" name="Entrée manuscrite 1">
+                <a:extLst>
+                  <a:ext uri="{FF2B5EF4-FFF2-40B4-BE49-F238E27FC236}">
+                    <a16:creationId xmlns:a16="http://schemas.microsoft.com/office/drawing/2014/main" id="{5179F35F-CFB0-BF86-87F5-DF161C6B3855}"/>
+                  </a:ext>
+                </a:extLst>
+              </p:cNvPr>
+              <p:cNvPicPr/>
+              <p:nvPr/>
+            </p:nvPicPr>
+            <p:blipFill>
+              <a:blip r:embed="rId4"/>
+              <a:stretch>
+                <a:fillRect/>
+              </a:stretch>
+            </p:blipFill>
+            <p:spPr>
+              <a:xfrm>
+                <a:off x="195153" y="5279138"/>
+                <a:ext cx="644760" cy="216000"/>
+              </a:xfrm>
+              <a:prstGeom prst="rect">
+                <a:avLst/>
+              </a:prstGeom>
+            </p:spPr>
+          </p:pic>
+        </mc:Fallback>
+      </mc:AlternateContent>
+    </p:spTree>
+    <p:extLst>
+      <p:ext uri="{BB962C8B-B14F-4D97-AF65-F5344CB8AC3E}">
+        <p14:creationId xmlns:p14="http://schemas.microsoft.com/office/powerpoint/2010/main" val="3174029626"/>
+      </p:ext>
+    </p:extLst>
+  </p:cSld>
+  <p:clrMapOvr>
+    <a:masterClrMapping/>
+  </p:clrMapOvr>
+</p:sld>
+</file>
+
+<file path=ppt/slides/slide15.xml><?xml version="1.0" encoding="utf-8"?>
+<p:sld xmlns:a="http://schemas.openxmlformats.org/drawingml/2006/main" xmlns:r="http://schemas.openxmlformats.org/officeDocument/2006/relationships" xmlns:p="http://schemas.openxmlformats.org/presentationml/2006/main">
+  <p:cSld>
+    <p:spTree>
+      <p:nvGrpSpPr>
+        <p:cNvPr id="1" name=""/>
+        <p:cNvGrpSpPr/>
+        <p:nvPr/>
+      </p:nvGrpSpPr>
+      <p:grpSpPr>
+        <a:xfrm>
+          <a:off x="0" y="0"/>
+          <a:ext cx="0" cy="0"/>
+          <a:chOff x="0" y="0"/>
+          <a:chExt cx="0" cy="0"/>
+        </a:xfrm>
+      </p:grpSpPr>
+      <p:sp>
+        <p:nvSpPr>
+          <p:cNvPr id="5" name="Flèche vers le haut 4">
+            <a:extLst>
+              <a:ext uri="{FF2B5EF4-FFF2-40B4-BE49-F238E27FC236}">
+                <a16:creationId xmlns:a16="http://schemas.microsoft.com/office/drawing/2014/main" id="{271D5916-8F35-25D8-0722-15DC8A3798E3}"/>
+              </a:ext>
+            </a:extLst>
+          </p:cNvPr>
+          <p:cNvSpPr/>
+          <p:nvPr/>
+        </p:nvSpPr>
+        <p:spPr>
+          <a:xfrm>
+            <a:off x="6010370" y="3307104"/>
+            <a:ext cx="531341" cy="864973"/>
+          </a:xfrm>
+          <a:prstGeom prst="upArrow">
+            <a:avLst/>
+          </a:prstGeom>
+        </p:spPr>
+        <p:style>
+          <a:lnRef idx="1">
+            <a:schemeClr val="dk1"/>
+          </a:lnRef>
+          <a:fillRef idx="2">
+            <a:schemeClr val="dk1"/>
+          </a:fillRef>
+          <a:effectRef idx="1">
+            <a:schemeClr val="dk1"/>
+          </a:effectRef>
+          <a:fontRef idx="minor">
+            <a:schemeClr val="dk1"/>
+          </a:fontRef>
+        </p:style>
+        <p:txBody>
+          <a:bodyPr rtlCol="0" anchor="ctr"/>
+          <a:lstStyle/>
+          <a:p>
+            <a:pPr algn="ctr"/>
+            <a:endParaRPr lang="fr-CA"/>
+          </a:p>
+        </p:txBody>
+      </p:sp>
+      <p:sp>
+        <p:nvSpPr>
+          <p:cNvPr id="6" name="Flèche vers le haut 5">
+            <a:extLst>
+              <a:ext uri="{FF2B5EF4-FFF2-40B4-BE49-F238E27FC236}">
+                <a16:creationId xmlns:a16="http://schemas.microsoft.com/office/drawing/2014/main" id="{12D2520D-D611-D8A4-814B-A925DDBC052B}"/>
+              </a:ext>
+            </a:extLst>
+          </p:cNvPr>
+          <p:cNvSpPr/>
+          <p:nvPr/>
+        </p:nvSpPr>
+        <p:spPr>
+          <a:xfrm>
+            <a:off x="8618284" y="3307103"/>
+            <a:ext cx="531341" cy="864973"/>
+          </a:xfrm>
+          <a:prstGeom prst="upArrow">
+            <a:avLst/>
+          </a:prstGeom>
+        </p:spPr>
+        <p:style>
+          <a:lnRef idx="1">
+            <a:schemeClr val="dk1"/>
+          </a:lnRef>
+          <a:fillRef idx="2">
+            <a:schemeClr val="dk1"/>
+          </a:fillRef>
+          <a:effectRef idx="1">
+            <a:schemeClr val="dk1"/>
+          </a:effectRef>
+          <a:fontRef idx="minor">
+            <a:schemeClr val="dk1"/>
+          </a:fontRef>
+        </p:style>
+        <p:txBody>
+          <a:bodyPr rtlCol="0" anchor="ctr"/>
+          <a:lstStyle/>
+          <a:p>
+            <a:pPr algn="ctr"/>
+            <a:endParaRPr lang="fr-CA"/>
+          </a:p>
+        </p:txBody>
+      </p:sp>
+      <p:sp>
+        <p:nvSpPr>
+          <p:cNvPr id="7" name="ZoneTexte 6">
+            <a:extLst>
+              <a:ext uri="{FF2B5EF4-FFF2-40B4-BE49-F238E27FC236}">
+                <a16:creationId xmlns:a16="http://schemas.microsoft.com/office/drawing/2014/main" id="{16025DB4-40C2-DBD3-C78E-3D6CDA31568A}"/>
+              </a:ext>
+            </a:extLst>
+          </p:cNvPr>
+          <p:cNvSpPr txBox="1"/>
+          <p:nvPr/>
+        </p:nvSpPr>
+        <p:spPr>
+          <a:xfrm>
+            <a:off x="6984588" y="2040964"/>
+            <a:ext cx="531340" cy="1625951"/>
+          </a:xfrm>
+          <a:prstGeom prst="rect">
+            <a:avLst/>
+          </a:prstGeom>
+          <a:noFill/>
+        </p:spPr>
+        <p:txBody>
+          <a:bodyPr wrap="square" rtlCol="0">
+            <a:spAutoFit/>
+          </a:bodyPr>
+          <a:lstStyle/>
+          <a:p>
+            <a:r>
+              <a:rPr lang="fr-CA" sz="9600" dirty="0"/>
+              <a:t>,</a:t>
+            </a:r>
+          </a:p>
+        </p:txBody>
+      </p:sp>
+      <p:sp>
+        <p:nvSpPr>
+          <p:cNvPr id="8" name="ZoneTexte 7">
+            <a:extLst>
+              <a:ext uri="{FF2B5EF4-FFF2-40B4-BE49-F238E27FC236}">
+                <a16:creationId xmlns:a16="http://schemas.microsoft.com/office/drawing/2014/main" id="{9323001C-9262-D71B-22FA-F3FD469037E2}"/>
+              </a:ext>
+            </a:extLst>
+          </p:cNvPr>
+          <p:cNvSpPr txBox="1"/>
+          <p:nvPr/>
+        </p:nvSpPr>
+        <p:spPr>
+          <a:xfrm>
+            <a:off x="5682915" y="4298042"/>
+            <a:ext cx="1186249" cy="369332"/>
+          </a:xfrm>
+          <a:prstGeom prst="rect">
+            <a:avLst/>
+          </a:prstGeom>
+          <a:noFill/>
+        </p:spPr>
+        <p:txBody>
+          <a:bodyPr wrap="square" rtlCol="0">
+            <a:spAutoFit/>
+          </a:bodyPr>
+          <a:lstStyle/>
+          <a:p>
+            <a:r>
+              <a:rPr lang="fr-CA" b="1" dirty="0"/>
+              <a:t>LIGNES</a:t>
+            </a:r>
+          </a:p>
+        </p:txBody>
+      </p:sp>
+      <p:sp>
+        <p:nvSpPr>
+          <p:cNvPr id="9" name="ZoneTexte 8">
+            <a:extLst>
+              <a:ext uri="{FF2B5EF4-FFF2-40B4-BE49-F238E27FC236}">
+                <a16:creationId xmlns:a16="http://schemas.microsoft.com/office/drawing/2014/main" id="{4EC25CCC-F016-E684-58D3-3BDD3FAC9AF9}"/>
+              </a:ext>
+            </a:extLst>
+          </p:cNvPr>
+          <p:cNvSpPr txBox="1"/>
+          <p:nvPr/>
+        </p:nvSpPr>
+        <p:spPr>
+          <a:xfrm>
+            <a:off x="8109597" y="4298042"/>
+            <a:ext cx="1548713" cy="369332"/>
+          </a:xfrm>
+          <a:prstGeom prst="rect">
+            <a:avLst/>
+          </a:prstGeom>
+          <a:noFill/>
+        </p:spPr>
+        <p:txBody>
+          <a:bodyPr wrap="square" rtlCol="0">
+            <a:spAutoFit/>
+          </a:bodyPr>
+          <a:lstStyle/>
+          <a:p>
+            <a:r>
+              <a:rPr lang="fr-CA" b="1" dirty="0"/>
+              <a:t>COLONNES</a:t>
+            </a:r>
+          </a:p>
+        </p:txBody>
+      </p:sp>
       <p:pic>
         <p:nvPicPr>
           <p:cNvPr id="15" name="Image 14">
@@ -23051,10 +23922,603 @@
           </a:p>
         </p:txBody>
       </p:sp>
+      <p:graphicFrame>
+        <p:nvGraphicFramePr>
+          <p:cNvPr id="13" name="Tableau 13">
+            <a:extLst>
+              <a:ext uri="{FF2B5EF4-FFF2-40B4-BE49-F238E27FC236}">
+                <a16:creationId xmlns:a16="http://schemas.microsoft.com/office/drawing/2014/main" id="{3558795B-B200-A6DE-E5F0-BC1B86C863CB}"/>
+              </a:ext>
+            </a:extLst>
+          </p:cNvPr>
+          <p:cNvGraphicFramePr>
+            <a:graphicFrameLocks noGrp="1"/>
+          </p:cNvGraphicFramePr>
+          <p:nvPr>
+            <p:extLst>
+              <p:ext uri="{D42A27DB-BD31-4B8C-83A1-F6EECF244321}">
+                <p14:modId xmlns:p14="http://schemas.microsoft.com/office/powerpoint/2010/main" val="4090920641"/>
+              </p:ext>
+            </p:extLst>
+          </p:nvPr>
+        </p:nvGraphicFramePr>
+        <p:xfrm>
+          <a:off x="4980237" y="1579999"/>
+          <a:ext cx="5114380" cy="1644337"/>
+        </p:xfrm>
+        <a:graphic>
+          <a:graphicData uri="http://schemas.openxmlformats.org/drawingml/2006/table">
+            <a:tbl>
+              <a:tblPr firstRow="1" bandRow="1">
+                <a:tableStyleId>{2D5ABB26-0587-4C30-8999-92F81FD0307C}</a:tableStyleId>
+              </a:tblPr>
+              <a:tblGrid>
+                <a:gridCol w="2557190">
+                  <a:extLst>
+                    <a:ext uri="{9D8B030D-6E8A-4147-A177-3AD203B41FA5}">
+                      <a16:colId xmlns:a16="http://schemas.microsoft.com/office/drawing/2014/main" val="879718433"/>
+                    </a:ext>
+                  </a:extLst>
+                </a:gridCol>
+                <a:gridCol w="2557190">
+                  <a:extLst>
+                    <a:ext uri="{9D8B030D-6E8A-4147-A177-3AD203B41FA5}">
+                      <a16:colId xmlns:a16="http://schemas.microsoft.com/office/drawing/2014/main" val="2059953055"/>
+                    </a:ext>
+                  </a:extLst>
+                </a:gridCol>
+              </a:tblGrid>
+              <a:tr h="320780">
+                <a:tc>
+                  <a:txBody>
+                    <a:bodyPr/>
+                    <a:lstStyle/>
+                    <a:p>
+                      <a:pPr algn="ctr"/>
+                      <a:r>
+                        <a:rPr lang="fr-CA" sz="1200" dirty="0">
+                          <a:latin typeface="Courier" pitchFamily="2" charset="0"/>
+                        </a:rPr>
+                        <a:t>1</a:t>
+                      </a:r>
+                    </a:p>
+                  </a:txBody>
+                  <a:tcPr/>
+                </a:tc>
+                <a:tc>
+                  <a:txBody>
+                    <a:bodyPr/>
+                    <a:lstStyle/>
+                    <a:p>
+                      <a:pPr algn="ctr"/>
+                      <a:r>
+                        <a:rPr lang="fr-CA" sz="1200" dirty="0">
+                          <a:latin typeface="Courier" pitchFamily="2" charset="0"/>
+                        </a:rPr>
+                        <a:t>1</a:t>
+                      </a:r>
+                    </a:p>
+                  </a:txBody>
+                  <a:tcPr/>
+                </a:tc>
+                <a:extLst>
+                  <a:ext uri="{0D108BD9-81ED-4DB2-BD59-A6C34878D82A}">
+                    <a16:rowId xmlns:a16="http://schemas.microsoft.com/office/drawing/2014/main" val="1084043891"/>
+                  </a:ext>
+                </a:extLst>
+              </a:tr>
+              <a:tr h="320780">
+                <a:tc>
+                  <a:txBody>
+                    <a:bodyPr/>
+                    <a:lstStyle/>
+                    <a:p>
+                      <a:pPr algn="ctr"/>
+                      <a:r>
+                        <a:rPr lang="fr-CA" sz="1200" dirty="0">
+                          <a:highlight>
+                            <a:srgbClr val="FFFF00"/>
+                          </a:highlight>
+                          <a:latin typeface="Courier" pitchFamily="2" charset="0"/>
+                        </a:rPr>
+                        <a:t>1:3</a:t>
+                      </a:r>
+                    </a:p>
+                  </a:txBody>
+                  <a:tcPr/>
+                </a:tc>
+                <a:tc>
+                  <a:txBody>
+                    <a:bodyPr/>
+                    <a:lstStyle/>
+                    <a:p>
+                      <a:pPr algn="ctr"/>
+                      <a:r>
+                        <a:rPr lang="fr-CA" sz="1200" dirty="0">
+                          <a:highlight>
+                            <a:srgbClr val="FFFF00"/>
+                          </a:highlight>
+                          <a:latin typeface="Courier" pitchFamily="2" charset="0"/>
+                        </a:rPr>
+                        <a:t>1:2</a:t>
+                      </a:r>
+                    </a:p>
+                  </a:txBody>
+                  <a:tcPr/>
+                </a:tc>
+                <a:extLst>
+                  <a:ext uri="{0D108BD9-81ED-4DB2-BD59-A6C34878D82A}">
+                    <a16:rowId xmlns:a16="http://schemas.microsoft.com/office/drawing/2014/main" val="2017206795"/>
+                  </a:ext>
+                </a:extLst>
+              </a:tr>
+              <a:tr h="320780">
+                <a:tc>
+                  <a:txBody>
+                    <a:bodyPr/>
+                    <a:lstStyle/>
+                    <a:p>
+                      <a:pPr algn="ctr"/>
+                      <a:r>
+                        <a:rPr lang="fr-CA" sz="1200" dirty="0">
+                          <a:latin typeface="Courier" pitchFamily="2" charset="0"/>
+                        </a:rPr>
+                        <a:t>c(1, 4)</a:t>
+                      </a:r>
+                    </a:p>
+                  </a:txBody>
+                  <a:tcPr/>
+                </a:tc>
+                <a:tc>
+                  <a:txBody>
+                    <a:bodyPr/>
+                    <a:lstStyle/>
+                    <a:p>
+                      <a:pPr algn="ctr"/>
+                      <a:r>
+                        <a:rPr lang="fr-CA" sz="1200" dirty="0">
+                          <a:latin typeface="Courier" pitchFamily="2" charset="0"/>
+                        </a:rPr>
+                        <a:t>c(1, 2)</a:t>
+                      </a:r>
+                    </a:p>
+                  </a:txBody>
+                  <a:tcPr/>
+                </a:tc>
+                <a:extLst>
+                  <a:ext uri="{0D108BD9-81ED-4DB2-BD59-A6C34878D82A}">
+                    <a16:rowId xmlns:a16="http://schemas.microsoft.com/office/drawing/2014/main" val="1078201899"/>
+                  </a:ext>
+                </a:extLst>
+              </a:tr>
+              <a:tr h="320780">
+                <a:tc>
+                  <a:txBody>
+                    <a:bodyPr/>
+                    <a:lstStyle/>
+                    <a:p>
+                      <a:pPr algn="ctr"/>
+                      <a:r>
+                        <a:rPr lang="fr-CA" sz="1200" dirty="0">
+                          <a:latin typeface="Courier" pitchFamily="2" charset="0"/>
+                        </a:rPr>
+                        <a:t>2</a:t>
+                      </a:r>
+                    </a:p>
+                  </a:txBody>
+                  <a:tcPr/>
+                </a:tc>
+                <a:tc>
+                  <a:txBody>
+                    <a:bodyPr/>
+                    <a:lstStyle/>
+                    <a:p>
+                      <a:pPr algn="ctr"/>
+                      <a:r>
+                        <a:rPr lang="fr-CA" sz="1200" dirty="0">
+                          <a:latin typeface="Courier" pitchFamily="2" charset="0"/>
+                        </a:rPr>
+                        <a:t>`</a:t>
+                      </a:r>
+                      <a:r>
+                        <a:rPr lang="fr-CA" sz="1200" dirty="0" err="1">
+                          <a:latin typeface="Courier" pitchFamily="2" charset="0"/>
+                        </a:rPr>
+                        <a:t>auteur.trice</a:t>
+                      </a:r>
+                      <a:r>
+                        <a:rPr lang="fr-CA" sz="1200" dirty="0">
+                          <a:latin typeface="Courier" pitchFamily="2" charset="0"/>
+                        </a:rPr>
+                        <a:t>` </a:t>
+                      </a:r>
+                    </a:p>
+                  </a:txBody>
+                  <a:tcPr/>
+                </a:tc>
+                <a:extLst>
+                  <a:ext uri="{0D108BD9-81ED-4DB2-BD59-A6C34878D82A}">
+                    <a16:rowId xmlns:a16="http://schemas.microsoft.com/office/drawing/2014/main" val="3399532434"/>
+                  </a:ext>
+                </a:extLst>
+              </a:tr>
+              <a:tr h="361217">
+                <a:tc>
+                  <a:txBody>
+                    <a:bodyPr/>
+                    <a:lstStyle/>
+                    <a:p>
+                      <a:pPr algn="ctr"/>
+                      <a:r>
+                        <a:rPr lang="fr-CA" sz="1200" dirty="0">
+                          <a:latin typeface="Courier" pitchFamily="2" charset="0"/>
+                        </a:rPr>
+                        <a:t>c(1, 3)</a:t>
+                      </a:r>
+                    </a:p>
+                  </a:txBody>
+                  <a:tcPr/>
+                </a:tc>
+                <a:tc>
+                  <a:txBody>
+                    <a:bodyPr/>
+                    <a:lstStyle/>
+                    <a:p>
+                      <a:pPr algn="ctr"/>
+                      <a:r>
+                        <a:rPr lang="fr-CA" sz="1200" dirty="0">
+                          <a:latin typeface="Courier" pitchFamily="2" charset="0"/>
+                        </a:rPr>
+                        <a:t>c(`</a:t>
+                      </a:r>
+                      <a:r>
+                        <a:rPr lang="fr-CA" sz="1200" dirty="0" err="1">
+                          <a:latin typeface="Courier" pitchFamily="2" charset="0"/>
+                        </a:rPr>
+                        <a:t>oeuvre</a:t>
+                      </a:r>
+                      <a:r>
+                        <a:rPr lang="fr-CA" sz="1200" dirty="0">
+                          <a:latin typeface="Courier" pitchFamily="2" charset="0"/>
+                        </a:rPr>
+                        <a:t>`, `</a:t>
+                      </a:r>
+                      <a:r>
+                        <a:rPr lang="fr-CA" sz="1200" dirty="0" err="1">
+                          <a:latin typeface="Courier" pitchFamily="2" charset="0"/>
+                        </a:rPr>
+                        <a:t>est.femme</a:t>
+                      </a:r>
+                      <a:r>
+                        <a:rPr lang="fr-CA" sz="1200" dirty="0">
+                          <a:latin typeface="Courier" pitchFamily="2" charset="0"/>
+                        </a:rPr>
+                        <a:t>`)</a:t>
+                      </a:r>
+                    </a:p>
+                  </a:txBody>
+                  <a:tcPr/>
+                </a:tc>
+                <a:extLst>
+                  <a:ext uri="{0D108BD9-81ED-4DB2-BD59-A6C34878D82A}">
+                    <a16:rowId xmlns:a16="http://schemas.microsoft.com/office/drawing/2014/main" val="3336460639"/>
+                  </a:ext>
+                </a:extLst>
+              </a:tr>
+            </a:tbl>
+          </a:graphicData>
+        </a:graphic>
+      </p:graphicFrame>
+      <mc:AlternateContent xmlns:mc="http://schemas.openxmlformats.org/markup-compatibility/2006">
+        <mc:Choice xmlns:p14="http://schemas.microsoft.com/office/powerpoint/2010/main" Requires="p14">
+          <p:contentPart p14:bwMode="auto" r:id="rId3">
+            <p14:nvContentPartPr>
+              <p14:cNvPr id="11" name="Entrée manuscrite 10">
+                <a:extLst>
+                  <a:ext uri="{FF2B5EF4-FFF2-40B4-BE49-F238E27FC236}">
+                    <a16:creationId xmlns:a16="http://schemas.microsoft.com/office/drawing/2014/main" id="{097E06C7-512B-6CFC-DD6D-4D4C380963FE}"/>
+                  </a:ext>
+                </a:extLst>
+              </p14:cNvPr>
+              <p14:cNvContentPartPr/>
+              <p14:nvPr/>
+            </p14:nvContentPartPr>
+            <p14:xfrm>
+              <a:off x="300993" y="5343578"/>
+              <a:ext cx="435240" cy="10080"/>
+            </p14:xfrm>
+          </p:contentPart>
+        </mc:Choice>
+        <mc:Fallback>
+          <p:pic>
+            <p:nvPicPr>
+              <p:cNvPr id="11" name="Entrée manuscrite 10">
+                <a:extLst>
+                  <a:ext uri="{FF2B5EF4-FFF2-40B4-BE49-F238E27FC236}">
+                    <a16:creationId xmlns:a16="http://schemas.microsoft.com/office/drawing/2014/main" id="{097E06C7-512B-6CFC-DD6D-4D4C380963FE}"/>
+                  </a:ext>
+                </a:extLst>
+              </p:cNvPr>
+              <p:cNvPicPr/>
+              <p:nvPr/>
+            </p:nvPicPr>
+            <p:blipFill>
+              <a:blip r:embed="rId4"/>
+              <a:stretch>
+                <a:fillRect/>
+              </a:stretch>
+            </p:blipFill>
+            <p:spPr>
+              <a:xfrm>
+                <a:off x="247353" y="5235578"/>
+                <a:ext cx="542880" cy="225720"/>
+              </a:xfrm>
+              <a:prstGeom prst="rect">
+                <a:avLst/>
+              </a:prstGeom>
+            </p:spPr>
+          </p:pic>
+        </mc:Fallback>
+      </mc:AlternateContent>
+      <mc:AlternateContent xmlns:mc="http://schemas.openxmlformats.org/markup-compatibility/2006">
+        <mc:Choice xmlns:p14="http://schemas.microsoft.com/office/powerpoint/2010/main" Requires="p14">
+          <p:contentPart p14:bwMode="auto" r:id="rId5">
+            <p14:nvContentPartPr>
+              <p14:cNvPr id="12" name="Entrée manuscrite 11">
+                <a:extLst>
+                  <a:ext uri="{FF2B5EF4-FFF2-40B4-BE49-F238E27FC236}">
+                    <a16:creationId xmlns:a16="http://schemas.microsoft.com/office/drawing/2014/main" id="{85B45E51-9A41-475F-F29B-24C038935BC4}"/>
+                  </a:ext>
+                </a:extLst>
+              </p14:cNvPr>
+              <p14:cNvContentPartPr/>
+              <p14:nvPr/>
+            </p14:nvContentPartPr>
+            <p14:xfrm>
+              <a:off x="1611033" y="5377418"/>
+              <a:ext cx="914760" cy="21960"/>
+            </p14:xfrm>
+          </p:contentPart>
+        </mc:Choice>
+        <mc:Fallback>
+          <p:pic>
+            <p:nvPicPr>
+              <p:cNvPr id="12" name="Entrée manuscrite 11">
+                <a:extLst>
+                  <a:ext uri="{FF2B5EF4-FFF2-40B4-BE49-F238E27FC236}">
+                    <a16:creationId xmlns:a16="http://schemas.microsoft.com/office/drawing/2014/main" id="{85B45E51-9A41-475F-F29B-24C038935BC4}"/>
+                  </a:ext>
+                </a:extLst>
+              </p:cNvPr>
+              <p:cNvPicPr/>
+              <p:nvPr/>
+            </p:nvPicPr>
+            <p:blipFill>
+              <a:blip r:embed="rId6"/>
+              <a:stretch>
+                <a:fillRect/>
+              </a:stretch>
+            </p:blipFill>
+            <p:spPr>
+              <a:xfrm>
+                <a:off x="1557033" y="5269778"/>
+                <a:ext cx="1022400" cy="237600"/>
+              </a:xfrm>
+              <a:prstGeom prst="rect">
+                <a:avLst/>
+              </a:prstGeom>
+            </p:spPr>
+          </p:pic>
+        </mc:Fallback>
+      </mc:AlternateContent>
+      <mc:AlternateContent xmlns:mc="http://schemas.openxmlformats.org/markup-compatibility/2006">
+        <mc:Choice xmlns:p14="http://schemas.microsoft.com/office/powerpoint/2010/main" Requires="p14">
+          <p:contentPart p14:bwMode="auto" r:id="rId7">
+            <p14:nvContentPartPr>
+              <p14:cNvPr id="14" name="Entrée manuscrite 13">
+                <a:extLst>
+                  <a:ext uri="{FF2B5EF4-FFF2-40B4-BE49-F238E27FC236}">
+                    <a16:creationId xmlns:a16="http://schemas.microsoft.com/office/drawing/2014/main" id="{BF183EED-632D-8F2A-78CF-865469BD356C}"/>
+                  </a:ext>
+                </a:extLst>
+              </p14:cNvPr>
+              <p14:cNvContentPartPr/>
+              <p14:nvPr/>
+            </p14:nvContentPartPr>
+            <p14:xfrm>
+              <a:off x="297393" y="5616098"/>
+              <a:ext cx="316080" cy="29520"/>
+            </p14:xfrm>
+          </p:contentPart>
+        </mc:Choice>
+        <mc:Fallback>
+          <p:pic>
+            <p:nvPicPr>
+              <p:cNvPr id="14" name="Entrée manuscrite 13">
+                <a:extLst>
+                  <a:ext uri="{FF2B5EF4-FFF2-40B4-BE49-F238E27FC236}">
+                    <a16:creationId xmlns:a16="http://schemas.microsoft.com/office/drawing/2014/main" id="{BF183EED-632D-8F2A-78CF-865469BD356C}"/>
+                  </a:ext>
+                </a:extLst>
+              </p:cNvPr>
+              <p:cNvPicPr/>
+              <p:nvPr/>
+            </p:nvPicPr>
+            <p:blipFill>
+              <a:blip r:embed="rId8"/>
+              <a:stretch>
+                <a:fillRect/>
+              </a:stretch>
+            </p:blipFill>
+            <p:spPr>
+              <a:xfrm>
+                <a:off x="243393" y="5508458"/>
+                <a:ext cx="423720" cy="245160"/>
+              </a:xfrm>
+              <a:prstGeom prst="rect">
+                <a:avLst/>
+              </a:prstGeom>
+            </p:spPr>
+          </p:pic>
+        </mc:Fallback>
+      </mc:AlternateContent>
+      <mc:AlternateContent xmlns:mc="http://schemas.openxmlformats.org/markup-compatibility/2006">
+        <mc:Choice xmlns:p14="http://schemas.microsoft.com/office/powerpoint/2010/main" Requires="p14">
+          <p:contentPart p14:bwMode="auto" r:id="rId9">
+            <p14:nvContentPartPr>
+              <p14:cNvPr id="16" name="Entrée manuscrite 15">
+                <a:extLst>
+                  <a:ext uri="{FF2B5EF4-FFF2-40B4-BE49-F238E27FC236}">
+                    <a16:creationId xmlns:a16="http://schemas.microsoft.com/office/drawing/2014/main" id="{B7349B34-E574-3CE0-068C-B9C2060C8FE4}"/>
+                  </a:ext>
+                </a:extLst>
+              </p14:cNvPr>
+              <p14:cNvContentPartPr/>
+              <p14:nvPr/>
+            </p14:nvContentPartPr>
+            <p14:xfrm>
+              <a:off x="1591593" y="5605298"/>
+              <a:ext cx="455760" cy="27000"/>
+            </p14:xfrm>
+          </p:contentPart>
+        </mc:Choice>
+        <mc:Fallback>
+          <p:pic>
+            <p:nvPicPr>
+              <p:cNvPr id="16" name="Entrée manuscrite 15">
+                <a:extLst>
+                  <a:ext uri="{FF2B5EF4-FFF2-40B4-BE49-F238E27FC236}">
+                    <a16:creationId xmlns:a16="http://schemas.microsoft.com/office/drawing/2014/main" id="{B7349B34-E574-3CE0-068C-B9C2060C8FE4}"/>
+                  </a:ext>
+                </a:extLst>
+              </p:cNvPr>
+              <p:cNvPicPr/>
+              <p:nvPr/>
+            </p:nvPicPr>
+            <p:blipFill>
+              <a:blip r:embed="rId10"/>
+              <a:stretch>
+                <a:fillRect/>
+              </a:stretch>
+            </p:blipFill>
+            <p:spPr>
+              <a:xfrm>
+                <a:off x="1537593" y="5497298"/>
+                <a:ext cx="563400" cy="242640"/>
+              </a:xfrm>
+              <a:prstGeom prst="rect">
+                <a:avLst/>
+              </a:prstGeom>
+            </p:spPr>
+          </p:pic>
+        </mc:Fallback>
+      </mc:AlternateContent>
+      <mc:AlternateContent xmlns:mc="http://schemas.openxmlformats.org/markup-compatibility/2006">
+        <mc:Choice xmlns:p14="http://schemas.microsoft.com/office/powerpoint/2010/main" Requires="p14">
+          <p:contentPart p14:bwMode="auto" r:id="rId11">
+            <p14:nvContentPartPr>
+              <p14:cNvPr id="17" name="Entrée manuscrite 16">
+                <a:extLst>
+                  <a:ext uri="{FF2B5EF4-FFF2-40B4-BE49-F238E27FC236}">
+                    <a16:creationId xmlns:a16="http://schemas.microsoft.com/office/drawing/2014/main" id="{FD30C4CC-F509-E6B4-4692-BCD8C7ABD346}"/>
+                  </a:ext>
+                </a:extLst>
+              </p14:cNvPr>
+              <p14:cNvContentPartPr/>
+              <p14:nvPr/>
+            </p14:nvContentPartPr>
+            <p14:xfrm>
+              <a:off x="300633" y="5833178"/>
+              <a:ext cx="357480" cy="11160"/>
+            </p14:xfrm>
+          </p:contentPart>
+        </mc:Choice>
+        <mc:Fallback>
+          <p:pic>
+            <p:nvPicPr>
+              <p:cNvPr id="17" name="Entrée manuscrite 16">
+                <a:extLst>
+                  <a:ext uri="{FF2B5EF4-FFF2-40B4-BE49-F238E27FC236}">
+                    <a16:creationId xmlns:a16="http://schemas.microsoft.com/office/drawing/2014/main" id="{FD30C4CC-F509-E6B4-4692-BCD8C7ABD346}"/>
+                  </a:ext>
+                </a:extLst>
+              </p:cNvPr>
+              <p:cNvPicPr/>
+              <p:nvPr/>
+            </p:nvPicPr>
+            <p:blipFill>
+              <a:blip r:embed="rId12"/>
+              <a:stretch>
+                <a:fillRect/>
+              </a:stretch>
+            </p:blipFill>
+            <p:spPr>
+              <a:xfrm>
+                <a:off x="246993" y="5725178"/>
+                <a:ext cx="465120" cy="226800"/>
+              </a:xfrm>
+              <a:prstGeom prst="rect">
+                <a:avLst/>
+              </a:prstGeom>
+            </p:spPr>
+          </p:pic>
+        </mc:Fallback>
+      </mc:AlternateContent>
+      <mc:AlternateContent xmlns:mc="http://schemas.openxmlformats.org/markup-compatibility/2006">
+        <mc:Choice xmlns:p14="http://schemas.microsoft.com/office/powerpoint/2010/main" Requires="p14">
+          <p:contentPart p14:bwMode="auto" r:id="rId13">
+            <p14:nvContentPartPr>
+              <p14:cNvPr id="18" name="Entrée manuscrite 17">
+                <a:extLst>
+                  <a:ext uri="{FF2B5EF4-FFF2-40B4-BE49-F238E27FC236}">
+                    <a16:creationId xmlns:a16="http://schemas.microsoft.com/office/drawing/2014/main" id="{9217483D-5E71-C5A1-939E-EBED3F2B7928}"/>
+                  </a:ext>
+                </a:extLst>
+              </p14:cNvPr>
+              <p14:cNvContentPartPr/>
+              <p14:nvPr/>
+            </p14:nvContentPartPr>
+            <p14:xfrm>
+              <a:off x="1610673" y="5750018"/>
+              <a:ext cx="785520" cy="9720"/>
+            </p14:xfrm>
+          </p:contentPart>
+        </mc:Choice>
+        <mc:Fallback>
+          <p:pic>
+            <p:nvPicPr>
+              <p:cNvPr id="18" name="Entrée manuscrite 17">
+                <a:extLst>
+                  <a:ext uri="{FF2B5EF4-FFF2-40B4-BE49-F238E27FC236}">
+                    <a16:creationId xmlns:a16="http://schemas.microsoft.com/office/drawing/2014/main" id="{9217483D-5E71-C5A1-939E-EBED3F2B7928}"/>
+                  </a:ext>
+                </a:extLst>
+              </p:cNvPr>
+              <p:cNvPicPr/>
+              <p:nvPr/>
+            </p:nvPicPr>
+            <p:blipFill>
+              <a:blip r:embed="rId14"/>
+              <a:stretch>
+                <a:fillRect/>
+              </a:stretch>
+            </p:blipFill>
+            <p:spPr>
+              <a:xfrm>
+                <a:off x="1557033" y="5642018"/>
+                <a:ext cx="893160" cy="225360"/>
+              </a:xfrm>
+              <a:prstGeom prst="rect">
+                <a:avLst/>
+              </a:prstGeom>
+            </p:spPr>
+          </p:pic>
+        </mc:Fallback>
+      </mc:AlternateContent>
     </p:spTree>
     <p:extLst>
       <p:ext uri="{BB962C8B-B14F-4D97-AF65-F5344CB8AC3E}">
-        <p14:creationId xmlns:p14="http://schemas.microsoft.com/office/powerpoint/2010/main" val="3174029626"/>
+        <p14:creationId xmlns:p14="http://schemas.microsoft.com/office/powerpoint/2010/main" val="3805232268"/>
       </p:ext>
     </p:extLst>
   </p:cSld>
@@ -23064,7 +24528,2323 @@
 </p:sld>
 </file>
 
-<file path=ppt/slides/slide15.xml><?xml version="1.0" encoding="utf-8"?>
+<file path=ppt/slides/slide16.xml><?xml version="1.0" encoding="utf-8"?>
+<p:sld xmlns:a="http://schemas.openxmlformats.org/drawingml/2006/main" xmlns:r="http://schemas.openxmlformats.org/officeDocument/2006/relationships" xmlns:p="http://schemas.openxmlformats.org/presentationml/2006/main">
+  <p:cSld>
+    <p:spTree>
+      <p:nvGrpSpPr>
+        <p:cNvPr id="1" name=""/>
+        <p:cNvGrpSpPr/>
+        <p:nvPr/>
+      </p:nvGrpSpPr>
+      <p:grpSpPr>
+        <a:xfrm>
+          <a:off x="0" y="0"/>
+          <a:ext cx="0" cy="0"/>
+          <a:chOff x="0" y="0"/>
+          <a:chExt cx="0" cy="0"/>
+        </a:xfrm>
+      </p:grpSpPr>
+      <p:sp>
+        <p:nvSpPr>
+          <p:cNvPr id="5" name="Flèche vers le haut 4">
+            <a:extLst>
+              <a:ext uri="{FF2B5EF4-FFF2-40B4-BE49-F238E27FC236}">
+                <a16:creationId xmlns:a16="http://schemas.microsoft.com/office/drawing/2014/main" id="{271D5916-8F35-25D8-0722-15DC8A3798E3}"/>
+              </a:ext>
+            </a:extLst>
+          </p:cNvPr>
+          <p:cNvSpPr/>
+          <p:nvPr/>
+        </p:nvSpPr>
+        <p:spPr>
+          <a:xfrm>
+            <a:off x="6010370" y="3307104"/>
+            <a:ext cx="531341" cy="864973"/>
+          </a:xfrm>
+          <a:prstGeom prst="upArrow">
+            <a:avLst/>
+          </a:prstGeom>
+        </p:spPr>
+        <p:style>
+          <a:lnRef idx="1">
+            <a:schemeClr val="dk1"/>
+          </a:lnRef>
+          <a:fillRef idx="2">
+            <a:schemeClr val="dk1"/>
+          </a:fillRef>
+          <a:effectRef idx="1">
+            <a:schemeClr val="dk1"/>
+          </a:effectRef>
+          <a:fontRef idx="minor">
+            <a:schemeClr val="dk1"/>
+          </a:fontRef>
+        </p:style>
+        <p:txBody>
+          <a:bodyPr rtlCol="0" anchor="ctr"/>
+          <a:lstStyle/>
+          <a:p>
+            <a:pPr algn="ctr"/>
+            <a:endParaRPr lang="fr-CA"/>
+          </a:p>
+        </p:txBody>
+      </p:sp>
+      <p:sp>
+        <p:nvSpPr>
+          <p:cNvPr id="6" name="Flèche vers le haut 5">
+            <a:extLst>
+              <a:ext uri="{FF2B5EF4-FFF2-40B4-BE49-F238E27FC236}">
+                <a16:creationId xmlns:a16="http://schemas.microsoft.com/office/drawing/2014/main" id="{12D2520D-D611-D8A4-814B-A925DDBC052B}"/>
+              </a:ext>
+            </a:extLst>
+          </p:cNvPr>
+          <p:cNvSpPr/>
+          <p:nvPr/>
+        </p:nvSpPr>
+        <p:spPr>
+          <a:xfrm>
+            <a:off x="8618284" y="3307103"/>
+            <a:ext cx="531341" cy="864973"/>
+          </a:xfrm>
+          <a:prstGeom prst="upArrow">
+            <a:avLst/>
+          </a:prstGeom>
+        </p:spPr>
+        <p:style>
+          <a:lnRef idx="1">
+            <a:schemeClr val="dk1"/>
+          </a:lnRef>
+          <a:fillRef idx="2">
+            <a:schemeClr val="dk1"/>
+          </a:fillRef>
+          <a:effectRef idx="1">
+            <a:schemeClr val="dk1"/>
+          </a:effectRef>
+          <a:fontRef idx="minor">
+            <a:schemeClr val="dk1"/>
+          </a:fontRef>
+        </p:style>
+        <p:txBody>
+          <a:bodyPr rtlCol="0" anchor="ctr"/>
+          <a:lstStyle/>
+          <a:p>
+            <a:pPr algn="ctr"/>
+            <a:endParaRPr lang="fr-CA"/>
+          </a:p>
+        </p:txBody>
+      </p:sp>
+      <p:sp>
+        <p:nvSpPr>
+          <p:cNvPr id="7" name="ZoneTexte 6">
+            <a:extLst>
+              <a:ext uri="{FF2B5EF4-FFF2-40B4-BE49-F238E27FC236}">
+                <a16:creationId xmlns:a16="http://schemas.microsoft.com/office/drawing/2014/main" id="{16025DB4-40C2-DBD3-C78E-3D6CDA31568A}"/>
+              </a:ext>
+            </a:extLst>
+          </p:cNvPr>
+          <p:cNvSpPr txBox="1"/>
+          <p:nvPr/>
+        </p:nvSpPr>
+        <p:spPr>
+          <a:xfrm>
+            <a:off x="6984588" y="2040964"/>
+            <a:ext cx="531340" cy="1625951"/>
+          </a:xfrm>
+          <a:prstGeom prst="rect">
+            <a:avLst/>
+          </a:prstGeom>
+          <a:noFill/>
+        </p:spPr>
+        <p:txBody>
+          <a:bodyPr wrap="square" rtlCol="0">
+            <a:spAutoFit/>
+          </a:bodyPr>
+          <a:lstStyle/>
+          <a:p>
+            <a:r>
+              <a:rPr lang="fr-CA" sz="9600" dirty="0"/>
+              <a:t>,</a:t>
+            </a:r>
+          </a:p>
+        </p:txBody>
+      </p:sp>
+      <p:sp>
+        <p:nvSpPr>
+          <p:cNvPr id="8" name="ZoneTexte 7">
+            <a:extLst>
+              <a:ext uri="{FF2B5EF4-FFF2-40B4-BE49-F238E27FC236}">
+                <a16:creationId xmlns:a16="http://schemas.microsoft.com/office/drawing/2014/main" id="{9323001C-9262-D71B-22FA-F3FD469037E2}"/>
+              </a:ext>
+            </a:extLst>
+          </p:cNvPr>
+          <p:cNvSpPr txBox="1"/>
+          <p:nvPr/>
+        </p:nvSpPr>
+        <p:spPr>
+          <a:xfrm>
+            <a:off x="5682915" y="4298042"/>
+            <a:ext cx="1186249" cy="369332"/>
+          </a:xfrm>
+          <a:prstGeom prst="rect">
+            <a:avLst/>
+          </a:prstGeom>
+          <a:noFill/>
+        </p:spPr>
+        <p:txBody>
+          <a:bodyPr wrap="square" rtlCol="0">
+            <a:spAutoFit/>
+          </a:bodyPr>
+          <a:lstStyle/>
+          <a:p>
+            <a:r>
+              <a:rPr lang="fr-CA" b="1" dirty="0"/>
+              <a:t>LIGNES</a:t>
+            </a:r>
+          </a:p>
+        </p:txBody>
+      </p:sp>
+      <p:sp>
+        <p:nvSpPr>
+          <p:cNvPr id="9" name="ZoneTexte 8">
+            <a:extLst>
+              <a:ext uri="{FF2B5EF4-FFF2-40B4-BE49-F238E27FC236}">
+                <a16:creationId xmlns:a16="http://schemas.microsoft.com/office/drawing/2014/main" id="{4EC25CCC-F016-E684-58D3-3BDD3FAC9AF9}"/>
+              </a:ext>
+            </a:extLst>
+          </p:cNvPr>
+          <p:cNvSpPr txBox="1"/>
+          <p:nvPr/>
+        </p:nvSpPr>
+        <p:spPr>
+          <a:xfrm>
+            <a:off x="8109597" y="4298042"/>
+            <a:ext cx="1548713" cy="369332"/>
+          </a:xfrm>
+          <a:prstGeom prst="rect">
+            <a:avLst/>
+          </a:prstGeom>
+          <a:noFill/>
+        </p:spPr>
+        <p:txBody>
+          <a:bodyPr wrap="square" rtlCol="0">
+            <a:spAutoFit/>
+          </a:bodyPr>
+          <a:lstStyle/>
+          <a:p>
+            <a:r>
+              <a:rPr lang="fr-CA" b="1" dirty="0"/>
+              <a:t>COLONNES</a:t>
+            </a:r>
+          </a:p>
+        </p:txBody>
+      </p:sp>
+      <p:pic>
+        <p:nvPicPr>
+          <p:cNvPr id="15" name="Image 14">
+            <a:extLst>
+              <a:ext uri="{FF2B5EF4-FFF2-40B4-BE49-F238E27FC236}">
+                <a16:creationId xmlns:a16="http://schemas.microsoft.com/office/drawing/2014/main" id="{7F8CB6F4-6CA2-A802-60BC-B5A1D865F788}"/>
+              </a:ext>
+            </a:extLst>
+          </p:cNvPr>
+          <p:cNvPicPr>
+            <a:picLocks noChangeAspect="1"/>
+          </p:cNvPicPr>
+          <p:nvPr/>
+        </p:nvPicPr>
+        <p:blipFill>
+          <a:blip r:embed="rId2"/>
+          <a:stretch>
+            <a:fillRect/>
+          </a:stretch>
+        </p:blipFill>
+        <p:spPr>
+          <a:xfrm>
+            <a:off x="77899" y="4482708"/>
+            <a:ext cx="5491803" cy="2215991"/>
+          </a:xfrm>
+          <a:prstGeom prst="rect">
+            <a:avLst/>
+          </a:prstGeom>
+        </p:spPr>
+      </p:pic>
+      <p:sp>
+        <p:nvSpPr>
+          <p:cNvPr id="27" name="ZoneTexte 26">
+            <a:extLst>
+              <a:ext uri="{FF2B5EF4-FFF2-40B4-BE49-F238E27FC236}">
+                <a16:creationId xmlns:a16="http://schemas.microsoft.com/office/drawing/2014/main" id="{C34A0E55-452A-F692-4417-0C5B7801F870}"/>
+              </a:ext>
+            </a:extLst>
+          </p:cNvPr>
+          <p:cNvSpPr txBox="1"/>
+          <p:nvPr/>
+        </p:nvSpPr>
+        <p:spPr>
+          <a:xfrm>
+            <a:off x="2823801" y="592448"/>
+            <a:ext cx="7533747" cy="523220"/>
+          </a:xfrm>
+          <a:prstGeom prst="rect">
+            <a:avLst/>
+          </a:prstGeom>
+          <a:noFill/>
+        </p:spPr>
+        <p:txBody>
+          <a:bodyPr wrap="square" rtlCol="0">
+            <a:spAutoFit/>
+          </a:bodyPr>
+          <a:lstStyle/>
+          <a:p>
+            <a:r>
+              <a:rPr lang="fr-CA" sz="2800" dirty="0">
+                <a:latin typeface="Aharoni" panose="02010803020104030203" pitchFamily="2" charset="-79"/>
+                <a:cs typeface="Aharoni" panose="02010803020104030203" pitchFamily="2" charset="-79"/>
+              </a:rPr>
+              <a:t>Indexer ou filtrer les données d’un tableau</a:t>
+            </a:r>
+          </a:p>
+        </p:txBody>
+      </p:sp>
+      <p:sp>
+        <p:nvSpPr>
+          <p:cNvPr id="28" name="ZoneTexte 27">
+            <a:extLst>
+              <a:ext uri="{FF2B5EF4-FFF2-40B4-BE49-F238E27FC236}">
+                <a16:creationId xmlns:a16="http://schemas.microsoft.com/office/drawing/2014/main" id="{34E2AC90-471F-89B8-9D04-84E08AD91798}"/>
+              </a:ext>
+            </a:extLst>
+          </p:cNvPr>
+          <p:cNvSpPr txBox="1"/>
+          <p:nvPr/>
+        </p:nvSpPr>
+        <p:spPr>
+          <a:xfrm>
+            <a:off x="1317237" y="1383251"/>
+            <a:ext cx="10208303" cy="2215991"/>
+          </a:xfrm>
+          <a:prstGeom prst="rect">
+            <a:avLst/>
+          </a:prstGeom>
+          <a:noFill/>
+        </p:spPr>
+        <p:txBody>
+          <a:bodyPr wrap="square" rtlCol="0">
+            <a:spAutoFit/>
+          </a:bodyPr>
+          <a:lstStyle/>
+          <a:p>
+            <a:r>
+              <a:rPr lang="fr-CA" sz="13800" dirty="0"/>
+              <a:t>XYZ[          ]</a:t>
+            </a:r>
+          </a:p>
+        </p:txBody>
+      </p:sp>
+      <p:graphicFrame>
+        <p:nvGraphicFramePr>
+          <p:cNvPr id="13" name="Tableau 13">
+            <a:extLst>
+              <a:ext uri="{FF2B5EF4-FFF2-40B4-BE49-F238E27FC236}">
+                <a16:creationId xmlns:a16="http://schemas.microsoft.com/office/drawing/2014/main" id="{3558795B-B200-A6DE-E5F0-BC1B86C863CB}"/>
+              </a:ext>
+            </a:extLst>
+          </p:cNvPr>
+          <p:cNvGraphicFramePr>
+            <a:graphicFrameLocks noGrp="1"/>
+          </p:cNvGraphicFramePr>
+          <p:nvPr>
+            <p:extLst>
+              <p:ext uri="{D42A27DB-BD31-4B8C-83A1-F6EECF244321}">
+                <p14:modId xmlns:p14="http://schemas.microsoft.com/office/powerpoint/2010/main" val="4146083072"/>
+              </p:ext>
+            </p:extLst>
+          </p:nvPr>
+        </p:nvGraphicFramePr>
+        <p:xfrm>
+          <a:off x="4980237" y="1579999"/>
+          <a:ext cx="5114380" cy="1644337"/>
+        </p:xfrm>
+        <a:graphic>
+          <a:graphicData uri="http://schemas.openxmlformats.org/drawingml/2006/table">
+            <a:tbl>
+              <a:tblPr firstRow="1" bandRow="1">
+                <a:tableStyleId>{2D5ABB26-0587-4C30-8999-92F81FD0307C}</a:tableStyleId>
+              </a:tblPr>
+              <a:tblGrid>
+                <a:gridCol w="2557190">
+                  <a:extLst>
+                    <a:ext uri="{9D8B030D-6E8A-4147-A177-3AD203B41FA5}">
+                      <a16:colId xmlns:a16="http://schemas.microsoft.com/office/drawing/2014/main" val="879718433"/>
+                    </a:ext>
+                  </a:extLst>
+                </a:gridCol>
+                <a:gridCol w="2557190">
+                  <a:extLst>
+                    <a:ext uri="{9D8B030D-6E8A-4147-A177-3AD203B41FA5}">
+                      <a16:colId xmlns:a16="http://schemas.microsoft.com/office/drawing/2014/main" val="2059953055"/>
+                    </a:ext>
+                  </a:extLst>
+                </a:gridCol>
+              </a:tblGrid>
+              <a:tr h="320780">
+                <a:tc>
+                  <a:txBody>
+                    <a:bodyPr/>
+                    <a:lstStyle/>
+                    <a:p>
+                      <a:pPr algn="ctr"/>
+                      <a:r>
+                        <a:rPr lang="fr-CA" sz="1200" dirty="0">
+                          <a:latin typeface="Courier" pitchFamily="2" charset="0"/>
+                        </a:rPr>
+                        <a:t>1</a:t>
+                      </a:r>
+                    </a:p>
+                  </a:txBody>
+                  <a:tcPr/>
+                </a:tc>
+                <a:tc>
+                  <a:txBody>
+                    <a:bodyPr/>
+                    <a:lstStyle/>
+                    <a:p>
+                      <a:pPr algn="ctr"/>
+                      <a:r>
+                        <a:rPr lang="fr-CA" sz="1200" dirty="0">
+                          <a:latin typeface="Courier" pitchFamily="2" charset="0"/>
+                        </a:rPr>
+                        <a:t>1</a:t>
+                      </a:r>
+                    </a:p>
+                  </a:txBody>
+                  <a:tcPr/>
+                </a:tc>
+                <a:extLst>
+                  <a:ext uri="{0D108BD9-81ED-4DB2-BD59-A6C34878D82A}">
+                    <a16:rowId xmlns:a16="http://schemas.microsoft.com/office/drawing/2014/main" val="1084043891"/>
+                  </a:ext>
+                </a:extLst>
+              </a:tr>
+              <a:tr h="320780">
+                <a:tc>
+                  <a:txBody>
+                    <a:bodyPr/>
+                    <a:lstStyle/>
+                    <a:p>
+                      <a:pPr algn="ctr"/>
+                      <a:r>
+                        <a:rPr lang="fr-CA" sz="1200" dirty="0">
+                          <a:latin typeface="Courier" pitchFamily="2" charset="0"/>
+                        </a:rPr>
+                        <a:t>1:3</a:t>
+                      </a:r>
+                    </a:p>
+                  </a:txBody>
+                  <a:tcPr/>
+                </a:tc>
+                <a:tc>
+                  <a:txBody>
+                    <a:bodyPr/>
+                    <a:lstStyle/>
+                    <a:p>
+                      <a:pPr algn="ctr"/>
+                      <a:r>
+                        <a:rPr lang="fr-CA" sz="1200" dirty="0">
+                          <a:latin typeface="Courier" pitchFamily="2" charset="0"/>
+                        </a:rPr>
+                        <a:t>1:2</a:t>
+                      </a:r>
+                    </a:p>
+                  </a:txBody>
+                  <a:tcPr/>
+                </a:tc>
+                <a:extLst>
+                  <a:ext uri="{0D108BD9-81ED-4DB2-BD59-A6C34878D82A}">
+                    <a16:rowId xmlns:a16="http://schemas.microsoft.com/office/drawing/2014/main" val="2017206795"/>
+                  </a:ext>
+                </a:extLst>
+              </a:tr>
+              <a:tr h="320780">
+                <a:tc>
+                  <a:txBody>
+                    <a:bodyPr/>
+                    <a:lstStyle/>
+                    <a:p>
+                      <a:pPr algn="ctr"/>
+                      <a:r>
+                        <a:rPr lang="fr-CA" sz="1200" dirty="0">
+                          <a:highlight>
+                            <a:srgbClr val="FFFF00"/>
+                          </a:highlight>
+                          <a:latin typeface="Courier" pitchFamily="2" charset="0"/>
+                        </a:rPr>
+                        <a:t>c(1, 4)</a:t>
+                      </a:r>
+                    </a:p>
+                  </a:txBody>
+                  <a:tcPr/>
+                </a:tc>
+                <a:tc>
+                  <a:txBody>
+                    <a:bodyPr/>
+                    <a:lstStyle/>
+                    <a:p>
+                      <a:pPr algn="ctr"/>
+                      <a:r>
+                        <a:rPr lang="fr-CA" sz="1200" dirty="0">
+                          <a:highlight>
+                            <a:srgbClr val="FFFF00"/>
+                          </a:highlight>
+                          <a:latin typeface="Courier" pitchFamily="2" charset="0"/>
+                        </a:rPr>
+                        <a:t>c(1, 2)</a:t>
+                      </a:r>
+                    </a:p>
+                  </a:txBody>
+                  <a:tcPr/>
+                </a:tc>
+                <a:extLst>
+                  <a:ext uri="{0D108BD9-81ED-4DB2-BD59-A6C34878D82A}">
+                    <a16:rowId xmlns:a16="http://schemas.microsoft.com/office/drawing/2014/main" val="1078201899"/>
+                  </a:ext>
+                </a:extLst>
+              </a:tr>
+              <a:tr h="320780">
+                <a:tc>
+                  <a:txBody>
+                    <a:bodyPr/>
+                    <a:lstStyle/>
+                    <a:p>
+                      <a:pPr algn="ctr"/>
+                      <a:r>
+                        <a:rPr lang="fr-CA" sz="1200" dirty="0">
+                          <a:latin typeface="Courier" pitchFamily="2" charset="0"/>
+                        </a:rPr>
+                        <a:t>2</a:t>
+                      </a:r>
+                    </a:p>
+                  </a:txBody>
+                  <a:tcPr/>
+                </a:tc>
+                <a:tc>
+                  <a:txBody>
+                    <a:bodyPr/>
+                    <a:lstStyle/>
+                    <a:p>
+                      <a:pPr algn="ctr"/>
+                      <a:r>
+                        <a:rPr lang="fr-CA" sz="1200" dirty="0">
+                          <a:latin typeface="Courier" pitchFamily="2" charset="0"/>
+                        </a:rPr>
+                        <a:t>`</a:t>
+                      </a:r>
+                      <a:r>
+                        <a:rPr lang="fr-CA" sz="1200" dirty="0" err="1">
+                          <a:latin typeface="Courier" pitchFamily="2" charset="0"/>
+                        </a:rPr>
+                        <a:t>auteur.trice</a:t>
+                      </a:r>
+                      <a:r>
+                        <a:rPr lang="fr-CA" sz="1200" dirty="0">
+                          <a:latin typeface="Courier" pitchFamily="2" charset="0"/>
+                        </a:rPr>
+                        <a:t>` </a:t>
+                      </a:r>
+                    </a:p>
+                  </a:txBody>
+                  <a:tcPr/>
+                </a:tc>
+                <a:extLst>
+                  <a:ext uri="{0D108BD9-81ED-4DB2-BD59-A6C34878D82A}">
+                    <a16:rowId xmlns:a16="http://schemas.microsoft.com/office/drawing/2014/main" val="3399532434"/>
+                  </a:ext>
+                </a:extLst>
+              </a:tr>
+              <a:tr h="361217">
+                <a:tc>
+                  <a:txBody>
+                    <a:bodyPr/>
+                    <a:lstStyle/>
+                    <a:p>
+                      <a:pPr algn="ctr"/>
+                      <a:r>
+                        <a:rPr lang="fr-CA" sz="1200" dirty="0">
+                          <a:latin typeface="Courier" pitchFamily="2" charset="0"/>
+                        </a:rPr>
+                        <a:t>c(1, 3)</a:t>
+                      </a:r>
+                    </a:p>
+                  </a:txBody>
+                  <a:tcPr/>
+                </a:tc>
+                <a:tc>
+                  <a:txBody>
+                    <a:bodyPr/>
+                    <a:lstStyle/>
+                    <a:p>
+                      <a:pPr algn="ctr"/>
+                      <a:r>
+                        <a:rPr lang="fr-CA" sz="1200" dirty="0">
+                          <a:latin typeface="Courier" pitchFamily="2" charset="0"/>
+                        </a:rPr>
+                        <a:t>c(`</a:t>
+                      </a:r>
+                      <a:r>
+                        <a:rPr lang="fr-CA" sz="1200" dirty="0" err="1">
+                          <a:latin typeface="Courier" pitchFamily="2" charset="0"/>
+                        </a:rPr>
+                        <a:t>oeuvre</a:t>
+                      </a:r>
+                      <a:r>
+                        <a:rPr lang="fr-CA" sz="1200" dirty="0">
+                          <a:latin typeface="Courier" pitchFamily="2" charset="0"/>
+                        </a:rPr>
+                        <a:t>`, `</a:t>
+                      </a:r>
+                      <a:r>
+                        <a:rPr lang="fr-CA" sz="1200" dirty="0" err="1">
+                          <a:latin typeface="Courier" pitchFamily="2" charset="0"/>
+                        </a:rPr>
+                        <a:t>est.femme</a:t>
+                      </a:r>
+                      <a:r>
+                        <a:rPr lang="fr-CA" sz="1200" dirty="0">
+                          <a:latin typeface="Courier" pitchFamily="2" charset="0"/>
+                        </a:rPr>
+                        <a:t>`)</a:t>
+                      </a:r>
+                    </a:p>
+                  </a:txBody>
+                  <a:tcPr/>
+                </a:tc>
+                <a:extLst>
+                  <a:ext uri="{0D108BD9-81ED-4DB2-BD59-A6C34878D82A}">
+                    <a16:rowId xmlns:a16="http://schemas.microsoft.com/office/drawing/2014/main" val="3336460639"/>
+                  </a:ext>
+                </a:extLst>
+              </a:tr>
+            </a:tbl>
+          </a:graphicData>
+        </a:graphic>
+      </p:graphicFrame>
+      <mc:AlternateContent xmlns:mc="http://schemas.openxmlformats.org/markup-compatibility/2006">
+        <mc:Choice xmlns:p14="http://schemas.microsoft.com/office/powerpoint/2010/main" Requires="p14">
+          <p:contentPart p14:bwMode="auto" r:id="rId3">
+            <p14:nvContentPartPr>
+              <p14:cNvPr id="2" name="Entrée manuscrite 1">
+                <a:extLst>
+                  <a:ext uri="{FF2B5EF4-FFF2-40B4-BE49-F238E27FC236}">
+                    <a16:creationId xmlns:a16="http://schemas.microsoft.com/office/drawing/2014/main" id="{F59EFF8D-9578-789B-790E-402479DBC8EB}"/>
+                  </a:ext>
+                </a:extLst>
+              </p14:cNvPr>
+              <p14:cNvContentPartPr/>
+              <p14:nvPr/>
+            </p14:nvContentPartPr>
+            <p14:xfrm>
+              <a:off x="316833" y="5337818"/>
+              <a:ext cx="378720" cy="10080"/>
+            </p14:xfrm>
+          </p:contentPart>
+        </mc:Choice>
+        <mc:Fallback>
+          <p:pic>
+            <p:nvPicPr>
+              <p:cNvPr id="2" name="Entrée manuscrite 1">
+                <a:extLst>
+                  <a:ext uri="{FF2B5EF4-FFF2-40B4-BE49-F238E27FC236}">
+                    <a16:creationId xmlns:a16="http://schemas.microsoft.com/office/drawing/2014/main" id="{F59EFF8D-9578-789B-790E-402479DBC8EB}"/>
+                  </a:ext>
+                </a:extLst>
+              </p:cNvPr>
+              <p:cNvPicPr/>
+              <p:nvPr/>
+            </p:nvPicPr>
+            <p:blipFill>
+              <a:blip r:embed="rId4"/>
+              <a:stretch>
+                <a:fillRect/>
+              </a:stretch>
+            </p:blipFill>
+            <p:spPr>
+              <a:xfrm>
+                <a:off x="263193" y="5229818"/>
+                <a:ext cx="486360" cy="225720"/>
+              </a:xfrm>
+              <a:prstGeom prst="rect">
+                <a:avLst/>
+              </a:prstGeom>
+            </p:spPr>
+          </p:pic>
+        </mc:Fallback>
+      </mc:AlternateContent>
+      <mc:AlternateContent xmlns:mc="http://schemas.openxmlformats.org/markup-compatibility/2006">
+        <mc:Choice xmlns:p14="http://schemas.microsoft.com/office/powerpoint/2010/main" Requires="p14">
+          <p:contentPart p14:bwMode="auto" r:id="rId5">
+            <p14:nvContentPartPr>
+              <p14:cNvPr id="3" name="Entrée manuscrite 2">
+                <a:extLst>
+                  <a:ext uri="{FF2B5EF4-FFF2-40B4-BE49-F238E27FC236}">
+                    <a16:creationId xmlns:a16="http://schemas.microsoft.com/office/drawing/2014/main" id="{380090DE-5614-C519-DB0E-B82FC69DFE1D}"/>
+                  </a:ext>
+                </a:extLst>
+              </p14:cNvPr>
+              <p14:cNvContentPartPr/>
+              <p14:nvPr/>
+            </p14:nvContentPartPr>
+            <p14:xfrm>
+              <a:off x="1554153" y="5369858"/>
+              <a:ext cx="997200" cy="6120"/>
+            </p14:xfrm>
+          </p:contentPart>
+        </mc:Choice>
+        <mc:Fallback>
+          <p:pic>
+            <p:nvPicPr>
+              <p:cNvPr id="3" name="Entrée manuscrite 2">
+                <a:extLst>
+                  <a:ext uri="{FF2B5EF4-FFF2-40B4-BE49-F238E27FC236}">
+                    <a16:creationId xmlns:a16="http://schemas.microsoft.com/office/drawing/2014/main" id="{380090DE-5614-C519-DB0E-B82FC69DFE1D}"/>
+                  </a:ext>
+                </a:extLst>
+              </p:cNvPr>
+              <p:cNvPicPr/>
+              <p:nvPr/>
+            </p:nvPicPr>
+            <p:blipFill>
+              <a:blip r:embed="rId6"/>
+              <a:stretch>
+                <a:fillRect/>
+              </a:stretch>
+            </p:blipFill>
+            <p:spPr>
+              <a:xfrm>
+                <a:off x="1500513" y="5262218"/>
+                <a:ext cx="1104840" cy="221760"/>
+              </a:xfrm>
+              <a:prstGeom prst="rect">
+                <a:avLst/>
+              </a:prstGeom>
+            </p:spPr>
+          </p:pic>
+        </mc:Fallback>
+      </mc:AlternateContent>
+      <mc:AlternateContent xmlns:mc="http://schemas.openxmlformats.org/markup-compatibility/2006">
+        <mc:Choice xmlns:p14="http://schemas.microsoft.com/office/powerpoint/2010/main" Requires="p14">
+          <p:contentPart p14:bwMode="auto" r:id="rId7">
+            <p14:nvContentPartPr>
+              <p14:cNvPr id="4" name="Entrée manuscrite 3">
+                <a:extLst>
+                  <a:ext uri="{FF2B5EF4-FFF2-40B4-BE49-F238E27FC236}">
+                    <a16:creationId xmlns:a16="http://schemas.microsoft.com/office/drawing/2014/main" id="{20D25978-239A-4BEF-3617-3A1EAB05CA3B}"/>
+                  </a:ext>
+                </a:extLst>
+              </p14:cNvPr>
+              <p14:cNvContentPartPr/>
+              <p14:nvPr/>
+            </p14:nvContentPartPr>
+            <p14:xfrm>
+              <a:off x="322593" y="5976458"/>
+              <a:ext cx="290880" cy="360"/>
+            </p14:xfrm>
+          </p:contentPart>
+        </mc:Choice>
+        <mc:Fallback>
+          <p:pic>
+            <p:nvPicPr>
+              <p:cNvPr id="4" name="Entrée manuscrite 3">
+                <a:extLst>
+                  <a:ext uri="{FF2B5EF4-FFF2-40B4-BE49-F238E27FC236}">
+                    <a16:creationId xmlns:a16="http://schemas.microsoft.com/office/drawing/2014/main" id="{20D25978-239A-4BEF-3617-3A1EAB05CA3B}"/>
+                  </a:ext>
+                </a:extLst>
+              </p:cNvPr>
+              <p:cNvPicPr/>
+              <p:nvPr/>
+            </p:nvPicPr>
+            <p:blipFill>
+              <a:blip r:embed="rId8"/>
+              <a:stretch>
+                <a:fillRect/>
+              </a:stretch>
+            </p:blipFill>
+            <p:spPr>
+              <a:xfrm>
+                <a:off x="268593" y="5868458"/>
+                <a:ext cx="398520" cy="216000"/>
+              </a:xfrm>
+              <a:prstGeom prst="rect">
+                <a:avLst/>
+              </a:prstGeom>
+            </p:spPr>
+          </p:pic>
+        </mc:Fallback>
+      </mc:AlternateContent>
+      <mc:AlternateContent xmlns:mc="http://schemas.openxmlformats.org/markup-compatibility/2006">
+        <mc:Choice xmlns:p14="http://schemas.microsoft.com/office/powerpoint/2010/main" Requires="p14">
+          <p:contentPart p14:bwMode="auto" r:id="rId9">
+            <p14:nvContentPartPr>
+              <p14:cNvPr id="10" name="Entrée manuscrite 9">
+                <a:extLst>
+                  <a:ext uri="{FF2B5EF4-FFF2-40B4-BE49-F238E27FC236}">
+                    <a16:creationId xmlns:a16="http://schemas.microsoft.com/office/drawing/2014/main" id="{CF143EED-5608-4D1E-4F60-4E33542B8A9E}"/>
+                  </a:ext>
+                </a:extLst>
+              </p14:cNvPr>
+              <p14:cNvContentPartPr/>
+              <p14:nvPr/>
+            </p14:nvContentPartPr>
+            <p14:xfrm>
+              <a:off x="1591593" y="6033698"/>
+              <a:ext cx="485280" cy="29880"/>
+            </p14:xfrm>
+          </p:contentPart>
+        </mc:Choice>
+        <mc:Fallback>
+          <p:pic>
+            <p:nvPicPr>
+              <p:cNvPr id="10" name="Entrée manuscrite 9">
+                <a:extLst>
+                  <a:ext uri="{FF2B5EF4-FFF2-40B4-BE49-F238E27FC236}">
+                    <a16:creationId xmlns:a16="http://schemas.microsoft.com/office/drawing/2014/main" id="{CF143EED-5608-4D1E-4F60-4E33542B8A9E}"/>
+                  </a:ext>
+                </a:extLst>
+              </p:cNvPr>
+              <p:cNvPicPr/>
+              <p:nvPr/>
+            </p:nvPicPr>
+            <p:blipFill>
+              <a:blip r:embed="rId10"/>
+              <a:stretch>
+                <a:fillRect/>
+              </a:stretch>
+            </p:blipFill>
+            <p:spPr>
+              <a:xfrm>
+                <a:off x="1537953" y="5926058"/>
+                <a:ext cx="592920" cy="245520"/>
+              </a:xfrm>
+              <a:prstGeom prst="rect">
+                <a:avLst/>
+              </a:prstGeom>
+            </p:spPr>
+          </p:pic>
+        </mc:Fallback>
+      </mc:AlternateContent>
+    </p:spTree>
+    <p:extLst>
+      <p:ext uri="{BB962C8B-B14F-4D97-AF65-F5344CB8AC3E}">
+        <p14:creationId xmlns:p14="http://schemas.microsoft.com/office/powerpoint/2010/main" val="1358451312"/>
+      </p:ext>
+    </p:extLst>
+  </p:cSld>
+  <p:clrMapOvr>
+    <a:masterClrMapping/>
+  </p:clrMapOvr>
+</p:sld>
+</file>
+
+<file path=ppt/slides/slide17.xml><?xml version="1.0" encoding="utf-8"?>
+<p:sld xmlns:a="http://schemas.openxmlformats.org/drawingml/2006/main" xmlns:r="http://schemas.openxmlformats.org/officeDocument/2006/relationships" xmlns:p="http://schemas.openxmlformats.org/presentationml/2006/main">
+  <p:cSld>
+    <p:spTree>
+      <p:nvGrpSpPr>
+        <p:cNvPr id="1" name=""/>
+        <p:cNvGrpSpPr/>
+        <p:nvPr/>
+      </p:nvGrpSpPr>
+      <p:grpSpPr>
+        <a:xfrm>
+          <a:off x="0" y="0"/>
+          <a:ext cx="0" cy="0"/>
+          <a:chOff x="0" y="0"/>
+          <a:chExt cx="0" cy="0"/>
+        </a:xfrm>
+      </p:grpSpPr>
+      <p:sp>
+        <p:nvSpPr>
+          <p:cNvPr id="5" name="Flèche vers le haut 4">
+            <a:extLst>
+              <a:ext uri="{FF2B5EF4-FFF2-40B4-BE49-F238E27FC236}">
+                <a16:creationId xmlns:a16="http://schemas.microsoft.com/office/drawing/2014/main" id="{271D5916-8F35-25D8-0722-15DC8A3798E3}"/>
+              </a:ext>
+            </a:extLst>
+          </p:cNvPr>
+          <p:cNvSpPr/>
+          <p:nvPr/>
+        </p:nvSpPr>
+        <p:spPr>
+          <a:xfrm>
+            <a:off x="6010370" y="3307104"/>
+            <a:ext cx="531341" cy="864973"/>
+          </a:xfrm>
+          <a:prstGeom prst="upArrow">
+            <a:avLst/>
+          </a:prstGeom>
+        </p:spPr>
+        <p:style>
+          <a:lnRef idx="1">
+            <a:schemeClr val="dk1"/>
+          </a:lnRef>
+          <a:fillRef idx="2">
+            <a:schemeClr val="dk1"/>
+          </a:fillRef>
+          <a:effectRef idx="1">
+            <a:schemeClr val="dk1"/>
+          </a:effectRef>
+          <a:fontRef idx="minor">
+            <a:schemeClr val="dk1"/>
+          </a:fontRef>
+        </p:style>
+        <p:txBody>
+          <a:bodyPr rtlCol="0" anchor="ctr"/>
+          <a:lstStyle/>
+          <a:p>
+            <a:pPr algn="ctr"/>
+            <a:endParaRPr lang="fr-CA"/>
+          </a:p>
+        </p:txBody>
+      </p:sp>
+      <p:sp>
+        <p:nvSpPr>
+          <p:cNvPr id="6" name="Flèche vers le haut 5">
+            <a:extLst>
+              <a:ext uri="{FF2B5EF4-FFF2-40B4-BE49-F238E27FC236}">
+                <a16:creationId xmlns:a16="http://schemas.microsoft.com/office/drawing/2014/main" id="{12D2520D-D611-D8A4-814B-A925DDBC052B}"/>
+              </a:ext>
+            </a:extLst>
+          </p:cNvPr>
+          <p:cNvSpPr/>
+          <p:nvPr/>
+        </p:nvSpPr>
+        <p:spPr>
+          <a:xfrm>
+            <a:off x="8618284" y="3307103"/>
+            <a:ext cx="531341" cy="864973"/>
+          </a:xfrm>
+          <a:prstGeom prst="upArrow">
+            <a:avLst/>
+          </a:prstGeom>
+        </p:spPr>
+        <p:style>
+          <a:lnRef idx="1">
+            <a:schemeClr val="dk1"/>
+          </a:lnRef>
+          <a:fillRef idx="2">
+            <a:schemeClr val="dk1"/>
+          </a:fillRef>
+          <a:effectRef idx="1">
+            <a:schemeClr val="dk1"/>
+          </a:effectRef>
+          <a:fontRef idx="minor">
+            <a:schemeClr val="dk1"/>
+          </a:fontRef>
+        </p:style>
+        <p:txBody>
+          <a:bodyPr rtlCol="0" anchor="ctr"/>
+          <a:lstStyle/>
+          <a:p>
+            <a:pPr algn="ctr"/>
+            <a:endParaRPr lang="fr-CA"/>
+          </a:p>
+        </p:txBody>
+      </p:sp>
+      <p:sp>
+        <p:nvSpPr>
+          <p:cNvPr id="7" name="ZoneTexte 6">
+            <a:extLst>
+              <a:ext uri="{FF2B5EF4-FFF2-40B4-BE49-F238E27FC236}">
+                <a16:creationId xmlns:a16="http://schemas.microsoft.com/office/drawing/2014/main" id="{16025DB4-40C2-DBD3-C78E-3D6CDA31568A}"/>
+              </a:ext>
+            </a:extLst>
+          </p:cNvPr>
+          <p:cNvSpPr txBox="1"/>
+          <p:nvPr/>
+        </p:nvSpPr>
+        <p:spPr>
+          <a:xfrm>
+            <a:off x="6984588" y="2040964"/>
+            <a:ext cx="531340" cy="1625951"/>
+          </a:xfrm>
+          <a:prstGeom prst="rect">
+            <a:avLst/>
+          </a:prstGeom>
+          <a:noFill/>
+        </p:spPr>
+        <p:txBody>
+          <a:bodyPr wrap="square" rtlCol="0">
+            <a:spAutoFit/>
+          </a:bodyPr>
+          <a:lstStyle/>
+          <a:p>
+            <a:r>
+              <a:rPr lang="fr-CA" sz="9600" dirty="0"/>
+              <a:t>,</a:t>
+            </a:r>
+          </a:p>
+        </p:txBody>
+      </p:sp>
+      <p:sp>
+        <p:nvSpPr>
+          <p:cNvPr id="8" name="ZoneTexte 7">
+            <a:extLst>
+              <a:ext uri="{FF2B5EF4-FFF2-40B4-BE49-F238E27FC236}">
+                <a16:creationId xmlns:a16="http://schemas.microsoft.com/office/drawing/2014/main" id="{9323001C-9262-D71B-22FA-F3FD469037E2}"/>
+              </a:ext>
+            </a:extLst>
+          </p:cNvPr>
+          <p:cNvSpPr txBox="1"/>
+          <p:nvPr/>
+        </p:nvSpPr>
+        <p:spPr>
+          <a:xfrm>
+            <a:off x="5682915" y="4298042"/>
+            <a:ext cx="1186249" cy="369332"/>
+          </a:xfrm>
+          <a:prstGeom prst="rect">
+            <a:avLst/>
+          </a:prstGeom>
+          <a:noFill/>
+        </p:spPr>
+        <p:txBody>
+          <a:bodyPr wrap="square" rtlCol="0">
+            <a:spAutoFit/>
+          </a:bodyPr>
+          <a:lstStyle/>
+          <a:p>
+            <a:r>
+              <a:rPr lang="fr-CA" b="1" dirty="0"/>
+              <a:t>LIGNES</a:t>
+            </a:r>
+          </a:p>
+        </p:txBody>
+      </p:sp>
+      <p:sp>
+        <p:nvSpPr>
+          <p:cNvPr id="9" name="ZoneTexte 8">
+            <a:extLst>
+              <a:ext uri="{FF2B5EF4-FFF2-40B4-BE49-F238E27FC236}">
+                <a16:creationId xmlns:a16="http://schemas.microsoft.com/office/drawing/2014/main" id="{4EC25CCC-F016-E684-58D3-3BDD3FAC9AF9}"/>
+              </a:ext>
+            </a:extLst>
+          </p:cNvPr>
+          <p:cNvSpPr txBox="1"/>
+          <p:nvPr/>
+        </p:nvSpPr>
+        <p:spPr>
+          <a:xfrm>
+            <a:off x="8109597" y="4298042"/>
+            <a:ext cx="1548713" cy="369332"/>
+          </a:xfrm>
+          <a:prstGeom prst="rect">
+            <a:avLst/>
+          </a:prstGeom>
+          <a:noFill/>
+        </p:spPr>
+        <p:txBody>
+          <a:bodyPr wrap="square" rtlCol="0">
+            <a:spAutoFit/>
+          </a:bodyPr>
+          <a:lstStyle/>
+          <a:p>
+            <a:r>
+              <a:rPr lang="fr-CA" b="1" dirty="0"/>
+              <a:t>COLONNES</a:t>
+            </a:r>
+          </a:p>
+        </p:txBody>
+      </p:sp>
+      <p:pic>
+        <p:nvPicPr>
+          <p:cNvPr id="15" name="Image 14">
+            <a:extLst>
+              <a:ext uri="{FF2B5EF4-FFF2-40B4-BE49-F238E27FC236}">
+                <a16:creationId xmlns:a16="http://schemas.microsoft.com/office/drawing/2014/main" id="{7F8CB6F4-6CA2-A802-60BC-B5A1D865F788}"/>
+              </a:ext>
+            </a:extLst>
+          </p:cNvPr>
+          <p:cNvPicPr>
+            <a:picLocks noChangeAspect="1"/>
+          </p:cNvPicPr>
+          <p:nvPr/>
+        </p:nvPicPr>
+        <p:blipFill>
+          <a:blip r:embed="rId2"/>
+          <a:stretch>
+            <a:fillRect/>
+          </a:stretch>
+        </p:blipFill>
+        <p:spPr>
+          <a:xfrm>
+            <a:off x="77899" y="4482708"/>
+            <a:ext cx="5491803" cy="2215991"/>
+          </a:xfrm>
+          <a:prstGeom prst="rect">
+            <a:avLst/>
+          </a:prstGeom>
+        </p:spPr>
+      </p:pic>
+      <p:sp>
+        <p:nvSpPr>
+          <p:cNvPr id="27" name="ZoneTexte 26">
+            <a:extLst>
+              <a:ext uri="{FF2B5EF4-FFF2-40B4-BE49-F238E27FC236}">
+                <a16:creationId xmlns:a16="http://schemas.microsoft.com/office/drawing/2014/main" id="{C34A0E55-452A-F692-4417-0C5B7801F870}"/>
+              </a:ext>
+            </a:extLst>
+          </p:cNvPr>
+          <p:cNvSpPr txBox="1"/>
+          <p:nvPr/>
+        </p:nvSpPr>
+        <p:spPr>
+          <a:xfrm>
+            <a:off x="2823801" y="592448"/>
+            <a:ext cx="7533747" cy="523220"/>
+          </a:xfrm>
+          <a:prstGeom prst="rect">
+            <a:avLst/>
+          </a:prstGeom>
+          <a:noFill/>
+        </p:spPr>
+        <p:txBody>
+          <a:bodyPr wrap="square" rtlCol="0">
+            <a:spAutoFit/>
+          </a:bodyPr>
+          <a:lstStyle/>
+          <a:p>
+            <a:r>
+              <a:rPr lang="fr-CA" sz="2800" dirty="0">
+                <a:latin typeface="Aharoni" panose="02010803020104030203" pitchFamily="2" charset="-79"/>
+                <a:cs typeface="Aharoni" panose="02010803020104030203" pitchFamily="2" charset="-79"/>
+              </a:rPr>
+              <a:t>Indexer ou filtrer les données d’un tableau</a:t>
+            </a:r>
+          </a:p>
+        </p:txBody>
+      </p:sp>
+      <p:sp>
+        <p:nvSpPr>
+          <p:cNvPr id="28" name="ZoneTexte 27">
+            <a:extLst>
+              <a:ext uri="{FF2B5EF4-FFF2-40B4-BE49-F238E27FC236}">
+                <a16:creationId xmlns:a16="http://schemas.microsoft.com/office/drawing/2014/main" id="{34E2AC90-471F-89B8-9D04-84E08AD91798}"/>
+              </a:ext>
+            </a:extLst>
+          </p:cNvPr>
+          <p:cNvSpPr txBox="1"/>
+          <p:nvPr/>
+        </p:nvSpPr>
+        <p:spPr>
+          <a:xfrm>
+            <a:off x="1317237" y="1383251"/>
+            <a:ext cx="10208303" cy="2215991"/>
+          </a:xfrm>
+          <a:prstGeom prst="rect">
+            <a:avLst/>
+          </a:prstGeom>
+          <a:noFill/>
+        </p:spPr>
+        <p:txBody>
+          <a:bodyPr wrap="square" rtlCol="0">
+            <a:spAutoFit/>
+          </a:bodyPr>
+          <a:lstStyle/>
+          <a:p>
+            <a:r>
+              <a:rPr lang="fr-CA" sz="13800" dirty="0"/>
+              <a:t>XYZ[          ]</a:t>
+            </a:r>
+          </a:p>
+        </p:txBody>
+      </p:sp>
+      <p:graphicFrame>
+        <p:nvGraphicFramePr>
+          <p:cNvPr id="13" name="Tableau 13">
+            <a:extLst>
+              <a:ext uri="{FF2B5EF4-FFF2-40B4-BE49-F238E27FC236}">
+                <a16:creationId xmlns:a16="http://schemas.microsoft.com/office/drawing/2014/main" id="{3558795B-B200-A6DE-E5F0-BC1B86C863CB}"/>
+              </a:ext>
+            </a:extLst>
+          </p:cNvPr>
+          <p:cNvGraphicFramePr>
+            <a:graphicFrameLocks noGrp="1"/>
+          </p:cNvGraphicFramePr>
+          <p:nvPr>
+            <p:extLst>
+              <p:ext uri="{D42A27DB-BD31-4B8C-83A1-F6EECF244321}">
+                <p14:modId xmlns:p14="http://schemas.microsoft.com/office/powerpoint/2010/main" val="3762587750"/>
+              </p:ext>
+            </p:extLst>
+          </p:nvPr>
+        </p:nvGraphicFramePr>
+        <p:xfrm>
+          <a:off x="4980237" y="1579999"/>
+          <a:ext cx="5114380" cy="1644337"/>
+        </p:xfrm>
+        <a:graphic>
+          <a:graphicData uri="http://schemas.openxmlformats.org/drawingml/2006/table">
+            <a:tbl>
+              <a:tblPr firstRow="1" bandRow="1">
+                <a:tableStyleId>{2D5ABB26-0587-4C30-8999-92F81FD0307C}</a:tableStyleId>
+              </a:tblPr>
+              <a:tblGrid>
+                <a:gridCol w="2557190">
+                  <a:extLst>
+                    <a:ext uri="{9D8B030D-6E8A-4147-A177-3AD203B41FA5}">
+                      <a16:colId xmlns:a16="http://schemas.microsoft.com/office/drawing/2014/main" val="879718433"/>
+                    </a:ext>
+                  </a:extLst>
+                </a:gridCol>
+                <a:gridCol w="2557190">
+                  <a:extLst>
+                    <a:ext uri="{9D8B030D-6E8A-4147-A177-3AD203B41FA5}">
+                      <a16:colId xmlns:a16="http://schemas.microsoft.com/office/drawing/2014/main" val="2059953055"/>
+                    </a:ext>
+                  </a:extLst>
+                </a:gridCol>
+              </a:tblGrid>
+              <a:tr h="320780">
+                <a:tc>
+                  <a:txBody>
+                    <a:bodyPr/>
+                    <a:lstStyle/>
+                    <a:p>
+                      <a:pPr algn="ctr"/>
+                      <a:r>
+                        <a:rPr lang="fr-CA" sz="1200" dirty="0">
+                          <a:latin typeface="Courier" pitchFamily="2" charset="0"/>
+                        </a:rPr>
+                        <a:t>1</a:t>
+                      </a:r>
+                    </a:p>
+                  </a:txBody>
+                  <a:tcPr/>
+                </a:tc>
+                <a:tc>
+                  <a:txBody>
+                    <a:bodyPr/>
+                    <a:lstStyle/>
+                    <a:p>
+                      <a:pPr algn="ctr"/>
+                      <a:r>
+                        <a:rPr lang="fr-CA" sz="1200" dirty="0">
+                          <a:latin typeface="Courier" pitchFamily="2" charset="0"/>
+                        </a:rPr>
+                        <a:t>1</a:t>
+                      </a:r>
+                    </a:p>
+                  </a:txBody>
+                  <a:tcPr/>
+                </a:tc>
+                <a:extLst>
+                  <a:ext uri="{0D108BD9-81ED-4DB2-BD59-A6C34878D82A}">
+                    <a16:rowId xmlns:a16="http://schemas.microsoft.com/office/drawing/2014/main" val="1084043891"/>
+                  </a:ext>
+                </a:extLst>
+              </a:tr>
+              <a:tr h="320780">
+                <a:tc>
+                  <a:txBody>
+                    <a:bodyPr/>
+                    <a:lstStyle/>
+                    <a:p>
+                      <a:pPr algn="ctr"/>
+                      <a:r>
+                        <a:rPr lang="fr-CA" sz="1200" dirty="0">
+                          <a:latin typeface="Courier" pitchFamily="2" charset="0"/>
+                        </a:rPr>
+                        <a:t>1:3</a:t>
+                      </a:r>
+                    </a:p>
+                  </a:txBody>
+                  <a:tcPr/>
+                </a:tc>
+                <a:tc>
+                  <a:txBody>
+                    <a:bodyPr/>
+                    <a:lstStyle/>
+                    <a:p>
+                      <a:pPr algn="ctr"/>
+                      <a:r>
+                        <a:rPr lang="fr-CA" sz="1200" dirty="0">
+                          <a:latin typeface="Courier" pitchFamily="2" charset="0"/>
+                        </a:rPr>
+                        <a:t>1:2</a:t>
+                      </a:r>
+                    </a:p>
+                  </a:txBody>
+                  <a:tcPr/>
+                </a:tc>
+                <a:extLst>
+                  <a:ext uri="{0D108BD9-81ED-4DB2-BD59-A6C34878D82A}">
+                    <a16:rowId xmlns:a16="http://schemas.microsoft.com/office/drawing/2014/main" val="2017206795"/>
+                  </a:ext>
+                </a:extLst>
+              </a:tr>
+              <a:tr h="320780">
+                <a:tc>
+                  <a:txBody>
+                    <a:bodyPr/>
+                    <a:lstStyle/>
+                    <a:p>
+                      <a:pPr algn="ctr"/>
+                      <a:r>
+                        <a:rPr lang="fr-CA" sz="1200" dirty="0">
+                          <a:latin typeface="Courier" pitchFamily="2" charset="0"/>
+                        </a:rPr>
+                        <a:t>c(1, 4)</a:t>
+                      </a:r>
+                    </a:p>
+                  </a:txBody>
+                  <a:tcPr/>
+                </a:tc>
+                <a:tc>
+                  <a:txBody>
+                    <a:bodyPr/>
+                    <a:lstStyle/>
+                    <a:p>
+                      <a:pPr algn="ctr"/>
+                      <a:r>
+                        <a:rPr lang="fr-CA" sz="1200" dirty="0">
+                          <a:latin typeface="Courier" pitchFamily="2" charset="0"/>
+                        </a:rPr>
+                        <a:t>c(1, 2)</a:t>
+                      </a:r>
+                    </a:p>
+                  </a:txBody>
+                  <a:tcPr/>
+                </a:tc>
+                <a:extLst>
+                  <a:ext uri="{0D108BD9-81ED-4DB2-BD59-A6C34878D82A}">
+                    <a16:rowId xmlns:a16="http://schemas.microsoft.com/office/drawing/2014/main" val="1078201899"/>
+                  </a:ext>
+                </a:extLst>
+              </a:tr>
+              <a:tr h="320780">
+                <a:tc>
+                  <a:txBody>
+                    <a:bodyPr/>
+                    <a:lstStyle/>
+                    <a:p>
+                      <a:pPr algn="ctr"/>
+                      <a:r>
+                        <a:rPr lang="fr-CA" sz="1200" dirty="0">
+                          <a:highlight>
+                            <a:srgbClr val="FFFF00"/>
+                          </a:highlight>
+                          <a:latin typeface="Courier" pitchFamily="2" charset="0"/>
+                        </a:rPr>
+                        <a:t>2</a:t>
+                      </a:r>
+                    </a:p>
+                  </a:txBody>
+                  <a:tcPr/>
+                </a:tc>
+                <a:tc>
+                  <a:txBody>
+                    <a:bodyPr/>
+                    <a:lstStyle/>
+                    <a:p>
+                      <a:pPr algn="ctr"/>
+                      <a:r>
+                        <a:rPr lang="fr-CA" sz="1200" dirty="0">
+                          <a:highlight>
+                            <a:srgbClr val="FFFF00"/>
+                          </a:highlight>
+                          <a:latin typeface="Courier" pitchFamily="2" charset="0"/>
+                        </a:rPr>
+                        <a:t>`</a:t>
+                      </a:r>
+                      <a:r>
+                        <a:rPr lang="fr-CA" sz="1200" dirty="0" err="1">
+                          <a:highlight>
+                            <a:srgbClr val="FFFF00"/>
+                          </a:highlight>
+                          <a:latin typeface="Courier" pitchFamily="2" charset="0"/>
+                        </a:rPr>
+                        <a:t>auteur.trice</a:t>
+                      </a:r>
+                      <a:r>
+                        <a:rPr lang="fr-CA" sz="1200" dirty="0">
+                          <a:highlight>
+                            <a:srgbClr val="FFFF00"/>
+                          </a:highlight>
+                          <a:latin typeface="Courier" pitchFamily="2" charset="0"/>
+                        </a:rPr>
+                        <a:t>` </a:t>
+                      </a:r>
+                    </a:p>
+                  </a:txBody>
+                  <a:tcPr/>
+                </a:tc>
+                <a:extLst>
+                  <a:ext uri="{0D108BD9-81ED-4DB2-BD59-A6C34878D82A}">
+                    <a16:rowId xmlns:a16="http://schemas.microsoft.com/office/drawing/2014/main" val="3399532434"/>
+                  </a:ext>
+                </a:extLst>
+              </a:tr>
+              <a:tr h="361217">
+                <a:tc>
+                  <a:txBody>
+                    <a:bodyPr/>
+                    <a:lstStyle/>
+                    <a:p>
+                      <a:pPr algn="ctr"/>
+                      <a:r>
+                        <a:rPr lang="fr-CA" sz="1200" dirty="0">
+                          <a:latin typeface="Courier" pitchFamily="2" charset="0"/>
+                        </a:rPr>
+                        <a:t>c(1, 3)</a:t>
+                      </a:r>
+                    </a:p>
+                  </a:txBody>
+                  <a:tcPr/>
+                </a:tc>
+                <a:tc>
+                  <a:txBody>
+                    <a:bodyPr/>
+                    <a:lstStyle/>
+                    <a:p>
+                      <a:pPr algn="ctr"/>
+                      <a:r>
+                        <a:rPr lang="fr-CA" sz="1200" dirty="0">
+                          <a:latin typeface="Courier" pitchFamily="2" charset="0"/>
+                        </a:rPr>
+                        <a:t>c(`</a:t>
+                      </a:r>
+                      <a:r>
+                        <a:rPr lang="fr-CA" sz="1200" dirty="0" err="1">
+                          <a:latin typeface="Courier" pitchFamily="2" charset="0"/>
+                        </a:rPr>
+                        <a:t>oeuvre</a:t>
+                      </a:r>
+                      <a:r>
+                        <a:rPr lang="fr-CA" sz="1200" dirty="0">
+                          <a:latin typeface="Courier" pitchFamily="2" charset="0"/>
+                        </a:rPr>
+                        <a:t>`, `</a:t>
+                      </a:r>
+                      <a:r>
+                        <a:rPr lang="fr-CA" sz="1200" dirty="0" err="1">
+                          <a:latin typeface="Courier" pitchFamily="2" charset="0"/>
+                        </a:rPr>
+                        <a:t>est.femme</a:t>
+                      </a:r>
+                      <a:r>
+                        <a:rPr lang="fr-CA" sz="1200" dirty="0">
+                          <a:latin typeface="Courier" pitchFamily="2" charset="0"/>
+                        </a:rPr>
+                        <a:t>`)</a:t>
+                      </a:r>
+                    </a:p>
+                  </a:txBody>
+                  <a:tcPr/>
+                </a:tc>
+                <a:extLst>
+                  <a:ext uri="{0D108BD9-81ED-4DB2-BD59-A6C34878D82A}">
+                    <a16:rowId xmlns:a16="http://schemas.microsoft.com/office/drawing/2014/main" val="3336460639"/>
+                  </a:ext>
+                </a:extLst>
+              </a:tr>
+            </a:tbl>
+          </a:graphicData>
+        </a:graphic>
+      </p:graphicFrame>
+      <mc:AlternateContent xmlns:mc="http://schemas.openxmlformats.org/markup-compatibility/2006">
+        <mc:Choice xmlns:p14="http://schemas.microsoft.com/office/powerpoint/2010/main" Requires="p14">
+          <p:contentPart p14:bwMode="auto" r:id="rId3">
+            <p14:nvContentPartPr>
+              <p14:cNvPr id="2" name="Entrée manuscrite 1">
+                <a:extLst>
+                  <a:ext uri="{FF2B5EF4-FFF2-40B4-BE49-F238E27FC236}">
+                    <a16:creationId xmlns:a16="http://schemas.microsoft.com/office/drawing/2014/main" id="{DCC4B34C-B93E-E197-2F18-A4BD7B6FCF5D}"/>
+                  </a:ext>
+                </a:extLst>
+              </p14:cNvPr>
+              <p14:cNvContentPartPr/>
+              <p14:nvPr/>
+            </p14:nvContentPartPr>
+            <p14:xfrm>
+              <a:off x="303513" y="5578658"/>
+              <a:ext cx="337680" cy="41040"/>
+            </p14:xfrm>
+          </p:contentPart>
+        </mc:Choice>
+        <mc:Fallback>
+          <p:pic>
+            <p:nvPicPr>
+              <p:cNvPr id="2" name="Entrée manuscrite 1">
+                <a:extLst>
+                  <a:ext uri="{FF2B5EF4-FFF2-40B4-BE49-F238E27FC236}">
+                    <a16:creationId xmlns:a16="http://schemas.microsoft.com/office/drawing/2014/main" id="{DCC4B34C-B93E-E197-2F18-A4BD7B6FCF5D}"/>
+                  </a:ext>
+                </a:extLst>
+              </p:cNvPr>
+              <p:cNvPicPr/>
+              <p:nvPr/>
+            </p:nvPicPr>
+            <p:blipFill>
+              <a:blip r:embed="rId4"/>
+              <a:stretch>
+                <a:fillRect/>
+              </a:stretch>
+            </p:blipFill>
+            <p:spPr>
+              <a:xfrm>
+                <a:off x="249513" y="5470658"/>
+                <a:ext cx="445320" cy="256680"/>
+              </a:xfrm>
+              <a:prstGeom prst="rect">
+                <a:avLst/>
+              </a:prstGeom>
+            </p:spPr>
+          </p:pic>
+        </mc:Fallback>
+      </mc:AlternateContent>
+    </p:spTree>
+    <p:extLst>
+      <p:ext uri="{BB962C8B-B14F-4D97-AF65-F5344CB8AC3E}">
+        <p14:creationId xmlns:p14="http://schemas.microsoft.com/office/powerpoint/2010/main" val="3893500944"/>
+      </p:ext>
+    </p:extLst>
+  </p:cSld>
+  <p:clrMapOvr>
+    <a:masterClrMapping/>
+  </p:clrMapOvr>
+</p:sld>
+</file>
+
+<file path=ppt/slides/slide18.xml><?xml version="1.0" encoding="utf-8"?>
+<p:sld xmlns:a="http://schemas.openxmlformats.org/drawingml/2006/main" xmlns:r="http://schemas.openxmlformats.org/officeDocument/2006/relationships" xmlns:p="http://schemas.openxmlformats.org/presentationml/2006/main">
+  <p:cSld>
+    <p:spTree>
+      <p:nvGrpSpPr>
+        <p:cNvPr id="1" name=""/>
+        <p:cNvGrpSpPr/>
+        <p:nvPr/>
+      </p:nvGrpSpPr>
+      <p:grpSpPr>
+        <a:xfrm>
+          <a:off x="0" y="0"/>
+          <a:ext cx="0" cy="0"/>
+          <a:chOff x="0" y="0"/>
+          <a:chExt cx="0" cy="0"/>
+        </a:xfrm>
+      </p:grpSpPr>
+      <p:sp>
+        <p:nvSpPr>
+          <p:cNvPr id="5" name="Flèche vers le haut 4">
+            <a:extLst>
+              <a:ext uri="{FF2B5EF4-FFF2-40B4-BE49-F238E27FC236}">
+                <a16:creationId xmlns:a16="http://schemas.microsoft.com/office/drawing/2014/main" id="{271D5916-8F35-25D8-0722-15DC8A3798E3}"/>
+              </a:ext>
+            </a:extLst>
+          </p:cNvPr>
+          <p:cNvSpPr/>
+          <p:nvPr/>
+        </p:nvSpPr>
+        <p:spPr>
+          <a:xfrm>
+            <a:off x="6010370" y="3307104"/>
+            <a:ext cx="531341" cy="864973"/>
+          </a:xfrm>
+          <a:prstGeom prst="upArrow">
+            <a:avLst/>
+          </a:prstGeom>
+        </p:spPr>
+        <p:style>
+          <a:lnRef idx="1">
+            <a:schemeClr val="dk1"/>
+          </a:lnRef>
+          <a:fillRef idx="2">
+            <a:schemeClr val="dk1"/>
+          </a:fillRef>
+          <a:effectRef idx="1">
+            <a:schemeClr val="dk1"/>
+          </a:effectRef>
+          <a:fontRef idx="minor">
+            <a:schemeClr val="dk1"/>
+          </a:fontRef>
+        </p:style>
+        <p:txBody>
+          <a:bodyPr rtlCol="0" anchor="ctr"/>
+          <a:lstStyle/>
+          <a:p>
+            <a:pPr algn="ctr"/>
+            <a:endParaRPr lang="fr-CA"/>
+          </a:p>
+        </p:txBody>
+      </p:sp>
+      <p:sp>
+        <p:nvSpPr>
+          <p:cNvPr id="6" name="Flèche vers le haut 5">
+            <a:extLst>
+              <a:ext uri="{FF2B5EF4-FFF2-40B4-BE49-F238E27FC236}">
+                <a16:creationId xmlns:a16="http://schemas.microsoft.com/office/drawing/2014/main" id="{12D2520D-D611-D8A4-814B-A925DDBC052B}"/>
+              </a:ext>
+            </a:extLst>
+          </p:cNvPr>
+          <p:cNvSpPr/>
+          <p:nvPr/>
+        </p:nvSpPr>
+        <p:spPr>
+          <a:xfrm>
+            <a:off x="8618284" y="3307103"/>
+            <a:ext cx="531341" cy="864973"/>
+          </a:xfrm>
+          <a:prstGeom prst="upArrow">
+            <a:avLst/>
+          </a:prstGeom>
+        </p:spPr>
+        <p:style>
+          <a:lnRef idx="1">
+            <a:schemeClr val="dk1"/>
+          </a:lnRef>
+          <a:fillRef idx="2">
+            <a:schemeClr val="dk1"/>
+          </a:fillRef>
+          <a:effectRef idx="1">
+            <a:schemeClr val="dk1"/>
+          </a:effectRef>
+          <a:fontRef idx="minor">
+            <a:schemeClr val="dk1"/>
+          </a:fontRef>
+        </p:style>
+        <p:txBody>
+          <a:bodyPr rtlCol="0" anchor="ctr"/>
+          <a:lstStyle/>
+          <a:p>
+            <a:pPr algn="ctr"/>
+            <a:endParaRPr lang="fr-CA"/>
+          </a:p>
+        </p:txBody>
+      </p:sp>
+      <p:sp>
+        <p:nvSpPr>
+          <p:cNvPr id="7" name="ZoneTexte 6">
+            <a:extLst>
+              <a:ext uri="{FF2B5EF4-FFF2-40B4-BE49-F238E27FC236}">
+                <a16:creationId xmlns:a16="http://schemas.microsoft.com/office/drawing/2014/main" id="{16025DB4-40C2-DBD3-C78E-3D6CDA31568A}"/>
+              </a:ext>
+            </a:extLst>
+          </p:cNvPr>
+          <p:cNvSpPr txBox="1"/>
+          <p:nvPr/>
+        </p:nvSpPr>
+        <p:spPr>
+          <a:xfrm>
+            <a:off x="6984588" y="2040964"/>
+            <a:ext cx="531340" cy="1625951"/>
+          </a:xfrm>
+          <a:prstGeom prst="rect">
+            <a:avLst/>
+          </a:prstGeom>
+          <a:noFill/>
+        </p:spPr>
+        <p:txBody>
+          <a:bodyPr wrap="square" rtlCol="0">
+            <a:spAutoFit/>
+          </a:bodyPr>
+          <a:lstStyle/>
+          <a:p>
+            <a:r>
+              <a:rPr lang="fr-CA" sz="9600" dirty="0"/>
+              <a:t>,</a:t>
+            </a:r>
+          </a:p>
+        </p:txBody>
+      </p:sp>
+      <p:sp>
+        <p:nvSpPr>
+          <p:cNvPr id="8" name="ZoneTexte 7">
+            <a:extLst>
+              <a:ext uri="{FF2B5EF4-FFF2-40B4-BE49-F238E27FC236}">
+                <a16:creationId xmlns:a16="http://schemas.microsoft.com/office/drawing/2014/main" id="{9323001C-9262-D71B-22FA-F3FD469037E2}"/>
+              </a:ext>
+            </a:extLst>
+          </p:cNvPr>
+          <p:cNvSpPr txBox="1"/>
+          <p:nvPr/>
+        </p:nvSpPr>
+        <p:spPr>
+          <a:xfrm>
+            <a:off x="5682915" y="4298042"/>
+            <a:ext cx="1186249" cy="369332"/>
+          </a:xfrm>
+          <a:prstGeom prst="rect">
+            <a:avLst/>
+          </a:prstGeom>
+          <a:noFill/>
+        </p:spPr>
+        <p:txBody>
+          <a:bodyPr wrap="square" rtlCol="0">
+            <a:spAutoFit/>
+          </a:bodyPr>
+          <a:lstStyle/>
+          <a:p>
+            <a:r>
+              <a:rPr lang="fr-CA" b="1" dirty="0"/>
+              <a:t>LIGNES</a:t>
+            </a:r>
+          </a:p>
+        </p:txBody>
+      </p:sp>
+      <p:sp>
+        <p:nvSpPr>
+          <p:cNvPr id="9" name="ZoneTexte 8">
+            <a:extLst>
+              <a:ext uri="{FF2B5EF4-FFF2-40B4-BE49-F238E27FC236}">
+                <a16:creationId xmlns:a16="http://schemas.microsoft.com/office/drawing/2014/main" id="{4EC25CCC-F016-E684-58D3-3BDD3FAC9AF9}"/>
+              </a:ext>
+            </a:extLst>
+          </p:cNvPr>
+          <p:cNvSpPr txBox="1"/>
+          <p:nvPr/>
+        </p:nvSpPr>
+        <p:spPr>
+          <a:xfrm>
+            <a:off x="8109597" y="4298042"/>
+            <a:ext cx="1548713" cy="369332"/>
+          </a:xfrm>
+          <a:prstGeom prst="rect">
+            <a:avLst/>
+          </a:prstGeom>
+          <a:noFill/>
+        </p:spPr>
+        <p:txBody>
+          <a:bodyPr wrap="square" rtlCol="0">
+            <a:spAutoFit/>
+          </a:bodyPr>
+          <a:lstStyle/>
+          <a:p>
+            <a:r>
+              <a:rPr lang="fr-CA" b="1" dirty="0"/>
+              <a:t>COLONNES</a:t>
+            </a:r>
+          </a:p>
+        </p:txBody>
+      </p:sp>
+      <p:pic>
+        <p:nvPicPr>
+          <p:cNvPr id="15" name="Image 14">
+            <a:extLst>
+              <a:ext uri="{FF2B5EF4-FFF2-40B4-BE49-F238E27FC236}">
+                <a16:creationId xmlns:a16="http://schemas.microsoft.com/office/drawing/2014/main" id="{7F8CB6F4-6CA2-A802-60BC-B5A1D865F788}"/>
+              </a:ext>
+            </a:extLst>
+          </p:cNvPr>
+          <p:cNvPicPr>
+            <a:picLocks noChangeAspect="1"/>
+          </p:cNvPicPr>
+          <p:nvPr/>
+        </p:nvPicPr>
+        <p:blipFill>
+          <a:blip r:embed="rId2"/>
+          <a:stretch>
+            <a:fillRect/>
+          </a:stretch>
+        </p:blipFill>
+        <p:spPr>
+          <a:xfrm>
+            <a:off x="77899" y="4482708"/>
+            <a:ext cx="5491803" cy="2215991"/>
+          </a:xfrm>
+          <a:prstGeom prst="rect">
+            <a:avLst/>
+          </a:prstGeom>
+        </p:spPr>
+      </p:pic>
+      <p:sp>
+        <p:nvSpPr>
+          <p:cNvPr id="27" name="ZoneTexte 26">
+            <a:extLst>
+              <a:ext uri="{FF2B5EF4-FFF2-40B4-BE49-F238E27FC236}">
+                <a16:creationId xmlns:a16="http://schemas.microsoft.com/office/drawing/2014/main" id="{C34A0E55-452A-F692-4417-0C5B7801F870}"/>
+              </a:ext>
+            </a:extLst>
+          </p:cNvPr>
+          <p:cNvSpPr txBox="1"/>
+          <p:nvPr/>
+        </p:nvSpPr>
+        <p:spPr>
+          <a:xfrm>
+            <a:off x="2823801" y="592448"/>
+            <a:ext cx="7533747" cy="523220"/>
+          </a:xfrm>
+          <a:prstGeom prst="rect">
+            <a:avLst/>
+          </a:prstGeom>
+          <a:noFill/>
+        </p:spPr>
+        <p:txBody>
+          <a:bodyPr wrap="square" rtlCol="0">
+            <a:spAutoFit/>
+          </a:bodyPr>
+          <a:lstStyle/>
+          <a:p>
+            <a:r>
+              <a:rPr lang="fr-CA" sz="2800" dirty="0">
+                <a:latin typeface="Aharoni" panose="02010803020104030203" pitchFamily="2" charset="-79"/>
+                <a:cs typeface="Aharoni" panose="02010803020104030203" pitchFamily="2" charset="-79"/>
+              </a:rPr>
+              <a:t>Indexer ou filtrer les données d’un tableau</a:t>
+            </a:r>
+          </a:p>
+        </p:txBody>
+      </p:sp>
+      <p:sp>
+        <p:nvSpPr>
+          <p:cNvPr id="28" name="ZoneTexte 27">
+            <a:extLst>
+              <a:ext uri="{FF2B5EF4-FFF2-40B4-BE49-F238E27FC236}">
+                <a16:creationId xmlns:a16="http://schemas.microsoft.com/office/drawing/2014/main" id="{34E2AC90-471F-89B8-9D04-84E08AD91798}"/>
+              </a:ext>
+            </a:extLst>
+          </p:cNvPr>
+          <p:cNvSpPr txBox="1"/>
+          <p:nvPr/>
+        </p:nvSpPr>
+        <p:spPr>
+          <a:xfrm>
+            <a:off x="1317237" y="1383251"/>
+            <a:ext cx="10208303" cy="2215991"/>
+          </a:xfrm>
+          <a:prstGeom prst="rect">
+            <a:avLst/>
+          </a:prstGeom>
+          <a:noFill/>
+        </p:spPr>
+        <p:txBody>
+          <a:bodyPr wrap="square" rtlCol="0">
+            <a:spAutoFit/>
+          </a:bodyPr>
+          <a:lstStyle/>
+          <a:p>
+            <a:r>
+              <a:rPr lang="fr-CA" sz="13800" dirty="0"/>
+              <a:t>XYZ[          ]</a:t>
+            </a:r>
+          </a:p>
+        </p:txBody>
+      </p:sp>
+      <p:graphicFrame>
+        <p:nvGraphicFramePr>
+          <p:cNvPr id="13" name="Tableau 13">
+            <a:extLst>
+              <a:ext uri="{FF2B5EF4-FFF2-40B4-BE49-F238E27FC236}">
+                <a16:creationId xmlns:a16="http://schemas.microsoft.com/office/drawing/2014/main" id="{3558795B-B200-A6DE-E5F0-BC1B86C863CB}"/>
+              </a:ext>
+            </a:extLst>
+          </p:cNvPr>
+          <p:cNvGraphicFramePr>
+            <a:graphicFrameLocks noGrp="1"/>
+          </p:cNvGraphicFramePr>
+          <p:nvPr>
+            <p:extLst>
+              <p:ext uri="{D42A27DB-BD31-4B8C-83A1-F6EECF244321}">
+                <p14:modId xmlns:p14="http://schemas.microsoft.com/office/powerpoint/2010/main" val="1497500529"/>
+              </p:ext>
+            </p:extLst>
+          </p:nvPr>
+        </p:nvGraphicFramePr>
+        <p:xfrm>
+          <a:off x="4980237" y="1579999"/>
+          <a:ext cx="5114380" cy="1644337"/>
+        </p:xfrm>
+        <a:graphic>
+          <a:graphicData uri="http://schemas.openxmlformats.org/drawingml/2006/table">
+            <a:tbl>
+              <a:tblPr firstRow="1" bandRow="1">
+                <a:tableStyleId>{2D5ABB26-0587-4C30-8999-92F81FD0307C}</a:tableStyleId>
+              </a:tblPr>
+              <a:tblGrid>
+                <a:gridCol w="2557190">
+                  <a:extLst>
+                    <a:ext uri="{9D8B030D-6E8A-4147-A177-3AD203B41FA5}">
+                      <a16:colId xmlns:a16="http://schemas.microsoft.com/office/drawing/2014/main" val="879718433"/>
+                    </a:ext>
+                  </a:extLst>
+                </a:gridCol>
+                <a:gridCol w="2557190">
+                  <a:extLst>
+                    <a:ext uri="{9D8B030D-6E8A-4147-A177-3AD203B41FA5}">
+                      <a16:colId xmlns:a16="http://schemas.microsoft.com/office/drawing/2014/main" val="2059953055"/>
+                    </a:ext>
+                  </a:extLst>
+                </a:gridCol>
+              </a:tblGrid>
+              <a:tr h="320780">
+                <a:tc>
+                  <a:txBody>
+                    <a:bodyPr/>
+                    <a:lstStyle/>
+                    <a:p>
+                      <a:pPr algn="ctr"/>
+                      <a:r>
+                        <a:rPr lang="fr-CA" sz="1200" dirty="0">
+                          <a:latin typeface="Courier" pitchFamily="2" charset="0"/>
+                        </a:rPr>
+                        <a:t>1</a:t>
+                      </a:r>
+                    </a:p>
+                  </a:txBody>
+                  <a:tcPr/>
+                </a:tc>
+                <a:tc>
+                  <a:txBody>
+                    <a:bodyPr/>
+                    <a:lstStyle/>
+                    <a:p>
+                      <a:pPr algn="ctr"/>
+                      <a:r>
+                        <a:rPr lang="fr-CA" sz="1200" dirty="0">
+                          <a:latin typeface="Courier" pitchFamily="2" charset="0"/>
+                        </a:rPr>
+                        <a:t>1</a:t>
+                      </a:r>
+                    </a:p>
+                  </a:txBody>
+                  <a:tcPr/>
+                </a:tc>
+                <a:extLst>
+                  <a:ext uri="{0D108BD9-81ED-4DB2-BD59-A6C34878D82A}">
+                    <a16:rowId xmlns:a16="http://schemas.microsoft.com/office/drawing/2014/main" val="1084043891"/>
+                  </a:ext>
+                </a:extLst>
+              </a:tr>
+              <a:tr h="320780">
+                <a:tc>
+                  <a:txBody>
+                    <a:bodyPr/>
+                    <a:lstStyle/>
+                    <a:p>
+                      <a:pPr algn="ctr"/>
+                      <a:r>
+                        <a:rPr lang="fr-CA" sz="1200" dirty="0">
+                          <a:latin typeface="Courier" pitchFamily="2" charset="0"/>
+                        </a:rPr>
+                        <a:t>1:3</a:t>
+                      </a:r>
+                    </a:p>
+                  </a:txBody>
+                  <a:tcPr/>
+                </a:tc>
+                <a:tc>
+                  <a:txBody>
+                    <a:bodyPr/>
+                    <a:lstStyle/>
+                    <a:p>
+                      <a:pPr algn="ctr"/>
+                      <a:r>
+                        <a:rPr lang="fr-CA" sz="1200" dirty="0">
+                          <a:latin typeface="Courier" pitchFamily="2" charset="0"/>
+                        </a:rPr>
+                        <a:t>1:2</a:t>
+                      </a:r>
+                    </a:p>
+                  </a:txBody>
+                  <a:tcPr/>
+                </a:tc>
+                <a:extLst>
+                  <a:ext uri="{0D108BD9-81ED-4DB2-BD59-A6C34878D82A}">
+                    <a16:rowId xmlns:a16="http://schemas.microsoft.com/office/drawing/2014/main" val="2017206795"/>
+                  </a:ext>
+                </a:extLst>
+              </a:tr>
+              <a:tr h="320780">
+                <a:tc>
+                  <a:txBody>
+                    <a:bodyPr/>
+                    <a:lstStyle/>
+                    <a:p>
+                      <a:pPr algn="ctr"/>
+                      <a:r>
+                        <a:rPr lang="fr-CA" sz="1200" dirty="0">
+                          <a:latin typeface="Courier" pitchFamily="2" charset="0"/>
+                        </a:rPr>
+                        <a:t>c(1, 4)</a:t>
+                      </a:r>
+                    </a:p>
+                  </a:txBody>
+                  <a:tcPr/>
+                </a:tc>
+                <a:tc>
+                  <a:txBody>
+                    <a:bodyPr/>
+                    <a:lstStyle/>
+                    <a:p>
+                      <a:pPr algn="ctr"/>
+                      <a:r>
+                        <a:rPr lang="fr-CA" sz="1200" dirty="0">
+                          <a:latin typeface="Courier" pitchFamily="2" charset="0"/>
+                        </a:rPr>
+                        <a:t>c(1, 2)</a:t>
+                      </a:r>
+                    </a:p>
+                  </a:txBody>
+                  <a:tcPr/>
+                </a:tc>
+                <a:extLst>
+                  <a:ext uri="{0D108BD9-81ED-4DB2-BD59-A6C34878D82A}">
+                    <a16:rowId xmlns:a16="http://schemas.microsoft.com/office/drawing/2014/main" val="1078201899"/>
+                  </a:ext>
+                </a:extLst>
+              </a:tr>
+              <a:tr h="320780">
+                <a:tc>
+                  <a:txBody>
+                    <a:bodyPr/>
+                    <a:lstStyle/>
+                    <a:p>
+                      <a:pPr algn="ctr"/>
+                      <a:r>
+                        <a:rPr lang="fr-CA" sz="1200" dirty="0">
+                          <a:latin typeface="Courier" pitchFamily="2" charset="0"/>
+                        </a:rPr>
+                        <a:t>2</a:t>
+                      </a:r>
+                    </a:p>
+                  </a:txBody>
+                  <a:tcPr/>
+                </a:tc>
+                <a:tc>
+                  <a:txBody>
+                    <a:bodyPr/>
+                    <a:lstStyle/>
+                    <a:p>
+                      <a:pPr algn="ctr"/>
+                      <a:r>
+                        <a:rPr lang="fr-CA" sz="1200" dirty="0">
+                          <a:latin typeface="Courier" pitchFamily="2" charset="0"/>
+                        </a:rPr>
+                        <a:t>`</a:t>
+                      </a:r>
+                      <a:r>
+                        <a:rPr lang="fr-CA" sz="1200" dirty="0" err="1">
+                          <a:latin typeface="Courier" pitchFamily="2" charset="0"/>
+                        </a:rPr>
+                        <a:t>auteur.trice</a:t>
+                      </a:r>
+                      <a:r>
+                        <a:rPr lang="fr-CA" sz="1200" dirty="0">
+                          <a:latin typeface="Courier" pitchFamily="2" charset="0"/>
+                        </a:rPr>
+                        <a:t>` </a:t>
+                      </a:r>
+                    </a:p>
+                  </a:txBody>
+                  <a:tcPr/>
+                </a:tc>
+                <a:extLst>
+                  <a:ext uri="{0D108BD9-81ED-4DB2-BD59-A6C34878D82A}">
+                    <a16:rowId xmlns:a16="http://schemas.microsoft.com/office/drawing/2014/main" val="3399532434"/>
+                  </a:ext>
+                </a:extLst>
+              </a:tr>
+              <a:tr h="361217">
+                <a:tc>
+                  <a:txBody>
+                    <a:bodyPr/>
+                    <a:lstStyle/>
+                    <a:p>
+                      <a:pPr algn="ctr"/>
+                      <a:r>
+                        <a:rPr lang="fr-CA" sz="1200" dirty="0">
+                          <a:highlight>
+                            <a:srgbClr val="FFFF00"/>
+                          </a:highlight>
+                          <a:latin typeface="Courier" pitchFamily="2" charset="0"/>
+                        </a:rPr>
+                        <a:t>c(1, 3)</a:t>
+                      </a:r>
+                    </a:p>
+                  </a:txBody>
+                  <a:tcPr/>
+                </a:tc>
+                <a:tc>
+                  <a:txBody>
+                    <a:bodyPr/>
+                    <a:lstStyle/>
+                    <a:p>
+                      <a:pPr algn="ctr"/>
+                      <a:r>
+                        <a:rPr lang="fr-CA" sz="1200" dirty="0">
+                          <a:highlight>
+                            <a:srgbClr val="FFFF00"/>
+                          </a:highlight>
+                          <a:latin typeface="Courier" pitchFamily="2" charset="0"/>
+                        </a:rPr>
+                        <a:t>c(`</a:t>
+                      </a:r>
+                      <a:r>
+                        <a:rPr lang="fr-CA" sz="1200" dirty="0" err="1">
+                          <a:highlight>
+                            <a:srgbClr val="FFFF00"/>
+                          </a:highlight>
+                          <a:latin typeface="Courier" pitchFamily="2" charset="0"/>
+                        </a:rPr>
+                        <a:t>oeuvre</a:t>
+                      </a:r>
+                      <a:r>
+                        <a:rPr lang="fr-CA" sz="1200" dirty="0">
+                          <a:highlight>
+                            <a:srgbClr val="FFFF00"/>
+                          </a:highlight>
+                          <a:latin typeface="Courier" pitchFamily="2" charset="0"/>
+                        </a:rPr>
+                        <a:t>`, `</a:t>
+                      </a:r>
+                      <a:r>
+                        <a:rPr lang="fr-CA" sz="1200" dirty="0" err="1">
+                          <a:highlight>
+                            <a:srgbClr val="FFFF00"/>
+                          </a:highlight>
+                          <a:latin typeface="Courier" pitchFamily="2" charset="0"/>
+                        </a:rPr>
+                        <a:t>est.femme</a:t>
+                      </a:r>
+                      <a:r>
+                        <a:rPr lang="fr-CA" sz="1200" dirty="0">
+                          <a:highlight>
+                            <a:srgbClr val="FFFF00"/>
+                          </a:highlight>
+                          <a:latin typeface="Courier" pitchFamily="2" charset="0"/>
+                        </a:rPr>
+                        <a:t>`)</a:t>
+                      </a:r>
+                    </a:p>
+                  </a:txBody>
+                  <a:tcPr/>
+                </a:tc>
+                <a:extLst>
+                  <a:ext uri="{0D108BD9-81ED-4DB2-BD59-A6C34878D82A}">
+                    <a16:rowId xmlns:a16="http://schemas.microsoft.com/office/drawing/2014/main" val="3336460639"/>
+                  </a:ext>
+                </a:extLst>
+              </a:tr>
+            </a:tbl>
+          </a:graphicData>
+        </a:graphic>
+      </p:graphicFrame>
+      <mc:AlternateContent xmlns:mc="http://schemas.openxmlformats.org/markup-compatibility/2006">
+        <mc:Choice xmlns:p14="http://schemas.microsoft.com/office/powerpoint/2010/main" Requires="p14">
+          <p:contentPart p14:bwMode="auto" r:id="rId3">
+            <p14:nvContentPartPr>
+              <p14:cNvPr id="2" name="Entrée manuscrite 1">
+                <a:extLst>
+                  <a:ext uri="{FF2B5EF4-FFF2-40B4-BE49-F238E27FC236}">
+                    <a16:creationId xmlns:a16="http://schemas.microsoft.com/office/drawing/2014/main" id="{E112478D-80DD-D5EA-1A9D-EE4BC8B0BE9E}"/>
+                  </a:ext>
+                </a:extLst>
+              </p14:cNvPr>
+              <p14:cNvContentPartPr/>
+              <p14:nvPr/>
+            </p14:nvContentPartPr>
+            <p14:xfrm>
+              <a:off x="1591953" y="5322338"/>
+              <a:ext cx="966600" cy="90360"/>
+            </p14:xfrm>
+          </p:contentPart>
+        </mc:Choice>
+        <mc:Fallback>
+          <p:pic>
+            <p:nvPicPr>
+              <p:cNvPr id="2" name="Entrée manuscrite 1">
+                <a:extLst>
+                  <a:ext uri="{FF2B5EF4-FFF2-40B4-BE49-F238E27FC236}">
+                    <a16:creationId xmlns:a16="http://schemas.microsoft.com/office/drawing/2014/main" id="{E112478D-80DD-D5EA-1A9D-EE4BC8B0BE9E}"/>
+                  </a:ext>
+                </a:extLst>
+              </p:cNvPr>
+              <p:cNvPicPr/>
+              <p:nvPr/>
+            </p:nvPicPr>
+            <p:blipFill>
+              <a:blip r:embed="rId4"/>
+              <a:stretch>
+                <a:fillRect/>
+              </a:stretch>
+            </p:blipFill>
+            <p:spPr>
+              <a:xfrm>
+                <a:off x="1537953" y="5214338"/>
+                <a:ext cx="1074240" cy="306000"/>
+              </a:xfrm>
+              <a:prstGeom prst="rect">
+                <a:avLst/>
+              </a:prstGeom>
+            </p:spPr>
+          </p:pic>
+        </mc:Fallback>
+      </mc:AlternateContent>
+      <mc:AlternateContent xmlns:mc="http://schemas.openxmlformats.org/markup-compatibility/2006">
+        <mc:Choice xmlns:p14="http://schemas.microsoft.com/office/powerpoint/2010/main" Requires="p14">
+          <p:contentPart p14:bwMode="auto" r:id="rId5">
+            <p14:nvContentPartPr>
+              <p14:cNvPr id="3" name="Entrée manuscrite 2">
+                <a:extLst>
+                  <a:ext uri="{FF2B5EF4-FFF2-40B4-BE49-F238E27FC236}">
+                    <a16:creationId xmlns:a16="http://schemas.microsoft.com/office/drawing/2014/main" id="{096A27B1-42D6-E094-9ECC-81542F6615A9}"/>
+                  </a:ext>
+                </a:extLst>
+              </p14:cNvPr>
+              <p14:cNvContentPartPr/>
+              <p14:nvPr/>
+            </p14:nvContentPartPr>
+            <p14:xfrm>
+              <a:off x="1568193" y="5796818"/>
+              <a:ext cx="851040" cy="34560"/>
+            </p14:xfrm>
+          </p:contentPart>
+        </mc:Choice>
+        <mc:Fallback>
+          <p:pic>
+            <p:nvPicPr>
+              <p:cNvPr id="3" name="Entrée manuscrite 2">
+                <a:extLst>
+                  <a:ext uri="{FF2B5EF4-FFF2-40B4-BE49-F238E27FC236}">
+                    <a16:creationId xmlns:a16="http://schemas.microsoft.com/office/drawing/2014/main" id="{096A27B1-42D6-E094-9ECC-81542F6615A9}"/>
+                  </a:ext>
+                </a:extLst>
+              </p:cNvPr>
+              <p:cNvPicPr/>
+              <p:nvPr/>
+            </p:nvPicPr>
+            <p:blipFill>
+              <a:blip r:embed="rId6"/>
+              <a:stretch>
+                <a:fillRect/>
+              </a:stretch>
+            </p:blipFill>
+            <p:spPr>
+              <a:xfrm>
+                <a:off x="1514553" y="5689178"/>
+                <a:ext cx="958680" cy="250200"/>
+              </a:xfrm>
+              <a:prstGeom prst="rect">
+                <a:avLst/>
+              </a:prstGeom>
+            </p:spPr>
+          </p:pic>
+        </mc:Fallback>
+      </mc:AlternateContent>
+      <mc:AlternateContent xmlns:mc="http://schemas.openxmlformats.org/markup-compatibility/2006">
+        <mc:Choice xmlns:p14="http://schemas.microsoft.com/office/powerpoint/2010/main" Requires="p14">
+          <p:contentPart p14:bwMode="auto" r:id="rId7">
+            <p14:nvContentPartPr>
+              <p14:cNvPr id="4" name="Entrée manuscrite 3">
+                <a:extLst>
+                  <a:ext uri="{FF2B5EF4-FFF2-40B4-BE49-F238E27FC236}">
+                    <a16:creationId xmlns:a16="http://schemas.microsoft.com/office/drawing/2014/main" id="{13AB6C97-0916-93F7-C9FF-93E893CC03DB}"/>
+                  </a:ext>
+                </a:extLst>
+              </p14:cNvPr>
+              <p14:cNvContentPartPr/>
+              <p14:nvPr/>
+            </p14:nvContentPartPr>
+            <p14:xfrm>
+              <a:off x="4970553" y="5366258"/>
+              <a:ext cx="370440" cy="3240"/>
+            </p14:xfrm>
+          </p:contentPart>
+        </mc:Choice>
+        <mc:Fallback>
+          <p:pic>
+            <p:nvPicPr>
+              <p:cNvPr id="4" name="Entrée manuscrite 3">
+                <a:extLst>
+                  <a:ext uri="{FF2B5EF4-FFF2-40B4-BE49-F238E27FC236}">
+                    <a16:creationId xmlns:a16="http://schemas.microsoft.com/office/drawing/2014/main" id="{13AB6C97-0916-93F7-C9FF-93E893CC03DB}"/>
+                  </a:ext>
+                </a:extLst>
+              </p:cNvPr>
+              <p:cNvPicPr/>
+              <p:nvPr/>
+            </p:nvPicPr>
+            <p:blipFill>
+              <a:blip r:embed="rId8"/>
+              <a:stretch>
+                <a:fillRect/>
+              </a:stretch>
+            </p:blipFill>
+            <p:spPr>
+              <a:xfrm>
+                <a:off x="4916913" y="5258258"/>
+                <a:ext cx="478080" cy="218880"/>
+              </a:xfrm>
+              <a:prstGeom prst="rect">
+                <a:avLst/>
+              </a:prstGeom>
+            </p:spPr>
+          </p:pic>
+        </mc:Fallback>
+      </mc:AlternateContent>
+      <mc:AlternateContent xmlns:mc="http://schemas.openxmlformats.org/markup-compatibility/2006">
+        <mc:Choice xmlns:p14="http://schemas.microsoft.com/office/powerpoint/2010/main" Requires="p14">
+          <p:contentPart p14:bwMode="auto" r:id="rId9">
+            <p14:nvContentPartPr>
+              <p14:cNvPr id="10" name="Entrée manuscrite 9">
+                <a:extLst>
+                  <a:ext uri="{FF2B5EF4-FFF2-40B4-BE49-F238E27FC236}">
+                    <a16:creationId xmlns:a16="http://schemas.microsoft.com/office/drawing/2014/main" id="{34FAA317-07F0-69F4-F9A1-92A4B22F5708}"/>
+                  </a:ext>
+                </a:extLst>
+              </p14:cNvPr>
+              <p14:cNvContentPartPr/>
+              <p14:nvPr/>
+            </p14:nvContentPartPr>
+            <p14:xfrm>
+              <a:off x="4974153" y="5799698"/>
+              <a:ext cx="294480" cy="360"/>
+            </p14:xfrm>
+          </p:contentPart>
+        </mc:Choice>
+        <mc:Fallback>
+          <p:pic>
+            <p:nvPicPr>
+              <p:cNvPr id="10" name="Entrée manuscrite 9">
+                <a:extLst>
+                  <a:ext uri="{FF2B5EF4-FFF2-40B4-BE49-F238E27FC236}">
+                    <a16:creationId xmlns:a16="http://schemas.microsoft.com/office/drawing/2014/main" id="{34FAA317-07F0-69F4-F9A1-92A4B22F5708}"/>
+                  </a:ext>
+                </a:extLst>
+              </p:cNvPr>
+              <p:cNvPicPr/>
+              <p:nvPr/>
+            </p:nvPicPr>
+            <p:blipFill>
+              <a:blip r:embed="rId10"/>
+              <a:stretch>
+                <a:fillRect/>
+              </a:stretch>
+            </p:blipFill>
+            <p:spPr>
+              <a:xfrm>
+                <a:off x="4920513" y="5691698"/>
+                <a:ext cx="402120" cy="216000"/>
+              </a:xfrm>
+              <a:prstGeom prst="rect">
+                <a:avLst/>
+              </a:prstGeom>
+            </p:spPr>
+          </p:pic>
+        </mc:Fallback>
+      </mc:AlternateContent>
+    </p:spTree>
+    <p:extLst>
+      <p:ext uri="{BB962C8B-B14F-4D97-AF65-F5344CB8AC3E}">
+        <p14:creationId xmlns:p14="http://schemas.microsoft.com/office/powerpoint/2010/main" val="4071822389"/>
+      </p:ext>
+    </p:extLst>
+  </p:cSld>
+  <p:clrMapOvr>
+    <a:masterClrMapping/>
+  </p:clrMapOvr>
+</p:sld>
+</file>
+
+<file path=ppt/slides/slide19.xml><?xml version="1.0" encoding="utf-8"?>
 <p:sld xmlns:a="http://schemas.openxmlformats.org/drawingml/2006/main" xmlns:r="http://schemas.openxmlformats.org/officeDocument/2006/relationships" xmlns:p="http://schemas.openxmlformats.org/presentationml/2006/main">
   <p:cSld>
     <p:spTree>
@@ -23511,7 +27291,468 @@
 </p:sld>
 </file>
 
-<file path=ppt/slides/slide16.xml><?xml version="1.0" encoding="utf-8"?>
+<file path=ppt/slides/slide2.xml><?xml version="1.0" encoding="utf-8"?>
+<p:sld xmlns:a="http://schemas.openxmlformats.org/drawingml/2006/main" xmlns:r="http://schemas.openxmlformats.org/officeDocument/2006/relationships" xmlns:p="http://schemas.openxmlformats.org/presentationml/2006/main">
+  <p:cSld>
+    <p:bg>
+      <p:bgPr>
+        <a:solidFill>
+          <a:schemeClr val="bg1"/>
+        </a:solidFill>
+        <a:effectLst/>
+      </p:bgPr>
+    </p:bg>
+    <p:spTree>
+      <p:nvGrpSpPr>
+        <p:cNvPr id="1" name=""/>
+        <p:cNvGrpSpPr/>
+        <p:nvPr/>
+      </p:nvGrpSpPr>
+      <p:grpSpPr>
+        <a:xfrm>
+          <a:off x="0" y="0"/>
+          <a:ext cx="0" cy="0"/>
+          <a:chOff x="0" y="0"/>
+          <a:chExt cx="0" cy="0"/>
+        </a:xfrm>
+      </p:grpSpPr>
+      <p:sp useBgFill="1">
+        <p:nvSpPr>
+          <p:cNvPr id="23" name="Rectangle 22">
+            <a:extLst>
+              <a:ext uri="{FF2B5EF4-FFF2-40B4-BE49-F238E27FC236}">
+                <a16:creationId xmlns:a16="http://schemas.microsoft.com/office/drawing/2014/main" id="{DF44879F-6698-4394-89D4-7B3CDB92E9A0}"/>
+              </a:ext>
+              <a:ext uri="{C183D7F6-B498-43B3-948B-1728B52AA6E4}">
+                <adec:decorative xmlns:adec="http://schemas.microsoft.com/office/drawing/2017/decorative" val="1"/>
+              </a:ext>
+            </a:extLst>
+          </p:cNvPr>
+          <p:cNvSpPr>
+            <a:spLocks noGrp="1" noRot="1" noChangeAspect="1" noMove="1" noResize="1" noEditPoints="1" noAdjustHandles="1" noChangeArrowheads="1" noChangeShapeType="1" noTextEdit="1"/>
+          </p:cNvSpPr>
+          <p:nvPr>
+            <p:extLst>
+              <p:ext uri="{386F3935-93C4-4BCD-93E2-E3B085C9AB24}">
+                <p16:designElem xmlns:p16="http://schemas.microsoft.com/office/powerpoint/2015/main" val="1"/>
+              </p:ext>
+            </p:extLst>
+          </p:nvPr>
+        </p:nvSpPr>
+        <p:spPr>
+          <a:xfrm>
+            <a:off x="0" y="0"/>
+            <a:ext cx="12192000" cy="6858000"/>
+          </a:xfrm>
+          <a:prstGeom prst="rect">
+            <a:avLst/>
+          </a:prstGeom>
+          <a:ln w="12700" cap="flat" cmpd="sng" algn="ctr">
+            <a:noFill/>
+            <a:prstDash val="solid"/>
+            <a:miter lim="800000"/>
+          </a:ln>
+          <a:effectLst/>
+          <a:extLst>
+            <a:ext uri="{91240B29-F687-4F45-9708-019B960494DF}">
+              <a14:hiddenLine xmlns:a14="http://schemas.microsoft.com/office/drawing/2010/main" w="12700" cap="flat" cmpd="sng" algn="ctr">
+                <a:solidFill>
+                  <a:schemeClr val="accent1">
+                    <a:shade val="50000"/>
+                  </a:schemeClr>
+                </a:solidFill>
+                <a:prstDash val="solid"/>
+                <a:miter lim="800000"/>
+              </a14:hiddenLine>
+            </a:ext>
+          </a:extLst>
+        </p:spPr>
+        <p:style>
+          <a:lnRef idx="2">
+            <a:schemeClr val="accent1">
+              <a:shade val="50000"/>
+            </a:schemeClr>
+          </a:lnRef>
+          <a:fillRef idx="1">
+            <a:schemeClr val="accent1"/>
+          </a:fillRef>
+          <a:effectRef idx="0">
+            <a:schemeClr val="accent1"/>
+          </a:effectRef>
+          <a:fontRef idx="minor">
+            <a:schemeClr val="lt1"/>
+          </a:fontRef>
+        </p:style>
+        <p:txBody>
+          <a:bodyPr rtlCol="0" anchor="ctr"/>
+          <a:lstStyle/>
+          <a:p>
+            <a:pPr algn="ctr"/>
+            <a:endParaRPr lang="en-US"/>
+          </a:p>
+        </p:txBody>
+      </p:sp>
+      <p:sp>
+        <p:nvSpPr>
+          <p:cNvPr id="25" name="!!Rectangle">
+            <a:extLst>
+              <a:ext uri="{FF2B5EF4-FFF2-40B4-BE49-F238E27FC236}">
+                <a16:creationId xmlns:a16="http://schemas.microsoft.com/office/drawing/2014/main" id="{C65FD3B2-577C-49A0-B40E-4845C5D597CF}"/>
+              </a:ext>
+              <a:ext uri="{C183D7F6-B498-43B3-948B-1728B52AA6E4}">
+                <adec:decorative xmlns:adec="http://schemas.microsoft.com/office/drawing/2017/decorative" val="1"/>
+              </a:ext>
+            </a:extLst>
+          </p:cNvPr>
+          <p:cNvSpPr>
+            <a:spLocks noGrp="1" noRot="1" noChangeAspect="1" noMove="1" noResize="1" noEditPoints="1" noAdjustHandles="1" noChangeArrowheads="1" noChangeShapeType="1" noTextEdit="1"/>
+          </p:cNvSpPr>
+          <p:nvPr>
+            <p:extLst>
+              <p:ext uri="{386F3935-93C4-4BCD-93E2-E3B085C9AB24}">
+                <p16:designElem xmlns:p16="http://schemas.microsoft.com/office/powerpoint/2015/main" val="1"/>
+              </p:ext>
+            </p:extLst>
+          </p:nvPr>
+        </p:nvSpPr>
+        <p:spPr>
+          <a:xfrm>
+            <a:off x="0" y="0"/>
+            <a:ext cx="12192000" cy="6858000"/>
+          </a:xfrm>
+          <a:prstGeom prst="rect">
+            <a:avLst/>
+          </a:prstGeom>
+          <a:solidFill>
+            <a:srgbClr val="000000"/>
+          </a:solidFill>
+          <a:ln>
+            <a:noFill/>
+          </a:ln>
+        </p:spPr>
+        <p:style>
+          <a:lnRef idx="2">
+            <a:schemeClr val="accent1">
+              <a:shade val="50000"/>
+            </a:schemeClr>
+          </a:lnRef>
+          <a:fillRef idx="1">
+            <a:schemeClr val="accent1"/>
+          </a:fillRef>
+          <a:effectRef idx="0">
+            <a:schemeClr val="accent1"/>
+          </a:effectRef>
+          <a:fontRef idx="minor">
+            <a:schemeClr val="lt1"/>
+          </a:fontRef>
+        </p:style>
+        <p:txBody>
+          <a:bodyPr rtlCol="0" anchor="ctr"/>
+          <a:lstStyle/>
+          <a:p>
+            <a:pPr marL="0" marR="0" lvl="0" indent="0" algn="ctr" defTabSz="914400" rtl="0" eaLnBrk="1" fontAlgn="auto" latinLnBrk="0" hangingPunct="1">
+              <a:lnSpc>
+                <a:spcPct val="100000"/>
+              </a:lnSpc>
+              <a:spcBef>
+                <a:spcPts val="0"/>
+              </a:spcBef>
+              <a:spcAft>
+                <a:spcPts val="0"/>
+              </a:spcAft>
+              <a:buClrTx/>
+              <a:buSzTx/>
+              <a:buFontTx/>
+              <a:buNone/>
+              <a:tabLst/>
+              <a:defRPr/>
+            </a:pPr>
+            <a:endParaRPr kumimoji="0" lang="en-US" sz="1800" b="0" i="0" u="none" strike="noStrike" kern="1200" cap="none" spc="0" normalizeH="0" baseline="0" noProof="0">
+              <a:ln>
+                <a:noFill/>
+              </a:ln>
+              <a:solidFill>
+                <a:prstClr val="white"/>
+              </a:solidFill>
+              <a:effectLst/>
+              <a:uLnTx/>
+              <a:uFillTx/>
+              <a:latin typeface="Avenir Next LT Pro"/>
+              <a:ea typeface="+mn-ea"/>
+              <a:cs typeface="+mn-cs"/>
+            </a:endParaRPr>
+          </a:p>
+        </p:txBody>
+      </p:sp>
+      <p:sp>
+        <p:nvSpPr>
+          <p:cNvPr id="2" name="Titre 1">
+            <a:extLst>
+              <a:ext uri="{FF2B5EF4-FFF2-40B4-BE49-F238E27FC236}">
+                <a16:creationId xmlns:a16="http://schemas.microsoft.com/office/drawing/2014/main" id="{478DAC22-24EF-F518-530D-6A360CC088DA}"/>
+              </a:ext>
+            </a:extLst>
+          </p:cNvPr>
+          <p:cNvSpPr>
+            <a:spLocks noGrp="1"/>
+          </p:cNvSpPr>
+          <p:nvPr>
+            <p:ph type="title"/>
+          </p:nvPr>
+        </p:nvSpPr>
+        <p:spPr>
+          <a:xfrm>
+            <a:off x="841248" y="426720"/>
+            <a:ext cx="10506456" cy="1919141"/>
+          </a:xfrm>
+        </p:spPr>
+        <p:txBody>
+          <a:bodyPr anchor="b">
+            <a:normAutofit/>
+          </a:bodyPr>
+          <a:lstStyle/>
+          <a:p>
+            <a:r>
+              <a:rPr lang="fr-CA" sz="6000">
+                <a:solidFill>
+                  <a:srgbClr val="FFFFFF"/>
+                </a:solidFill>
+              </a:rPr>
+              <a:t>Objectifs de l’atelier</a:t>
+            </a:r>
+          </a:p>
+        </p:txBody>
+      </p:sp>
+      <p:sp>
+        <p:nvSpPr>
+          <p:cNvPr id="27" name="Rectangle 26">
+            <a:extLst>
+              <a:ext uri="{FF2B5EF4-FFF2-40B4-BE49-F238E27FC236}">
+                <a16:creationId xmlns:a16="http://schemas.microsoft.com/office/drawing/2014/main" id="{7A0B5DEA-ADF6-4BA5-9307-147F0A4685A0}"/>
+              </a:ext>
+              <a:ext uri="{C183D7F6-B498-43B3-948B-1728B52AA6E4}">
+                <adec:decorative xmlns:adec="http://schemas.microsoft.com/office/drawing/2017/decorative" val="1"/>
+              </a:ext>
+            </a:extLst>
+          </p:cNvPr>
+          <p:cNvSpPr>
+            <a:spLocks noGrp="1" noRot="1" noChangeAspect="1" noMove="1" noResize="1" noEditPoints="1" noAdjustHandles="1" noChangeArrowheads="1" noChangeShapeType="1" noTextEdit="1"/>
+          </p:cNvSpPr>
+          <p:nvPr>
+            <p:extLst>
+              <p:ext uri="{386F3935-93C4-4BCD-93E2-E3B085C9AB24}">
+                <p16:designElem xmlns:p16="http://schemas.microsoft.com/office/powerpoint/2015/main" val="1"/>
+              </p:ext>
+            </p:extLst>
+          </p:nvPr>
+        </p:nvSpPr>
+        <p:spPr>
+          <a:xfrm>
+            <a:off x="868680" y="2898648"/>
+            <a:ext cx="10506456" cy="18288"/>
+          </a:xfrm>
+          <a:prstGeom prst="rect">
+            <a:avLst/>
+          </a:prstGeom>
+          <a:solidFill>
+            <a:srgbClr val="FFFFFF"/>
+          </a:solidFill>
+          <a:ln w="3175">
+            <a:noFill/>
+          </a:ln>
+          <a:effectLst/>
+        </p:spPr>
+        <p:style>
+          <a:lnRef idx="2">
+            <a:schemeClr val="accent1">
+              <a:shade val="50000"/>
+            </a:schemeClr>
+          </a:lnRef>
+          <a:fillRef idx="1">
+            <a:schemeClr val="accent1"/>
+          </a:fillRef>
+          <a:effectRef idx="0">
+            <a:schemeClr val="accent1"/>
+          </a:effectRef>
+          <a:fontRef idx="minor">
+            <a:schemeClr val="lt1"/>
+          </a:fontRef>
+        </p:style>
+        <p:txBody>
+          <a:bodyPr rtlCol="0" anchor="ctr"/>
+          <a:lstStyle/>
+          <a:p>
+            <a:pPr marL="0" marR="0" lvl="0" indent="0" algn="ctr" defTabSz="914400" rtl="0" eaLnBrk="1" fontAlgn="auto" latinLnBrk="0" hangingPunct="1">
+              <a:lnSpc>
+                <a:spcPct val="100000"/>
+              </a:lnSpc>
+              <a:spcBef>
+                <a:spcPts val="0"/>
+              </a:spcBef>
+              <a:spcAft>
+                <a:spcPts val="0"/>
+              </a:spcAft>
+              <a:buClrTx/>
+              <a:buSzTx/>
+              <a:buFontTx/>
+              <a:buNone/>
+              <a:tabLst/>
+              <a:defRPr/>
+            </a:pPr>
+            <a:endParaRPr kumimoji="0" lang="en-US" sz="1800" b="0" i="0" u="none" strike="noStrike" kern="1200" cap="none" spc="0" normalizeH="0" baseline="0" noProof="0">
+              <a:ln>
+                <a:noFill/>
+              </a:ln>
+              <a:solidFill>
+                <a:prstClr val="white"/>
+              </a:solidFill>
+              <a:effectLst/>
+              <a:uLnTx/>
+              <a:uFillTx/>
+              <a:latin typeface="Calibri" panose="020F0502020204030204"/>
+              <a:ea typeface="+mn-ea"/>
+              <a:cs typeface="+mn-cs"/>
+            </a:endParaRPr>
+          </a:p>
+        </p:txBody>
+      </p:sp>
+      <p:sp>
+        <p:nvSpPr>
+          <p:cNvPr id="29" name="Rectangle 28">
+            <a:extLst>
+              <a:ext uri="{FF2B5EF4-FFF2-40B4-BE49-F238E27FC236}">
+                <a16:creationId xmlns:a16="http://schemas.microsoft.com/office/drawing/2014/main" id="{9DECDBF4-02B6-4BB4-B65B-B8107AD6A9E8}"/>
+              </a:ext>
+              <a:ext uri="{C183D7F6-B498-43B3-948B-1728B52AA6E4}">
+                <adec:decorative xmlns:adec="http://schemas.microsoft.com/office/drawing/2017/decorative" val="1"/>
+              </a:ext>
+            </a:extLst>
+          </p:cNvPr>
+          <p:cNvSpPr>
+            <a:spLocks noGrp="1" noRot="1" noChangeAspect="1" noMove="1" noResize="1" noEditPoints="1" noAdjustHandles="1" noChangeArrowheads="1" noChangeShapeType="1" noTextEdit="1"/>
+          </p:cNvSpPr>
+          <p:nvPr>
+            <p:extLst>
+              <p:ext uri="{386F3935-93C4-4BCD-93E2-E3B085C9AB24}">
+                <p16:designElem xmlns:p16="http://schemas.microsoft.com/office/powerpoint/2015/main" val="1"/>
+              </p:ext>
+            </p:extLst>
+          </p:nvPr>
+        </p:nvSpPr>
+        <p:spPr>
+          <a:xfrm flipV="1">
+            <a:off x="841248" y="2783982"/>
+            <a:ext cx="1873457" cy="137160"/>
+          </a:xfrm>
+          <a:prstGeom prst="rect">
+            <a:avLst/>
+          </a:prstGeom>
+          <a:solidFill>
+            <a:schemeClr val="accent1"/>
+          </a:solidFill>
+          <a:ln>
+            <a:noFill/>
+          </a:ln>
+        </p:spPr>
+        <p:style>
+          <a:lnRef idx="2">
+            <a:schemeClr val="accent1">
+              <a:shade val="50000"/>
+            </a:schemeClr>
+          </a:lnRef>
+          <a:fillRef idx="1">
+            <a:schemeClr val="accent1"/>
+          </a:fillRef>
+          <a:effectRef idx="0">
+            <a:schemeClr val="accent1"/>
+          </a:effectRef>
+          <a:fontRef idx="minor">
+            <a:schemeClr val="lt1"/>
+          </a:fontRef>
+        </p:style>
+        <p:txBody>
+          <a:bodyPr rtlCol="0" anchor="ctr"/>
+          <a:lstStyle/>
+          <a:p>
+            <a:pPr marL="0" marR="0" lvl="0" indent="0" algn="ctr" defTabSz="914400" rtl="0" eaLnBrk="1" fontAlgn="auto" latinLnBrk="0" hangingPunct="1">
+              <a:lnSpc>
+                <a:spcPct val="100000"/>
+              </a:lnSpc>
+              <a:spcBef>
+                <a:spcPts val="0"/>
+              </a:spcBef>
+              <a:spcAft>
+                <a:spcPts val="0"/>
+              </a:spcAft>
+              <a:buClrTx/>
+              <a:buSzTx/>
+              <a:buFontTx/>
+              <a:buNone/>
+              <a:tabLst/>
+              <a:defRPr/>
+            </a:pPr>
+            <a:endParaRPr kumimoji="0" lang="en-US" sz="1800" b="0" i="0" u="none" strike="noStrike" kern="1200" cap="none" spc="0" normalizeH="0" baseline="0" noProof="0">
+              <a:ln>
+                <a:noFill/>
+              </a:ln>
+              <a:solidFill>
+                <a:prstClr val="white"/>
+              </a:solidFill>
+              <a:effectLst/>
+              <a:uLnTx/>
+              <a:uFillTx/>
+              <a:latin typeface="Calibri" panose="020F0502020204030204"/>
+              <a:ea typeface="+mn-ea"/>
+              <a:cs typeface="+mn-cs"/>
+            </a:endParaRPr>
+          </a:p>
+        </p:txBody>
+      </p:sp>
+      <p:graphicFrame>
+        <p:nvGraphicFramePr>
+          <p:cNvPr id="18" name="Espace réservé du contenu 2">
+            <a:extLst>
+              <a:ext uri="{FF2B5EF4-FFF2-40B4-BE49-F238E27FC236}">
+                <a16:creationId xmlns:a16="http://schemas.microsoft.com/office/drawing/2014/main" id="{30FDE603-8964-CCFE-D6F0-EABD5241800A}"/>
+              </a:ext>
+            </a:extLst>
+          </p:cNvPr>
+          <p:cNvGraphicFramePr>
+            <a:graphicFrameLocks noGrp="1"/>
+          </p:cNvGraphicFramePr>
+          <p:nvPr>
+            <p:ph idx="1"/>
+            <p:extLst>
+              <p:ext uri="{D42A27DB-BD31-4B8C-83A1-F6EECF244321}">
+                <p14:modId xmlns:p14="http://schemas.microsoft.com/office/powerpoint/2010/main" val="3411886490"/>
+              </p:ext>
+            </p:extLst>
+          </p:nvPr>
+        </p:nvGraphicFramePr>
+        <p:xfrm>
+          <a:off x="841248" y="3337269"/>
+          <a:ext cx="10509504" cy="2905686"/>
+        </p:xfrm>
+        <a:graphic>
+          <a:graphicData uri="http://schemas.openxmlformats.org/drawingml/2006/diagram">
+            <dgm:relIds xmlns:dgm="http://schemas.openxmlformats.org/drawingml/2006/diagram" xmlns:r="http://schemas.openxmlformats.org/officeDocument/2006/relationships" r:dm="rId2" r:lo="rId3" r:qs="rId4" r:cs="rId5"/>
+          </a:graphicData>
+        </a:graphic>
+      </p:graphicFrame>
+    </p:spTree>
+    <p:extLst>
+      <p:ext uri="{BB962C8B-B14F-4D97-AF65-F5344CB8AC3E}">
+        <p14:creationId xmlns:p14="http://schemas.microsoft.com/office/powerpoint/2010/main" val="2049150351"/>
+      </p:ext>
+    </p:extLst>
+  </p:cSld>
+  <p:clrMapOvr>
+    <a:masterClrMapping/>
+  </p:clrMapOvr>
+</p:sld>
+</file>
+
+<file path=ppt/slides/slide20.xml><?xml version="1.0" encoding="utf-8"?>
 <p:sld xmlns:a="http://schemas.openxmlformats.org/drawingml/2006/main" xmlns:r="http://schemas.openxmlformats.org/officeDocument/2006/relationships" xmlns:p="http://schemas.openxmlformats.org/presentationml/2006/main">
   <p:cSld>
     <p:spTree>
@@ -23951,7 +28192,7 @@
 </p:sld>
 </file>
 
-<file path=ppt/slides/slide17.xml><?xml version="1.0" encoding="utf-8"?>
+<file path=ppt/slides/slide21.xml><?xml version="1.0" encoding="utf-8"?>
 <p:sld xmlns:a="http://schemas.openxmlformats.org/drawingml/2006/main" xmlns:r="http://schemas.openxmlformats.org/officeDocument/2006/relationships" xmlns:p="http://schemas.openxmlformats.org/presentationml/2006/main">
   <p:cSld>
     <p:spTree>
@@ -24700,7 +28941,7 @@
 </p:sld>
 </file>
 
-<file path=ppt/slides/slide18.xml><?xml version="1.0" encoding="utf-8"?>
+<file path=ppt/slides/slide22.xml><?xml version="1.0" encoding="utf-8"?>
 <p:sld xmlns:a="http://schemas.openxmlformats.org/drawingml/2006/main" xmlns:r="http://schemas.openxmlformats.org/officeDocument/2006/relationships" xmlns:p="http://schemas.openxmlformats.org/presentationml/2006/main">
   <p:cSld>
     <p:spTree>
@@ -24788,7 +29029,7 @@
 </p:sld>
 </file>
 
-<file path=ppt/slides/slide19.xml><?xml version="1.0" encoding="utf-8"?>
+<file path=ppt/slides/slide23.xml><?xml version="1.0" encoding="utf-8"?>
 <p:sld xmlns:a="http://schemas.openxmlformats.org/drawingml/2006/main" xmlns:r="http://schemas.openxmlformats.org/officeDocument/2006/relationships" xmlns:p="http://schemas.openxmlformats.org/presentationml/2006/main">
   <p:cSld>
     <p:bg>
@@ -25540,468 +29781,7 @@
 </p:sld>
 </file>
 
-<file path=ppt/slides/slide2.xml><?xml version="1.0" encoding="utf-8"?>
-<p:sld xmlns:a="http://schemas.openxmlformats.org/drawingml/2006/main" xmlns:r="http://schemas.openxmlformats.org/officeDocument/2006/relationships" xmlns:p="http://schemas.openxmlformats.org/presentationml/2006/main">
-  <p:cSld>
-    <p:bg>
-      <p:bgPr>
-        <a:solidFill>
-          <a:schemeClr val="bg1"/>
-        </a:solidFill>
-        <a:effectLst/>
-      </p:bgPr>
-    </p:bg>
-    <p:spTree>
-      <p:nvGrpSpPr>
-        <p:cNvPr id="1" name=""/>
-        <p:cNvGrpSpPr/>
-        <p:nvPr/>
-      </p:nvGrpSpPr>
-      <p:grpSpPr>
-        <a:xfrm>
-          <a:off x="0" y="0"/>
-          <a:ext cx="0" cy="0"/>
-          <a:chOff x="0" y="0"/>
-          <a:chExt cx="0" cy="0"/>
-        </a:xfrm>
-      </p:grpSpPr>
-      <p:sp useBgFill="1">
-        <p:nvSpPr>
-          <p:cNvPr id="23" name="Rectangle 22">
-            <a:extLst>
-              <a:ext uri="{FF2B5EF4-FFF2-40B4-BE49-F238E27FC236}">
-                <a16:creationId xmlns:a16="http://schemas.microsoft.com/office/drawing/2014/main" id="{DF44879F-6698-4394-89D4-7B3CDB92E9A0}"/>
-              </a:ext>
-              <a:ext uri="{C183D7F6-B498-43B3-948B-1728B52AA6E4}">
-                <adec:decorative xmlns:adec="http://schemas.microsoft.com/office/drawing/2017/decorative" val="1"/>
-              </a:ext>
-            </a:extLst>
-          </p:cNvPr>
-          <p:cNvSpPr>
-            <a:spLocks noGrp="1" noRot="1" noChangeAspect="1" noMove="1" noResize="1" noEditPoints="1" noAdjustHandles="1" noChangeArrowheads="1" noChangeShapeType="1" noTextEdit="1"/>
-          </p:cNvSpPr>
-          <p:nvPr>
-            <p:extLst>
-              <p:ext uri="{386F3935-93C4-4BCD-93E2-E3B085C9AB24}">
-                <p16:designElem xmlns:p16="http://schemas.microsoft.com/office/powerpoint/2015/main" val="1"/>
-              </p:ext>
-            </p:extLst>
-          </p:nvPr>
-        </p:nvSpPr>
-        <p:spPr>
-          <a:xfrm>
-            <a:off x="0" y="0"/>
-            <a:ext cx="12192000" cy="6858000"/>
-          </a:xfrm>
-          <a:prstGeom prst="rect">
-            <a:avLst/>
-          </a:prstGeom>
-          <a:ln w="12700" cap="flat" cmpd="sng" algn="ctr">
-            <a:noFill/>
-            <a:prstDash val="solid"/>
-            <a:miter lim="800000"/>
-          </a:ln>
-          <a:effectLst/>
-          <a:extLst>
-            <a:ext uri="{91240B29-F687-4F45-9708-019B960494DF}">
-              <a14:hiddenLine xmlns:a14="http://schemas.microsoft.com/office/drawing/2010/main" w="12700" cap="flat" cmpd="sng" algn="ctr">
-                <a:solidFill>
-                  <a:schemeClr val="accent1">
-                    <a:shade val="50000"/>
-                  </a:schemeClr>
-                </a:solidFill>
-                <a:prstDash val="solid"/>
-                <a:miter lim="800000"/>
-              </a14:hiddenLine>
-            </a:ext>
-          </a:extLst>
-        </p:spPr>
-        <p:style>
-          <a:lnRef idx="2">
-            <a:schemeClr val="accent1">
-              <a:shade val="50000"/>
-            </a:schemeClr>
-          </a:lnRef>
-          <a:fillRef idx="1">
-            <a:schemeClr val="accent1"/>
-          </a:fillRef>
-          <a:effectRef idx="0">
-            <a:schemeClr val="accent1"/>
-          </a:effectRef>
-          <a:fontRef idx="minor">
-            <a:schemeClr val="lt1"/>
-          </a:fontRef>
-        </p:style>
-        <p:txBody>
-          <a:bodyPr rtlCol="0" anchor="ctr"/>
-          <a:lstStyle/>
-          <a:p>
-            <a:pPr algn="ctr"/>
-            <a:endParaRPr lang="en-US"/>
-          </a:p>
-        </p:txBody>
-      </p:sp>
-      <p:sp>
-        <p:nvSpPr>
-          <p:cNvPr id="25" name="!!Rectangle">
-            <a:extLst>
-              <a:ext uri="{FF2B5EF4-FFF2-40B4-BE49-F238E27FC236}">
-                <a16:creationId xmlns:a16="http://schemas.microsoft.com/office/drawing/2014/main" id="{C65FD3B2-577C-49A0-B40E-4845C5D597CF}"/>
-              </a:ext>
-              <a:ext uri="{C183D7F6-B498-43B3-948B-1728B52AA6E4}">
-                <adec:decorative xmlns:adec="http://schemas.microsoft.com/office/drawing/2017/decorative" val="1"/>
-              </a:ext>
-            </a:extLst>
-          </p:cNvPr>
-          <p:cNvSpPr>
-            <a:spLocks noGrp="1" noRot="1" noChangeAspect="1" noMove="1" noResize="1" noEditPoints="1" noAdjustHandles="1" noChangeArrowheads="1" noChangeShapeType="1" noTextEdit="1"/>
-          </p:cNvSpPr>
-          <p:nvPr>
-            <p:extLst>
-              <p:ext uri="{386F3935-93C4-4BCD-93E2-E3B085C9AB24}">
-                <p16:designElem xmlns:p16="http://schemas.microsoft.com/office/powerpoint/2015/main" val="1"/>
-              </p:ext>
-            </p:extLst>
-          </p:nvPr>
-        </p:nvSpPr>
-        <p:spPr>
-          <a:xfrm>
-            <a:off x="0" y="0"/>
-            <a:ext cx="12192000" cy="6858000"/>
-          </a:xfrm>
-          <a:prstGeom prst="rect">
-            <a:avLst/>
-          </a:prstGeom>
-          <a:solidFill>
-            <a:srgbClr val="000000"/>
-          </a:solidFill>
-          <a:ln>
-            <a:noFill/>
-          </a:ln>
-        </p:spPr>
-        <p:style>
-          <a:lnRef idx="2">
-            <a:schemeClr val="accent1">
-              <a:shade val="50000"/>
-            </a:schemeClr>
-          </a:lnRef>
-          <a:fillRef idx="1">
-            <a:schemeClr val="accent1"/>
-          </a:fillRef>
-          <a:effectRef idx="0">
-            <a:schemeClr val="accent1"/>
-          </a:effectRef>
-          <a:fontRef idx="minor">
-            <a:schemeClr val="lt1"/>
-          </a:fontRef>
-        </p:style>
-        <p:txBody>
-          <a:bodyPr rtlCol="0" anchor="ctr"/>
-          <a:lstStyle/>
-          <a:p>
-            <a:pPr marL="0" marR="0" lvl="0" indent="0" algn="ctr" defTabSz="914400" rtl="0" eaLnBrk="1" fontAlgn="auto" latinLnBrk="0" hangingPunct="1">
-              <a:lnSpc>
-                <a:spcPct val="100000"/>
-              </a:lnSpc>
-              <a:spcBef>
-                <a:spcPts val="0"/>
-              </a:spcBef>
-              <a:spcAft>
-                <a:spcPts val="0"/>
-              </a:spcAft>
-              <a:buClrTx/>
-              <a:buSzTx/>
-              <a:buFontTx/>
-              <a:buNone/>
-              <a:tabLst/>
-              <a:defRPr/>
-            </a:pPr>
-            <a:endParaRPr kumimoji="0" lang="en-US" sz="1800" b="0" i="0" u="none" strike="noStrike" kern="1200" cap="none" spc="0" normalizeH="0" baseline="0" noProof="0">
-              <a:ln>
-                <a:noFill/>
-              </a:ln>
-              <a:solidFill>
-                <a:prstClr val="white"/>
-              </a:solidFill>
-              <a:effectLst/>
-              <a:uLnTx/>
-              <a:uFillTx/>
-              <a:latin typeface="Avenir Next LT Pro"/>
-              <a:ea typeface="+mn-ea"/>
-              <a:cs typeface="+mn-cs"/>
-            </a:endParaRPr>
-          </a:p>
-        </p:txBody>
-      </p:sp>
-      <p:sp>
-        <p:nvSpPr>
-          <p:cNvPr id="2" name="Titre 1">
-            <a:extLst>
-              <a:ext uri="{FF2B5EF4-FFF2-40B4-BE49-F238E27FC236}">
-                <a16:creationId xmlns:a16="http://schemas.microsoft.com/office/drawing/2014/main" id="{478DAC22-24EF-F518-530D-6A360CC088DA}"/>
-              </a:ext>
-            </a:extLst>
-          </p:cNvPr>
-          <p:cNvSpPr>
-            <a:spLocks noGrp="1"/>
-          </p:cNvSpPr>
-          <p:nvPr>
-            <p:ph type="title"/>
-          </p:nvPr>
-        </p:nvSpPr>
-        <p:spPr>
-          <a:xfrm>
-            <a:off x="841248" y="426720"/>
-            <a:ext cx="10506456" cy="1919141"/>
-          </a:xfrm>
-        </p:spPr>
-        <p:txBody>
-          <a:bodyPr anchor="b">
-            <a:normAutofit/>
-          </a:bodyPr>
-          <a:lstStyle/>
-          <a:p>
-            <a:r>
-              <a:rPr lang="fr-CA" sz="6000">
-                <a:solidFill>
-                  <a:srgbClr val="FFFFFF"/>
-                </a:solidFill>
-              </a:rPr>
-              <a:t>Objectifs de l’atelier</a:t>
-            </a:r>
-          </a:p>
-        </p:txBody>
-      </p:sp>
-      <p:sp>
-        <p:nvSpPr>
-          <p:cNvPr id="27" name="Rectangle 26">
-            <a:extLst>
-              <a:ext uri="{FF2B5EF4-FFF2-40B4-BE49-F238E27FC236}">
-                <a16:creationId xmlns:a16="http://schemas.microsoft.com/office/drawing/2014/main" id="{7A0B5DEA-ADF6-4BA5-9307-147F0A4685A0}"/>
-              </a:ext>
-              <a:ext uri="{C183D7F6-B498-43B3-948B-1728B52AA6E4}">
-                <adec:decorative xmlns:adec="http://schemas.microsoft.com/office/drawing/2017/decorative" val="1"/>
-              </a:ext>
-            </a:extLst>
-          </p:cNvPr>
-          <p:cNvSpPr>
-            <a:spLocks noGrp="1" noRot="1" noChangeAspect="1" noMove="1" noResize="1" noEditPoints="1" noAdjustHandles="1" noChangeArrowheads="1" noChangeShapeType="1" noTextEdit="1"/>
-          </p:cNvSpPr>
-          <p:nvPr>
-            <p:extLst>
-              <p:ext uri="{386F3935-93C4-4BCD-93E2-E3B085C9AB24}">
-                <p16:designElem xmlns:p16="http://schemas.microsoft.com/office/powerpoint/2015/main" val="1"/>
-              </p:ext>
-            </p:extLst>
-          </p:nvPr>
-        </p:nvSpPr>
-        <p:spPr>
-          <a:xfrm>
-            <a:off x="868680" y="2898648"/>
-            <a:ext cx="10506456" cy="18288"/>
-          </a:xfrm>
-          <a:prstGeom prst="rect">
-            <a:avLst/>
-          </a:prstGeom>
-          <a:solidFill>
-            <a:srgbClr val="FFFFFF"/>
-          </a:solidFill>
-          <a:ln w="3175">
-            <a:noFill/>
-          </a:ln>
-          <a:effectLst/>
-        </p:spPr>
-        <p:style>
-          <a:lnRef idx="2">
-            <a:schemeClr val="accent1">
-              <a:shade val="50000"/>
-            </a:schemeClr>
-          </a:lnRef>
-          <a:fillRef idx="1">
-            <a:schemeClr val="accent1"/>
-          </a:fillRef>
-          <a:effectRef idx="0">
-            <a:schemeClr val="accent1"/>
-          </a:effectRef>
-          <a:fontRef idx="minor">
-            <a:schemeClr val="lt1"/>
-          </a:fontRef>
-        </p:style>
-        <p:txBody>
-          <a:bodyPr rtlCol="0" anchor="ctr"/>
-          <a:lstStyle/>
-          <a:p>
-            <a:pPr marL="0" marR="0" lvl="0" indent="0" algn="ctr" defTabSz="914400" rtl="0" eaLnBrk="1" fontAlgn="auto" latinLnBrk="0" hangingPunct="1">
-              <a:lnSpc>
-                <a:spcPct val="100000"/>
-              </a:lnSpc>
-              <a:spcBef>
-                <a:spcPts val="0"/>
-              </a:spcBef>
-              <a:spcAft>
-                <a:spcPts val="0"/>
-              </a:spcAft>
-              <a:buClrTx/>
-              <a:buSzTx/>
-              <a:buFontTx/>
-              <a:buNone/>
-              <a:tabLst/>
-              <a:defRPr/>
-            </a:pPr>
-            <a:endParaRPr kumimoji="0" lang="en-US" sz="1800" b="0" i="0" u="none" strike="noStrike" kern="1200" cap="none" spc="0" normalizeH="0" baseline="0" noProof="0">
-              <a:ln>
-                <a:noFill/>
-              </a:ln>
-              <a:solidFill>
-                <a:prstClr val="white"/>
-              </a:solidFill>
-              <a:effectLst/>
-              <a:uLnTx/>
-              <a:uFillTx/>
-              <a:latin typeface="Calibri" panose="020F0502020204030204"/>
-              <a:ea typeface="+mn-ea"/>
-              <a:cs typeface="+mn-cs"/>
-            </a:endParaRPr>
-          </a:p>
-        </p:txBody>
-      </p:sp>
-      <p:sp>
-        <p:nvSpPr>
-          <p:cNvPr id="29" name="Rectangle 28">
-            <a:extLst>
-              <a:ext uri="{FF2B5EF4-FFF2-40B4-BE49-F238E27FC236}">
-                <a16:creationId xmlns:a16="http://schemas.microsoft.com/office/drawing/2014/main" id="{9DECDBF4-02B6-4BB4-B65B-B8107AD6A9E8}"/>
-              </a:ext>
-              <a:ext uri="{C183D7F6-B498-43B3-948B-1728B52AA6E4}">
-                <adec:decorative xmlns:adec="http://schemas.microsoft.com/office/drawing/2017/decorative" val="1"/>
-              </a:ext>
-            </a:extLst>
-          </p:cNvPr>
-          <p:cNvSpPr>
-            <a:spLocks noGrp="1" noRot="1" noChangeAspect="1" noMove="1" noResize="1" noEditPoints="1" noAdjustHandles="1" noChangeArrowheads="1" noChangeShapeType="1" noTextEdit="1"/>
-          </p:cNvSpPr>
-          <p:nvPr>
-            <p:extLst>
-              <p:ext uri="{386F3935-93C4-4BCD-93E2-E3B085C9AB24}">
-                <p16:designElem xmlns:p16="http://schemas.microsoft.com/office/powerpoint/2015/main" val="1"/>
-              </p:ext>
-            </p:extLst>
-          </p:nvPr>
-        </p:nvSpPr>
-        <p:spPr>
-          <a:xfrm flipV="1">
-            <a:off x="841248" y="2783982"/>
-            <a:ext cx="1873457" cy="137160"/>
-          </a:xfrm>
-          <a:prstGeom prst="rect">
-            <a:avLst/>
-          </a:prstGeom>
-          <a:solidFill>
-            <a:schemeClr val="accent1"/>
-          </a:solidFill>
-          <a:ln>
-            <a:noFill/>
-          </a:ln>
-        </p:spPr>
-        <p:style>
-          <a:lnRef idx="2">
-            <a:schemeClr val="accent1">
-              <a:shade val="50000"/>
-            </a:schemeClr>
-          </a:lnRef>
-          <a:fillRef idx="1">
-            <a:schemeClr val="accent1"/>
-          </a:fillRef>
-          <a:effectRef idx="0">
-            <a:schemeClr val="accent1"/>
-          </a:effectRef>
-          <a:fontRef idx="minor">
-            <a:schemeClr val="lt1"/>
-          </a:fontRef>
-        </p:style>
-        <p:txBody>
-          <a:bodyPr rtlCol="0" anchor="ctr"/>
-          <a:lstStyle/>
-          <a:p>
-            <a:pPr marL="0" marR="0" lvl="0" indent="0" algn="ctr" defTabSz="914400" rtl="0" eaLnBrk="1" fontAlgn="auto" latinLnBrk="0" hangingPunct="1">
-              <a:lnSpc>
-                <a:spcPct val="100000"/>
-              </a:lnSpc>
-              <a:spcBef>
-                <a:spcPts val="0"/>
-              </a:spcBef>
-              <a:spcAft>
-                <a:spcPts val="0"/>
-              </a:spcAft>
-              <a:buClrTx/>
-              <a:buSzTx/>
-              <a:buFontTx/>
-              <a:buNone/>
-              <a:tabLst/>
-              <a:defRPr/>
-            </a:pPr>
-            <a:endParaRPr kumimoji="0" lang="en-US" sz="1800" b="0" i="0" u="none" strike="noStrike" kern="1200" cap="none" spc="0" normalizeH="0" baseline="0" noProof="0">
-              <a:ln>
-                <a:noFill/>
-              </a:ln>
-              <a:solidFill>
-                <a:prstClr val="white"/>
-              </a:solidFill>
-              <a:effectLst/>
-              <a:uLnTx/>
-              <a:uFillTx/>
-              <a:latin typeface="Calibri" panose="020F0502020204030204"/>
-              <a:ea typeface="+mn-ea"/>
-              <a:cs typeface="+mn-cs"/>
-            </a:endParaRPr>
-          </a:p>
-        </p:txBody>
-      </p:sp>
-      <p:graphicFrame>
-        <p:nvGraphicFramePr>
-          <p:cNvPr id="18" name="Espace réservé du contenu 2">
-            <a:extLst>
-              <a:ext uri="{FF2B5EF4-FFF2-40B4-BE49-F238E27FC236}">
-                <a16:creationId xmlns:a16="http://schemas.microsoft.com/office/drawing/2014/main" id="{30FDE603-8964-CCFE-D6F0-EABD5241800A}"/>
-              </a:ext>
-            </a:extLst>
-          </p:cNvPr>
-          <p:cNvGraphicFramePr>
-            <a:graphicFrameLocks noGrp="1"/>
-          </p:cNvGraphicFramePr>
-          <p:nvPr>
-            <p:ph idx="1"/>
-            <p:extLst>
-              <p:ext uri="{D42A27DB-BD31-4B8C-83A1-F6EECF244321}">
-                <p14:modId xmlns:p14="http://schemas.microsoft.com/office/powerpoint/2010/main" val="3411886490"/>
-              </p:ext>
-            </p:extLst>
-          </p:nvPr>
-        </p:nvGraphicFramePr>
-        <p:xfrm>
-          <a:off x="841248" y="3337269"/>
-          <a:ext cx="10509504" cy="2905686"/>
-        </p:xfrm>
-        <a:graphic>
-          <a:graphicData uri="http://schemas.openxmlformats.org/drawingml/2006/diagram">
-            <dgm:relIds xmlns:dgm="http://schemas.openxmlformats.org/drawingml/2006/diagram" xmlns:r="http://schemas.openxmlformats.org/officeDocument/2006/relationships" r:dm="rId2" r:lo="rId3" r:qs="rId4" r:cs="rId5"/>
-          </a:graphicData>
-        </a:graphic>
-      </p:graphicFrame>
-    </p:spTree>
-    <p:extLst>
-      <p:ext uri="{BB962C8B-B14F-4D97-AF65-F5344CB8AC3E}">
-        <p14:creationId xmlns:p14="http://schemas.microsoft.com/office/powerpoint/2010/main" val="2049150351"/>
-      </p:ext>
-    </p:extLst>
-  </p:cSld>
-  <p:clrMapOvr>
-    <a:masterClrMapping/>
-  </p:clrMapOvr>
-</p:sld>
-</file>
-
-<file path=ppt/slides/slide20.xml><?xml version="1.0" encoding="utf-8"?>
+<file path=ppt/slides/slide24.xml><?xml version="1.0" encoding="utf-8"?>
 <p:sld xmlns:a="http://schemas.openxmlformats.org/drawingml/2006/main" xmlns:r="http://schemas.openxmlformats.org/officeDocument/2006/relationships" xmlns:p="http://schemas.openxmlformats.org/presentationml/2006/main">
   <p:cSld>
     <p:spTree>
@@ -26323,7 +30103,7 @@
 </p:sld>
 </file>
 
-<file path=ppt/slides/slide21.xml><?xml version="1.0" encoding="utf-8"?>
+<file path=ppt/slides/slide25.xml><?xml version="1.0" encoding="utf-8"?>
 <p:sld xmlns:a="http://schemas.openxmlformats.org/drawingml/2006/main" xmlns:r="http://schemas.openxmlformats.org/officeDocument/2006/relationships" xmlns:p="http://schemas.openxmlformats.org/presentationml/2006/main">
   <p:cSld>
     <p:spTree>
@@ -26451,7 +30231,7 @@
 </p:sld>
 </file>
 
-<file path=ppt/slides/slide22.xml><?xml version="1.0" encoding="utf-8"?>
+<file path=ppt/slides/slide26.xml><?xml version="1.0" encoding="utf-8"?>
 <p:sld xmlns:a="http://schemas.openxmlformats.org/drawingml/2006/main" xmlns:r="http://schemas.openxmlformats.org/officeDocument/2006/relationships" xmlns:p="http://schemas.openxmlformats.org/presentationml/2006/main">
   <p:cSld>
     <p:spTree>
@@ -26938,7 +30718,7 @@
 </p:sld>
 </file>
 
-<file path=ppt/slides/slide23.xml><?xml version="1.0" encoding="utf-8"?>
+<file path=ppt/slides/slide27.xml><?xml version="1.0" encoding="utf-8"?>
 <p:sld xmlns:a="http://schemas.openxmlformats.org/drawingml/2006/main" xmlns:r="http://schemas.openxmlformats.org/officeDocument/2006/relationships" xmlns:p="http://schemas.openxmlformats.org/presentationml/2006/main">
   <p:cSld>
     <p:spTree>
@@ -27217,7 +30997,7 @@
 </p:sld>
 </file>
 
-<file path=ppt/slides/slide24.xml><?xml version="1.0" encoding="utf-8"?>
+<file path=ppt/slides/slide28.xml><?xml version="1.0" encoding="utf-8"?>
 <p:sld xmlns:a="http://schemas.openxmlformats.org/drawingml/2006/main" xmlns:r="http://schemas.openxmlformats.org/officeDocument/2006/relationships" xmlns:p="http://schemas.openxmlformats.org/presentationml/2006/main">
   <p:cSld>
     <p:spTree>
@@ -27358,7 +31138,7 @@
 </p:sld>
 </file>
 
-<file path=ppt/slides/slide25.xml><?xml version="1.0" encoding="utf-8"?>
+<file path=ppt/slides/slide29.xml><?xml version="1.0" encoding="utf-8"?>
 <p:sld xmlns:a="http://schemas.openxmlformats.org/drawingml/2006/main" xmlns:r="http://schemas.openxmlformats.org/officeDocument/2006/relationships" xmlns:p="http://schemas.openxmlformats.org/presentationml/2006/main">
   <p:cSld>
     <p:spTree>

--- a/Introduction_EDA_R.pptx
+++ b/Introduction_EDA_R.pptx
@@ -166,7 +166,7 @@
             <p14:sldId id="309"/>
           </p14:sldIdLst>
         </p14:section>
-        <p14:section name="Diapositives retranchées" id="{9FCB2AEC-335F-0E42-9E22-CE2270ACFD54}">
+        <p14:section name="Diapositives exclues de l'atelier" id="{9FCB2AEC-335F-0E42-9E22-CE2270ACFD54}">
           <p14:sldIdLst>
             <p14:sldId id="262"/>
             <p14:sldId id="282"/>

--- a/Introduction_EDA_R.pptx
+++ b/Introduction_EDA_R.pptx
@@ -5,7 +5,7 @@
     <p:sldMasterId id="2147483710" r:id="rId1"/>
   </p:sldMasterIdLst>
   <p:notesMasterIdLst>
-    <p:notesMasterId r:id="rId31"/>
+    <p:notesMasterId r:id="rId26"/>
   </p:notesMasterIdLst>
   <p:sldIdLst>
     <p:sldId id="256" r:id="rId2"/>
@@ -32,11 +32,6 @@
     <p:sldId id="318" r:id="rId23"/>
     <p:sldId id="319" r:id="rId24"/>
     <p:sldId id="309" r:id="rId25"/>
-    <p:sldId id="262" r:id="rId26"/>
-    <p:sldId id="282" r:id="rId27"/>
-    <p:sldId id="285" r:id="rId28"/>
-    <p:sldId id="286" r:id="rId29"/>
-    <p:sldId id="284" r:id="rId30"/>
   </p:sldIdLst>
   <p:sldSz cx="12192000" cy="6858000"/>
   <p:notesSz cx="6858000" cy="9144000"/>
@@ -166,15 +161,6 @@
             <p14:sldId id="309"/>
           </p14:sldIdLst>
         </p14:section>
-        <p14:section name="Diapositives exclues de l'atelier" id="{9FCB2AEC-335F-0E42-9E22-CE2270ACFD54}">
-          <p14:sldIdLst>
-            <p14:sldId id="262"/>
-            <p14:sldId id="282"/>
-            <p14:sldId id="285"/>
-            <p14:sldId id="286"/>
-            <p14:sldId id="284"/>
-          </p14:sldIdLst>
-        </p14:section>
       </p14:sectionLst>
     </p:ext>
     <p:ext uri="{EFAFB233-063F-42B5-8137-9DF3F51BA10A}">
@@ -3500,788 +3486,6 @@
   <dgm:styleLbl name="trBgShp">
     <dgm:fillClrLst meth="repeat">
       <a:schemeClr val="accent1">
-        <a:tint val="50000"/>
-        <a:alpha val="40000"/>
-      </a:schemeClr>
-    </dgm:fillClrLst>
-    <dgm:linClrLst meth="repeat">
-      <a:schemeClr val="accent2"/>
-    </dgm:linClrLst>
-    <dgm:effectClrLst/>
-    <dgm:txLinClrLst/>
-    <dgm:txFillClrLst meth="repeat">
-      <a:schemeClr val="lt1"/>
-    </dgm:txFillClrLst>
-    <dgm:txEffectClrLst/>
-  </dgm:styleLbl>
-  <dgm:styleLbl name="fgShp">
-    <dgm:fillClrLst meth="repeat">
-      <a:schemeClr val="accent2">
-        <a:tint val="40000"/>
-      </a:schemeClr>
-    </dgm:fillClrLst>
-    <dgm:linClrLst meth="repeat">
-      <a:schemeClr val="lt1"/>
-    </dgm:linClrLst>
-    <dgm:effectClrLst/>
-    <dgm:txLinClrLst/>
-    <dgm:txFillClrLst meth="repeat">
-      <a:schemeClr val="dk1"/>
-    </dgm:txFillClrLst>
-    <dgm:txEffectClrLst/>
-  </dgm:styleLbl>
-  <dgm:styleLbl name="revTx">
-    <dgm:fillClrLst meth="repeat">
-      <a:schemeClr val="lt1">
-        <a:alpha val="0"/>
-      </a:schemeClr>
-    </dgm:fillClrLst>
-    <dgm:linClrLst meth="repeat">
-      <a:schemeClr val="dk1">
-        <a:alpha val="0"/>
-      </a:schemeClr>
-    </dgm:linClrLst>
-    <dgm:effectClrLst/>
-    <dgm:txLinClrLst/>
-    <dgm:txFillClrLst meth="repeat">
-      <a:schemeClr val="tx1"/>
-    </dgm:txFillClrLst>
-    <dgm:txEffectClrLst/>
-  </dgm:styleLbl>
-</dgm:colorsDef>
-</file>
-
-<file path=ppt/diagrams/colors5.xml><?xml version="1.0" encoding="utf-8"?>
-<dgm:colorsDef xmlns:dgm="http://schemas.openxmlformats.org/drawingml/2006/diagram" xmlns:a="http://schemas.openxmlformats.org/drawingml/2006/main" uniqueId="urn:microsoft.com/office/officeart/2005/8/colors/colorful2">
-  <dgm:title val=""/>
-  <dgm:desc val=""/>
-  <dgm:catLst>
-    <dgm:cat type="colorful" pri="10200"/>
-  </dgm:catLst>
-  <dgm:styleLbl name="node0">
-    <dgm:fillClrLst meth="repeat">
-      <a:schemeClr val="accent1"/>
-    </dgm:fillClrLst>
-    <dgm:linClrLst meth="repeat">
-      <a:schemeClr val="lt1"/>
-    </dgm:linClrLst>
-    <dgm:effectClrLst/>
-    <dgm:txLinClrLst/>
-    <dgm:txFillClrLst/>
-    <dgm:txEffectClrLst/>
-  </dgm:styleLbl>
-  <dgm:styleLbl name="node1">
-    <dgm:fillClrLst>
-      <a:schemeClr val="accent2"/>
-      <a:schemeClr val="accent3"/>
-    </dgm:fillClrLst>
-    <dgm:linClrLst meth="repeat">
-      <a:schemeClr val="lt1"/>
-    </dgm:linClrLst>
-    <dgm:effectClrLst/>
-    <dgm:txLinClrLst/>
-    <dgm:txFillClrLst/>
-    <dgm:txEffectClrLst/>
-  </dgm:styleLbl>
-  <dgm:styleLbl name="alignNode1">
-    <dgm:fillClrLst>
-      <a:schemeClr val="accent2"/>
-      <a:schemeClr val="accent3"/>
-    </dgm:fillClrLst>
-    <dgm:linClrLst>
-      <a:schemeClr val="accent2"/>
-      <a:schemeClr val="accent3"/>
-    </dgm:linClrLst>
-    <dgm:effectClrLst/>
-    <dgm:txLinClrLst/>
-    <dgm:txFillClrLst/>
-    <dgm:txEffectClrLst/>
-  </dgm:styleLbl>
-  <dgm:styleLbl name="lnNode1">
-    <dgm:fillClrLst>
-      <a:schemeClr val="accent2"/>
-      <a:schemeClr val="accent3"/>
-    </dgm:fillClrLst>
-    <dgm:linClrLst meth="repeat">
-      <a:schemeClr val="lt1"/>
-    </dgm:linClrLst>
-    <dgm:effectClrLst/>
-    <dgm:txLinClrLst/>
-    <dgm:txFillClrLst/>
-    <dgm:txEffectClrLst/>
-  </dgm:styleLbl>
-  <dgm:styleLbl name="vennNode1">
-    <dgm:fillClrLst>
-      <a:schemeClr val="accent2">
-        <a:alpha val="50000"/>
-      </a:schemeClr>
-      <a:schemeClr val="accent3">
-        <a:alpha val="50000"/>
-      </a:schemeClr>
-    </dgm:fillClrLst>
-    <dgm:linClrLst meth="repeat">
-      <a:schemeClr val="lt1"/>
-    </dgm:linClrLst>
-    <dgm:effectClrLst/>
-    <dgm:txLinClrLst/>
-    <dgm:txFillClrLst/>
-    <dgm:txEffectClrLst/>
-  </dgm:styleLbl>
-  <dgm:styleLbl name="node2">
-    <dgm:fillClrLst>
-      <a:schemeClr val="accent3"/>
-    </dgm:fillClrLst>
-    <dgm:linClrLst meth="repeat">
-      <a:schemeClr val="lt1"/>
-    </dgm:linClrLst>
-    <dgm:effectClrLst/>
-    <dgm:txLinClrLst/>
-    <dgm:txFillClrLst/>
-    <dgm:txEffectClrLst/>
-  </dgm:styleLbl>
-  <dgm:styleLbl name="node3">
-    <dgm:fillClrLst>
-      <a:schemeClr val="accent4"/>
-    </dgm:fillClrLst>
-    <dgm:linClrLst meth="repeat">
-      <a:schemeClr val="lt1"/>
-    </dgm:linClrLst>
-    <dgm:effectClrLst/>
-    <dgm:txLinClrLst/>
-    <dgm:txFillClrLst/>
-    <dgm:txEffectClrLst/>
-  </dgm:styleLbl>
-  <dgm:styleLbl name="node4">
-    <dgm:fillClrLst>
-      <a:schemeClr val="accent5"/>
-    </dgm:fillClrLst>
-    <dgm:linClrLst meth="repeat">
-      <a:schemeClr val="lt1"/>
-    </dgm:linClrLst>
-    <dgm:effectClrLst/>
-    <dgm:txLinClrLst/>
-    <dgm:txFillClrLst/>
-    <dgm:txEffectClrLst/>
-  </dgm:styleLbl>
-  <dgm:styleLbl name="fgImgPlace1">
-    <dgm:fillClrLst>
-      <a:schemeClr val="accent2">
-        <a:tint val="50000"/>
-      </a:schemeClr>
-      <a:schemeClr val="accent3">
-        <a:tint val="50000"/>
-      </a:schemeClr>
-    </dgm:fillClrLst>
-    <dgm:linClrLst meth="repeat">
-      <a:schemeClr val="lt1"/>
-    </dgm:linClrLst>
-    <dgm:effectClrLst/>
-    <dgm:txLinClrLst/>
-    <dgm:txFillClrLst meth="repeat">
-      <a:schemeClr val="lt1"/>
-    </dgm:txFillClrLst>
-    <dgm:txEffectClrLst/>
-  </dgm:styleLbl>
-  <dgm:styleLbl name="alignImgPlace1">
-    <dgm:fillClrLst>
-      <a:schemeClr val="accent2">
-        <a:tint val="50000"/>
-      </a:schemeClr>
-      <a:schemeClr val="accent3">
-        <a:tint val="20000"/>
-      </a:schemeClr>
-    </dgm:fillClrLst>
-    <dgm:linClrLst meth="repeat">
-      <a:schemeClr val="lt1"/>
-    </dgm:linClrLst>
-    <dgm:effectClrLst/>
-    <dgm:txLinClrLst/>
-    <dgm:txFillClrLst meth="repeat">
-      <a:schemeClr val="lt1"/>
-    </dgm:txFillClrLst>
-    <dgm:txEffectClrLst/>
-  </dgm:styleLbl>
-  <dgm:styleLbl name="bgImgPlace1">
-    <dgm:fillClrLst>
-      <a:schemeClr val="accent2">
-        <a:tint val="50000"/>
-      </a:schemeClr>
-      <a:schemeClr val="accent3">
-        <a:tint val="20000"/>
-      </a:schemeClr>
-    </dgm:fillClrLst>
-    <dgm:linClrLst meth="repeat">
-      <a:schemeClr val="lt1"/>
-    </dgm:linClrLst>
-    <dgm:effectClrLst/>
-    <dgm:txLinClrLst/>
-    <dgm:txFillClrLst meth="repeat">
-      <a:schemeClr val="lt1"/>
-    </dgm:txFillClrLst>
-    <dgm:txEffectClrLst/>
-  </dgm:styleLbl>
-  <dgm:styleLbl name="sibTrans2D1">
-    <dgm:fillClrLst>
-      <a:schemeClr val="accent2"/>
-      <a:schemeClr val="accent3"/>
-    </dgm:fillClrLst>
-    <dgm:linClrLst meth="repeat">
-      <a:schemeClr val="lt1"/>
-    </dgm:linClrLst>
-    <dgm:effectClrLst/>
-    <dgm:txLinClrLst/>
-    <dgm:txFillClrLst/>
-    <dgm:txEffectClrLst/>
-  </dgm:styleLbl>
-  <dgm:styleLbl name="fgSibTrans2D1">
-    <dgm:fillClrLst>
-      <a:schemeClr val="accent2"/>
-      <a:schemeClr val="accent3"/>
-    </dgm:fillClrLst>
-    <dgm:linClrLst meth="repeat">
-      <a:schemeClr val="lt1"/>
-    </dgm:linClrLst>
-    <dgm:effectClrLst/>
-    <dgm:txLinClrLst/>
-    <dgm:txFillClrLst meth="repeat">
-      <a:schemeClr val="lt1"/>
-    </dgm:txFillClrLst>
-    <dgm:txEffectClrLst/>
-  </dgm:styleLbl>
-  <dgm:styleLbl name="bgSibTrans2D1">
-    <dgm:fillClrLst>
-      <a:schemeClr val="accent2"/>
-      <a:schemeClr val="accent3"/>
-    </dgm:fillClrLst>
-    <dgm:linClrLst meth="repeat">
-      <a:schemeClr val="lt1"/>
-    </dgm:linClrLst>
-    <dgm:effectClrLst/>
-    <dgm:txLinClrLst/>
-    <dgm:txFillClrLst meth="repeat">
-      <a:schemeClr val="lt1"/>
-    </dgm:txFillClrLst>
-    <dgm:txEffectClrLst/>
-  </dgm:styleLbl>
-  <dgm:styleLbl name="sibTrans1D1">
-    <dgm:fillClrLst/>
-    <dgm:linClrLst>
-      <a:schemeClr val="accent2"/>
-      <a:schemeClr val="accent3"/>
-    </dgm:linClrLst>
-    <dgm:effectClrLst/>
-    <dgm:txLinClrLst/>
-    <dgm:txFillClrLst meth="repeat">
-      <a:schemeClr val="tx1"/>
-    </dgm:txFillClrLst>
-    <dgm:txEffectClrLst/>
-  </dgm:styleLbl>
-  <dgm:styleLbl name="callout">
-    <dgm:fillClrLst meth="repeat">
-      <a:schemeClr val="accent2"/>
-    </dgm:fillClrLst>
-    <dgm:linClrLst meth="repeat">
-      <a:schemeClr val="accent2">
-        <a:tint val="50000"/>
-      </a:schemeClr>
-    </dgm:linClrLst>
-    <dgm:effectClrLst/>
-    <dgm:txLinClrLst/>
-    <dgm:txFillClrLst meth="repeat">
-      <a:schemeClr val="tx1"/>
-    </dgm:txFillClrLst>
-    <dgm:txEffectClrLst/>
-  </dgm:styleLbl>
-  <dgm:styleLbl name="asst0">
-    <dgm:fillClrLst meth="repeat">
-      <a:schemeClr val="accent2"/>
-    </dgm:fillClrLst>
-    <dgm:linClrLst meth="repeat">
-      <a:schemeClr val="lt1">
-        <a:shade val="80000"/>
-      </a:schemeClr>
-    </dgm:linClrLst>
-    <dgm:effectClrLst/>
-    <dgm:txLinClrLst/>
-    <dgm:txFillClrLst/>
-    <dgm:txEffectClrLst/>
-  </dgm:styleLbl>
-  <dgm:styleLbl name="asst1">
-    <dgm:fillClrLst meth="repeat">
-      <a:schemeClr val="accent3"/>
-    </dgm:fillClrLst>
-    <dgm:linClrLst meth="repeat">
-      <a:schemeClr val="lt1">
-        <a:shade val="80000"/>
-      </a:schemeClr>
-    </dgm:linClrLst>
-    <dgm:effectClrLst/>
-    <dgm:txLinClrLst/>
-    <dgm:txFillClrLst/>
-    <dgm:txEffectClrLst/>
-  </dgm:styleLbl>
-  <dgm:styleLbl name="asst2">
-    <dgm:fillClrLst>
-      <a:schemeClr val="accent4"/>
-    </dgm:fillClrLst>
-    <dgm:linClrLst meth="repeat">
-      <a:schemeClr val="lt1"/>
-    </dgm:linClrLst>
-    <dgm:effectClrLst/>
-    <dgm:txLinClrLst/>
-    <dgm:txFillClrLst/>
-    <dgm:txEffectClrLst/>
-  </dgm:styleLbl>
-  <dgm:styleLbl name="asst3">
-    <dgm:fillClrLst>
-      <a:schemeClr val="accent5"/>
-    </dgm:fillClrLst>
-    <dgm:linClrLst meth="repeat">
-      <a:schemeClr val="lt1"/>
-    </dgm:linClrLst>
-    <dgm:effectClrLst/>
-    <dgm:txLinClrLst/>
-    <dgm:txFillClrLst/>
-    <dgm:txEffectClrLst/>
-  </dgm:styleLbl>
-  <dgm:styleLbl name="asst4">
-    <dgm:fillClrLst>
-      <a:schemeClr val="accent6"/>
-    </dgm:fillClrLst>
-    <dgm:linClrLst meth="repeat">
-      <a:schemeClr val="lt1"/>
-    </dgm:linClrLst>
-    <dgm:effectClrLst/>
-    <dgm:txLinClrLst/>
-    <dgm:txFillClrLst/>
-    <dgm:txEffectClrLst/>
-  </dgm:styleLbl>
-  <dgm:styleLbl name="parChTrans2D1">
-    <dgm:fillClrLst meth="repeat">
-      <a:schemeClr val="accent2"/>
-    </dgm:fillClrLst>
-    <dgm:linClrLst meth="repeat">
-      <a:schemeClr val="lt1"/>
-    </dgm:linClrLst>
-    <dgm:effectClrLst/>
-    <dgm:txLinClrLst/>
-    <dgm:txFillClrLst meth="repeat">
-      <a:schemeClr val="lt1"/>
-    </dgm:txFillClrLst>
-    <dgm:txEffectClrLst/>
-  </dgm:styleLbl>
-  <dgm:styleLbl name="parChTrans2D2">
-    <dgm:fillClrLst meth="repeat">
-      <a:schemeClr val="accent3"/>
-    </dgm:fillClrLst>
-    <dgm:linClrLst meth="repeat">
-      <a:schemeClr val="lt1"/>
-    </dgm:linClrLst>
-    <dgm:effectClrLst/>
-    <dgm:txLinClrLst/>
-    <dgm:txFillClrLst/>
-    <dgm:txEffectClrLst/>
-  </dgm:styleLbl>
-  <dgm:styleLbl name="parChTrans2D3">
-    <dgm:fillClrLst meth="repeat">
-      <a:schemeClr val="accent4"/>
-    </dgm:fillClrLst>
-    <dgm:linClrLst meth="repeat">
-      <a:schemeClr val="lt1"/>
-    </dgm:linClrLst>
-    <dgm:effectClrLst/>
-    <dgm:txLinClrLst/>
-    <dgm:txFillClrLst/>
-    <dgm:txEffectClrLst/>
-  </dgm:styleLbl>
-  <dgm:styleLbl name="parChTrans2D4">
-    <dgm:fillClrLst meth="repeat">
-      <a:schemeClr val="accent5"/>
-    </dgm:fillClrLst>
-    <dgm:linClrLst meth="repeat">
-      <a:schemeClr val="lt1"/>
-    </dgm:linClrLst>
-    <dgm:effectClrLst/>
-    <dgm:txLinClrLst/>
-    <dgm:txFillClrLst meth="repeat">
-      <a:schemeClr val="lt1"/>
-    </dgm:txFillClrLst>
-    <dgm:txEffectClrLst/>
-  </dgm:styleLbl>
-  <dgm:styleLbl name="parChTrans1D1">
-    <dgm:fillClrLst meth="repeat">
-      <a:schemeClr val="accent2"/>
-    </dgm:fillClrLst>
-    <dgm:linClrLst meth="repeat">
-      <a:schemeClr val="accent2"/>
-    </dgm:linClrLst>
-    <dgm:effectClrLst/>
-    <dgm:txLinClrLst/>
-    <dgm:txFillClrLst meth="repeat">
-      <a:schemeClr val="tx1"/>
-    </dgm:txFillClrLst>
-    <dgm:txEffectClrLst/>
-  </dgm:styleLbl>
-  <dgm:styleLbl name="parChTrans1D2">
-    <dgm:fillClrLst meth="repeat">
-      <a:schemeClr val="accent2">
-        <a:tint val="90000"/>
-      </a:schemeClr>
-    </dgm:fillClrLst>
-    <dgm:linClrLst meth="repeat">
-      <a:schemeClr val="accent3"/>
-    </dgm:linClrLst>
-    <dgm:effectClrLst/>
-    <dgm:txLinClrLst/>
-    <dgm:txFillClrLst meth="repeat">
-      <a:schemeClr val="tx1"/>
-    </dgm:txFillClrLst>
-    <dgm:txEffectClrLst/>
-  </dgm:styleLbl>
-  <dgm:styleLbl name="parChTrans1D3">
-    <dgm:fillClrLst meth="repeat">
-      <a:schemeClr val="accent2">
-        <a:tint val="70000"/>
-      </a:schemeClr>
-    </dgm:fillClrLst>
-    <dgm:linClrLst meth="repeat">
-      <a:schemeClr val="accent4"/>
-    </dgm:linClrLst>
-    <dgm:effectClrLst/>
-    <dgm:txLinClrLst/>
-    <dgm:txFillClrLst meth="repeat">
-      <a:schemeClr val="tx1"/>
-    </dgm:txFillClrLst>
-    <dgm:txEffectClrLst/>
-  </dgm:styleLbl>
-  <dgm:styleLbl name="parChTrans1D4">
-    <dgm:fillClrLst meth="repeat">
-      <a:schemeClr val="accent2">
-        <a:tint val="50000"/>
-      </a:schemeClr>
-    </dgm:fillClrLst>
-    <dgm:linClrLst meth="repeat">
-      <a:schemeClr val="accent5"/>
-    </dgm:linClrLst>
-    <dgm:effectClrLst/>
-    <dgm:txLinClrLst/>
-    <dgm:txFillClrLst meth="repeat">
-      <a:schemeClr val="tx1"/>
-    </dgm:txFillClrLst>
-    <dgm:txEffectClrLst/>
-  </dgm:styleLbl>
-  <dgm:styleLbl name="fgAcc1">
-    <dgm:fillClrLst meth="repeat">
-      <a:schemeClr val="lt1">
-        <a:alpha val="90000"/>
-      </a:schemeClr>
-    </dgm:fillClrLst>
-    <dgm:linClrLst>
-      <a:schemeClr val="accent2"/>
-      <a:schemeClr val="accent3"/>
-    </dgm:linClrLst>
-    <dgm:effectClrLst/>
-    <dgm:txLinClrLst/>
-    <dgm:txFillClrLst meth="repeat">
-      <a:schemeClr val="dk1"/>
-    </dgm:txFillClrLst>
-    <dgm:txEffectClrLst/>
-  </dgm:styleLbl>
-  <dgm:styleLbl name="conFgAcc1">
-    <dgm:fillClrLst meth="repeat">
-      <a:schemeClr val="lt1">
-        <a:alpha val="90000"/>
-      </a:schemeClr>
-    </dgm:fillClrLst>
-    <dgm:linClrLst>
-      <a:schemeClr val="accent2"/>
-      <a:schemeClr val="accent3"/>
-    </dgm:linClrLst>
-    <dgm:effectClrLst/>
-    <dgm:txLinClrLst/>
-    <dgm:txFillClrLst meth="repeat">
-      <a:schemeClr val="dk1"/>
-    </dgm:txFillClrLst>
-    <dgm:txEffectClrLst/>
-  </dgm:styleLbl>
-  <dgm:styleLbl name="alignAcc1">
-    <dgm:fillClrLst meth="repeat">
-      <a:schemeClr val="lt1">
-        <a:alpha val="90000"/>
-      </a:schemeClr>
-    </dgm:fillClrLst>
-    <dgm:linClrLst>
-      <a:schemeClr val="accent2"/>
-      <a:schemeClr val="accent3"/>
-    </dgm:linClrLst>
-    <dgm:effectClrLst/>
-    <dgm:txLinClrLst/>
-    <dgm:txFillClrLst meth="repeat">
-      <a:schemeClr val="dk1"/>
-    </dgm:txFillClrLst>
-    <dgm:txEffectClrLst/>
-  </dgm:styleLbl>
-  <dgm:styleLbl name="trAlignAcc1">
-    <dgm:fillClrLst meth="repeat">
-      <a:schemeClr val="lt1">
-        <a:alpha val="40000"/>
-      </a:schemeClr>
-    </dgm:fillClrLst>
-    <dgm:linClrLst meth="repeat">
-      <a:schemeClr val="accent2"/>
-    </dgm:linClrLst>
-    <dgm:effectClrLst/>
-    <dgm:txLinClrLst/>
-    <dgm:txFillClrLst meth="repeat">
-      <a:schemeClr val="dk1"/>
-    </dgm:txFillClrLst>
-    <dgm:txEffectClrLst/>
-  </dgm:styleLbl>
-  <dgm:styleLbl name="bgAcc1">
-    <dgm:fillClrLst meth="repeat">
-      <a:schemeClr val="lt1">
-        <a:alpha val="90000"/>
-      </a:schemeClr>
-    </dgm:fillClrLst>
-    <dgm:linClrLst>
-      <a:schemeClr val="accent2"/>
-      <a:schemeClr val="accent3"/>
-    </dgm:linClrLst>
-    <dgm:effectClrLst/>
-    <dgm:txLinClrLst/>
-    <dgm:txFillClrLst meth="repeat">
-      <a:schemeClr val="dk1"/>
-    </dgm:txFillClrLst>
-    <dgm:txEffectClrLst/>
-  </dgm:styleLbl>
-  <dgm:styleLbl name="solidFgAcc1">
-    <dgm:fillClrLst meth="repeat">
-      <a:schemeClr val="lt1"/>
-    </dgm:fillClrLst>
-    <dgm:linClrLst>
-      <a:schemeClr val="accent2"/>
-      <a:schemeClr val="accent3"/>
-    </dgm:linClrLst>
-    <dgm:effectClrLst/>
-    <dgm:txLinClrLst/>
-    <dgm:txFillClrLst meth="repeat">
-      <a:schemeClr val="dk1"/>
-    </dgm:txFillClrLst>
-    <dgm:txEffectClrLst/>
-  </dgm:styleLbl>
-  <dgm:styleLbl name="solidAlignAcc1">
-    <dgm:fillClrLst meth="repeat">
-      <a:schemeClr val="lt1"/>
-    </dgm:fillClrLst>
-    <dgm:linClrLst>
-      <a:schemeClr val="accent2"/>
-      <a:schemeClr val="accent3"/>
-    </dgm:linClrLst>
-    <dgm:effectClrLst/>
-    <dgm:txLinClrLst/>
-    <dgm:txFillClrLst meth="repeat">
-      <a:schemeClr val="dk1"/>
-    </dgm:txFillClrLst>
-    <dgm:txEffectClrLst/>
-  </dgm:styleLbl>
-  <dgm:styleLbl name="solidBgAcc1">
-    <dgm:fillClrLst meth="repeat">
-      <a:schemeClr val="lt1"/>
-    </dgm:fillClrLst>
-    <dgm:linClrLst>
-      <a:schemeClr val="accent2"/>
-      <a:schemeClr val="accent3"/>
-    </dgm:linClrLst>
-    <dgm:effectClrLst/>
-    <dgm:txLinClrLst/>
-    <dgm:txFillClrLst meth="repeat">
-      <a:schemeClr val="dk1"/>
-    </dgm:txFillClrLst>
-    <dgm:txEffectClrLst/>
-  </dgm:styleLbl>
-  <dgm:styleLbl name="fgAccFollowNode1">
-    <dgm:fillClrLst>
-      <a:schemeClr val="accent2">
-        <a:tint val="40000"/>
-        <a:alpha val="90000"/>
-      </a:schemeClr>
-      <a:schemeClr val="accent3">
-        <a:tint val="40000"/>
-        <a:alpha val="90000"/>
-      </a:schemeClr>
-    </dgm:fillClrLst>
-    <dgm:linClrLst>
-      <a:schemeClr val="accent2">
-        <a:tint val="40000"/>
-        <a:alpha val="90000"/>
-      </a:schemeClr>
-      <a:schemeClr val="accent3">
-        <a:tint val="40000"/>
-        <a:alpha val="90000"/>
-      </a:schemeClr>
-    </dgm:linClrLst>
-    <dgm:effectClrLst/>
-    <dgm:txLinClrLst/>
-    <dgm:txFillClrLst meth="repeat">
-      <a:schemeClr val="dk1"/>
-    </dgm:txFillClrLst>
-    <dgm:txEffectClrLst/>
-  </dgm:styleLbl>
-  <dgm:styleLbl name="alignAccFollowNode1">
-    <dgm:fillClrLst>
-      <a:schemeClr val="accent2">
-        <a:tint val="40000"/>
-        <a:alpha val="90000"/>
-      </a:schemeClr>
-      <a:schemeClr val="accent3">
-        <a:tint val="40000"/>
-        <a:alpha val="90000"/>
-      </a:schemeClr>
-    </dgm:fillClrLst>
-    <dgm:linClrLst>
-      <a:schemeClr val="accent2">
-        <a:tint val="40000"/>
-        <a:alpha val="90000"/>
-      </a:schemeClr>
-      <a:schemeClr val="accent3">
-        <a:tint val="40000"/>
-        <a:alpha val="90000"/>
-      </a:schemeClr>
-    </dgm:linClrLst>
-    <dgm:effectClrLst/>
-    <dgm:txLinClrLst/>
-    <dgm:txFillClrLst meth="repeat">
-      <a:schemeClr val="dk1"/>
-    </dgm:txFillClrLst>
-    <dgm:txEffectClrLst/>
-  </dgm:styleLbl>
-  <dgm:styleLbl name="bgAccFollowNode1">
-    <dgm:fillClrLst>
-      <a:schemeClr val="accent2">
-        <a:tint val="40000"/>
-        <a:alpha val="90000"/>
-      </a:schemeClr>
-      <a:schemeClr val="accent3">
-        <a:tint val="40000"/>
-        <a:alpha val="90000"/>
-      </a:schemeClr>
-    </dgm:fillClrLst>
-    <dgm:linClrLst>
-      <a:schemeClr val="accent2">
-        <a:tint val="40000"/>
-        <a:alpha val="90000"/>
-      </a:schemeClr>
-      <a:schemeClr val="accent3">
-        <a:tint val="40000"/>
-        <a:alpha val="90000"/>
-      </a:schemeClr>
-    </dgm:linClrLst>
-    <dgm:effectClrLst/>
-    <dgm:txLinClrLst/>
-    <dgm:txFillClrLst meth="repeat">
-      <a:schemeClr val="dk1"/>
-    </dgm:txFillClrLst>
-    <dgm:txEffectClrLst/>
-  </dgm:styleLbl>
-  <dgm:styleLbl name="fgAcc0">
-    <dgm:fillClrLst meth="repeat">
-      <a:schemeClr val="lt1">
-        <a:alpha val="90000"/>
-      </a:schemeClr>
-    </dgm:fillClrLst>
-    <dgm:linClrLst>
-      <a:schemeClr val="accent1"/>
-    </dgm:linClrLst>
-    <dgm:effectClrLst/>
-    <dgm:txLinClrLst/>
-    <dgm:txFillClrLst meth="repeat">
-      <a:schemeClr val="dk1"/>
-    </dgm:txFillClrLst>
-    <dgm:txEffectClrLst/>
-  </dgm:styleLbl>
-  <dgm:styleLbl name="fgAcc2">
-    <dgm:fillClrLst meth="repeat">
-      <a:schemeClr val="lt1">
-        <a:alpha val="90000"/>
-      </a:schemeClr>
-    </dgm:fillClrLst>
-    <dgm:linClrLst>
-      <a:schemeClr val="accent3"/>
-    </dgm:linClrLst>
-    <dgm:effectClrLst/>
-    <dgm:txLinClrLst/>
-    <dgm:txFillClrLst meth="repeat">
-      <a:schemeClr val="dk1"/>
-    </dgm:txFillClrLst>
-    <dgm:txEffectClrLst/>
-  </dgm:styleLbl>
-  <dgm:styleLbl name="fgAcc3">
-    <dgm:fillClrLst meth="repeat">
-      <a:schemeClr val="lt1">
-        <a:alpha val="90000"/>
-      </a:schemeClr>
-    </dgm:fillClrLst>
-    <dgm:linClrLst>
-      <a:schemeClr val="accent4"/>
-    </dgm:linClrLst>
-    <dgm:effectClrLst/>
-    <dgm:txLinClrLst/>
-    <dgm:txFillClrLst meth="repeat">
-      <a:schemeClr val="dk1"/>
-    </dgm:txFillClrLst>
-    <dgm:txEffectClrLst/>
-  </dgm:styleLbl>
-  <dgm:styleLbl name="fgAcc4">
-    <dgm:fillClrLst meth="repeat">
-      <a:schemeClr val="lt1">
-        <a:alpha val="90000"/>
-      </a:schemeClr>
-    </dgm:fillClrLst>
-    <dgm:linClrLst>
-      <a:schemeClr val="accent5"/>
-    </dgm:linClrLst>
-    <dgm:effectClrLst/>
-    <dgm:txLinClrLst/>
-    <dgm:txFillClrLst meth="repeat">
-      <a:schemeClr val="dk1"/>
-    </dgm:txFillClrLst>
-    <dgm:txEffectClrLst/>
-  </dgm:styleLbl>
-  <dgm:styleLbl name="bgShp">
-    <dgm:fillClrLst meth="repeat">
-      <a:schemeClr val="accent2">
-        <a:tint val="40000"/>
-      </a:schemeClr>
-    </dgm:fillClrLst>
-    <dgm:linClrLst meth="repeat">
-      <a:schemeClr val="dk1"/>
-    </dgm:linClrLst>
-    <dgm:effectClrLst/>
-    <dgm:txLinClrLst/>
-    <dgm:txFillClrLst meth="repeat">
-      <a:schemeClr val="dk1"/>
-    </dgm:txFillClrLst>
-    <dgm:txEffectClrLst/>
-  </dgm:styleLbl>
-  <dgm:styleLbl name="dkBgShp">
-    <dgm:fillClrLst meth="repeat">
-      <a:schemeClr val="accent2">
-        <a:shade val="90000"/>
-      </a:schemeClr>
-    </dgm:fillClrLst>
-    <dgm:linClrLst meth="repeat">
-      <a:schemeClr val="dk1"/>
-    </dgm:linClrLst>
-    <dgm:effectClrLst/>
-    <dgm:txLinClrLst/>
-    <dgm:txFillClrLst meth="repeat">
-      <a:schemeClr val="lt1"/>
-    </dgm:txFillClrLst>
-    <dgm:txEffectClrLst/>
-  </dgm:styleLbl>
-  <dgm:styleLbl name="trBgShp">
-    <dgm:fillClrLst meth="repeat">
-      <a:schemeClr val="accent2">
         <a:tint val="50000"/>
         <a:alpha val="40000"/>
       </a:schemeClr>
@@ -5477,286 +4681,6 @@
     <dgm:cxn modelId="{609F64E4-DB75-D841-A43E-36B90AEEA5AE}" type="presParOf" srcId="{687C6C97-7E6F-044A-8DA7-2FDE482B652B}" destId="{9E239B94-62B7-9A48-8A5F-C815864AA99C}" srcOrd="6" destOrd="0" presId="urn:microsoft.com/office/officeart/2005/8/layout/default"/>
     <dgm:cxn modelId="{8D86BA11-B49D-9444-8EBB-BB0B5E1A09CA}" type="presParOf" srcId="{687C6C97-7E6F-044A-8DA7-2FDE482B652B}" destId="{72731FD0-BA90-314F-B1CD-0873C2634FC4}" srcOrd="7" destOrd="0" presId="urn:microsoft.com/office/officeart/2005/8/layout/default"/>
     <dgm:cxn modelId="{27A7207C-DFF3-6E47-8721-9C5BA08E9A91}" type="presParOf" srcId="{687C6C97-7E6F-044A-8DA7-2FDE482B652B}" destId="{07A902FA-905B-9E40-88C7-A984D04EB951}" srcOrd="8" destOrd="0" presId="urn:microsoft.com/office/officeart/2005/8/layout/default"/>
-  </dgm:cxnLst>
-  <dgm:bg/>
-  <dgm:whole/>
-  <dgm:extLst>
-    <a:ext uri="http://schemas.microsoft.com/office/drawing/2008/diagram">
-      <dsp:dataModelExt xmlns:dsp="http://schemas.microsoft.com/office/drawing/2008/diagram" relId="rId6" minVer="http://schemas.openxmlformats.org/drawingml/2006/diagram"/>
-    </a:ext>
-  </dgm:extLst>
-</dgm:dataModel>
-</file>
-
-<file path=ppt/diagrams/data5.xml><?xml version="1.0" encoding="utf-8"?>
-<dgm:dataModel xmlns:dgm="http://schemas.openxmlformats.org/drawingml/2006/diagram" xmlns:a="http://schemas.openxmlformats.org/drawingml/2006/main">
-  <dgm:ptLst>
-    <dgm:pt modelId="{EB3E9BFB-1CF4-4A0E-B22E-49D2C4AADD53}" type="doc">
-      <dgm:prSet loTypeId="urn:microsoft.com/office/officeart/2005/8/layout/vList2" loCatId="list" qsTypeId="urn:microsoft.com/office/officeart/2005/8/quickstyle/simple1" qsCatId="simple" csTypeId="urn:microsoft.com/office/officeart/2005/8/colors/colorful2" csCatId="colorful" phldr="1"/>
-      <dgm:spPr/>
-      <dgm:t>
-        <a:bodyPr/>
-        <a:lstStyle/>
-        <a:p>
-          <a:endParaRPr lang="en-US"/>
-        </a:p>
-      </dgm:t>
-    </dgm:pt>
-    <dgm:pt modelId="{94A78872-7918-4ACD-93D6-E24954E34FAB}">
-      <dgm:prSet/>
-      <dgm:spPr/>
-      <dgm:t>
-        <a:bodyPr/>
-        <a:lstStyle/>
-        <a:p>
-          <a:r>
-            <a:rPr lang="en-US" b="1" dirty="0"/>
-            <a:t>word2vec</a:t>
-          </a:r>
-          <a:r>
-            <a:rPr lang="en-US" dirty="0"/>
-            <a:t> (</a:t>
-          </a:r>
-          <a:r>
-            <a:rPr lang="en-US" dirty="0" err="1"/>
-            <a:t>modèle</a:t>
-          </a:r>
-          <a:r>
-            <a:rPr lang="en-US" dirty="0"/>
-            <a:t> de </a:t>
-          </a:r>
-          <a:r>
-            <a:rPr lang="en-US" dirty="0" err="1"/>
-            <a:t>fenêtre</a:t>
-          </a:r>
-          <a:r>
-            <a:rPr lang="en-US" dirty="0"/>
-            <a:t> </a:t>
-          </a:r>
-          <a:r>
-            <a:rPr lang="en-US" dirty="0" err="1"/>
-            <a:t>contextuelle</a:t>
-          </a:r>
-          <a:r>
-            <a:rPr lang="en-US" dirty="0"/>
-            <a:t>)</a:t>
-          </a:r>
-        </a:p>
-        <a:p>
-          <a:r>
-            <a:rPr lang="en-US" dirty="0"/>
-            <a:t>CBOW (</a:t>
-          </a:r>
-          <a:r>
-            <a:rPr lang="en-US" dirty="0" err="1"/>
-            <a:t>prédiction</a:t>
-          </a:r>
-          <a:r>
-            <a:rPr lang="en-US" dirty="0"/>
-            <a:t> d’un mot </a:t>
-          </a:r>
-          <a:r>
-            <a:rPr lang="en-US" dirty="0" err="1"/>
-            <a:t>fondé</a:t>
-          </a:r>
-          <a:r>
-            <a:rPr lang="en-US" dirty="0"/>
-            <a:t> sur des mots avec </a:t>
-          </a:r>
-          <a:r>
-            <a:rPr lang="en-US" dirty="0" err="1"/>
-            <a:t>lesquels</a:t>
-          </a:r>
-          <a:r>
-            <a:rPr lang="en-US" dirty="0"/>
-            <a:t> il </a:t>
-          </a:r>
-          <a:r>
-            <a:rPr lang="en-US" dirty="0" err="1"/>
-            <a:t>cooccurre</a:t>
-          </a:r>
-          <a:r>
-            <a:rPr lang="en-US" dirty="0"/>
-            <a:t> </a:t>
-          </a:r>
-          <a:r>
-            <a:rPr lang="en-US" dirty="0" err="1"/>
-            <a:t>fréquemment</a:t>
-          </a:r>
-          <a:r>
-            <a:rPr lang="en-US" dirty="0"/>
-            <a:t>)</a:t>
-          </a:r>
-        </a:p>
-        <a:p>
-          <a:r>
-            <a:rPr lang="en-US" dirty="0"/>
-            <a:t>Skip-Gram (</a:t>
-          </a:r>
-          <a:r>
-            <a:rPr lang="en-US" dirty="0" err="1"/>
-            <a:t>prédiction</a:t>
-          </a:r>
-          <a:r>
-            <a:rPr lang="en-US" dirty="0"/>
-            <a:t> du </a:t>
-          </a:r>
-          <a:r>
-            <a:rPr lang="en-US" dirty="0" err="1"/>
-            <a:t>voisinage</a:t>
-          </a:r>
-          <a:r>
-            <a:rPr lang="en-US" dirty="0"/>
-            <a:t> d’un mot </a:t>
-          </a:r>
-          <a:r>
-            <a:rPr lang="en-US" dirty="0" err="1"/>
-            <a:t>donné</a:t>
-          </a:r>
-          <a:r>
-            <a:rPr lang="en-US" dirty="0"/>
-            <a:t>)</a:t>
-          </a:r>
-        </a:p>
-      </dgm:t>
-    </dgm:pt>
-    <dgm:pt modelId="{8B6E6A2B-2A67-41EF-AE64-095E6A065B68}" type="parTrans" cxnId="{805E11AA-36D4-458B-B7D8-3A2C78F4FD5A}">
-      <dgm:prSet/>
-      <dgm:spPr/>
-      <dgm:t>
-        <a:bodyPr/>
-        <a:lstStyle/>
-        <a:p>
-          <a:endParaRPr lang="en-US"/>
-        </a:p>
-      </dgm:t>
-    </dgm:pt>
-    <dgm:pt modelId="{52AE5D38-6208-4AEB-A9F2-54486EF25EDB}" type="sibTrans" cxnId="{805E11AA-36D4-458B-B7D8-3A2C78F4FD5A}">
-      <dgm:prSet/>
-      <dgm:spPr/>
-      <dgm:t>
-        <a:bodyPr/>
-        <a:lstStyle/>
-        <a:p>
-          <a:endParaRPr lang="en-US"/>
-        </a:p>
-      </dgm:t>
-    </dgm:pt>
-    <dgm:pt modelId="{92344C94-C7F1-4D04-B1AB-DC5611D1407A}">
-      <dgm:prSet/>
-      <dgm:spPr/>
-      <dgm:t>
-        <a:bodyPr/>
-        <a:lstStyle/>
-        <a:p>
-          <a:r>
-            <a:rPr lang="fr-CA" b="1" dirty="0"/>
-            <a:t>BERT</a:t>
-          </a:r>
-          <a:r>
-            <a:rPr lang="fr-CA" dirty="0"/>
-            <a:t> (</a:t>
-          </a:r>
-          <a:r>
-            <a:rPr lang="fr-CA" i="1" dirty="0" err="1"/>
-            <a:t>Bidirectional</a:t>
-          </a:r>
-          <a:r>
-            <a:rPr lang="fr-CA" i="1" dirty="0"/>
-            <a:t> Encoder </a:t>
-          </a:r>
-          <a:r>
-            <a:rPr lang="fr-CA" i="1" dirty="0" err="1"/>
-            <a:t>Representations</a:t>
-          </a:r>
-          <a:r>
-            <a:rPr lang="fr-CA" i="1" dirty="0"/>
-            <a:t> </a:t>
-          </a:r>
-          <a:r>
-            <a:rPr lang="fr-CA" i="1" dirty="0" err="1"/>
-            <a:t>from</a:t>
-          </a:r>
-          <a:r>
-            <a:rPr lang="fr-CA" i="1" dirty="0"/>
-            <a:t> Transformers</a:t>
-          </a:r>
-          <a:r>
-            <a:rPr lang="fr-CA" dirty="0"/>
-            <a:t>)</a:t>
-          </a:r>
-        </a:p>
-        <a:p>
-          <a:r>
-            <a:rPr lang="fr-CA" dirty="0"/>
-            <a:t>Entrainé à comprendre le sens d’un mot en regardant à sa gauche et à sa droite, selon une fenêtre plus ou moins grande.</a:t>
-          </a:r>
-        </a:p>
-      </dgm:t>
-    </dgm:pt>
-    <dgm:pt modelId="{2C7402B4-60BE-4EEC-BF70-5D2B26D1CCE2}" type="parTrans" cxnId="{DE7340A1-094E-41B4-A8F1-DF2AA50BF266}">
-      <dgm:prSet/>
-      <dgm:spPr/>
-      <dgm:t>
-        <a:bodyPr/>
-        <a:lstStyle/>
-        <a:p>
-          <a:endParaRPr lang="en-US"/>
-        </a:p>
-      </dgm:t>
-    </dgm:pt>
-    <dgm:pt modelId="{AE9C45ED-5617-4EC6-B490-43C237F41F09}" type="sibTrans" cxnId="{DE7340A1-094E-41B4-A8F1-DF2AA50BF266}">
-      <dgm:prSet/>
-      <dgm:spPr/>
-      <dgm:t>
-        <a:bodyPr/>
-        <a:lstStyle/>
-        <a:p>
-          <a:endParaRPr lang="en-US"/>
-        </a:p>
-      </dgm:t>
-    </dgm:pt>
-    <dgm:pt modelId="{6F2BBC26-3C45-144F-B357-128316F6C843}" type="pres">
-      <dgm:prSet presAssocID="{EB3E9BFB-1CF4-4A0E-B22E-49D2C4AADD53}" presName="linear" presStyleCnt="0">
-        <dgm:presLayoutVars>
-          <dgm:animLvl val="lvl"/>
-          <dgm:resizeHandles val="exact"/>
-        </dgm:presLayoutVars>
-      </dgm:prSet>
-      <dgm:spPr/>
-    </dgm:pt>
-    <dgm:pt modelId="{5895949F-DA6B-0D47-A3E2-FAF9E558E8C9}" type="pres">
-      <dgm:prSet presAssocID="{94A78872-7918-4ACD-93D6-E24954E34FAB}" presName="parentText" presStyleLbl="node1" presStyleIdx="0" presStyleCnt="2">
-        <dgm:presLayoutVars>
-          <dgm:chMax val="0"/>
-          <dgm:bulletEnabled val="1"/>
-        </dgm:presLayoutVars>
-      </dgm:prSet>
-      <dgm:spPr/>
-    </dgm:pt>
-    <dgm:pt modelId="{5DE5EBB1-1867-BA49-BB9D-56F8B218433D}" type="pres">
-      <dgm:prSet presAssocID="{52AE5D38-6208-4AEB-A9F2-54486EF25EDB}" presName="spacer" presStyleCnt="0"/>
-      <dgm:spPr/>
-    </dgm:pt>
-    <dgm:pt modelId="{C377793D-0786-5C42-8F3E-91F873D31A7C}" type="pres">
-      <dgm:prSet presAssocID="{92344C94-C7F1-4D04-B1AB-DC5611D1407A}" presName="parentText" presStyleLbl="node1" presStyleIdx="1" presStyleCnt="2" custLinFactNeighborX="-5337">
-        <dgm:presLayoutVars>
-          <dgm:chMax val="0"/>
-          <dgm:bulletEnabled val="1"/>
-        </dgm:presLayoutVars>
-      </dgm:prSet>
-      <dgm:spPr/>
-    </dgm:pt>
-  </dgm:ptLst>
-  <dgm:cxnLst>
-    <dgm:cxn modelId="{DF199860-C168-1F48-B13A-F32776FA3DCE}" type="presOf" srcId="{EB3E9BFB-1CF4-4A0E-B22E-49D2C4AADD53}" destId="{6F2BBC26-3C45-144F-B357-128316F6C843}" srcOrd="0" destOrd="0" presId="urn:microsoft.com/office/officeart/2005/8/layout/vList2"/>
-    <dgm:cxn modelId="{DE7340A1-094E-41B4-A8F1-DF2AA50BF266}" srcId="{EB3E9BFB-1CF4-4A0E-B22E-49D2C4AADD53}" destId="{92344C94-C7F1-4D04-B1AB-DC5611D1407A}" srcOrd="1" destOrd="0" parTransId="{2C7402B4-60BE-4EEC-BF70-5D2B26D1CCE2}" sibTransId="{AE9C45ED-5617-4EC6-B490-43C237F41F09}"/>
-    <dgm:cxn modelId="{805E11AA-36D4-458B-B7D8-3A2C78F4FD5A}" srcId="{EB3E9BFB-1CF4-4A0E-B22E-49D2C4AADD53}" destId="{94A78872-7918-4ACD-93D6-E24954E34FAB}" srcOrd="0" destOrd="0" parTransId="{8B6E6A2B-2A67-41EF-AE64-095E6A065B68}" sibTransId="{52AE5D38-6208-4AEB-A9F2-54486EF25EDB}"/>
-    <dgm:cxn modelId="{8E4FCCCB-770B-E841-B09F-31A1C699A6CA}" type="presOf" srcId="{94A78872-7918-4ACD-93D6-E24954E34FAB}" destId="{5895949F-DA6B-0D47-A3E2-FAF9E558E8C9}" srcOrd="0" destOrd="0" presId="urn:microsoft.com/office/officeart/2005/8/layout/vList2"/>
-    <dgm:cxn modelId="{D216CCCD-A7BC-6A4C-80C5-7C954AC30EE4}" type="presOf" srcId="{92344C94-C7F1-4D04-B1AB-DC5611D1407A}" destId="{C377793D-0786-5C42-8F3E-91F873D31A7C}" srcOrd="0" destOrd="0" presId="urn:microsoft.com/office/officeart/2005/8/layout/vList2"/>
-    <dgm:cxn modelId="{C716BFA4-29CF-4144-B00C-61963926412A}" type="presParOf" srcId="{6F2BBC26-3C45-144F-B357-128316F6C843}" destId="{5895949F-DA6B-0D47-A3E2-FAF9E558E8C9}" srcOrd="0" destOrd="0" presId="urn:microsoft.com/office/officeart/2005/8/layout/vList2"/>
-    <dgm:cxn modelId="{B200400D-FF2B-E242-A75D-EF71ADEC2BBB}" type="presParOf" srcId="{6F2BBC26-3C45-144F-B357-128316F6C843}" destId="{5DE5EBB1-1867-BA49-BB9D-56F8B218433D}" srcOrd="1" destOrd="0" presId="urn:microsoft.com/office/officeart/2005/8/layout/vList2"/>
-    <dgm:cxn modelId="{3D395A6C-0569-244E-99E8-4D637826444A}" type="presParOf" srcId="{6F2BBC26-3C45-144F-B357-128316F6C843}" destId="{C377793D-0786-5C42-8F3E-91F873D31A7C}" srcOrd="2" destOrd="0" presId="urn:microsoft.com/office/officeart/2005/8/layout/vList2"/>
   </dgm:cxnLst>
   <dgm:bg/>
   <dgm:whole/>
@@ -7710,352 +6634,6 @@
 </dsp:drawing>
 </file>
 
-<file path=ppt/diagrams/drawing5.xml><?xml version="1.0" encoding="utf-8"?>
-<dsp:drawing xmlns:dgm="http://schemas.openxmlformats.org/drawingml/2006/diagram" xmlns:dsp="http://schemas.microsoft.com/office/drawing/2008/diagram" xmlns:a="http://schemas.openxmlformats.org/drawingml/2006/main">
-  <dsp:spTree>
-    <dsp:nvGrpSpPr>
-      <dsp:cNvPr id="0" name=""/>
-      <dsp:cNvGrpSpPr/>
-    </dsp:nvGrpSpPr>
-    <dsp:grpSpPr/>
-    <dsp:sp modelId="{5895949F-DA6B-0D47-A3E2-FAF9E558E8C9}">
-      <dsp:nvSpPr>
-        <dsp:cNvPr id="0" name=""/>
-        <dsp:cNvSpPr/>
-      </dsp:nvSpPr>
-      <dsp:spPr>
-        <a:xfrm>
-          <a:off x="0" y="124468"/>
-          <a:ext cx="6729413" cy="1895400"/>
-        </a:xfrm>
-        <a:prstGeom prst="roundRect">
-          <a:avLst/>
-        </a:prstGeom>
-        <a:solidFill>
-          <a:schemeClr val="accent2">
-            <a:hueOff val="0"/>
-            <a:satOff val="0"/>
-            <a:lumOff val="0"/>
-            <a:alphaOff val="0"/>
-          </a:schemeClr>
-        </a:solidFill>
-        <a:ln w="12700" cap="flat" cmpd="sng" algn="ctr">
-          <a:solidFill>
-            <a:schemeClr val="lt1">
-              <a:hueOff val="0"/>
-              <a:satOff val="0"/>
-              <a:lumOff val="0"/>
-              <a:alphaOff val="0"/>
-            </a:schemeClr>
-          </a:solidFill>
-          <a:prstDash val="solid"/>
-          <a:miter lim="800000"/>
-        </a:ln>
-        <a:effectLst/>
-      </dsp:spPr>
-      <dsp:style>
-        <a:lnRef idx="2">
-          <a:scrgbClr r="0" g="0" b="0"/>
-        </a:lnRef>
-        <a:fillRef idx="1">
-          <a:scrgbClr r="0" g="0" b="0"/>
-        </a:fillRef>
-        <a:effectRef idx="0">
-          <a:scrgbClr r="0" g="0" b="0"/>
-        </a:effectRef>
-        <a:fontRef idx="minor">
-          <a:schemeClr val="lt1"/>
-        </a:fontRef>
-      </dsp:style>
-      <dsp:txBody>
-        <a:bodyPr spcFirstLastPara="0" vert="horz" wrap="square" lIns="76200" tIns="76200" rIns="76200" bIns="76200" numCol="1" spcCol="1270" anchor="ctr" anchorCtr="0">
-          <a:noAutofit/>
-        </a:bodyPr>
-        <a:lstStyle/>
-        <a:p>
-          <a:pPr marL="0" lvl="0" indent="0" algn="l" defTabSz="889000">
-            <a:lnSpc>
-              <a:spcPct val="90000"/>
-            </a:lnSpc>
-            <a:spcBef>
-              <a:spcPct val="0"/>
-            </a:spcBef>
-            <a:spcAft>
-              <a:spcPct val="35000"/>
-            </a:spcAft>
-            <a:buNone/>
-          </a:pPr>
-          <a:r>
-            <a:rPr lang="en-US" sz="2000" b="1" kern="1200" dirty="0"/>
-            <a:t>word2vec</a:t>
-          </a:r>
-          <a:r>
-            <a:rPr lang="en-US" sz="2000" kern="1200" dirty="0"/>
-            <a:t> (</a:t>
-          </a:r>
-          <a:r>
-            <a:rPr lang="en-US" sz="2000" kern="1200" dirty="0" err="1"/>
-            <a:t>modèle</a:t>
-          </a:r>
-          <a:r>
-            <a:rPr lang="en-US" sz="2000" kern="1200" dirty="0"/>
-            <a:t> de </a:t>
-          </a:r>
-          <a:r>
-            <a:rPr lang="en-US" sz="2000" kern="1200" dirty="0" err="1"/>
-            <a:t>fenêtre</a:t>
-          </a:r>
-          <a:r>
-            <a:rPr lang="en-US" sz="2000" kern="1200" dirty="0"/>
-            <a:t> </a:t>
-          </a:r>
-          <a:r>
-            <a:rPr lang="en-US" sz="2000" kern="1200" dirty="0" err="1"/>
-            <a:t>contextuelle</a:t>
-          </a:r>
-          <a:r>
-            <a:rPr lang="en-US" sz="2000" kern="1200" dirty="0"/>
-            <a:t>)</a:t>
-          </a:r>
-        </a:p>
-        <a:p>
-          <a:pPr marL="0" lvl="0" indent="0" algn="l" defTabSz="889000">
-            <a:lnSpc>
-              <a:spcPct val="90000"/>
-            </a:lnSpc>
-            <a:spcBef>
-              <a:spcPct val="0"/>
-            </a:spcBef>
-            <a:spcAft>
-              <a:spcPct val="35000"/>
-            </a:spcAft>
-            <a:buNone/>
-          </a:pPr>
-          <a:r>
-            <a:rPr lang="en-US" sz="2000" kern="1200" dirty="0"/>
-            <a:t>CBOW (</a:t>
-          </a:r>
-          <a:r>
-            <a:rPr lang="en-US" sz="2000" kern="1200" dirty="0" err="1"/>
-            <a:t>prédiction</a:t>
-          </a:r>
-          <a:r>
-            <a:rPr lang="en-US" sz="2000" kern="1200" dirty="0"/>
-            <a:t> d’un mot </a:t>
-          </a:r>
-          <a:r>
-            <a:rPr lang="en-US" sz="2000" kern="1200" dirty="0" err="1"/>
-            <a:t>fondé</a:t>
-          </a:r>
-          <a:r>
-            <a:rPr lang="en-US" sz="2000" kern="1200" dirty="0"/>
-            <a:t> sur des mots avec </a:t>
-          </a:r>
-          <a:r>
-            <a:rPr lang="en-US" sz="2000" kern="1200" dirty="0" err="1"/>
-            <a:t>lesquels</a:t>
-          </a:r>
-          <a:r>
-            <a:rPr lang="en-US" sz="2000" kern="1200" dirty="0"/>
-            <a:t> il </a:t>
-          </a:r>
-          <a:r>
-            <a:rPr lang="en-US" sz="2000" kern="1200" dirty="0" err="1"/>
-            <a:t>cooccurre</a:t>
-          </a:r>
-          <a:r>
-            <a:rPr lang="en-US" sz="2000" kern="1200" dirty="0"/>
-            <a:t> </a:t>
-          </a:r>
-          <a:r>
-            <a:rPr lang="en-US" sz="2000" kern="1200" dirty="0" err="1"/>
-            <a:t>fréquemment</a:t>
-          </a:r>
-          <a:r>
-            <a:rPr lang="en-US" sz="2000" kern="1200" dirty="0"/>
-            <a:t>)</a:t>
-          </a:r>
-        </a:p>
-        <a:p>
-          <a:pPr marL="0" lvl="0" indent="0" algn="l" defTabSz="889000">
-            <a:lnSpc>
-              <a:spcPct val="90000"/>
-            </a:lnSpc>
-            <a:spcBef>
-              <a:spcPct val="0"/>
-            </a:spcBef>
-            <a:spcAft>
-              <a:spcPct val="35000"/>
-            </a:spcAft>
-            <a:buNone/>
-          </a:pPr>
-          <a:r>
-            <a:rPr lang="en-US" sz="2000" kern="1200" dirty="0"/>
-            <a:t>Skip-Gram (</a:t>
-          </a:r>
-          <a:r>
-            <a:rPr lang="en-US" sz="2000" kern="1200" dirty="0" err="1"/>
-            <a:t>prédiction</a:t>
-          </a:r>
-          <a:r>
-            <a:rPr lang="en-US" sz="2000" kern="1200" dirty="0"/>
-            <a:t> du </a:t>
-          </a:r>
-          <a:r>
-            <a:rPr lang="en-US" sz="2000" kern="1200" dirty="0" err="1"/>
-            <a:t>voisinage</a:t>
-          </a:r>
-          <a:r>
-            <a:rPr lang="en-US" sz="2000" kern="1200" dirty="0"/>
-            <a:t> d’un mot </a:t>
-          </a:r>
-          <a:r>
-            <a:rPr lang="en-US" sz="2000" kern="1200" dirty="0" err="1"/>
-            <a:t>donné</a:t>
-          </a:r>
-          <a:r>
-            <a:rPr lang="en-US" sz="2000" kern="1200" dirty="0"/>
-            <a:t>)</a:t>
-          </a:r>
-        </a:p>
-      </dsp:txBody>
-      <dsp:txXfrm>
-        <a:off x="92526" y="216994"/>
-        <a:ext cx="6544361" cy="1710348"/>
-      </dsp:txXfrm>
-    </dsp:sp>
-    <dsp:sp modelId="{C377793D-0786-5C42-8F3E-91F873D31A7C}">
-      <dsp:nvSpPr>
-        <dsp:cNvPr id="0" name=""/>
-        <dsp:cNvSpPr/>
-      </dsp:nvSpPr>
-      <dsp:spPr>
-        <a:xfrm>
-          <a:off x="0" y="2077468"/>
-          <a:ext cx="6729413" cy="1895400"/>
-        </a:xfrm>
-        <a:prstGeom prst="roundRect">
-          <a:avLst/>
-        </a:prstGeom>
-        <a:solidFill>
-          <a:schemeClr val="accent2">
-            <a:hueOff val="-2449550"/>
-            <a:satOff val="-11314"/>
-            <a:lumOff val="-2354"/>
-            <a:alphaOff val="0"/>
-          </a:schemeClr>
-        </a:solidFill>
-        <a:ln w="12700" cap="flat" cmpd="sng" algn="ctr">
-          <a:solidFill>
-            <a:schemeClr val="lt1">
-              <a:hueOff val="0"/>
-              <a:satOff val="0"/>
-              <a:lumOff val="0"/>
-              <a:alphaOff val="0"/>
-            </a:schemeClr>
-          </a:solidFill>
-          <a:prstDash val="solid"/>
-          <a:miter lim="800000"/>
-        </a:ln>
-        <a:effectLst/>
-      </dsp:spPr>
-      <dsp:style>
-        <a:lnRef idx="2">
-          <a:scrgbClr r="0" g="0" b="0"/>
-        </a:lnRef>
-        <a:fillRef idx="1">
-          <a:scrgbClr r="0" g="0" b="0"/>
-        </a:fillRef>
-        <a:effectRef idx="0">
-          <a:scrgbClr r="0" g="0" b="0"/>
-        </a:effectRef>
-        <a:fontRef idx="minor">
-          <a:schemeClr val="lt1"/>
-        </a:fontRef>
-      </dsp:style>
-      <dsp:txBody>
-        <a:bodyPr spcFirstLastPara="0" vert="horz" wrap="square" lIns="76200" tIns="76200" rIns="76200" bIns="76200" numCol="1" spcCol="1270" anchor="ctr" anchorCtr="0">
-          <a:noAutofit/>
-        </a:bodyPr>
-        <a:lstStyle/>
-        <a:p>
-          <a:pPr marL="0" lvl="0" indent="0" algn="l" defTabSz="889000">
-            <a:lnSpc>
-              <a:spcPct val="90000"/>
-            </a:lnSpc>
-            <a:spcBef>
-              <a:spcPct val="0"/>
-            </a:spcBef>
-            <a:spcAft>
-              <a:spcPct val="35000"/>
-            </a:spcAft>
-            <a:buNone/>
-          </a:pPr>
-          <a:r>
-            <a:rPr lang="fr-CA" sz="2000" b="1" kern="1200" dirty="0"/>
-            <a:t>BERT</a:t>
-          </a:r>
-          <a:r>
-            <a:rPr lang="fr-CA" sz="2000" kern="1200" dirty="0"/>
-            <a:t> (</a:t>
-          </a:r>
-          <a:r>
-            <a:rPr lang="fr-CA" sz="2000" i="1" kern="1200" dirty="0" err="1"/>
-            <a:t>Bidirectional</a:t>
-          </a:r>
-          <a:r>
-            <a:rPr lang="fr-CA" sz="2000" i="1" kern="1200" dirty="0"/>
-            <a:t> Encoder </a:t>
-          </a:r>
-          <a:r>
-            <a:rPr lang="fr-CA" sz="2000" i="1" kern="1200" dirty="0" err="1"/>
-            <a:t>Representations</a:t>
-          </a:r>
-          <a:r>
-            <a:rPr lang="fr-CA" sz="2000" i="1" kern="1200" dirty="0"/>
-            <a:t> </a:t>
-          </a:r>
-          <a:r>
-            <a:rPr lang="fr-CA" sz="2000" i="1" kern="1200" dirty="0" err="1"/>
-            <a:t>from</a:t>
-          </a:r>
-          <a:r>
-            <a:rPr lang="fr-CA" sz="2000" i="1" kern="1200" dirty="0"/>
-            <a:t> Transformers</a:t>
-          </a:r>
-          <a:r>
-            <a:rPr lang="fr-CA" sz="2000" kern="1200" dirty="0"/>
-            <a:t>)</a:t>
-          </a:r>
-        </a:p>
-        <a:p>
-          <a:pPr marL="0" lvl="0" indent="0" algn="l" defTabSz="889000">
-            <a:lnSpc>
-              <a:spcPct val="90000"/>
-            </a:lnSpc>
-            <a:spcBef>
-              <a:spcPct val="0"/>
-            </a:spcBef>
-            <a:spcAft>
-              <a:spcPct val="35000"/>
-            </a:spcAft>
-            <a:buNone/>
-          </a:pPr>
-          <a:r>
-            <a:rPr lang="fr-CA" sz="2000" kern="1200" dirty="0"/>
-            <a:t>Entrainé à comprendre le sens d’un mot en regardant à sa gauche et à sa droite, selon une fenêtre plus ou moins grande.</a:t>
-          </a:r>
-        </a:p>
-      </dsp:txBody>
-      <dsp:txXfrm>
-        <a:off x="92526" y="2169994"/>
-        <a:ext cx="6544361" cy="1710348"/>
-      </dsp:txXfrm>
-    </dsp:sp>
-  </dsp:spTree>
-</dsp:drawing>
-</file>
-
 <file path=ppt/diagrams/layout1.xml><?xml version="1.0" encoding="utf-8"?>
 <dgm:layoutDef xmlns:dgm="http://schemas.openxmlformats.org/drawingml/2006/diagram" xmlns:a="http://schemas.openxmlformats.org/drawingml/2006/main" uniqueId="urn:microsoft.com/office/officeart/2005/8/layout/vList2">
   <dgm:title val=""/>
@@ -8708,173 +7286,6 @@
 </dgm:layoutDef>
 </file>
 
-<file path=ppt/diagrams/layout5.xml><?xml version="1.0" encoding="utf-8"?>
-<dgm:layoutDef xmlns:dgm="http://schemas.openxmlformats.org/drawingml/2006/diagram" xmlns:a="http://schemas.openxmlformats.org/drawingml/2006/main" uniqueId="urn:microsoft.com/office/officeart/2005/8/layout/vList2">
-  <dgm:title val=""/>
-  <dgm:desc val=""/>
-  <dgm:catLst>
-    <dgm:cat type="list" pri="3000"/>
-    <dgm:cat type="convert" pri="1000"/>
-  </dgm:catLst>
-  <dgm:sampData>
-    <dgm:dataModel>
-      <dgm:ptLst>
-        <dgm:pt modelId="0" type="doc"/>
-        <dgm:pt modelId="1">
-          <dgm:prSet phldr="1"/>
-        </dgm:pt>
-        <dgm:pt modelId="11">
-          <dgm:prSet phldr="1"/>
-        </dgm:pt>
-        <dgm:pt modelId="2">
-          <dgm:prSet phldr="1"/>
-        </dgm:pt>
-        <dgm:pt modelId="21">
-          <dgm:prSet phldr="1"/>
-        </dgm:pt>
-      </dgm:ptLst>
-      <dgm:cxnLst>
-        <dgm:cxn modelId="4" srcId="0" destId="1" srcOrd="0" destOrd="0"/>
-        <dgm:cxn modelId="5" srcId="0" destId="2" srcOrd="1" destOrd="0"/>
-        <dgm:cxn modelId="12" srcId="1" destId="11" srcOrd="0" destOrd="0"/>
-        <dgm:cxn modelId="23" srcId="2" destId="21" srcOrd="0" destOrd="0"/>
-      </dgm:cxnLst>
-      <dgm:bg/>
-      <dgm:whole/>
-    </dgm:dataModel>
-  </dgm:sampData>
-  <dgm:styleData>
-    <dgm:dataModel>
-      <dgm:ptLst>
-        <dgm:pt modelId="0" type="doc"/>
-        <dgm:pt modelId="1"/>
-        <dgm:pt modelId="2"/>
-      </dgm:ptLst>
-      <dgm:cxnLst>
-        <dgm:cxn modelId="3" srcId="0" destId="1" srcOrd="0" destOrd="0"/>
-        <dgm:cxn modelId="4" srcId="0" destId="2" srcOrd="1" destOrd="0"/>
-      </dgm:cxnLst>
-      <dgm:bg/>
-      <dgm:whole/>
-    </dgm:dataModel>
-  </dgm:styleData>
-  <dgm:clrData>
-    <dgm:dataModel>
-      <dgm:ptLst>
-        <dgm:pt modelId="0" type="doc"/>
-        <dgm:pt modelId="1"/>
-        <dgm:pt modelId="2"/>
-        <dgm:pt modelId="3"/>
-        <dgm:pt modelId="4"/>
-      </dgm:ptLst>
-      <dgm:cxnLst>
-        <dgm:cxn modelId="5" srcId="0" destId="1" srcOrd="0" destOrd="0"/>
-        <dgm:cxn modelId="6" srcId="0" destId="2" srcOrd="1" destOrd="0"/>
-        <dgm:cxn modelId="7" srcId="0" destId="3" srcOrd="2" destOrd="0"/>
-        <dgm:cxn modelId="8" srcId="0" destId="4" srcOrd="3" destOrd="0"/>
-      </dgm:cxnLst>
-      <dgm:bg/>
-      <dgm:whole/>
-    </dgm:dataModel>
-  </dgm:clrData>
-  <dgm:layoutNode name="linear">
-    <dgm:varLst>
-      <dgm:animLvl val="lvl"/>
-      <dgm:resizeHandles val="exact"/>
-    </dgm:varLst>
-    <dgm:alg type="lin">
-      <dgm:param type="linDir" val="fromT"/>
-      <dgm:param type="vertAlign" val="mid"/>
-    </dgm:alg>
-    <dgm:shape xmlns:r="http://schemas.openxmlformats.org/officeDocument/2006/relationships" r:blip="">
-      <dgm:adjLst/>
-    </dgm:shape>
-    <dgm:presOf/>
-    <dgm:constrLst>
-      <dgm:constr type="w" for="ch" forName="parentText" refType="w"/>
-      <dgm:constr type="h" for="ch" forName="parentText" refType="primFontSz" refFor="ch" refForName="parentText" fact="0.52"/>
-      <dgm:constr type="w" for="ch" forName="childText" refType="w"/>
-      <dgm:constr type="h" for="ch" forName="childText" refType="primFontSz" refFor="ch" refForName="parentText" fact="0.46"/>
-      <dgm:constr type="h" for="ch" forName="parentText" op="equ"/>
-      <dgm:constr type="primFontSz" for="ch" forName="parentText" op="equ" val="65"/>
-      <dgm:constr type="primFontSz" for="ch" forName="childText" refType="primFontSz" refFor="ch" refForName="parentText" op="equ"/>
-      <dgm:constr type="h" for="ch" forName="spacer" refType="primFontSz" refFor="ch" refForName="parentText" fact="0.08"/>
-    </dgm:constrLst>
-    <dgm:ruleLst>
-      <dgm:rule type="primFontSz" for="ch" forName="parentText" val="5" fact="NaN" max="NaN"/>
-    </dgm:ruleLst>
-    <dgm:forEach name="Name0" axis="ch" ptType="node">
-      <dgm:layoutNode name="parentText" styleLbl="node1">
-        <dgm:varLst>
-          <dgm:chMax val="0"/>
-          <dgm:bulletEnabled val="1"/>
-        </dgm:varLst>
-        <dgm:alg type="tx">
-          <dgm:param type="parTxLTRAlign" val="l"/>
-          <dgm:param type="parTxRTLAlign" val="r"/>
-        </dgm:alg>
-        <dgm:shape xmlns:r="http://schemas.openxmlformats.org/officeDocument/2006/relationships" type="roundRect" r:blip="">
-          <dgm:adjLst/>
-        </dgm:shape>
-        <dgm:presOf axis="self"/>
-        <dgm:constrLst>
-          <dgm:constr type="tMarg" refType="primFontSz" fact="0.3"/>
-          <dgm:constr type="bMarg" refType="primFontSz" fact="0.3"/>
-          <dgm:constr type="lMarg" refType="primFontSz" fact="0.3"/>
-          <dgm:constr type="rMarg" refType="primFontSz" fact="0.3"/>
-        </dgm:constrLst>
-        <dgm:ruleLst>
-          <dgm:rule type="h" val="INF" fact="NaN" max="NaN"/>
-        </dgm:ruleLst>
-      </dgm:layoutNode>
-      <dgm:choose name="Name1">
-        <dgm:if name="Name2" axis="ch" ptType="node" func="cnt" op="gte" val="1">
-          <dgm:layoutNode name="childText" styleLbl="revTx">
-            <dgm:varLst>
-              <dgm:bulletEnabled val="1"/>
-            </dgm:varLst>
-            <dgm:alg type="tx">
-              <dgm:param type="stBulletLvl" val="1"/>
-              <dgm:param type="lnSpAfChP" val="20"/>
-            </dgm:alg>
-            <dgm:shape xmlns:r="http://schemas.openxmlformats.org/officeDocument/2006/relationships" type="rect" r:blip="">
-              <dgm:adjLst/>
-            </dgm:shape>
-            <dgm:presOf axis="des" ptType="node"/>
-            <dgm:constrLst>
-              <dgm:constr type="tMarg" refType="primFontSz" fact="0.1"/>
-              <dgm:constr type="bMarg" refType="primFontSz" fact="0.1"/>
-              <dgm:constr type="lMarg" refType="w" fact="0.09"/>
-            </dgm:constrLst>
-            <dgm:ruleLst>
-              <dgm:rule type="h" val="INF" fact="NaN" max="NaN"/>
-            </dgm:ruleLst>
-          </dgm:layoutNode>
-        </dgm:if>
-        <dgm:else name="Name3">
-          <dgm:choose name="Name4">
-            <dgm:if name="Name5" axis="par ch" ptType="doc node" func="cnt" op="gte" val="2">
-              <dgm:forEach name="Name6" axis="followSib" ptType="sibTrans" cnt="1">
-                <dgm:layoutNode name="spacer">
-                  <dgm:alg type="sp"/>
-                  <dgm:shape xmlns:r="http://schemas.openxmlformats.org/officeDocument/2006/relationships" r:blip="">
-                    <dgm:adjLst/>
-                  </dgm:shape>
-                  <dgm:presOf/>
-                  <dgm:constrLst/>
-                  <dgm:ruleLst/>
-                </dgm:layoutNode>
-              </dgm:forEach>
-            </dgm:if>
-            <dgm:else name="Name7"/>
-          </dgm:choose>
-        </dgm:else>
-      </dgm:choose>
-    </dgm:forEach>
-  </dgm:layoutNode>
-</dgm:layoutDef>
-</file>
-
 <file path=ppt/diagrams/quickStyle1.xml><?xml version="1.0" encoding="utf-8"?>
 <dgm:styleDef xmlns:dgm="http://schemas.openxmlformats.org/drawingml/2006/diagram" xmlns:a="http://schemas.openxmlformats.org/drawingml/2006/main" uniqueId="urn:microsoft.com/office/officeart/2005/8/quickstyle/simple5">
   <dgm:title val=""/>
@@ -12983,1040 +11394,6 @@
         <a:scrgbClr r="0" g="0" b="0"/>
       </a:fillRef>
       <a:effectRef idx="1">
-        <a:scrgbClr r="0" g="0" b="0"/>
-      </a:effectRef>
-      <a:fontRef idx="minor"/>
-    </dgm:style>
-  </dgm:styleLbl>
-  <dgm:styleLbl name="revTx">
-    <dgm:scene3d>
-      <a:camera prst="orthographicFront"/>
-      <a:lightRig rig="threePt" dir="t"/>
-    </dgm:scene3d>
-    <dgm:sp3d/>
-    <dgm:txPr/>
-    <dgm:style>
-      <a:lnRef idx="0">
-        <a:scrgbClr r="0" g="0" b="0"/>
-      </a:lnRef>
-      <a:fillRef idx="0">
-        <a:scrgbClr r="0" g="0" b="0"/>
-      </a:fillRef>
-      <a:effectRef idx="0">
-        <a:scrgbClr r="0" g="0" b="0"/>
-      </a:effectRef>
-      <a:fontRef idx="minor"/>
-    </dgm:style>
-  </dgm:styleLbl>
-</dgm:styleDef>
-</file>
-
-<file path=ppt/diagrams/quickStyle5.xml><?xml version="1.0" encoding="utf-8"?>
-<dgm:styleDef xmlns:dgm="http://schemas.openxmlformats.org/drawingml/2006/diagram" xmlns:a="http://schemas.openxmlformats.org/drawingml/2006/main" uniqueId="urn:microsoft.com/office/officeart/2005/8/quickstyle/simple1">
-  <dgm:title val=""/>
-  <dgm:desc val=""/>
-  <dgm:catLst>
-    <dgm:cat type="simple" pri="10100"/>
-  </dgm:catLst>
-  <dgm:scene3d>
-    <a:camera prst="orthographicFront"/>
-    <a:lightRig rig="threePt" dir="t"/>
-  </dgm:scene3d>
-  <dgm:styleLbl name="node0">
-    <dgm:scene3d>
-      <a:camera prst="orthographicFront"/>
-      <a:lightRig rig="threePt" dir="t"/>
-    </dgm:scene3d>
-    <dgm:sp3d/>
-    <dgm:txPr/>
-    <dgm:style>
-      <a:lnRef idx="2">
-        <a:scrgbClr r="0" g="0" b="0"/>
-      </a:lnRef>
-      <a:fillRef idx="1">
-        <a:scrgbClr r="0" g="0" b="0"/>
-      </a:fillRef>
-      <a:effectRef idx="0">
-        <a:scrgbClr r="0" g="0" b="0"/>
-      </a:effectRef>
-      <a:fontRef idx="minor">
-        <a:schemeClr val="lt1"/>
-      </a:fontRef>
-    </dgm:style>
-  </dgm:styleLbl>
-  <dgm:styleLbl name="lnNode1">
-    <dgm:scene3d>
-      <a:camera prst="orthographicFront"/>
-      <a:lightRig rig="threePt" dir="t"/>
-    </dgm:scene3d>
-    <dgm:sp3d/>
-    <dgm:txPr/>
-    <dgm:style>
-      <a:lnRef idx="2">
-        <a:scrgbClr r="0" g="0" b="0"/>
-      </a:lnRef>
-      <a:fillRef idx="1">
-        <a:scrgbClr r="0" g="0" b="0"/>
-      </a:fillRef>
-      <a:effectRef idx="0">
-        <a:scrgbClr r="0" g="0" b="0"/>
-      </a:effectRef>
-      <a:fontRef idx="minor">
-        <a:schemeClr val="lt1"/>
-      </a:fontRef>
-    </dgm:style>
-  </dgm:styleLbl>
-  <dgm:styleLbl name="vennNode1">
-    <dgm:scene3d>
-      <a:camera prst="orthographicFront"/>
-      <a:lightRig rig="threePt" dir="t"/>
-    </dgm:scene3d>
-    <dgm:sp3d/>
-    <dgm:txPr/>
-    <dgm:style>
-      <a:lnRef idx="2">
-        <a:scrgbClr r="0" g="0" b="0"/>
-      </a:lnRef>
-      <a:fillRef idx="1">
-        <a:scrgbClr r="0" g="0" b="0"/>
-      </a:fillRef>
-      <a:effectRef idx="0">
-        <a:scrgbClr r="0" g="0" b="0"/>
-      </a:effectRef>
-      <a:fontRef idx="minor">
-        <a:schemeClr val="tx1"/>
-      </a:fontRef>
-    </dgm:style>
-  </dgm:styleLbl>
-  <dgm:styleLbl name="alignNode1">
-    <dgm:scene3d>
-      <a:camera prst="orthographicFront"/>
-      <a:lightRig rig="threePt" dir="t"/>
-    </dgm:scene3d>
-    <dgm:sp3d/>
-    <dgm:txPr/>
-    <dgm:style>
-      <a:lnRef idx="2">
-        <a:scrgbClr r="0" g="0" b="0"/>
-      </a:lnRef>
-      <a:fillRef idx="1">
-        <a:scrgbClr r="0" g="0" b="0"/>
-      </a:fillRef>
-      <a:effectRef idx="0">
-        <a:scrgbClr r="0" g="0" b="0"/>
-      </a:effectRef>
-      <a:fontRef idx="minor">
-        <a:schemeClr val="lt1"/>
-      </a:fontRef>
-    </dgm:style>
-  </dgm:styleLbl>
-  <dgm:styleLbl name="node1">
-    <dgm:scene3d>
-      <a:camera prst="orthographicFront"/>
-      <a:lightRig rig="threePt" dir="t"/>
-    </dgm:scene3d>
-    <dgm:sp3d/>
-    <dgm:txPr/>
-    <dgm:style>
-      <a:lnRef idx="2">
-        <a:scrgbClr r="0" g="0" b="0"/>
-      </a:lnRef>
-      <a:fillRef idx="1">
-        <a:scrgbClr r="0" g="0" b="0"/>
-      </a:fillRef>
-      <a:effectRef idx="0">
-        <a:scrgbClr r="0" g="0" b="0"/>
-      </a:effectRef>
-      <a:fontRef idx="minor">
-        <a:schemeClr val="lt1"/>
-      </a:fontRef>
-    </dgm:style>
-  </dgm:styleLbl>
-  <dgm:styleLbl name="node2">
-    <dgm:scene3d>
-      <a:camera prst="orthographicFront"/>
-      <a:lightRig rig="threePt" dir="t"/>
-    </dgm:scene3d>
-    <dgm:sp3d/>
-    <dgm:txPr/>
-    <dgm:style>
-      <a:lnRef idx="2">
-        <a:scrgbClr r="0" g="0" b="0"/>
-      </a:lnRef>
-      <a:fillRef idx="1">
-        <a:scrgbClr r="0" g="0" b="0"/>
-      </a:fillRef>
-      <a:effectRef idx="0">
-        <a:scrgbClr r="0" g="0" b="0"/>
-      </a:effectRef>
-      <a:fontRef idx="minor">
-        <a:schemeClr val="lt1"/>
-      </a:fontRef>
-    </dgm:style>
-  </dgm:styleLbl>
-  <dgm:styleLbl name="node3">
-    <dgm:scene3d>
-      <a:camera prst="orthographicFront"/>
-      <a:lightRig rig="threePt" dir="t"/>
-    </dgm:scene3d>
-    <dgm:sp3d/>
-    <dgm:txPr/>
-    <dgm:style>
-      <a:lnRef idx="2">
-        <a:scrgbClr r="0" g="0" b="0"/>
-      </a:lnRef>
-      <a:fillRef idx="1">
-        <a:scrgbClr r="0" g="0" b="0"/>
-      </a:fillRef>
-      <a:effectRef idx="0">
-        <a:scrgbClr r="0" g="0" b="0"/>
-      </a:effectRef>
-      <a:fontRef idx="minor">
-        <a:schemeClr val="lt1"/>
-      </a:fontRef>
-    </dgm:style>
-  </dgm:styleLbl>
-  <dgm:styleLbl name="node4">
-    <dgm:scene3d>
-      <a:camera prst="orthographicFront"/>
-      <a:lightRig rig="threePt" dir="t"/>
-    </dgm:scene3d>
-    <dgm:sp3d/>
-    <dgm:txPr/>
-    <dgm:style>
-      <a:lnRef idx="2">
-        <a:scrgbClr r="0" g="0" b="0"/>
-      </a:lnRef>
-      <a:fillRef idx="1">
-        <a:scrgbClr r="0" g="0" b="0"/>
-      </a:fillRef>
-      <a:effectRef idx="0">
-        <a:scrgbClr r="0" g="0" b="0"/>
-      </a:effectRef>
-      <a:fontRef idx="minor">
-        <a:schemeClr val="lt1"/>
-      </a:fontRef>
-    </dgm:style>
-  </dgm:styleLbl>
-  <dgm:styleLbl name="fgImgPlace1">
-    <dgm:scene3d>
-      <a:camera prst="orthographicFront"/>
-      <a:lightRig rig="threePt" dir="t"/>
-    </dgm:scene3d>
-    <dgm:sp3d/>
-    <dgm:txPr/>
-    <dgm:style>
-      <a:lnRef idx="2">
-        <a:scrgbClr r="0" g="0" b="0"/>
-      </a:lnRef>
-      <a:fillRef idx="1">
-        <a:scrgbClr r="0" g="0" b="0"/>
-      </a:fillRef>
-      <a:effectRef idx="0">
-        <a:scrgbClr r="0" g="0" b="0"/>
-      </a:effectRef>
-      <a:fontRef idx="minor"/>
-    </dgm:style>
-  </dgm:styleLbl>
-  <dgm:styleLbl name="alignImgPlace1">
-    <dgm:scene3d>
-      <a:camera prst="orthographicFront"/>
-      <a:lightRig rig="threePt" dir="t"/>
-    </dgm:scene3d>
-    <dgm:sp3d/>
-    <dgm:txPr/>
-    <dgm:style>
-      <a:lnRef idx="2">
-        <a:scrgbClr r="0" g="0" b="0"/>
-      </a:lnRef>
-      <a:fillRef idx="1">
-        <a:scrgbClr r="0" g="0" b="0"/>
-      </a:fillRef>
-      <a:effectRef idx="0">
-        <a:scrgbClr r="0" g="0" b="0"/>
-      </a:effectRef>
-      <a:fontRef idx="minor"/>
-    </dgm:style>
-  </dgm:styleLbl>
-  <dgm:styleLbl name="bgImgPlace1">
-    <dgm:scene3d>
-      <a:camera prst="orthographicFront"/>
-      <a:lightRig rig="threePt" dir="t"/>
-    </dgm:scene3d>
-    <dgm:sp3d/>
-    <dgm:txPr/>
-    <dgm:style>
-      <a:lnRef idx="2">
-        <a:scrgbClr r="0" g="0" b="0"/>
-      </a:lnRef>
-      <a:fillRef idx="1">
-        <a:scrgbClr r="0" g="0" b="0"/>
-      </a:fillRef>
-      <a:effectRef idx="0">
-        <a:scrgbClr r="0" g="0" b="0"/>
-      </a:effectRef>
-      <a:fontRef idx="minor"/>
-    </dgm:style>
-  </dgm:styleLbl>
-  <dgm:styleLbl name="sibTrans2D1">
-    <dgm:scene3d>
-      <a:camera prst="orthographicFront"/>
-      <a:lightRig rig="threePt" dir="t"/>
-    </dgm:scene3d>
-    <dgm:sp3d/>
-    <dgm:txPr/>
-    <dgm:style>
-      <a:lnRef idx="0">
-        <a:scrgbClr r="0" g="0" b="0"/>
-      </a:lnRef>
-      <a:fillRef idx="1">
-        <a:scrgbClr r="0" g="0" b="0"/>
-      </a:fillRef>
-      <a:effectRef idx="0">
-        <a:scrgbClr r="0" g="0" b="0"/>
-      </a:effectRef>
-      <a:fontRef idx="minor">
-        <a:schemeClr val="lt1"/>
-      </a:fontRef>
-    </dgm:style>
-  </dgm:styleLbl>
-  <dgm:styleLbl name="fgSibTrans2D1">
-    <dgm:scene3d>
-      <a:camera prst="orthographicFront"/>
-      <a:lightRig rig="threePt" dir="t"/>
-    </dgm:scene3d>
-    <dgm:sp3d/>
-    <dgm:txPr/>
-    <dgm:style>
-      <a:lnRef idx="0">
-        <a:scrgbClr r="0" g="0" b="0"/>
-      </a:lnRef>
-      <a:fillRef idx="1">
-        <a:scrgbClr r="0" g="0" b="0"/>
-      </a:fillRef>
-      <a:effectRef idx="0">
-        <a:scrgbClr r="0" g="0" b="0"/>
-      </a:effectRef>
-      <a:fontRef idx="minor">
-        <a:schemeClr val="lt1"/>
-      </a:fontRef>
-    </dgm:style>
-  </dgm:styleLbl>
-  <dgm:styleLbl name="bgSibTrans2D1">
-    <dgm:scene3d>
-      <a:camera prst="orthographicFront"/>
-      <a:lightRig rig="threePt" dir="t"/>
-    </dgm:scene3d>
-    <dgm:sp3d/>
-    <dgm:txPr/>
-    <dgm:style>
-      <a:lnRef idx="0">
-        <a:scrgbClr r="0" g="0" b="0"/>
-      </a:lnRef>
-      <a:fillRef idx="1">
-        <a:scrgbClr r="0" g="0" b="0"/>
-      </a:fillRef>
-      <a:effectRef idx="0">
-        <a:scrgbClr r="0" g="0" b="0"/>
-      </a:effectRef>
-      <a:fontRef idx="minor">
-        <a:schemeClr val="lt1"/>
-      </a:fontRef>
-    </dgm:style>
-  </dgm:styleLbl>
-  <dgm:styleLbl name="sibTrans1D1">
-    <dgm:scene3d>
-      <a:camera prst="orthographicFront"/>
-      <a:lightRig rig="threePt" dir="t"/>
-    </dgm:scene3d>
-    <dgm:sp3d/>
-    <dgm:txPr/>
-    <dgm:style>
-      <a:lnRef idx="1">
-        <a:scrgbClr r="0" g="0" b="0"/>
-      </a:lnRef>
-      <a:fillRef idx="0">
-        <a:scrgbClr r="0" g="0" b="0"/>
-      </a:fillRef>
-      <a:effectRef idx="0">
-        <a:scrgbClr r="0" g="0" b="0"/>
-      </a:effectRef>
-      <a:fontRef idx="minor"/>
-    </dgm:style>
-  </dgm:styleLbl>
-  <dgm:styleLbl name="callout">
-    <dgm:scene3d>
-      <a:camera prst="orthographicFront"/>
-      <a:lightRig rig="threePt" dir="t"/>
-    </dgm:scene3d>
-    <dgm:sp3d/>
-    <dgm:txPr/>
-    <dgm:style>
-      <a:lnRef idx="2">
-        <a:scrgbClr r="0" g="0" b="0"/>
-      </a:lnRef>
-      <a:fillRef idx="1">
-        <a:scrgbClr r="0" g="0" b="0"/>
-      </a:fillRef>
-      <a:effectRef idx="0">
-        <a:scrgbClr r="0" g="0" b="0"/>
-      </a:effectRef>
-      <a:fontRef idx="minor"/>
-    </dgm:style>
-  </dgm:styleLbl>
-  <dgm:styleLbl name="asst0">
-    <dgm:scene3d>
-      <a:camera prst="orthographicFront"/>
-      <a:lightRig rig="threePt" dir="t"/>
-    </dgm:scene3d>
-    <dgm:sp3d/>
-    <dgm:txPr/>
-    <dgm:style>
-      <a:lnRef idx="2">
-        <a:scrgbClr r="0" g="0" b="0"/>
-      </a:lnRef>
-      <a:fillRef idx="1">
-        <a:scrgbClr r="0" g="0" b="0"/>
-      </a:fillRef>
-      <a:effectRef idx="0">
-        <a:scrgbClr r="0" g="0" b="0"/>
-      </a:effectRef>
-      <a:fontRef idx="minor">
-        <a:schemeClr val="lt1"/>
-      </a:fontRef>
-    </dgm:style>
-  </dgm:styleLbl>
-  <dgm:styleLbl name="asst1">
-    <dgm:scene3d>
-      <a:camera prst="orthographicFront"/>
-      <a:lightRig rig="threePt" dir="t"/>
-    </dgm:scene3d>
-    <dgm:sp3d/>
-    <dgm:txPr/>
-    <dgm:style>
-      <a:lnRef idx="2">
-        <a:scrgbClr r="0" g="0" b="0"/>
-      </a:lnRef>
-      <a:fillRef idx="1">
-        <a:scrgbClr r="0" g="0" b="0"/>
-      </a:fillRef>
-      <a:effectRef idx="0">
-        <a:scrgbClr r="0" g="0" b="0"/>
-      </a:effectRef>
-      <a:fontRef idx="minor">
-        <a:schemeClr val="lt1"/>
-      </a:fontRef>
-    </dgm:style>
-  </dgm:styleLbl>
-  <dgm:styleLbl name="asst2">
-    <dgm:scene3d>
-      <a:camera prst="orthographicFront"/>
-      <a:lightRig rig="threePt" dir="t"/>
-    </dgm:scene3d>
-    <dgm:sp3d/>
-    <dgm:txPr/>
-    <dgm:style>
-      <a:lnRef idx="2">
-        <a:scrgbClr r="0" g="0" b="0"/>
-      </a:lnRef>
-      <a:fillRef idx="1">
-        <a:scrgbClr r="0" g="0" b="0"/>
-      </a:fillRef>
-      <a:effectRef idx="0">
-        <a:scrgbClr r="0" g="0" b="0"/>
-      </a:effectRef>
-      <a:fontRef idx="minor">
-        <a:schemeClr val="lt1"/>
-      </a:fontRef>
-    </dgm:style>
-  </dgm:styleLbl>
-  <dgm:styleLbl name="asst3">
-    <dgm:scene3d>
-      <a:camera prst="orthographicFront"/>
-      <a:lightRig rig="threePt" dir="t"/>
-    </dgm:scene3d>
-    <dgm:sp3d/>
-    <dgm:txPr/>
-    <dgm:style>
-      <a:lnRef idx="2">
-        <a:scrgbClr r="0" g="0" b="0"/>
-      </a:lnRef>
-      <a:fillRef idx="1">
-        <a:scrgbClr r="0" g="0" b="0"/>
-      </a:fillRef>
-      <a:effectRef idx="0">
-        <a:scrgbClr r="0" g="0" b="0"/>
-      </a:effectRef>
-      <a:fontRef idx="minor">
-        <a:schemeClr val="lt1"/>
-      </a:fontRef>
-    </dgm:style>
-  </dgm:styleLbl>
-  <dgm:styleLbl name="asst4">
-    <dgm:scene3d>
-      <a:camera prst="orthographicFront"/>
-      <a:lightRig rig="threePt" dir="t"/>
-    </dgm:scene3d>
-    <dgm:sp3d/>
-    <dgm:txPr/>
-    <dgm:style>
-      <a:lnRef idx="2">
-        <a:scrgbClr r="0" g="0" b="0"/>
-      </a:lnRef>
-      <a:fillRef idx="1">
-        <a:scrgbClr r="0" g="0" b="0"/>
-      </a:fillRef>
-      <a:effectRef idx="0">
-        <a:scrgbClr r="0" g="0" b="0"/>
-      </a:effectRef>
-      <a:fontRef idx="minor">
-        <a:schemeClr val="lt1"/>
-      </a:fontRef>
-    </dgm:style>
-  </dgm:styleLbl>
-  <dgm:styleLbl name="parChTrans2D1">
-    <dgm:scene3d>
-      <a:camera prst="orthographicFront"/>
-      <a:lightRig rig="threePt" dir="t"/>
-    </dgm:scene3d>
-    <dgm:sp3d/>
-    <dgm:txPr/>
-    <dgm:style>
-      <a:lnRef idx="2">
-        <a:scrgbClr r="0" g="0" b="0"/>
-      </a:lnRef>
-      <a:fillRef idx="1">
-        <a:scrgbClr r="0" g="0" b="0"/>
-      </a:fillRef>
-      <a:effectRef idx="0">
-        <a:scrgbClr r="0" g="0" b="0"/>
-      </a:effectRef>
-      <a:fontRef idx="minor">
-        <a:schemeClr val="lt1"/>
-      </a:fontRef>
-    </dgm:style>
-  </dgm:styleLbl>
-  <dgm:styleLbl name="parChTrans2D2">
-    <dgm:scene3d>
-      <a:camera prst="orthographicFront"/>
-      <a:lightRig rig="threePt" dir="t"/>
-    </dgm:scene3d>
-    <dgm:sp3d/>
-    <dgm:txPr/>
-    <dgm:style>
-      <a:lnRef idx="2">
-        <a:scrgbClr r="0" g="0" b="0"/>
-      </a:lnRef>
-      <a:fillRef idx="1">
-        <a:scrgbClr r="0" g="0" b="0"/>
-      </a:fillRef>
-      <a:effectRef idx="0">
-        <a:scrgbClr r="0" g="0" b="0"/>
-      </a:effectRef>
-      <a:fontRef idx="minor">
-        <a:schemeClr val="lt1"/>
-      </a:fontRef>
-    </dgm:style>
-  </dgm:styleLbl>
-  <dgm:styleLbl name="parChTrans2D3">
-    <dgm:scene3d>
-      <a:camera prst="orthographicFront"/>
-      <a:lightRig rig="threePt" dir="t"/>
-    </dgm:scene3d>
-    <dgm:sp3d/>
-    <dgm:txPr/>
-    <dgm:style>
-      <a:lnRef idx="2">
-        <a:scrgbClr r="0" g="0" b="0"/>
-      </a:lnRef>
-      <a:fillRef idx="1">
-        <a:scrgbClr r="0" g="0" b="0"/>
-      </a:fillRef>
-      <a:effectRef idx="0">
-        <a:scrgbClr r="0" g="0" b="0"/>
-      </a:effectRef>
-      <a:fontRef idx="minor">
-        <a:schemeClr val="lt1"/>
-      </a:fontRef>
-    </dgm:style>
-  </dgm:styleLbl>
-  <dgm:styleLbl name="parChTrans2D4">
-    <dgm:scene3d>
-      <a:camera prst="orthographicFront"/>
-      <a:lightRig rig="threePt" dir="t"/>
-    </dgm:scene3d>
-    <dgm:sp3d/>
-    <dgm:txPr/>
-    <dgm:style>
-      <a:lnRef idx="2">
-        <a:scrgbClr r="0" g="0" b="0"/>
-      </a:lnRef>
-      <a:fillRef idx="1">
-        <a:scrgbClr r="0" g="0" b="0"/>
-      </a:fillRef>
-      <a:effectRef idx="0">
-        <a:scrgbClr r="0" g="0" b="0"/>
-      </a:effectRef>
-      <a:fontRef idx="minor">
-        <a:schemeClr val="lt1"/>
-      </a:fontRef>
-    </dgm:style>
-  </dgm:styleLbl>
-  <dgm:styleLbl name="parChTrans1D1">
-    <dgm:scene3d>
-      <a:camera prst="orthographicFront"/>
-      <a:lightRig rig="threePt" dir="t"/>
-    </dgm:scene3d>
-    <dgm:sp3d/>
-    <dgm:txPr/>
-    <dgm:style>
-      <a:lnRef idx="2">
-        <a:scrgbClr r="0" g="0" b="0"/>
-      </a:lnRef>
-      <a:fillRef idx="0">
-        <a:scrgbClr r="0" g="0" b="0"/>
-      </a:fillRef>
-      <a:effectRef idx="0">
-        <a:scrgbClr r="0" g="0" b="0"/>
-      </a:effectRef>
-      <a:fontRef idx="minor"/>
-    </dgm:style>
-  </dgm:styleLbl>
-  <dgm:styleLbl name="parChTrans1D2">
-    <dgm:scene3d>
-      <a:camera prst="orthographicFront"/>
-      <a:lightRig rig="threePt" dir="t"/>
-    </dgm:scene3d>
-    <dgm:sp3d/>
-    <dgm:txPr/>
-    <dgm:style>
-      <a:lnRef idx="2">
-        <a:scrgbClr r="0" g="0" b="0"/>
-      </a:lnRef>
-      <a:fillRef idx="0">
-        <a:scrgbClr r="0" g="0" b="0"/>
-      </a:fillRef>
-      <a:effectRef idx="0">
-        <a:scrgbClr r="0" g="0" b="0"/>
-      </a:effectRef>
-      <a:fontRef idx="minor"/>
-    </dgm:style>
-  </dgm:styleLbl>
-  <dgm:styleLbl name="parChTrans1D3">
-    <dgm:scene3d>
-      <a:camera prst="orthographicFront"/>
-      <a:lightRig rig="threePt" dir="t"/>
-    </dgm:scene3d>
-    <dgm:sp3d/>
-    <dgm:txPr/>
-    <dgm:style>
-      <a:lnRef idx="2">
-        <a:scrgbClr r="0" g="0" b="0"/>
-      </a:lnRef>
-      <a:fillRef idx="0">
-        <a:scrgbClr r="0" g="0" b="0"/>
-      </a:fillRef>
-      <a:effectRef idx="0">
-        <a:scrgbClr r="0" g="0" b="0"/>
-      </a:effectRef>
-      <a:fontRef idx="minor"/>
-    </dgm:style>
-  </dgm:styleLbl>
-  <dgm:styleLbl name="parChTrans1D4">
-    <dgm:scene3d>
-      <a:camera prst="orthographicFront"/>
-      <a:lightRig rig="threePt" dir="t"/>
-    </dgm:scene3d>
-    <dgm:sp3d/>
-    <dgm:txPr/>
-    <dgm:style>
-      <a:lnRef idx="2">
-        <a:scrgbClr r="0" g="0" b="0"/>
-      </a:lnRef>
-      <a:fillRef idx="0">
-        <a:scrgbClr r="0" g="0" b="0"/>
-      </a:fillRef>
-      <a:effectRef idx="0">
-        <a:scrgbClr r="0" g="0" b="0"/>
-      </a:effectRef>
-      <a:fontRef idx="minor"/>
-    </dgm:style>
-  </dgm:styleLbl>
-  <dgm:styleLbl name="fgAcc1">
-    <dgm:scene3d>
-      <a:camera prst="orthographicFront"/>
-      <a:lightRig rig="threePt" dir="t"/>
-    </dgm:scene3d>
-    <dgm:sp3d/>
-    <dgm:txPr/>
-    <dgm:style>
-      <a:lnRef idx="2">
-        <a:scrgbClr r="0" g="0" b="0"/>
-      </a:lnRef>
-      <a:fillRef idx="1">
-        <a:scrgbClr r="0" g="0" b="0"/>
-      </a:fillRef>
-      <a:effectRef idx="0">
-        <a:scrgbClr r="0" g="0" b="0"/>
-      </a:effectRef>
-      <a:fontRef idx="minor"/>
-    </dgm:style>
-  </dgm:styleLbl>
-  <dgm:styleLbl name="conFgAcc1">
-    <dgm:scene3d>
-      <a:camera prst="orthographicFront"/>
-      <a:lightRig rig="threePt" dir="t"/>
-    </dgm:scene3d>
-    <dgm:sp3d/>
-    <dgm:txPr/>
-    <dgm:style>
-      <a:lnRef idx="2">
-        <a:scrgbClr r="0" g="0" b="0"/>
-      </a:lnRef>
-      <a:fillRef idx="1">
-        <a:scrgbClr r="0" g="0" b="0"/>
-      </a:fillRef>
-      <a:effectRef idx="0">
-        <a:scrgbClr r="0" g="0" b="0"/>
-      </a:effectRef>
-      <a:fontRef idx="minor"/>
-    </dgm:style>
-  </dgm:styleLbl>
-  <dgm:styleLbl name="alignAcc1">
-    <dgm:scene3d>
-      <a:camera prst="orthographicFront"/>
-      <a:lightRig rig="threePt" dir="t"/>
-    </dgm:scene3d>
-    <dgm:sp3d/>
-    <dgm:txPr/>
-    <dgm:style>
-      <a:lnRef idx="2">
-        <a:scrgbClr r="0" g="0" b="0"/>
-      </a:lnRef>
-      <a:fillRef idx="1">
-        <a:scrgbClr r="0" g="0" b="0"/>
-      </a:fillRef>
-      <a:effectRef idx="0">
-        <a:scrgbClr r="0" g="0" b="0"/>
-      </a:effectRef>
-      <a:fontRef idx="minor"/>
-    </dgm:style>
-  </dgm:styleLbl>
-  <dgm:styleLbl name="trAlignAcc1">
-    <dgm:scene3d>
-      <a:camera prst="orthographicFront"/>
-      <a:lightRig rig="threePt" dir="t"/>
-    </dgm:scene3d>
-    <dgm:sp3d/>
-    <dgm:txPr/>
-    <dgm:style>
-      <a:lnRef idx="1">
-        <a:scrgbClr r="0" g="0" b="0"/>
-      </a:lnRef>
-      <a:fillRef idx="1">
-        <a:scrgbClr r="0" g="0" b="0"/>
-      </a:fillRef>
-      <a:effectRef idx="0">
-        <a:scrgbClr r="0" g="0" b="0"/>
-      </a:effectRef>
-      <a:fontRef idx="minor"/>
-    </dgm:style>
-  </dgm:styleLbl>
-  <dgm:styleLbl name="bgAcc1">
-    <dgm:scene3d>
-      <a:camera prst="orthographicFront"/>
-      <a:lightRig rig="threePt" dir="t"/>
-    </dgm:scene3d>
-    <dgm:sp3d/>
-    <dgm:txPr/>
-    <dgm:style>
-      <a:lnRef idx="2">
-        <a:scrgbClr r="0" g="0" b="0"/>
-      </a:lnRef>
-      <a:fillRef idx="1">
-        <a:scrgbClr r="0" g="0" b="0"/>
-      </a:fillRef>
-      <a:effectRef idx="0">
-        <a:scrgbClr r="0" g="0" b="0"/>
-      </a:effectRef>
-      <a:fontRef idx="minor"/>
-    </dgm:style>
-  </dgm:styleLbl>
-  <dgm:styleLbl name="solidFgAcc1">
-    <dgm:scene3d>
-      <a:camera prst="orthographicFront"/>
-      <a:lightRig rig="threePt" dir="t"/>
-    </dgm:scene3d>
-    <dgm:sp3d/>
-    <dgm:txPr/>
-    <dgm:style>
-      <a:lnRef idx="2">
-        <a:scrgbClr r="0" g="0" b="0"/>
-      </a:lnRef>
-      <a:fillRef idx="1">
-        <a:scrgbClr r="0" g="0" b="0"/>
-      </a:fillRef>
-      <a:effectRef idx="0">
-        <a:scrgbClr r="0" g="0" b="0"/>
-      </a:effectRef>
-      <a:fontRef idx="minor"/>
-    </dgm:style>
-  </dgm:styleLbl>
-  <dgm:styleLbl name="solidAlignAcc1">
-    <dgm:scene3d>
-      <a:camera prst="orthographicFront"/>
-      <a:lightRig rig="threePt" dir="t"/>
-    </dgm:scene3d>
-    <dgm:sp3d/>
-    <dgm:txPr/>
-    <dgm:style>
-      <a:lnRef idx="2">
-        <a:scrgbClr r="0" g="0" b="0"/>
-      </a:lnRef>
-      <a:fillRef idx="1">
-        <a:scrgbClr r="0" g="0" b="0"/>
-      </a:fillRef>
-      <a:effectRef idx="0">
-        <a:scrgbClr r="0" g="0" b="0"/>
-      </a:effectRef>
-      <a:fontRef idx="minor"/>
-    </dgm:style>
-  </dgm:styleLbl>
-  <dgm:styleLbl name="solidBgAcc1">
-    <dgm:scene3d>
-      <a:camera prst="orthographicFront"/>
-      <a:lightRig rig="threePt" dir="t"/>
-    </dgm:scene3d>
-    <dgm:sp3d/>
-    <dgm:txPr/>
-    <dgm:style>
-      <a:lnRef idx="2">
-        <a:scrgbClr r="0" g="0" b="0"/>
-      </a:lnRef>
-      <a:fillRef idx="1">
-        <a:scrgbClr r="0" g="0" b="0"/>
-      </a:fillRef>
-      <a:effectRef idx="0">
-        <a:scrgbClr r="0" g="0" b="0"/>
-      </a:effectRef>
-      <a:fontRef idx="minor"/>
-    </dgm:style>
-  </dgm:styleLbl>
-  <dgm:styleLbl name="fgAccFollowNode1">
-    <dgm:scene3d>
-      <a:camera prst="orthographicFront"/>
-      <a:lightRig rig="threePt" dir="t"/>
-    </dgm:scene3d>
-    <dgm:sp3d/>
-    <dgm:txPr/>
-    <dgm:style>
-      <a:lnRef idx="2">
-        <a:scrgbClr r="0" g="0" b="0"/>
-      </a:lnRef>
-      <a:fillRef idx="1">
-        <a:scrgbClr r="0" g="0" b="0"/>
-      </a:fillRef>
-      <a:effectRef idx="0">
-        <a:scrgbClr r="0" g="0" b="0"/>
-      </a:effectRef>
-      <a:fontRef idx="minor"/>
-    </dgm:style>
-  </dgm:styleLbl>
-  <dgm:styleLbl name="alignAccFollowNode1">
-    <dgm:scene3d>
-      <a:camera prst="orthographicFront"/>
-      <a:lightRig rig="threePt" dir="t"/>
-    </dgm:scene3d>
-    <dgm:sp3d/>
-    <dgm:txPr/>
-    <dgm:style>
-      <a:lnRef idx="2">
-        <a:scrgbClr r="0" g="0" b="0"/>
-      </a:lnRef>
-      <a:fillRef idx="1">
-        <a:scrgbClr r="0" g="0" b="0"/>
-      </a:fillRef>
-      <a:effectRef idx="0">
-        <a:scrgbClr r="0" g="0" b="0"/>
-      </a:effectRef>
-      <a:fontRef idx="minor"/>
-    </dgm:style>
-  </dgm:styleLbl>
-  <dgm:styleLbl name="bgAccFollowNode1">
-    <dgm:scene3d>
-      <a:camera prst="orthographicFront"/>
-      <a:lightRig rig="threePt" dir="t"/>
-    </dgm:scene3d>
-    <dgm:sp3d/>
-    <dgm:txPr/>
-    <dgm:style>
-      <a:lnRef idx="2">
-        <a:scrgbClr r="0" g="0" b="0"/>
-      </a:lnRef>
-      <a:fillRef idx="1">
-        <a:scrgbClr r="0" g="0" b="0"/>
-      </a:fillRef>
-      <a:effectRef idx="0">
-        <a:scrgbClr r="0" g="0" b="0"/>
-      </a:effectRef>
-      <a:fontRef idx="minor"/>
-    </dgm:style>
-  </dgm:styleLbl>
-  <dgm:styleLbl name="fgAcc0">
-    <dgm:scene3d>
-      <a:camera prst="orthographicFront"/>
-      <a:lightRig rig="threePt" dir="t"/>
-    </dgm:scene3d>
-    <dgm:sp3d/>
-    <dgm:txPr/>
-    <dgm:style>
-      <a:lnRef idx="2">
-        <a:scrgbClr r="0" g="0" b="0"/>
-      </a:lnRef>
-      <a:fillRef idx="1">
-        <a:scrgbClr r="0" g="0" b="0"/>
-      </a:fillRef>
-      <a:effectRef idx="0">
-        <a:scrgbClr r="0" g="0" b="0"/>
-      </a:effectRef>
-      <a:fontRef idx="minor"/>
-    </dgm:style>
-  </dgm:styleLbl>
-  <dgm:styleLbl name="fgAcc2">
-    <dgm:scene3d>
-      <a:camera prst="orthographicFront"/>
-      <a:lightRig rig="threePt" dir="t"/>
-    </dgm:scene3d>
-    <dgm:sp3d/>
-    <dgm:txPr/>
-    <dgm:style>
-      <a:lnRef idx="2">
-        <a:scrgbClr r="0" g="0" b="0"/>
-      </a:lnRef>
-      <a:fillRef idx="1">
-        <a:scrgbClr r="0" g="0" b="0"/>
-      </a:fillRef>
-      <a:effectRef idx="0">
-        <a:scrgbClr r="0" g="0" b="0"/>
-      </a:effectRef>
-      <a:fontRef idx="minor"/>
-    </dgm:style>
-  </dgm:styleLbl>
-  <dgm:styleLbl name="fgAcc3">
-    <dgm:scene3d>
-      <a:camera prst="orthographicFront"/>
-      <a:lightRig rig="threePt" dir="t"/>
-    </dgm:scene3d>
-    <dgm:sp3d/>
-    <dgm:txPr/>
-    <dgm:style>
-      <a:lnRef idx="2">
-        <a:scrgbClr r="0" g="0" b="0"/>
-      </a:lnRef>
-      <a:fillRef idx="1">
-        <a:scrgbClr r="0" g="0" b="0"/>
-      </a:fillRef>
-      <a:effectRef idx="0">
-        <a:scrgbClr r="0" g="0" b="0"/>
-      </a:effectRef>
-      <a:fontRef idx="minor"/>
-    </dgm:style>
-  </dgm:styleLbl>
-  <dgm:styleLbl name="fgAcc4">
-    <dgm:scene3d>
-      <a:camera prst="orthographicFront"/>
-      <a:lightRig rig="threePt" dir="t"/>
-    </dgm:scene3d>
-    <dgm:sp3d/>
-    <dgm:txPr/>
-    <dgm:style>
-      <a:lnRef idx="2">
-        <a:scrgbClr r="0" g="0" b="0"/>
-      </a:lnRef>
-      <a:fillRef idx="1">
-        <a:scrgbClr r="0" g="0" b="0"/>
-      </a:fillRef>
-      <a:effectRef idx="0">
-        <a:scrgbClr r="0" g="0" b="0"/>
-      </a:effectRef>
-      <a:fontRef idx="minor"/>
-    </dgm:style>
-  </dgm:styleLbl>
-  <dgm:styleLbl name="bgShp">
-    <dgm:scene3d>
-      <a:camera prst="orthographicFront"/>
-      <a:lightRig rig="threePt" dir="t"/>
-    </dgm:scene3d>
-    <dgm:sp3d/>
-    <dgm:txPr/>
-    <dgm:style>
-      <a:lnRef idx="0">
-        <a:scrgbClr r="0" g="0" b="0"/>
-      </a:lnRef>
-      <a:fillRef idx="1">
-        <a:scrgbClr r="0" g="0" b="0"/>
-      </a:fillRef>
-      <a:effectRef idx="0">
-        <a:scrgbClr r="0" g="0" b="0"/>
-      </a:effectRef>
-      <a:fontRef idx="minor"/>
-    </dgm:style>
-  </dgm:styleLbl>
-  <dgm:styleLbl name="dkBgShp">
-    <dgm:scene3d>
-      <a:camera prst="orthographicFront"/>
-      <a:lightRig rig="threePt" dir="t"/>
-    </dgm:scene3d>
-    <dgm:sp3d/>
-    <dgm:txPr/>
-    <dgm:style>
-      <a:lnRef idx="0">
-        <a:scrgbClr r="0" g="0" b="0"/>
-      </a:lnRef>
-      <a:fillRef idx="1">
-        <a:scrgbClr r="0" g="0" b="0"/>
-      </a:fillRef>
-      <a:effectRef idx="0">
-        <a:scrgbClr r="0" g="0" b="0"/>
-      </a:effectRef>
-      <a:fontRef idx="minor"/>
-    </dgm:style>
-  </dgm:styleLbl>
-  <dgm:styleLbl name="trBgShp">
-    <dgm:scene3d>
-      <a:camera prst="orthographicFront"/>
-      <a:lightRig rig="threePt" dir="t"/>
-    </dgm:scene3d>
-    <dgm:sp3d/>
-    <dgm:txPr/>
-    <dgm:style>
-      <a:lnRef idx="0">
-        <a:scrgbClr r="0" g="0" b="0"/>
-      </a:lnRef>
-      <a:fillRef idx="1">
-        <a:scrgbClr r="0" g="0" b="0"/>
-      </a:fillRef>
-      <a:effectRef idx="0">
-        <a:scrgbClr r="0" g="0" b="0"/>
-      </a:effectRef>
-      <a:fontRef idx="minor"/>
-    </dgm:style>
-  </dgm:styleLbl>
-  <dgm:styleLbl name="fgShp">
-    <dgm:scene3d>
-      <a:camera prst="orthographicFront"/>
-      <a:lightRig rig="threePt" dir="t"/>
-    </dgm:scene3d>
-    <dgm:sp3d/>
-    <dgm:txPr/>
-    <dgm:style>
-      <a:lnRef idx="2">
-        <a:scrgbClr r="0" g="0" b="0"/>
-      </a:lnRef>
-      <a:fillRef idx="1">
-        <a:scrgbClr r="0" g="0" b="0"/>
-      </a:fillRef>
-      <a:effectRef idx="0">
         <a:scrgbClr r="0" g="0" b="0"/>
       </a:effectRef>
       <a:fontRef idx="minor"/>
@@ -23545,8 +20922,8 @@
           </a:graphicData>
         </a:graphic>
       </p:graphicFrame>
-      <mc:AlternateContent xmlns:mc="http://schemas.openxmlformats.org/markup-compatibility/2006">
-        <mc:Choice xmlns:p14="http://schemas.microsoft.com/office/powerpoint/2010/main" Requires="p14">
+      <mc:AlternateContent xmlns:mc="http://schemas.openxmlformats.org/markup-compatibility/2006" xmlns:p14="http://schemas.microsoft.com/office/powerpoint/2010/main">
+        <mc:Choice Requires="p14">
           <p:contentPart p14:bwMode="auto" r:id="rId3">
             <p14:nvContentPartPr>
               <p14:cNvPr id="2" name="Entrée manuscrite 1">
@@ -23565,7 +20942,7 @@
             </p14:xfrm>
           </p:contentPart>
         </mc:Choice>
-        <mc:Fallback>
+        <mc:Fallback xmlns="">
           <p:pic>
             <p:nvPicPr>
               <p:cNvPr id="2" name="Entrée manuscrite 1">
@@ -24209,8 +21586,8 @@
           </a:graphicData>
         </a:graphic>
       </p:graphicFrame>
-      <mc:AlternateContent xmlns:mc="http://schemas.openxmlformats.org/markup-compatibility/2006">
-        <mc:Choice xmlns:p14="http://schemas.microsoft.com/office/powerpoint/2010/main" Requires="p14">
+      <mc:AlternateContent xmlns:mc="http://schemas.openxmlformats.org/markup-compatibility/2006" xmlns:p14="http://schemas.microsoft.com/office/powerpoint/2010/main">
+        <mc:Choice Requires="p14">
           <p:contentPart p14:bwMode="auto" r:id="rId3">
             <p14:nvContentPartPr>
               <p14:cNvPr id="11" name="Entrée manuscrite 10">
@@ -24229,7 +21606,7 @@
             </p14:xfrm>
           </p:contentPart>
         </mc:Choice>
-        <mc:Fallback>
+        <mc:Fallback xmlns="">
           <p:pic>
             <p:nvPicPr>
               <p:cNvPr id="11" name="Entrée manuscrite 10">
@@ -24260,8 +21637,8 @@
           </p:pic>
         </mc:Fallback>
       </mc:AlternateContent>
-      <mc:AlternateContent xmlns:mc="http://schemas.openxmlformats.org/markup-compatibility/2006">
-        <mc:Choice xmlns:p14="http://schemas.microsoft.com/office/powerpoint/2010/main" Requires="p14">
+      <mc:AlternateContent xmlns:mc="http://schemas.openxmlformats.org/markup-compatibility/2006" xmlns:p14="http://schemas.microsoft.com/office/powerpoint/2010/main">
+        <mc:Choice Requires="p14">
           <p:contentPart p14:bwMode="auto" r:id="rId5">
             <p14:nvContentPartPr>
               <p14:cNvPr id="12" name="Entrée manuscrite 11">
@@ -24280,7 +21657,7 @@
             </p14:xfrm>
           </p:contentPart>
         </mc:Choice>
-        <mc:Fallback>
+        <mc:Fallback xmlns="">
           <p:pic>
             <p:nvPicPr>
               <p:cNvPr id="12" name="Entrée manuscrite 11">
@@ -24311,8 +21688,8 @@
           </p:pic>
         </mc:Fallback>
       </mc:AlternateContent>
-      <mc:AlternateContent xmlns:mc="http://schemas.openxmlformats.org/markup-compatibility/2006">
-        <mc:Choice xmlns:p14="http://schemas.microsoft.com/office/powerpoint/2010/main" Requires="p14">
+      <mc:AlternateContent xmlns:mc="http://schemas.openxmlformats.org/markup-compatibility/2006" xmlns:p14="http://schemas.microsoft.com/office/powerpoint/2010/main">
+        <mc:Choice Requires="p14">
           <p:contentPart p14:bwMode="auto" r:id="rId7">
             <p14:nvContentPartPr>
               <p14:cNvPr id="14" name="Entrée manuscrite 13">
@@ -24331,7 +21708,7 @@
             </p14:xfrm>
           </p:contentPart>
         </mc:Choice>
-        <mc:Fallback>
+        <mc:Fallback xmlns="">
           <p:pic>
             <p:nvPicPr>
               <p:cNvPr id="14" name="Entrée manuscrite 13">
@@ -24362,8 +21739,8 @@
           </p:pic>
         </mc:Fallback>
       </mc:AlternateContent>
-      <mc:AlternateContent xmlns:mc="http://schemas.openxmlformats.org/markup-compatibility/2006">
-        <mc:Choice xmlns:p14="http://schemas.microsoft.com/office/powerpoint/2010/main" Requires="p14">
+      <mc:AlternateContent xmlns:mc="http://schemas.openxmlformats.org/markup-compatibility/2006" xmlns:p14="http://schemas.microsoft.com/office/powerpoint/2010/main">
+        <mc:Choice Requires="p14">
           <p:contentPart p14:bwMode="auto" r:id="rId9">
             <p14:nvContentPartPr>
               <p14:cNvPr id="16" name="Entrée manuscrite 15">
@@ -24382,7 +21759,7 @@
             </p14:xfrm>
           </p:contentPart>
         </mc:Choice>
-        <mc:Fallback>
+        <mc:Fallback xmlns="">
           <p:pic>
             <p:nvPicPr>
               <p:cNvPr id="16" name="Entrée manuscrite 15">
@@ -24413,8 +21790,8 @@
           </p:pic>
         </mc:Fallback>
       </mc:AlternateContent>
-      <mc:AlternateContent xmlns:mc="http://schemas.openxmlformats.org/markup-compatibility/2006">
-        <mc:Choice xmlns:p14="http://schemas.microsoft.com/office/powerpoint/2010/main" Requires="p14">
+      <mc:AlternateContent xmlns:mc="http://schemas.openxmlformats.org/markup-compatibility/2006" xmlns:p14="http://schemas.microsoft.com/office/powerpoint/2010/main">
+        <mc:Choice Requires="p14">
           <p:contentPart p14:bwMode="auto" r:id="rId11">
             <p14:nvContentPartPr>
               <p14:cNvPr id="17" name="Entrée manuscrite 16">
@@ -24433,7 +21810,7 @@
             </p14:xfrm>
           </p:contentPart>
         </mc:Choice>
-        <mc:Fallback>
+        <mc:Fallback xmlns="">
           <p:pic>
             <p:nvPicPr>
               <p:cNvPr id="17" name="Entrée manuscrite 16">
@@ -24464,8 +21841,8 @@
           </p:pic>
         </mc:Fallback>
       </mc:AlternateContent>
-      <mc:AlternateContent xmlns:mc="http://schemas.openxmlformats.org/markup-compatibility/2006">
-        <mc:Choice xmlns:p14="http://schemas.microsoft.com/office/powerpoint/2010/main" Requires="p14">
+      <mc:AlternateContent xmlns:mc="http://schemas.openxmlformats.org/markup-compatibility/2006" xmlns:p14="http://schemas.microsoft.com/office/powerpoint/2010/main">
+        <mc:Choice Requires="p14">
           <p:contentPart p14:bwMode="auto" r:id="rId13">
             <p14:nvContentPartPr>
               <p14:cNvPr id="18" name="Entrée manuscrite 17">
@@ -24484,7 +21861,7 @@
             </p14:xfrm>
           </p:contentPart>
         </mc:Choice>
-        <mc:Fallback>
+        <mc:Fallback xmlns="">
           <p:pic>
             <p:nvPicPr>
               <p:cNvPr id="18" name="Entrée manuscrite 17">
@@ -25128,8 +22505,8 @@
           </a:graphicData>
         </a:graphic>
       </p:graphicFrame>
-      <mc:AlternateContent xmlns:mc="http://schemas.openxmlformats.org/markup-compatibility/2006">
-        <mc:Choice xmlns:p14="http://schemas.microsoft.com/office/powerpoint/2010/main" Requires="p14">
+      <mc:AlternateContent xmlns:mc="http://schemas.openxmlformats.org/markup-compatibility/2006" xmlns:p14="http://schemas.microsoft.com/office/powerpoint/2010/main">
+        <mc:Choice Requires="p14">
           <p:contentPart p14:bwMode="auto" r:id="rId3">
             <p14:nvContentPartPr>
               <p14:cNvPr id="2" name="Entrée manuscrite 1">
@@ -25148,7 +22525,7 @@
             </p14:xfrm>
           </p:contentPart>
         </mc:Choice>
-        <mc:Fallback>
+        <mc:Fallback xmlns="">
           <p:pic>
             <p:nvPicPr>
               <p:cNvPr id="2" name="Entrée manuscrite 1">
@@ -25179,8 +22556,8 @@
           </p:pic>
         </mc:Fallback>
       </mc:AlternateContent>
-      <mc:AlternateContent xmlns:mc="http://schemas.openxmlformats.org/markup-compatibility/2006">
-        <mc:Choice xmlns:p14="http://schemas.microsoft.com/office/powerpoint/2010/main" Requires="p14">
+      <mc:AlternateContent xmlns:mc="http://schemas.openxmlformats.org/markup-compatibility/2006" xmlns:p14="http://schemas.microsoft.com/office/powerpoint/2010/main">
+        <mc:Choice Requires="p14">
           <p:contentPart p14:bwMode="auto" r:id="rId5">
             <p14:nvContentPartPr>
               <p14:cNvPr id="3" name="Entrée manuscrite 2">
@@ -25199,7 +22576,7 @@
             </p14:xfrm>
           </p:contentPart>
         </mc:Choice>
-        <mc:Fallback>
+        <mc:Fallback xmlns="">
           <p:pic>
             <p:nvPicPr>
               <p:cNvPr id="3" name="Entrée manuscrite 2">
@@ -25230,8 +22607,8 @@
           </p:pic>
         </mc:Fallback>
       </mc:AlternateContent>
-      <mc:AlternateContent xmlns:mc="http://schemas.openxmlformats.org/markup-compatibility/2006">
-        <mc:Choice xmlns:p14="http://schemas.microsoft.com/office/powerpoint/2010/main" Requires="p14">
+      <mc:AlternateContent xmlns:mc="http://schemas.openxmlformats.org/markup-compatibility/2006" xmlns:p14="http://schemas.microsoft.com/office/powerpoint/2010/main">
+        <mc:Choice Requires="p14">
           <p:contentPart p14:bwMode="auto" r:id="rId7">
             <p14:nvContentPartPr>
               <p14:cNvPr id="4" name="Entrée manuscrite 3">
@@ -25250,7 +22627,7 @@
             </p14:xfrm>
           </p:contentPart>
         </mc:Choice>
-        <mc:Fallback>
+        <mc:Fallback xmlns="">
           <p:pic>
             <p:nvPicPr>
               <p:cNvPr id="4" name="Entrée manuscrite 3">
@@ -25281,8 +22658,8 @@
           </p:pic>
         </mc:Fallback>
       </mc:AlternateContent>
-      <mc:AlternateContent xmlns:mc="http://schemas.openxmlformats.org/markup-compatibility/2006">
-        <mc:Choice xmlns:p14="http://schemas.microsoft.com/office/powerpoint/2010/main" Requires="p14">
+      <mc:AlternateContent xmlns:mc="http://schemas.openxmlformats.org/markup-compatibility/2006" xmlns:p14="http://schemas.microsoft.com/office/powerpoint/2010/main">
+        <mc:Choice Requires="p14">
           <p:contentPart p14:bwMode="auto" r:id="rId9">
             <p14:nvContentPartPr>
               <p14:cNvPr id="10" name="Entrée manuscrite 9">
@@ -25301,7 +22678,7 @@
             </p14:xfrm>
           </p:contentPart>
         </mc:Choice>
-        <mc:Fallback>
+        <mc:Fallback xmlns="">
           <p:pic>
             <p:nvPicPr>
               <p:cNvPr id="10" name="Entrée manuscrite 9">
@@ -25951,8 +23328,8 @@
           </a:graphicData>
         </a:graphic>
       </p:graphicFrame>
-      <mc:AlternateContent xmlns:mc="http://schemas.openxmlformats.org/markup-compatibility/2006">
-        <mc:Choice xmlns:p14="http://schemas.microsoft.com/office/powerpoint/2010/main" Requires="p14">
+      <mc:AlternateContent xmlns:mc="http://schemas.openxmlformats.org/markup-compatibility/2006" xmlns:p14="http://schemas.microsoft.com/office/powerpoint/2010/main">
+        <mc:Choice Requires="p14">
           <p:contentPart p14:bwMode="auto" r:id="rId3">
             <p14:nvContentPartPr>
               <p14:cNvPr id="2" name="Entrée manuscrite 1">
@@ -25971,7 +23348,7 @@
             </p14:xfrm>
           </p:contentPart>
         </mc:Choice>
-        <mc:Fallback>
+        <mc:Fallback xmlns="">
           <p:pic>
             <p:nvPicPr>
               <p:cNvPr id="2" name="Entrée manuscrite 1">
@@ -26627,8 +24004,8 @@
           </a:graphicData>
         </a:graphic>
       </p:graphicFrame>
-      <mc:AlternateContent xmlns:mc="http://schemas.openxmlformats.org/markup-compatibility/2006">
-        <mc:Choice xmlns:p14="http://schemas.microsoft.com/office/powerpoint/2010/main" Requires="p14">
+      <mc:AlternateContent xmlns:mc="http://schemas.openxmlformats.org/markup-compatibility/2006" xmlns:p14="http://schemas.microsoft.com/office/powerpoint/2010/main">
+        <mc:Choice Requires="p14">
           <p:contentPart p14:bwMode="auto" r:id="rId3">
             <p14:nvContentPartPr>
               <p14:cNvPr id="2" name="Entrée manuscrite 1">
@@ -26647,7 +24024,7 @@
             </p14:xfrm>
           </p:contentPart>
         </mc:Choice>
-        <mc:Fallback>
+        <mc:Fallback xmlns="">
           <p:pic>
             <p:nvPicPr>
               <p:cNvPr id="2" name="Entrée manuscrite 1">
@@ -26678,8 +24055,8 @@
           </p:pic>
         </mc:Fallback>
       </mc:AlternateContent>
-      <mc:AlternateContent xmlns:mc="http://schemas.openxmlformats.org/markup-compatibility/2006">
-        <mc:Choice xmlns:p14="http://schemas.microsoft.com/office/powerpoint/2010/main" Requires="p14">
+      <mc:AlternateContent xmlns:mc="http://schemas.openxmlformats.org/markup-compatibility/2006" xmlns:p14="http://schemas.microsoft.com/office/powerpoint/2010/main">
+        <mc:Choice Requires="p14">
           <p:contentPart p14:bwMode="auto" r:id="rId5">
             <p14:nvContentPartPr>
               <p14:cNvPr id="3" name="Entrée manuscrite 2">
@@ -26698,7 +24075,7 @@
             </p14:xfrm>
           </p:contentPart>
         </mc:Choice>
-        <mc:Fallback>
+        <mc:Fallback xmlns="">
           <p:pic>
             <p:nvPicPr>
               <p:cNvPr id="3" name="Entrée manuscrite 2">
@@ -26729,8 +24106,8 @@
           </p:pic>
         </mc:Fallback>
       </mc:AlternateContent>
-      <mc:AlternateContent xmlns:mc="http://schemas.openxmlformats.org/markup-compatibility/2006">
-        <mc:Choice xmlns:p14="http://schemas.microsoft.com/office/powerpoint/2010/main" Requires="p14">
+      <mc:AlternateContent xmlns:mc="http://schemas.openxmlformats.org/markup-compatibility/2006" xmlns:p14="http://schemas.microsoft.com/office/powerpoint/2010/main">
+        <mc:Choice Requires="p14">
           <p:contentPart p14:bwMode="auto" r:id="rId7">
             <p14:nvContentPartPr>
               <p14:cNvPr id="4" name="Entrée manuscrite 3">
@@ -26749,7 +24126,7 @@
             </p14:xfrm>
           </p:contentPart>
         </mc:Choice>
-        <mc:Fallback>
+        <mc:Fallback xmlns="">
           <p:pic>
             <p:nvPicPr>
               <p:cNvPr id="4" name="Entrée manuscrite 3">
@@ -26780,8 +24157,8 @@
           </p:pic>
         </mc:Fallback>
       </mc:AlternateContent>
-      <mc:AlternateContent xmlns:mc="http://schemas.openxmlformats.org/markup-compatibility/2006">
-        <mc:Choice xmlns:p14="http://schemas.microsoft.com/office/powerpoint/2010/main" Requires="p14">
+      <mc:AlternateContent xmlns:mc="http://schemas.openxmlformats.org/markup-compatibility/2006" xmlns:p14="http://schemas.microsoft.com/office/powerpoint/2010/main">
+        <mc:Choice Requires="p14">
           <p:contentPart p14:bwMode="auto" r:id="rId9">
             <p14:nvContentPartPr>
               <p14:cNvPr id="10" name="Entrée manuscrite 9">
@@ -26800,7 +24177,7 @@
             </p14:xfrm>
           </p:contentPart>
         </mc:Choice>
-        <mc:Fallback>
+        <mc:Fallback xmlns="">
           <p:pic>
             <p:nvPicPr>
               <p:cNvPr id="10" name="Entrée manuscrite 9">
@@ -30103,2900 +27480,6 @@
 </p:sld>
 </file>
 
-<file path=ppt/slides/slide25.xml><?xml version="1.0" encoding="utf-8"?>
-<p:sld xmlns:a="http://schemas.openxmlformats.org/drawingml/2006/main" xmlns:r="http://schemas.openxmlformats.org/officeDocument/2006/relationships" xmlns:p="http://schemas.openxmlformats.org/presentationml/2006/main">
-  <p:cSld>
-    <p:spTree>
-      <p:nvGrpSpPr>
-        <p:cNvPr id="1" name=""/>
-        <p:cNvGrpSpPr/>
-        <p:nvPr/>
-      </p:nvGrpSpPr>
-      <p:grpSpPr>
-        <a:xfrm>
-          <a:off x="0" y="0"/>
-          <a:ext cx="0" cy="0"/>
-          <a:chOff x="0" y="0"/>
-          <a:chExt cx="0" cy="0"/>
-        </a:xfrm>
-      </p:grpSpPr>
-      <p:sp>
-        <p:nvSpPr>
-          <p:cNvPr id="2" name="Titre 1">
-            <a:extLst>
-              <a:ext uri="{FF2B5EF4-FFF2-40B4-BE49-F238E27FC236}">
-                <a16:creationId xmlns:a16="http://schemas.microsoft.com/office/drawing/2014/main" id="{6BAD2ECA-6223-95D2-3D96-7FAD0D9F1CF3}"/>
-              </a:ext>
-            </a:extLst>
-          </p:cNvPr>
-          <p:cNvSpPr>
-            <a:spLocks noGrp="1"/>
-          </p:cNvSpPr>
-          <p:nvPr>
-            <p:ph type="title"/>
-          </p:nvPr>
-        </p:nvSpPr>
-        <p:spPr/>
-        <p:txBody>
-          <a:bodyPr>
-            <a:normAutofit/>
-          </a:bodyPr>
-          <a:lstStyle/>
-          <a:p>
-            <a:r>
-              <a:rPr lang="fr-CA" dirty="0"/>
-              <a:t>Première approche: le sac de mots</a:t>
-            </a:r>
-          </a:p>
-        </p:txBody>
-      </p:sp>
-      <p:sp>
-        <p:nvSpPr>
-          <p:cNvPr id="3" name="Espace réservé du contenu 2">
-            <a:extLst>
-              <a:ext uri="{FF2B5EF4-FFF2-40B4-BE49-F238E27FC236}">
-                <a16:creationId xmlns:a16="http://schemas.microsoft.com/office/drawing/2014/main" id="{F88C316F-C365-B6C3-2FA7-C7E3CD970B42}"/>
-              </a:ext>
-            </a:extLst>
-          </p:cNvPr>
-          <p:cNvSpPr>
-            <a:spLocks noGrp="1"/>
-          </p:cNvSpPr>
-          <p:nvPr>
-            <p:ph idx="1"/>
-          </p:nvPr>
-        </p:nvSpPr>
-        <p:spPr/>
-        <p:txBody>
-          <a:bodyPr>
-            <a:normAutofit lnSpcReduction="10000"/>
-          </a:bodyPr>
-          <a:lstStyle/>
-          <a:p>
-            <a:r>
-              <a:rPr lang="fr-CA" sz="2800" dirty="0"/>
-              <a:t>Représentation du texte comme un sac de mots (</a:t>
-            </a:r>
-            <a:r>
-              <a:rPr lang="fr-CA" sz="2800" i="1" dirty="0"/>
-              <a:t>bag of </a:t>
-            </a:r>
-            <a:r>
-              <a:rPr lang="fr-CA" sz="2800" i="1" dirty="0" err="1"/>
-              <a:t>words</a:t>
-            </a:r>
-            <a:r>
-              <a:rPr lang="fr-CA" sz="2800" dirty="0"/>
-              <a:t>)</a:t>
-            </a:r>
-          </a:p>
-          <a:p>
-            <a:r>
-              <a:rPr lang="fr-CA" sz="2800" dirty="0"/>
-              <a:t>L’ordre des mots ne compte pas</a:t>
-            </a:r>
-          </a:p>
-          <a:p>
-            <a:r>
-              <a:rPr lang="fr-CA" sz="2800" dirty="0"/>
-              <a:t>Le mot est présent ou absent (0/1), ou plus ou moins fréquent (0 à </a:t>
-            </a:r>
-            <a:r>
-              <a:rPr lang="fr-CA" sz="2800" i="1" dirty="0"/>
-              <a:t>n</a:t>
-            </a:r>
-            <a:r>
-              <a:rPr lang="fr-CA" sz="2800" dirty="0"/>
-              <a:t>)</a:t>
-            </a:r>
-          </a:p>
-          <a:p>
-            <a:r>
-              <a:rPr lang="fr-CA" sz="2800" dirty="0"/>
-              <a:t>Repose sur l’idée que le sens d’un texte est contenu dans la valeur sémantique de ses unités.</a:t>
-            </a:r>
-          </a:p>
-        </p:txBody>
-      </p:sp>
-    </p:spTree>
-    <p:extLst>
-      <p:ext uri="{BB962C8B-B14F-4D97-AF65-F5344CB8AC3E}">
-        <p14:creationId xmlns:p14="http://schemas.microsoft.com/office/powerpoint/2010/main" val="1922431453"/>
-      </p:ext>
-    </p:extLst>
-  </p:cSld>
-  <p:clrMapOvr>
-    <a:masterClrMapping/>
-  </p:clrMapOvr>
-</p:sld>
-</file>
-
-<file path=ppt/slides/slide26.xml><?xml version="1.0" encoding="utf-8"?>
-<p:sld xmlns:a="http://schemas.openxmlformats.org/drawingml/2006/main" xmlns:r="http://schemas.openxmlformats.org/officeDocument/2006/relationships" xmlns:p="http://schemas.openxmlformats.org/presentationml/2006/main">
-  <p:cSld>
-    <p:spTree>
-      <p:nvGrpSpPr>
-        <p:cNvPr id="1" name=""/>
-        <p:cNvGrpSpPr/>
-        <p:nvPr/>
-      </p:nvGrpSpPr>
-      <p:grpSpPr>
-        <a:xfrm>
-          <a:off x="0" y="0"/>
-          <a:ext cx="0" cy="0"/>
-          <a:chOff x="0" y="0"/>
-          <a:chExt cx="0" cy="0"/>
-        </a:xfrm>
-      </p:grpSpPr>
-      <p:sp>
-        <p:nvSpPr>
-          <p:cNvPr id="4" name="Titre 3">
-            <a:extLst>
-              <a:ext uri="{FF2B5EF4-FFF2-40B4-BE49-F238E27FC236}">
-                <a16:creationId xmlns:a16="http://schemas.microsoft.com/office/drawing/2014/main" id="{9720D244-60DD-FA64-83B4-98F3B9AB2C25}"/>
-              </a:ext>
-            </a:extLst>
-          </p:cNvPr>
-          <p:cNvSpPr>
-            <a:spLocks noGrp="1"/>
-          </p:cNvSpPr>
-          <p:nvPr>
-            <p:ph type="title"/>
-          </p:nvPr>
-        </p:nvSpPr>
-        <p:spPr>
-          <a:xfrm>
-            <a:off x="1067152" y="216010"/>
-            <a:ext cx="4131013" cy="528430"/>
-          </a:xfrm>
-        </p:spPr>
-        <p:txBody>
-          <a:bodyPr>
-            <a:noAutofit/>
-          </a:bodyPr>
-          <a:lstStyle/>
-          <a:p>
-            <a:r>
-              <a:rPr lang="fr-CA" sz="2800" dirty="0"/>
-              <a:t>Vers le sac de mots</a:t>
-            </a:r>
-          </a:p>
-        </p:txBody>
-      </p:sp>
-      <p:pic>
-        <p:nvPicPr>
-          <p:cNvPr id="3" name="Image 2">
-            <a:extLst>
-              <a:ext uri="{FF2B5EF4-FFF2-40B4-BE49-F238E27FC236}">
-                <a16:creationId xmlns:a16="http://schemas.microsoft.com/office/drawing/2014/main" id="{9E9AD2D0-460A-26A0-1BBA-1705B24AE05E}"/>
-              </a:ext>
-            </a:extLst>
-          </p:cNvPr>
-          <p:cNvPicPr>
-            <a:picLocks noChangeAspect="1"/>
-          </p:cNvPicPr>
-          <p:nvPr/>
-        </p:nvPicPr>
-        <p:blipFill>
-          <a:blip r:embed="rId2"/>
-          <a:stretch>
-            <a:fillRect/>
-          </a:stretch>
-        </p:blipFill>
-        <p:spPr>
-          <a:xfrm>
-            <a:off x="1830561" y="4040767"/>
-            <a:ext cx="4538518" cy="2817233"/>
-          </a:xfrm>
-          <a:prstGeom prst="rect">
-            <a:avLst/>
-          </a:prstGeom>
-        </p:spPr>
-      </p:pic>
-      <p:pic>
-        <p:nvPicPr>
-          <p:cNvPr id="6" name="Image 5">
-            <a:extLst>
-              <a:ext uri="{FF2B5EF4-FFF2-40B4-BE49-F238E27FC236}">
-                <a16:creationId xmlns:a16="http://schemas.microsoft.com/office/drawing/2014/main" id="{D6E0F157-87BA-EE55-6872-8B45A950EF5E}"/>
-              </a:ext>
-            </a:extLst>
-          </p:cNvPr>
-          <p:cNvPicPr>
-            <a:picLocks noChangeAspect="1"/>
-          </p:cNvPicPr>
-          <p:nvPr/>
-        </p:nvPicPr>
-        <p:blipFill>
-          <a:blip r:embed="rId3"/>
-          <a:stretch>
-            <a:fillRect/>
-          </a:stretch>
-        </p:blipFill>
-        <p:spPr>
-          <a:xfrm>
-            <a:off x="5759605" y="392086"/>
-            <a:ext cx="4005139" cy="4344313"/>
-          </a:xfrm>
-          <a:prstGeom prst="rect">
-            <a:avLst/>
-          </a:prstGeom>
-        </p:spPr>
-      </p:pic>
-      <p:pic>
-        <p:nvPicPr>
-          <p:cNvPr id="8" name="Image 7">
-            <a:extLst>
-              <a:ext uri="{FF2B5EF4-FFF2-40B4-BE49-F238E27FC236}">
-                <a16:creationId xmlns:a16="http://schemas.microsoft.com/office/drawing/2014/main" id="{BC71CB9F-CBD1-4AEB-9C86-2A8157ED437C}"/>
-              </a:ext>
-            </a:extLst>
-          </p:cNvPr>
-          <p:cNvPicPr>
-            <a:picLocks noChangeAspect="1"/>
-          </p:cNvPicPr>
-          <p:nvPr/>
-        </p:nvPicPr>
-        <p:blipFill>
-          <a:blip r:embed="rId4"/>
-          <a:stretch>
-            <a:fillRect/>
-          </a:stretch>
-        </p:blipFill>
-        <p:spPr>
-          <a:xfrm>
-            <a:off x="8112820" y="3579230"/>
-            <a:ext cx="4346432" cy="2678971"/>
-          </a:xfrm>
-          <a:prstGeom prst="rect">
-            <a:avLst/>
-          </a:prstGeom>
-        </p:spPr>
-      </p:pic>
-      <p:pic>
-        <p:nvPicPr>
-          <p:cNvPr id="10" name="Image 9">
-            <a:extLst>
-              <a:ext uri="{FF2B5EF4-FFF2-40B4-BE49-F238E27FC236}">
-                <a16:creationId xmlns:a16="http://schemas.microsoft.com/office/drawing/2014/main" id="{4C3A64BD-C199-1ED7-F3E8-09D15F2A52BD}"/>
-              </a:ext>
-            </a:extLst>
-          </p:cNvPr>
-          <p:cNvPicPr>
-            <a:picLocks noChangeAspect="1"/>
-          </p:cNvPicPr>
-          <p:nvPr/>
-        </p:nvPicPr>
-        <p:blipFill>
-          <a:blip r:embed="rId5">
-            <a:alphaModFix/>
-            <a:extLst>
-              <a:ext uri="{BEBA8EAE-BF5A-486C-A8C5-ECC9F3942E4B}">
-                <a14:imgProps xmlns:a14="http://schemas.microsoft.com/office/drawing/2010/main">
-                  <a14:imgLayer r:embed="rId6">
-                    <a14:imgEffect>
-                      <a14:sharpenSoften amount="50000"/>
-                    </a14:imgEffect>
-                    <a14:imgEffect>
-                      <a14:saturation sat="300000"/>
-                    </a14:imgEffect>
-                  </a14:imgLayer>
-                </a14:imgProps>
-              </a:ext>
-            </a:extLst>
-          </a:blip>
-          <a:stretch>
-            <a:fillRect/>
-          </a:stretch>
-        </p:blipFill>
-        <p:spPr>
-          <a:xfrm>
-            <a:off x="427567" y="984802"/>
-            <a:ext cx="2245011" cy="2991678"/>
-          </a:xfrm>
-          <a:prstGeom prst="rect">
-            <a:avLst/>
-          </a:prstGeom>
-          <a:solidFill>
-            <a:srgbClr val="FFFFFF">
-              <a:shade val="85000"/>
-            </a:srgbClr>
-          </a:solidFill>
-          <a:ln w="88900" cap="sq">
-            <a:solidFill>
-              <a:srgbClr val="FFFFFF"/>
-            </a:solidFill>
-            <a:miter lim="800000"/>
-          </a:ln>
-          <a:effectLst>
-            <a:outerShdw blurRad="55000" dist="18000" dir="5400000" algn="tl" rotWithShape="0">
-              <a:srgbClr val="000000">
-                <a:alpha val="40000"/>
-              </a:srgbClr>
-            </a:outerShdw>
-          </a:effectLst>
-          <a:scene3d>
-            <a:camera prst="orthographicFront"/>
-            <a:lightRig rig="twoPt" dir="t">
-              <a:rot lat="0" lon="0" rev="7200000"/>
-            </a:lightRig>
-          </a:scene3d>
-          <a:sp3d>
-            <a:bevelT w="25400" h="19050"/>
-            <a:contourClr>
-              <a:srgbClr val="FFFFFF"/>
-            </a:contourClr>
-          </a:sp3d>
-        </p:spPr>
-      </p:pic>
-      <p:sp>
-        <p:nvSpPr>
-          <p:cNvPr id="11" name="Flèche vers la droite 10">
-            <a:extLst>
-              <a:ext uri="{FF2B5EF4-FFF2-40B4-BE49-F238E27FC236}">
-                <a16:creationId xmlns:a16="http://schemas.microsoft.com/office/drawing/2014/main" id="{FDBA6F67-91AB-48FE-C755-C33BD2F24EC3}"/>
-              </a:ext>
-            </a:extLst>
-          </p:cNvPr>
-          <p:cNvSpPr/>
-          <p:nvPr/>
-        </p:nvSpPr>
-        <p:spPr>
-          <a:xfrm>
-            <a:off x="2882348" y="2375452"/>
-            <a:ext cx="2723322" cy="377687"/>
-          </a:xfrm>
-          <a:prstGeom prst="rightArrow">
-            <a:avLst/>
-          </a:prstGeom>
-        </p:spPr>
-        <p:style>
-          <a:lnRef idx="2">
-            <a:schemeClr val="accent1">
-              <a:shade val="50000"/>
-            </a:schemeClr>
-          </a:lnRef>
-          <a:fillRef idx="1">
-            <a:schemeClr val="accent1"/>
-          </a:fillRef>
-          <a:effectRef idx="0">
-            <a:schemeClr val="accent1"/>
-          </a:effectRef>
-          <a:fontRef idx="minor">
-            <a:schemeClr val="lt1"/>
-          </a:fontRef>
-        </p:style>
-        <p:txBody>
-          <a:bodyPr rtlCol="0" anchor="ctr"/>
-          <a:lstStyle/>
-          <a:p>
-            <a:pPr algn="ctr"/>
-            <a:endParaRPr lang="fr-CA"/>
-          </a:p>
-        </p:txBody>
-      </p:sp>
-      <p:sp>
-        <p:nvSpPr>
-          <p:cNvPr id="12" name="Virage 11">
-            <a:extLst>
-              <a:ext uri="{FF2B5EF4-FFF2-40B4-BE49-F238E27FC236}">
-                <a16:creationId xmlns:a16="http://schemas.microsoft.com/office/drawing/2014/main" id="{5C35937B-7AFB-AC07-B769-82E9C8CB8844}"/>
-              </a:ext>
-            </a:extLst>
-          </p:cNvPr>
-          <p:cNvSpPr/>
-          <p:nvPr/>
-        </p:nvSpPr>
-        <p:spPr>
-          <a:xfrm rot="5400000">
-            <a:off x="10518340" y="1905002"/>
-            <a:ext cx="779135" cy="1978460"/>
-          </a:xfrm>
-          <a:prstGeom prst="bentArrow">
-            <a:avLst/>
-          </a:prstGeom>
-        </p:spPr>
-        <p:style>
-          <a:lnRef idx="2">
-            <a:schemeClr val="accent1">
-              <a:shade val="50000"/>
-            </a:schemeClr>
-          </a:lnRef>
-          <a:fillRef idx="1">
-            <a:schemeClr val="accent1"/>
-          </a:fillRef>
-          <a:effectRef idx="0">
-            <a:schemeClr val="accent1"/>
-          </a:effectRef>
-          <a:fontRef idx="minor">
-            <a:schemeClr val="lt1"/>
-          </a:fontRef>
-        </p:style>
-        <p:txBody>
-          <a:bodyPr rtlCol="0" anchor="ctr"/>
-          <a:lstStyle/>
-          <a:p>
-            <a:pPr algn="ctr"/>
-            <a:endParaRPr lang="fr-CA">
-              <a:solidFill>
-                <a:schemeClr val="tx1"/>
-              </a:solidFill>
-            </a:endParaRPr>
-          </a:p>
-        </p:txBody>
-      </p:sp>
-      <p:sp>
-        <p:nvSpPr>
-          <p:cNvPr id="13" name="Flèche vers la gauche 12">
-            <a:extLst>
-              <a:ext uri="{FF2B5EF4-FFF2-40B4-BE49-F238E27FC236}">
-                <a16:creationId xmlns:a16="http://schemas.microsoft.com/office/drawing/2014/main" id="{8191654B-716F-DF90-F155-7F7DC7B4F1E9}"/>
-              </a:ext>
-            </a:extLst>
-          </p:cNvPr>
-          <p:cNvSpPr/>
-          <p:nvPr/>
-        </p:nvSpPr>
-        <p:spPr>
-          <a:xfrm>
-            <a:off x="6584967" y="5624251"/>
-            <a:ext cx="1311965" cy="407504"/>
-          </a:xfrm>
-          <a:prstGeom prst="leftArrow">
-            <a:avLst/>
-          </a:prstGeom>
-        </p:spPr>
-        <p:style>
-          <a:lnRef idx="2">
-            <a:schemeClr val="accent1">
-              <a:shade val="50000"/>
-            </a:schemeClr>
-          </a:lnRef>
-          <a:fillRef idx="1">
-            <a:schemeClr val="accent1"/>
-          </a:fillRef>
-          <a:effectRef idx="0">
-            <a:schemeClr val="accent1"/>
-          </a:effectRef>
-          <a:fontRef idx="minor">
-            <a:schemeClr val="lt1"/>
-          </a:fontRef>
-        </p:style>
-        <p:txBody>
-          <a:bodyPr rtlCol="0" anchor="ctr"/>
-          <a:lstStyle/>
-          <a:p>
-            <a:pPr algn="ctr"/>
-            <a:endParaRPr lang="fr-CA"/>
-          </a:p>
-        </p:txBody>
-      </p:sp>
-      <p:sp>
-        <p:nvSpPr>
-          <p:cNvPr id="14" name="ZoneTexte 13">
-            <a:extLst>
-              <a:ext uri="{FF2B5EF4-FFF2-40B4-BE49-F238E27FC236}">
-                <a16:creationId xmlns:a16="http://schemas.microsoft.com/office/drawing/2014/main" id="{0DA6B5D7-36A1-9C7C-347D-421A34C0AB64}"/>
-              </a:ext>
-            </a:extLst>
-          </p:cNvPr>
-          <p:cNvSpPr txBox="1"/>
-          <p:nvPr/>
-        </p:nvSpPr>
-        <p:spPr>
-          <a:xfrm>
-            <a:off x="3357142" y="1894727"/>
-            <a:ext cx="1485356" cy="523220"/>
-          </a:xfrm>
-          <a:prstGeom prst="rect">
-            <a:avLst/>
-          </a:prstGeom>
-          <a:solidFill>
-            <a:schemeClr val="bg2"/>
-          </a:solidFill>
-        </p:spPr>
-        <p:txBody>
-          <a:bodyPr wrap="square" rtlCol="0">
-            <a:spAutoFit/>
-          </a:bodyPr>
-          <a:lstStyle/>
-          <a:p>
-            <a:pPr algn="ctr"/>
-            <a:r>
-              <a:rPr lang="fr-CA" sz="1400" dirty="0"/>
-              <a:t>Exposition des balises HTML</a:t>
-            </a:r>
-          </a:p>
-        </p:txBody>
-      </p:sp>
-      <p:sp>
-        <p:nvSpPr>
-          <p:cNvPr id="15" name="ZoneTexte 14">
-            <a:extLst>
-              <a:ext uri="{FF2B5EF4-FFF2-40B4-BE49-F238E27FC236}">
-                <a16:creationId xmlns:a16="http://schemas.microsoft.com/office/drawing/2014/main" id="{70F8FE1F-449C-FEC9-5AE6-4DB032720BCA}"/>
-              </a:ext>
-            </a:extLst>
-          </p:cNvPr>
-          <p:cNvSpPr txBox="1"/>
-          <p:nvPr/>
-        </p:nvSpPr>
-        <p:spPr>
-          <a:xfrm>
-            <a:off x="9918677" y="1788950"/>
-            <a:ext cx="1790415" cy="523220"/>
-          </a:xfrm>
-          <a:prstGeom prst="rect">
-            <a:avLst/>
-          </a:prstGeom>
-          <a:solidFill>
-            <a:schemeClr val="bg2"/>
-          </a:solidFill>
-        </p:spPr>
-        <p:txBody>
-          <a:bodyPr wrap="square" rtlCol="0">
-            <a:spAutoFit/>
-          </a:bodyPr>
-          <a:lstStyle/>
-          <a:p>
-            <a:pPr algn="ctr"/>
-            <a:r>
-              <a:rPr lang="fr-CA" sz="1400" dirty="0"/>
-              <a:t>Extraction du texte et des métadonnées</a:t>
-            </a:r>
-          </a:p>
-        </p:txBody>
-      </p:sp>
-      <p:sp>
-        <p:nvSpPr>
-          <p:cNvPr id="16" name="ZoneTexte 15">
-            <a:extLst>
-              <a:ext uri="{FF2B5EF4-FFF2-40B4-BE49-F238E27FC236}">
-                <a16:creationId xmlns:a16="http://schemas.microsoft.com/office/drawing/2014/main" id="{EAC86E90-7D4A-CDCB-327F-89FE59F59462}"/>
-              </a:ext>
-            </a:extLst>
-          </p:cNvPr>
-          <p:cNvSpPr txBox="1"/>
-          <p:nvPr/>
-        </p:nvSpPr>
-        <p:spPr>
-          <a:xfrm>
-            <a:off x="6537902" y="4974080"/>
-            <a:ext cx="1406094" cy="523220"/>
-          </a:xfrm>
-          <a:prstGeom prst="rect">
-            <a:avLst/>
-          </a:prstGeom>
-          <a:solidFill>
-            <a:schemeClr val="bg2"/>
-          </a:solidFill>
-        </p:spPr>
-        <p:txBody>
-          <a:bodyPr wrap="square" rtlCol="0">
-            <a:spAutoFit/>
-          </a:bodyPr>
-          <a:lstStyle/>
-          <a:p>
-            <a:pPr algn="ctr"/>
-            <a:r>
-              <a:rPr lang="fr-CA" sz="1400" dirty="0"/>
-              <a:t>Matrice documents-mots</a:t>
-            </a:r>
-          </a:p>
-        </p:txBody>
-      </p:sp>
-    </p:spTree>
-    <p:extLst>
-      <p:ext uri="{BB962C8B-B14F-4D97-AF65-F5344CB8AC3E}">
-        <p14:creationId xmlns:p14="http://schemas.microsoft.com/office/powerpoint/2010/main" val="763834193"/>
-      </p:ext>
-    </p:extLst>
-  </p:cSld>
-  <p:clrMapOvr>
-    <a:masterClrMapping/>
-  </p:clrMapOvr>
-</p:sld>
-</file>
-
-<file path=ppt/slides/slide27.xml><?xml version="1.0" encoding="utf-8"?>
-<p:sld xmlns:a="http://schemas.openxmlformats.org/drawingml/2006/main" xmlns:r="http://schemas.openxmlformats.org/officeDocument/2006/relationships" xmlns:p="http://schemas.openxmlformats.org/presentationml/2006/main">
-  <p:cSld>
-    <p:spTree>
-      <p:nvGrpSpPr>
-        <p:cNvPr id="1" name=""/>
-        <p:cNvGrpSpPr/>
-        <p:nvPr/>
-      </p:nvGrpSpPr>
-      <p:grpSpPr>
-        <a:xfrm>
-          <a:off x="0" y="0"/>
-          <a:ext cx="0" cy="0"/>
-          <a:chOff x="0" y="0"/>
-          <a:chExt cx="0" cy="0"/>
-        </a:xfrm>
-      </p:grpSpPr>
-      <p:sp>
-        <p:nvSpPr>
-          <p:cNvPr id="4" name="Titre 3">
-            <a:extLst>
-              <a:ext uri="{FF2B5EF4-FFF2-40B4-BE49-F238E27FC236}">
-                <a16:creationId xmlns:a16="http://schemas.microsoft.com/office/drawing/2014/main" id="{9720D244-60DD-FA64-83B4-98F3B9AB2C25}"/>
-              </a:ext>
-            </a:extLst>
-          </p:cNvPr>
-          <p:cNvSpPr>
-            <a:spLocks noGrp="1"/>
-          </p:cNvSpPr>
-          <p:nvPr>
-            <p:ph type="title"/>
-          </p:nvPr>
-        </p:nvSpPr>
-        <p:spPr/>
-        <p:txBody>
-          <a:bodyPr/>
-          <a:lstStyle/>
-          <a:p>
-            <a:r>
-              <a:rPr lang="fr-CA" dirty="0"/>
-              <a:t>L’approche « du sac de mots »</a:t>
-            </a:r>
-          </a:p>
-        </p:txBody>
-      </p:sp>
-      <p:sp>
-        <p:nvSpPr>
-          <p:cNvPr id="3" name="Espace réservé du texte 2">
-            <a:extLst>
-              <a:ext uri="{FF2B5EF4-FFF2-40B4-BE49-F238E27FC236}">
-                <a16:creationId xmlns:a16="http://schemas.microsoft.com/office/drawing/2014/main" id="{C36D9643-D2D6-F21A-C91B-572675A5F322}"/>
-              </a:ext>
-            </a:extLst>
-          </p:cNvPr>
-          <p:cNvSpPr>
-            <a:spLocks noGrp="1"/>
-          </p:cNvSpPr>
-          <p:nvPr>
-            <p:ph type="body" idx="1"/>
-          </p:nvPr>
-        </p:nvSpPr>
-        <p:spPr>
-          <a:xfrm>
-            <a:off x="1115568" y="2372650"/>
-            <a:ext cx="4937760" cy="456611"/>
-          </a:xfrm>
-        </p:spPr>
-        <p:txBody>
-          <a:bodyPr>
-            <a:normAutofit fontScale="92500"/>
-          </a:bodyPr>
-          <a:lstStyle/>
-          <a:p>
-            <a:r>
-              <a:rPr lang="fr-CA" dirty="0"/>
-              <a:t>Problèmes de l’approche</a:t>
-            </a:r>
-          </a:p>
-        </p:txBody>
-      </p:sp>
-      <p:sp>
-        <p:nvSpPr>
-          <p:cNvPr id="2" name="Espace réservé du contenu 1">
-            <a:extLst>
-              <a:ext uri="{FF2B5EF4-FFF2-40B4-BE49-F238E27FC236}">
-                <a16:creationId xmlns:a16="http://schemas.microsoft.com/office/drawing/2014/main" id="{AA023D1B-2E3E-29AD-3F39-B0FB342CFFFD}"/>
-              </a:ext>
-            </a:extLst>
-          </p:cNvPr>
-          <p:cNvSpPr>
-            <a:spLocks noGrp="1"/>
-          </p:cNvSpPr>
-          <p:nvPr>
-            <p:ph sz="half" idx="2"/>
-          </p:nvPr>
-        </p:nvSpPr>
-        <p:spPr/>
-        <p:txBody>
-          <a:bodyPr>
-            <a:normAutofit fontScale="25000" lnSpcReduction="20000"/>
-          </a:bodyPr>
-          <a:lstStyle/>
-          <a:p>
-            <a:r>
-              <a:rPr lang="fr-CA" sz="7200" dirty="0"/>
-              <a:t>Les mots les plus fréquents dans un texte sont fonctionnels ne sont pas les plus significatifs.</a:t>
-            </a:r>
-          </a:p>
-          <a:p>
-            <a:r>
-              <a:rPr lang="fr-CA" sz="7200" dirty="0"/>
-              <a:t>Qu’est-ce qu’un mot? Quelle est la frontière d’un mots? </a:t>
-            </a:r>
-          </a:p>
-          <a:p>
-            <a:r>
-              <a:rPr lang="fr-CA" sz="7200" dirty="0"/>
-              <a:t>Ambiguïté des mots en contexte</a:t>
-            </a:r>
-          </a:p>
-          <a:p>
-            <a:r>
-              <a:rPr lang="fr-CA" sz="7200" dirty="0"/>
-              <a:t>Longueur variable des textes</a:t>
-            </a:r>
-          </a:p>
-          <a:p>
-            <a:r>
-              <a:rPr lang="fr-CA" sz="7200" dirty="0"/>
-              <a:t>« Malédiction dimensionnelle »</a:t>
-            </a:r>
-          </a:p>
-          <a:p>
-            <a:pPr marL="617220" lvl="2" indent="-342900"/>
-            <a:endParaRPr lang="fr-CA" dirty="0"/>
-          </a:p>
-        </p:txBody>
-      </p:sp>
-      <p:sp>
-        <p:nvSpPr>
-          <p:cNvPr id="5" name="Espace réservé du texte 4">
-            <a:extLst>
-              <a:ext uri="{FF2B5EF4-FFF2-40B4-BE49-F238E27FC236}">
-                <a16:creationId xmlns:a16="http://schemas.microsoft.com/office/drawing/2014/main" id="{1A119550-4B79-C6F0-C7C6-A799F62B6217}"/>
-              </a:ext>
-            </a:extLst>
-          </p:cNvPr>
-          <p:cNvSpPr>
-            <a:spLocks noGrp="1"/>
-          </p:cNvSpPr>
-          <p:nvPr>
-            <p:ph type="body" sz="quarter" idx="3"/>
-          </p:nvPr>
-        </p:nvSpPr>
-        <p:spPr>
-          <a:xfrm>
-            <a:off x="6345936" y="2372650"/>
-            <a:ext cx="4937760" cy="456611"/>
-          </a:xfrm>
-        </p:spPr>
-        <p:txBody>
-          <a:bodyPr>
-            <a:normAutofit fontScale="92500"/>
-          </a:bodyPr>
-          <a:lstStyle/>
-          <a:p>
-            <a:r>
-              <a:rPr lang="fr-CA" dirty="0"/>
-              <a:t>Stratégies</a:t>
-            </a:r>
-          </a:p>
-        </p:txBody>
-      </p:sp>
-      <p:sp>
-        <p:nvSpPr>
-          <p:cNvPr id="6" name="Espace réservé du contenu 5">
-            <a:extLst>
-              <a:ext uri="{FF2B5EF4-FFF2-40B4-BE49-F238E27FC236}">
-                <a16:creationId xmlns:a16="http://schemas.microsoft.com/office/drawing/2014/main" id="{E8FBE890-FD05-96C0-3788-A5A520CEF97F}"/>
-              </a:ext>
-            </a:extLst>
-          </p:cNvPr>
-          <p:cNvSpPr>
-            <a:spLocks noGrp="1"/>
-          </p:cNvSpPr>
-          <p:nvPr>
-            <p:ph sz="quarter" idx="4"/>
-          </p:nvPr>
-        </p:nvSpPr>
-        <p:spPr/>
-        <p:txBody>
-          <a:bodyPr>
-            <a:normAutofit fontScale="25000" lnSpcReduction="20000"/>
-          </a:bodyPr>
-          <a:lstStyle/>
-          <a:p>
-            <a:r>
-              <a:rPr lang="fr-CA" sz="7200" dirty="0"/>
-              <a:t>Utilisation d’un </a:t>
-            </a:r>
-            <a:r>
-              <a:rPr lang="fr-CA" sz="7200" dirty="0" err="1"/>
-              <a:t>antidictionnaire</a:t>
-            </a:r>
-            <a:endParaRPr lang="fr-CA" sz="7200" dirty="0"/>
-          </a:p>
-          <a:p>
-            <a:r>
-              <a:rPr lang="fr-CA" sz="7200" dirty="0"/>
-              <a:t>Filtrage par seuils de fréquences (</a:t>
-            </a:r>
-            <a:r>
-              <a:rPr lang="fr-CA" sz="7200" dirty="0" err="1"/>
-              <a:t>inf</a:t>
-            </a:r>
-            <a:r>
-              <a:rPr lang="fr-CA" sz="7200" dirty="0"/>
-              <a:t>/sup)</a:t>
-            </a:r>
-          </a:p>
-          <a:p>
-            <a:r>
-              <a:rPr lang="fr-CA" sz="7200" dirty="0"/>
-              <a:t>Imposition du bas de casse</a:t>
-            </a:r>
-          </a:p>
-          <a:p>
-            <a:r>
-              <a:rPr lang="fr-CA" sz="7200" dirty="0"/>
-              <a:t>Création de dictionnaires / de n-grammes</a:t>
-            </a:r>
-          </a:p>
-          <a:p>
-            <a:r>
-              <a:rPr lang="fr-CA" sz="7200" dirty="0"/>
-              <a:t>Pondération des caractéristiques d’un texte (</a:t>
-            </a:r>
-            <a:r>
-              <a:rPr lang="fr-CA" sz="7200" i="1" dirty="0"/>
-              <a:t>TF-IDF</a:t>
-            </a:r>
-            <a:r>
-              <a:rPr lang="fr-CA" sz="7200" dirty="0"/>
-              <a:t>)</a:t>
-            </a:r>
-          </a:p>
-          <a:p>
-            <a:r>
-              <a:rPr lang="fr-CA" sz="7200" dirty="0"/>
-              <a:t>Normalisation des textes</a:t>
-            </a:r>
-          </a:p>
-          <a:p>
-            <a:r>
-              <a:rPr lang="fr-CA" sz="7200" dirty="0"/>
-              <a:t>Lemmatisation et racinisation</a:t>
-            </a:r>
-          </a:p>
-          <a:p>
-            <a:pPr marL="0" indent="0">
-              <a:buNone/>
-            </a:pPr>
-            <a:endParaRPr lang="fr-CA" sz="1600" dirty="0"/>
-          </a:p>
-        </p:txBody>
-      </p:sp>
-    </p:spTree>
-    <p:extLst>
-      <p:ext uri="{BB962C8B-B14F-4D97-AF65-F5344CB8AC3E}">
-        <p14:creationId xmlns:p14="http://schemas.microsoft.com/office/powerpoint/2010/main" val="1674250712"/>
-      </p:ext>
-    </p:extLst>
-  </p:cSld>
-  <p:clrMapOvr>
-    <a:masterClrMapping/>
-  </p:clrMapOvr>
-</p:sld>
-</file>
-
-<file path=ppt/slides/slide28.xml><?xml version="1.0" encoding="utf-8"?>
-<p:sld xmlns:a="http://schemas.openxmlformats.org/drawingml/2006/main" xmlns:r="http://schemas.openxmlformats.org/officeDocument/2006/relationships" xmlns:p="http://schemas.openxmlformats.org/presentationml/2006/main">
-  <p:cSld>
-    <p:spTree>
-      <p:nvGrpSpPr>
-        <p:cNvPr id="1" name=""/>
-        <p:cNvGrpSpPr/>
-        <p:nvPr/>
-      </p:nvGrpSpPr>
-      <p:grpSpPr>
-        <a:xfrm>
-          <a:off x="0" y="0"/>
-          <a:ext cx="0" cy="0"/>
-          <a:chOff x="0" y="0"/>
-          <a:chExt cx="0" cy="0"/>
-        </a:xfrm>
-      </p:grpSpPr>
-      <p:sp>
-        <p:nvSpPr>
-          <p:cNvPr id="2" name="Titre 1">
-            <a:extLst>
-              <a:ext uri="{FF2B5EF4-FFF2-40B4-BE49-F238E27FC236}">
-                <a16:creationId xmlns:a16="http://schemas.microsoft.com/office/drawing/2014/main" id="{A0FF6335-B6A2-5A86-8E27-69EFB04B519D}"/>
-              </a:ext>
-            </a:extLst>
-          </p:cNvPr>
-          <p:cNvSpPr>
-            <a:spLocks noGrp="1"/>
-          </p:cNvSpPr>
-          <p:nvPr>
-            <p:ph type="title"/>
-          </p:nvPr>
-        </p:nvSpPr>
-        <p:spPr/>
-        <p:txBody>
-          <a:bodyPr anchor="t">
-            <a:normAutofit fontScale="90000"/>
-          </a:bodyPr>
-          <a:lstStyle/>
-          <a:p>
-            <a:r>
-              <a:rPr lang="fr-CA" sz="3600" dirty="0"/>
-              <a:t>Autres approches</a:t>
-            </a:r>
-            <a:br>
-              <a:rPr lang="fr-CA" sz="3600" dirty="0"/>
-            </a:br>
-            <a:endParaRPr lang="fr-CA" sz="3600" b="0" dirty="0"/>
-          </a:p>
-        </p:txBody>
-      </p:sp>
-      <p:graphicFrame>
-        <p:nvGraphicFramePr>
-          <p:cNvPr id="18" name="Espace réservé du contenu 2">
-            <a:extLst>
-              <a:ext uri="{FF2B5EF4-FFF2-40B4-BE49-F238E27FC236}">
-                <a16:creationId xmlns:a16="http://schemas.microsoft.com/office/drawing/2014/main" id="{0FA5E006-2DFA-0DC6-A530-75D82CA28262}"/>
-              </a:ext>
-            </a:extLst>
-          </p:cNvPr>
-          <p:cNvGraphicFramePr>
-            <a:graphicFrameLocks noGrp="1"/>
-          </p:cNvGraphicFramePr>
-          <p:nvPr>
-            <p:ph idx="1"/>
-            <p:extLst>
-              <p:ext uri="{D42A27DB-BD31-4B8C-83A1-F6EECF244321}">
-                <p14:modId xmlns:p14="http://schemas.microsoft.com/office/powerpoint/2010/main" val="2399434334"/>
-              </p:ext>
-            </p:extLst>
-          </p:nvPr>
-        </p:nvGraphicFramePr>
-        <p:xfrm>
-          <a:off x="4997973" y="1010491"/>
-          <a:ext cx="6729413" cy="4097337"/>
-        </p:xfrm>
-        <a:graphic>
-          <a:graphicData uri="http://schemas.openxmlformats.org/drawingml/2006/diagram">
-            <dgm:relIds xmlns:dgm="http://schemas.openxmlformats.org/drawingml/2006/diagram" xmlns:r="http://schemas.openxmlformats.org/officeDocument/2006/relationships" r:dm="rId2" r:lo="rId3" r:qs="rId4" r:cs="rId5"/>
-          </a:graphicData>
-        </a:graphic>
-      </p:graphicFrame>
-      <p:sp>
-        <p:nvSpPr>
-          <p:cNvPr id="3" name="Espace réservé du texte 2">
-            <a:extLst>
-              <a:ext uri="{FF2B5EF4-FFF2-40B4-BE49-F238E27FC236}">
-                <a16:creationId xmlns:a16="http://schemas.microsoft.com/office/drawing/2014/main" id="{8D535CDD-819A-5DB4-B23E-2856B613CF4F}"/>
-              </a:ext>
-            </a:extLst>
-          </p:cNvPr>
-          <p:cNvSpPr>
-            <a:spLocks noGrp="1"/>
-          </p:cNvSpPr>
-          <p:nvPr>
-            <p:ph type="body" sz="half" idx="2"/>
-          </p:nvPr>
-        </p:nvSpPr>
-        <p:spPr/>
-        <p:txBody>
-          <a:bodyPr/>
-          <a:lstStyle/>
-          <a:p>
-            <a:pPr marL="285750" indent="-285750">
-              <a:buFont typeface="Arial" panose="020B0604020202020204" pitchFamily="34" charset="0"/>
-              <a:buChar char="•"/>
-            </a:pPr>
-            <a:r>
-              <a:rPr lang="fr-CA" dirty="0"/>
-              <a:t>N</a:t>
-            </a:r>
-            <a:r>
-              <a:rPr lang="fr-CA" sz="1800" b="0" dirty="0"/>
-              <a:t>écessitent un grand volume de données</a:t>
-            </a:r>
-          </a:p>
-          <a:p>
-            <a:pPr marL="285750" indent="-285750">
-              <a:buFont typeface="Arial" panose="020B0604020202020204" pitchFamily="34" charset="0"/>
-              <a:buChar char="•"/>
-            </a:pPr>
-            <a:r>
-              <a:rPr lang="fr-CA" dirty="0"/>
-              <a:t>GPT-3 a été entrainé avec des milliards de mots</a:t>
-            </a:r>
-          </a:p>
-        </p:txBody>
-      </p:sp>
-    </p:spTree>
-    <p:extLst>
-      <p:ext uri="{BB962C8B-B14F-4D97-AF65-F5344CB8AC3E}">
-        <p14:creationId xmlns:p14="http://schemas.microsoft.com/office/powerpoint/2010/main" val="2557802457"/>
-      </p:ext>
-    </p:extLst>
-  </p:cSld>
-  <p:clrMapOvr>
-    <a:masterClrMapping/>
-  </p:clrMapOvr>
-</p:sld>
-</file>
-
-<file path=ppt/slides/slide29.xml><?xml version="1.0" encoding="utf-8"?>
-<p:sld xmlns:a="http://schemas.openxmlformats.org/drawingml/2006/main" xmlns:r="http://schemas.openxmlformats.org/officeDocument/2006/relationships" xmlns:p="http://schemas.openxmlformats.org/presentationml/2006/main">
-  <p:cSld>
-    <p:spTree>
-      <p:nvGrpSpPr>
-        <p:cNvPr id="1" name=""/>
-        <p:cNvGrpSpPr/>
-        <p:nvPr/>
-      </p:nvGrpSpPr>
-      <p:grpSpPr>
-        <a:xfrm>
-          <a:off x="0" y="0"/>
-          <a:ext cx="0" cy="0"/>
-          <a:chOff x="0" y="0"/>
-          <a:chExt cx="0" cy="0"/>
-        </a:xfrm>
-      </p:grpSpPr>
-      <p:sp>
-        <p:nvSpPr>
-          <p:cNvPr id="4" name="Titre 3">
-            <a:extLst>
-              <a:ext uri="{FF2B5EF4-FFF2-40B4-BE49-F238E27FC236}">
-                <a16:creationId xmlns:a16="http://schemas.microsoft.com/office/drawing/2014/main" id="{9720D244-60DD-FA64-83B4-98F3B9AB2C25}"/>
-              </a:ext>
-            </a:extLst>
-          </p:cNvPr>
-          <p:cNvSpPr>
-            <a:spLocks noGrp="1"/>
-          </p:cNvSpPr>
-          <p:nvPr>
-            <p:ph type="title"/>
-          </p:nvPr>
-        </p:nvSpPr>
-        <p:spPr>
-          <a:xfrm>
-            <a:off x="1028700" y="500003"/>
-            <a:ext cx="10134600" cy="517782"/>
-          </a:xfrm>
-        </p:spPr>
-        <p:txBody>
-          <a:bodyPr>
-            <a:normAutofit/>
-          </a:bodyPr>
-          <a:lstStyle/>
-          <a:p>
-            <a:r>
-              <a:rPr lang="fr-CA" sz="2400" b="0" dirty="0"/>
-              <a:t>Exemple de textes présentés sous la forme d’un sac de mots (</a:t>
-            </a:r>
-            <a:r>
-              <a:rPr lang="fr-CA" sz="2400" b="0" i="1" dirty="0"/>
-              <a:t>BOW</a:t>
-            </a:r>
-            <a:r>
-              <a:rPr lang="fr-CA" sz="2400" b="0" dirty="0"/>
-              <a:t>)</a:t>
-            </a:r>
-          </a:p>
-        </p:txBody>
-      </p:sp>
-      <p:graphicFrame>
-        <p:nvGraphicFramePr>
-          <p:cNvPr id="3" name="Tableau 4">
-            <a:extLst>
-              <a:ext uri="{FF2B5EF4-FFF2-40B4-BE49-F238E27FC236}">
-                <a16:creationId xmlns:a16="http://schemas.microsoft.com/office/drawing/2014/main" id="{DD8C543E-F291-39E4-A755-2B44A21ADDA8}"/>
-              </a:ext>
-            </a:extLst>
-          </p:cNvPr>
-          <p:cNvGraphicFramePr>
-            <a:graphicFrameLocks noGrp="1"/>
-          </p:cNvGraphicFramePr>
-          <p:nvPr>
-            <p:ph idx="1"/>
-          </p:nvPr>
-        </p:nvGraphicFramePr>
-        <p:xfrm>
-          <a:off x="1011294" y="1155218"/>
-          <a:ext cx="10134600" cy="741680"/>
-        </p:xfrm>
-        <a:graphic>
-          <a:graphicData uri="http://schemas.openxmlformats.org/drawingml/2006/table">
-            <a:tbl>
-              <a:tblPr firstCol="1" bandRow="1">
-                <a:tableStyleId>{5C22544A-7EE6-4342-B048-85BDC9FD1C3A}</a:tableStyleId>
-              </a:tblPr>
-              <a:tblGrid>
-                <a:gridCol w="1078880">
-                  <a:extLst>
-                    <a:ext uri="{9D8B030D-6E8A-4147-A177-3AD203B41FA5}">
-                      <a16:colId xmlns:a16="http://schemas.microsoft.com/office/drawing/2014/main" val="2477106951"/>
-                    </a:ext>
-                  </a:extLst>
-                </a:gridCol>
-                <a:gridCol w="9055720">
-                  <a:extLst>
-                    <a:ext uri="{9D8B030D-6E8A-4147-A177-3AD203B41FA5}">
-                      <a16:colId xmlns:a16="http://schemas.microsoft.com/office/drawing/2014/main" val="1773921549"/>
-                    </a:ext>
-                  </a:extLst>
-                </a:gridCol>
-              </a:tblGrid>
-              <a:tr h="370840">
-                <a:tc>
-                  <a:txBody>
-                    <a:bodyPr/>
-                    <a:lstStyle/>
-                    <a:p>
-                      <a:r>
-                        <a:rPr lang="fr-CA" dirty="0"/>
-                        <a:t>texte_1</a:t>
-                      </a:r>
-                    </a:p>
-                  </a:txBody>
-                  <a:tcPr/>
-                </a:tc>
-                <a:tc>
-                  <a:txBody>
-                    <a:bodyPr/>
-                    <a:lstStyle/>
-                    <a:p>
-                      <a:r>
-                        <a:rPr lang="fr-CA" dirty="0"/>
-                        <a:t>« Je suis arrivé trop tard. J’ai raté ma chance »</a:t>
-                      </a:r>
-                    </a:p>
-                  </a:txBody>
-                  <a:tcPr/>
-                </a:tc>
-                <a:extLst>
-                  <a:ext uri="{0D108BD9-81ED-4DB2-BD59-A6C34878D82A}">
-                    <a16:rowId xmlns:a16="http://schemas.microsoft.com/office/drawing/2014/main" val="3142645561"/>
-                  </a:ext>
-                </a:extLst>
-              </a:tr>
-              <a:tr h="370840">
-                <a:tc>
-                  <a:txBody>
-                    <a:bodyPr/>
-                    <a:lstStyle/>
-                    <a:p>
-                      <a:r>
-                        <a:rPr lang="fr-CA" dirty="0"/>
-                        <a:t>texte_2</a:t>
-                      </a:r>
-                    </a:p>
-                  </a:txBody>
-                  <a:tcPr/>
-                </a:tc>
-                <a:tc>
-                  <a:txBody>
-                    <a:bodyPr/>
-                    <a:lstStyle/>
-                    <a:p>
-                      <a:r>
-                        <a:rPr lang="fr-CA" dirty="0"/>
-                        <a:t>« </a:t>
-                      </a:r>
-                      <a:r>
-                        <a:rPr lang="fr-CA" i="0" dirty="0"/>
-                        <a:t>Je suis parti trop tôt. Je suis en attente. </a:t>
-                      </a:r>
-                      <a:r>
-                        <a:rPr lang="fr-CA" sz="1800" b="0" i="0" kern="1200" dirty="0">
-                          <a:solidFill>
-                            <a:schemeClr val="dk1"/>
-                          </a:solidFill>
-                          <a:effectLst/>
-                          <a:latin typeface="+mn-lt"/>
-                          <a:ea typeface="+mn-ea"/>
-                          <a:cs typeface="+mn-cs"/>
-                        </a:rPr>
-                        <a:t>»</a:t>
-                      </a:r>
-                      <a:endParaRPr lang="fr-CA" i="0" dirty="0"/>
-                    </a:p>
-                  </a:txBody>
-                  <a:tcPr/>
-                </a:tc>
-                <a:extLst>
-                  <a:ext uri="{0D108BD9-81ED-4DB2-BD59-A6C34878D82A}">
-                    <a16:rowId xmlns:a16="http://schemas.microsoft.com/office/drawing/2014/main" val="256301176"/>
-                  </a:ext>
-                </a:extLst>
-              </a:tr>
-            </a:tbl>
-          </a:graphicData>
-        </a:graphic>
-      </p:graphicFrame>
-      <p:graphicFrame>
-        <p:nvGraphicFramePr>
-          <p:cNvPr id="5" name="Tableau 5">
-            <a:extLst>
-              <a:ext uri="{FF2B5EF4-FFF2-40B4-BE49-F238E27FC236}">
-                <a16:creationId xmlns:a16="http://schemas.microsoft.com/office/drawing/2014/main" id="{76BBD488-2427-BBC9-4E1D-1F95B75FE123}"/>
-              </a:ext>
-            </a:extLst>
-          </p:cNvPr>
-          <p:cNvGraphicFramePr>
-            <a:graphicFrameLocks noGrp="1"/>
-          </p:cNvGraphicFramePr>
-          <p:nvPr>
-            <p:extLst>
-              <p:ext uri="{D42A27DB-BD31-4B8C-83A1-F6EECF244321}">
-                <p14:modId xmlns:p14="http://schemas.microsoft.com/office/powerpoint/2010/main" val="2354542457"/>
-              </p:ext>
-            </p:extLst>
-          </p:nvPr>
-        </p:nvGraphicFramePr>
-        <p:xfrm>
-          <a:off x="584200" y="2677984"/>
-          <a:ext cx="10561694" cy="1651000"/>
-        </p:xfrm>
-        <a:graphic>
-          <a:graphicData uri="http://schemas.openxmlformats.org/drawingml/2006/table">
-            <a:tbl>
-              <a:tblPr firstCol="1" bandRow="1">
-                <a:tableStyleId>{5C22544A-7EE6-4342-B048-85BDC9FD1C3A}</a:tableStyleId>
-              </a:tblPr>
-              <a:tblGrid>
-                <a:gridCol w="776335">
-                  <a:extLst>
-                    <a:ext uri="{9D8B030D-6E8A-4147-A177-3AD203B41FA5}">
-                      <a16:colId xmlns:a16="http://schemas.microsoft.com/office/drawing/2014/main" val="3899652699"/>
-                    </a:ext>
-                  </a:extLst>
-                </a:gridCol>
-                <a:gridCol w="464221">
-                  <a:extLst>
-                    <a:ext uri="{9D8B030D-6E8A-4147-A177-3AD203B41FA5}">
-                      <a16:colId xmlns:a16="http://schemas.microsoft.com/office/drawing/2014/main" val="275811571"/>
-                    </a:ext>
-                  </a:extLst>
-                </a:gridCol>
-                <a:gridCol w="627543">
-                  <a:extLst>
-                    <a:ext uri="{9D8B030D-6E8A-4147-A177-3AD203B41FA5}">
-                      <a16:colId xmlns:a16="http://schemas.microsoft.com/office/drawing/2014/main" val="2467499838"/>
-                    </a:ext>
-                  </a:extLst>
-                </a:gridCol>
-                <a:gridCol w="942196">
-                  <a:extLst>
-                    <a:ext uri="{9D8B030D-6E8A-4147-A177-3AD203B41FA5}">
-                      <a16:colId xmlns:a16="http://schemas.microsoft.com/office/drawing/2014/main" val="3649517528"/>
-                    </a:ext>
-                  </a:extLst>
-                </a:gridCol>
-                <a:gridCol w="822846">
-                  <a:extLst>
-                    <a:ext uri="{9D8B030D-6E8A-4147-A177-3AD203B41FA5}">
-                      <a16:colId xmlns:a16="http://schemas.microsoft.com/office/drawing/2014/main" val="130515352"/>
-                    </a:ext>
-                  </a:extLst>
-                </a:gridCol>
-                <a:gridCol w="690131">
-                  <a:extLst>
-                    <a:ext uri="{9D8B030D-6E8A-4147-A177-3AD203B41FA5}">
-                      <a16:colId xmlns:a16="http://schemas.microsoft.com/office/drawing/2014/main" val="2359709635"/>
-                    </a:ext>
-                  </a:extLst>
-                </a:gridCol>
-                <a:gridCol w="650314">
-                  <a:extLst>
-                    <a:ext uri="{9D8B030D-6E8A-4147-A177-3AD203B41FA5}">
-                      <a16:colId xmlns:a16="http://schemas.microsoft.com/office/drawing/2014/main" val="594680092"/>
-                    </a:ext>
-                  </a:extLst>
-                </a:gridCol>
-                <a:gridCol w="641938">
-                  <a:extLst>
-                    <a:ext uri="{9D8B030D-6E8A-4147-A177-3AD203B41FA5}">
-                      <a16:colId xmlns:a16="http://schemas.microsoft.com/office/drawing/2014/main" val="3187423103"/>
-                    </a:ext>
-                  </a:extLst>
-                </a:gridCol>
-                <a:gridCol w="602029">
-                  <a:extLst>
-                    <a:ext uri="{9D8B030D-6E8A-4147-A177-3AD203B41FA5}">
-                      <a16:colId xmlns:a16="http://schemas.microsoft.com/office/drawing/2014/main" val="2180167409"/>
-                    </a:ext>
-                  </a:extLst>
-                </a:gridCol>
-                <a:gridCol w="717803">
-                  <a:extLst>
-                    <a:ext uri="{9D8B030D-6E8A-4147-A177-3AD203B41FA5}">
-                      <a16:colId xmlns:a16="http://schemas.microsoft.com/office/drawing/2014/main" val="3466954718"/>
-                    </a:ext>
-                  </a:extLst>
-                </a:gridCol>
-                <a:gridCol w="740957">
-                  <a:extLst>
-                    <a:ext uri="{9D8B030D-6E8A-4147-A177-3AD203B41FA5}">
-                      <a16:colId xmlns:a16="http://schemas.microsoft.com/office/drawing/2014/main" val="3623976829"/>
-                    </a:ext>
-                  </a:extLst>
-                </a:gridCol>
-                <a:gridCol w="1146168">
-                  <a:extLst>
-                    <a:ext uri="{9D8B030D-6E8A-4147-A177-3AD203B41FA5}">
-                      <a16:colId xmlns:a16="http://schemas.microsoft.com/office/drawing/2014/main" val="3103431520"/>
-                    </a:ext>
-                  </a:extLst>
-                </a:gridCol>
-                <a:gridCol w="613605">
-                  <a:extLst>
-                    <a:ext uri="{9D8B030D-6E8A-4147-A177-3AD203B41FA5}">
-                      <a16:colId xmlns:a16="http://schemas.microsoft.com/office/drawing/2014/main" val="2153662062"/>
-                    </a:ext>
-                  </a:extLst>
-                </a:gridCol>
-                <a:gridCol w="1125608">
-                  <a:extLst>
-                    <a:ext uri="{9D8B030D-6E8A-4147-A177-3AD203B41FA5}">
-                      <a16:colId xmlns:a16="http://schemas.microsoft.com/office/drawing/2014/main" val="3838275949"/>
-                    </a:ext>
-                  </a:extLst>
-                </a:gridCol>
-              </a:tblGrid>
-              <a:tr h="370840">
-                <a:tc>
-                  <a:txBody>
-                    <a:bodyPr/>
-                    <a:lstStyle/>
-                    <a:p>
-                      <a:endParaRPr lang="fr-CA" dirty="0"/>
-                    </a:p>
-                  </a:txBody>
-                  <a:tcPr/>
-                </a:tc>
-                <a:tc>
-                  <a:txBody>
-                    <a:bodyPr/>
-                    <a:lstStyle/>
-                    <a:p>
-                      <a:r>
-                        <a:rPr lang="fr-CA" dirty="0"/>
-                        <a:t>Je</a:t>
-                      </a:r>
-                    </a:p>
-                  </a:txBody>
-                  <a:tcPr/>
-                </a:tc>
-                <a:tc>
-                  <a:txBody>
-                    <a:bodyPr/>
-                    <a:lstStyle/>
-                    <a:p>
-                      <a:r>
-                        <a:rPr lang="fr-CA" dirty="0"/>
-                        <a:t>suis</a:t>
-                      </a:r>
-                    </a:p>
-                  </a:txBody>
-                  <a:tcPr/>
-                </a:tc>
-                <a:tc>
-                  <a:txBody>
-                    <a:bodyPr/>
-                    <a:lstStyle/>
-                    <a:p>
-                      <a:r>
-                        <a:rPr lang="fr-CA" dirty="0"/>
-                        <a:t>arrivé</a:t>
-                      </a:r>
-                    </a:p>
-                  </a:txBody>
-                  <a:tcPr/>
-                </a:tc>
-                <a:tc>
-                  <a:txBody>
-                    <a:bodyPr/>
-                    <a:lstStyle/>
-                    <a:p>
-                      <a:r>
-                        <a:rPr lang="fr-CA" dirty="0"/>
-                        <a:t>parti</a:t>
-                      </a:r>
-                    </a:p>
-                  </a:txBody>
-                  <a:tcPr/>
-                </a:tc>
-                <a:tc>
-                  <a:txBody>
-                    <a:bodyPr/>
-                    <a:lstStyle/>
-                    <a:p>
-                      <a:r>
-                        <a:rPr lang="fr-CA" dirty="0"/>
-                        <a:t>trop</a:t>
-                      </a:r>
-                    </a:p>
-                  </a:txBody>
-                  <a:tcPr/>
-                </a:tc>
-                <a:tc>
-                  <a:txBody>
-                    <a:bodyPr/>
-                    <a:lstStyle/>
-                    <a:p>
-                      <a:r>
-                        <a:rPr lang="fr-CA" dirty="0"/>
-                        <a:t>tard</a:t>
-                      </a:r>
-                    </a:p>
-                  </a:txBody>
-                  <a:tcPr/>
-                </a:tc>
-                <a:tc>
-                  <a:txBody>
-                    <a:bodyPr/>
-                    <a:lstStyle/>
-                    <a:p>
-                      <a:r>
-                        <a:rPr lang="fr-CA" dirty="0"/>
-                        <a:t>tôt</a:t>
-                      </a:r>
-                    </a:p>
-                  </a:txBody>
-                  <a:tcPr/>
-                </a:tc>
-                <a:tc>
-                  <a:txBody>
-                    <a:bodyPr/>
-                    <a:lstStyle/>
-                    <a:p>
-                      <a:r>
-                        <a:rPr lang="fr-CA" dirty="0"/>
-                        <a:t>J</a:t>
-                      </a:r>
-                    </a:p>
-                  </a:txBody>
-                  <a:tcPr/>
-                </a:tc>
-                <a:tc>
-                  <a:txBody>
-                    <a:bodyPr/>
-                    <a:lstStyle/>
-                    <a:p>
-                      <a:r>
-                        <a:rPr lang="fr-CA" dirty="0"/>
-                        <a:t>raté</a:t>
-                      </a:r>
-                    </a:p>
-                  </a:txBody>
-                  <a:tcPr/>
-                </a:tc>
-                <a:tc>
-                  <a:txBody>
-                    <a:bodyPr/>
-                    <a:lstStyle/>
-                    <a:p>
-                      <a:r>
-                        <a:rPr lang="fr-CA" dirty="0"/>
-                        <a:t>ma</a:t>
-                      </a:r>
-                    </a:p>
-                  </a:txBody>
-                  <a:tcPr/>
-                </a:tc>
-                <a:tc>
-                  <a:txBody>
-                    <a:bodyPr/>
-                    <a:lstStyle/>
-                    <a:p>
-                      <a:r>
-                        <a:rPr lang="fr-CA" dirty="0"/>
-                        <a:t>chance</a:t>
-                      </a:r>
-                    </a:p>
-                  </a:txBody>
-                  <a:tcPr/>
-                </a:tc>
-                <a:tc>
-                  <a:txBody>
-                    <a:bodyPr/>
-                    <a:lstStyle/>
-                    <a:p>
-                      <a:r>
-                        <a:rPr lang="fr-CA" dirty="0"/>
-                        <a:t>en</a:t>
-                      </a:r>
-                    </a:p>
-                  </a:txBody>
-                  <a:tcPr/>
-                </a:tc>
-                <a:tc>
-                  <a:txBody>
-                    <a:bodyPr/>
-                    <a:lstStyle/>
-                    <a:p>
-                      <a:r>
-                        <a:rPr lang="fr-CA" dirty="0"/>
-                        <a:t>attente</a:t>
-                      </a:r>
-                    </a:p>
-                  </a:txBody>
-                  <a:tcPr/>
-                </a:tc>
-                <a:extLst>
-                  <a:ext uri="{0D108BD9-81ED-4DB2-BD59-A6C34878D82A}">
-                    <a16:rowId xmlns:a16="http://schemas.microsoft.com/office/drawing/2014/main" val="2415651137"/>
-                  </a:ext>
-                </a:extLst>
-              </a:tr>
-              <a:tr h="370840">
-                <a:tc>
-                  <a:txBody>
-                    <a:bodyPr/>
-                    <a:lstStyle/>
-                    <a:p>
-                      <a:r>
-                        <a:rPr lang="fr-CA" dirty="0"/>
-                        <a:t>texte_1</a:t>
-                      </a:r>
-                    </a:p>
-                  </a:txBody>
-                  <a:tcPr/>
-                </a:tc>
-                <a:tc>
-                  <a:txBody>
-                    <a:bodyPr/>
-                    <a:lstStyle/>
-                    <a:p>
-                      <a:r>
-                        <a:rPr lang="fr-CA" dirty="0"/>
-                        <a:t>1</a:t>
-                      </a:r>
-                    </a:p>
-                  </a:txBody>
-                  <a:tcPr/>
-                </a:tc>
-                <a:tc>
-                  <a:txBody>
-                    <a:bodyPr/>
-                    <a:lstStyle/>
-                    <a:p>
-                      <a:r>
-                        <a:rPr lang="fr-CA" dirty="0"/>
-                        <a:t>1</a:t>
-                      </a:r>
-                    </a:p>
-                  </a:txBody>
-                  <a:tcPr/>
-                </a:tc>
-                <a:tc>
-                  <a:txBody>
-                    <a:bodyPr/>
-                    <a:lstStyle/>
-                    <a:p>
-                      <a:r>
-                        <a:rPr lang="fr-CA" dirty="0"/>
-                        <a:t>1</a:t>
-                      </a:r>
-                    </a:p>
-                  </a:txBody>
-                  <a:tcPr/>
-                </a:tc>
-                <a:tc>
-                  <a:txBody>
-                    <a:bodyPr/>
-                    <a:lstStyle/>
-                    <a:p>
-                      <a:r>
-                        <a:rPr lang="fr-CA" dirty="0"/>
-                        <a:t>0</a:t>
-                      </a:r>
-                    </a:p>
-                  </a:txBody>
-                  <a:tcPr/>
-                </a:tc>
-                <a:tc>
-                  <a:txBody>
-                    <a:bodyPr/>
-                    <a:lstStyle/>
-                    <a:p>
-                      <a:r>
-                        <a:rPr lang="fr-CA" dirty="0"/>
-                        <a:t>1</a:t>
-                      </a:r>
-                    </a:p>
-                  </a:txBody>
-                  <a:tcPr/>
-                </a:tc>
-                <a:tc>
-                  <a:txBody>
-                    <a:bodyPr/>
-                    <a:lstStyle/>
-                    <a:p>
-                      <a:r>
-                        <a:rPr lang="fr-CA" dirty="0"/>
-                        <a:t>1</a:t>
-                      </a:r>
-                    </a:p>
-                  </a:txBody>
-                  <a:tcPr/>
-                </a:tc>
-                <a:tc>
-                  <a:txBody>
-                    <a:bodyPr/>
-                    <a:lstStyle/>
-                    <a:p>
-                      <a:r>
-                        <a:rPr lang="fr-CA" dirty="0"/>
-                        <a:t>0</a:t>
-                      </a:r>
-                    </a:p>
-                  </a:txBody>
-                  <a:tcPr/>
-                </a:tc>
-                <a:tc>
-                  <a:txBody>
-                    <a:bodyPr/>
-                    <a:lstStyle/>
-                    <a:p>
-                      <a:r>
-                        <a:rPr lang="fr-CA" dirty="0"/>
-                        <a:t>1</a:t>
-                      </a:r>
-                    </a:p>
-                  </a:txBody>
-                  <a:tcPr/>
-                </a:tc>
-                <a:tc>
-                  <a:txBody>
-                    <a:bodyPr/>
-                    <a:lstStyle/>
-                    <a:p>
-                      <a:r>
-                        <a:rPr lang="fr-CA" dirty="0"/>
-                        <a:t>1</a:t>
-                      </a:r>
-                    </a:p>
-                  </a:txBody>
-                  <a:tcPr/>
-                </a:tc>
-                <a:tc>
-                  <a:txBody>
-                    <a:bodyPr/>
-                    <a:lstStyle/>
-                    <a:p>
-                      <a:r>
-                        <a:rPr lang="fr-CA" dirty="0"/>
-                        <a:t>1</a:t>
-                      </a:r>
-                    </a:p>
-                  </a:txBody>
-                  <a:tcPr/>
-                </a:tc>
-                <a:tc>
-                  <a:txBody>
-                    <a:bodyPr/>
-                    <a:lstStyle/>
-                    <a:p>
-                      <a:r>
-                        <a:rPr lang="fr-CA" dirty="0"/>
-                        <a:t>1</a:t>
-                      </a:r>
-                    </a:p>
-                  </a:txBody>
-                  <a:tcPr/>
-                </a:tc>
-                <a:tc>
-                  <a:txBody>
-                    <a:bodyPr/>
-                    <a:lstStyle/>
-                    <a:p>
-                      <a:r>
-                        <a:rPr lang="fr-CA" dirty="0"/>
-                        <a:t>0</a:t>
-                      </a:r>
-                    </a:p>
-                  </a:txBody>
-                  <a:tcPr/>
-                </a:tc>
-                <a:tc>
-                  <a:txBody>
-                    <a:bodyPr/>
-                    <a:lstStyle/>
-                    <a:p>
-                      <a:r>
-                        <a:rPr lang="fr-CA" dirty="0"/>
-                        <a:t>0</a:t>
-                      </a:r>
-                    </a:p>
-                  </a:txBody>
-                  <a:tcPr/>
-                </a:tc>
-                <a:extLst>
-                  <a:ext uri="{0D108BD9-81ED-4DB2-BD59-A6C34878D82A}">
-                    <a16:rowId xmlns:a16="http://schemas.microsoft.com/office/drawing/2014/main" val="4018076092"/>
-                  </a:ext>
-                </a:extLst>
-              </a:tr>
-              <a:tr h="370840">
-                <a:tc>
-                  <a:txBody>
-                    <a:bodyPr/>
-                    <a:lstStyle/>
-                    <a:p>
-                      <a:r>
-                        <a:rPr lang="fr-CA" dirty="0"/>
-                        <a:t>texte_2</a:t>
-                      </a:r>
-                    </a:p>
-                  </a:txBody>
-                  <a:tcPr/>
-                </a:tc>
-                <a:tc>
-                  <a:txBody>
-                    <a:bodyPr/>
-                    <a:lstStyle/>
-                    <a:p>
-                      <a:r>
-                        <a:rPr lang="fr-CA" dirty="0"/>
-                        <a:t>2</a:t>
-                      </a:r>
-                    </a:p>
-                  </a:txBody>
-                  <a:tcPr/>
-                </a:tc>
-                <a:tc>
-                  <a:txBody>
-                    <a:bodyPr/>
-                    <a:lstStyle/>
-                    <a:p>
-                      <a:r>
-                        <a:rPr lang="fr-CA" dirty="0"/>
-                        <a:t>2</a:t>
-                      </a:r>
-                    </a:p>
-                  </a:txBody>
-                  <a:tcPr/>
-                </a:tc>
-                <a:tc>
-                  <a:txBody>
-                    <a:bodyPr/>
-                    <a:lstStyle/>
-                    <a:p>
-                      <a:r>
-                        <a:rPr lang="fr-CA" dirty="0"/>
-                        <a:t>0</a:t>
-                      </a:r>
-                    </a:p>
-                  </a:txBody>
-                  <a:tcPr/>
-                </a:tc>
-                <a:tc>
-                  <a:txBody>
-                    <a:bodyPr/>
-                    <a:lstStyle/>
-                    <a:p>
-                      <a:r>
-                        <a:rPr lang="fr-CA" dirty="0"/>
-                        <a:t>1</a:t>
-                      </a:r>
-                    </a:p>
-                  </a:txBody>
-                  <a:tcPr/>
-                </a:tc>
-                <a:tc>
-                  <a:txBody>
-                    <a:bodyPr/>
-                    <a:lstStyle/>
-                    <a:p>
-                      <a:r>
-                        <a:rPr lang="fr-CA" dirty="0"/>
-                        <a:t>1</a:t>
-                      </a:r>
-                    </a:p>
-                  </a:txBody>
-                  <a:tcPr/>
-                </a:tc>
-                <a:tc>
-                  <a:txBody>
-                    <a:bodyPr/>
-                    <a:lstStyle/>
-                    <a:p>
-                      <a:r>
-                        <a:rPr lang="fr-CA" dirty="0"/>
-                        <a:t>0</a:t>
-                      </a:r>
-                    </a:p>
-                  </a:txBody>
-                  <a:tcPr/>
-                </a:tc>
-                <a:tc>
-                  <a:txBody>
-                    <a:bodyPr/>
-                    <a:lstStyle/>
-                    <a:p>
-                      <a:r>
-                        <a:rPr lang="fr-CA" dirty="0"/>
-                        <a:t>1</a:t>
-                      </a:r>
-                    </a:p>
-                  </a:txBody>
-                  <a:tcPr/>
-                </a:tc>
-                <a:tc>
-                  <a:txBody>
-                    <a:bodyPr/>
-                    <a:lstStyle/>
-                    <a:p>
-                      <a:r>
-                        <a:rPr lang="fr-CA" dirty="0"/>
-                        <a:t>0</a:t>
-                      </a:r>
-                    </a:p>
-                  </a:txBody>
-                  <a:tcPr/>
-                </a:tc>
-                <a:tc>
-                  <a:txBody>
-                    <a:bodyPr/>
-                    <a:lstStyle/>
-                    <a:p>
-                      <a:r>
-                        <a:rPr lang="fr-CA" dirty="0"/>
-                        <a:t>0</a:t>
-                      </a:r>
-                    </a:p>
-                  </a:txBody>
-                  <a:tcPr/>
-                </a:tc>
-                <a:tc>
-                  <a:txBody>
-                    <a:bodyPr/>
-                    <a:lstStyle/>
-                    <a:p>
-                      <a:r>
-                        <a:rPr lang="fr-CA" dirty="0"/>
-                        <a:t>0</a:t>
-                      </a:r>
-                    </a:p>
-                  </a:txBody>
-                  <a:tcPr/>
-                </a:tc>
-                <a:tc>
-                  <a:txBody>
-                    <a:bodyPr/>
-                    <a:lstStyle/>
-                    <a:p>
-                      <a:r>
-                        <a:rPr lang="fr-CA" dirty="0"/>
-                        <a:t>0</a:t>
-                      </a:r>
-                    </a:p>
-                  </a:txBody>
-                  <a:tcPr/>
-                </a:tc>
-                <a:tc>
-                  <a:txBody>
-                    <a:bodyPr/>
-                    <a:lstStyle/>
-                    <a:p>
-                      <a:r>
-                        <a:rPr lang="fr-CA" dirty="0"/>
-                        <a:t>1</a:t>
-                      </a:r>
-                    </a:p>
-                  </a:txBody>
-                  <a:tcPr/>
-                </a:tc>
-                <a:tc>
-                  <a:txBody>
-                    <a:bodyPr/>
-                    <a:lstStyle/>
-                    <a:p>
-                      <a:r>
-                        <a:rPr lang="fr-CA" dirty="0"/>
-                        <a:t>1</a:t>
-                      </a:r>
-                    </a:p>
-                  </a:txBody>
-                  <a:tcPr/>
-                </a:tc>
-                <a:extLst>
-                  <a:ext uri="{0D108BD9-81ED-4DB2-BD59-A6C34878D82A}">
-                    <a16:rowId xmlns:a16="http://schemas.microsoft.com/office/drawing/2014/main" val="1524295501"/>
-                  </a:ext>
-                </a:extLst>
-              </a:tr>
-            </a:tbl>
-          </a:graphicData>
-        </a:graphic>
-      </p:graphicFrame>
-      <p:sp>
-        <p:nvSpPr>
-          <p:cNvPr id="6" name="Flèche vers le bas 5">
-            <a:extLst>
-              <a:ext uri="{FF2B5EF4-FFF2-40B4-BE49-F238E27FC236}">
-                <a16:creationId xmlns:a16="http://schemas.microsoft.com/office/drawing/2014/main" id="{28B44DFA-7A2C-82EB-C5A2-F590EBCF87C0}"/>
-              </a:ext>
-            </a:extLst>
-          </p:cNvPr>
-          <p:cNvSpPr/>
-          <p:nvPr/>
-        </p:nvSpPr>
-        <p:spPr>
-          <a:xfrm>
-            <a:off x="5816540" y="2127926"/>
-            <a:ext cx="524107" cy="478560"/>
-          </a:xfrm>
-          <a:prstGeom prst="downArrow">
-            <a:avLst/>
-          </a:prstGeom>
-        </p:spPr>
-        <p:style>
-          <a:lnRef idx="2">
-            <a:schemeClr val="accent1">
-              <a:shade val="50000"/>
-            </a:schemeClr>
-          </a:lnRef>
-          <a:fillRef idx="1">
-            <a:schemeClr val="accent1"/>
-          </a:fillRef>
-          <a:effectRef idx="0">
-            <a:schemeClr val="accent1"/>
-          </a:effectRef>
-          <a:fontRef idx="minor">
-            <a:schemeClr val="lt1"/>
-          </a:fontRef>
-        </p:style>
-        <p:txBody>
-          <a:bodyPr rtlCol="0" anchor="ctr"/>
-          <a:lstStyle/>
-          <a:p>
-            <a:pPr algn="ctr"/>
-            <a:endParaRPr lang="fr-CA"/>
-          </a:p>
-        </p:txBody>
-      </p:sp>
-      <p:sp>
-        <p:nvSpPr>
-          <p:cNvPr id="7" name="Cadre 6">
-            <a:extLst>
-              <a:ext uri="{FF2B5EF4-FFF2-40B4-BE49-F238E27FC236}">
-                <a16:creationId xmlns:a16="http://schemas.microsoft.com/office/drawing/2014/main" id="{450DEF8E-1690-A3D7-1788-03A2DDAB9EC7}"/>
-              </a:ext>
-            </a:extLst>
-          </p:cNvPr>
-          <p:cNvSpPr/>
-          <p:nvPr/>
-        </p:nvSpPr>
-        <p:spPr>
-          <a:xfrm>
-            <a:off x="1692612" y="2674117"/>
-            <a:ext cx="8192869" cy="386762"/>
-          </a:xfrm>
-          <a:prstGeom prst="frame">
-            <a:avLst/>
-          </a:prstGeom>
-          <a:ln>
-            <a:solidFill>
-              <a:schemeClr val="accent6"/>
-            </a:solidFill>
-          </a:ln>
-        </p:spPr>
-        <p:style>
-          <a:lnRef idx="2">
-            <a:schemeClr val="accent1">
-              <a:shade val="50000"/>
-            </a:schemeClr>
-          </a:lnRef>
-          <a:fillRef idx="1">
-            <a:schemeClr val="accent1"/>
-          </a:fillRef>
-          <a:effectRef idx="0">
-            <a:schemeClr val="accent1"/>
-          </a:effectRef>
-          <a:fontRef idx="minor">
-            <a:schemeClr val="lt1"/>
-          </a:fontRef>
-        </p:style>
-        <p:txBody>
-          <a:bodyPr rtlCol="0" anchor="ctr"/>
-          <a:lstStyle/>
-          <a:p>
-            <a:pPr algn="ctr"/>
-            <a:endParaRPr lang="fr-CA">
-              <a:solidFill>
-                <a:schemeClr val="tx1"/>
-              </a:solidFill>
-            </a:endParaRPr>
-          </a:p>
-        </p:txBody>
-      </p:sp>
-      <p:sp>
-        <p:nvSpPr>
-          <p:cNvPr id="9" name="ZoneTexte 8">
-            <a:extLst>
-              <a:ext uri="{FF2B5EF4-FFF2-40B4-BE49-F238E27FC236}">
-                <a16:creationId xmlns:a16="http://schemas.microsoft.com/office/drawing/2014/main" id="{9ED3182D-D1A8-0BFE-74DF-513891F5FBAC}"/>
-              </a:ext>
-            </a:extLst>
-          </p:cNvPr>
-          <p:cNvSpPr txBox="1"/>
-          <p:nvPr/>
-        </p:nvSpPr>
-        <p:spPr>
-          <a:xfrm>
-            <a:off x="6741651" y="2254233"/>
-            <a:ext cx="2042808" cy="307777"/>
-          </a:xfrm>
-          <a:prstGeom prst="rect">
-            <a:avLst/>
-          </a:prstGeom>
-          <a:solidFill>
-            <a:schemeClr val="bg2"/>
-          </a:solidFill>
-        </p:spPr>
-        <p:txBody>
-          <a:bodyPr wrap="square" rtlCol="0">
-            <a:spAutoFit/>
-          </a:bodyPr>
-          <a:lstStyle/>
-          <a:p>
-            <a:r>
-              <a:rPr lang="fr-CA" sz="1400" dirty="0"/>
-              <a:t>13 formes distinctes</a:t>
-            </a:r>
-          </a:p>
-        </p:txBody>
-      </p:sp>
-      <p:graphicFrame>
-        <p:nvGraphicFramePr>
-          <p:cNvPr id="10" name="Tableau 5">
-            <a:extLst>
-              <a:ext uri="{FF2B5EF4-FFF2-40B4-BE49-F238E27FC236}">
-                <a16:creationId xmlns:a16="http://schemas.microsoft.com/office/drawing/2014/main" id="{3A5F8B13-3868-F127-033D-EE8147381C8F}"/>
-              </a:ext>
-            </a:extLst>
-          </p:cNvPr>
-          <p:cNvGraphicFramePr>
-            <a:graphicFrameLocks noGrp="1"/>
-          </p:cNvGraphicFramePr>
-          <p:nvPr/>
-        </p:nvGraphicFramePr>
-        <p:xfrm>
-          <a:off x="1015131" y="4985350"/>
-          <a:ext cx="8870351" cy="1920240"/>
-        </p:xfrm>
-        <a:graphic>
-          <a:graphicData uri="http://schemas.openxmlformats.org/drawingml/2006/table">
-            <a:tbl>
-              <a:tblPr firstCol="1" bandRow="1">
-                <a:tableStyleId>{5C22544A-7EE6-4342-B048-85BDC9FD1C3A}</a:tableStyleId>
-              </a:tblPr>
-              <a:tblGrid>
-                <a:gridCol w="842853">
-                  <a:extLst>
-                    <a:ext uri="{9D8B030D-6E8A-4147-A177-3AD203B41FA5}">
-                      <a16:colId xmlns:a16="http://schemas.microsoft.com/office/drawing/2014/main" val="3899652699"/>
-                    </a:ext>
-                  </a:extLst>
-                </a:gridCol>
-                <a:gridCol w="379379">
-                  <a:extLst>
-                    <a:ext uri="{9D8B030D-6E8A-4147-A177-3AD203B41FA5}">
-                      <a16:colId xmlns:a16="http://schemas.microsoft.com/office/drawing/2014/main" val="275811571"/>
-                    </a:ext>
-                  </a:extLst>
-                </a:gridCol>
-                <a:gridCol w="535021">
-                  <a:extLst>
-                    <a:ext uri="{9D8B030D-6E8A-4147-A177-3AD203B41FA5}">
-                      <a16:colId xmlns:a16="http://schemas.microsoft.com/office/drawing/2014/main" val="2467499838"/>
-                    </a:ext>
-                  </a:extLst>
-                </a:gridCol>
-                <a:gridCol w="846306">
-                  <a:extLst>
-                    <a:ext uri="{9D8B030D-6E8A-4147-A177-3AD203B41FA5}">
-                      <a16:colId xmlns:a16="http://schemas.microsoft.com/office/drawing/2014/main" val="3649517528"/>
-                    </a:ext>
-                  </a:extLst>
-                </a:gridCol>
-                <a:gridCol w="680937">
-                  <a:extLst>
-                    <a:ext uri="{9D8B030D-6E8A-4147-A177-3AD203B41FA5}">
-                      <a16:colId xmlns:a16="http://schemas.microsoft.com/office/drawing/2014/main" val="130515352"/>
-                    </a:ext>
-                  </a:extLst>
-                </a:gridCol>
-                <a:gridCol w="719846">
-                  <a:extLst>
-                    <a:ext uri="{9D8B030D-6E8A-4147-A177-3AD203B41FA5}">
-                      <a16:colId xmlns:a16="http://schemas.microsoft.com/office/drawing/2014/main" val="2359709635"/>
-                    </a:ext>
-                  </a:extLst>
-                </a:gridCol>
-                <a:gridCol w="651754">
-                  <a:extLst>
-                    <a:ext uri="{9D8B030D-6E8A-4147-A177-3AD203B41FA5}">
-                      <a16:colId xmlns:a16="http://schemas.microsoft.com/office/drawing/2014/main" val="594680092"/>
-                    </a:ext>
-                  </a:extLst>
-                </a:gridCol>
-                <a:gridCol w="535021">
-                  <a:extLst>
-                    <a:ext uri="{9D8B030D-6E8A-4147-A177-3AD203B41FA5}">
-                      <a16:colId xmlns:a16="http://schemas.microsoft.com/office/drawing/2014/main" val="3187423103"/>
-                    </a:ext>
-                  </a:extLst>
-                </a:gridCol>
-                <a:gridCol w="768485">
-                  <a:extLst>
-                    <a:ext uri="{9D8B030D-6E8A-4147-A177-3AD203B41FA5}">
-                      <a16:colId xmlns:a16="http://schemas.microsoft.com/office/drawing/2014/main" val="3466954718"/>
-                    </a:ext>
-                  </a:extLst>
-                </a:gridCol>
-                <a:gridCol w="622570">
-                  <a:extLst>
-                    <a:ext uri="{9D8B030D-6E8A-4147-A177-3AD203B41FA5}">
-                      <a16:colId xmlns:a16="http://schemas.microsoft.com/office/drawing/2014/main" val="3623976829"/>
-                    </a:ext>
-                  </a:extLst>
-                </a:gridCol>
-                <a:gridCol w="826851">
-                  <a:extLst>
-                    <a:ext uri="{9D8B030D-6E8A-4147-A177-3AD203B41FA5}">
-                      <a16:colId xmlns:a16="http://schemas.microsoft.com/office/drawing/2014/main" val="3103431520"/>
-                    </a:ext>
-                  </a:extLst>
-                </a:gridCol>
-                <a:gridCol w="651753">
-                  <a:extLst>
-                    <a:ext uri="{9D8B030D-6E8A-4147-A177-3AD203B41FA5}">
-                      <a16:colId xmlns:a16="http://schemas.microsoft.com/office/drawing/2014/main" val="2153662062"/>
-                    </a:ext>
-                  </a:extLst>
-                </a:gridCol>
-                <a:gridCol w="809575">
-                  <a:extLst>
-                    <a:ext uri="{9D8B030D-6E8A-4147-A177-3AD203B41FA5}">
-                      <a16:colId xmlns:a16="http://schemas.microsoft.com/office/drawing/2014/main" val="3838275949"/>
-                    </a:ext>
-                  </a:extLst>
-                </a:gridCol>
-              </a:tblGrid>
-              <a:tr h="353120">
-                <a:tc>
-                  <a:txBody>
-                    <a:bodyPr/>
-                    <a:lstStyle/>
-                    <a:p>
-                      <a:endParaRPr lang="fr-CA" dirty="0"/>
-                    </a:p>
-                  </a:txBody>
-                  <a:tcPr/>
-                </a:tc>
-                <a:tc>
-                  <a:txBody>
-                    <a:bodyPr/>
-                    <a:lstStyle/>
-                    <a:p>
-                      <a:r>
-                        <a:rPr lang="fr-CA" dirty="0"/>
-                        <a:t>je</a:t>
-                      </a:r>
-                    </a:p>
-                  </a:txBody>
-                  <a:tcPr/>
-                </a:tc>
-                <a:tc>
-                  <a:txBody>
-                    <a:bodyPr/>
-                    <a:lstStyle/>
-                    <a:p>
-                      <a:r>
-                        <a:rPr lang="fr-CA" dirty="0"/>
-                        <a:t>être</a:t>
-                      </a:r>
-                    </a:p>
-                  </a:txBody>
-                  <a:tcPr/>
-                </a:tc>
-                <a:tc>
-                  <a:txBody>
-                    <a:bodyPr/>
-                    <a:lstStyle/>
-                    <a:p>
-                      <a:r>
-                        <a:rPr lang="fr-CA" dirty="0"/>
-                        <a:t>arriver</a:t>
-                      </a:r>
-                    </a:p>
-                  </a:txBody>
-                  <a:tcPr/>
-                </a:tc>
-                <a:tc>
-                  <a:txBody>
-                    <a:bodyPr/>
-                    <a:lstStyle/>
-                    <a:p>
-                      <a:r>
-                        <a:rPr lang="fr-CA" dirty="0"/>
-                        <a:t>partir</a:t>
-                      </a:r>
-                    </a:p>
-                  </a:txBody>
-                  <a:tcPr/>
-                </a:tc>
-                <a:tc>
-                  <a:txBody>
-                    <a:bodyPr/>
-                    <a:lstStyle/>
-                    <a:p>
-                      <a:r>
-                        <a:rPr lang="fr-CA" dirty="0"/>
-                        <a:t>trop</a:t>
-                      </a:r>
-                    </a:p>
-                  </a:txBody>
-                  <a:tcPr/>
-                </a:tc>
-                <a:tc>
-                  <a:txBody>
-                    <a:bodyPr/>
-                    <a:lstStyle/>
-                    <a:p>
-                      <a:r>
-                        <a:rPr lang="fr-CA" dirty="0"/>
-                        <a:t>tard</a:t>
-                      </a:r>
-                    </a:p>
-                  </a:txBody>
-                  <a:tcPr/>
-                </a:tc>
-                <a:tc>
-                  <a:txBody>
-                    <a:bodyPr/>
-                    <a:lstStyle/>
-                    <a:p>
-                      <a:r>
-                        <a:rPr lang="fr-CA" dirty="0"/>
-                        <a:t>tôt</a:t>
-                      </a:r>
-                    </a:p>
-                  </a:txBody>
-                  <a:tcPr/>
-                </a:tc>
-                <a:tc>
-                  <a:txBody>
-                    <a:bodyPr/>
-                    <a:lstStyle/>
-                    <a:p>
-                      <a:r>
-                        <a:rPr lang="fr-CA" dirty="0"/>
-                        <a:t>rater</a:t>
-                      </a:r>
-                    </a:p>
-                  </a:txBody>
-                  <a:tcPr/>
-                </a:tc>
-                <a:tc>
-                  <a:txBody>
-                    <a:bodyPr/>
-                    <a:lstStyle/>
-                    <a:p>
-                      <a:r>
-                        <a:rPr lang="fr-CA" dirty="0"/>
-                        <a:t>ma</a:t>
-                      </a:r>
-                    </a:p>
-                  </a:txBody>
-                  <a:tcPr/>
-                </a:tc>
-                <a:tc>
-                  <a:txBody>
-                    <a:bodyPr/>
-                    <a:lstStyle/>
-                    <a:p>
-                      <a:r>
-                        <a:rPr lang="fr-CA" dirty="0"/>
-                        <a:t>chance</a:t>
-                      </a:r>
-                    </a:p>
-                  </a:txBody>
-                  <a:tcPr/>
-                </a:tc>
-                <a:tc>
-                  <a:txBody>
-                    <a:bodyPr/>
-                    <a:lstStyle/>
-                    <a:p>
-                      <a:r>
-                        <a:rPr lang="fr-CA" dirty="0"/>
-                        <a:t>en</a:t>
-                      </a:r>
-                    </a:p>
-                  </a:txBody>
-                  <a:tcPr/>
-                </a:tc>
-                <a:tc>
-                  <a:txBody>
-                    <a:bodyPr/>
-                    <a:lstStyle/>
-                    <a:p>
-                      <a:r>
-                        <a:rPr lang="fr-CA" dirty="0"/>
-                        <a:t>attente</a:t>
-                      </a:r>
-                    </a:p>
-                  </a:txBody>
-                  <a:tcPr/>
-                </a:tc>
-                <a:extLst>
-                  <a:ext uri="{0D108BD9-81ED-4DB2-BD59-A6C34878D82A}">
-                    <a16:rowId xmlns:a16="http://schemas.microsoft.com/office/drawing/2014/main" val="2415651137"/>
-                  </a:ext>
-                </a:extLst>
-              </a:tr>
-              <a:tr h="609495">
-                <a:tc>
-                  <a:txBody>
-                    <a:bodyPr/>
-                    <a:lstStyle/>
-                    <a:p>
-                      <a:r>
-                        <a:rPr lang="fr-CA" dirty="0"/>
-                        <a:t>texte_1</a:t>
-                      </a:r>
-                    </a:p>
-                  </a:txBody>
-                  <a:tcPr/>
-                </a:tc>
-                <a:tc>
-                  <a:txBody>
-                    <a:bodyPr/>
-                    <a:lstStyle/>
-                    <a:p>
-                      <a:r>
-                        <a:rPr lang="fr-CA" dirty="0"/>
-                        <a:t>2</a:t>
-                      </a:r>
-                    </a:p>
-                  </a:txBody>
-                  <a:tcPr/>
-                </a:tc>
-                <a:tc>
-                  <a:txBody>
-                    <a:bodyPr/>
-                    <a:lstStyle/>
-                    <a:p>
-                      <a:r>
-                        <a:rPr lang="fr-CA" dirty="0"/>
-                        <a:t>1</a:t>
-                      </a:r>
-                    </a:p>
-                  </a:txBody>
-                  <a:tcPr/>
-                </a:tc>
-                <a:tc>
-                  <a:txBody>
-                    <a:bodyPr/>
-                    <a:lstStyle/>
-                    <a:p>
-                      <a:r>
-                        <a:rPr lang="fr-CA" dirty="0"/>
-                        <a:t>1</a:t>
-                      </a:r>
-                    </a:p>
-                  </a:txBody>
-                  <a:tcPr/>
-                </a:tc>
-                <a:tc>
-                  <a:txBody>
-                    <a:bodyPr/>
-                    <a:lstStyle/>
-                    <a:p>
-                      <a:r>
-                        <a:rPr lang="fr-CA" dirty="0"/>
-                        <a:t>0</a:t>
-                      </a:r>
-                    </a:p>
-                  </a:txBody>
-                  <a:tcPr/>
-                </a:tc>
-                <a:tc>
-                  <a:txBody>
-                    <a:bodyPr/>
-                    <a:lstStyle/>
-                    <a:p>
-                      <a:r>
-                        <a:rPr lang="fr-CA" dirty="0"/>
-                        <a:t>1</a:t>
-                      </a:r>
-                    </a:p>
-                  </a:txBody>
-                  <a:tcPr/>
-                </a:tc>
-                <a:tc>
-                  <a:txBody>
-                    <a:bodyPr/>
-                    <a:lstStyle/>
-                    <a:p>
-                      <a:r>
-                        <a:rPr lang="fr-CA" dirty="0"/>
-                        <a:t>1</a:t>
-                      </a:r>
-                    </a:p>
-                  </a:txBody>
-                  <a:tcPr/>
-                </a:tc>
-                <a:tc>
-                  <a:txBody>
-                    <a:bodyPr/>
-                    <a:lstStyle/>
-                    <a:p>
-                      <a:r>
-                        <a:rPr lang="fr-CA" dirty="0"/>
-                        <a:t>0</a:t>
-                      </a:r>
-                    </a:p>
-                  </a:txBody>
-                  <a:tcPr/>
-                </a:tc>
-                <a:tc>
-                  <a:txBody>
-                    <a:bodyPr/>
-                    <a:lstStyle/>
-                    <a:p>
-                      <a:r>
-                        <a:rPr lang="fr-CA" dirty="0"/>
-                        <a:t>1</a:t>
-                      </a:r>
-                    </a:p>
-                  </a:txBody>
-                  <a:tcPr/>
-                </a:tc>
-                <a:tc>
-                  <a:txBody>
-                    <a:bodyPr/>
-                    <a:lstStyle/>
-                    <a:p>
-                      <a:r>
-                        <a:rPr lang="fr-CA" dirty="0"/>
-                        <a:t>1</a:t>
-                      </a:r>
-                    </a:p>
-                  </a:txBody>
-                  <a:tcPr/>
-                </a:tc>
-                <a:tc>
-                  <a:txBody>
-                    <a:bodyPr/>
-                    <a:lstStyle/>
-                    <a:p>
-                      <a:r>
-                        <a:rPr lang="fr-CA" dirty="0"/>
-                        <a:t>1</a:t>
-                      </a:r>
-                    </a:p>
-                  </a:txBody>
-                  <a:tcPr/>
-                </a:tc>
-                <a:tc>
-                  <a:txBody>
-                    <a:bodyPr/>
-                    <a:lstStyle/>
-                    <a:p>
-                      <a:r>
-                        <a:rPr lang="fr-CA" dirty="0"/>
-                        <a:t>0</a:t>
-                      </a:r>
-                    </a:p>
-                  </a:txBody>
-                  <a:tcPr/>
-                </a:tc>
-                <a:tc>
-                  <a:txBody>
-                    <a:bodyPr/>
-                    <a:lstStyle/>
-                    <a:p>
-                      <a:r>
-                        <a:rPr lang="fr-CA" dirty="0"/>
-                        <a:t>0</a:t>
-                      </a:r>
-                    </a:p>
-                  </a:txBody>
-                  <a:tcPr/>
-                </a:tc>
-                <a:extLst>
-                  <a:ext uri="{0D108BD9-81ED-4DB2-BD59-A6C34878D82A}">
-                    <a16:rowId xmlns:a16="http://schemas.microsoft.com/office/drawing/2014/main" val="4018076092"/>
-                  </a:ext>
-                </a:extLst>
-              </a:tr>
-              <a:tr h="609495">
-                <a:tc>
-                  <a:txBody>
-                    <a:bodyPr/>
-                    <a:lstStyle/>
-                    <a:p>
-                      <a:r>
-                        <a:rPr lang="fr-CA" dirty="0"/>
-                        <a:t>texte_2</a:t>
-                      </a:r>
-                    </a:p>
-                  </a:txBody>
-                  <a:tcPr/>
-                </a:tc>
-                <a:tc>
-                  <a:txBody>
-                    <a:bodyPr/>
-                    <a:lstStyle/>
-                    <a:p>
-                      <a:r>
-                        <a:rPr lang="fr-CA" dirty="0"/>
-                        <a:t>2</a:t>
-                      </a:r>
-                    </a:p>
-                  </a:txBody>
-                  <a:tcPr/>
-                </a:tc>
-                <a:tc>
-                  <a:txBody>
-                    <a:bodyPr/>
-                    <a:lstStyle/>
-                    <a:p>
-                      <a:r>
-                        <a:rPr lang="fr-CA" dirty="0"/>
-                        <a:t>2</a:t>
-                      </a:r>
-                    </a:p>
-                  </a:txBody>
-                  <a:tcPr/>
-                </a:tc>
-                <a:tc>
-                  <a:txBody>
-                    <a:bodyPr/>
-                    <a:lstStyle/>
-                    <a:p>
-                      <a:r>
-                        <a:rPr lang="fr-CA" dirty="0"/>
-                        <a:t>0</a:t>
-                      </a:r>
-                    </a:p>
-                  </a:txBody>
-                  <a:tcPr/>
-                </a:tc>
-                <a:tc>
-                  <a:txBody>
-                    <a:bodyPr/>
-                    <a:lstStyle/>
-                    <a:p>
-                      <a:r>
-                        <a:rPr lang="fr-CA" dirty="0"/>
-                        <a:t>1</a:t>
-                      </a:r>
-                    </a:p>
-                  </a:txBody>
-                  <a:tcPr/>
-                </a:tc>
-                <a:tc>
-                  <a:txBody>
-                    <a:bodyPr/>
-                    <a:lstStyle/>
-                    <a:p>
-                      <a:r>
-                        <a:rPr lang="fr-CA" dirty="0"/>
-                        <a:t>1</a:t>
-                      </a:r>
-                    </a:p>
-                  </a:txBody>
-                  <a:tcPr/>
-                </a:tc>
-                <a:tc>
-                  <a:txBody>
-                    <a:bodyPr/>
-                    <a:lstStyle/>
-                    <a:p>
-                      <a:r>
-                        <a:rPr lang="fr-CA" dirty="0"/>
-                        <a:t>0</a:t>
-                      </a:r>
-                    </a:p>
-                  </a:txBody>
-                  <a:tcPr/>
-                </a:tc>
-                <a:tc>
-                  <a:txBody>
-                    <a:bodyPr/>
-                    <a:lstStyle/>
-                    <a:p>
-                      <a:r>
-                        <a:rPr lang="fr-CA" dirty="0"/>
-                        <a:t>1</a:t>
-                      </a:r>
-                    </a:p>
-                  </a:txBody>
-                  <a:tcPr/>
-                </a:tc>
-                <a:tc>
-                  <a:txBody>
-                    <a:bodyPr/>
-                    <a:lstStyle/>
-                    <a:p>
-                      <a:r>
-                        <a:rPr lang="fr-CA" dirty="0"/>
-                        <a:t>0</a:t>
-                      </a:r>
-                    </a:p>
-                  </a:txBody>
-                  <a:tcPr/>
-                </a:tc>
-                <a:tc>
-                  <a:txBody>
-                    <a:bodyPr/>
-                    <a:lstStyle/>
-                    <a:p>
-                      <a:r>
-                        <a:rPr lang="fr-CA" dirty="0"/>
-                        <a:t>0</a:t>
-                      </a:r>
-                    </a:p>
-                  </a:txBody>
-                  <a:tcPr/>
-                </a:tc>
-                <a:tc>
-                  <a:txBody>
-                    <a:bodyPr/>
-                    <a:lstStyle/>
-                    <a:p>
-                      <a:r>
-                        <a:rPr lang="fr-CA" dirty="0"/>
-                        <a:t>0</a:t>
-                      </a:r>
-                    </a:p>
-                  </a:txBody>
-                  <a:tcPr/>
-                </a:tc>
-                <a:tc>
-                  <a:txBody>
-                    <a:bodyPr/>
-                    <a:lstStyle/>
-                    <a:p>
-                      <a:r>
-                        <a:rPr lang="fr-CA" dirty="0"/>
-                        <a:t>1</a:t>
-                      </a:r>
-                    </a:p>
-                  </a:txBody>
-                  <a:tcPr/>
-                </a:tc>
-                <a:tc>
-                  <a:txBody>
-                    <a:bodyPr/>
-                    <a:lstStyle/>
-                    <a:p>
-                      <a:r>
-                        <a:rPr lang="fr-CA" dirty="0"/>
-                        <a:t>1</a:t>
-                      </a:r>
-                    </a:p>
-                  </a:txBody>
-                  <a:tcPr/>
-                </a:tc>
-                <a:extLst>
-                  <a:ext uri="{0D108BD9-81ED-4DB2-BD59-A6C34878D82A}">
-                    <a16:rowId xmlns:a16="http://schemas.microsoft.com/office/drawing/2014/main" val="1524295501"/>
-                  </a:ext>
-                </a:extLst>
-              </a:tr>
-            </a:tbl>
-          </a:graphicData>
-        </a:graphic>
-      </p:graphicFrame>
-      <p:sp>
-        <p:nvSpPr>
-          <p:cNvPr id="11" name="Flèche vers le bas 10">
-            <a:extLst>
-              <a:ext uri="{FF2B5EF4-FFF2-40B4-BE49-F238E27FC236}">
-                <a16:creationId xmlns:a16="http://schemas.microsoft.com/office/drawing/2014/main" id="{CA3452C7-04D6-ADAE-4EED-4E225159B51A}"/>
-              </a:ext>
-            </a:extLst>
-          </p:cNvPr>
-          <p:cNvSpPr/>
-          <p:nvPr/>
-        </p:nvSpPr>
-        <p:spPr>
-          <a:xfrm>
-            <a:off x="5816539" y="4435812"/>
-            <a:ext cx="524107" cy="429934"/>
-          </a:xfrm>
-          <a:prstGeom prst="downArrow">
-            <a:avLst/>
-          </a:prstGeom>
-        </p:spPr>
-        <p:style>
-          <a:lnRef idx="2">
-            <a:schemeClr val="accent1">
-              <a:shade val="50000"/>
-            </a:schemeClr>
-          </a:lnRef>
-          <a:fillRef idx="1">
-            <a:schemeClr val="accent1"/>
-          </a:fillRef>
-          <a:effectRef idx="0">
-            <a:schemeClr val="accent1"/>
-          </a:effectRef>
-          <a:fontRef idx="minor">
-            <a:schemeClr val="lt1"/>
-          </a:fontRef>
-        </p:style>
-        <p:txBody>
-          <a:bodyPr rtlCol="0" anchor="ctr"/>
-          <a:lstStyle/>
-          <a:p>
-            <a:pPr algn="ctr"/>
-            <a:endParaRPr lang="fr-CA"/>
-          </a:p>
-        </p:txBody>
-      </p:sp>
-      <p:sp>
-        <p:nvSpPr>
-          <p:cNvPr id="12" name="ZoneTexte 11">
-            <a:extLst>
-              <a:ext uri="{FF2B5EF4-FFF2-40B4-BE49-F238E27FC236}">
-                <a16:creationId xmlns:a16="http://schemas.microsoft.com/office/drawing/2014/main" id="{854F1088-87CF-B4BE-0F42-08A28EC2DF0D}"/>
-              </a:ext>
-            </a:extLst>
-          </p:cNvPr>
-          <p:cNvSpPr txBox="1"/>
-          <p:nvPr/>
-        </p:nvSpPr>
-        <p:spPr>
-          <a:xfrm>
-            <a:off x="6741651" y="4588050"/>
-            <a:ext cx="2042808" cy="307777"/>
-          </a:xfrm>
-          <a:prstGeom prst="rect">
-            <a:avLst/>
-          </a:prstGeom>
-          <a:solidFill>
-            <a:schemeClr val="bg2"/>
-          </a:solidFill>
-        </p:spPr>
-        <p:txBody>
-          <a:bodyPr wrap="square" rtlCol="0">
-            <a:spAutoFit/>
-          </a:bodyPr>
-          <a:lstStyle/>
-          <a:p>
-            <a:r>
-              <a:rPr lang="fr-CA" sz="1400" dirty="0"/>
-              <a:t>12 formes distinctes</a:t>
-            </a:r>
-          </a:p>
-        </p:txBody>
-      </p:sp>
-      <p:sp>
-        <p:nvSpPr>
-          <p:cNvPr id="13" name="Cadre 12">
-            <a:extLst>
-              <a:ext uri="{FF2B5EF4-FFF2-40B4-BE49-F238E27FC236}">
-                <a16:creationId xmlns:a16="http://schemas.microsoft.com/office/drawing/2014/main" id="{7B85F860-9792-ABAB-04DC-43A290858F3C}"/>
-              </a:ext>
-            </a:extLst>
-          </p:cNvPr>
-          <p:cNvSpPr/>
-          <p:nvPr/>
-        </p:nvSpPr>
-        <p:spPr>
-          <a:xfrm>
-            <a:off x="1806102" y="4972112"/>
-            <a:ext cx="8079380" cy="386762"/>
-          </a:xfrm>
-          <a:prstGeom prst="frame">
-            <a:avLst/>
-          </a:prstGeom>
-          <a:ln>
-            <a:solidFill>
-              <a:schemeClr val="accent6"/>
-            </a:solidFill>
-          </a:ln>
-        </p:spPr>
-        <p:style>
-          <a:lnRef idx="2">
-            <a:schemeClr val="accent1">
-              <a:shade val="50000"/>
-            </a:schemeClr>
-          </a:lnRef>
-          <a:fillRef idx="1">
-            <a:schemeClr val="accent1"/>
-          </a:fillRef>
-          <a:effectRef idx="0">
-            <a:schemeClr val="accent1"/>
-          </a:effectRef>
-          <a:fontRef idx="minor">
-            <a:schemeClr val="lt1"/>
-          </a:fontRef>
-        </p:style>
-        <p:txBody>
-          <a:bodyPr rtlCol="0" anchor="ctr"/>
-          <a:lstStyle/>
-          <a:p>
-            <a:pPr algn="ctr"/>
-            <a:endParaRPr lang="fr-CA">
-              <a:solidFill>
-                <a:schemeClr val="tx1"/>
-              </a:solidFill>
-            </a:endParaRPr>
-          </a:p>
-        </p:txBody>
-      </p:sp>
-      <p:sp>
-        <p:nvSpPr>
-          <p:cNvPr id="14" name="ZoneTexte 13">
-            <a:extLst>
-              <a:ext uri="{FF2B5EF4-FFF2-40B4-BE49-F238E27FC236}">
-                <a16:creationId xmlns:a16="http://schemas.microsoft.com/office/drawing/2014/main" id="{C8982711-68D5-B37B-2246-0620B53DDE14}"/>
-              </a:ext>
-            </a:extLst>
-          </p:cNvPr>
-          <p:cNvSpPr txBox="1"/>
-          <p:nvPr/>
-        </p:nvSpPr>
-        <p:spPr>
-          <a:xfrm>
-            <a:off x="4435813" y="4459065"/>
-            <a:ext cx="924127" cy="369332"/>
-          </a:xfrm>
-          <a:prstGeom prst="rect">
-            <a:avLst/>
-          </a:prstGeom>
-          <a:solidFill>
-            <a:schemeClr val="bg2"/>
-          </a:solidFill>
-        </p:spPr>
-        <p:txBody>
-          <a:bodyPr wrap="square" rtlCol="0">
-            <a:spAutoFit/>
-          </a:bodyPr>
-          <a:lstStyle/>
-          <a:p>
-            <a:r>
-              <a:rPr lang="fr-CA" dirty="0"/>
-              <a:t>lemmes</a:t>
-            </a:r>
-          </a:p>
-        </p:txBody>
-      </p:sp>
-    </p:spTree>
-    <p:extLst>
-      <p:ext uri="{BB962C8B-B14F-4D97-AF65-F5344CB8AC3E}">
-        <p14:creationId xmlns:p14="http://schemas.microsoft.com/office/powerpoint/2010/main" val="210848547"/>
-      </p:ext>
-    </p:extLst>
-  </p:cSld>
-  <p:clrMapOvr>
-    <a:masterClrMapping/>
-  </p:clrMapOvr>
-</p:sld>
-</file>
-
 <file path=ppt/slides/slide3.xml><?xml version="1.0" encoding="utf-8"?>
 <p:sld xmlns:a="http://schemas.openxmlformats.org/drawingml/2006/main" xmlns:r="http://schemas.openxmlformats.org/officeDocument/2006/relationships" xmlns:p="http://schemas.openxmlformats.org/presentationml/2006/main">
   <p:cSld>

--- a/Introduction_EDA_R.pptx
+++ b/Introduction_EDA_R.pptx
@@ -11984,7 +11984,7 @@
           <a:p>
             <a:fld id="{95F3A9C0-D7C5-1F4F-9ADD-323C3EAE9429}" type="datetimeFigureOut">
               <a:rPr lang="fr-CA" smtClean="0"/>
-              <a:t>2023-02-15</a:t>
+              <a:t>2023-02-16</a:t>
             </a:fld>
             <a:endParaRPr lang="fr-CA"/>
           </a:p>
@@ -12514,7 +12514,7 @@
           <a:p>
             <a:fld id="{02AC24A9-CCB6-4F8D-B8DB-C2F3692CFA5A}" type="datetimeFigureOut">
               <a:rPr lang="en-US" smtClean="0"/>
-              <a:t>2/15/23</a:t>
+              <a:t>2/16/23</a:t>
             </a:fld>
             <a:endParaRPr lang="en-US" dirty="0"/>
           </a:p>
@@ -12884,7 +12884,7 @@
           <a:p>
             <a:fld id="{02AC24A9-CCB6-4F8D-B8DB-C2F3692CFA5A}" type="datetimeFigureOut">
               <a:rPr lang="en-US" smtClean="0"/>
-              <a:t>2/15/23</a:t>
+              <a:t>2/16/23</a:t>
             </a:fld>
             <a:endParaRPr lang="en-US"/>
           </a:p>
@@ -13093,7 +13093,7 @@
           <a:p>
             <a:fld id="{02AC24A9-CCB6-4F8D-B8DB-C2F3692CFA5A}" type="datetimeFigureOut">
               <a:rPr lang="en-US" smtClean="0"/>
-              <a:t>2/15/23</a:t>
+              <a:t>2/16/23</a:t>
             </a:fld>
             <a:endParaRPr lang="en-US"/>
           </a:p>
@@ -13563,7 +13563,7 @@
           <a:p>
             <a:fld id="{02AC24A9-CCB6-4F8D-B8DB-C2F3692CFA5A}" type="datetimeFigureOut">
               <a:rPr lang="en-US" smtClean="0"/>
-              <a:t>2/15/23</a:t>
+              <a:t>2/16/23</a:t>
             </a:fld>
             <a:endParaRPr lang="en-US"/>
           </a:p>
@@ -14017,7 +14017,7 @@
           <a:p>
             <a:fld id="{02AC24A9-CCB6-4F8D-B8DB-C2F3692CFA5A}" type="datetimeFigureOut">
               <a:rPr lang="en-US" smtClean="0"/>
-              <a:t>2/15/23</a:t>
+              <a:t>2/16/23</a:t>
             </a:fld>
             <a:endParaRPr lang="en-US"/>
           </a:p>
@@ -14549,7 +14549,7 @@
           <a:p>
             <a:fld id="{02AC24A9-CCB6-4F8D-B8DB-C2F3692CFA5A}" type="datetimeFigureOut">
               <a:rPr lang="en-US" smtClean="0"/>
-              <a:t>2/15/23</a:t>
+              <a:t>2/16/23</a:t>
             </a:fld>
             <a:endParaRPr lang="en-US"/>
           </a:p>
@@ -15248,7 +15248,7 @@
           <a:p>
             <a:fld id="{02AC24A9-CCB6-4F8D-B8DB-C2F3692CFA5A}" type="datetimeFigureOut">
               <a:rPr lang="en-US" smtClean="0"/>
-              <a:t>2/15/23</a:t>
+              <a:t>2/16/23</a:t>
             </a:fld>
             <a:endParaRPr lang="en-US"/>
           </a:p>
@@ -15577,7 +15577,7 @@
           <a:p>
             <a:fld id="{02AC24A9-CCB6-4F8D-B8DB-C2F3692CFA5A}" type="datetimeFigureOut">
               <a:rPr lang="en-US" smtClean="0"/>
-              <a:t>2/15/23</a:t>
+              <a:t>2/16/23</a:t>
             </a:fld>
             <a:endParaRPr lang="en-US"/>
           </a:p>
@@ -15690,7 +15690,7 @@
           <a:p>
             <a:fld id="{02AC24A9-CCB6-4F8D-B8DB-C2F3692CFA5A}" type="datetimeFigureOut">
               <a:rPr lang="en-US" smtClean="0"/>
-              <a:t>2/15/23</a:t>
+              <a:t>2/16/23</a:t>
             </a:fld>
             <a:endParaRPr lang="en-US"/>
           </a:p>
@@ -16185,7 +16185,7 @@
           <a:p>
             <a:fld id="{02AC24A9-CCB6-4F8D-B8DB-C2F3692CFA5A}" type="datetimeFigureOut">
               <a:rPr lang="en-US" smtClean="0"/>
-              <a:t>2/15/23</a:t>
+              <a:t>2/16/23</a:t>
             </a:fld>
             <a:endParaRPr lang="en-US" dirty="0"/>
           </a:p>
@@ -16662,7 +16662,7 @@
           <a:p>
             <a:fld id="{02AC24A9-CCB6-4F8D-B8DB-C2F3692CFA5A}" type="datetimeFigureOut">
               <a:rPr lang="en-US" smtClean="0"/>
-              <a:t>2/15/23</a:t>
+              <a:t>2/16/23</a:t>
             </a:fld>
             <a:endParaRPr lang="en-US"/>
           </a:p>
@@ -16905,7 +16905,7 @@
           <a:p>
             <a:fld id="{02AC24A9-CCB6-4F8D-B8DB-C2F3692CFA5A}" type="datetimeFigureOut">
               <a:rPr lang="en-US" smtClean="0"/>
-              <a:t>2/15/23</a:t>
+              <a:t>2/16/23</a:t>
             </a:fld>
             <a:endParaRPr lang="en-US"/>
           </a:p>
@@ -25630,14 +25630,14 @@
             <p:ph idx="1"/>
             <p:extLst>
               <p:ext uri="{D42A27DB-BD31-4B8C-83A1-F6EECF244321}">
-                <p14:modId xmlns:p14="http://schemas.microsoft.com/office/powerpoint/2010/main" val="1955329903"/>
+                <p14:modId xmlns:p14="http://schemas.microsoft.com/office/powerpoint/2010/main" val="1950553822"/>
               </p:ext>
             </p:extLst>
           </p:nvPr>
         </p:nvGraphicFramePr>
         <p:xfrm>
           <a:off x="833613" y="2302983"/>
-          <a:ext cx="10167936" cy="4191000"/>
+          <a:ext cx="10167936" cy="3550920"/>
         </p:xfrm>
         <a:graphic>
           <a:graphicData uri="http://schemas.openxmlformats.org/drawingml/2006/table">
@@ -25741,159 +25741,6 @@
                 <a:extLst>
                   <a:ext uri="{0D108BD9-81ED-4DB2-BD59-A6C34878D82A}">
                     <a16:rowId xmlns:a16="http://schemas.microsoft.com/office/drawing/2014/main" val="3440272393"/>
-                  </a:ext>
-                </a:extLst>
-              </a:tr>
-              <a:tr h="370840">
-                <a:tc>
-                  <a:txBody>
-                    <a:bodyPr/>
-                    <a:lstStyle/>
-                    <a:p>
-                      <a:r>
-                        <a:rPr lang="fr-CA" dirty="0" err="1">
-                          <a:latin typeface="American Typewriter" panose="02090604020004020304" pitchFamily="18" charset="77"/>
-                        </a:rPr>
-                        <a:t>getwd</a:t>
-                      </a:r>
-                      <a:r>
-                        <a:rPr lang="fr-CA" dirty="0">
-                          <a:latin typeface="American Typewriter" panose="02090604020004020304" pitchFamily="18" charset="77"/>
-                        </a:rPr>
-                        <a:t>( ) et </a:t>
-                      </a:r>
-                      <a:r>
-                        <a:rPr lang="fr-CA" dirty="0" err="1">
-                          <a:latin typeface="American Typewriter" panose="02090604020004020304" pitchFamily="18" charset="77"/>
-                        </a:rPr>
-                        <a:t>setwd</a:t>
-                      </a:r>
-                      <a:r>
-                        <a:rPr lang="fr-CA" dirty="0">
-                          <a:latin typeface="American Typewriter" panose="02090604020004020304" pitchFamily="18" charset="77"/>
-                        </a:rPr>
-                        <a:t>( )</a:t>
-                      </a:r>
-                    </a:p>
-                  </a:txBody>
-                  <a:tcPr/>
-                </a:tc>
-                <a:tc>
-                  <a:txBody>
-                    <a:bodyPr/>
-                    <a:lstStyle/>
-                    <a:p>
-                      <a:r>
-                        <a:rPr lang="fr-CA" dirty="0">
-                          <a:latin typeface="American Typewriter" panose="02090604020004020304" pitchFamily="18" charset="77"/>
-                        </a:rPr>
-                        <a:t>Chemin du répertoire de travail</a:t>
-                      </a:r>
-                    </a:p>
-                  </a:txBody>
-                  <a:tcPr/>
-                </a:tc>
-                <a:tc>
-                  <a:txBody>
-                    <a:bodyPr/>
-                    <a:lstStyle/>
-                    <a:p>
-                      <a:pPr marL="0" marR="0" lvl="0" indent="0" algn="l" defTabSz="914400" rtl="0" eaLnBrk="1" fontAlgn="auto" latinLnBrk="0" hangingPunct="1">
-                        <a:lnSpc>
-                          <a:spcPct val="100000"/>
-                        </a:lnSpc>
-                        <a:spcBef>
-                          <a:spcPts val="0"/>
-                        </a:spcBef>
-                        <a:spcAft>
-                          <a:spcPts val="0"/>
-                        </a:spcAft>
-                        <a:buClrTx/>
-                        <a:buSzTx/>
-                        <a:buFontTx/>
-                        <a:buNone/>
-                        <a:tabLst/>
-                        <a:defRPr/>
-                      </a:pPr>
-                      <a:r>
-                        <a:rPr lang="fr-CA" dirty="0" err="1">
-                          <a:latin typeface="American Typewriter" panose="02090604020004020304" pitchFamily="18" charset="77"/>
-                        </a:rPr>
-                        <a:t>setwd</a:t>
-                      </a:r>
-                      <a:r>
-                        <a:rPr lang="fr-CA" dirty="0">
-                          <a:latin typeface="American Typewriter" panose="02090604020004020304" pitchFamily="18" charset="77"/>
-                        </a:rPr>
-                        <a:t>("</a:t>
-                      </a:r>
-                      <a:r>
-                        <a:rPr lang="fr-CA" sz="1800" kern="1200" dirty="0">
-                          <a:solidFill>
-                            <a:schemeClr val="tx1"/>
-                          </a:solidFill>
-                          <a:effectLst/>
-                          <a:latin typeface="American Typewriter" panose="02090604020004020304" pitchFamily="18" charset="77"/>
-                          <a:ea typeface="+mn-ea"/>
-                          <a:cs typeface="+mn-cs"/>
-                        </a:rPr>
-                        <a:t>/</a:t>
-                      </a:r>
-                      <a:r>
-                        <a:rPr lang="fr-CA" sz="1800" kern="1200" dirty="0" err="1">
-                          <a:solidFill>
-                            <a:schemeClr val="tx1"/>
-                          </a:solidFill>
-                          <a:effectLst/>
-                          <a:latin typeface="American Typewriter" panose="02090604020004020304" pitchFamily="18" charset="77"/>
-                          <a:ea typeface="+mn-ea"/>
-                          <a:cs typeface="+mn-cs"/>
-                        </a:rPr>
-                        <a:t>Users</a:t>
-                      </a:r>
-                      <a:r>
-                        <a:rPr lang="fr-CA" sz="1800" kern="1200" dirty="0">
-                          <a:solidFill>
-                            <a:schemeClr val="tx1"/>
-                          </a:solidFill>
-                          <a:effectLst/>
-                          <a:latin typeface="American Typewriter" panose="02090604020004020304" pitchFamily="18" charset="77"/>
-                          <a:ea typeface="+mn-ea"/>
-                          <a:cs typeface="+mn-cs"/>
-                        </a:rPr>
-                        <a:t>/</a:t>
-                      </a:r>
-                      <a:r>
-                        <a:rPr lang="fr-CA" sz="1800" kern="1200" dirty="0" err="1">
-                          <a:solidFill>
-                            <a:schemeClr val="tx1"/>
-                          </a:solidFill>
-                          <a:effectLst/>
-                          <a:latin typeface="American Typewriter" panose="02090604020004020304" pitchFamily="18" charset="77"/>
-                          <a:ea typeface="+mn-ea"/>
-                          <a:cs typeface="+mn-cs"/>
-                        </a:rPr>
-                        <a:t>pascalbrissette</a:t>
-                      </a:r>
-                      <a:r>
-                        <a:rPr lang="fr-CA" sz="1800" kern="1200" dirty="0">
-                          <a:solidFill>
-                            <a:schemeClr val="tx1"/>
-                          </a:solidFill>
-                          <a:effectLst/>
-                          <a:latin typeface="American Typewriter" panose="02090604020004020304" pitchFamily="18" charset="77"/>
-                          <a:ea typeface="+mn-ea"/>
-                          <a:cs typeface="+mn-cs"/>
-                        </a:rPr>
-                        <a:t>")</a:t>
-                      </a:r>
-                    </a:p>
-                  </a:txBody>
-                  <a:tcPr/>
-                </a:tc>
-                <a:extLst>
-                  <a:ext uri="{0D108BD9-81ED-4DB2-BD59-A6C34878D82A}">
-                    <a16:rowId xmlns:a16="http://schemas.microsoft.com/office/drawing/2014/main" val="2551363251"/>
                   </a:ext>
                 </a:extLst>
               </a:tr>

--- a/Introduction_EDA_R.pptx
+++ b/Introduction_EDA_R.pptx
@@ -5,7 +5,7 @@
     <p:sldMasterId id="2147483710" r:id="rId1"/>
   </p:sldMasterIdLst>
   <p:notesMasterIdLst>
-    <p:notesMasterId r:id="rId26"/>
+    <p:notesMasterId r:id="rId28"/>
   </p:notesMasterIdLst>
   <p:sldIdLst>
     <p:sldId id="256" r:id="rId2"/>
@@ -18,20 +18,22 @@
     <p:sldId id="288" r:id="rId9"/>
     <p:sldId id="289" r:id="rId10"/>
     <p:sldId id="316" r:id="rId11"/>
-    <p:sldId id="323" r:id="rId12"/>
-    <p:sldId id="322" r:id="rId13"/>
-    <p:sldId id="321" r:id="rId14"/>
-    <p:sldId id="313" r:id="rId15"/>
-    <p:sldId id="324" r:id="rId16"/>
-    <p:sldId id="325" r:id="rId17"/>
-    <p:sldId id="326" r:id="rId18"/>
-    <p:sldId id="327" r:id="rId19"/>
-    <p:sldId id="315" r:id="rId20"/>
-    <p:sldId id="320" r:id="rId21"/>
-    <p:sldId id="314" r:id="rId22"/>
-    <p:sldId id="318" r:id="rId23"/>
-    <p:sldId id="319" r:id="rId24"/>
-    <p:sldId id="309" r:id="rId25"/>
+    <p:sldId id="328" r:id="rId12"/>
+    <p:sldId id="323" r:id="rId13"/>
+    <p:sldId id="322" r:id="rId14"/>
+    <p:sldId id="321" r:id="rId15"/>
+    <p:sldId id="313" r:id="rId16"/>
+    <p:sldId id="324" r:id="rId17"/>
+    <p:sldId id="325" r:id="rId18"/>
+    <p:sldId id="326" r:id="rId19"/>
+    <p:sldId id="327" r:id="rId20"/>
+    <p:sldId id="315" r:id="rId21"/>
+    <p:sldId id="320" r:id="rId22"/>
+    <p:sldId id="314" r:id="rId23"/>
+    <p:sldId id="318" r:id="rId24"/>
+    <p:sldId id="319" r:id="rId25"/>
+    <p:sldId id="329" r:id="rId26"/>
+    <p:sldId id="309" r:id="rId27"/>
   </p:sldIdLst>
   <p:sldSz cx="12192000" cy="6858000"/>
   <p:notesSz cx="6858000" cy="9144000"/>
@@ -145,6 +147,7 @@
             <p14:sldId id="288"/>
             <p14:sldId id="289"/>
             <p14:sldId id="316"/>
+            <p14:sldId id="328"/>
             <p14:sldId id="323"/>
             <p14:sldId id="322"/>
             <p14:sldId id="321"/>
@@ -158,6 +161,7 @@
             <p14:sldId id="314"/>
             <p14:sldId id="318"/>
             <p14:sldId id="319"/>
+            <p14:sldId id="329"/>
             <p14:sldId id="309"/>
           </p14:sldIdLst>
         </p14:section>
@@ -11984,7 +11988,7 @@
           <a:p>
             <a:fld id="{95F3A9C0-D7C5-1F4F-9ADD-323C3EAE9429}" type="datetimeFigureOut">
               <a:rPr lang="fr-CA" smtClean="0"/>
-              <a:t>2023-02-16</a:t>
+              <a:t>2023-02-20</a:t>
             </a:fld>
             <a:endParaRPr lang="fr-CA"/>
           </a:p>
@@ -12339,7 +12343,7 @@
           <a:p>
             <a:fld id="{5AF06E3D-D3AF-974B-B662-9B3DFC1298AA}" type="slidenum">
               <a:rPr lang="fr-CA" smtClean="0"/>
-              <a:t>22</a:t>
+              <a:t>23</a:t>
             </a:fld>
             <a:endParaRPr lang="fr-CA"/>
           </a:p>
@@ -12514,7 +12518,7 @@
           <a:p>
             <a:fld id="{02AC24A9-CCB6-4F8D-B8DB-C2F3692CFA5A}" type="datetimeFigureOut">
               <a:rPr lang="en-US" smtClean="0"/>
-              <a:t>2/16/23</a:t>
+              <a:t>2/20/23</a:t>
             </a:fld>
             <a:endParaRPr lang="en-US" dirty="0"/>
           </a:p>
@@ -12884,7 +12888,7 @@
           <a:p>
             <a:fld id="{02AC24A9-CCB6-4F8D-B8DB-C2F3692CFA5A}" type="datetimeFigureOut">
               <a:rPr lang="en-US" smtClean="0"/>
-              <a:t>2/16/23</a:t>
+              <a:t>2/20/23</a:t>
             </a:fld>
             <a:endParaRPr lang="en-US"/>
           </a:p>
@@ -13093,7 +13097,7 @@
           <a:p>
             <a:fld id="{02AC24A9-CCB6-4F8D-B8DB-C2F3692CFA5A}" type="datetimeFigureOut">
               <a:rPr lang="en-US" smtClean="0"/>
-              <a:t>2/16/23</a:t>
+              <a:t>2/20/23</a:t>
             </a:fld>
             <a:endParaRPr lang="en-US"/>
           </a:p>
@@ -13563,7 +13567,7 @@
           <a:p>
             <a:fld id="{02AC24A9-CCB6-4F8D-B8DB-C2F3692CFA5A}" type="datetimeFigureOut">
               <a:rPr lang="en-US" smtClean="0"/>
-              <a:t>2/16/23</a:t>
+              <a:t>2/20/23</a:t>
             </a:fld>
             <a:endParaRPr lang="en-US"/>
           </a:p>
@@ -14017,7 +14021,7 @@
           <a:p>
             <a:fld id="{02AC24A9-CCB6-4F8D-B8DB-C2F3692CFA5A}" type="datetimeFigureOut">
               <a:rPr lang="en-US" smtClean="0"/>
-              <a:t>2/16/23</a:t>
+              <a:t>2/20/23</a:t>
             </a:fld>
             <a:endParaRPr lang="en-US"/>
           </a:p>
@@ -14549,7 +14553,7 @@
           <a:p>
             <a:fld id="{02AC24A9-CCB6-4F8D-B8DB-C2F3692CFA5A}" type="datetimeFigureOut">
               <a:rPr lang="en-US" smtClean="0"/>
-              <a:t>2/16/23</a:t>
+              <a:t>2/20/23</a:t>
             </a:fld>
             <a:endParaRPr lang="en-US"/>
           </a:p>
@@ -15248,7 +15252,7 @@
           <a:p>
             <a:fld id="{02AC24A9-CCB6-4F8D-B8DB-C2F3692CFA5A}" type="datetimeFigureOut">
               <a:rPr lang="en-US" smtClean="0"/>
-              <a:t>2/16/23</a:t>
+              <a:t>2/20/23</a:t>
             </a:fld>
             <a:endParaRPr lang="en-US"/>
           </a:p>
@@ -15577,7 +15581,7 @@
           <a:p>
             <a:fld id="{02AC24A9-CCB6-4F8D-B8DB-C2F3692CFA5A}" type="datetimeFigureOut">
               <a:rPr lang="en-US" smtClean="0"/>
-              <a:t>2/16/23</a:t>
+              <a:t>2/20/23</a:t>
             </a:fld>
             <a:endParaRPr lang="en-US"/>
           </a:p>
@@ -15690,7 +15694,7 @@
           <a:p>
             <a:fld id="{02AC24A9-CCB6-4F8D-B8DB-C2F3692CFA5A}" type="datetimeFigureOut">
               <a:rPr lang="en-US" smtClean="0"/>
-              <a:t>2/16/23</a:t>
+              <a:t>2/20/23</a:t>
             </a:fld>
             <a:endParaRPr lang="en-US"/>
           </a:p>
@@ -16185,7 +16189,7 @@
           <a:p>
             <a:fld id="{02AC24A9-CCB6-4F8D-B8DB-C2F3692CFA5A}" type="datetimeFigureOut">
               <a:rPr lang="en-US" smtClean="0"/>
-              <a:t>2/16/23</a:t>
+              <a:t>2/20/23</a:t>
             </a:fld>
             <a:endParaRPr lang="en-US" dirty="0"/>
           </a:p>
@@ -16662,7 +16666,7 @@
           <a:p>
             <a:fld id="{02AC24A9-CCB6-4F8D-B8DB-C2F3692CFA5A}" type="datetimeFigureOut">
               <a:rPr lang="en-US" smtClean="0"/>
-              <a:t>2/16/23</a:t>
+              <a:t>2/20/23</a:t>
             </a:fld>
             <a:endParaRPr lang="en-US"/>
           </a:p>
@@ -16905,7 +16909,7 @@
           <a:p>
             <a:fld id="{02AC24A9-CCB6-4F8D-B8DB-C2F3692CFA5A}" type="datetimeFigureOut">
               <a:rPr lang="en-US" smtClean="0"/>
-              <a:t>2/16/23</a:t>
+              <a:t>2/20/23</a:t>
             </a:fld>
             <a:endParaRPr lang="en-US"/>
           </a:p>
@@ -17872,6 +17876,430 @@
       </p:grpSpPr>
       <p:sp>
         <p:nvSpPr>
+          <p:cNvPr id="2" name="Titre 1">
+            <a:extLst>
+              <a:ext uri="{FF2B5EF4-FFF2-40B4-BE49-F238E27FC236}">
+                <a16:creationId xmlns:a16="http://schemas.microsoft.com/office/drawing/2014/main" id="{1FCD3F2E-2DCA-876A-27F6-E042DDC57529}"/>
+              </a:ext>
+            </a:extLst>
+          </p:cNvPr>
+          <p:cNvSpPr>
+            <a:spLocks noGrp="1"/>
+          </p:cNvSpPr>
+          <p:nvPr>
+            <p:ph type="title"/>
+          </p:nvPr>
+        </p:nvSpPr>
+        <p:spPr/>
+        <p:txBody>
+          <a:bodyPr/>
+          <a:lstStyle/>
+          <a:p>
+            <a:r>
+              <a:rPr lang="fr-CA" dirty="0"/>
+              <a:t>R est un langage orienté « objet »</a:t>
+            </a:r>
+          </a:p>
+        </p:txBody>
+      </p:sp>
+      <p:sp>
+        <p:nvSpPr>
+          <p:cNvPr id="4" name="Espace réservé du texte 3">
+            <a:extLst>
+              <a:ext uri="{FF2B5EF4-FFF2-40B4-BE49-F238E27FC236}">
+                <a16:creationId xmlns:a16="http://schemas.microsoft.com/office/drawing/2014/main" id="{F72DF280-549A-042E-5C48-AE7F3FD8F967}"/>
+              </a:ext>
+            </a:extLst>
+          </p:cNvPr>
+          <p:cNvSpPr>
+            <a:spLocks noGrp="1"/>
+          </p:cNvSpPr>
+          <p:nvPr>
+            <p:ph type="body" idx="1"/>
+          </p:nvPr>
+        </p:nvSpPr>
+        <p:spPr/>
+        <p:txBody>
+          <a:bodyPr/>
+          <a:lstStyle/>
+          <a:p>
+            <a:r>
+              <a:rPr lang="fr-CA" dirty="0"/>
+              <a:t>Définition</a:t>
+            </a:r>
+          </a:p>
+        </p:txBody>
+      </p:sp>
+      <p:sp>
+        <p:nvSpPr>
+          <p:cNvPr id="3" name="Espace réservé du contenu 2">
+            <a:extLst>
+              <a:ext uri="{FF2B5EF4-FFF2-40B4-BE49-F238E27FC236}">
+                <a16:creationId xmlns:a16="http://schemas.microsoft.com/office/drawing/2014/main" id="{43E2E83E-DBAF-4D2B-93B0-AC3561025278}"/>
+              </a:ext>
+            </a:extLst>
+          </p:cNvPr>
+          <p:cNvSpPr>
+            <a:spLocks noGrp="1"/>
+          </p:cNvSpPr>
+          <p:nvPr>
+            <p:ph sz="half" idx="2"/>
+          </p:nvPr>
+        </p:nvSpPr>
+        <p:spPr>
+          <a:xfrm>
+            <a:off x="1115568" y="3203688"/>
+            <a:ext cx="4937760" cy="3404930"/>
+          </a:xfrm>
+        </p:spPr>
+        <p:txBody>
+          <a:bodyPr>
+            <a:normAutofit fontScale="85000" lnSpcReduction="20000"/>
+          </a:bodyPr>
+          <a:lstStyle/>
+          <a:p>
+            <a:r>
+              <a:rPr lang="fr-CA" dirty="0"/>
+              <a:t>À peu près tout dans R est un objet. Qu’est-ce que cela veut dire?</a:t>
+            </a:r>
+          </a:p>
+          <a:p>
+            <a:pPr lvl="1"/>
+            <a:r>
+              <a:rPr lang="fr-CA" i="1" dirty="0"/>
+              <a:t>Object </a:t>
+            </a:r>
+            <a:r>
+              <a:rPr lang="fr-CA" i="1" dirty="0" err="1"/>
+              <a:t>Oriented</a:t>
+            </a:r>
+            <a:r>
+              <a:rPr lang="fr-CA" i="1" dirty="0"/>
+              <a:t> </a:t>
+            </a:r>
+            <a:r>
+              <a:rPr lang="fr-CA" i="1" dirty="0" err="1"/>
+              <a:t>Language</a:t>
+            </a:r>
+            <a:r>
+              <a:rPr lang="fr-CA" dirty="0"/>
+              <a:t> est un paradigme de programmation qui mise sur la modélisation des données sous forme d’objet.</a:t>
+            </a:r>
+          </a:p>
+          <a:p>
+            <a:pPr lvl="1"/>
+            <a:r>
+              <a:rPr lang="fr-CA" dirty="0"/>
+              <a:t>Des objets sont des instances autonomes pourvus d’attributs et de méthodes.</a:t>
+            </a:r>
+          </a:p>
+          <a:p>
+            <a:pPr lvl="1"/>
+            <a:r>
+              <a:rPr lang="fr-CA" dirty="0"/>
+              <a:t>Dans un OOL, les données sont encapsulées dans des objets, dont on peut vérifier les attributs.</a:t>
+            </a:r>
+          </a:p>
+          <a:p>
+            <a:pPr lvl="1"/>
+            <a:endParaRPr lang="fr-CA" dirty="0"/>
+          </a:p>
+        </p:txBody>
+      </p:sp>
+      <p:sp>
+        <p:nvSpPr>
+          <p:cNvPr id="5" name="Espace réservé du texte 4">
+            <a:extLst>
+              <a:ext uri="{FF2B5EF4-FFF2-40B4-BE49-F238E27FC236}">
+                <a16:creationId xmlns:a16="http://schemas.microsoft.com/office/drawing/2014/main" id="{FEDD7881-2E1F-FD2A-F79B-02904AC01808}"/>
+              </a:ext>
+            </a:extLst>
+          </p:cNvPr>
+          <p:cNvSpPr>
+            <a:spLocks noGrp="1"/>
+          </p:cNvSpPr>
+          <p:nvPr>
+            <p:ph type="body" sz="quarter" idx="3"/>
+          </p:nvPr>
+        </p:nvSpPr>
+        <p:spPr/>
+        <p:txBody>
+          <a:bodyPr/>
+          <a:lstStyle/>
+          <a:p>
+            <a:r>
+              <a:rPr lang="fr-CA" dirty="0"/>
+              <a:t>Exemple</a:t>
+            </a:r>
+          </a:p>
+        </p:txBody>
+      </p:sp>
+      <p:sp>
+        <p:nvSpPr>
+          <p:cNvPr id="6" name="Espace réservé du contenu 5">
+            <a:extLst>
+              <a:ext uri="{FF2B5EF4-FFF2-40B4-BE49-F238E27FC236}">
+                <a16:creationId xmlns:a16="http://schemas.microsoft.com/office/drawing/2014/main" id="{FA1E2320-981A-CA0A-F83D-5E1B0D034935}"/>
+              </a:ext>
+            </a:extLst>
+          </p:cNvPr>
+          <p:cNvSpPr>
+            <a:spLocks noGrp="1"/>
+          </p:cNvSpPr>
+          <p:nvPr>
+            <p:ph sz="quarter" idx="4"/>
+          </p:nvPr>
+        </p:nvSpPr>
+        <p:spPr>
+          <a:xfrm>
+            <a:off x="6345936" y="3203687"/>
+            <a:ext cx="4937760" cy="3404930"/>
+          </a:xfrm>
+        </p:spPr>
+        <p:txBody>
+          <a:bodyPr>
+            <a:normAutofit fontScale="85000" lnSpcReduction="20000"/>
+          </a:bodyPr>
+          <a:lstStyle/>
+          <a:p>
+            <a:r>
+              <a:rPr lang="fr-CA" dirty="0"/>
+              <a:t>Le jeu de données que nous allons importer dans R a les attributs suivants:</a:t>
+            </a:r>
+          </a:p>
+          <a:p>
+            <a:pPr marL="457200" lvl="1" indent="0">
+              <a:buNone/>
+            </a:pPr>
+            <a:endParaRPr lang="fr-CA" dirty="0"/>
+          </a:p>
+          <a:p>
+            <a:pPr marL="457200" lvl="1" indent="0">
+              <a:buNone/>
+            </a:pPr>
+            <a:r>
+              <a:rPr lang="fr-CA" dirty="0"/>
+              <a:t>&gt; </a:t>
+            </a:r>
+            <a:r>
+              <a:rPr lang="fr-CA" dirty="0" err="1">
+                <a:highlight>
+                  <a:srgbClr val="FF00FF"/>
+                </a:highlight>
+              </a:rPr>
+              <a:t>attributes</a:t>
+            </a:r>
+            <a:r>
+              <a:rPr lang="fr-CA" dirty="0">
+                <a:highlight>
+                  <a:srgbClr val="FF00FF"/>
+                </a:highlight>
+              </a:rPr>
+              <a:t>(</a:t>
+            </a:r>
+            <a:r>
+              <a:rPr lang="fr-CA" dirty="0" err="1">
+                <a:highlight>
+                  <a:srgbClr val="FF00FF"/>
+                </a:highlight>
+              </a:rPr>
+              <a:t>xyz</a:t>
+            </a:r>
+            <a:r>
+              <a:rPr lang="fr-CA" dirty="0">
+                <a:highlight>
+                  <a:srgbClr val="FF00FF"/>
+                </a:highlight>
+              </a:rPr>
+              <a:t>)</a:t>
+            </a:r>
+          </a:p>
+          <a:p>
+            <a:pPr marL="457200" lvl="1" indent="0">
+              <a:spcBef>
+                <a:spcPts val="0"/>
+              </a:spcBef>
+              <a:buNone/>
+            </a:pPr>
+            <a:r>
+              <a:rPr lang="fr-CA" dirty="0">
+                <a:highlight>
+                  <a:srgbClr val="FFFF00"/>
+                </a:highlight>
+              </a:rPr>
+              <a:t>$</a:t>
+            </a:r>
+            <a:r>
+              <a:rPr lang="fr-CA" dirty="0" err="1">
+                <a:highlight>
+                  <a:srgbClr val="FFFF00"/>
+                </a:highlight>
+              </a:rPr>
+              <a:t>names</a:t>
+            </a:r>
+            <a:endParaRPr lang="fr-CA" dirty="0">
+              <a:highlight>
+                <a:srgbClr val="FFFF00"/>
+              </a:highlight>
+            </a:endParaRPr>
+          </a:p>
+          <a:p>
+            <a:pPr marL="457200" lvl="1" indent="0">
+              <a:spcBef>
+                <a:spcPts val="0"/>
+              </a:spcBef>
+              <a:buNone/>
+            </a:pPr>
+            <a:r>
+              <a:rPr lang="fr-CA" dirty="0"/>
+              <a:t> [1] "périodique"       "titre" …</a:t>
+            </a:r>
+          </a:p>
+          <a:p>
+            <a:pPr marL="457200" lvl="1" indent="0">
+              <a:spcBef>
+                <a:spcPts val="0"/>
+              </a:spcBef>
+              <a:buNone/>
+            </a:pPr>
+            <a:endParaRPr lang="fr-CA" dirty="0"/>
+          </a:p>
+          <a:p>
+            <a:pPr marL="457200" lvl="1" indent="0">
+              <a:spcBef>
+                <a:spcPts val="0"/>
+              </a:spcBef>
+              <a:buNone/>
+            </a:pPr>
+            <a:r>
+              <a:rPr lang="fr-CA" dirty="0">
+                <a:highlight>
+                  <a:srgbClr val="FFFF00"/>
+                </a:highlight>
+              </a:rPr>
+              <a:t>$</a:t>
+            </a:r>
+            <a:r>
+              <a:rPr lang="fr-CA" dirty="0" err="1">
+                <a:highlight>
+                  <a:srgbClr val="FFFF00"/>
+                </a:highlight>
+              </a:rPr>
+              <a:t>row.names</a:t>
+            </a:r>
+            <a:endParaRPr lang="fr-CA" dirty="0">
+              <a:highlight>
+                <a:srgbClr val="FFFF00"/>
+              </a:highlight>
+            </a:endParaRPr>
+          </a:p>
+          <a:p>
+            <a:pPr marL="457200" lvl="1" indent="0">
+              <a:spcBef>
+                <a:spcPts val="0"/>
+              </a:spcBef>
+              <a:buNone/>
+            </a:pPr>
+            <a:r>
+              <a:rPr lang="fr-CA" dirty="0"/>
+              <a:t>[1] 1 2 3 4 5</a:t>
+            </a:r>
+          </a:p>
+          <a:p>
+            <a:pPr marL="457200" lvl="1" indent="0">
+              <a:spcBef>
+                <a:spcPts val="0"/>
+              </a:spcBef>
+              <a:buNone/>
+            </a:pPr>
+            <a:endParaRPr lang="fr-CA" dirty="0"/>
+          </a:p>
+          <a:p>
+            <a:pPr marL="457200" lvl="1" indent="0">
+              <a:spcBef>
+                <a:spcPts val="0"/>
+              </a:spcBef>
+              <a:buNone/>
+            </a:pPr>
+            <a:r>
+              <a:rPr lang="fr-CA" dirty="0">
+                <a:highlight>
+                  <a:srgbClr val="FFFF00"/>
+                </a:highlight>
+              </a:rPr>
+              <a:t>$class</a:t>
+            </a:r>
+          </a:p>
+          <a:p>
+            <a:pPr marL="457200" lvl="1" indent="0">
+              <a:spcBef>
+                <a:spcPts val="0"/>
+              </a:spcBef>
+              <a:buNone/>
+            </a:pPr>
+            <a:r>
+              <a:rPr lang="fr-CA" dirty="0"/>
+              <a:t>[1] "</a:t>
+            </a:r>
+            <a:r>
+              <a:rPr lang="fr-CA" dirty="0" err="1"/>
+              <a:t>tbl_df</a:t>
+            </a:r>
+            <a:r>
+              <a:rPr lang="fr-CA" dirty="0"/>
+              <a:t>"     "</a:t>
+            </a:r>
+            <a:r>
+              <a:rPr lang="fr-CA" dirty="0" err="1"/>
+              <a:t>tbl</a:t>
+            </a:r>
+            <a:r>
+              <a:rPr lang="fr-CA" dirty="0"/>
+              <a:t>"        "</a:t>
+            </a:r>
+            <a:r>
+              <a:rPr lang="fr-CA" dirty="0" err="1"/>
+              <a:t>data.frame</a:t>
+            </a:r>
+            <a:r>
+              <a:rPr lang="fr-CA" dirty="0"/>
+              <a:t>"</a:t>
+            </a:r>
+          </a:p>
+        </p:txBody>
+      </p:sp>
+    </p:spTree>
+    <p:extLst>
+      <p:ext uri="{BB962C8B-B14F-4D97-AF65-F5344CB8AC3E}">
+        <p14:creationId xmlns:p14="http://schemas.microsoft.com/office/powerpoint/2010/main" val="1201350102"/>
+      </p:ext>
+    </p:extLst>
+  </p:cSld>
+  <p:clrMapOvr>
+    <a:masterClrMapping/>
+  </p:clrMapOvr>
+</p:sld>
+</file>
+
+<file path=ppt/slides/slide12.xml><?xml version="1.0" encoding="utf-8"?>
+<p:sld xmlns:a="http://schemas.openxmlformats.org/drawingml/2006/main" xmlns:r="http://schemas.openxmlformats.org/officeDocument/2006/relationships" xmlns:p="http://schemas.openxmlformats.org/presentationml/2006/main">
+  <p:cSld>
+    <p:spTree>
+      <p:nvGrpSpPr>
+        <p:cNvPr id="1" name=""/>
+        <p:cNvGrpSpPr/>
+        <p:nvPr/>
+      </p:nvGrpSpPr>
+      <p:grpSpPr>
+        <a:xfrm>
+          <a:off x="0" y="0"/>
+          <a:ext cx="0" cy="0"/>
+          <a:chOff x="0" y="0"/>
+          <a:chExt cx="0" cy="0"/>
+        </a:xfrm>
+      </p:grpSpPr>
+      <p:sp>
+        <p:nvSpPr>
           <p:cNvPr id="3" name="Titre 2">
             <a:extLst>
               <a:ext uri="{FF2B5EF4-FFF2-40B4-BE49-F238E27FC236}">
@@ -18678,7 +19106,7 @@
 </p:sld>
 </file>
 
-<file path=ppt/slides/slide12.xml><?xml version="1.0" encoding="utf-8"?>
+<file path=ppt/slides/slide13.xml><?xml version="1.0" encoding="utf-8"?>
 <p:sld xmlns:a="http://schemas.openxmlformats.org/drawingml/2006/main" xmlns:r="http://schemas.openxmlformats.org/officeDocument/2006/relationships" xmlns:p="http://schemas.openxmlformats.org/presentationml/2006/main">
   <p:cSld>
     <p:spTree>
@@ -19124,7 +19552,7 @@
 </p:sld>
 </file>
 
-<file path=ppt/slides/slide13.xml><?xml version="1.0" encoding="utf-8"?>
+<file path=ppt/slides/slide14.xml><?xml version="1.0" encoding="utf-8"?>
 <p:sld xmlns:a="http://schemas.openxmlformats.org/drawingml/2006/main" xmlns:r="http://schemas.openxmlformats.org/officeDocument/2006/relationships" xmlns:p="http://schemas.openxmlformats.org/presentationml/2006/main">
   <p:cSld>
     <p:bg>
@@ -20322,7 +20750,7 @@
 </p:sld>
 </file>
 
-<file path=ppt/slides/slide14.xml><?xml version="1.0" encoding="utf-8"?>
+<file path=ppt/slides/slide15.xml><?xml version="1.0" encoding="utf-8"?>
 <p:sld xmlns:a="http://schemas.openxmlformats.org/drawingml/2006/main" xmlns:r="http://schemas.openxmlformats.org/officeDocument/2006/relationships" xmlns:p="http://schemas.openxmlformats.org/presentationml/2006/main">
   <p:cSld>
     <p:spTree>
@@ -20986,7 +21414,7 @@
 </p:sld>
 </file>
 
-<file path=ppt/slides/slide15.xml><?xml version="1.0" encoding="utf-8"?>
+<file path=ppt/slides/slide16.xml><?xml version="1.0" encoding="utf-8"?>
 <p:sld xmlns:a="http://schemas.openxmlformats.org/drawingml/2006/main" xmlns:r="http://schemas.openxmlformats.org/officeDocument/2006/relationships" xmlns:p="http://schemas.openxmlformats.org/presentationml/2006/main">
   <p:cSld>
     <p:spTree>
@@ -21905,7 +22333,7 @@
 </p:sld>
 </file>
 
-<file path=ppt/slides/slide16.xml><?xml version="1.0" encoding="utf-8"?>
+<file path=ppt/slides/slide17.xml><?xml version="1.0" encoding="utf-8"?>
 <p:sld xmlns:a="http://schemas.openxmlformats.org/drawingml/2006/main" xmlns:r="http://schemas.openxmlformats.org/officeDocument/2006/relationships" xmlns:p="http://schemas.openxmlformats.org/presentationml/2006/main">
   <p:cSld>
     <p:spTree>
@@ -22722,7 +23150,7 @@
 </p:sld>
 </file>
 
-<file path=ppt/slides/slide17.xml><?xml version="1.0" encoding="utf-8"?>
+<file path=ppt/slides/slide18.xml><?xml version="1.0" encoding="utf-8"?>
 <p:sld xmlns:a="http://schemas.openxmlformats.org/drawingml/2006/main" xmlns:r="http://schemas.openxmlformats.org/officeDocument/2006/relationships" xmlns:p="http://schemas.openxmlformats.org/presentationml/2006/main">
   <p:cSld>
     <p:spTree>
@@ -23392,7 +23820,7 @@
 </p:sld>
 </file>
 
-<file path=ppt/slides/slide18.xml><?xml version="1.0" encoding="utf-8"?>
+<file path=ppt/slides/slide19.xml><?xml version="1.0" encoding="utf-8"?>
 <p:sld xmlns:a="http://schemas.openxmlformats.org/drawingml/2006/main" xmlns:r="http://schemas.openxmlformats.org/officeDocument/2006/relationships" xmlns:p="http://schemas.openxmlformats.org/presentationml/2006/main">
   <p:cSld>
     <p:spTree>
@@ -24221,453 +24649,6 @@
 </p:sld>
 </file>
 
-<file path=ppt/slides/slide19.xml><?xml version="1.0" encoding="utf-8"?>
-<p:sld xmlns:a="http://schemas.openxmlformats.org/drawingml/2006/main" xmlns:r="http://schemas.openxmlformats.org/officeDocument/2006/relationships" xmlns:p="http://schemas.openxmlformats.org/presentationml/2006/main">
-  <p:cSld>
-    <p:spTree>
-      <p:nvGrpSpPr>
-        <p:cNvPr id="1" name=""/>
-        <p:cNvGrpSpPr/>
-        <p:nvPr/>
-      </p:nvGrpSpPr>
-      <p:grpSpPr>
-        <a:xfrm>
-          <a:off x="0" y="0"/>
-          <a:ext cx="0" cy="0"/>
-          <a:chOff x="0" y="0"/>
-          <a:chExt cx="0" cy="0"/>
-        </a:xfrm>
-      </p:grpSpPr>
-      <p:sp>
-        <p:nvSpPr>
-          <p:cNvPr id="2" name="Titre 1">
-            <a:extLst>
-              <a:ext uri="{FF2B5EF4-FFF2-40B4-BE49-F238E27FC236}">
-                <a16:creationId xmlns:a16="http://schemas.microsoft.com/office/drawing/2014/main" id="{64BE12C7-1932-7824-F6D2-D0275FFDA57F}"/>
-              </a:ext>
-            </a:extLst>
-          </p:cNvPr>
-          <p:cNvSpPr>
-            <a:spLocks noGrp="1"/>
-          </p:cNvSpPr>
-          <p:nvPr>
-            <p:ph type="title"/>
-          </p:nvPr>
-        </p:nvSpPr>
-        <p:spPr/>
-        <p:txBody>
-          <a:bodyPr/>
-          <a:lstStyle/>
-          <a:p>
-            <a:r>
-              <a:rPr lang="fr-CA" dirty="0"/>
-              <a:t>Opérateur d’assignation</a:t>
-            </a:r>
-          </a:p>
-        </p:txBody>
-      </p:sp>
-      <p:sp>
-        <p:nvSpPr>
-          <p:cNvPr id="5" name="Espace réservé du contenu 4">
-            <a:extLst>
-              <a:ext uri="{FF2B5EF4-FFF2-40B4-BE49-F238E27FC236}">
-                <a16:creationId xmlns:a16="http://schemas.microsoft.com/office/drawing/2014/main" id="{435D4A56-727A-932D-9B3C-6EFD41C8271F}"/>
-              </a:ext>
-            </a:extLst>
-          </p:cNvPr>
-          <p:cNvSpPr>
-            <a:spLocks noGrp="1"/>
-          </p:cNvSpPr>
-          <p:nvPr>
-            <p:ph idx="1"/>
-          </p:nvPr>
-        </p:nvSpPr>
-        <p:spPr>
-          <a:xfrm>
-            <a:off x="1115568" y="2038865"/>
-            <a:ext cx="10168128" cy="4133335"/>
-          </a:xfrm>
-        </p:spPr>
-        <p:txBody>
-          <a:bodyPr>
-            <a:normAutofit/>
-          </a:bodyPr>
-          <a:lstStyle/>
-          <a:p>
-            <a:r>
-              <a:rPr lang="fr-CA" dirty="0"/>
-              <a:t>L’opérateur d’assignation dans R est une flèche! Elle indique que le résultat de ce qui est produit à sa droite doit être emmagasiné dans un conteneur, une variable dont le nom figure à sa gauche.</a:t>
-            </a:r>
-          </a:p>
-          <a:p>
-            <a:r>
-              <a:rPr lang="fr-CA" dirty="0"/>
-              <a:t>Exemple:</a:t>
-            </a:r>
-          </a:p>
-          <a:p>
-            <a:pPr marL="0" indent="0">
-              <a:buNone/>
-            </a:pPr>
-            <a:endParaRPr lang="fr-CA" sz="1800" dirty="0">
-              <a:latin typeface="American Typewriter" panose="02090604020004020304" pitchFamily="18" charset="77"/>
-              <a:cs typeface="Arial" panose="020B0604020202020204" pitchFamily="34" charset="0"/>
-            </a:endParaRPr>
-          </a:p>
-          <a:p>
-            <a:pPr marL="0" indent="0">
-              <a:buNone/>
-            </a:pPr>
-            <a:r>
-              <a:rPr lang="fr-CA" dirty="0" err="1">
-                <a:latin typeface="American Typewriter" panose="02090604020004020304" pitchFamily="18" charset="77"/>
-                <a:cs typeface="Arial" panose="020B0604020202020204" pitchFamily="34" charset="0"/>
-              </a:rPr>
-              <a:t>premier_texte_xyz</a:t>
-            </a:r>
-            <a:r>
-              <a:rPr lang="fr-CA" dirty="0">
-                <a:latin typeface="American Typewriter" panose="02090604020004020304" pitchFamily="18" charset="77"/>
-                <a:cs typeface="Arial" panose="020B0604020202020204" pitchFamily="34" charset="0"/>
-              </a:rPr>
-              <a:t>        </a:t>
-            </a:r>
-            <a:r>
-              <a:rPr lang="fr-CA" b="1" dirty="0">
-                <a:highlight>
-                  <a:srgbClr val="FFFF00"/>
-                </a:highlight>
-                <a:latin typeface="American Typewriter" panose="02090604020004020304" pitchFamily="18" charset="77"/>
-                <a:cs typeface="Arial" panose="020B0604020202020204" pitchFamily="34" charset="0"/>
-              </a:rPr>
-              <a:t>&lt;-</a:t>
-            </a:r>
-            <a:r>
-              <a:rPr lang="fr-CA" dirty="0">
-                <a:latin typeface="American Typewriter" panose="02090604020004020304" pitchFamily="18" charset="77"/>
-                <a:cs typeface="Arial" panose="020B0604020202020204" pitchFamily="34" charset="0"/>
-              </a:rPr>
-              <a:t>       </a:t>
-            </a:r>
-            <a:r>
-              <a:rPr lang="fr-CA" dirty="0" err="1">
-                <a:latin typeface="American Typewriter" panose="02090604020004020304" pitchFamily="18" charset="77"/>
-                <a:cs typeface="Arial" panose="020B0604020202020204" pitchFamily="34" charset="0"/>
-              </a:rPr>
-              <a:t>corpus_xyz</a:t>
-            </a:r>
-            <a:r>
-              <a:rPr lang="fr-CA" dirty="0">
-                <a:latin typeface="American Typewriter" panose="02090604020004020304" pitchFamily="18" charset="77"/>
-                <a:cs typeface="Arial" panose="020B0604020202020204" pitchFamily="34" charset="0"/>
-              </a:rPr>
-              <a:t>[ 1, "</a:t>
-            </a:r>
-            <a:r>
-              <a:rPr lang="fr-CA" dirty="0" err="1">
-                <a:latin typeface="American Typewriter" panose="02090604020004020304" pitchFamily="18" charset="77"/>
-                <a:cs typeface="Arial" panose="020B0604020202020204" pitchFamily="34" charset="0"/>
-              </a:rPr>
-              <a:t>t</a:t>
-            </a:r>
-            <a:r>
-              <a:rPr lang="fr-CA" noProof="1">
-                <a:latin typeface="American Typewriter" panose="02090604020004020304" pitchFamily="18" charset="77"/>
-                <a:cs typeface="Arial" panose="020B0604020202020204" pitchFamily="34" charset="0"/>
-              </a:rPr>
-              <a:t>exte" ]</a:t>
-            </a:r>
-          </a:p>
-        </p:txBody>
-      </p:sp>
-      <p:sp>
-        <p:nvSpPr>
-          <p:cNvPr id="7" name="Flèche vers le haut 6">
-            <a:extLst>
-              <a:ext uri="{FF2B5EF4-FFF2-40B4-BE49-F238E27FC236}">
-                <a16:creationId xmlns:a16="http://schemas.microsoft.com/office/drawing/2014/main" id="{BAA04B77-8F40-8B51-B8ED-9C36BFCB8E53}"/>
-              </a:ext>
-            </a:extLst>
-          </p:cNvPr>
-          <p:cNvSpPr/>
-          <p:nvPr/>
-        </p:nvSpPr>
-        <p:spPr>
-          <a:xfrm>
-            <a:off x="2240095" y="5026350"/>
-            <a:ext cx="333633" cy="358346"/>
-          </a:xfrm>
-          <a:prstGeom prst="upArrow">
-            <a:avLst/>
-          </a:prstGeom>
-          <a:solidFill>
-            <a:schemeClr val="tx2"/>
-          </a:solidFill>
-          <a:ln>
-            <a:solidFill>
-              <a:schemeClr val="tx1"/>
-            </a:solidFill>
-          </a:ln>
-        </p:spPr>
-        <p:style>
-          <a:lnRef idx="2">
-            <a:schemeClr val="accent1">
-              <a:shade val="50000"/>
-            </a:schemeClr>
-          </a:lnRef>
-          <a:fillRef idx="1">
-            <a:schemeClr val="accent1"/>
-          </a:fillRef>
-          <a:effectRef idx="0">
-            <a:schemeClr val="accent1"/>
-          </a:effectRef>
-          <a:fontRef idx="minor">
-            <a:schemeClr val="lt1"/>
-          </a:fontRef>
-        </p:style>
-        <p:txBody>
-          <a:bodyPr rtlCol="0" anchor="ctr"/>
-          <a:lstStyle/>
-          <a:p>
-            <a:pPr algn="ctr"/>
-            <a:endParaRPr lang="fr-CA"/>
-          </a:p>
-        </p:txBody>
-      </p:sp>
-      <p:sp>
-        <p:nvSpPr>
-          <p:cNvPr id="8" name="Flèche vers le haut 7">
-            <a:extLst>
-              <a:ext uri="{FF2B5EF4-FFF2-40B4-BE49-F238E27FC236}">
-                <a16:creationId xmlns:a16="http://schemas.microsoft.com/office/drawing/2014/main" id="{ADB4A2B9-974A-7B29-A8F0-D4F32CDC9F53}"/>
-              </a:ext>
-            </a:extLst>
-          </p:cNvPr>
-          <p:cNvSpPr/>
-          <p:nvPr/>
-        </p:nvSpPr>
-        <p:spPr>
-          <a:xfrm>
-            <a:off x="4565521" y="5026350"/>
-            <a:ext cx="333633" cy="358346"/>
-          </a:xfrm>
-          <a:prstGeom prst="upArrow">
-            <a:avLst/>
-          </a:prstGeom>
-          <a:solidFill>
-            <a:schemeClr val="tx1"/>
-          </a:solidFill>
-        </p:spPr>
-        <p:style>
-          <a:lnRef idx="2">
-            <a:schemeClr val="accent1">
-              <a:shade val="50000"/>
-            </a:schemeClr>
-          </a:lnRef>
-          <a:fillRef idx="1">
-            <a:schemeClr val="accent1"/>
-          </a:fillRef>
-          <a:effectRef idx="0">
-            <a:schemeClr val="accent1"/>
-          </a:effectRef>
-          <a:fontRef idx="minor">
-            <a:schemeClr val="lt1"/>
-          </a:fontRef>
-        </p:style>
-        <p:txBody>
-          <a:bodyPr rtlCol="0" anchor="ctr"/>
-          <a:lstStyle/>
-          <a:p>
-            <a:pPr algn="ctr"/>
-            <a:endParaRPr lang="fr-CA"/>
-          </a:p>
-        </p:txBody>
-      </p:sp>
-      <p:sp>
-        <p:nvSpPr>
-          <p:cNvPr id="9" name="Flèche vers le haut 8">
-            <a:extLst>
-              <a:ext uri="{FF2B5EF4-FFF2-40B4-BE49-F238E27FC236}">
-                <a16:creationId xmlns:a16="http://schemas.microsoft.com/office/drawing/2014/main" id="{2A6EE37C-8199-1125-D73A-A94674012EE8}"/>
-              </a:ext>
-            </a:extLst>
-          </p:cNvPr>
-          <p:cNvSpPr/>
-          <p:nvPr/>
-        </p:nvSpPr>
-        <p:spPr>
-          <a:xfrm>
-            <a:off x="6818767" y="5026350"/>
-            <a:ext cx="333633" cy="358346"/>
-          </a:xfrm>
-          <a:prstGeom prst="upArrow">
-            <a:avLst/>
-          </a:prstGeom>
-          <a:solidFill>
-            <a:schemeClr val="tx1"/>
-          </a:solidFill>
-        </p:spPr>
-        <p:style>
-          <a:lnRef idx="2">
-            <a:schemeClr val="accent1">
-              <a:shade val="50000"/>
-            </a:schemeClr>
-          </a:lnRef>
-          <a:fillRef idx="1">
-            <a:schemeClr val="accent1"/>
-          </a:fillRef>
-          <a:effectRef idx="0">
-            <a:schemeClr val="accent1"/>
-          </a:effectRef>
-          <a:fontRef idx="minor">
-            <a:schemeClr val="lt1"/>
-          </a:fontRef>
-        </p:style>
-        <p:txBody>
-          <a:bodyPr rtlCol="0" anchor="ctr"/>
-          <a:lstStyle/>
-          <a:p>
-            <a:pPr algn="ctr"/>
-            <a:endParaRPr lang="fr-CA"/>
-          </a:p>
-        </p:txBody>
-      </p:sp>
-      <p:sp>
-        <p:nvSpPr>
-          <p:cNvPr id="10" name="ZoneTexte 9">
-            <a:extLst>
-              <a:ext uri="{FF2B5EF4-FFF2-40B4-BE49-F238E27FC236}">
-                <a16:creationId xmlns:a16="http://schemas.microsoft.com/office/drawing/2014/main" id="{7BC67604-5749-5BC4-B3C6-56D447B50DCB}"/>
-              </a:ext>
-            </a:extLst>
-          </p:cNvPr>
-          <p:cNvSpPr txBox="1"/>
-          <p:nvPr/>
-        </p:nvSpPr>
-        <p:spPr>
-          <a:xfrm>
-            <a:off x="1878896" y="5552062"/>
-            <a:ext cx="1056029" cy="307777"/>
-          </a:xfrm>
-          <a:prstGeom prst="rect">
-            <a:avLst/>
-          </a:prstGeom>
-          <a:solidFill>
-            <a:schemeClr val="accent6">
-              <a:alpha val="28942"/>
-            </a:schemeClr>
-          </a:solidFill>
-        </p:spPr>
-        <p:txBody>
-          <a:bodyPr wrap="square" rtlCol="0">
-            <a:spAutoFit/>
-          </a:bodyPr>
-          <a:lstStyle/>
-          <a:p>
-            <a:r>
-              <a:rPr lang="fr-CA" sz="1400" dirty="0">
-                <a:latin typeface="Monaco" pitchFamily="2" charset="77"/>
-              </a:rPr>
-              <a:t>variable</a:t>
-            </a:r>
-          </a:p>
-        </p:txBody>
-      </p:sp>
-      <p:sp>
-        <p:nvSpPr>
-          <p:cNvPr id="11" name="ZoneTexte 10">
-            <a:extLst>
-              <a:ext uri="{FF2B5EF4-FFF2-40B4-BE49-F238E27FC236}">
-                <a16:creationId xmlns:a16="http://schemas.microsoft.com/office/drawing/2014/main" id="{6CC4A089-A466-62F3-CC1E-B352B2F65CC3}"/>
-              </a:ext>
-            </a:extLst>
-          </p:cNvPr>
-          <p:cNvSpPr txBox="1"/>
-          <p:nvPr/>
-        </p:nvSpPr>
-        <p:spPr>
-          <a:xfrm>
-            <a:off x="3937200" y="5516838"/>
-            <a:ext cx="1590274" cy="523220"/>
-          </a:xfrm>
-          <a:prstGeom prst="rect">
-            <a:avLst/>
-          </a:prstGeom>
-          <a:solidFill>
-            <a:schemeClr val="accent6">
-              <a:alpha val="28942"/>
-            </a:schemeClr>
-          </a:solidFill>
-        </p:spPr>
-        <p:txBody>
-          <a:bodyPr wrap="square" rtlCol="0">
-            <a:spAutoFit/>
-          </a:bodyPr>
-          <a:lstStyle/>
-          <a:p>
-            <a:r>
-              <a:rPr lang="fr-CA" sz="1400" dirty="0">
-                <a:latin typeface="Monaco" pitchFamily="2" charset="77"/>
-              </a:rPr>
-              <a:t>Opérateur d’assignation</a:t>
-            </a:r>
-          </a:p>
-        </p:txBody>
-      </p:sp>
-      <p:sp>
-        <p:nvSpPr>
-          <p:cNvPr id="12" name="ZoneTexte 11">
-            <a:extLst>
-              <a:ext uri="{FF2B5EF4-FFF2-40B4-BE49-F238E27FC236}">
-                <a16:creationId xmlns:a16="http://schemas.microsoft.com/office/drawing/2014/main" id="{22F132EC-42F6-0782-5797-3F1E3CFE4EBB}"/>
-              </a:ext>
-            </a:extLst>
-          </p:cNvPr>
-          <p:cNvSpPr txBox="1"/>
-          <p:nvPr/>
-        </p:nvSpPr>
-        <p:spPr>
-          <a:xfrm>
-            <a:off x="6312002" y="5546125"/>
-            <a:ext cx="1380563" cy="307777"/>
-          </a:xfrm>
-          <a:prstGeom prst="rect">
-            <a:avLst/>
-          </a:prstGeom>
-          <a:solidFill>
-            <a:schemeClr val="accent6">
-              <a:alpha val="28942"/>
-            </a:schemeClr>
-          </a:solidFill>
-        </p:spPr>
-        <p:txBody>
-          <a:bodyPr wrap="square" rtlCol="0">
-            <a:spAutoFit/>
-          </a:bodyPr>
-          <a:lstStyle/>
-          <a:p>
-            <a:r>
-              <a:rPr lang="fr-CA" sz="1400" dirty="0">
-                <a:latin typeface="Monaco" pitchFamily="2" charset="77"/>
-              </a:rPr>
-              <a:t>instruction</a:t>
-            </a:r>
-          </a:p>
-        </p:txBody>
-      </p:sp>
-    </p:spTree>
-    <p:extLst>
-      <p:ext uri="{BB962C8B-B14F-4D97-AF65-F5344CB8AC3E}">
-        <p14:creationId xmlns:p14="http://schemas.microsoft.com/office/powerpoint/2010/main" val="2411237706"/>
-      </p:ext>
-    </p:extLst>
-  </p:cSld>
-  <p:clrMapOvr>
-    <a:masterClrMapping/>
-  </p:clrMapOvr>
-</p:sld>
-</file>
-
 <file path=ppt/slides/slide2.xml><?xml version="1.0" encoding="utf-8"?>
 <p:sld xmlns:a="http://schemas.openxmlformats.org/drawingml/2006/main" xmlns:r="http://schemas.openxmlformats.org/officeDocument/2006/relationships" xmlns:p="http://schemas.openxmlformats.org/presentationml/2006/main">
   <p:cSld>
@@ -25164,6 +25145,453 @@
         </p:nvSpPr>
         <p:spPr/>
         <p:txBody>
+          <a:bodyPr/>
+          <a:lstStyle/>
+          <a:p>
+            <a:r>
+              <a:rPr lang="fr-CA" dirty="0"/>
+              <a:t>Opérateur d’assignation</a:t>
+            </a:r>
+          </a:p>
+        </p:txBody>
+      </p:sp>
+      <p:sp>
+        <p:nvSpPr>
+          <p:cNvPr id="5" name="Espace réservé du contenu 4">
+            <a:extLst>
+              <a:ext uri="{FF2B5EF4-FFF2-40B4-BE49-F238E27FC236}">
+                <a16:creationId xmlns:a16="http://schemas.microsoft.com/office/drawing/2014/main" id="{435D4A56-727A-932D-9B3C-6EFD41C8271F}"/>
+              </a:ext>
+            </a:extLst>
+          </p:cNvPr>
+          <p:cNvSpPr>
+            <a:spLocks noGrp="1"/>
+          </p:cNvSpPr>
+          <p:nvPr>
+            <p:ph idx="1"/>
+          </p:nvPr>
+        </p:nvSpPr>
+        <p:spPr>
+          <a:xfrm>
+            <a:off x="1115568" y="2038865"/>
+            <a:ext cx="10168128" cy="4133335"/>
+          </a:xfrm>
+        </p:spPr>
+        <p:txBody>
+          <a:bodyPr>
+            <a:normAutofit/>
+          </a:bodyPr>
+          <a:lstStyle/>
+          <a:p>
+            <a:r>
+              <a:rPr lang="fr-CA" dirty="0"/>
+              <a:t>L’opérateur d’assignation dans R est une flèche! Elle indique que le résultat de ce qui est produit à sa droite doit être emmagasiné dans un conteneur, une variable dont le nom figure à sa gauche.</a:t>
+            </a:r>
+          </a:p>
+          <a:p>
+            <a:r>
+              <a:rPr lang="fr-CA" dirty="0"/>
+              <a:t>Exemple:</a:t>
+            </a:r>
+          </a:p>
+          <a:p>
+            <a:pPr marL="0" indent="0">
+              <a:buNone/>
+            </a:pPr>
+            <a:endParaRPr lang="fr-CA" sz="1800" dirty="0">
+              <a:latin typeface="American Typewriter" panose="02090604020004020304" pitchFamily="18" charset="77"/>
+              <a:cs typeface="Arial" panose="020B0604020202020204" pitchFamily="34" charset="0"/>
+            </a:endParaRPr>
+          </a:p>
+          <a:p>
+            <a:pPr marL="0" indent="0">
+              <a:buNone/>
+            </a:pPr>
+            <a:r>
+              <a:rPr lang="fr-CA" dirty="0" err="1">
+                <a:latin typeface="American Typewriter" panose="02090604020004020304" pitchFamily="18" charset="77"/>
+                <a:cs typeface="Arial" panose="020B0604020202020204" pitchFamily="34" charset="0"/>
+              </a:rPr>
+              <a:t>premier_texte_xyz</a:t>
+            </a:r>
+            <a:r>
+              <a:rPr lang="fr-CA" dirty="0">
+                <a:latin typeface="American Typewriter" panose="02090604020004020304" pitchFamily="18" charset="77"/>
+                <a:cs typeface="Arial" panose="020B0604020202020204" pitchFamily="34" charset="0"/>
+              </a:rPr>
+              <a:t>        </a:t>
+            </a:r>
+            <a:r>
+              <a:rPr lang="fr-CA" b="1" dirty="0">
+                <a:highlight>
+                  <a:srgbClr val="FFFF00"/>
+                </a:highlight>
+                <a:latin typeface="American Typewriter" panose="02090604020004020304" pitchFamily="18" charset="77"/>
+                <a:cs typeface="Arial" panose="020B0604020202020204" pitchFamily="34" charset="0"/>
+              </a:rPr>
+              <a:t>&lt;-</a:t>
+            </a:r>
+            <a:r>
+              <a:rPr lang="fr-CA" dirty="0">
+                <a:latin typeface="American Typewriter" panose="02090604020004020304" pitchFamily="18" charset="77"/>
+                <a:cs typeface="Arial" panose="020B0604020202020204" pitchFamily="34" charset="0"/>
+              </a:rPr>
+              <a:t>       </a:t>
+            </a:r>
+            <a:r>
+              <a:rPr lang="fr-CA" dirty="0" err="1">
+                <a:latin typeface="American Typewriter" panose="02090604020004020304" pitchFamily="18" charset="77"/>
+                <a:cs typeface="Arial" panose="020B0604020202020204" pitchFamily="34" charset="0"/>
+              </a:rPr>
+              <a:t>corpus_xyz</a:t>
+            </a:r>
+            <a:r>
+              <a:rPr lang="fr-CA" dirty="0">
+                <a:latin typeface="American Typewriter" panose="02090604020004020304" pitchFamily="18" charset="77"/>
+                <a:cs typeface="Arial" panose="020B0604020202020204" pitchFamily="34" charset="0"/>
+              </a:rPr>
+              <a:t>[ 1, "</a:t>
+            </a:r>
+            <a:r>
+              <a:rPr lang="fr-CA" dirty="0" err="1">
+                <a:latin typeface="American Typewriter" panose="02090604020004020304" pitchFamily="18" charset="77"/>
+                <a:cs typeface="Arial" panose="020B0604020202020204" pitchFamily="34" charset="0"/>
+              </a:rPr>
+              <a:t>t</a:t>
+            </a:r>
+            <a:r>
+              <a:rPr lang="fr-CA" noProof="1">
+                <a:latin typeface="American Typewriter" panose="02090604020004020304" pitchFamily="18" charset="77"/>
+                <a:cs typeface="Arial" panose="020B0604020202020204" pitchFamily="34" charset="0"/>
+              </a:rPr>
+              <a:t>exte" ]</a:t>
+            </a:r>
+          </a:p>
+        </p:txBody>
+      </p:sp>
+      <p:sp>
+        <p:nvSpPr>
+          <p:cNvPr id="7" name="Flèche vers le haut 6">
+            <a:extLst>
+              <a:ext uri="{FF2B5EF4-FFF2-40B4-BE49-F238E27FC236}">
+                <a16:creationId xmlns:a16="http://schemas.microsoft.com/office/drawing/2014/main" id="{BAA04B77-8F40-8B51-B8ED-9C36BFCB8E53}"/>
+              </a:ext>
+            </a:extLst>
+          </p:cNvPr>
+          <p:cNvSpPr/>
+          <p:nvPr/>
+        </p:nvSpPr>
+        <p:spPr>
+          <a:xfrm>
+            <a:off x="2240095" y="5026350"/>
+            <a:ext cx="333633" cy="358346"/>
+          </a:xfrm>
+          <a:prstGeom prst="upArrow">
+            <a:avLst/>
+          </a:prstGeom>
+          <a:solidFill>
+            <a:schemeClr val="tx2"/>
+          </a:solidFill>
+          <a:ln>
+            <a:solidFill>
+              <a:schemeClr val="tx1"/>
+            </a:solidFill>
+          </a:ln>
+        </p:spPr>
+        <p:style>
+          <a:lnRef idx="2">
+            <a:schemeClr val="accent1">
+              <a:shade val="50000"/>
+            </a:schemeClr>
+          </a:lnRef>
+          <a:fillRef idx="1">
+            <a:schemeClr val="accent1"/>
+          </a:fillRef>
+          <a:effectRef idx="0">
+            <a:schemeClr val="accent1"/>
+          </a:effectRef>
+          <a:fontRef idx="minor">
+            <a:schemeClr val="lt1"/>
+          </a:fontRef>
+        </p:style>
+        <p:txBody>
+          <a:bodyPr rtlCol="0" anchor="ctr"/>
+          <a:lstStyle/>
+          <a:p>
+            <a:pPr algn="ctr"/>
+            <a:endParaRPr lang="fr-CA"/>
+          </a:p>
+        </p:txBody>
+      </p:sp>
+      <p:sp>
+        <p:nvSpPr>
+          <p:cNvPr id="8" name="Flèche vers le haut 7">
+            <a:extLst>
+              <a:ext uri="{FF2B5EF4-FFF2-40B4-BE49-F238E27FC236}">
+                <a16:creationId xmlns:a16="http://schemas.microsoft.com/office/drawing/2014/main" id="{ADB4A2B9-974A-7B29-A8F0-D4F32CDC9F53}"/>
+              </a:ext>
+            </a:extLst>
+          </p:cNvPr>
+          <p:cNvSpPr/>
+          <p:nvPr/>
+        </p:nvSpPr>
+        <p:spPr>
+          <a:xfrm>
+            <a:off x="4565521" y="5026350"/>
+            <a:ext cx="333633" cy="358346"/>
+          </a:xfrm>
+          <a:prstGeom prst="upArrow">
+            <a:avLst/>
+          </a:prstGeom>
+          <a:solidFill>
+            <a:schemeClr val="tx1"/>
+          </a:solidFill>
+        </p:spPr>
+        <p:style>
+          <a:lnRef idx="2">
+            <a:schemeClr val="accent1">
+              <a:shade val="50000"/>
+            </a:schemeClr>
+          </a:lnRef>
+          <a:fillRef idx="1">
+            <a:schemeClr val="accent1"/>
+          </a:fillRef>
+          <a:effectRef idx="0">
+            <a:schemeClr val="accent1"/>
+          </a:effectRef>
+          <a:fontRef idx="minor">
+            <a:schemeClr val="lt1"/>
+          </a:fontRef>
+        </p:style>
+        <p:txBody>
+          <a:bodyPr rtlCol="0" anchor="ctr"/>
+          <a:lstStyle/>
+          <a:p>
+            <a:pPr algn="ctr"/>
+            <a:endParaRPr lang="fr-CA"/>
+          </a:p>
+        </p:txBody>
+      </p:sp>
+      <p:sp>
+        <p:nvSpPr>
+          <p:cNvPr id="9" name="Flèche vers le haut 8">
+            <a:extLst>
+              <a:ext uri="{FF2B5EF4-FFF2-40B4-BE49-F238E27FC236}">
+                <a16:creationId xmlns:a16="http://schemas.microsoft.com/office/drawing/2014/main" id="{2A6EE37C-8199-1125-D73A-A94674012EE8}"/>
+              </a:ext>
+            </a:extLst>
+          </p:cNvPr>
+          <p:cNvSpPr/>
+          <p:nvPr/>
+        </p:nvSpPr>
+        <p:spPr>
+          <a:xfrm>
+            <a:off x="6818767" y="5026350"/>
+            <a:ext cx="333633" cy="358346"/>
+          </a:xfrm>
+          <a:prstGeom prst="upArrow">
+            <a:avLst/>
+          </a:prstGeom>
+          <a:solidFill>
+            <a:schemeClr val="tx1"/>
+          </a:solidFill>
+        </p:spPr>
+        <p:style>
+          <a:lnRef idx="2">
+            <a:schemeClr val="accent1">
+              <a:shade val="50000"/>
+            </a:schemeClr>
+          </a:lnRef>
+          <a:fillRef idx="1">
+            <a:schemeClr val="accent1"/>
+          </a:fillRef>
+          <a:effectRef idx="0">
+            <a:schemeClr val="accent1"/>
+          </a:effectRef>
+          <a:fontRef idx="minor">
+            <a:schemeClr val="lt1"/>
+          </a:fontRef>
+        </p:style>
+        <p:txBody>
+          <a:bodyPr rtlCol="0" anchor="ctr"/>
+          <a:lstStyle/>
+          <a:p>
+            <a:pPr algn="ctr"/>
+            <a:endParaRPr lang="fr-CA"/>
+          </a:p>
+        </p:txBody>
+      </p:sp>
+      <p:sp>
+        <p:nvSpPr>
+          <p:cNvPr id="10" name="ZoneTexte 9">
+            <a:extLst>
+              <a:ext uri="{FF2B5EF4-FFF2-40B4-BE49-F238E27FC236}">
+                <a16:creationId xmlns:a16="http://schemas.microsoft.com/office/drawing/2014/main" id="{7BC67604-5749-5BC4-B3C6-56D447B50DCB}"/>
+              </a:ext>
+            </a:extLst>
+          </p:cNvPr>
+          <p:cNvSpPr txBox="1"/>
+          <p:nvPr/>
+        </p:nvSpPr>
+        <p:spPr>
+          <a:xfrm>
+            <a:off x="1878896" y="5552062"/>
+            <a:ext cx="1056029" cy="307777"/>
+          </a:xfrm>
+          <a:prstGeom prst="rect">
+            <a:avLst/>
+          </a:prstGeom>
+          <a:solidFill>
+            <a:schemeClr val="accent6">
+              <a:alpha val="28942"/>
+            </a:schemeClr>
+          </a:solidFill>
+        </p:spPr>
+        <p:txBody>
+          <a:bodyPr wrap="square" rtlCol="0">
+            <a:spAutoFit/>
+          </a:bodyPr>
+          <a:lstStyle/>
+          <a:p>
+            <a:r>
+              <a:rPr lang="fr-CA" sz="1400" dirty="0">
+                <a:latin typeface="Monaco" pitchFamily="2" charset="77"/>
+              </a:rPr>
+              <a:t>variable</a:t>
+            </a:r>
+          </a:p>
+        </p:txBody>
+      </p:sp>
+      <p:sp>
+        <p:nvSpPr>
+          <p:cNvPr id="11" name="ZoneTexte 10">
+            <a:extLst>
+              <a:ext uri="{FF2B5EF4-FFF2-40B4-BE49-F238E27FC236}">
+                <a16:creationId xmlns:a16="http://schemas.microsoft.com/office/drawing/2014/main" id="{6CC4A089-A466-62F3-CC1E-B352B2F65CC3}"/>
+              </a:ext>
+            </a:extLst>
+          </p:cNvPr>
+          <p:cNvSpPr txBox="1"/>
+          <p:nvPr/>
+        </p:nvSpPr>
+        <p:spPr>
+          <a:xfrm>
+            <a:off x="3937200" y="5516838"/>
+            <a:ext cx="1590274" cy="523220"/>
+          </a:xfrm>
+          <a:prstGeom prst="rect">
+            <a:avLst/>
+          </a:prstGeom>
+          <a:solidFill>
+            <a:schemeClr val="accent6">
+              <a:alpha val="28942"/>
+            </a:schemeClr>
+          </a:solidFill>
+        </p:spPr>
+        <p:txBody>
+          <a:bodyPr wrap="square" rtlCol="0">
+            <a:spAutoFit/>
+          </a:bodyPr>
+          <a:lstStyle/>
+          <a:p>
+            <a:r>
+              <a:rPr lang="fr-CA" sz="1400" dirty="0">
+                <a:latin typeface="Monaco" pitchFamily="2" charset="77"/>
+              </a:rPr>
+              <a:t>Opérateur d’assignation</a:t>
+            </a:r>
+          </a:p>
+        </p:txBody>
+      </p:sp>
+      <p:sp>
+        <p:nvSpPr>
+          <p:cNvPr id="12" name="ZoneTexte 11">
+            <a:extLst>
+              <a:ext uri="{FF2B5EF4-FFF2-40B4-BE49-F238E27FC236}">
+                <a16:creationId xmlns:a16="http://schemas.microsoft.com/office/drawing/2014/main" id="{22F132EC-42F6-0782-5797-3F1E3CFE4EBB}"/>
+              </a:ext>
+            </a:extLst>
+          </p:cNvPr>
+          <p:cNvSpPr txBox="1"/>
+          <p:nvPr/>
+        </p:nvSpPr>
+        <p:spPr>
+          <a:xfrm>
+            <a:off x="6312002" y="5546125"/>
+            <a:ext cx="1380563" cy="307777"/>
+          </a:xfrm>
+          <a:prstGeom prst="rect">
+            <a:avLst/>
+          </a:prstGeom>
+          <a:solidFill>
+            <a:schemeClr val="accent6">
+              <a:alpha val="28942"/>
+            </a:schemeClr>
+          </a:solidFill>
+        </p:spPr>
+        <p:txBody>
+          <a:bodyPr wrap="square" rtlCol="0">
+            <a:spAutoFit/>
+          </a:bodyPr>
+          <a:lstStyle/>
+          <a:p>
+            <a:r>
+              <a:rPr lang="fr-CA" sz="1400" dirty="0">
+                <a:latin typeface="Monaco" pitchFamily="2" charset="77"/>
+              </a:rPr>
+              <a:t>instruction</a:t>
+            </a:r>
+          </a:p>
+        </p:txBody>
+      </p:sp>
+    </p:spTree>
+    <p:extLst>
+      <p:ext uri="{BB962C8B-B14F-4D97-AF65-F5344CB8AC3E}">
+        <p14:creationId xmlns:p14="http://schemas.microsoft.com/office/powerpoint/2010/main" val="2411237706"/>
+      </p:ext>
+    </p:extLst>
+  </p:cSld>
+  <p:clrMapOvr>
+    <a:masterClrMapping/>
+  </p:clrMapOvr>
+</p:sld>
+</file>
+
+<file path=ppt/slides/slide21.xml><?xml version="1.0" encoding="utf-8"?>
+<p:sld xmlns:a="http://schemas.openxmlformats.org/drawingml/2006/main" xmlns:r="http://schemas.openxmlformats.org/officeDocument/2006/relationships" xmlns:p="http://schemas.openxmlformats.org/presentationml/2006/main">
+  <p:cSld>
+    <p:spTree>
+      <p:nvGrpSpPr>
+        <p:cNvPr id="1" name=""/>
+        <p:cNvGrpSpPr/>
+        <p:nvPr/>
+      </p:nvGrpSpPr>
+      <p:grpSpPr>
+        <a:xfrm>
+          <a:off x="0" y="0"/>
+          <a:ext cx="0" cy="0"/>
+          <a:chOff x="0" y="0"/>
+          <a:chExt cx="0" cy="0"/>
+        </a:xfrm>
+      </p:grpSpPr>
+      <p:sp>
+        <p:nvSpPr>
+          <p:cNvPr id="2" name="Titre 1">
+            <a:extLst>
+              <a:ext uri="{FF2B5EF4-FFF2-40B4-BE49-F238E27FC236}">
+                <a16:creationId xmlns:a16="http://schemas.microsoft.com/office/drawing/2014/main" id="{64BE12C7-1932-7824-F6D2-D0275FFDA57F}"/>
+              </a:ext>
+            </a:extLst>
+          </p:cNvPr>
+          <p:cNvSpPr>
+            <a:spLocks noGrp="1"/>
+          </p:cNvSpPr>
+          <p:nvPr>
+            <p:ph type="title"/>
+          </p:nvPr>
+        </p:nvSpPr>
+        <p:spPr/>
+        <p:txBody>
           <a:bodyPr>
             <a:normAutofit fontScale="90000"/>
           </a:bodyPr>
@@ -25569,7 +25997,7 @@
 </p:sld>
 </file>
 
-<file path=ppt/slides/slide21.xml><?xml version="1.0" encoding="utf-8"?>
+<file path=ppt/slides/slide22.xml><?xml version="1.0" encoding="utf-8"?>
 <p:sld xmlns:a="http://schemas.openxmlformats.org/drawingml/2006/main" xmlns:r="http://schemas.openxmlformats.org/officeDocument/2006/relationships" xmlns:p="http://schemas.openxmlformats.org/presentationml/2006/main">
   <p:cSld>
     <p:spTree>
@@ -26165,7 +26593,7 @@
 </p:sld>
 </file>
 
-<file path=ppt/slides/slide22.xml><?xml version="1.0" encoding="utf-8"?>
+<file path=ppt/slides/slide23.xml><?xml version="1.0" encoding="utf-8"?>
 <p:sld xmlns:a="http://schemas.openxmlformats.org/drawingml/2006/main" xmlns:r="http://schemas.openxmlformats.org/officeDocument/2006/relationships" xmlns:p="http://schemas.openxmlformats.org/presentationml/2006/main">
   <p:cSld>
     <p:spTree>
@@ -26253,7 +26681,7 @@
 </p:sld>
 </file>
 
-<file path=ppt/slides/slide23.xml><?xml version="1.0" encoding="utf-8"?>
+<file path=ppt/slides/slide24.xml><?xml version="1.0" encoding="utf-8"?>
 <p:sld xmlns:a="http://schemas.openxmlformats.org/drawingml/2006/main" xmlns:r="http://schemas.openxmlformats.org/officeDocument/2006/relationships" xmlns:p="http://schemas.openxmlformats.org/presentationml/2006/main">
   <p:cSld>
     <p:bg>
@@ -27005,7 +27433,204 @@
 </p:sld>
 </file>
 
-<file path=ppt/slides/slide24.xml><?xml version="1.0" encoding="utf-8"?>
+<file path=ppt/slides/slide25.xml><?xml version="1.0" encoding="utf-8"?>
+<p:sld xmlns:a="http://schemas.openxmlformats.org/drawingml/2006/main" xmlns:r="http://schemas.openxmlformats.org/officeDocument/2006/relationships" xmlns:p="http://schemas.openxmlformats.org/presentationml/2006/main">
+  <p:cSld>
+    <p:spTree>
+      <p:nvGrpSpPr>
+        <p:cNvPr id="1" name=""/>
+        <p:cNvGrpSpPr/>
+        <p:nvPr/>
+      </p:nvGrpSpPr>
+      <p:grpSpPr>
+        <a:xfrm>
+          <a:off x="0" y="0"/>
+          <a:ext cx="0" cy="0"/>
+          <a:chOff x="0" y="0"/>
+          <a:chExt cx="0" cy="0"/>
+        </a:xfrm>
+      </p:grpSpPr>
+      <p:sp>
+        <p:nvSpPr>
+          <p:cNvPr id="2" name="Titre 1">
+            <a:extLst>
+              <a:ext uri="{FF2B5EF4-FFF2-40B4-BE49-F238E27FC236}">
+                <a16:creationId xmlns:a16="http://schemas.microsoft.com/office/drawing/2014/main" id="{CC8F254B-E56C-5CBC-4125-C5E25F54920C}"/>
+              </a:ext>
+            </a:extLst>
+          </p:cNvPr>
+          <p:cNvSpPr>
+            <a:spLocks noGrp="1"/>
+          </p:cNvSpPr>
+          <p:nvPr>
+            <p:ph type="title"/>
+          </p:nvPr>
+        </p:nvSpPr>
+        <p:spPr/>
+        <p:txBody>
+          <a:bodyPr/>
+          <a:lstStyle/>
+          <a:p>
+            <a:r>
+              <a:rPr lang="fr-CA" dirty="0"/>
+              <a:t>Outils d’exploration de l’atelier</a:t>
+            </a:r>
+          </a:p>
+        </p:txBody>
+      </p:sp>
+      <p:sp>
+        <p:nvSpPr>
+          <p:cNvPr id="3" name="Espace réservé du texte 2">
+            <a:extLst>
+              <a:ext uri="{FF2B5EF4-FFF2-40B4-BE49-F238E27FC236}">
+                <a16:creationId xmlns:a16="http://schemas.microsoft.com/office/drawing/2014/main" id="{D3CA5F59-CFF3-2186-6B0E-85F11F8CD986}"/>
+              </a:ext>
+            </a:extLst>
+          </p:cNvPr>
+          <p:cNvSpPr>
+            <a:spLocks noGrp="1"/>
+          </p:cNvSpPr>
+          <p:nvPr>
+            <p:ph type="body" idx="1"/>
+          </p:nvPr>
+        </p:nvSpPr>
+        <p:spPr/>
+        <p:txBody>
+          <a:bodyPr/>
+          <a:lstStyle/>
+          <a:p>
+            <a:r>
+              <a:rPr lang="fr-CA" dirty="0"/>
+              <a:t>Des fonctions (objets)</a:t>
+            </a:r>
+          </a:p>
+        </p:txBody>
+      </p:sp>
+      <p:sp>
+        <p:nvSpPr>
+          <p:cNvPr id="4" name="Espace réservé du contenu 3">
+            <a:extLst>
+              <a:ext uri="{FF2B5EF4-FFF2-40B4-BE49-F238E27FC236}">
+                <a16:creationId xmlns:a16="http://schemas.microsoft.com/office/drawing/2014/main" id="{BE7A889E-B48A-8308-1381-F2B85B1D6C01}"/>
+              </a:ext>
+            </a:extLst>
+          </p:cNvPr>
+          <p:cNvSpPr>
+            <a:spLocks noGrp="1"/>
+          </p:cNvSpPr>
+          <p:nvPr>
+            <p:ph sz="half" idx="2"/>
+          </p:nvPr>
+        </p:nvSpPr>
+        <p:spPr/>
+        <p:txBody>
+          <a:bodyPr/>
+          <a:lstStyle/>
+          <a:p>
+            <a:r>
+              <a:rPr lang="fr-CA" dirty="0" err="1"/>
+              <a:t>attributes</a:t>
+            </a:r>
+            <a:r>
+              <a:rPr lang="fr-CA" dirty="0"/>
+              <a:t>()</a:t>
+            </a:r>
+          </a:p>
+          <a:p>
+            <a:r>
+              <a:rPr lang="fr-CA" dirty="0"/>
+              <a:t>class()</a:t>
+            </a:r>
+          </a:p>
+          <a:p>
+            <a:r>
+              <a:rPr lang="fr-CA" dirty="0" err="1"/>
+              <a:t>dim</a:t>
+            </a:r>
+            <a:r>
+              <a:rPr lang="fr-CA" dirty="0"/>
+              <a:t>()</a:t>
+            </a:r>
+          </a:p>
+          <a:p>
+            <a:r>
+              <a:rPr lang="fr-CA"/>
+              <a:t>Etc.</a:t>
+            </a:r>
+            <a:endParaRPr lang="fr-CA" dirty="0"/>
+          </a:p>
+        </p:txBody>
+      </p:sp>
+      <p:sp>
+        <p:nvSpPr>
+          <p:cNvPr id="5" name="Espace réservé du texte 4">
+            <a:extLst>
+              <a:ext uri="{FF2B5EF4-FFF2-40B4-BE49-F238E27FC236}">
+                <a16:creationId xmlns:a16="http://schemas.microsoft.com/office/drawing/2014/main" id="{6840FE86-BA44-99F4-75B3-37FCB91FD14A}"/>
+              </a:ext>
+            </a:extLst>
+          </p:cNvPr>
+          <p:cNvSpPr>
+            <a:spLocks noGrp="1"/>
+          </p:cNvSpPr>
+          <p:nvPr>
+            <p:ph type="body" sz="quarter" idx="3"/>
+          </p:nvPr>
+        </p:nvSpPr>
+        <p:spPr/>
+        <p:txBody>
+          <a:bodyPr/>
+          <a:lstStyle/>
+          <a:p>
+            <a:r>
+              <a:rPr lang="fr-CA" dirty="0"/>
+              <a:t>Des stratégies d’exploration</a:t>
+            </a:r>
+          </a:p>
+        </p:txBody>
+      </p:sp>
+      <p:sp>
+        <p:nvSpPr>
+          <p:cNvPr id="6" name="Espace réservé du contenu 5">
+            <a:extLst>
+              <a:ext uri="{FF2B5EF4-FFF2-40B4-BE49-F238E27FC236}">
+                <a16:creationId xmlns:a16="http://schemas.microsoft.com/office/drawing/2014/main" id="{6148FBDF-14A9-F8A2-B671-D8ACDF20698F}"/>
+              </a:ext>
+            </a:extLst>
+          </p:cNvPr>
+          <p:cNvSpPr>
+            <a:spLocks noGrp="1"/>
+          </p:cNvSpPr>
+          <p:nvPr>
+            <p:ph sz="quarter" idx="4"/>
+          </p:nvPr>
+        </p:nvSpPr>
+        <p:spPr/>
+        <p:txBody>
+          <a:bodyPr/>
+          <a:lstStyle/>
+          <a:p>
+            <a:r>
+              <a:rPr lang="fr-CA" dirty="0"/>
+              <a:t>Enchainement d’opérations sur les objets données produisant… de nouveaux objets qui fourniront des informations inédites sur les données.</a:t>
+            </a:r>
+          </a:p>
+        </p:txBody>
+      </p:sp>
+    </p:spTree>
+    <p:extLst>
+      <p:ext uri="{BB962C8B-B14F-4D97-AF65-F5344CB8AC3E}">
+        <p14:creationId xmlns:p14="http://schemas.microsoft.com/office/powerpoint/2010/main" val="2272275667"/>
+      </p:ext>
+    </p:extLst>
+  </p:cSld>
+  <p:clrMapOvr>
+    <a:masterClrMapping/>
+  </p:clrMapOvr>
+</p:sld>
+</file>
+
+<file path=ppt/slides/slide26.xml><?xml version="1.0" encoding="utf-8"?>
 <p:sld xmlns:a="http://schemas.openxmlformats.org/drawingml/2006/main" xmlns:r="http://schemas.openxmlformats.org/officeDocument/2006/relationships" xmlns:p="http://schemas.openxmlformats.org/presentationml/2006/main">
   <p:cSld>
     <p:spTree>

--- a/Introduction_EDA_R.pptx
+++ b/Introduction_EDA_R.pptx
@@ -27524,7 +27524,9 @@
         </p:nvSpPr>
         <p:spPr/>
         <p:txBody>
-          <a:bodyPr/>
+          <a:bodyPr>
+            <a:normAutofit fontScale="92500" lnSpcReduction="10000"/>
+          </a:bodyPr>
           <a:lstStyle/>
           <a:p>
             <a:r>
@@ -27607,12 +27609,44 @@
         </p:nvSpPr>
         <p:spPr/>
         <p:txBody>
-          <a:bodyPr/>
+          <a:bodyPr>
+            <a:normAutofit fontScale="92500" lnSpcReduction="10000"/>
+          </a:bodyPr>
           <a:lstStyle/>
           <a:p>
             <a:r>
               <a:rPr lang="fr-CA" dirty="0"/>
               <a:t>Enchainement d’opérations sur les objets données produisant… de nouveaux objets qui fourniront des informations inédites sur les données.</a:t>
+            </a:r>
+          </a:p>
+          <a:p>
+            <a:pPr marL="914400" lvl="1" indent="-457200">
+              <a:buFont typeface="+mj-lt"/>
+              <a:buAutoNum type="arabicPeriod"/>
+            </a:pPr>
+            <a:r>
+              <a:rPr lang="fr-CA" dirty="0"/>
+              <a:t>Fréquence lexicale</a:t>
+            </a:r>
+          </a:p>
+          <a:p>
+            <a:pPr marL="914400" lvl="1" indent="-457200">
+              <a:buFont typeface="+mj-lt"/>
+              <a:buAutoNum type="arabicPeriod"/>
+            </a:pPr>
+            <a:r>
+              <a:rPr lang="fr-CA" dirty="0"/>
+              <a:t>Réseau de cooccurrences</a:t>
+            </a:r>
+          </a:p>
+          <a:p>
+            <a:pPr marL="914400" lvl="1" indent="-457200">
+              <a:buFont typeface="+mj-lt"/>
+              <a:buAutoNum type="arabicPeriod"/>
+            </a:pPr>
+            <a:r>
+              <a:rPr lang="fr-CA" dirty="0"/>
+              <a:t>Concordancier</a:t>
             </a:r>
           </a:p>
         </p:txBody>

--- a/Introduction_EDA_R.pptx
+++ b/Introduction_EDA_R.pptx
@@ -5,35 +5,36 @@
     <p:sldMasterId id="2147483710" r:id="rId1"/>
   </p:sldMasterIdLst>
   <p:notesMasterIdLst>
-    <p:notesMasterId r:id="rId28"/>
+    <p:notesMasterId r:id="rId29"/>
   </p:notesMasterIdLst>
   <p:sldIdLst>
     <p:sldId id="256" r:id="rId2"/>
     <p:sldId id="257" r:id="rId3"/>
-    <p:sldId id="261" r:id="rId4"/>
-    <p:sldId id="260" r:id="rId5"/>
-    <p:sldId id="259" r:id="rId6"/>
-    <p:sldId id="317" r:id="rId7"/>
-    <p:sldId id="287" r:id="rId8"/>
-    <p:sldId id="288" r:id="rId9"/>
-    <p:sldId id="289" r:id="rId10"/>
-    <p:sldId id="316" r:id="rId11"/>
-    <p:sldId id="328" r:id="rId12"/>
-    <p:sldId id="323" r:id="rId13"/>
-    <p:sldId id="322" r:id="rId14"/>
-    <p:sldId id="321" r:id="rId15"/>
-    <p:sldId id="313" r:id="rId16"/>
-    <p:sldId id="324" r:id="rId17"/>
-    <p:sldId id="325" r:id="rId18"/>
-    <p:sldId id="326" r:id="rId19"/>
-    <p:sldId id="327" r:id="rId20"/>
-    <p:sldId id="315" r:id="rId21"/>
-    <p:sldId id="320" r:id="rId22"/>
-    <p:sldId id="314" r:id="rId23"/>
-    <p:sldId id="318" r:id="rId24"/>
-    <p:sldId id="319" r:id="rId25"/>
-    <p:sldId id="329" r:id="rId26"/>
-    <p:sldId id="309" r:id="rId27"/>
+    <p:sldId id="330" r:id="rId4"/>
+    <p:sldId id="261" r:id="rId5"/>
+    <p:sldId id="260" r:id="rId6"/>
+    <p:sldId id="259" r:id="rId7"/>
+    <p:sldId id="317" r:id="rId8"/>
+    <p:sldId id="287" r:id="rId9"/>
+    <p:sldId id="288" r:id="rId10"/>
+    <p:sldId id="289" r:id="rId11"/>
+    <p:sldId id="316" r:id="rId12"/>
+    <p:sldId id="328" r:id="rId13"/>
+    <p:sldId id="323" r:id="rId14"/>
+    <p:sldId id="322" r:id="rId15"/>
+    <p:sldId id="321" r:id="rId16"/>
+    <p:sldId id="313" r:id="rId17"/>
+    <p:sldId id="324" r:id="rId18"/>
+    <p:sldId id="325" r:id="rId19"/>
+    <p:sldId id="326" r:id="rId20"/>
+    <p:sldId id="327" r:id="rId21"/>
+    <p:sldId id="315" r:id="rId22"/>
+    <p:sldId id="320" r:id="rId23"/>
+    <p:sldId id="314" r:id="rId24"/>
+    <p:sldId id="318" r:id="rId25"/>
+    <p:sldId id="319" r:id="rId26"/>
+    <p:sldId id="329" r:id="rId27"/>
+    <p:sldId id="309" r:id="rId28"/>
   </p:sldIdLst>
   <p:sldSz cx="12192000" cy="6858000"/>
   <p:notesSz cx="6858000" cy="9144000"/>
@@ -139,6 +140,7 @@
           <p14:sldIdLst>
             <p14:sldId id="256"/>
             <p14:sldId id="257"/>
+            <p14:sldId id="330"/>
             <p14:sldId id="261"/>
             <p14:sldId id="260"/>
             <p14:sldId id="259"/>
@@ -3851,7 +3853,7 @@
         <a:p>
           <a:r>
             <a:rPr lang="fr-CA" dirty="0"/>
-            <a:t>L’ADT, R et </a:t>
+            <a:t>L’analyse des données textuelles (ADT), R et </a:t>
           </a:r>
           <a:r>
             <a:rPr lang="fr-CA" dirty="0" err="1"/>
@@ -4177,7 +4179,7 @@
 <dgm:dataModel xmlns:dgm="http://schemas.openxmlformats.org/drawingml/2006/diagram" xmlns:a="http://schemas.openxmlformats.org/drawingml/2006/main">
   <dgm:ptLst>
     <dgm:pt modelId="{EB3E9BFB-1CF4-4A0E-B22E-49D2C4AADD53}" type="doc">
-      <dgm:prSet loTypeId="urn:microsoft.com/office/officeart/2005/8/layout/vList2" loCatId="list" qsTypeId="urn:microsoft.com/office/officeart/2005/8/quickstyle/simple1" qsCatId="simple" csTypeId="urn:microsoft.com/office/officeart/2005/8/colors/colorful2" csCatId="colorful"/>
+      <dgm:prSet loTypeId="urn:microsoft.com/office/officeart/2005/8/layout/vList2" loCatId="list" qsTypeId="urn:microsoft.com/office/officeart/2005/8/quickstyle/simple1" qsCatId="simple" csTypeId="urn:microsoft.com/office/officeart/2005/8/colors/colorful2" csCatId="colorful" phldr="1"/>
       <dgm:spPr/>
       <dgm:t>
         <a:bodyPr/>
@@ -4240,10 +4242,10 @@
         <a:lstStyle/>
         <a:p>
           <a:r>
-            <a:rPr lang="fr-CA"/>
-            <a:t>Centrée initialement sur les mots (analyse lexicale), l’ADT a évolué vers l’analyse sémantique (signification des mots insérés dans leurs contextes);</a:t>
+            <a:rPr lang="fr-CA" dirty="0"/>
+            <a:t>Centrée initialement sur les mots (analyse lexicale), l’analyse des données textuelles a évolué vers l’analyse sémantique (signification des mots insérés dans leurs contextes);</a:t>
           </a:r>
-          <a:endParaRPr lang="en-US"/>
+          <a:endParaRPr lang="en-US" dirty="0"/>
         </a:p>
       </dgm:t>
     </dgm:pt>
@@ -4525,11 +4527,15 @@
         <a:p>
           <a:r>
             <a:rPr lang="fr-CA" dirty="0"/>
-            <a:t>Plus de 19 000 extensions dédiées à diverses tâches, dont le </a:t>
+            <a:t>Plus de 19 000 extensions dédiées à diverses tâches, dont le traitement des langues naturelles (</a:t>
           </a:r>
           <a:r>
             <a:rPr lang="fr-CA" i="1" dirty="0"/>
             <a:t>NLP</a:t>
+          </a:r>
+          <a:r>
+            <a:rPr lang="fr-CA" i="0" dirty="0"/>
+            <a:t>)</a:t>
           </a:r>
           <a:endParaRPr lang="en-US" dirty="0"/>
         </a:p>
@@ -5316,7 +5322,7 @@
           </a:pPr>
           <a:r>
             <a:rPr lang="fr-CA" sz="1200" kern="1200" dirty="0"/>
-            <a:t>L’ADT, R et </a:t>
+            <a:t>L’analyse des données textuelles (ADT), R et </a:t>
           </a:r>
           <a:r>
             <a:rPr lang="fr-CA" sz="1200" kern="1200" dirty="0" err="1"/>
@@ -5965,8 +5971,8 @@
       </dsp:nvSpPr>
       <dsp:spPr>
         <a:xfrm>
-          <a:off x="0" y="40544"/>
-          <a:ext cx="6967728" cy="1784250"/>
+          <a:off x="0" y="150480"/>
+          <a:ext cx="6967728" cy="1712880"/>
         </a:xfrm>
         <a:prstGeom prst="roundRect">
           <a:avLst/>
@@ -6008,12 +6014,12 @@
         </a:fontRef>
       </dsp:style>
       <dsp:txBody>
-        <a:bodyPr spcFirstLastPara="0" vert="horz" wrap="square" lIns="95250" tIns="95250" rIns="95250" bIns="95250" numCol="1" spcCol="1270" anchor="ctr" anchorCtr="0">
+        <a:bodyPr spcFirstLastPara="0" vert="horz" wrap="square" lIns="91440" tIns="91440" rIns="91440" bIns="91440" numCol="1" spcCol="1270" anchor="ctr" anchorCtr="0">
           <a:noAutofit/>
         </a:bodyPr>
         <a:lstStyle/>
         <a:p>
-          <a:pPr marL="0" lvl="0" indent="0" algn="l" defTabSz="1111250">
+          <a:pPr marL="0" lvl="0" indent="0" algn="l" defTabSz="1066800">
             <a:lnSpc>
               <a:spcPct val="90000"/>
             </a:lnSpc>
@@ -6026,23 +6032,23 @@
             <a:buNone/>
           </a:pPr>
           <a:r>
-            <a:rPr lang="fr-CA" sz="2500" kern="1200"/>
+            <a:rPr lang="fr-CA" sz="2400" kern="1200"/>
             <a:t>Ensemble de méthodes qui se développent dans la 2</a:t>
           </a:r>
           <a:r>
-            <a:rPr lang="fr-CA" sz="2500" kern="1200" baseline="30000"/>
+            <a:rPr lang="fr-CA" sz="2400" kern="1200" baseline="30000"/>
             <a:t>e</a:t>
           </a:r>
           <a:r>
-            <a:rPr lang="fr-CA" sz="2500" kern="1200"/>
+            <a:rPr lang="fr-CA" sz="2400" kern="1200"/>
             <a:t> moitié du XXe siècle au confluent de la linguistique, des statistiques et de l’informatique.</a:t>
           </a:r>
-          <a:endParaRPr lang="en-US" sz="2500" kern="1200"/>
+          <a:endParaRPr lang="en-US" sz="2400" kern="1200"/>
         </a:p>
       </dsp:txBody>
       <dsp:txXfrm>
-        <a:off x="87100" y="127644"/>
-        <a:ext cx="6793528" cy="1610050"/>
+        <a:off x="83616" y="234096"/>
+        <a:ext cx="6800496" cy="1545648"/>
       </dsp:txXfrm>
     </dsp:sp>
     <dsp:sp modelId="{C377793D-0786-5C42-8F3E-91F873D31A7C}">
@@ -6052,8 +6058,8 @@
       </dsp:nvSpPr>
       <dsp:spPr>
         <a:xfrm>
-          <a:off x="0" y="1896795"/>
-          <a:ext cx="6967728" cy="1784250"/>
+          <a:off x="0" y="1932480"/>
+          <a:ext cx="6967728" cy="1712880"/>
         </a:xfrm>
         <a:prstGeom prst="roundRect">
           <a:avLst/>
@@ -6095,12 +6101,12 @@
         </a:fontRef>
       </dsp:style>
       <dsp:txBody>
-        <a:bodyPr spcFirstLastPara="0" vert="horz" wrap="square" lIns="95250" tIns="95250" rIns="95250" bIns="95250" numCol="1" spcCol="1270" anchor="ctr" anchorCtr="0">
+        <a:bodyPr spcFirstLastPara="0" vert="horz" wrap="square" lIns="91440" tIns="91440" rIns="91440" bIns="91440" numCol="1" spcCol="1270" anchor="ctr" anchorCtr="0">
           <a:noAutofit/>
         </a:bodyPr>
         <a:lstStyle/>
         <a:p>
-          <a:pPr marL="0" lvl="0" indent="0" algn="l" defTabSz="1111250">
+          <a:pPr marL="0" lvl="0" indent="0" algn="l" defTabSz="1066800">
             <a:lnSpc>
               <a:spcPct val="90000"/>
             </a:lnSpc>
@@ -6113,15 +6119,15 @@
             <a:buNone/>
           </a:pPr>
           <a:r>
-            <a:rPr lang="fr-CA" sz="2500" kern="1200"/>
-            <a:t>Centrée initialement sur les mots (analyse lexicale), l’ADT a évolué vers l’analyse sémantique (signification des mots insérés dans leurs contextes);</a:t>
+            <a:rPr lang="fr-CA" sz="2400" kern="1200" dirty="0"/>
+            <a:t>Centrée initialement sur les mots (analyse lexicale), l’analyse des données textuelles a évolué vers l’analyse sémantique (signification des mots insérés dans leurs contextes);</a:t>
           </a:r>
-          <a:endParaRPr lang="en-US" sz="2500" kern="1200"/>
+          <a:endParaRPr lang="en-US" sz="2400" kern="1200" dirty="0"/>
         </a:p>
       </dsp:txBody>
       <dsp:txXfrm>
-        <a:off x="87100" y="1983895"/>
-        <a:ext cx="6793528" cy="1610050"/>
+        <a:off x="83616" y="2016096"/>
+        <a:ext cx="6800496" cy="1545648"/>
       </dsp:txXfrm>
     </dsp:sp>
     <dsp:sp modelId="{4AEF16AF-90D0-F646-8E54-80D03C6F73A7}">
@@ -6131,8 +6137,8 @@
       </dsp:nvSpPr>
       <dsp:spPr>
         <a:xfrm>
-          <a:off x="0" y="3753045"/>
-          <a:ext cx="6967728" cy="1784250"/>
+          <a:off x="0" y="3714480"/>
+          <a:ext cx="6967728" cy="1712880"/>
         </a:xfrm>
         <a:prstGeom prst="roundRect">
           <a:avLst/>
@@ -6174,12 +6180,12 @@
         </a:fontRef>
       </dsp:style>
       <dsp:txBody>
-        <a:bodyPr spcFirstLastPara="0" vert="horz" wrap="square" lIns="95250" tIns="95250" rIns="95250" bIns="95250" numCol="1" spcCol="1270" anchor="ctr" anchorCtr="0">
+        <a:bodyPr spcFirstLastPara="0" vert="horz" wrap="square" lIns="91440" tIns="91440" rIns="91440" bIns="91440" numCol="1" spcCol="1270" anchor="ctr" anchorCtr="0">
           <a:noAutofit/>
         </a:bodyPr>
         <a:lstStyle/>
         <a:p>
-          <a:pPr marL="0" lvl="0" indent="0" algn="l" defTabSz="1111250">
+          <a:pPr marL="0" lvl="0" indent="0" algn="l" defTabSz="1066800">
             <a:lnSpc>
               <a:spcPct val="90000"/>
             </a:lnSpc>
@@ -6192,15 +6198,15 @@
             <a:buNone/>
           </a:pPr>
           <a:r>
-            <a:rPr lang="fr-CA" sz="2500" kern="1200"/>
+            <a:rPr lang="fr-CA" sz="2400" kern="1200"/>
             <a:t>Les méthodes utilisées pour traiter le matériau textuel et en extraire des informations ont beaucoup évolué et se sont considérablement complexifiés.</a:t>
           </a:r>
-          <a:endParaRPr lang="en-US" sz="2500" kern="1200"/>
+          <a:endParaRPr lang="en-US" sz="2400" kern="1200"/>
         </a:p>
       </dsp:txBody>
       <dsp:txXfrm>
-        <a:off x="87100" y="3840145"/>
-        <a:ext cx="6793528" cy="1610050"/>
+        <a:off x="83616" y="3798096"/>
+        <a:ext cx="6800496" cy="1545648"/>
       </dsp:txXfrm>
     </dsp:sp>
   </dsp:spTree>
@@ -6265,12 +6271,12 @@
         </a:fontRef>
       </dsp:style>
       <dsp:txBody>
-        <a:bodyPr spcFirstLastPara="0" vert="horz" wrap="square" lIns="60960" tIns="60960" rIns="60960" bIns="60960" numCol="1" spcCol="1270" anchor="ctr" anchorCtr="0">
+        <a:bodyPr spcFirstLastPara="0" vert="horz" wrap="square" lIns="53340" tIns="53340" rIns="53340" bIns="53340" numCol="1" spcCol="1270" anchor="ctr" anchorCtr="0">
           <a:noAutofit/>
         </a:bodyPr>
         <a:lstStyle/>
         <a:p>
-          <a:pPr marL="0" lvl="0" indent="0" algn="ctr" defTabSz="711200">
+          <a:pPr marL="0" lvl="0" indent="0" algn="ctr" defTabSz="622300">
             <a:lnSpc>
               <a:spcPct val="90000"/>
             </a:lnSpc>
@@ -6283,10 +6289,10 @@
             <a:buNone/>
           </a:pPr>
           <a:r>
-            <a:rPr lang="fr-CA" sz="1600" kern="1200" dirty="0"/>
+            <a:rPr lang="fr-CA" sz="1400" kern="1200" dirty="0"/>
             <a:t>Langage développé précisément pour l’analyse de données</a:t>
           </a:r>
-          <a:endParaRPr lang="en-US" sz="1600" kern="1200" dirty="0"/>
+          <a:endParaRPr lang="en-US" sz="1400" kern="1200" dirty="0"/>
         </a:p>
       </dsp:txBody>
       <dsp:txXfrm>
@@ -6344,12 +6350,12 @@
         </a:fontRef>
       </dsp:style>
       <dsp:txBody>
-        <a:bodyPr spcFirstLastPara="0" vert="horz" wrap="square" lIns="60960" tIns="60960" rIns="60960" bIns="60960" numCol="1" spcCol="1270" anchor="ctr" anchorCtr="0">
+        <a:bodyPr spcFirstLastPara="0" vert="horz" wrap="square" lIns="53340" tIns="53340" rIns="53340" bIns="53340" numCol="1" spcCol="1270" anchor="ctr" anchorCtr="0">
           <a:noAutofit/>
         </a:bodyPr>
         <a:lstStyle/>
         <a:p>
-          <a:pPr marL="0" lvl="0" indent="0" algn="ctr" defTabSz="711200">
+          <a:pPr marL="0" lvl="0" indent="0" algn="ctr" defTabSz="622300">
             <a:lnSpc>
               <a:spcPct val="90000"/>
             </a:lnSpc>
@@ -6362,10 +6368,10 @@
             <a:buNone/>
           </a:pPr>
           <a:r>
-            <a:rPr lang="fr-CA" sz="1600" kern="1200" dirty="0"/>
+            <a:rPr lang="fr-CA" sz="1400" kern="1200" dirty="0"/>
             <a:t>Largement utilisé par les universitaires</a:t>
           </a:r>
-          <a:endParaRPr lang="en-US" sz="1600" kern="1200" dirty="0"/>
+          <a:endParaRPr lang="en-US" sz="1400" kern="1200" dirty="0"/>
         </a:p>
       </dsp:txBody>
       <dsp:txXfrm>
@@ -6423,12 +6429,12 @@
         </a:fontRef>
       </dsp:style>
       <dsp:txBody>
-        <a:bodyPr spcFirstLastPara="0" vert="horz" wrap="square" lIns="60960" tIns="60960" rIns="60960" bIns="60960" numCol="1" spcCol="1270" anchor="ctr" anchorCtr="0">
+        <a:bodyPr spcFirstLastPara="0" vert="horz" wrap="square" lIns="53340" tIns="53340" rIns="53340" bIns="53340" numCol="1" spcCol="1270" anchor="ctr" anchorCtr="0">
           <a:noAutofit/>
         </a:bodyPr>
         <a:lstStyle/>
         <a:p>
-          <a:pPr marL="0" lvl="0" indent="0" algn="ctr" defTabSz="711200">
+          <a:pPr marL="0" lvl="0" indent="0" algn="ctr" defTabSz="622300">
             <a:lnSpc>
               <a:spcPct val="90000"/>
             </a:lnSpc>
@@ -6441,26 +6447,26 @@
             <a:buNone/>
           </a:pPr>
           <a:r>
-            <a:rPr lang="fr-CA" sz="1600" kern="1200" dirty="0"/>
+            <a:rPr lang="fr-CA" sz="1400" kern="1200" dirty="0"/>
             <a:t>Support (</a:t>
           </a:r>
           <a:r>
-            <a:rPr lang="fr-CA" sz="1600" kern="1200" dirty="0" err="1"/>
+            <a:rPr lang="fr-CA" sz="1400" kern="1200" dirty="0" err="1"/>
             <a:t>StackOverflow</a:t>
           </a:r>
           <a:r>
-            <a:rPr lang="fr-CA" sz="1600" kern="1200" dirty="0"/>
+            <a:rPr lang="fr-CA" sz="1400" kern="1200" dirty="0"/>
             <a:t>, </a:t>
           </a:r>
           <a:r>
-            <a:rPr lang="fr-CA" sz="1600" kern="1200" dirty="0" err="1"/>
+            <a:rPr lang="fr-CA" sz="1400" kern="1200" dirty="0" err="1"/>
             <a:t>ChatGPT</a:t>
           </a:r>
           <a:r>
-            <a:rPr lang="fr-CA" sz="1600" kern="1200" dirty="0"/>
+            <a:rPr lang="fr-CA" sz="1400" kern="1200" dirty="0"/>
             <a:t>)</a:t>
           </a:r>
-          <a:endParaRPr lang="en-US" sz="1600" kern="1200" dirty="0"/>
+          <a:endParaRPr lang="en-US" sz="1400" kern="1200" dirty="0"/>
         </a:p>
       </dsp:txBody>
       <dsp:txXfrm>
@@ -6518,12 +6524,12 @@
         </a:fontRef>
       </dsp:style>
       <dsp:txBody>
-        <a:bodyPr spcFirstLastPara="0" vert="horz" wrap="square" lIns="60960" tIns="60960" rIns="60960" bIns="60960" numCol="1" spcCol="1270" anchor="ctr" anchorCtr="0">
+        <a:bodyPr spcFirstLastPara="0" vert="horz" wrap="square" lIns="53340" tIns="53340" rIns="53340" bIns="53340" numCol="1" spcCol="1270" anchor="ctr" anchorCtr="0">
           <a:noAutofit/>
         </a:bodyPr>
         <a:lstStyle/>
         <a:p>
-          <a:pPr marL="0" lvl="0" indent="0" algn="ctr" defTabSz="711200">
+          <a:pPr marL="0" lvl="0" indent="0" algn="ctr" defTabSz="622300">
             <a:lnSpc>
               <a:spcPct val="90000"/>
             </a:lnSpc>
@@ -6536,14 +6542,18 @@
             <a:buNone/>
           </a:pPr>
           <a:r>
-            <a:rPr lang="fr-CA" sz="1600" kern="1200" dirty="0"/>
-            <a:t>Plus de 19 000 extensions dédiées à diverses tâches, dont le </a:t>
+            <a:rPr lang="fr-CA" sz="1400" kern="1200" dirty="0"/>
+            <a:t>Plus de 19 000 extensions dédiées à diverses tâches, dont le traitement des langues naturelles (</a:t>
           </a:r>
           <a:r>
-            <a:rPr lang="fr-CA" sz="1600" i="1" kern="1200" dirty="0"/>
+            <a:rPr lang="fr-CA" sz="1400" i="1" kern="1200" dirty="0"/>
             <a:t>NLP</a:t>
           </a:r>
-          <a:endParaRPr lang="en-US" sz="1600" kern="1200" dirty="0"/>
+          <a:r>
+            <a:rPr lang="fr-CA" sz="1400" i="0" kern="1200" dirty="0"/>
+            <a:t>)</a:t>
+          </a:r>
+          <a:endParaRPr lang="en-US" sz="1400" kern="1200" dirty="0"/>
         </a:p>
       </dsp:txBody>
       <dsp:txXfrm>
@@ -6601,12 +6611,12 @@
         </a:fontRef>
       </dsp:style>
       <dsp:txBody>
-        <a:bodyPr spcFirstLastPara="0" vert="horz" wrap="square" lIns="60960" tIns="60960" rIns="60960" bIns="60960" numCol="1" spcCol="1270" anchor="ctr" anchorCtr="0">
+        <a:bodyPr spcFirstLastPara="0" vert="horz" wrap="square" lIns="53340" tIns="53340" rIns="53340" bIns="53340" numCol="1" spcCol="1270" anchor="ctr" anchorCtr="0">
           <a:noAutofit/>
         </a:bodyPr>
         <a:lstStyle/>
         <a:p>
-          <a:pPr marL="0" lvl="0" indent="0" algn="ctr" defTabSz="711200">
+          <a:pPr marL="0" lvl="0" indent="0" algn="ctr" defTabSz="622300">
             <a:lnSpc>
               <a:spcPct val="90000"/>
             </a:lnSpc>
@@ -6619,14 +6629,14 @@
             <a:buNone/>
           </a:pPr>
           <a:r>
-            <a:rPr lang="fr-CA" sz="1600" kern="1200" dirty="0" err="1"/>
+            <a:rPr lang="fr-CA" sz="1400" kern="1200" dirty="0" err="1"/>
             <a:t>RStudio</a:t>
           </a:r>
           <a:r>
-            <a:rPr lang="fr-CA" sz="1600" kern="1200" dirty="0"/>
+            <a:rPr lang="fr-CA" sz="1400" kern="1200" dirty="0"/>
             <a:t> : environnement de développement et d’expérimentation facile à utilisé</a:t>
           </a:r>
-          <a:endParaRPr lang="en-US" sz="1600" kern="1200" dirty="0"/>
+          <a:endParaRPr lang="en-US" sz="1400" kern="1200" dirty="0"/>
         </a:p>
       </dsp:txBody>
       <dsp:txXfrm>
@@ -11988,7 +11998,7 @@
           <a:p>
             <a:fld id="{95F3A9C0-D7C5-1F4F-9ADD-323C3EAE9429}" type="datetimeFigureOut">
               <a:rPr lang="fr-CA" smtClean="0"/>
-              <a:t>2023-02-20</a:t>
+              <a:t>2023-02-21</a:t>
             </a:fld>
             <a:endParaRPr lang="fr-CA"/>
           </a:p>
@@ -12343,7 +12353,7 @@
           <a:p>
             <a:fld id="{5AF06E3D-D3AF-974B-B662-9B3DFC1298AA}" type="slidenum">
               <a:rPr lang="fr-CA" smtClean="0"/>
-              <a:t>23</a:t>
+              <a:t>24</a:t>
             </a:fld>
             <a:endParaRPr lang="fr-CA"/>
           </a:p>
@@ -12518,7 +12528,7 @@
           <a:p>
             <a:fld id="{02AC24A9-CCB6-4F8D-B8DB-C2F3692CFA5A}" type="datetimeFigureOut">
               <a:rPr lang="en-US" smtClean="0"/>
-              <a:t>2/20/23</a:t>
+              <a:t>2/21/23</a:t>
             </a:fld>
             <a:endParaRPr lang="en-US" dirty="0"/>
           </a:p>
@@ -12888,7 +12898,7 @@
           <a:p>
             <a:fld id="{02AC24A9-CCB6-4F8D-B8DB-C2F3692CFA5A}" type="datetimeFigureOut">
               <a:rPr lang="en-US" smtClean="0"/>
-              <a:t>2/20/23</a:t>
+              <a:t>2/21/23</a:t>
             </a:fld>
             <a:endParaRPr lang="en-US"/>
           </a:p>
@@ -13097,7 +13107,7 @@
           <a:p>
             <a:fld id="{02AC24A9-CCB6-4F8D-B8DB-C2F3692CFA5A}" type="datetimeFigureOut">
               <a:rPr lang="en-US" smtClean="0"/>
-              <a:t>2/20/23</a:t>
+              <a:t>2/21/23</a:t>
             </a:fld>
             <a:endParaRPr lang="en-US"/>
           </a:p>
@@ -13567,7 +13577,7 @@
           <a:p>
             <a:fld id="{02AC24A9-CCB6-4F8D-B8DB-C2F3692CFA5A}" type="datetimeFigureOut">
               <a:rPr lang="en-US" smtClean="0"/>
-              <a:t>2/20/23</a:t>
+              <a:t>2/21/23</a:t>
             </a:fld>
             <a:endParaRPr lang="en-US"/>
           </a:p>
@@ -14021,7 +14031,7 @@
           <a:p>
             <a:fld id="{02AC24A9-CCB6-4F8D-B8DB-C2F3692CFA5A}" type="datetimeFigureOut">
               <a:rPr lang="en-US" smtClean="0"/>
-              <a:t>2/20/23</a:t>
+              <a:t>2/21/23</a:t>
             </a:fld>
             <a:endParaRPr lang="en-US"/>
           </a:p>
@@ -14553,7 +14563,7 @@
           <a:p>
             <a:fld id="{02AC24A9-CCB6-4F8D-B8DB-C2F3692CFA5A}" type="datetimeFigureOut">
               <a:rPr lang="en-US" smtClean="0"/>
-              <a:t>2/20/23</a:t>
+              <a:t>2/21/23</a:t>
             </a:fld>
             <a:endParaRPr lang="en-US"/>
           </a:p>
@@ -15252,7 +15262,7 @@
           <a:p>
             <a:fld id="{02AC24A9-CCB6-4F8D-B8DB-C2F3692CFA5A}" type="datetimeFigureOut">
               <a:rPr lang="en-US" smtClean="0"/>
-              <a:t>2/20/23</a:t>
+              <a:t>2/21/23</a:t>
             </a:fld>
             <a:endParaRPr lang="en-US"/>
           </a:p>
@@ -15581,7 +15591,7 @@
           <a:p>
             <a:fld id="{02AC24A9-CCB6-4F8D-B8DB-C2F3692CFA5A}" type="datetimeFigureOut">
               <a:rPr lang="en-US" smtClean="0"/>
-              <a:t>2/20/23</a:t>
+              <a:t>2/21/23</a:t>
             </a:fld>
             <a:endParaRPr lang="en-US"/>
           </a:p>
@@ -15694,7 +15704,7 @@
           <a:p>
             <a:fld id="{02AC24A9-CCB6-4F8D-B8DB-C2F3692CFA5A}" type="datetimeFigureOut">
               <a:rPr lang="en-US" smtClean="0"/>
-              <a:t>2/20/23</a:t>
+              <a:t>2/21/23</a:t>
             </a:fld>
             <a:endParaRPr lang="en-US"/>
           </a:p>
@@ -16189,7 +16199,7 @@
           <a:p>
             <a:fld id="{02AC24A9-CCB6-4F8D-B8DB-C2F3692CFA5A}" type="datetimeFigureOut">
               <a:rPr lang="en-US" smtClean="0"/>
-              <a:t>2/20/23</a:t>
+              <a:t>2/21/23</a:t>
             </a:fld>
             <a:endParaRPr lang="en-US" dirty="0"/>
           </a:p>
@@ -16666,7 +16676,7 @@
           <a:p>
             <a:fld id="{02AC24A9-CCB6-4F8D-B8DB-C2F3692CFA5A}" type="datetimeFigureOut">
               <a:rPr lang="en-US" smtClean="0"/>
-              <a:t>2/20/23</a:t>
+              <a:t>2/21/23</a:t>
             </a:fld>
             <a:endParaRPr lang="en-US"/>
           </a:p>
@@ -16909,7 +16919,7 @@
           <a:p>
             <a:fld id="{02AC24A9-CCB6-4F8D-B8DB-C2F3692CFA5A}" type="datetimeFigureOut">
               <a:rPr lang="en-US" smtClean="0"/>
-              <a:t>2/20/23</a:t>
+              <a:t>2/21/23</a:t>
             </a:fld>
             <a:endParaRPr lang="en-US"/>
           </a:p>
@@ -17802,6 +17812,355 @@
 <file path=ppt/slides/slide10.xml><?xml version="1.0" encoding="utf-8"?>
 <p:sld xmlns:a="http://schemas.openxmlformats.org/drawingml/2006/main" xmlns:r="http://schemas.openxmlformats.org/officeDocument/2006/relationships" xmlns:p="http://schemas.openxmlformats.org/presentationml/2006/main">
   <p:cSld>
+    <p:bg>
+      <p:bgPr>
+        <a:solidFill>
+          <a:schemeClr val="bg1"/>
+        </a:solidFill>
+        <a:effectLst/>
+      </p:bgPr>
+    </p:bg>
+    <p:spTree>
+      <p:nvGrpSpPr>
+        <p:cNvPr id="1" name=""/>
+        <p:cNvGrpSpPr/>
+        <p:nvPr/>
+      </p:nvGrpSpPr>
+      <p:grpSpPr>
+        <a:xfrm>
+          <a:off x="0" y="0"/>
+          <a:ext cx="0" cy="0"/>
+          <a:chOff x="0" y="0"/>
+          <a:chExt cx="0" cy="0"/>
+        </a:xfrm>
+      </p:grpSpPr>
+      <p:sp useBgFill="1">
+        <p:nvSpPr>
+          <p:cNvPr id="23" name="!!Rectangle">
+            <a:extLst>
+              <a:ext uri="{FF2B5EF4-FFF2-40B4-BE49-F238E27FC236}">
+                <a16:creationId xmlns:a16="http://schemas.microsoft.com/office/drawing/2014/main" id="{7C432AFE-B3D2-4BFF-BF8F-96C27AFF1AC7}"/>
+              </a:ext>
+              <a:ext uri="{C183D7F6-B498-43B3-948B-1728B52AA6E4}">
+                <adec:decorative xmlns:adec="http://schemas.microsoft.com/office/drawing/2017/decorative" val="1"/>
+              </a:ext>
+            </a:extLst>
+          </p:cNvPr>
+          <p:cNvSpPr>
+            <a:spLocks noGrp="1" noRot="1" noChangeAspect="1" noMove="1" noResize="1" noEditPoints="1" noAdjustHandles="1" noChangeArrowheads="1" noChangeShapeType="1" noTextEdit="1"/>
+          </p:cNvSpPr>
+          <p:nvPr>
+            <p:extLst>
+              <p:ext uri="{386F3935-93C4-4BCD-93E2-E3B085C9AB24}">
+                <p16:designElem xmlns:p16="http://schemas.microsoft.com/office/powerpoint/2015/main" val="1"/>
+              </p:ext>
+            </p:extLst>
+          </p:nvPr>
+        </p:nvSpPr>
+        <p:spPr>
+          <a:xfrm>
+            <a:off x="0" y="0"/>
+            <a:ext cx="12192000" cy="6858000"/>
+          </a:xfrm>
+          <a:prstGeom prst="rect">
+            <a:avLst/>
+          </a:prstGeom>
+          <a:ln>
+            <a:noFill/>
+          </a:ln>
+        </p:spPr>
+        <p:style>
+          <a:lnRef idx="2">
+            <a:schemeClr val="accent1">
+              <a:shade val="50000"/>
+            </a:schemeClr>
+          </a:lnRef>
+          <a:fillRef idx="1">
+            <a:schemeClr val="accent1"/>
+          </a:fillRef>
+          <a:effectRef idx="0">
+            <a:schemeClr val="accent1"/>
+          </a:effectRef>
+          <a:fontRef idx="minor">
+            <a:schemeClr val="lt1"/>
+          </a:fontRef>
+        </p:style>
+        <p:txBody>
+          <a:bodyPr rtlCol="0" anchor="ctr"/>
+          <a:lstStyle/>
+          <a:p>
+            <a:pPr algn="ctr"/>
+            <a:endParaRPr lang="en-US"/>
+          </a:p>
+        </p:txBody>
+      </p:sp>
+      <p:sp>
+        <p:nvSpPr>
+          <p:cNvPr id="2" name="Titre 1">
+            <a:extLst>
+              <a:ext uri="{FF2B5EF4-FFF2-40B4-BE49-F238E27FC236}">
+                <a16:creationId xmlns:a16="http://schemas.microsoft.com/office/drawing/2014/main" id="{28FF6A6E-5853-CAF8-5A59-5D1D3A0B9544}"/>
+              </a:ext>
+            </a:extLst>
+          </p:cNvPr>
+          <p:cNvSpPr>
+            <a:spLocks noGrp="1"/>
+          </p:cNvSpPr>
+          <p:nvPr>
+            <p:ph type="title"/>
+          </p:nvPr>
+        </p:nvSpPr>
+        <p:spPr>
+          <a:xfrm>
+            <a:off x="841249" y="941832"/>
+            <a:ext cx="10506456" cy="2057400"/>
+          </a:xfrm>
+        </p:spPr>
+        <p:txBody>
+          <a:bodyPr anchor="b">
+            <a:normAutofit/>
+          </a:bodyPr>
+          <a:lstStyle/>
+          <a:p>
+            <a:r>
+              <a:rPr lang="fr-CA" sz="5000"/>
+              <a:t>Et pourquoi R?</a:t>
+            </a:r>
+          </a:p>
+        </p:txBody>
+      </p:sp>
+      <p:sp>
+        <p:nvSpPr>
+          <p:cNvPr id="25" name="Rectangle 24">
+            <a:extLst>
+              <a:ext uri="{FF2B5EF4-FFF2-40B4-BE49-F238E27FC236}">
+                <a16:creationId xmlns:a16="http://schemas.microsoft.com/office/drawing/2014/main" id="{AF2F604E-43BE-4DC3-B983-E071523364F8}"/>
+              </a:ext>
+              <a:ext uri="{C183D7F6-B498-43B3-948B-1728B52AA6E4}">
+                <adec:decorative xmlns:adec="http://schemas.microsoft.com/office/drawing/2017/decorative" val="1"/>
+              </a:ext>
+            </a:extLst>
+          </p:cNvPr>
+          <p:cNvSpPr>
+            <a:spLocks noGrp="1" noRot="1" noChangeAspect="1" noMove="1" noResize="1" noEditPoints="1" noAdjustHandles="1" noChangeArrowheads="1" noChangeShapeType="1" noTextEdit="1"/>
+          </p:cNvSpPr>
+          <p:nvPr>
+            <p:extLst>
+              <p:ext uri="{386F3935-93C4-4BCD-93E2-E3B085C9AB24}">
+                <p16:designElem xmlns:p16="http://schemas.microsoft.com/office/powerpoint/2015/main" val="1"/>
+              </p:ext>
+            </p:extLst>
+          </p:nvPr>
+        </p:nvSpPr>
+        <p:spPr>
+          <a:xfrm rot="5400000">
+            <a:off x="1120140" y="346791"/>
+            <a:ext cx="146304" cy="704088"/>
+          </a:xfrm>
+          <a:prstGeom prst="rect">
+            <a:avLst/>
+          </a:prstGeom>
+          <a:solidFill>
+            <a:schemeClr val="accent1"/>
+          </a:solidFill>
+          <a:ln>
+            <a:noFill/>
+          </a:ln>
+        </p:spPr>
+        <p:style>
+          <a:lnRef idx="2">
+            <a:schemeClr val="accent1">
+              <a:shade val="50000"/>
+            </a:schemeClr>
+          </a:lnRef>
+          <a:fillRef idx="1">
+            <a:schemeClr val="accent1"/>
+          </a:fillRef>
+          <a:effectRef idx="0">
+            <a:schemeClr val="accent1"/>
+          </a:effectRef>
+          <a:fontRef idx="minor">
+            <a:schemeClr val="lt1"/>
+          </a:fontRef>
+        </p:style>
+        <p:txBody>
+          <a:bodyPr rtlCol="0" anchor="ctr"/>
+          <a:lstStyle/>
+          <a:p>
+            <a:pPr marL="0" marR="0" lvl="0" indent="0" algn="ctr" defTabSz="914400" rtl="0" eaLnBrk="1" fontAlgn="auto" latinLnBrk="0" hangingPunct="1">
+              <a:lnSpc>
+                <a:spcPct val="100000"/>
+              </a:lnSpc>
+              <a:spcBef>
+                <a:spcPts val="0"/>
+              </a:spcBef>
+              <a:spcAft>
+                <a:spcPts val="0"/>
+              </a:spcAft>
+              <a:buClrTx/>
+              <a:buSzTx/>
+              <a:buFontTx/>
+              <a:buNone/>
+              <a:tabLst/>
+              <a:defRPr/>
+            </a:pPr>
+            <a:endParaRPr kumimoji="0" lang="en-US" sz="1800" b="0" i="0" u="none" strike="noStrike" kern="1200" cap="none" spc="0" normalizeH="0" baseline="0" noProof="0">
+              <a:ln>
+                <a:noFill/>
+              </a:ln>
+              <a:solidFill>
+                <a:prstClr val="white"/>
+              </a:solidFill>
+              <a:effectLst/>
+              <a:uLnTx/>
+              <a:uFillTx/>
+              <a:latin typeface="Calibri" panose="020F0502020204030204"/>
+              <a:ea typeface="+mn-ea"/>
+              <a:cs typeface="+mn-cs"/>
+            </a:endParaRPr>
+          </a:p>
+        </p:txBody>
+      </p:sp>
+      <p:sp>
+        <p:nvSpPr>
+          <p:cNvPr id="27" name="Rectangle 26">
+            <a:extLst>
+              <a:ext uri="{FF2B5EF4-FFF2-40B4-BE49-F238E27FC236}">
+                <a16:creationId xmlns:a16="http://schemas.microsoft.com/office/drawing/2014/main" id="{08C9B587-E65E-4B52-B37C-ABEBB6E87928}"/>
+              </a:ext>
+              <a:ext uri="{C183D7F6-B498-43B3-948B-1728B52AA6E4}">
+                <adec:decorative xmlns:adec="http://schemas.microsoft.com/office/drawing/2017/decorative" val="1"/>
+              </a:ext>
+            </a:extLst>
+          </p:cNvPr>
+          <p:cNvSpPr>
+            <a:spLocks noGrp="1" noRot="1" noChangeAspect="1" noMove="1" noResize="1" noEditPoints="1" noAdjustHandles="1" noChangeArrowheads="1" noChangeShapeType="1" noTextEdit="1"/>
+          </p:cNvSpPr>
+          <p:nvPr>
+            <p:extLst>
+              <p:ext uri="{386F3935-93C4-4BCD-93E2-E3B085C9AB24}">
+                <p16:designElem xmlns:p16="http://schemas.microsoft.com/office/powerpoint/2015/main" val="1"/>
+              </p:ext>
+            </p:extLst>
+          </p:nvPr>
+        </p:nvSpPr>
+        <p:spPr>
+          <a:xfrm>
+            <a:off x="841248" y="3241202"/>
+            <a:ext cx="10506456" cy="18288"/>
+          </a:xfrm>
+          <a:prstGeom prst="rect">
+            <a:avLst/>
+          </a:prstGeom>
+          <a:solidFill>
+            <a:schemeClr val="tx1"/>
+          </a:solidFill>
+          <a:ln w="3175">
+            <a:noFill/>
+          </a:ln>
+          <a:effectLst/>
+        </p:spPr>
+        <p:style>
+          <a:lnRef idx="2">
+            <a:schemeClr val="accent1">
+              <a:shade val="50000"/>
+            </a:schemeClr>
+          </a:lnRef>
+          <a:fillRef idx="1">
+            <a:schemeClr val="accent1"/>
+          </a:fillRef>
+          <a:effectRef idx="0">
+            <a:schemeClr val="accent1"/>
+          </a:effectRef>
+          <a:fontRef idx="minor">
+            <a:schemeClr val="lt1"/>
+          </a:fontRef>
+        </p:style>
+        <p:txBody>
+          <a:bodyPr rtlCol="0" anchor="ctr"/>
+          <a:lstStyle/>
+          <a:p>
+            <a:pPr marL="0" marR="0" lvl="0" indent="0" algn="ctr" defTabSz="914400" rtl="0" eaLnBrk="1" fontAlgn="auto" latinLnBrk="0" hangingPunct="1">
+              <a:lnSpc>
+                <a:spcPct val="100000"/>
+              </a:lnSpc>
+              <a:spcBef>
+                <a:spcPts val="0"/>
+              </a:spcBef>
+              <a:spcAft>
+                <a:spcPts val="0"/>
+              </a:spcAft>
+              <a:buClrTx/>
+              <a:buSzTx/>
+              <a:buFontTx/>
+              <a:buNone/>
+              <a:tabLst/>
+              <a:defRPr/>
+            </a:pPr>
+            <a:endParaRPr kumimoji="0" lang="en-US" sz="1800" b="0" i="0" u="none" strike="noStrike" kern="1200" cap="none" spc="0" normalizeH="0" baseline="0" noProof="0">
+              <a:ln>
+                <a:noFill/>
+              </a:ln>
+              <a:solidFill>
+                <a:prstClr val="white"/>
+              </a:solidFill>
+              <a:effectLst/>
+              <a:uLnTx/>
+              <a:uFillTx/>
+              <a:latin typeface="Calibri" panose="020F0502020204030204"/>
+              <a:ea typeface="+mn-ea"/>
+              <a:cs typeface="+mn-cs"/>
+            </a:endParaRPr>
+          </a:p>
+        </p:txBody>
+      </p:sp>
+      <p:graphicFrame>
+        <p:nvGraphicFramePr>
+          <p:cNvPr id="10" name="Espace réservé du contenu 7">
+            <a:extLst>
+              <a:ext uri="{FF2B5EF4-FFF2-40B4-BE49-F238E27FC236}">
+                <a16:creationId xmlns:a16="http://schemas.microsoft.com/office/drawing/2014/main" id="{3B78ACCD-5A2F-99BE-076A-4A5686D90B57}"/>
+              </a:ext>
+            </a:extLst>
+          </p:cNvPr>
+          <p:cNvGraphicFramePr>
+            <a:graphicFrameLocks noGrp="1"/>
+          </p:cNvGraphicFramePr>
+          <p:nvPr>
+            <p:ph idx="1"/>
+            <p:extLst>
+              <p:ext uri="{D42A27DB-BD31-4B8C-83A1-F6EECF244321}">
+                <p14:modId xmlns:p14="http://schemas.microsoft.com/office/powerpoint/2010/main" val="1069050349"/>
+              </p:ext>
+            </p:extLst>
+          </p:nvPr>
+        </p:nvGraphicFramePr>
+        <p:xfrm>
+          <a:off x="240817" y="3501460"/>
+          <a:ext cx="11707318" cy="2670048"/>
+        </p:xfrm>
+        <a:graphic>
+          <a:graphicData uri="http://schemas.openxmlformats.org/drawingml/2006/diagram">
+            <dgm:relIds xmlns:dgm="http://schemas.openxmlformats.org/drawingml/2006/diagram" xmlns:r="http://schemas.openxmlformats.org/officeDocument/2006/relationships" r:dm="rId2" r:lo="rId3" r:qs="rId4" r:cs="rId5"/>
+          </a:graphicData>
+        </a:graphic>
+      </p:graphicFrame>
+    </p:spTree>
+    <p:extLst>
+      <p:ext uri="{BB962C8B-B14F-4D97-AF65-F5344CB8AC3E}">
+        <p14:creationId xmlns:p14="http://schemas.microsoft.com/office/powerpoint/2010/main" val="789424417"/>
+      </p:ext>
+    </p:extLst>
+  </p:cSld>
+  <p:clrMapOvr>
+    <a:overrideClrMapping bg1="dk1" tx1="lt1" bg2="dk2" tx2="lt2" accent1="accent1" accent2="accent2" accent3="accent3" accent4="accent4" accent5="accent5" accent6="accent6" hlink="hlink" folHlink="folHlink"/>
+  </p:clrMapOvr>
+</p:sld>
+</file>
+
+<file path=ppt/slides/slide11.xml><?xml version="1.0" encoding="utf-8"?>
+<p:sld xmlns:a="http://schemas.openxmlformats.org/drawingml/2006/main" xmlns:r="http://schemas.openxmlformats.org/officeDocument/2006/relationships" xmlns:p="http://schemas.openxmlformats.org/presentationml/2006/main">
+  <p:cSld>
     <p:spTree>
       <p:nvGrpSpPr>
         <p:cNvPr id="1" name=""/>
@@ -17857,7 +18216,7 @@
 </p:sld>
 </file>
 
-<file path=ppt/slides/slide11.xml><?xml version="1.0" encoding="utf-8"?>
+<file path=ppt/slides/slide12.xml><?xml version="1.0" encoding="utf-8"?>
 <p:sld xmlns:a="http://schemas.openxmlformats.org/drawingml/2006/main" xmlns:r="http://schemas.openxmlformats.org/officeDocument/2006/relationships" xmlns:p="http://schemas.openxmlformats.org/presentationml/2006/main">
   <p:cSld>
     <p:spTree>
@@ -18281,7 +18640,7 @@
 </p:sld>
 </file>
 
-<file path=ppt/slides/slide12.xml><?xml version="1.0" encoding="utf-8"?>
+<file path=ppt/slides/slide13.xml><?xml version="1.0" encoding="utf-8"?>
 <p:sld xmlns:a="http://schemas.openxmlformats.org/drawingml/2006/main" xmlns:r="http://schemas.openxmlformats.org/officeDocument/2006/relationships" xmlns:p="http://schemas.openxmlformats.org/presentationml/2006/main">
   <p:cSld>
     <p:spTree>
@@ -19106,7 +19465,7 @@
 </p:sld>
 </file>
 
-<file path=ppt/slides/slide13.xml><?xml version="1.0" encoding="utf-8"?>
+<file path=ppt/slides/slide14.xml><?xml version="1.0" encoding="utf-8"?>
 <p:sld xmlns:a="http://schemas.openxmlformats.org/drawingml/2006/main" xmlns:r="http://schemas.openxmlformats.org/officeDocument/2006/relationships" xmlns:p="http://schemas.openxmlformats.org/presentationml/2006/main">
   <p:cSld>
     <p:spTree>
@@ -19552,7 +19911,7 @@
 </p:sld>
 </file>
 
-<file path=ppt/slides/slide14.xml><?xml version="1.0" encoding="utf-8"?>
+<file path=ppt/slides/slide15.xml><?xml version="1.0" encoding="utf-8"?>
 <p:sld xmlns:a="http://schemas.openxmlformats.org/drawingml/2006/main" xmlns:r="http://schemas.openxmlformats.org/officeDocument/2006/relationships" xmlns:p="http://schemas.openxmlformats.org/presentationml/2006/main">
   <p:cSld>
     <p:bg>
@@ -20750,7 +21109,7 @@
 </p:sld>
 </file>
 
-<file path=ppt/slides/slide15.xml><?xml version="1.0" encoding="utf-8"?>
+<file path=ppt/slides/slide16.xml><?xml version="1.0" encoding="utf-8"?>
 <p:sld xmlns:a="http://schemas.openxmlformats.org/drawingml/2006/main" xmlns:r="http://schemas.openxmlformats.org/officeDocument/2006/relationships" xmlns:p="http://schemas.openxmlformats.org/presentationml/2006/main">
   <p:cSld>
     <p:spTree>
@@ -21414,7 +21773,7 @@
 </p:sld>
 </file>
 
-<file path=ppt/slides/slide16.xml><?xml version="1.0" encoding="utf-8"?>
+<file path=ppt/slides/slide17.xml><?xml version="1.0" encoding="utf-8"?>
 <p:sld xmlns:a="http://schemas.openxmlformats.org/drawingml/2006/main" xmlns:r="http://schemas.openxmlformats.org/officeDocument/2006/relationships" xmlns:p="http://schemas.openxmlformats.org/presentationml/2006/main">
   <p:cSld>
     <p:spTree>
@@ -22333,7 +22692,7 @@
 </p:sld>
 </file>
 
-<file path=ppt/slides/slide17.xml><?xml version="1.0" encoding="utf-8"?>
+<file path=ppt/slides/slide18.xml><?xml version="1.0" encoding="utf-8"?>
 <p:sld xmlns:a="http://schemas.openxmlformats.org/drawingml/2006/main" xmlns:r="http://schemas.openxmlformats.org/officeDocument/2006/relationships" xmlns:p="http://schemas.openxmlformats.org/presentationml/2006/main">
   <p:cSld>
     <p:spTree>
@@ -23150,7 +23509,7 @@
 </p:sld>
 </file>
 
-<file path=ppt/slides/slide18.xml><?xml version="1.0" encoding="utf-8"?>
+<file path=ppt/slides/slide19.xml><?xml version="1.0" encoding="utf-8"?>
 <p:sld xmlns:a="http://schemas.openxmlformats.org/drawingml/2006/main" xmlns:r="http://schemas.openxmlformats.org/officeDocument/2006/relationships" xmlns:p="http://schemas.openxmlformats.org/presentationml/2006/main">
   <p:cSld>
     <p:spTree>
@@ -23820,7 +24179,468 @@
 </p:sld>
 </file>
 
-<file path=ppt/slides/slide19.xml><?xml version="1.0" encoding="utf-8"?>
+<file path=ppt/slides/slide2.xml><?xml version="1.0" encoding="utf-8"?>
+<p:sld xmlns:a="http://schemas.openxmlformats.org/drawingml/2006/main" xmlns:r="http://schemas.openxmlformats.org/officeDocument/2006/relationships" xmlns:p="http://schemas.openxmlformats.org/presentationml/2006/main">
+  <p:cSld>
+    <p:bg>
+      <p:bgPr>
+        <a:solidFill>
+          <a:schemeClr val="bg1"/>
+        </a:solidFill>
+        <a:effectLst/>
+      </p:bgPr>
+    </p:bg>
+    <p:spTree>
+      <p:nvGrpSpPr>
+        <p:cNvPr id="1" name=""/>
+        <p:cNvGrpSpPr/>
+        <p:nvPr/>
+      </p:nvGrpSpPr>
+      <p:grpSpPr>
+        <a:xfrm>
+          <a:off x="0" y="0"/>
+          <a:ext cx="0" cy="0"/>
+          <a:chOff x="0" y="0"/>
+          <a:chExt cx="0" cy="0"/>
+        </a:xfrm>
+      </p:grpSpPr>
+      <p:sp useBgFill="1">
+        <p:nvSpPr>
+          <p:cNvPr id="23" name="Rectangle 22">
+            <a:extLst>
+              <a:ext uri="{FF2B5EF4-FFF2-40B4-BE49-F238E27FC236}">
+                <a16:creationId xmlns:a16="http://schemas.microsoft.com/office/drawing/2014/main" id="{DF44879F-6698-4394-89D4-7B3CDB92E9A0}"/>
+              </a:ext>
+              <a:ext uri="{C183D7F6-B498-43B3-948B-1728B52AA6E4}">
+                <adec:decorative xmlns:adec="http://schemas.microsoft.com/office/drawing/2017/decorative" val="1"/>
+              </a:ext>
+            </a:extLst>
+          </p:cNvPr>
+          <p:cNvSpPr>
+            <a:spLocks noGrp="1" noRot="1" noChangeAspect="1" noMove="1" noResize="1" noEditPoints="1" noAdjustHandles="1" noChangeArrowheads="1" noChangeShapeType="1" noTextEdit="1"/>
+          </p:cNvSpPr>
+          <p:nvPr>
+            <p:extLst>
+              <p:ext uri="{386F3935-93C4-4BCD-93E2-E3B085C9AB24}">
+                <p16:designElem xmlns:p16="http://schemas.microsoft.com/office/powerpoint/2015/main" val="1"/>
+              </p:ext>
+            </p:extLst>
+          </p:nvPr>
+        </p:nvSpPr>
+        <p:spPr>
+          <a:xfrm>
+            <a:off x="0" y="0"/>
+            <a:ext cx="12192000" cy="6858000"/>
+          </a:xfrm>
+          <a:prstGeom prst="rect">
+            <a:avLst/>
+          </a:prstGeom>
+          <a:ln w="12700" cap="flat" cmpd="sng" algn="ctr">
+            <a:noFill/>
+            <a:prstDash val="solid"/>
+            <a:miter lim="800000"/>
+          </a:ln>
+          <a:effectLst/>
+          <a:extLst>
+            <a:ext uri="{91240B29-F687-4F45-9708-019B960494DF}">
+              <a14:hiddenLine xmlns:a14="http://schemas.microsoft.com/office/drawing/2010/main" w="12700" cap="flat" cmpd="sng" algn="ctr">
+                <a:solidFill>
+                  <a:schemeClr val="accent1">
+                    <a:shade val="50000"/>
+                  </a:schemeClr>
+                </a:solidFill>
+                <a:prstDash val="solid"/>
+                <a:miter lim="800000"/>
+              </a14:hiddenLine>
+            </a:ext>
+          </a:extLst>
+        </p:spPr>
+        <p:style>
+          <a:lnRef idx="2">
+            <a:schemeClr val="accent1">
+              <a:shade val="50000"/>
+            </a:schemeClr>
+          </a:lnRef>
+          <a:fillRef idx="1">
+            <a:schemeClr val="accent1"/>
+          </a:fillRef>
+          <a:effectRef idx="0">
+            <a:schemeClr val="accent1"/>
+          </a:effectRef>
+          <a:fontRef idx="minor">
+            <a:schemeClr val="lt1"/>
+          </a:fontRef>
+        </p:style>
+        <p:txBody>
+          <a:bodyPr rtlCol="0" anchor="ctr"/>
+          <a:lstStyle/>
+          <a:p>
+            <a:pPr algn="ctr"/>
+            <a:endParaRPr lang="en-US"/>
+          </a:p>
+        </p:txBody>
+      </p:sp>
+      <p:sp>
+        <p:nvSpPr>
+          <p:cNvPr id="25" name="!!Rectangle">
+            <a:extLst>
+              <a:ext uri="{FF2B5EF4-FFF2-40B4-BE49-F238E27FC236}">
+                <a16:creationId xmlns:a16="http://schemas.microsoft.com/office/drawing/2014/main" id="{C65FD3B2-577C-49A0-B40E-4845C5D597CF}"/>
+              </a:ext>
+              <a:ext uri="{C183D7F6-B498-43B3-948B-1728B52AA6E4}">
+                <adec:decorative xmlns:adec="http://schemas.microsoft.com/office/drawing/2017/decorative" val="1"/>
+              </a:ext>
+            </a:extLst>
+          </p:cNvPr>
+          <p:cNvSpPr>
+            <a:spLocks noGrp="1" noRot="1" noChangeAspect="1" noMove="1" noResize="1" noEditPoints="1" noAdjustHandles="1" noChangeArrowheads="1" noChangeShapeType="1" noTextEdit="1"/>
+          </p:cNvSpPr>
+          <p:nvPr>
+            <p:extLst>
+              <p:ext uri="{386F3935-93C4-4BCD-93E2-E3B085C9AB24}">
+                <p16:designElem xmlns:p16="http://schemas.microsoft.com/office/powerpoint/2015/main" val="1"/>
+              </p:ext>
+            </p:extLst>
+          </p:nvPr>
+        </p:nvSpPr>
+        <p:spPr>
+          <a:xfrm>
+            <a:off x="0" y="0"/>
+            <a:ext cx="12192000" cy="6858000"/>
+          </a:xfrm>
+          <a:prstGeom prst="rect">
+            <a:avLst/>
+          </a:prstGeom>
+          <a:solidFill>
+            <a:srgbClr val="000000"/>
+          </a:solidFill>
+          <a:ln>
+            <a:noFill/>
+          </a:ln>
+        </p:spPr>
+        <p:style>
+          <a:lnRef idx="2">
+            <a:schemeClr val="accent1">
+              <a:shade val="50000"/>
+            </a:schemeClr>
+          </a:lnRef>
+          <a:fillRef idx="1">
+            <a:schemeClr val="accent1"/>
+          </a:fillRef>
+          <a:effectRef idx="0">
+            <a:schemeClr val="accent1"/>
+          </a:effectRef>
+          <a:fontRef idx="minor">
+            <a:schemeClr val="lt1"/>
+          </a:fontRef>
+        </p:style>
+        <p:txBody>
+          <a:bodyPr rtlCol="0" anchor="ctr"/>
+          <a:lstStyle/>
+          <a:p>
+            <a:pPr marL="0" marR="0" lvl="0" indent="0" algn="ctr" defTabSz="914400" rtl="0" eaLnBrk="1" fontAlgn="auto" latinLnBrk="0" hangingPunct="1">
+              <a:lnSpc>
+                <a:spcPct val="100000"/>
+              </a:lnSpc>
+              <a:spcBef>
+                <a:spcPts val="0"/>
+              </a:spcBef>
+              <a:spcAft>
+                <a:spcPts val="0"/>
+              </a:spcAft>
+              <a:buClrTx/>
+              <a:buSzTx/>
+              <a:buFontTx/>
+              <a:buNone/>
+              <a:tabLst/>
+              <a:defRPr/>
+            </a:pPr>
+            <a:endParaRPr kumimoji="0" lang="en-US" sz="1800" b="0" i="0" u="none" strike="noStrike" kern="1200" cap="none" spc="0" normalizeH="0" baseline="0" noProof="0">
+              <a:ln>
+                <a:noFill/>
+              </a:ln>
+              <a:solidFill>
+                <a:prstClr val="white"/>
+              </a:solidFill>
+              <a:effectLst/>
+              <a:uLnTx/>
+              <a:uFillTx/>
+              <a:latin typeface="Avenir Next LT Pro"/>
+              <a:ea typeface="+mn-ea"/>
+              <a:cs typeface="+mn-cs"/>
+            </a:endParaRPr>
+          </a:p>
+        </p:txBody>
+      </p:sp>
+      <p:sp>
+        <p:nvSpPr>
+          <p:cNvPr id="2" name="Titre 1">
+            <a:extLst>
+              <a:ext uri="{FF2B5EF4-FFF2-40B4-BE49-F238E27FC236}">
+                <a16:creationId xmlns:a16="http://schemas.microsoft.com/office/drawing/2014/main" id="{478DAC22-24EF-F518-530D-6A360CC088DA}"/>
+              </a:ext>
+            </a:extLst>
+          </p:cNvPr>
+          <p:cNvSpPr>
+            <a:spLocks noGrp="1"/>
+          </p:cNvSpPr>
+          <p:nvPr>
+            <p:ph type="title"/>
+          </p:nvPr>
+        </p:nvSpPr>
+        <p:spPr>
+          <a:xfrm>
+            <a:off x="841248" y="426720"/>
+            <a:ext cx="10506456" cy="1919141"/>
+          </a:xfrm>
+        </p:spPr>
+        <p:txBody>
+          <a:bodyPr anchor="b">
+            <a:normAutofit/>
+          </a:bodyPr>
+          <a:lstStyle/>
+          <a:p>
+            <a:r>
+              <a:rPr lang="fr-CA" sz="6000">
+                <a:solidFill>
+                  <a:srgbClr val="FFFFFF"/>
+                </a:solidFill>
+              </a:rPr>
+              <a:t>Objectifs de l’atelier</a:t>
+            </a:r>
+          </a:p>
+        </p:txBody>
+      </p:sp>
+      <p:sp>
+        <p:nvSpPr>
+          <p:cNvPr id="27" name="Rectangle 26">
+            <a:extLst>
+              <a:ext uri="{FF2B5EF4-FFF2-40B4-BE49-F238E27FC236}">
+                <a16:creationId xmlns:a16="http://schemas.microsoft.com/office/drawing/2014/main" id="{7A0B5DEA-ADF6-4BA5-9307-147F0A4685A0}"/>
+              </a:ext>
+              <a:ext uri="{C183D7F6-B498-43B3-948B-1728B52AA6E4}">
+                <adec:decorative xmlns:adec="http://schemas.microsoft.com/office/drawing/2017/decorative" val="1"/>
+              </a:ext>
+            </a:extLst>
+          </p:cNvPr>
+          <p:cNvSpPr>
+            <a:spLocks noGrp="1" noRot="1" noChangeAspect="1" noMove="1" noResize="1" noEditPoints="1" noAdjustHandles="1" noChangeArrowheads="1" noChangeShapeType="1" noTextEdit="1"/>
+          </p:cNvSpPr>
+          <p:nvPr>
+            <p:extLst>
+              <p:ext uri="{386F3935-93C4-4BCD-93E2-E3B085C9AB24}">
+                <p16:designElem xmlns:p16="http://schemas.microsoft.com/office/powerpoint/2015/main" val="1"/>
+              </p:ext>
+            </p:extLst>
+          </p:nvPr>
+        </p:nvSpPr>
+        <p:spPr>
+          <a:xfrm>
+            <a:off x="868680" y="2898648"/>
+            <a:ext cx="10506456" cy="18288"/>
+          </a:xfrm>
+          <a:prstGeom prst="rect">
+            <a:avLst/>
+          </a:prstGeom>
+          <a:solidFill>
+            <a:srgbClr val="FFFFFF"/>
+          </a:solidFill>
+          <a:ln w="3175">
+            <a:noFill/>
+          </a:ln>
+          <a:effectLst/>
+        </p:spPr>
+        <p:style>
+          <a:lnRef idx="2">
+            <a:schemeClr val="accent1">
+              <a:shade val="50000"/>
+            </a:schemeClr>
+          </a:lnRef>
+          <a:fillRef idx="1">
+            <a:schemeClr val="accent1"/>
+          </a:fillRef>
+          <a:effectRef idx="0">
+            <a:schemeClr val="accent1"/>
+          </a:effectRef>
+          <a:fontRef idx="minor">
+            <a:schemeClr val="lt1"/>
+          </a:fontRef>
+        </p:style>
+        <p:txBody>
+          <a:bodyPr rtlCol="0" anchor="ctr"/>
+          <a:lstStyle/>
+          <a:p>
+            <a:pPr marL="0" marR="0" lvl="0" indent="0" algn="ctr" defTabSz="914400" rtl="0" eaLnBrk="1" fontAlgn="auto" latinLnBrk="0" hangingPunct="1">
+              <a:lnSpc>
+                <a:spcPct val="100000"/>
+              </a:lnSpc>
+              <a:spcBef>
+                <a:spcPts val="0"/>
+              </a:spcBef>
+              <a:spcAft>
+                <a:spcPts val="0"/>
+              </a:spcAft>
+              <a:buClrTx/>
+              <a:buSzTx/>
+              <a:buFontTx/>
+              <a:buNone/>
+              <a:tabLst/>
+              <a:defRPr/>
+            </a:pPr>
+            <a:endParaRPr kumimoji="0" lang="en-US" sz="1800" b="0" i="0" u="none" strike="noStrike" kern="1200" cap="none" spc="0" normalizeH="0" baseline="0" noProof="0">
+              <a:ln>
+                <a:noFill/>
+              </a:ln>
+              <a:solidFill>
+                <a:prstClr val="white"/>
+              </a:solidFill>
+              <a:effectLst/>
+              <a:uLnTx/>
+              <a:uFillTx/>
+              <a:latin typeface="Calibri" panose="020F0502020204030204"/>
+              <a:ea typeface="+mn-ea"/>
+              <a:cs typeface="+mn-cs"/>
+            </a:endParaRPr>
+          </a:p>
+        </p:txBody>
+      </p:sp>
+      <p:sp>
+        <p:nvSpPr>
+          <p:cNvPr id="29" name="Rectangle 28">
+            <a:extLst>
+              <a:ext uri="{FF2B5EF4-FFF2-40B4-BE49-F238E27FC236}">
+                <a16:creationId xmlns:a16="http://schemas.microsoft.com/office/drawing/2014/main" id="{9DECDBF4-02B6-4BB4-B65B-B8107AD6A9E8}"/>
+              </a:ext>
+              <a:ext uri="{C183D7F6-B498-43B3-948B-1728B52AA6E4}">
+                <adec:decorative xmlns:adec="http://schemas.microsoft.com/office/drawing/2017/decorative" val="1"/>
+              </a:ext>
+            </a:extLst>
+          </p:cNvPr>
+          <p:cNvSpPr>
+            <a:spLocks noGrp="1" noRot="1" noChangeAspect="1" noMove="1" noResize="1" noEditPoints="1" noAdjustHandles="1" noChangeArrowheads="1" noChangeShapeType="1" noTextEdit="1"/>
+          </p:cNvSpPr>
+          <p:nvPr>
+            <p:extLst>
+              <p:ext uri="{386F3935-93C4-4BCD-93E2-E3B085C9AB24}">
+                <p16:designElem xmlns:p16="http://schemas.microsoft.com/office/powerpoint/2015/main" val="1"/>
+              </p:ext>
+            </p:extLst>
+          </p:nvPr>
+        </p:nvSpPr>
+        <p:spPr>
+          <a:xfrm flipV="1">
+            <a:off x="841248" y="2783982"/>
+            <a:ext cx="1873457" cy="137160"/>
+          </a:xfrm>
+          <a:prstGeom prst="rect">
+            <a:avLst/>
+          </a:prstGeom>
+          <a:solidFill>
+            <a:schemeClr val="accent1"/>
+          </a:solidFill>
+          <a:ln>
+            <a:noFill/>
+          </a:ln>
+        </p:spPr>
+        <p:style>
+          <a:lnRef idx="2">
+            <a:schemeClr val="accent1">
+              <a:shade val="50000"/>
+            </a:schemeClr>
+          </a:lnRef>
+          <a:fillRef idx="1">
+            <a:schemeClr val="accent1"/>
+          </a:fillRef>
+          <a:effectRef idx="0">
+            <a:schemeClr val="accent1"/>
+          </a:effectRef>
+          <a:fontRef idx="minor">
+            <a:schemeClr val="lt1"/>
+          </a:fontRef>
+        </p:style>
+        <p:txBody>
+          <a:bodyPr rtlCol="0" anchor="ctr"/>
+          <a:lstStyle/>
+          <a:p>
+            <a:pPr marL="0" marR="0" lvl="0" indent="0" algn="ctr" defTabSz="914400" rtl="0" eaLnBrk="1" fontAlgn="auto" latinLnBrk="0" hangingPunct="1">
+              <a:lnSpc>
+                <a:spcPct val="100000"/>
+              </a:lnSpc>
+              <a:spcBef>
+                <a:spcPts val="0"/>
+              </a:spcBef>
+              <a:spcAft>
+                <a:spcPts val="0"/>
+              </a:spcAft>
+              <a:buClrTx/>
+              <a:buSzTx/>
+              <a:buFontTx/>
+              <a:buNone/>
+              <a:tabLst/>
+              <a:defRPr/>
+            </a:pPr>
+            <a:endParaRPr kumimoji="0" lang="en-US" sz="1800" b="0" i="0" u="none" strike="noStrike" kern="1200" cap="none" spc="0" normalizeH="0" baseline="0" noProof="0">
+              <a:ln>
+                <a:noFill/>
+              </a:ln>
+              <a:solidFill>
+                <a:prstClr val="white"/>
+              </a:solidFill>
+              <a:effectLst/>
+              <a:uLnTx/>
+              <a:uFillTx/>
+              <a:latin typeface="Calibri" panose="020F0502020204030204"/>
+              <a:ea typeface="+mn-ea"/>
+              <a:cs typeface="+mn-cs"/>
+            </a:endParaRPr>
+          </a:p>
+        </p:txBody>
+      </p:sp>
+      <p:graphicFrame>
+        <p:nvGraphicFramePr>
+          <p:cNvPr id="18" name="Espace réservé du contenu 2">
+            <a:extLst>
+              <a:ext uri="{FF2B5EF4-FFF2-40B4-BE49-F238E27FC236}">
+                <a16:creationId xmlns:a16="http://schemas.microsoft.com/office/drawing/2014/main" id="{30FDE603-8964-CCFE-D6F0-EABD5241800A}"/>
+              </a:ext>
+            </a:extLst>
+          </p:cNvPr>
+          <p:cNvGraphicFramePr>
+            <a:graphicFrameLocks noGrp="1"/>
+          </p:cNvGraphicFramePr>
+          <p:nvPr>
+            <p:ph idx="1"/>
+            <p:extLst>
+              <p:ext uri="{D42A27DB-BD31-4B8C-83A1-F6EECF244321}">
+                <p14:modId xmlns:p14="http://schemas.microsoft.com/office/powerpoint/2010/main" val="3411886490"/>
+              </p:ext>
+            </p:extLst>
+          </p:nvPr>
+        </p:nvGraphicFramePr>
+        <p:xfrm>
+          <a:off x="841248" y="3337269"/>
+          <a:ext cx="10509504" cy="2905686"/>
+        </p:xfrm>
+        <a:graphic>
+          <a:graphicData uri="http://schemas.openxmlformats.org/drawingml/2006/diagram">
+            <dgm:relIds xmlns:dgm="http://schemas.openxmlformats.org/drawingml/2006/diagram" xmlns:r="http://schemas.openxmlformats.org/officeDocument/2006/relationships" r:dm="rId2" r:lo="rId3" r:qs="rId4" r:cs="rId5"/>
+          </a:graphicData>
+        </a:graphic>
+      </p:graphicFrame>
+    </p:spTree>
+    <p:extLst>
+      <p:ext uri="{BB962C8B-B14F-4D97-AF65-F5344CB8AC3E}">
+        <p14:creationId xmlns:p14="http://schemas.microsoft.com/office/powerpoint/2010/main" val="2049150351"/>
+      </p:ext>
+    </p:extLst>
+  </p:cSld>
+  <p:clrMapOvr>
+    <a:masterClrMapping/>
+  </p:clrMapOvr>
+</p:sld>
+</file>
+
+<file path=ppt/slides/slide20.xml><?xml version="1.0" encoding="utf-8"?>
 <p:sld xmlns:a="http://schemas.openxmlformats.org/drawingml/2006/main" xmlns:r="http://schemas.openxmlformats.org/officeDocument/2006/relationships" xmlns:p="http://schemas.openxmlformats.org/presentationml/2006/main">
   <p:cSld>
     <p:spTree>
@@ -24649,468 +25469,7 @@
 </p:sld>
 </file>
 
-<file path=ppt/slides/slide2.xml><?xml version="1.0" encoding="utf-8"?>
-<p:sld xmlns:a="http://schemas.openxmlformats.org/drawingml/2006/main" xmlns:r="http://schemas.openxmlformats.org/officeDocument/2006/relationships" xmlns:p="http://schemas.openxmlformats.org/presentationml/2006/main">
-  <p:cSld>
-    <p:bg>
-      <p:bgPr>
-        <a:solidFill>
-          <a:schemeClr val="bg1"/>
-        </a:solidFill>
-        <a:effectLst/>
-      </p:bgPr>
-    </p:bg>
-    <p:spTree>
-      <p:nvGrpSpPr>
-        <p:cNvPr id="1" name=""/>
-        <p:cNvGrpSpPr/>
-        <p:nvPr/>
-      </p:nvGrpSpPr>
-      <p:grpSpPr>
-        <a:xfrm>
-          <a:off x="0" y="0"/>
-          <a:ext cx="0" cy="0"/>
-          <a:chOff x="0" y="0"/>
-          <a:chExt cx="0" cy="0"/>
-        </a:xfrm>
-      </p:grpSpPr>
-      <p:sp useBgFill="1">
-        <p:nvSpPr>
-          <p:cNvPr id="23" name="Rectangle 22">
-            <a:extLst>
-              <a:ext uri="{FF2B5EF4-FFF2-40B4-BE49-F238E27FC236}">
-                <a16:creationId xmlns:a16="http://schemas.microsoft.com/office/drawing/2014/main" id="{DF44879F-6698-4394-89D4-7B3CDB92E9A0}"/>
-              </a:ext>
-              <a:ext uri="{C183D7F6-B498-43B3-948B-1728B52AA6E4}">
-                <adec:decorative xmlns:adec="http://schemas.microsoft.com/office/drawing/2017/decorative" val="1"/>
-              </a:ext>
-            </a:extLst>
-          </p:cNvPr>
-          <p:cNvSpPr>
-            <a:spLocks noGrp="1" noRot="1" noChangeAspect="1" noMove="1" noResize="1" noEditPoints="1" noAdjustHandles="1" noChangeArrowheads="1" noChangeShapeType="1" noTextEdit="1"/>
-          </p:cNvSpPr>
-          <p:nvPr>
-            <p:extLst>
-              <p:ext uri="{386F3935-93C4-4BCD-93E2-E3B085C9AB24}">
-                <p16:designElem xmlns:p16="http://schemas.microsoft.com/office/powerpoint/2015/main" val="1"/>
-              </p:ext>
-            </p:extLst>
-          </p:nvPr>
-        </p:nvSpPr>
-        <p:spPr>
-          <a:xfrm>
-            <a:off x="0" y="0"/>
-            <a:ext cx="12192000" cy="6858000"/>
-          </a:xfrm>
-          <a:prstGeom prst="rect">
-            <a:avLst/>
-          </a:prstGeom>
-          <a:ln w="12700" cap="flat" cmpd="sng" algn="ctr">
-            <a:noFill/>
-            <a:prstDash val="solid"/>
-            <a:miter lim="800000"/>
-          </a:ln>
-          <a:effectLst/>
-          <a:extLst>
-            <a:ext uri="{91240B29-F687-4F45-9708-019B960494DF}">
-              <a14:hiddenLine xmlns:a14="http://schemas.microsoft.com/office/drawing/2010/main" w="12700" cap="flat" cmpd="sng" algn="ctr">
-                <a:solidFill>
-                  <a:schemeClr val="accent1">
-                    <a:shade val="50000"/>
-                  </a:schemeClr>
-                </a:solidFill>
-                <a:prstDash val="solid"/>
-                <a:miter lim="800000"/>
-              </a14:hiddenLine>
-            </a:ext>
-          </a:extLst>
-        </p:spPr>
-        <p:style>
-          <a:lnRef idx="2">
-            <a:schemeClr val="accent1">
-              <a:shade val="50000"/>
-            </a:schemeClr>
-          </a:lnRef>
-          <a:fillRef idx="1">
-            <a:schemeClr val="accent1"/>
-          </a:fillRef>
-          <a:effectRef idx="0">
-            <a:schemeClr val="accent1"/>
-          </a:effectRef>
-          <a:fontRef idx="minor">
-            <a:schemeClr val="lt1"/>
-          </a:fontRef>
-        </p:style>
-        <p:txBody>
-          <a:bodyPr rtlCol="0" anchor="ctr"/>
-          <a:lstStyle/>
-          <a:p>
-            <a:pPr algn="ctr"/>
-            <a:endParaRPr lang="en-US"/>
-          </a:p>
-        </p:txBody>
-      </p:sp>
-      <p:sp>
-        <p:nvSpPr>
-          <p:cNvPr id="25" name="!!Rectangle">
-            <a:extLst>
-              <a:ext uri="{FF2B5EF4-FFF2-40B4-BE49-F238E27FC236}">
-                <a16:creationId xmlns:a16="http://schemas.microsoft.com/office/drawing/2014/main" id="{C65FD3B2-577C-49A0-B40E-4845C5D597CF}"/>
-              </a:ext>
-              <a:ext uri="{C183D7F6-B498-43B3-948B-1728B52AA6E4}">
-                <adec:decorative xmlns:adec="http://schemas.microsoft.com/office/drawing/2017/decorative" val="1"/>
-              </a:ext>
-            </a:extLst>
-          </p:cNvPr>
-          <p:cNvSpPr>
-            <a:spLocks noGrp="1" noRot="1" noChangeAspect="1" noMove="1" noResize="1" noEditPoints="1" noAdjustHandles="1" noChangeArrowheads="1" noChangeShapeType="1" noTextEdit="1"/>
-          </p:cNvSpPr>
-          <p:nvPr>
-            <p:extLst>
-              <p:ext uri="{386F3935-93C4-4BCD-93E2-E3B085C9AB24}">
-                <p16:designElem xmlns:p16="http://schemas.microsoft.com/office/powerpoint/2015/main" val="1"/>
-              </p:ext>
-            </p:extLst>
-          </p:nvPr>
-        </p:nvSpPr>
-        <p:spPr>
-          <a:xfrm>
-            <a:off x="0" y="0"/>
-            <a:ext cx="12192000" cy="6858000"/>
-          </a:xfrm>
-          <a:prstGeom prst="rect">
-            <a:avLst/>
-          </a:prstGeom>
-          <a:solidFill>
-            <a:srgbClr val="000000"/>
-          </a:solidFill>
-          <a:ln>
-            <a:noFill/>
-          </a:ln>
-        </p:spPr>
-        <p:style>
-          <a:lnRef idx="2">
-            <a:schemeClr val="accent1">
-              <a:shade val="50000"/>
-            </a:schemeClr>
-          </a:lnRef>
-          <a:fillRef idx="1">
-            <a:schemeClr val="accent1"/>
-          </a:fillRef>
-          <a:effectRef idx="0">
-            <a:schemeClr val="accent1"/>
-          </a:effectRef>
-          <a:fontRef idx="minor">
-            <a:schemeClr val="lt1"/>
-          </a:fontRef>
-        </p:style>
-        <p:txBody>
-          <a:bodyPr rtlCol="0" anchor="ctr"/>
-          <a:lstStyle/>
-          <a:p>
-            <a:pPr marL="0" marR="0" lvl="0" indent="0" algn="ctr" defTabSz="914400" rtl="0" eaLnBrk="1" fontAlgn="auto" latinLnBrk="0" hangingPunct="1">
-              <a:lnSpc>
-                <a:spcPct val="100000"/>
-              </a:lnSpc>
-              <a:spcBef>
-                <a:spcPts val="0"/>
-              </a:spcBef>
-              <a:spcAft>
-                <a:spcPts val="0"/>
-              </a:spcAft>
-              <a:buClrTx/>
-              <a:buSzTx/>
-              <a:buFontTx/>
-              <a:buNone/>
-              <a:tabLst/>
-              <a:defRPr/>
-            </a:pPr>
-            <a:endParaRPr kumimoji="0" lang="en-US" sz="1800" b="0" i="0" u="none" strike="noStrike" kern="1200" cap="none" spc="0" normalizeH="0" baseline="0" noProof="0">
-              <a:ln>
-                <a:noFill/>
-              </a:ln>
-              <a:solidFill>
-                <a:prstClr val="white"/>
-              </a:solidFill>
-              <a:effectLst/>
-              <a:uLnTx/>
-              <a:uFillTx/>
-              <a:latin typeface="Avenir Next LT Pro"/>
-              <a:ea typeface="+mn-ea"/>
-              <a:cs typeface="+mn-cs"/>
-            </a:endParaRPr>
-          </a:p>
-        </p:txBody>
-      </p:sp>
-      <p:sp>
-        <p:nvSpPr>
-          <p:cNvPr id="2" name="Titre 1">
-            <a:extLst>
-              <a:ext uri="{FF2B5EF4-FFF2-40B4-BE49-F238E27FC236}">
-                <a16:creationId xmlns:a16="http://schemas.microsoft.com/office/drawing/2014/main" id="{478DAC22-24EF-F518-530D-6A360CC088DA}"/>
-              </a:ext>
-            </a:extLst>
-          </p:cNvPr>
-          <p:cNvSpPr>
-            <a:spLocks noGrp="1"/>
-          </p:cNvSpPr>
-          <p:nvPr>
-            <p:ph type="title"/>
-          </p:nvPr>
-        </p:nvSpPr>
-        <p:spPr>
-          <a:xfrm>
-            <a:off x="841248" y="426720"/>
-            <a:ext cx="10506456" cy="1919141"/>
-          </a:xfrm>
-        </p:spPr>
-        <p:txBody>
-          <a:bodyPr anchor="b">
-            <a:normAutofit/>
-          </a:bodyPr>
-          <a:lstStyle/>
-          <a:p>
-            <a:r>
-              <a:rPr lang="fr-CA" sz="6000">
-                <a:solidFill>
-                  <a:srgbClr val="FFFFFF"/>
-                </a:solidFill>
-              </a:rPr>
-              <a:t>Objectifs de l’atelier</a:t>
-            </a:r>
-          </a:p>
-        </p:txBody>
-      </p:sp>
-      <p:sp>
-        <p:nvSpPr>
-          <p:cNvPr id="27" name="Rectangle 26">
-            <a:extLst>
-              <a:ext uri="{FF2B5EF4-FFF2-40B4-BE49-F238E27FC236}">
-                <a16:creationId xmlns:a16="http://schemas.microsoft.com/office/drawing/2014/main" id="{7A0B5DEA-ADF6-4BA5-9307-147F0A4685A0}"/>
-              </a:ext>
-              <a:ext uri="{C183D7F6-B498-43B3-948B-1728B52AA6E4}">
-                <adec:decorative xmlns:adec="http://schemas.microsoft.com/office/drawing/2017/decorative" val="1"/>
-              </a:ext>
-            </a:extLst>
-          </p:cNvPr>
-          <p:cNvSpPr>
-            <a:spLocks noGrp="1" noRot="1" noChangeAspect="1" noMove="1" noResize="1" noEditPoints="1" noAdjustHandles="1" noChangeArrowheads="1" noChangeShapeType="1" noTextEdit="1"/>
-          </p:cNvSpPr>
-          <p:nvPr>
-            <p:extLst>
-              <p:ext uri="{386F3935-93C4-4BCD-93E2-E3B085C9AB24}">
-                <p16:designElem xmlns:p16="http://schemas.microsoft.com/office/powerpoint/2015/main" val="1"/>
-              </p:ext>
-            </p:extLst>
-          </p:nvPr>
-        </p:nvSpPr>
-        <p:spPr>
-          <a:xfrm>
-            <a:off x="868680" y="2898648"/>
-            <a:ext cx="10506456" cy="18288"/>
-          </a:xfrm>
-          <a:prstGeom prst="rect">
-            <a:avLst/>
-          </a:prstGeom>
-          <a:solidFill>
-            <a:srgbClr val="FFFFFF"/>
-          </a:solidFill>
-          <a:ln w="3175">
-            <a:noFill/>
-          </a:ln>
-          <a:effectLst/>
-        </p:spPr>
-        <p:style>
-          <a:lnRef idx="2">
-            <a:schemeClr val="accent1">
-              <a:shade val="50000"/>
-            </a:schemeClr>
-          </a:lnRef>
-          <a:fillRef idx="1">
-            <a:schemeClr val="accent1"/>
-          </a:fillRef>
-          <a:effectRef idx="0">
-            <a:schemeClr val="accent1"/>
-          </a:effectRef>
-          <a:fontRef idx="minor">
-            <a:schemeClr val="lt1"/>
-          </a:fontRef>
-        </p:style>
-        <p:txBody>
-          <a:bodyPr rtlCol="0" anchor="ctr"/>
-          <a:lstStyle/>
-          <a:p>
-            <a:pPr marL="0" marR="0" lvl="0" indent="0" algn="ctr" defTabSz="914400" rtl="0" eaLnBrk="1" fontAlgn="auto" latinLnBrk="0" hangingPunct="1">
-              <a:lnSpc>
-                <a:spcPct val="100000"/>
-              </a:lnSpc>
-              <a:spcBef>
-                <a:spcPts val="0"/>
-              </a:spcBef>
-              <a:spcAft>
-                <a:spcPts val="0"/>
-              </a:spcAft>
-              <a:buClrTx/>
-              <a:buSzTx/>
-              <a:buFontTx/>
-              <a:buNone/>
-              <a:tabLst/>
-              <a:defRPr/>
-            </a:pPr>
-            <a:endParaRPr kumimoji="0" lang="en-US" sz="1800" b="0" i="0" u="none" strike="noStrike" kern="1200" cap="none" spc="0" normalizeH="0" baseline="0" noProof="0">
-              <a:ln>
-                <a:noFill/>
-              </a:ln>
-              <a:solidFill>
-                <a:prstClr val="white"/>
-              </a:solidFill>
-              <a:effectLst/>
-              <a:uLnTx/>
-              <a:uFillTx/>
-              <a:latin typeface="Calibri" panose="020F0502020204030204"/>
-              <a:ea typeface="+mn-ea"/>
-              <a:cs typeface="+mn-cs"/>
-            </a:endParaRPr>
-          </a:p>
-        </p:txBody>
-      </p:sp>
-      <p:sp>
-        <p:nvSpPr>
-          <p:cNvPr id="29" name="Rectangle 28">
-            <a:extLst>
-              <a:ext uri="{FF2B5EF4-FFF2-40B4-BE49-F238E27FC236}">
-                <a16:creationId xmlns:a16="http://schemas.microsoft.com/office/drawing/2014/main" id="{9DECDBF4-02B6-4BB4-B65B-B8107AD6A9E8}"/>
-              </a:ext>
-              <a:ext uri="{C183D7F6-B498-43B3-948B-1728B52AA6E4}">
-                <adec:decorative xmlns:adec="http://schemas.microsoft.com/office/drawing/2017/decorative" val="1"/>
-              </a:ext>
-            </a:extLst>
-          </p:cNvPr>
-          <p:cNvSpPr>
-            <a:spLocks noGrp="1" noRot="1" noChangeAspect="1" noMove="1" noResize="1" noEditPoints="1" noAdjustHandles="1" noChangeArrowheads="1" noChangeShapeType="1" noTextEdit="1"/>
-          </p:cNvSpPr>
-          <p:nvPr>
-            <p:extLst>
-              <p:ext uri="{386F3935-93C4-4BCD-93E2-E3B085C9AB24}">
-                <p16:designElem xmlns:p16="http://schemas.microsoft.com/office/powerpoint/2015/main" val="1"/>
-              </p:ext>
-            </p:extLst>
-          </p:nvPr>
-        </p:nvSpPr>
-        <p:spPr>
-          <a:xfrm flipV="1">
-            <a:off x="841248" y="2783982"/>
-            <a:ext cx="1873457" cy="137160"/>
-          </a:xfrm>
-          <a:prstGeom prst="rect">
-            <a:avLst/>
-          </a:prstGeom>
-          <a:solidFill>
-            <a:schemeClr val="accent1"/>
-          </a:solidFill>
-          <a:ln>
-            <a:noFill/>
-          </a:ln>
-        </p:spPr>
-        <p:style>
-          <a:lnRef idx="2">
-            <a:schemeClr val="accent1">
-              <a:shade val="50000"/>
-            </a:schemeClr>
-          </a:lnRef>
-          <a:fillRef idx="1">
-            <a:schemeClr val="accent1"/>
-          </a:fillRef>
-          <a:effectRef idx="0">
-            <a:schemeClr val="accent1"/>
-          </a:effectRef>
-          <a:fontRef idx="minor">
-            <a:schemeClr val="lt1"/>
-          </a:fontRef>
-        </p:style>
-        <p:txBody>
-          <a:bodyPr rtlCol="0" anchor="ctr"/>
-          <a:lstStyle/>
-          <a:p>
-            <a:pPr marL="0" marR="0" lvl="0" indent="0" algn="ctr" defTabSz="914400" rtl="0" eaLnBrk="1" fontAlgn="auto" latinLnBrk="0" hangingPunct="1">
-              <a:lnSpc>
-                <a:spcPct val="100000"/>
-              </a:lnSpc>
-              <a:spcBef>
-                <a:spcPts val="0"/>
-              </a:spcBef>
-              <a:spcAft>
-                <a:spcPts val="0"/>
-              </a:spcAft>
-              <a:buClrTx/>
-              <a:buSzTx/>
-              <a:buFontTx/>
-              <a:buNone/>
-              <a:tabLst/>
-              <a:defRPr/>
-            </a:pPr>
-            <a:endParaRPr kumimoji="0" lang="en-US" sz="1800" b="0" i="0" u="none" strike="noStrike" kern="1200" cap="none" spc="0" normalizeH="0" baseline="0" noProof="0">
-              <a:ln>
-                <a:noFill/>
-              </a:ln>
-              <a:solidFill>
-                <a:prstClr val="white"/>
-              </a:solidFill>
-              <a:effectLst/>
-              <a:uLnTx/>
-              <a:uFillTx/>
-              <a:latin typeface="Calibri" panose="020F0502020204030204"/>
-              <a:ea typeface="+mn-ea"/>
-              <a:cs typeface="+mn-cs"/>
-            </a:endParaRPr>
-          </a:p>
-        </p:txBody>
-      </p:sp>
-      <p:graphicFrame>
-        <p:nvGraphicFramePr>
-          <p:cNvPr id="18" name="Espace réservé du contenu 2">
-            <a:extLst>
-              <a:ext uri="{FF2B5EF4-FFF2-40B4-BE49-F238E27FC236}">
-                <a16:creationId xmlns:a16="http://schemas.microsoft.com/office/drawing/2014/main" id="{30FDE603-8964-CCFE-D6F0-EABD5241800A}"/>
-              </a:ext>
-            </a:extLst>
-          </p:cNvPr>
-          <p:cNvGraphicFramePr>
-            <a:graphicFrameLocks noGrp="1"/>
-          </p:cNvGraphicFramePr>
-          <p:nvPr>
-            <p:ph idx="1"/>
-            <p:extLst>
-              <p:ext uri="{D42A27DB-BD31-4B8C-83A1-F6EECF244321}">
-                <p14:modId xmlns:p14="http://schemas.microsoft.com/office/powerpoint/2010/main" val="3411886490"/>
-              </p:ext>
-            </p:extLst>
-          </p:nvPr>
-        </p:nvGraphicFramePr>
-        <p:xfrm>
-          <a:off x="841248" y="3337269"/>
-          <a:ext cx="10509504" cy="2905686"/>
-        </p:xfrm>
-        <a:graphic>
-          <a:graphicData uri="http://schemas.openxmlformats.org/drawingml/2006/diagram">
-            <dgm:relIds xmlns:dgm="http://schemas.openxmlformats.org/drawingml/2006/diagram" xmlns:r="http://schemas.openxmlformats.org/officeDocument/2006/relationships" r:dm="rId2" r:lo="rId3" r:qs="rId4" r:cs="rId5"/>
-          </a:graphicData>
-        </a:graphic>
-      </p:graphicFrame>
-    </p:spTree>
-    <p:extLst>
-      <p:ext uri="{BB962C8B-B14F-4D97-AF65-F5344CB8AC3E}">
-        <p14:creationId xmlns:p14="http://schemas.microsoft.com/office/powerpoint/2010/main" val="2049150351"/>
-      </p:ext>
-    </p:extLst>
-  </p:cSld>
-  <p:clrMapOvr>
-    <a:masterClrMapping/>
-  </p:clrMapOvr>
-</p:sld>
-</file>
-
-<file path=ppt/slides/slide20.xml><?xml version="1.0" encoding="utf-8"?>
+<file path=ppt/slides/slide21.xml><?xml version="1.0" encoding="utf-8"?>
 <p:sld xmlns:a="http://schemas.openxmlformats.org/drawingml/2006/main" xmlns:r="http://schemas.openxmlformats.org/officeDocument/2006/relationships" xmlns:p="http://schemas.openxmlformats.org/presentationml/2006/main">
   <p:cSld>
     <p:spTree>
@@ -25557,7 +25916,7 @@
 </p:sld>
 </file>
 
-<file path=ppt/slides/slide21.xml><?xml version="1.0" encoding="utf-8"?>
+<file path=ppt/slides/slide22.xml><?xml version="1.0" encoding="utf-8"?>
 <p:sld xmlns:a="http://schemas.openxmlformats.org/drawingml/2006/main" xmlns:r="http://schemas.openxmlformats.org/officeDocument/2006/relationships" xmlns:p="http://schemas.openxmlformats.org/presentationml/2006/main">
   <p:cSld>
     <p:spTree>
@@ -25997,7 +26356,7 @@
 </p:sld>
 </file>
 
-<file path=ppt/slides/slide22.xml><?xml version="1.0" encoding="utf-8"?>
+<file path=ppt/slides/slide23.xml><?xml version="1.0" encoding="utf-8"?>
 <p:sld xmlns:a="http://schemas.openxmlformats.org/drawingml/2006/main" xmlns:r="http://schemas.openxmlformats.org/officeDocument/2006/relationships" xmlns:p="http://schemas.openxmlformats.org/presentationml/2006/main">
   <p:cSld>
     <p:spTree>
@@ -26593,7 +26952,7 @@
 </p:sld>
 </file>
 
-<file path=ppt/slides/slide23.xml><?xml version="1.0" encoding="utf-8"?>
+<file path=ppt/slides/slide24.xml><?xml version="1.0" encoding="utf-8"?>
 <p:sld xmlns:a="http://schemas.openxmlformats.org/drawingml/2006/main" xmlns:r="http://schemas.openxmlformats.org/officeDocument/2006/relationships" xmlns:p="http://schemas.openxmlformats.org/presentationml/2006/main">
   <p:cSld>
     <p:spTree>
@@ -26681,7 +27040,7 @@
 </p:sld>
 </file>
 
-<file path=ppt/slides/slide24.xml><?xml version="1.0" encoding="utf-8"?>
+<file path=ppt/slides/slide25.xml><?xml version="1.0" encoding="utf-8"?>
 <p:sld xmlns:a="http://schemas.openxmlformats.org/drawingml/2006/main" xmlns:r="http://schemas.openxmlformats.org/officeDocument/2006/relationships" xmlns:p="http://schemas.openxmlformats.org/presentationml/2006/main">
   <p:cSld>
     <p:bg>
@@ -27433,7 +27792,7 @@
 </p:sld>
 </file>
 
-<file path=ppt/slides/slide25.xml><?xml version="1.0" encoding="utf-8"?>
+<file path=ppt/slides/slide26.xml><?xml version="1.0" encoding="utf-8"?>
 <p:sld xmlns:a="http://schemas.openxmlformats.org/drawingml/2006/main" xmlns:r="http://schemas.openxmlformats.org/officeDocument/2006/relationships" xmlns:p="http://schemas.openxmlformats.org/presentationml/2006/main">
   <p:cSld>
     <p:spTree>
@@ -27664,7 +28023,7 @@
 </p:sld>
 </file>
 
-<file path=ppt/slides/slide26.xml><?xml version="1.0" encoding="utf-8"?>
+<file path=ppt/slides/slide27.xml><?xml version="1.0" encoding="utf-8"?>
 <p:sld xmlns:a="http://schemas.openxmlformats.org/drawingml/2006/main" xmlns:r="http://schemas.openxmlformats.org/officeDocument/2006/relationships" xmlns:p="http://schemas.openxmlformats.org/presentationml/2006/main">
   <p:cSld>
     <p:spTree>
@@ -28011,6 +28370,533 @@
           <a:chExt cx="0" cy="0"/>
         </a:xfrm>
       </p:grpSpPr>
+      <p:sp>
+        <p:nvSpPr>
+          <p:cNvPr id="15" name="Rectangle 14">
+            <a:extLst>
+              <a:ext uri="{FF2B5EF4-FFF2-40B4-BE49-F238E27FC236}">
+                <a16:creationId xmlns:a16="http://schemas.microsoft.com/office/drawing/2014/main" id="{8D06CE56-3881-4ADA-8CEF-D18B02C242A3}"/>
+              </a:ext>
+              <a:ext uri="{C183D7F6-B498-43B3-948B-1728B52AA6E4}">
+                <adec:decorative xmlns:adec="http://schemas.microsoft.com/office/drawing/2017/decorative" val="1"/>
+              </a:ext>
+            </a:extLst>
+          </p:cNvPr>
+          <p:cNvSpPr>
+            <a:spLocks noGrp="1" noRot="1" noChangeAspect="1" noMove="1" noResize="1" noEditPoints="1" noAdjustHandles="1" noChangeArrowheads="1" noChangeShapeType="1" noTextEdit="1"/>
+          </p:cNvSpPr>
+          <p:nvPr>
+            <p:extLst>
+              <p:ext uri="{386F3935-93C4-4BCD-93E2-E3B085C9AB24}">
+                <p16:designElem xmlns:p16="http://schemas.microsoft.com/office/powerpoint/2015/main" val="1"/>
+              </p:ext>
+            </p:extLst>
+          </p:nvPr>
+        </p:nvSpPr>
+        <p:spPr>
+          <a:xfrm rot="5400000">
+            <a:off x="857544" y="346791"/>
+            <a:ext cx="146304" cy="704088"/>
+          </a:xfrm>
+          <a:prstGeom prst="rect">
+            <a:avLst/>
+          </a:prstGeom>
+          <a:solidFill>
+            <a:schemeClr val="accent1"/>
+          </a:solidFill>
+          <a:ln>
+            <a:noFill/>
+          </a:ln>
+        </p:spPr>
+        <p:style>
+          <a:lnRef idx="2">
+            <a:schemeClr val="accent1">
+              <a:shade val="50000"/>
+            </a:schemeClr>
+          </a:lnRef>
+          <a:fillRef idx="1">
+            <a:schemeClr val="accent1"/>
+          </a:fillRef>
+          <a:effectRef idx="0">
+            <a:schemeClr val="accent1"/>
+          </a:effectRef>
+          <a:fontRef idx="minor">
+            <a:schemeClr val="lt1"/>
+          </a:fontRef>
+        </p:style>
+        <p:txBody>
+          <a:bodyPr rtlCol="0" anchor="ctr"/>
+          <a:lstStyle/>
+          <a:p>
+            <a:pPr marL="0" marR="0" lvl="0" indent="0" algn="ctr" defTabSz="914400" rtl="0" eaLnBrk="1" fontAlgn="auto" latinLnBrk="0" hangingPunct="1">
+              <a:lnSpc>
+                <a:spcPct val="100000"/>
+              </a:lnSpc>
+              <a:spcBef>
+                <a:spcPts val="0"/>
+              </a:spcBef>
+              <a:spcAft>
+                <a:spcPts val="0"/>
+              </a:spcAft>
+              <a:buClrTx/>
+              <a:buSzTx/>
+              <a:buFontTx/>
+              <a:buNone/>
+              <a:tabLst/>
+              <a:defRPr/>
+            </a:pPr>
+            <a:endParaRPr kumimoji="0" lang="en-US" sz="1800" b="0" i="0" u="none" strike="noStrike" kern="1200" cap="none" spc="0" normalizeH="0" baseline="0" noProof="0">
+              <a:ln>
+                <a:noFill/>
+              </a:ln>
+              <a:solidFill>
+                <a:prstClr val="white"/>
+              </a:solidFill>
+              <a:effectLst/>
+              <a:uLnTx/>
+              <a:uFillTx/>
+              <a:latin typeface="Calibri" panose="020F0502020204030204"/>
+              <a:ea typeface="+mn-ea"/>
+              <a:cs typeface="+mn-cs"/>
+            </a:endParaRPr>
+          </a:p>
+        </p:txBody>
+      </p:sp>
+      <p:sp>
+        <p:nvSpPr>
+          <p:cNvPr id="17" name="Rectangle 16">
+            <a:extLst>
+              <a:ext uri="{FF2B5EF4-FFF2-40B4-BE49-F238E27FC236}">
+                <a16:creationId xmlns:a16="http://schemas.microsoft.com/office/drawing/2014/main" id="{79F3C543-62EC-4433-9C93-A2CD8764E9B4}"/>
+              </a:ext>
+              <a:ext uri="{C183D7F6-B498-43B3-948B-1728B52AA6E4}">
+                <adec:decorative xmlns:adec="http://schemas.microsoft.com/office/drawing/2017/decorative" val="1"/>
+              </a:ext>
+            </a:extLst>
+          </p:cNvPr>
+          <p:cNvSpPr>
+            <a:spLocks noGrp="1" noRot="1" noChangeAspect="1" noMove="1" noResize="1" noEditPoints="1" noAdjustHandles="1" noChangeArrowheads="1" noChangeShapeType="1" noTextEdit="1"/>
+          </p:cNvSpPr>
+          <p:nvPr>
+            <p:extLst>
+              <p:ext uri="{386F3935-93C4-4BCD-93E2-E3B085C9AB24}">
+                <p16:designElem xmlns:p16="http://schemas.microsoft.com/office/powerpoint/2015/main" val="1"/>
+              </p:ext>
+            </p:extLst>
+          </p:nvPr>
+        </p:nvSpPr>
+        <p:spPr>
+          <a:xfrm flipV="1">
+            <a:off x="578652" y="4501201"/>
+            <a:ext cx="11034696" cy="18288"/>
+          </a:xfrm>
+          <a:prstGeom prst="rect">
+            <a:avLst/>
+          </a:prstGeom>
+          <a:solidFill>
+            <a:schemeClr val="tx2">
+              <a:lumMod val="25000"/>
+              <a:lumOff val="75000"/>
+            </a:schemeClr>
+          </a:solidFill>
+          <a:ln w="3175">
+            <a:noFill/>
+          </a:ln>
+          <a:effectLst/>
+        </p:spPr>
+        <p:style>
+          <a:lnRef idx="2">
+            <a:schemeClr val="accent1">
+              <a:shade val="50000"/>
+            </a:schemeClr>
+          </a:lnRef>
+          <a:fillRef idx="1">
+            <a:schemeClr val="accent1"/>
+          </a:fillRef>
+          <a:effectRef idx="0">
+            <a:schemeClr val="accent1"/>
+          </a:effectRef>
+          <a:fontRef idx="minor">
+            <a:schemeClr val="lt1"/>
+          </a:fontRef>
+        </p:style>
+        <p:txBody>
+          <a:bodyPr rtlCol="0" anchor="ctr"/>
+          <a:lstStyle/>
+          <a:p>
+            <a:pPr marL="0" marR="0" lvl="0" indent="0" algn="ctr" defTabSz="914400" rtl="0" eaLnBrk="1" fontAlgn="auto" latinLnBrk="0" hangingPunct="1">
+              <a:lnSpc>
+                <a:spcPct val="100000"/>
+              </a:lnSpc>
+              <a:spcBef>
+                <a:spcPts val="0"/>
+              </a:spcBef>
+              <a:spcAft>
+                <a:spcPts val="0"/>
+              </a:spcAft>
+              <a:buClrTx/>
+              <a:buSzTx/>
+              <a:buFontTx/>
+              <a:buNone/>
+              <a:tabLst/>
+              <a:defRPr/>
+            </a:pPr>
+            <a:endParaRPr kumimoji="0" lang="en-US" sz="1800" b="0" i="0" u="none" strike="noStrike" kern="1200" cap="none" spc="0" normalizeH="0" baseline="0" noProof="0">
+              <a:ln>
+                <a:noFill/>
+              </a:ln>
+              <a:solidFill>
+                <a:prstClr val="white"/>
+              </a:solidFill>
+              <a:effectLst/>
+              <a:uLnTx/>
+              <a:uFillTx/>
+              <a:latin typeface="Calibri" panose="020F0502020204030204"/>
+              <a:ea typeface="+mn-ea"/>
+              <a:cs typeface="+mn-cs"/>
+            </a:endParaRPr>
+          </a:p>
+        </p:txBody>
+      </p:sp>
+      <p:sp useBgFill="1">
+        <p:nvSpPr>
+          <p:cNvPr id="19" name="Rectangle 18">
+            <a:extLst>
+              <a:ext uri="{FF2B5EF4-FFF2-40B4-BE49-F238E27FC236}">
+                <a16:creationId xmlns:a16="http://schemas.microsoft.com/office/drawing/2014/main" id="{A061BA2E-A388-41C5-B73A-B0FEB6B1029D}"/>
+              </a:ext>
+              <a:ext uri="{C183D7F6-B498-43B3-948B-1728B52AA6E4}">
+                <adec:decorative xmlns:adec="http://schemas.microsoft.com/office/drawing/2017/decorative" val="1"/>
+              </a:ext>
+            </a:extLst>
+          </p:cNvPr>
+          <p:cNvSpPr>
+            <a:spLocks noGrp="1" noRot="1" noChangeAspect="1" noMove="1" noResize="1" noEditPoints="1" noAdjustHandles="1" noChangeArrowheads="1" noChangeShapeType="1" noTextEdit="1"/>
+          </p:cNvSpPr>
+          <p:nvPr>
+            <p:extLst>
+              <p:ext uri="{386F3935-93C4-4BCD-93E2-E3B085C9AB24}">
+                <p16:designElem xmlns:p16="http://schemas.microsoft.com/office/powerpoint/2015/main" val="1"/>
+              </p:ext>
+            </p:extLst>
+          </p:nvPr>
+        </p:nvSpPr>
+        <p:spPr>
+          <a:xfrm>
+            <a:off x="0" y="0"/>
+            <a:ext cx="12192000" cy="6858000"/>
+          </a:xfrm>
+          <a:prstGeom prst="rect">
+            <a:avLst/>
+          </a:prstGeom>
+          <a:ln>
+            <a:noFill/>
+          </a:ln>
+        </p:spPr>
+        <p:style>
+          <a:lnRef idx="2">
+            <a:schemeClr val="accent1">
+              <a:shade val="50000"/>
+            </a:schemeClr>
+          </a:lnRef>
+          <a:fillRef idx="1">
+            <a:schemeClr val="accent1"/>
+          </a:fillRef>
+          <a:effectRef idx="0">
+            <a:schemeClr val="accent1"/>
+          </a:effectRef>
+          <a:fontRef idx="minor">
+            <a:schemeClr val="lt1"/>
+          </a:fontRef>
+        </p:style>
+        <p:txBody>
+          <a:bodyPr rtlCol="0" anchor="ctr"/>
+          <a:lstStyle/>
+          <a:p>
+            <a:pPr algn="ctr"/>
+            <a:endParaRPr lang="en-US"/>
+          </a:p>
+        </p:txBody>
+      </p:sp>
+      <p:pic>
+        <p:nvPicPr>
+          <p:cNvPr id="10" name="Espace réservé du contenu 9">
+            <a:extLst>
+              <a:ext uri="{FF2B5EF4-FFF2-40B4-BE49-F238E27FC236}">
+                <a16:creationId xmlns:a16="http://schemas.microsoft.com/office/drawing/2014/main" id="{24A8A5B6-2259-1580-15FD-A736E2FB1D53}"/>
+              </a:ext>
+            </a:extLst>
+          </p:cNvPr>
+          <p:cNvPicPr>
+            <a:picLocks noGrp="1" noChangeAspect="1"/>
+          </p:cNvPicPr>
+          <p:nvPr>
+            <p:ph sz="half" idx="2"/>
+          </p:nvPr>
+        </p:nvPicPr>
+        <p:blipFill rotWithShape="1">
+          <a:blip r:embed="rId2"/>
+          <a:srcRect l="11300" r="33367"/>
+          <a:stretch/>
+        </p:blipFill>
+        <p:spPr>
+          <a:xfrm>
+            <a:off x="-1" y="10"/>
+            <a:ext cx="6096001" cy="6857990"/>
+          </a:xfrm>
+          <a:prstGeom prst="rect">
+            <a:avLst/>
+          </a:prstGeom>
+        </p:spPr>
+      </p:pic>
+      <p:pic>
+        <p:nvPicPr>
+          <p:cNvPr id="8" name="Espace réservé du contenu 7">
+            <a:extLst>
+              <a:ext uri="{FF2B5EF4-FFF2-40B4-BE49-F238E27FC236}">
+                <a16:creationId xmlns:a16="http://schemas.microsoft.com/office/drawing/2014/main" id="{62F30069-037E-7A72-2560-0C71C2C5D4CA}"/>
+              </a:ext>
+            </a:extLst>
+          </p:cNvPr>
+          <p:cNvPicPr>
+            <a:picLocks noGrp="1" noChangeAspect="1"/>
+          </p:cNvPicPr>
+          <p:nvPr>
+            <p:ph sz="half" idx="1"/>
+          </p:nvPr>
+        </p:nvPicPr>
+        <p:blipFill rotWithShape="1">
+          <a:blip r:embed="rId3"/>
+          <a:srcRect l="15559" r="18680"/>
+          <a:stretch/>
+        </p:blipFill>
+        <p:spPr>
+          <a:xfrm>
+            <a:off x="6097523" y="10"/>
+            <a:ext cx="6094477" cy="6857990"/>
+          </a:xfrm>
+          <a:prstGeom prst="rect">
+            <a:avLst/>
+          </a:prstGeom>
+        </p:spPr>
+      </p:pic>
+      <p:sp>
+        <p:nvSpPr>
+          <p:cNvPr id="21" name="Rectangle 20">
+            <a:extLst>
+              <a:ext uri="{FF2B5EF4-FFF2-40B4-BE49-F238E27FC236}">
+                <a16:creationId xmlns:a16="http://schemas.microsoft.com/office/drawing/2014/main" id="{76E192A2-3ED3-4081-8A86-A22B5114178F}"/>
+              </a:ext>
+              <a:ext uri="{C183D7F6-B498-43B3-948B-1728B52AA6E4}">
+                <adec:decorative xmlns:adec="http://schemas.microsoft.com/office/drawing/2017/decorative" val="1"/>
+              </a:ext>
+            </a:extLst>
+          </p:cNvPr>
+          <p:cNvSpPr>
+            <a:spLocks noGrp="1" noRot="1" noChangeAspect="1" noMove="1" noResize="1" noEditPoints="1" noAdjustHandles="1" noChangeArrowheads="1" noChangeShapeType="1" noTextEdit="1"/>
+          </p:cNvSpPr>
+          <p:nvPr>
+            <p:extLst>
+              <p:ext uri="{386F3935-93C4-4BCD-93E2-E3B085C9AB24}">
+                <p16:designElem xmlns:p16="http://schemas.microsoft.com/office/powerpoint/2015/main" val="1"/>
+              </p:ext>
+            </p:extLst>
+          </p:nvPr>
+        </p:nvSpPr>
+        <p:spPr>
+          <a:xfrm rot="16200000">
+            <a:off x="4152902" y="-1181101"/>
+            <a:ext cx="3886200" cy="12192001"/>
+          </a:xfrm>
+          <a:prstGeom prst="rect">
+            <a:avLst/>
+          </a:prstGeom>
+          <a:gradFill>
+            <a:gsLst>
+              <a:gs pos="41000">
+                <a:schemeClr val="tx1">
+                  <a:alpha val="46000"/>
+                </a:schemeClr>
+              </a:gs>
+              <a:gs pos="21000">
+                <a:schemeClr val="tx1">
+                  <a:alpha val="30000"/>
+                </a:schemeClr>
+              </a:gs>
+              <a:gs pos="0">
+                <a:schemeClr val="tx1">
+                  <a:alpha val="0"/>
+                </a:schemeClr>
+              </a:gs>
+              <a:gs pos="100000">
+                <a:schemeClr val="tx1">
+                  <a:alpha val="90000"/>
+                </a:schemeClr>
+              </a:gs>
+            </a:gsLst>
+            <a:lin ang="10800000" scaled="0"/>
+          </a:gradFill>
+          <a:ln>
+            <a:noFill/>
+          </a:ln>
+        </p:spPr>
+        <p:style>
+          <a:lnRef idx="2">
+            <a:schemeClr val="accent1">
+              <a:shade val="50000"/>
+            </a:schemeClr>
+          </a:lnRef>
+          <a:fillRef idx="1">
+            <a:schemeClr val="accent1"/>
+          </a:fillRef>
+          <a:effectRef idx="0">
+            <a:schemeClr val="accent1"/>
+          </a:effectRef>
+          <a:fontRef idx="minor">
+            <a:schemeClr val="lt1"/>
+          </a:fontRef>
+        </p:style>
+        <p:txBody>
+          <a:bodyPr rtlCol="0" anchor="ctr"/>
+          <a:lstStyle/>
+          <a:p>
+            <a:pPr algn="ctr"/>
+            <a:endParaRPr lang="en-US" dirty="0"/>
+          </a:p>
+        </p:txBody>
+      </p:sp>
+      <p:sp>
+        <p:nvSpPr>
+          <p:cNvPr id="23" name="Rectangle: Rounded Corners 22">
+            <a:extLst>
+              <a:ext uri="{FF2B5EF4-FFF2-40B4-BE49-F238E27FC236}">
+                <a16:creationId xmlns:a16="http://schemas.microsoft.com/office/drawing/2014/main" id="{79F40191-0F44-4FD1-82CC-ACB507C14BE6}"/>
+              </a:ext>
+              <a:ext uri="{C183D7F6-B498-43B3-948B-1728B52AA6E4}">
+                <adec:decorative xmlns:adec="http://schemas.microsoft.com/office/drawing/2017/decorative" val="1"/>
+              </a:ext>
+            </a:extLst>
+          </p:cNvPr>
+          <p:cNvSpPr>
+            <a:spLocks noGrp="1" noRot="1" noChangeAspect="1" noMove="1" noResize="1" noEditPoints="1" noAdjustHandles="1" noChangeArrowheads="1" noChangeShapeType="1" noTextEdit="1"/>
+          </p:cNvSpPr>
+          <p:nvPr>
+            <p:extLst>
+              <p:ext uri="{386F3935-93C4-4BCD-93E2-E3B085C9AB24}">
+                <p16:designElem xmlns:p16="http://schemas.microsoft.com/office/powerpoint/2015/main" val="1"/>
+              </p:ext>
+            </p:extLst>
+          </p:nvPr>
+        </p:nvSpPr>
+        <p:spPr>
+          <a:xfrm>
+            <a:off x="-1" y="5575039"/>
+            <a:ext cx="9784080" cy="685800"/>
+          </a:xfrm>
+          <a:prstGeom prst="roundRect">
+            <a:avLst>
+              <a:gd name="adj" fmla="val 0"/>
+            </a:avLst>
+          </a:prstGeom>
+          <a:solidFill>
+            <a:schemeClr val="accent1"/>
+          </a:solidFill>
+          <a:ln>
+            <a:noFill/>
+          </a:ln>
+        </p:spPr>
+        <p:style>
+          <a:lnRef idx="2">
+            <a:schemeClr val="accent1">
+              <a:shade val="50000"/>
+            </a:schemeClr>
+          </a:lnRef>
+          <a:fillRef idx="1">
+            <a:schemeClr val="accent1"/>
+          </a:fillRef>
+          <a:effectRef idx="0">
+            <a:schemeClr val="accent1"/>
+          </a:effectRef>
+          <a:fontRef idx="minor">
+            <a:schemeClr val="lt1"/>
+          </a:fontRef>
+        </p:style>
+        <p:txBody>
+          <a:bodyPr rtlCol="0" anchor="ctr"/>
+          <a:lstStyle/>
+          <a:p>
+            <a:pPr marL="0" marR="0" lvl="0" indent="0" algn="ctr" defTabSz="914400" rtl="0" eaLnBrk="1" fontAlgn="auto" latinLnBrk="0" hangingPunct="1">
+              <a:lnSpc>
+                <a:spcPct val="100000"/>
+              </a:lnSpc>
+              <a:spcBef>
+                <a:spcPts val="0"/>
+              </a:spcBef>
+              <a:spcAft>
+                <a:spcPts val="0"/>
+              </a:spcAft>
+              <a:buClrTx/>
+              <a:buSzTx/>
+              <a:buFontTx/>
+              <a:buNone/>
+              <a:tabLst/>
+              <a:defRPr/>
+            </a:pPr>
+            <a:endParaRPr kumimoji="0" lang="en-US" sz="1800" b="0" i="0" u="none" strike="noStrike" kern="1200" cap="none" spc="0" normalizeH="0" baseline="0" noProof="0">
+              <a:ln>
+                <a:noFill/>
+              </a:ln>
+              <a:solidFill>
+                <a:prstClr val="white"/>
+              </a:solidFill>
+              <a:effectLst/>
+              <a:uLnTx/>
+              <a:uFillTx/>
+              <a:latin typeface="Avenir Next LT Pro"/>
+              <a:ea typeface="+mn-ea"/>
+              <a:cs typeface="+mn-cs"/>
+            </a:endParaRPr>
+          </a:p>
+        </p:txBody>
+      </p:sp>
+    </p:spTree>
+    <p:extLst>
+      <p:ext uri="{BB962C8B-B14F-4D97-AF65-F5344CB8AC3E}">
+        <p14:creationId xmlns:p14="http://schemas.microsoft.com/office/powerpoint/2010/main" val="3911645148"/>
+      </p:ext>
+    </p:extLst>
+  </p:cSld>
+  <p:clrMapOvr>
+    <a:masterClrMapping/>
+  </p:clrMapOvr>
+</p:sld>
+</file>
+
+<file path=ppt/slides/slide4.xml><?xml version="1.0" encoding="utf-8"?>
+<p:sld xmlns:a="http://schemas.openxmlformats.org/drawingml/2006/main" xmlns:r="http://schemas.openxmlformats.org/officeDocument/2006/relationships" xmlns:p="http://schemas.openxmlformats.org/presentationml/2006/main">
+  <p:cSld>
+    <p:bg>
+      <p:bgPr>
+        <a:solidFill>
+          <a:schemeClr val="bg1"/>
+        </a:solidFill>
+        <a:effectLst/>
+      </p:bgPr>
+    </p:bg>
+    <p:spTree>
+      <p:nvGrpSpPr>
+        <p:cNvPr id="1" name=""/>
+        <p:cNvGrpSpPr/>
+        <p:nvPr/>
+      </p:nvGrpSpPr>
+      <p:grpSpPr>
+        <a:xfrm>
+          <a:off x="0" y="0"/>
+          <a:ext cx="0" cy="0"/>
+          <a:chOff x="0" y="0"/>
+          <a:chExt cx="0" cy="0"/>
+        </a:xfrm>
+      </p:grpSpPr>
       <p:sp useBgFill="1">
         <p:nvSpPr>
           <p:cNvPr id="33" name="!!Rectangle">
@@ -28307,7 +29193,7 @@
             <p:ph idx="1"/>
             <p:extLst>
               <p:ext uri="{D42A27DB-BD31-4B8C-83A1-F6EECF244321}">
-                <p14:modId xmlns:p14="http://schemas.microsoft.com/office/powerpoint/2010/main" val="1385521650"/>
+                <p14:modId xmlns:p14="http://schemas.microsoft.com/office/powerpoint/2010/main" val="83639092"/>
               </p:ext>
             </p:extLst>
           </p:nvPr>
@@ -28335,7 +29221,7 @@
 </p:sld>
 </file>
 
-<file path=ppt/slides/slide4.xml><?xml version="1.0" encoding="utf-8"?>
+<file path=ppt/slides/slide5.xml><?xml version="1.0" encoding="utf-8"?>
 <p:sld xmlns:a="http://schemas.openxmlformats.org/drawingml/2006/main" xmlns:r="http://schemas.openxmlformats.org/officeDocument/2006/relationships" xmlns:p="http://schemas.openxmlformats.org/presentationml/2006/main">
   <p:cSld>
     <p:spTree>
@@ -28395,7 +29281,7 @@
 </p:sld>
 </file>
 
-<file path=ppt/slides/slide5.xml><?xml version="1.0" encoding="utf-8"?>
+<file path=ppt/slides/slide6.xml><?xml version="1.0" encoding="utf-8"?>
 <p:sld xmlns:a="http://schemas.openxmlformats.org/drawingml/2006/main" xmlns:r="http://schemas.openxmlformats.org/officeDocument/2006/relationships" xmlns:p="http://schemas.openxmlformats.org/presentationml/2006/main">
   <p:cSld>
     <p:bg>
@@ -28725,7 +29611,7 @@
             <p:ph idx="1"/>
             <p:extLst>
               <p:ext uri="{D42A27DB-BD31-4B8C-83A1-F6EECF244321}">
-                <p14:modId xmlns:p14="http://schemas.microsoft.com/office/powerpoint/2010/main" val="3754243692"/>
+                <p14:modId xmlns:p14="http://schemas.microsoft.com/office/powerpoint/2010/main" val="170804356"/>
               </p:ext>
             </p:extLst>
           </p:nvPr>
@@ -28753,7 +29639,7 @@
 </p:sld>
 </file>
 
-<file path=ppt/slides/slide6.xml><?xml version="1.0" encoding="utf-8"?>
+<file path=ppt/slides/slide7.xml><?xml version="1.0" encoding="utf-8"?>
 <p:sld xmlns:a="http://schemas.openxmlformats.org/drawingml/2006/main" xmlns:r="http://schemas.openxmlformats.org/officeDocument/2006/relationships" xmlns:p="http://schemas.openxmlformats.org/presentationml/2006/main">
   <p:cSld>
     <p:spTree>
@@ -28802,286 +29688,6 @@
     <p:extLst>
       <p:ext uri="{BB962C8B-B14F-4D97-AF65-F5344CB8AC3E}">
         <p14:creationId xmlns:p14="http://schemas.microsoft.com/office/powerpoint/2010/main" val="1809901611"/>
-      </p:ext>
-    </p:extLst>
-  </p:cSld>
-  <p:clrMapOvr>
-    <a:masterClrMapping/>
-  </p:clrMapOvr>
-</p:sld>
-</file>
-
-<file path=ppt/slides/slide7.xml><?xml version="1.0" encoding="utf-8"?>
-<p:sld xmlns:a="http://schemas.openxmlformats.org/drawingml/2006/main" xmlns:r="http://schemas.openxmlformats.org/officeDocument/2006/relationships" xmlns:p="http://schemas.openxmlformats.org/presentationml/2006/main">
-  <p:cSld>
-    <p:spTree>
-      <p:nvGrpSpPr>
-        <p:cNvPr id="1" name=""/>
-        <p:cNvGrpSpPr/>
-        <p:nvPr/>
-      </p:nvGrpSpPr>
-      <p:grpSpPr>
-        <a:xfrm>
-          <a:off x="0" y="0"/>
-          <a:ext cx="0" cy="0"/>
-          <a:chOff x="0" y="0"/>
-          <a:chExt cx="0" cy="0"/>
-        </a:xfrm>
-      </p:grpSpPr>
-      <p:sp>
-        <p:nvSpPr>
-          <p:cNvPr id="2" name="Titre 1">
-            <a:extLst>
-              <a:ext uri="{FF2B5EF4-FFF2-40B4-BE49-F238E27FC236}">
-                <a16:creationId xmlns:a16="http://schemas.microsoft.com/office/drawing/2014/main" id="{4894CC04-BD6D-BFF7-6DCC-C47280A99CCA}"/>
-              </a:ext>
-            </a:extLst>
-          </p:cNvPr>
-          <p:cNvSpPr>
-            <a:spLocks noGrp="1"/>
-          </p:cNvSpPr>
-          <p:nvPr>
-            <p:ph type="title"/>
-          </p:nvPr>
-        </p:nvSpPr>
-        <p:spPr/>
-        <p:txBody>
-          <a:bodyPr>
-            <a:normAutofit/>
-          </a:bodyPr>
-          <a:lstStyle/>
-          <a:p>
-            <a:r>
-              <a:rPr lang="fr-CA" dirty="0"/>
-              <a:t>Avantages et limites des logiciels</a:t>
-            </a:r>
-          </a:p>
-        </p:txBody>
-      </p:sp>
-      <p:sp>
-        <p:nvSpPr>
-          <p:cNvPr id="3" name="Espace réservé du texte 2">
-            <a:extLst>
-              <a:ext uri="{FF2B5EF4-FFF2-40B4-BE49-F238E27FC236}">
-                <a16:creationId xmlns:a16="http://schemas.microsoft.com/office/drawing/2014/main" id="{AB547F14-C897-878E-0BBF-34D8C5BDC71A}"/>
-              </a:ext>
-            </a:extLst>
-          </p:cNvPr>
-          <p:cNvSpPr>
-            <a:spLocks noGrp="1"/>
-          </p:cNvSpPr>
-          <p:nvPr>
-            <p:ph type="body" idx="1"/>
-          </p:nvPr>
-        </p:nvSpPr>
-        <p:spPr>
-          <a:xfrm>
-            <a:off x="1115568" y="2372650"/>
-            <a:ext cx="4937760" cy="470911"/>
-          </a:xfrm>
-        </p:spPr>
-        <p:txBody>
-          <a:bodyPr/>
-          <a:lstStyle/>
-          <a:p>
-            <a:pPr algn="ctr"/>
-            <a:r>
-              <a:rPr lang="fr-CA" dirty="0"/>
-              <a:t>Avantages</a:t>
-            </a:r>
-          </a:p>
-        </p:txBody>
-      </p:sp>
-      <p:sp>
-        <p:nvSpPr>
-          <p:cNvPr id="4" name="Espace réservé du contenu 3">
-            <a:extLst>
-              <a:ext uri="{FF2B5EF4-FFF2-40B4-BE49-F238E27FC236}">
-                <a16:creationId xmlns:a16="http://schemas.microsoft.com/office/drawing/2014/main" id="{7EA93664-D195-8F08-AA1E-77BD92524D8C}"/>
-              </a:ext>
-            </a:extLst>
-          </p:cNvPr>
-          <p:cNvSpPr>
-            <a:spLocks noGrp="1"/>
-          </p:cNvSpPr>
-          <p:nvPr>
-            <p:ph sz="half" idx="2"/>
-          </p:nvPr>
-        </p:nvSpPr>
-        <p:spPr>
-          <a:xfrm>
-            <a:off x="1115568" y="3021980"/>
-            <a:ext cx="4937760" cy="3150220"/>
-          </a:xfrm>
-        </p:spPr>
-        <p:txBody>
-          <a:bodyPr>
-            <a:normAutofit fontScale="85000" lnSpcReduction="20000"/>
-          </a:bodyPr>
-          <a:lstStyle/>
-          <a:p>
-            <a:r>
-              <a:rPr lang="fr-CA" dirty="0"/>
-              <a:t>Nombreux: Voyant Tools, Alceste, </a:t>
-            </a:r>
-            <a:r>
-              <a:rPr lang="fr-CA" dirty="0" err="1"/>
-              <a:t>Iramuteq</a:t>
-            </a:r>
-            <a:r>
-              <a:rPr lang="fr-CA" dirty="0"/>
-              <a:t>, </a:t>
-            </a:r>
-            <a:r>
-              <a:rPr lang="fr-CA" dirty="0" err="1"/>
-              <a:t>Constellate</a:t>
-            </a:r>
-            <a:r>
-              <a:rPr lang="fr-CA" dirty="0"/>
-              <a:t> (</a:t>
-            </a:r>
-            <a:r>
-              <a:rPr lang="fr-CA" dirty="0" err="1"/>
-              <a:t>Jstor</a:t>
-            </a:r>
-            <a:r>
-              <a:rPr lang="fr-CA" dirty="0"/>
-              <a:t>), TDM-Studio (Pro-</a:t>
-            </a:r>
-            <a:r>
-              <a:rPr lang="fr-CA" dirty="0" err="1"/>
-              <a:t>Quest</a:t>
-            </a:r>
-            <a:r>
-              <a:rPr lang="fr-CA" dirty="0"/>
-              <a:t>), etc.</a:t>
-            </a:r>
-          </a:p>
-          <a:p>
-            <a:r>
-              <a:rPr lang="fr-CA" dirty="0"/>
-              <a:t>Accessibles, résultats rapides</a:t>
-            </a:r>
-          </a:p>
-          <a:p>
-            <a:r>
-              <a:rPr lang="fr-CA" dirty="0"/>
-              <a:t>Une partie du travail peut être fait automatiquement (</a:t>
-            </a:r>
-            <a:r>
-              <a:rPr lang="fr-CA" dirty="0" err="1"/>
-              <a:t>tokénisation</a:t>
-            </a:r>
-            <a:r>
-              <a:rPr lang="fr-CA" dirty="0"/>
-              <a:t>, etc.)</a:t>
-            </a:r>
-          </a:p>
-          <a:p>
-            <a:endParaRPr lang="fr-CA" dirty="0"/>
-          </a:p>
-        </p:txBody>
-      </p:sp>
-      <p:sp>
-        <p:nvSpPr>
-          <p:cNvPr id="5" name="Espace réservé du texte 4">
-            <a:extLst>
-              <a:ext uri="{FF2B5EF4-FFF2-40B4-BE49-F238E27FC236}">
-                <a16:creationId xmlns:a16="http://schemas.microsoft.com/office/drawing/2014/main" id="{43C0657A-038E-0D06-164A-20BEE6A968D1}"/>
-              </a:ext>
-            </a:extLst>
-          </p:cNvPr>
-          <p:cNvSpPr>
-            <a:spLocks noGrp="1"/>
-          </p:cNvSpPr>
-          <p:nvPr>
-            <p:ph type="body" sz="quarter" idx="3"/>
-          </p:nvPr>
-        </p:nvSpPr>
-        <p:spPr>
-          <a:xfrm>
-            <a:off x="6345936" y="2372650"/>
-            <a:ext cx="4937760" cy="470911"/>
-          </a:xfrm>
-        </p:spPr>
-        <p:txBody>
-          <a:bodyPr/>
-          <a:lstStyle/>
-          <a:p>
-            <a:pPr algn="ctr"/>
-            <a:r>
-              <a:rPr lang="fr-CA" dirty="0"/>
-              <a:t>Limites</a:t>
-            </a:r>
-          </a:p>
-        </p:txBody>
-      </p:sp>
-      <p:sp>
-        <p:nvSpPr>
-          <p:cNvPr id="6" name="Espace réservé du contenu 5">
-            <a:extLst>
-              <a:ext uri="{FF2B5EF4-FFF2-40B4-BE49-F238E27FC236}">
-                <a16:creationId xmlns:a16="http://schemas.microsoft.com/office/drawing/2014/main" id="{1B519AB7-07E0-8721-1783-5CF4A9B88F8F}"/>
-              </a:ext>
-            </a:extLst>
-          </p:cNvPr>
-          <p:cNvSpPr>
-            <a:spLocks noGrp="1"/>
-          </p:cNvSpPr>
-          <p:nvPr>
-            <p:ph sz="quarter" idx="4"/>
-          </p:nvPr>
-        </p:nvSpPr>
-        <p:spPr>
-          <a:xfrm>
-            <a:off x="6345936" y="3021980"/>
-            <a:ext cx="4937760" cy="3650963"/>
-          </a:xfrm>
-        </p:spPr>
-        <p:txBody>
-          <a:bodyPr>
-            <a:normAutofit fontScale="85000" lnSpcReduction="20000"/>
-          </a:bodyPr>
-          <a:lstStyle/>
-          <a:p>
-            <a:r>
-              <a:rPr lang="fr-CA" dirty="0"/>
-              <a:t>L’« accessibilité » est peut-être un leurre: la démarche scientifique suppose qu’on sache ce que le logiciel fait avec le corpus.</a:t>
-            </a:r>
-          </a:p>
-          <a:p>
-            <a:r>
-              <a:rPr lang="fr-CA" dirty="0"/>
-              <a:t>La « rapidité » d’exécution repose sur des choix et des paramètres qui ne cadrent pas forcément avec les questions de recherche.</a:t>
-            </a:r>
-          </a:p>
-          <a:p>
-            <a:r>
-              <a:rPr lang="fr-CA" dirty="0"/>
-              <a:t>Cadres rigides, outils limités.</a:t>
-            </a:r>
-          </a:p>
-          <a:p>
-            <a:r>
-              <a:rPr lang="fr-CA" dirty="0"/>
-              <a:t>Coût (services payants)</a:t>
-            </a:r>
-          </a:p>
-          <a:p>
-            <a:r>
-              <a:rPr lang="fr-CA" dirty="0"/>
-              <a:t>Orientation « client »</a:t>
-            </a:r>
-          </a:p>
-          <a:p>
-            <a:endParaRPr lang="fr-CA" dirty="0"/>
-          </a:p>
-        </p:txBody>
-      </p:sp>
-    </p:spTree>
-    <p:extLst>
-      <p:ext uri="{BB962C8B-B14F-4D97-AF65-F5344CB8AC3E}">
-        <p14:creationId xmlns:p14="http://schemas.microsoft.com/office/powerpoint/2010/main" val="1628584938"/>
       </p:ext>
     </p:extLst>
   </p:cSld>
@@ -29127,6 +29733,286 @@
         <p:spPr/>
         <p:txBody>
           <a:bodyPr>
+            <a:normAutofit/>
+          </a:bodyPr>
+          <a:lstStyle/>
+          <a:p>
+            <a:r>
+              <a:rPr lang="fr-CA" dirty="0"/>
+              <a:t>Avantages et limites des logiciels</a:t>
+            </a:r>
+          </a:p>
+        </p:txBody>
+      </p:sp>
+      <p:sp>
+        <p:nvSpPr>
+          <p:cNvPr id="3" name="Espace réservé du texte 2">
+            <a:extLst>
+              <a:ext uri="{FF2B5EF4-FFF2-40B4-BE49-F238E27FC236}">
+                <a16:creationId xmlns:a16="http://schemas.microsoft.com/office/drawing/2014/main" id="{AB547F14-C897-878E-0BBF-34D8C5BDC71A}"/>
+              </a:ext>
+            </a:extLst>
+          </p:cNvPr>
+          <p:cNvSpPr>
+            <a:spLocks noGrp="1"/>
+          </p:cNvSpPr>
+          <p:nvPr>
+            <p:ph type="body" idx="1"/>
+          </p:nvPr>
+        </p:nvSpPr>
+        <p:spPr>
+          <a:xfrm>
+            <a:off x="1115568" y="2372650"/>
+            <a:ext cx="4937760" cy="470911"/>
+          </a:xfrm>
+        </p:spPr>
+        <p:txBody>
+          <a:bodyPr/>
+          <a:lstStyle/>
+          <a:p>
+            <a:pPr algn="ctr"/>
+            <a:r>
+              <a:rPr lang="fr-CA" dirty="0"/>
+              <a:t>Avantages</a:t>
+            </a:r>
+          </a:p>
+        </p:txBody>
+      </p:sp>
+      <p:sp>
+        <p:nvSpPr>
+          <p:cNvPr id="4" name="Espace réservé du contenu 3">
+            <a:extLst>
+              <a:ext uri="{FF2B5EF4-FFF2-40B4-BE49-F238E27FC236}">
+                <a16:creationId xmlns:a16="http://schemas.microsoft.com/office/drawing/2014/main" id="{7EA93664-D195-8F08-AA1E-77BD92524D8C}"/>
+              </a:ext>
+            </a:extLst>
+          </p:cNvPr>
+          <p:cNvSpPr>
+            <a:spLocks noGrp="1"/>
+          </p:cNvSpPr>
+          <p:nvPr>
+            <p:ph sz="half" idx="2"/>
+          </p:nvPr>
+        </p:nvSpPr>
+        <p:spPr>
+          <a:xfrm>
+            <a:off x="1115568" y="3021980"/>
+            <a:ext cx="4937760" cy="3150220"/>
+          </a:xfrm>
+        </p:spPr>
+        <p:txBody>
+          <a:bodyPr>
+            <a:normAutofit fontScale="85000" lnSpcReduction="20000"/>
+          </a:bodyPr>
+          <a:lstStyle/>
+          <a:p>
+            <a:r>
+              <a:rPr lang="fr-CA" dirty="0"/>
+              <a:t>Nombreux: Voyant Tools, Alceste, </a:t>
+            </a:r>
+            <a:r>
+              <a:rPr lang="fr-CA" dirty="0" err="1"/>
+              <a:t>Iramuteq</a:t>
+            </a:r>
+            <a:r>
+              <a:rPr lang="fr-CA" dirty="0"/>
+              <a:t>, </a:t>
+            </a:r>
+            <a:r>
+              <a:rPr lang="fr-CA" dirty="0" err="1"/>
+              <a:t>Constellate</a:t>
+            </a:r>
+            <a:r>
+              <a:rPr lang="fr-CA" dirty="0"/>
+              <a:t> (</a:t>
+            </a:r>
+            <a:r>
+              <a:rPr lang="fr-CA" dirty="0" err="1"/>
+              <a:t>Jstor</a:t>
+            </a:r>
+            <a:r>
+              <a:rPr lang="fr-CA" dirty="0"/>
+              <a:t>), TDM-Studio (Pro-</a:t>
+            </a:r>
+            <a:r>
+              <a:rPr lang="fr-CA" dirty="0" err="1"/>
+              <a:t>Quest</a:t>
+            </a:r>
+            <a:r>
+              <a:rPr lang="fr-CA" dirty="0"/>
+              <a:t>), etc.</a:t>
+            </a:r>
+          </a:p>
+          <a:p>
+            <a:r>
+              <a:rPr lang="fr-CA" dirty="0"/>
+              <a:t>Accessibles, résultats rapides</a:t>
+            </a:r>
+          </a:p>
+          <a:p>
+            <a:r>
+              <a:rPr lang="fr-CA" dirty="0"/>
+              <a:t>Une partie du travail peut être fait automatiquement (</a:t>
+            </a:r>
+            <a:r>
+              <a:rPr lang="fr-CA" dirty="0" err="1"/>
+              <a:t>tokénisation</a:t>
+            </a:r>
+            <a:r>
+              <a:rPr lang="fr-CA" dirty="0"/>
+              <a:t>, etc.)</a:t>
+            </a:r>
+          </a:p>
+          <a:p>
+            <a:endParaRPr lang="fr-CA" dirty="0"/>
+          </a:p>
+        </p:txBody>
+      </p:sp>
+      <p:sp>
+        <p:nvSpPr>
+          <p:cNvPr id="5" name="Espace réservé du texte 4">
+            <a:extLst>
+              <a:ext uri="{FF2B5EF4-FFF2-40B4-BE49-F238E27FC236}">
+                <a16:creationId xmlns:a16="http://schemas.microsoft.com/office/drawing/2014/main" id="{43C0657A-038E-0D06-164A-20BEE6A968D1}"/>
+              </a:ext>
+            </a:extLst>
+          </p:cNvPr>
+          <p:cNvSpPr>
+            <a:spLocks noGrp="1"/>
+          </p:cNvSpPr>
+          <p:nvPr>
+            <p:ph type="body" sz="quarter" idx="3"/>
+          </p:nvPr>
+        </p:nvSpPr>
+        <p:spPr>
+          <a:xfrm>
+            <a:off x="6345936" y="2372650"/>
+            <a:ext cx="4937760" cy="470911"/>
+          </a:xfrm>
+        </p:spPr>
+        <p:txBody>
+          <a:bodyPr/>
+          <a:lstStyle/>
+          <a:p>
+            <a:pPr algn="ctr"/>
+            <a:r>
+              <a:rPr lang="fr-CA" dirty="0"/>
+              <a:t>Limites</a:t>
+            </a:r>
+          </a:p>
+        </p:txBody>
+      </p:sp>
+      <p:sp>
+        <p:nvSpPr>
+          <p:cNvPr id="6" name="Espace réservé du contenu 5">
+            <a:extLst>
+              <a:ext uri="{FF2B5EF4-FFF2-40B4-BE49-F238E27FC236}">
+                <a16:creationId xmlns:a16="http://schemas.microsoft.com/office/drawing/2014/main" id="{1B519AB7-07E0-8721-1783-5CF4A9B88F8F}"/>
+              </a:ext>
+            </a:extLst>
+          </p:cNvPr>
+          <p:cNvSpPr>
+            <a:spLocks noGrp="1"/>
+          </p:cNvSpPr>
+          <p:nvPr>
+            <p:ph sz="quarter" idx="4"/>
+          </p:nvPr>
+        </p:nvSpPr>
+        <p:spPr>
+          <a:xfrm>
+            <a:off x="6345936" y="3021980"/>
+            <a:ext cx="4937760" cy="3650963"/>
+          </a:xfrm>
+        </p:spPr>
+        <p:txBody>
+          <a:bodyPr>
+            <a:normAutofit fontScale="85000" lnSpcReduction="20000"/>
+          </a:bodyPr>
+          <a:lstStyle/>
+          <a:p>
+            <a:r>
+              <a:rPr lang="fr-CA" dirty="0"/>
+              <a:t>L’« accessibilité » est peut-être un leurre: la démarche scientifique suppose qu’on sache ce que le logiciel fait avec le corpus.</a:t>
+            </a:r>
+          </a:p>
+          <a:p>
+            <a:r>
+              <a:rPr lang="fr-CA" dirty="0"/>
+              <a:t>La « rapidité » d’exécution repose sur des choix et des paramètres qui ne cadrent pas forcément avec les questions de recherche.</a:t>
+            </a:r>
+          </a:p>
+          <a:p>
+            <a:r>
+              <a:rPr lang="fr-CA" dirty="0"/>
+              <a:t>Cadres rigides, outils limités.</a:t>
+            </a:r>
+          </a:p>
+          <a:p>
+            <a:r>
+              <a:rPr lang="fr-CA" dirty="0"/>
+              <a:t>Coût (services payants)</a:t>
+            </a:r>
+          </a:p>
+          <a:p>
+            <a:r>
+              <a:rPr lang="fr-CA" dirty="0"/>
+              <a:t>Orientation « client »</a:t>
+            </a:r>
+          </a:p>
+          <a:p>
+            <a:endParaRPr lang="fr-CA" dirty="0"/>
+          </a:p>
+        </p:txBody>
+      </p:sp>
+    </p:spTree>
+    <p:extLst>
+      <p:ext uri="{BB962C8B-B14F-4D97-AF65-F5344CB8AC3E}">
+        <p14:creationId xmlns:p14="http://schemas.microsoft.com/office/powerpoint/2010/main" val="1628584938"/>
+      </p:ext>
+    </p:extLst>
+  </p:cSld>
+  <p:clrMapOvr>
+    <a:masterClrMapping/>
+  </p:clrMapOvr>
+</p:sld>
+</file>
+
+<file path=ppt/slides/slide9.xml><?xml version="1.0" encoding="utf-8"?>
+<p:sld xmlns:a="http://schemas.openxmlformats.org/drawingml/2006/main" xmlns:r="http://schemas.openxmlformats.org/officeDocument/2006/relationships" xmlns:p="http://schemas.openxmlformats.org/presentationml/2006/main">
+  <p:cSld>
+    <p:spTree>
+      <p:nvGrpSpPr>
+        <p:cNvPr id="1" name=""/>
+        <p:cNvGrpSpPr/>
+        <p:nvPr/>
+      </p:nvGrpSpPr>
+      <p:grpSpPr>
+        <a:xfrm>
+          <a:off x="0" y="0"/>
+          <a:ext cx="0" cy="0"/>
+          <a:chOff x="0" y="0"/>
+          <a:chExt cx="0" cy="0"/>
+        </a:xfrm>
+      </p:grpSpPr>
+      <p:sp>
+        <p:nvSpPr>
+          <p:cNvPr id="2" name="Titre 1">
+            <a:extLst>
+              <a:ext uri="{FF2B5EF4-FFF2-40B4-BE49-F238E27FC236}">
+                <a16:creationId xmlns:a16="http://schemas.microsoft.com/office/drawing/2014/main" id="{4894CC04-BD6D-BFF7-6DCC-C47280A99CCA}"/>
+              </a:ext>
+            </a:extLst>
+          </p:cNvPr>
+          <p:cNvSpPr>
+            <a:spLocks noGrp="1"/>
+          </p:cNvSpPr>
+          <p:nvPr>
+            <p:ph type="title"/>
+          </p:nvPr>
+        </p:nvSpPr>
+        <p:spPr/>
+        <p:txBody>
+          <a:bodyPr>
             <a:normAutofit fontScale="90000"/>
           </a:bodyPr>
           <a:lstStyle/>
@@ -29364,355 +30250,6 @@
   </p:cSld>
   <p:clrMapOvr>
     <a:masterClrMapping/>
-  </p:clrMapOvr>
-</p:sld>
-</file>
-
-<file path=ppt/slides/slide9.xml><?xml version="1.0" encoding="utf-8"?>
-<p:sld xmlns:a="http://schemas.openxmlformats.org/drawingml/2006/main" xmlns:r="http://schemas.openxmlformats.org/officeDocument/2006/relationships" xmlns:p="http://schemas.openxmlformats.org/presentationml/2006/main">
-  <p:cSld>
-    <p:bg>
-      <p:bgPr>
-        <a:solidFill>
-          <a:schemeClr val="bg1"/>
-        </a:solidFill>
-        <a:effectLst/>
-      </p:bgPr>
-    </p:bg>
-    <p:spTree>
-      <p:nvGrpSpPr>
-        <p:cNvPr id="1" name=""/>
-        <p:cNvGrpSpPr/>
-        <p:nvPr/>
-      </p:nvGrpSpPr>
-      <p:grpSpPr>
-        <a:xfrm>
-          <a:off x="0" y="0"/>
-          <a:ext cx="0" cy="0"/>
-          <a:chOff x="0" y="0"/>
-          <a:chExt cx="0" cy="0"/>
-        </a:xfrm>
-      </p:grpSpPr>
-      <p:sp useBgFill="1">
-        <p:nvSpPr>
-          <p:cNvPr id="23" name="!!Rectangle">
-            <a:extLst>
-              <a:ext uri="{FF2B5EF4-FFF2-40B4-BE49-F238E27FC236}">
-                <a16:creationId xmlns:a16="http://schemas.microsoft.com/office/drawing/2014/main" id="{7C432AFE-B3D2-4BFF-BF8F-96C27AFF1AC7}"/>
-              </a:ext>
-              <a:ext uri="{C183D7F6-B498-43B3-948B-1728B52AA6E4}">
-                <adec:decorative xmlns:adec="http://schemas.microsoft.com/office/drawing/2017/decorative" val="1"/>
-              </a:ext>
-            </a:extLst>
-          </p:cNvPr>
-          <p:cNvSpPr>
-            <a:spLocks noGrp="1" noRot="1" noChangeAspect="1" noMove="1" noResize="1" noEditPoints="1" noAdjustHandles="1" noChangeArrowheads="1" noChangeShapeType="1" noTextEdit="1"/>
-          </p:cNvSpPr>
-          <p:nvPr>
-            <p:extLst>
-              <p:ext uri="{386F3935-93C4-4BCD-93E2-E3B085C9AB24}">
-                <p16:designElem xmlns:p16="http://schemas.microsoft.com/office/powerpoint/2015/main" val="1"/>
-              </p:ext>
-            </p:extLst>
-          </p:nvPr>
-        </p:nvSpPr>
-        <p:spPr>
-          <a:xfrm>
-            <a:off x="0" y="0"/>
-            <a:ext cx="12192000" cy="6858000"/>
-          </a:xfrm>
-          <a:prstGeom prst="rect">
-            <a:avLst/>
-          </a:prstGeom>
-          <a:ln>
-            <a:noFill/>
-          </a:ln>
-        </p:spPr>
-        <p:style>
-          <a:lnRef idx="2">
-            <a:schemeClr val="accent1">
-              <a:shade val="50000"/>
-            </a:schemeClr>
-          </a:lnRef>
-          <a:fillRef idx="1">
-            <a:schemeClr val="accent1"/>
-          </a:fillRef>
-          <a:effectRef idx="0">
-            <a:schemeClr val="accent1"/>
-          </a:effectRef>
-          <a:fontRef idx="minor">
-            <a:schemeClr val="lt1"/>
-          </a:fontRef>
-        </p:style>
-        <p:txBody>
-          <a:bodyPr rtlCol="0" anchor="ctr"/>
-          <a:lstStyle/>
-          <a:p>
-            <a:pPr algn="ctr"/>
-            <a:endParaRPr lang="en-US"/>
-          </a:p>
-        </p:txBody>
-      </p:sp>
-      <p:sp>
-        <p:nvSpPr>
-          <p:cNvPr id="2" name="Titre 1">
-            <a:extLst>
-              <a:ext uri="{FF2B5EF4-FFF2-40B4-BE49-F238E27FC236}">
-                <a16:creationId xmlns:a16="http://schemas.microsoft.com/office/drawing/2014/main" id="{28FF6A6E-5853-CAF8-5A59-5D1D3A0B9544}"/>
-              </a:ext>
-            </a:extLst>
-          </p:cNvPr>
-          <p:cNvSpPr>
-            <a:spLocks noGrp="1"/>
-          </p:cNvSpPr>
-          <p:nvPr>
-            <p:ph type="title"/>
-          </p:nvPr>
-        </p:nvSpPr>
-        <p:spPr>
-          <a:xfrm>
-            <a:off x="841249" y="941832"/>
-            <a:ext cx="10506456" cy="2057400"/>
-          </a:xfrm>
-        </p:spPr>
-        <p:txBody>
-          <a:bodyPr anchor="b">
-            <a:normAutofit/>
-          </a:bodyPr>
-          <a:lstStyle/>
-          <a:p>
-            <a:r>
-              <a:rPr lang="fr-CA" sz="5000"/>
-              <a:t>Et pourquoi R?</a:t>
-            </a:r>
-          </a:p>
-        </p:txBody>
-      </p:sp>
-      <p:sp>
-        <p:nvSpPr>
-          <p:cNvPr id="25" name="Rectangle 24">
-            <a:extLst>
-              <a:ext uri="{FF2B5EF4-FFF2-40B4-BE49-F238E27FC236}">
-                <a16:creationId xmlns:a16="http://schemas.microsoft.com/office/drawing/2014/main" id="{AF2F604E-43BE-4DC3-B983-E071523364F8}"/>
-              </a:ext>
-              <a:ext uri="{C183D7F6-B498-43B3-948B-1728B52AA6E4}">
-                <adec:decorative xmlns:adec="http://schemas.microsoft.com/office/drawing/2017/decorative" val="1"/>
-              </a:ext>
-            </a:extLst>
-          </p:cNvPr>
-          <p:cNvSpPr>
-            <a:spLocks noGrp="1" noRot="1" noChangeAspect="1" noMove="1" noResize="1" noEditPoints="1" noAdjustHandles="1" noChangeArrowheads="1" noChangeShapeType="1" noTextEdit="1"/>
-          </p:cNvSpPr>
-          <p:nvPr>
-            <p:extLst>
-              <p:ext uri="{386F3935-93C4-4BCD-93E2-E3B085C9AB24}">
-                <p16:designElem xmlns:p16="http://schemas.microsoft.com/office/powerpoint/2015/main" val="1"/>
-              </p:ext>
-            </p:extLst>
-          </p:nvPr>
-        </p:nvSpPr>
-        <p:spPr>
-          <a:xfrm rot="5400000">
-            <a:off x="1120140" y="346791"/>
-            <a:ext cx="146304" cy="704088"/>
-          </a:xfrm>
-          <a:prstGeom prst="rect">
-            <a:avLst/>
-          </a:prstGeom>
-          <a:solidFill>
-            <a:schemeClr val="accent1"/>
-          </a:solidFill>
-          <a:ln>
-            <a:noFill/>
-          </a:ln>
-        </p:spPr>
-        <p:style>
-          <a:lnRef idx="2">
-            <a:schemeClr val="accent1">
-              <a:shade val="50000"/>
-            </a:schemeClr>
-          </a:lnRef>
-          <a:fillRef idx="1">
-            <a:schemeClr val="accent1"/>
-          </a:fillRef>
-          <a:effectRef idx="0">
-            <a:schemeClr val="accent1"/>
-          </a:effectRef>
-          <a:fontRef idx="minor">
-            <a:schemeClr val="lt1"/>
-          </a:fontRef>
-        </p:style>
-        <p:txBody>
-          <a:bodyPr rtlCol="0" anchor="ctr"/>
-          <a:lstStyle/>
-          <a:p>
-            <a:pPr marL="0" marR="0" lvl="0" indent="0" algn="ctr" defTabSz="914400" rtl="0" eaLnBrk="1" fontAlgn="auto" latinLnBrk="0" hangingPunct="1">
-              <a:lnSpc>
-                <a:spcPct val="100000"/>
-              </a:lnSpc>
-              <a:spcBef>
-                <a:spcPts val="0"/>
-              </a:spcBef>
-              <a:spcAft>
-                <a:spcPts val="0"/>
-              </a:spcAft>
-              <a:buClrTx/>
-              <a:buSzTx/>
-              <a:buFontTx/>
-              <a:buNone/>
-              <a:tabLst/>
-              <a:defRPr/>
-            </a:pPr>
-            <a:endParaRPr kumimoji="0" lang="en-US" sz="1800" b="0" i="0" u="none" strike="noStrike" kern="1200" cap="none" spc="0" normalizeH="0" baseline="0" noProof="0">
-              <a:ln>
-                <a:noFill/>
-              </a:ln>
-              <a:solidFill>
-                <a:prstClr val="white"/>
-              </a:solidFill>
-              <a:effectLst/>
-              <a:uLnTx/>
-              <a:uFillTx/>
-              <a:latin typeface="Calibri" panose="020F0502020204030204"/>
-              <a:ea typeface="+mn-ea"/>
-              <a:cs typeface="+mn-cs"/>
-            </a:endParaRPr>
-          </a:p>
-        </p:txBody>
-      </p:sp>
-      <p:sp>
-        <p:nvSpPr>
-          <p:cNvPr id="27" name="Rectangle 26">
-            <a:extLst>
-              <a:ext uri="{FF2B5EF4-FFF2-40B4-BE49-F238E27FC236}">
-                <a16:creationId xmlns:a16="http://schemas.microsoft.com/office/drawing/2014/main" id="{08C9B587-E65E-4B52-B37C-ABEBB6E87928}"/>
-              </a:ext>
-              <a:ext uri="{C183D7F6-B498-43B3-948B-1728B52AA6E4}">
-                <adec:decorative xmlns:adec="http://schemas.microsoft.com/office/drawing/2017/decorative" val="1"/>
-              </a:ext>
-            </a:extLst>
-          </p:cNvPr>
-          <p:cNvSpPr>
-            <a:spLocks noGrp="1" noRot="1" noChangeAspect="1" noMove="1" noResize="1" noEditPoints="1" noAdjustHandles="1" noChangeArrowheads="1" noChangeShapeType="1" noTextEdit="1"/>
-          </p:cNvSpPr>
-          <p:nvPr>
-            <p:extLst>
-              <p:ext uri="{386F3935-93C4-4BCD-93E2-E3B085C9AB24}">
-                <p16:designElem xmlns:p16="http://schemas.microsoft.com/office/powerpoint/2015/main" val="1"/>
-              </p:ext>
-            </p:extLst>
-          </p:nvPr>
-        </p:nvSpPr>
-        <p:spPr>
-          <a:xfrm>
-            <a:off x="841248" y="3241202"/>
-            <a:ext cx="10506456" cy="18288"/>
-          </a:xfrm>
-          <a:prstGeom prst="rect">
-            <a:avLst/>
-          </a:prstGeom>
-          <a:solidFill>
-            <a:schemeClr val="tx1"/>
-          </a:solidFill>
-          <a:ln w="3175">
-            <a:noFill/>
-          </a:ln>
-          <a:effectLst/>
-        </p:spPr>
-        <p:style>
-          <a:lnRef idx="2">
-            <a:schemeClr val="accent1">
-              <a:shade val="50000"/>
-            </a:schemeClr>
-          </a:lnRef>
-          <a:fillRef idx="1">
-            <a:schemeClr val="accent1"/>
-          </a:fillRef>
-          <a:effectRef idx="0">
-            <a:schemeClr val="accent1"/>
-          </a:effectRef>
-          <a:fontRef idx="minor">
-            <a:schemeClr val="lt1"/>
-          </a:fontRef>
-        </p:style>
-        <p:txBody>
-          <a:bodyPr rtlCol="0" anchor="ctr"/>
-          <a:lstStyle/>
-          <a:p>
-            <a:pPr marL="0" marR="0" lvl="0" indent="0" algn="ctr" defTabSz="914400" rtl="0" eaLnBrk="1" fontAlgn="auto" latinLnBrk="0" hangingPunct="1">
-              <a:lnSpc>
-                <a:spcPct val="100000"/>
-              </a:lnSpc>
-              <a:spcBef>
-                <a:spcPts val="0"/>
-              </a:spcBef>
-              <a:spcAft>
-                <a:spcPts val="0"/>
-              </a:spcAft>
-              <a:buClrTx/>
-              <a:buSzTx/>
-              <a:buFontTx/>
-              <a:buNone/>
-              <a:tabLst/>
-              <a:defRPr/>
-            </a:pPr>
-            <a:endParaRPr kumimoji="0" lang="en-US" sz="1800" b="0" i="0" u="none" strike="noStrike" kern="1200" cap="none" spc="0" normalizeH="0" baseline="0" noProof="0">
-              <a:ln>
-                <a:noFill/>
-              </a:ln>
-              <a:solidFill>
-                <a:prstClr val="white"/>
-              </a:solidFill>
-              <a:effectLst/>
-              <a:uLnTx/>
-              <a:uFillTx/>
-              <a:latin typeface="Calibri" panose="020F0502020204030204"/>
-              <a:ea typeface="+mn-ea"/>
-              <a:cs typeface="+mn-cs"/>
-            </a:endParaRPr>
-          </a:p>
-        </p:txBody>
-      </p:sp>
-      <p:graphicFrame>
-        <p:nvGraphicFramePr>
-          <p:cNvPr id="10" name="Espace réservé du contenu 7">
-            <a:extLst>
-              <a:ext uri="{FF2B5EF4-FFF2-40B4-BE49-F238E27FC236}">
-                <a16:creationId xmlns:a16="http://schemas.microsoft.com/office/drawing/2014/main" id="{3B78ACCD-5A2F-99BE-076A-4A5686D90B57}"/>
-              </a:ext>
-            </a:extLst>
-          </p:cNvPr>
-          <p:cNvGraphicFramePr>
-            <a:graphicFrameLocks noGrp="1"/>
-          </p:cNvGraphicFramePr>
-          <p:nvPr>
-            <p:ph idx="1"/>
-            <p:extLst>
-              <p:ext uri="{D42A27DB-BD31-4B8C-83A1-F6EECF244321}">
-                <p14:modId xmlns:p14="http://schemas.microsoft.com/office/powerpoint/2010/main" val="4051036497"/>
-              </p:ext>
-            </p:extLst>
-          </p:nvPr>
-        </p:nvGraphicFramePr>
-        <p:xfrm>
-          <a:off x="240817" y="3501460"/>
-          <a:ext cx="11707318" cy="2670048"/>
-        </p:xfrm>
-        <a:graphic>
-          <a:graphicData uri="http://schemas.openxmlformats.org/drawingml/2006/diagram">
-            <dgm:relIds xmlns:dgm="http://schemas.openxmlformats.org/drawingml/2006/diagram" xmlns:r="http://schemas.openxmlformats.org/officeDocument/2006/relationships" r:dm="rId2" r:lo="rId3" r:qs="rId4" r:cs="rId5"/>
-          </a:graphicData>
-        </a:graphic>
-      </p:graphicFrame>
-    </p:spTree>
-    <p:extLst>
-      <p:ext uri="{BB962C8B-B14F-4D97-AF65-F5344CB8AC3E}">
-        <p14:creationId xmlns:p14="http://schemas.microsoft.com/office/powerpoint/2010/main" val="789424417"/>
-      </p:ext>
-    </p:extLst>
-  </p:cSld>
-  <p:clrMapOvr>
-    <a:overrideClrMapping bg1="dk1" tx1="lt1" bg2="dk2" tx2="lt2" accent1="accent1" accent2="accent2" accent3="accent3" accent4="accent4" accent5="accent5" accent6="accent6" hlink="hlink" folHlink="folHlink"/>
   </p:clrMapOvr>
 </p:sld>
 </file>

--- a/Introduction_EDA_R.pptx
+++ b/Introduction_EDA_R.pptx
@@ -11998,7 +11998,7 @@
           <a:p>
             <a:fld id="{95F3A9C0-D7C5-1F4F-9ADD-323C3EAE9429}" type="datetimeFigureOut">
               <a:rPr lang="fr-CA" smtClean="0"/>
-              <a:t>2023-02-21</a:t>
+              <a:t>2023-02-22</a:t>
             </a:fld>
             <a:endParaRPr lang="fr-CA"/>
           </a:p>
@@ -12528,7 +12528,7 @@
           <a:p>
             <a:fld id="{02AC24A9-CCB6-4F8D-B8DB-C2F3692CFA5A}" type="datetimeFigureOut">
               <a:rPr lang="en-US" smtClean="0"/>
-              <a:t>2/21/23</a:t>
+              <a:t>2/22/23</a:t>
             </a:fld>
             <a:endParaRPr lang="en-US" dirty="0"/>
           </a:p>
@@ -12898,7 +12898,7 @@
           <a:p>
             <a:fld id="{02AC24A9-CCB6-4F8D-B8DB-C2F3692CFA5A}" type="datetimeFigureOut">
               <a:rPr lang="en-US" smtClean="0"/>
-              <a:t>2/21/23</a:t>
+              <a:t>2/22/23</a:t>
             </a:fld>
             <a:endParaRPr lang="en-US"/>
           </a:p>
@@ -13107,7 +13107,7 @@
           <a:p>
             <a:fld id="{02AC24A9-CCB6-4F8D-B8DB-C2F3692CFA5A}" type="datetimeFigureOut">
               <a:rPr lang="en-US" smtClean="0"/>
-              <a:t>2/21/23</a:t>
+              <a:t>2/22/23</a:t>
             </a:fld>
             <a:endParaRPr lang="en-US"/>
           </a:p>
@@ -13577,7 +13577,7 @@
           <a:p>
             <a:fld id="{02AC24A9-CCB6-4F8D-B8DB-C2F3692CFA5A}" type="datetimeFigureOut">
               <a:rPr lang="en-US" smtClean="0"/>
-              <a:t>2/21/23</a:t>
+              <a:t>2/22/23</a:t>
             </a:fld>
             <a:endParaRPr lang="en-US"/>
           </a:p>
@@ -14031,7 +14031,7 @@
           <a:p>
             <a:fld id="{02AC24A9-CCB6-4F8D-B8DB-C2F3692CFA5A}" type="datetimeFigureOut">
               <a:rPr lang="en-US" smtClean="0"/>
-              <a:t>2/21/23</a:t>
+              <a:t>2/22/23</a:t>
             </a:fld>
             <a:endParaRPr lang="en-US"/>
           </a:p>
@@ -14563,7 +14563,7 @@
           <a:p>
             <a:fld id="{02AC24A9-CCB6-4F8D-B8DB-C2F3692CFA5A}" type="datetimeFigureOut">
               <a:rPr lang="en-US" smtClean="0"/>
-              <a:t>2/21/23</a:t>
+              <a:t>2/22/23</a:t>
             </a:fld>
             <a:endParaRPr lang="en-US"/>
           </a:p>
@@ -15262,7 +15262,7 @@
           <a:p>
             <a:fld id="{02AC24A9-CCB6-4F8D-B8DB-C2F3692CFA5A}" type="datetimeFigureOut">
               <a:rPr lang="en-US" smtClean="0"/>
-              <a:t>2/21/23</a:t>
+              <a:t>2/22/23</a:t>
             </a:fld>
             <a:endParaRPr lang="en-US"/>
           </a:p>
@@ -15591,7 +15591,7 @@
           <a:p>
             <a:fld id="{02AC24A9-CCB6-4F8D-B8DB-C2F3692CFA5A}" type="datetimeFigureOut">
               <a:rPr lang="en-US" smtClean="0"/>
-              <a:t>2/21/23</a:t>
+              <a:t>2/22/23</a:t>
             </a:fld>
             <a:endParaRPr lang="en-US"/>
           </a:p>
@@ -15704,7 +15704,7 @@
           <a:p>
             <a:fld id="{02AC24A9-CCB6-4F8D-B8DB-C2F3692CFA5A}" type="datetimeFigureOut">
               <a:rPr lang="en-US" smtClean="0"/>
-              <a:t>2/21/23</a:t>
+              <a:t>2/22/23</a:t>
             </a:fld>
             <a:endParaRPr lang="en-US"/>
           </a:p>
@@ -16199,7 +16199,7 @@
           <a:p>
             <a:fld id="{02AC24A9-CCB6-4F8D-B8DB-C2F3692CFA5A}" type="datetimeFigureOut">
               <a:rPr lang="en-US" smtClean="0"/>
-              <a:t>2/21/23</a:t>
+              <a:t>2/22/23</a:t>
             </a:fld>
             <a:endParaRPr lang="en-US" dirty="0"/>
           </a:p>
@@ -16676,7 +16676,7 @@
           <a:p>
             <a:fld id="{02AC24A9-CCB6-4F8D-B8DB-C2F3692CFA5A}" type="datetimeFigureOut">
               <a:rPr lang="en-US" smtClean="0"/>
-              <a:t>2/21/23</a:t>
+              <a:t>2/22/23</a:t>
             </a:fld>
             <a:endParaRPr lang="en-US"/>
           </a:p>
@@ -16919,7 +16919,7 @@
           <a:p>
             <a:fld id="{02AC24A9-CCB6-4F8D-B8DB-C2F3692CFA5A}" type="datetimeFigureOut">
               <a:rPr lang="en-US" smtClean="0"/>
-              <a:t>2/21/23</a:t>
+              <a:t>2/22/23</a:t>
             </a:fld>
             <a:endParaRPr lang="en-US"/>
           </a:p>
@@ -21437,14 +21437,14 @@
           <p:nvPr>
             <p:extLst>
               <p:ext uri="{D42A27DB-BD31-4B8C-83A1-F6EECF244321}">
-                <p14:modId xmlns:p14="http://schemas.microsoft.com/office/powerpoint/2010/main" val="3410990877"/>
+                <p14:modId xmlns:p14="http://schemas.microsoft.com/office/powerpoint/2010/main" val="3468856517"/>
               </p:ext>
             </p:extLst>
           </p:nvPr>
         </p:nvGraphicFramePr>
         <p:xfrm>
-          <a:off x="4980237" y="1579999"/>
-          <a:ext cx="5114380" cy="1644337"/>
+          <a:off x="4958738" y="2354086"/>
+          <a:ext cx="5114380" cy="457200"/>
         </p:xfrm>
         <a:graphic>
           <a:graphicData uri="http://schemas.openxmlformats.org/drawingml/2006/table">
@@ -21468,7 +21468,7 @@
                   </a:extLst>
                 </a:gridCol>
               </a:tblGrid>
-              <a:tr h="320780">
+              <a:tr h="0">
                 <a:tc>
                   <a:txBody>
                     <a:bodyPr/>
@@ -21476,7 +21476,7 @@
                     <a:p>
                       <a:pPr algn="ctr"/>
                       <a:r>
-                        <a:rPr lang="fr-CA" sz="1200" dirty="0">
+                        <a:rPr lang="fr-CA" sz="2400" dirty="0">
                           <a:highlight>
                             <a:srgbClr val="FFFF00"/>
                           </a:highlight>
@@ -21495,7 +21495,7 @@
                     <a:p>
                       <a:pPr algn="ctr"/>
                       <a:r>
-                        <a:rPr lang="fr-CA" sz="1200" dirty="0">
+                        <a:rPr lang="fr-CA" sz="2400" dirty="0">
                           <a:highlight>
                             <a:srgbClr val="FFFF00"/>
                           </a:highlight>
@@ -21510,198 +21510,6 @@
                 <a:extLst>
                   <a:ext uri="{0D108BD9-81ED-4DB2-BD59-A6C34878D82A}">
                     <a16:rowId xmlns:a16="http://schemas.microsoft.com/office/drawing/2014/main" val="1084043891"/>
-                  </a:ext>
-                </a:extLst>
-              </a:tr>
-              <a:tr h="320780">
-                <a:tc>
-                  <a:txBody>
-                    <a:bodyPr/>
-                    <a:lstStyle/>
-                    <a:p>
-                      <a:pPr algn="ctr"/>
-                      <a:r>
-                        <a:rPr lang="fr-CA" sz="1200" dirty="0">
-                          <a:latin typeface="Courier" pitchFamily="2" charset="0"/>
-                        </a:rPr>
-                        <a:t>1:3</a:t>
-                      </a:r>
-                    </a:p>
-                  </a:txBody>
-                  <a:tcPr/>
-                </a:tc>
-                <a:tc>
-                  <a:txBody>
-                    <a:bodyPr/>
-                    <a:lstStyle/>
-                    <a:p>
-                      <a:pPr algn="ctr"/>
-                      <a:r>
-                        <a:rPr lang="fr-CA" sz="1200" dirty="0">
-                          <a:latin typeface="Courier" pitchFamily="2" charset="0"/>
-                        </a:rPr>
-                        <a:t>1:2</a:t>
-                      </a:r>
-                    </a:p>
-                  </a:txBody>
-                  <a:tcPr/>
-                </a:tc>
-                <a:extLst>
-                  <a:ext uri="{0D108BD9-81ED-4DB2-BD59-A6C34878D82A}">
-                    <a16:rowId xmlns:a16="http://schemas.microsoft.com/office/drawing/2014/main" val="2017206795"/>
-                  </a:ext>
-                </a:extLst>
-              </a:tr>
-              <a:tr h="320780">
-                <a:tc>
-                  <a:txBody>
-                    <a:bodyPr/>
-                    <a:lstStyle/>
-                    <a:p>
-                      <a:pPr algn="ctr"/>
-                      <a:r>
-                        <a:rPr lang="fr-CA" sz="1200" dirty="0">
-                          <a:latin typeface="Courier" pitchFamily="2" charset="0"/>
-                        </a:rPr>
-                        <a:t>c(1, 4)</a:t>
-                      </a:r>
-                    </a:p>
-                  </a:txBody>
-                  <a:tcPr/>
-                </a:tc>
-                <a:tc>
-                  <a:txBody>
-                    <a:bodyPr/>
-                    <a:lstStyle/>
-                    <a:p>
-                      <a:pPr algn="ctr"/>
-                      <a:r>
-                        <a:rPr lang="fr-CA" sz="1200" dirty="0">
-                          <a:latin typeface="Courier" pitchFamily="2" charset="0"/>
-                        </a:rPr>
-                        <a:t>c(1, 2)</a:t>
-                      </a:r>
-                    </a:p>
-                  </a:txBody>
-                  <a:tcPr/>
-                </a:tc>
-                <a:extLst>
-                  <a:ext uri="{0D108BD9-81ED-4DB2-BD59-A6C34878D82A}">
-                    <a16:rowId xmlns:a16="http://schemas.microsoft.com/office/drawing/2014/main" val="1078201899"/>
-                  </a:ext>
-                </a:extLst>
-              </a:tr>
-              <a:tr h="320780">
-                <a:tc>
-                  <a:txBody>
-                    <a:bodyPr/>
-                    <a:lstStyle/>
-                    <a:p>
-                      <a:pPr algn="ctr"/>
-                      <a:r>
-                        <a:rPr lang="fr-CA" sz="1200" dirty="0">
-                          <a:latin typeface="Courier" pitchFamily="2" charset="0"/>
-                        </a:rPr>
-                        <a:t>2</a:t>
-                      </a:r>
-                    </a:p>
-                  </a:txBody>
-                  <a:tcPr/>
-                </a:tc>
-                <a:tc>
-                  <a:txBody>
-                    <a:bodyPr/>
-                    <a:lstStyle/>
-                    <a:p>
-                      <a:pPr algn="ctr"/>
-                      <a:r>
-                        <a:rPr lang="fr-CA" sz="1200" dirty="0">
-                          <a:latin typeface="Courier" pitchFamily="2" charset="0"/>
-                        </a:rPr>
-                        <a:t>`</a:t>
-                      </a:r>
-                      <a:r>
-                        <a:rPr lang="fr-CA" sz="1200" dirty="0" err="1">
-                          <a:latin typeface="Courier" pitchFamily="2" charset="0"/>
-                        </a:rPr>
-                        <a:t>auteur.trice</a:t>
-                      </a:r>
-                      <a:r>
-                        <a:rPr lang="fr-CA" sz="1200" dirty="0">
-                          <a:latin typeface="Courier" pitchFamily="2" charset="0"/>
-                        </a:rPr>
-                        <a:t>` </a:t>
-                      </a:r>
-                    </a:p>
-                  </a:txBody>
-                  <a:tcPr/>
-                </a:tc>
-                <a:extLst>
-                  <a:ext uri="{0D108BD9-81ED-4DB2-BD59-A6C34878D82A}">
-                    <a16:rowId xmlns:a16="http://schemas.microsoft.com/office/drawing/2014/main" val="3399532434"/>
-                  </a:ext>
-                </a:extLst>
-              </a:tr>
-              <a:tr h="361217">
-                <a:tc>
-                  <a:txBody>
-                    <a:bodyPr/>
-                    <a:lstStyle/>
-                    <a:p>
-                      <a:pPr algn="ctr"/>
-                      <a:r>
-                        <a:rPr lang="fr-CA" sz="1200" dirty="0">
-                          <a:latin typeface="Courier" pitchFamily="2" charset="0"/>
-                        </a:rPr>
-                        <a:t>c(1, 3)</a:t>
-                      </a:r>
-                    </a:p>
-                  </a:txBody>
-                  <a:tcPr/>
-                </a:tc>
-                <a:tc>
-                  <a:txBody>
-                    <a:bodyPr/>
-                    <a:lstStyle/>
-                    <a:p>
-                      <a:pPr algn="ctr"/>
-                      <a:r>
-                        <a:rPr lang="fr-CA" sz="1200" dirty="0">
-                          <a:latin typeface="Courier" pitchFamily="2" charset="0"/>
-                        </a:rPr>
-                        <a:t>c(`</a:t>
-                      </a:r>
-                      <a:r>
-                        <a:rPr lang="fr-CA" sz="1200" dirty="0" err="1">
-                          <a:latin typeface="Courier" pitchFamily="2" charset="0"/>
-                        </a:rPr>
-                        <a:t>oeuvre</a:t>
-                      </a:r>
-                      <a:r>
-                        <a:rPr lang="fr-CA" sz="1200" dirty="0">
-                          <a:latin typeface="Courier" pitchFamily="2" charset="0"/>
-                        </a:rPr>
-                        <a:t>`, `</a:t>
-                      </a:r>
-                      <a:r>
-                        <a:rPr lang="fr-CA" sz="1200" dirty="0" err="1">
-                          <a:latin typeface="Courier" pitchFamily="2" charset="0"/>
-                        </a:rPr>
-                        <a:t>est.femme</a:t>
-                      </a:r>
-                      <a:r>
-                        <a:rPr lang="fr-CA" sz="1200" dirty="0">
-                          <a:latin typeface="Courier" pitchFamily="2" charset="0"/>
-                        </a:rPr>
-                        <a:t>`)</a:t>
-                      </a:r>
-                    </a:p>
-                  </a:txBody>
-                  <a:tcPr/>
-                </a:tc>
-                <a:extLst>
-                  <a:ext uri="{0D108BD9-81ED-4DB2-BD59-A6C34878D82A}">
-                    <a16:rowId xmlns:a16="http://schemas.microsoft.com/office/drawing/2014/main" val="3336460639"/>
                   </a:ext>
                 </a:extLst>
               </a:tr>
@@ -22101,14 +21909,14 @@
           <p:nvPr>
             <p:extLst>
               <p:ext uri="{D42A27DB-BD31-4B8C-83A1-F6EECF244321}">
-                <p14:modId xmlns:p14="http://schemas.microsoft.com/office/powerpoint/2010/main" val="4090920641"/>
+                <p14:modId xmlns:p14="http://schemas.microsoft.com/office/powerpoint/2010/main" val="818702728"/>
               </p:ext>
             </p:extLst>
           </p:nvPr>
         </p:nvGraphicFramePr>
         <p:xfrm>
-          <a:off x="4980237" y="1579999"/>
-          <a:ext cx="5114380" cy="1644337"/>
+          <a:off x="4958738" y="2476533"/>
+          <a:ext cx="5114380" cy="457200"/>
         </p:xfrm>
         <a:graphic>
           <a:graphicData uri="http://schemas.openxmlformats.org/drawingml/2006/table">
@@ -22140,46 +21948,7 @@
                     <a:p>
                       <a:pPr algn="ctr"/>
                       <a:r>
-                        <a:rPr lang="fr-CA" sz="1200" dirty="0">
-                          <a:latin typeface="Courier" pitchFamily="2" charset="0"/>
-                        </a:rPr>
-                        <a:t>1</a:t>
-                      </a:r>
-                    </a:p>
-                  </a:txBody>
-                  <a:tcPr/>
-                </a:tc>
-                <a:tc>
-                  <a:txBody>
-                    <a:bodyPr/>
-                    <a:lstStyle/>
-                    <a:p>
-                      <a:pPr algn="ctr"/>
-                      <a:r>
-                        <a:rPr lang="fr-CA" sz="1200" dirty="0">
-                          <a:latin typeface="Courier" pitchFamily="2" charset="0"/>
-                        </a:rPr>
-                        <a:t>1</a:t>
-                      </a:r>
-                    </a:p>
-                  </a:txBody>
-                  <a:tcPr/>
-                </a:tc>
-                <a:extLst>
-                  <a:ext uri="{0D108BD9-81ED-4DB2-BD59-A6C34878D82A}">
-                    <a16:rowId xmlns:a16="http://schemas.microsoft.com/office/drawing/2014/main" val="1084043891"/>
-                  </a:ext>
-                </a:extLst>
-              </a:tr>
-              <a:tr h="320780">
-                <a:tc>
-                  <a:txBody>
-                    <a:bodyPr/>
-                    <a:lstStyle/>
-                    <a:p>
-                      <a:pPr algn="ctr"/>
-                      <a:r>
-                        <a:rPr lang="fr-CA" sz="1200" dirty="0">
+                        <a:rPr lang="fr-CA" sz="2400" dirty="0">
                           <a:highlight>
                             <a:srgbClr val="FFFF00"/>
                           </a:highlight>
@@ -22198,7 +21967,7 @@
                     <a:p>
                       <a:pPr algn="ctr"/>
                       <a:r>
-                        <a:rPr lang="fr-CA" sz="1200" dirty="0">
+                        <a:rPr lang="fr-CA" sz="2400" dirty="0">
                           <a:highlight>
                             <a:srgbClr val="FFFF00"/>
                           </a:highlight>
@@ -22213,159 +21982,6 @@
                 <a:extLst>
                   <a:ext uri="{0D108BD9-81ED-4DB2-BD59-A6C34878D82A}">
                     <a16:rowId xmlns:a16="http://schemas.microsoft.com/office/drawing/2014/main" val="2017206795"/>
-                  </a:ext>
-                </a:extLst>
-              </a:tr>
-              <a:tr h="320780">
-                <a:tc>
-                  <a:txBody>
-                    <a:bodyPr/>
-                    <a:lstStyle/>
-                    <a:p>
-                      <a:pPr algn="ctr"/>
-                      <a:r>
-                        <a:rPr lang="fr-CA" sz="1200" dirty="0">
-                          <a:latin typeface="Courier" pitchFamily="2" charset="0"/>
-                        </a:rPr>
-                        <a:t>c(1, 4)</a:t>
-                      </a:r>
-                    </a:p>
-                  </a:txBody>
-                  <a:tcPr/>
-                </a:tc>
-                <a:tc>
-                  <a:txBody>
-                    <a:bodyPr/>
-                    <a:lstStyle/>
-                    <a:p>
-                      <a:pPr algn="ctr"/>
-                      <a:r>
-                        <a:rPr lang="fr-CA" sz="1200" dirty="0">
-                          <a:latin typeface="Courier" pitchFamily="2" charset="0"/>
-                        </a:rPr>
-                        <a:t>c(1, 2)</a:t>
-                      </a:r>
-                    </a:p>
-                  </a:txBody>
-                  <a:tcPr/>
-                </a:tc>
-                <a:extLst>
-                  <a:ext uri="{0D108BD9-81ED-4DB2-BD59-A6C34878D82A}">
-                    <a16:rowId xmlns:a16="http://schemas.microsoft.com/office/drawing/2014/main" val="1078201899"/>
-                  </a:ext>
-                </a:extLst>
-              </a:tr>
-              <a:tr h="320780">
-                <a:tc>
-                  <a:txBody>
-                    <a:bodyPr/>
-                    <a:lstStyle/>
-                    <a:p>
-                      <a:pPr algn="ctr"/>
-                      <a:r>
-                        <a:rPr lang="fr-CA" sz="1200" dirty="0">
-                          <a:latin typeface="Courier" pitchFamily="2" charset="0"/>
-                        </a:rPr>
-                        <a:t>2</a:t>
-                      </a:r>
-                    </a:p>
-                  </a:txBody>
-                  <a:tcPr/>
-                </a:tc>
-                <a:tc>
-                  <a:txBody>
-                    <a:bodyPr/>
-                    <a:lstStyle/>
-                    <a:p>
-                      <a:pPr algn="ctr"/>
-                      <a:r>
-                        <a:rPr lang="fr-CA" sz="1200" dirty="0">
-                          <a:latin typeface="Courier" pitchFamily="2" charset="0"/>
-                        </a:rPr>
-                        <a:t>`</a:t>
-                      </a:r>
-                      <a:r>
-                        <a:rPr lang="fr-CA" sz="1200" dirty="0" err="1">
-                          <a:latin typeface="Courier" pitchFamily="2" charset="0"/>
-                        </a:rPr>
-                        <a:t>auteur.trice</a:t>
-                      </a:r>
-                      <a:r>
-                        <a:rPr lang="fr-CA" sz="1200" dirty="0">
-                          <a:latin typeface="Courier" pitchFamily="2" charset="0"/>
-                        </a:rPr>
-                        <a:t>` </a:t>
-                      </a:r>
-                    </a:p>
-                  </a:txBody>
-                  <a:tcPr/>
-                </a:tc>
-                <a:extLst>
-                  <a:ext uri="{0D108BD9-81ED-4DB2-BD59-A6C34878D82A}">
-                    <a16:rowId xmlns:a16="http://schemas.microsoft.com/office/drawing/2014/main" val="3399532434"/>
-                  </a:ext>
-                </a:extLst>
-              </a:tr>
-              <a:tr h="361217">
-                <a:tc>
-                  <a:txBody>
-                    <a:bodyPr/>
-                    <a:lstStyle/>
-                    <a:p>
-                      <a:pPr algn="ctr"/>
-                      <a:r>
-                        <a:rPr lang="fr-CA" sz="1200" dirty="0">
-                          <a:latin typeface="Courier" pitchFamily="2" charset="0"/>
-                        </a:rPr>
-                        <a:t>c(1, 3)</a:t>
-                      </a:r>
-                    </a:p>
-                  </a:txBody>
-                  <a:tcPr/>
-                </a:tc>
-                <a:tc>
-                  <a:txBody>
-                    <a:bodyPr/>
-                    <a:lstStyle/>
-                    <a:p>
-                      <a:pPr algn="ctr"/>
-                      <a:r>
-                        <a:rPr lang="fr-CA" sz="1200" dirty="0">
-                          <a:latin typeface="Courier" pitchFamily="2" charset="0"/>
-                        </a:rPr>
-                        <a:t>c(`</a:t>
-                      </a:r>
-                      <a:r>
-                        <a:rPr lang="fr-CA" sz="1200" dirty="0" err="1">
-                          <a:latin typeface="Courier" pitchFamily="2" charset="0"/>
-                        </a:rPr>
-                        <a:t>oeuvre</a:t>
-                      </a:r>
-                      <a:r>
-                        <a:rPr lang="fr-CA" sz="1200" dirty="0">
-                          <a:latin typeface="Courier" pitchFamily="2" charset="0"/>
-                        </a:rPr>
-                        <a:t>`, `</a:t>
-                      </a:r>
-                      <a:r>
-                        <a:rPr lang="fr-CA" sz="1200" dirty="0" err="1">
-                          <a:latin typeface="Courier" pitchFamily="2" charset="0"/>
-                        </a:rPr>
-                        <a:t>est.femme</a:t>
-                      </a:r>
-                      <a:r>
-                        <a:rPr lang="fr-CA" sz="1200" dirty="0">
-                          <a:latin typeface="Courier" pitchFamily="2" charset="0"/>
-                        </a:rPr>
-                        <a:t>`)</a:t>
-                      </a:r>
-                    </a:p>
-                  </a:txBody>
-                  <a:tcPr/>
-                </a:tc>
-                <a:extLst>
-                  <a:ext uri="{0D108BD9-81ED-4DB2-BD59-A6C34878D82A}">
-                    <a16:rowId xmlns:a16="http://schemas.microsoft.com/office/drawing/2014/main" val="3336460639"/>
                   </a:ext>
                 </a:extLst>
               </a:tr>
@@ -23020,14 +22636,14 @@
           <p:nvPr>
             <p:extLst>
               <p:ext uri="{D42A27DB-BD31-4B8C-83A1-F6EECF244321}">
-                <p14:modId xmlns:p14="http://schemas.microsoft.com/office/powerpoint/2010/main" val="4146083072"/>
+                <p14:modId xmlns:p14="http://schemas.microsoft.com/office/powerpoint/2010/main" val="862160193"/>
               </p:ext>
             </p:extLst>
           </p:nvPr>
         </p:nvGraphicFramePr>
         <p:xfrm>
-          <a:off x="4980237" y="1579999"/>
-          <a:ext cx="5114380" cy="1644337"/>
+          <a:off x="4958738" y="2423637"/>
+          <a:ext cx="5114380" cy="457200"/>
         </p:xfrm>
         <a:graphic>
           <a:graphicData uri="http://schemas.openxmlformats.org/drawingml/2006/table">
@@ -23059,85 +22675,7 @@
                     <a:p>
                       <a:pPr algn="ctr"/>
                       <a:r>
-                        <a:rPr lang="fr-CA" sz="1200" dirty="0">
-                          <a:latin typeface="Courier" pitchFamily="2" charset="0"/>
-                        </a:rPr>
-                        <a:t>1</a:t>
-                      </a:r>
-                    </a:p>
-                  </a:txBody>
-                  <a:tcPr/>
-                </a:tc>
-                <a:tc>
-                  <a:txBody>
-                    <a:bodyPr/>
-                    <a:lstStyle/>
-                    <a:p>
-                      <a:pPr algn="ctr"/>
-                      <a:r>
-                        <a:rPr lang="fr-CA" sz="1200" dirty="0">
-                          <a:latin typeface="Courier" pitchFamily="2" charset="0"/>
-                        </a:rPr>
-                        <a:t>1</a:t>
-                      </a:r>
-                    </a:p>
-                  </a:txBody>
-                  <a:tcPr/>
-                </a:tc>
-                <a:extLst>
-                  <a:ext uri="{0D108BD9-81ED-4DB2-BD59-A6C34878D82A}">
-                    <a16:rowId xmlns:a16="http://schemas.microsoft.com/office/drawing/2014/main" val="1084043891"/>
-                  </a:ext>
-                </a:extLst>
-              </a:tr>
-              <a:tr h="320780">
-                <a:tc>
-                  <a:txBody>
-                    <a:bodyPr/>
-                    <a:lstStyle/>
-                    <a:p>
-                      <a:pPr algn="ctr"/>
-                      <a:r>
-                        <a:rPr lang="fr-CA" sz="1200" dirty="0">
-                          <a:latin typeface="Courier" pitchFamily="2" charset="0"/>
-                        </a:rPr>
-                        <a:t>1:3</a:t>
-                      </a:r>
-                    </a:p>
-                  </a:txBody>
-                  <a:tcPr/>
-                </a:tc>
-                <a:tc>
-                  <a:txBody>
-                    <a:bodyPr/>
-                    <a:lstStyle/>
-                    <a:p>
-                      <a:pPr algn="ctr"/>
-                      <a:r>
-                        <a:rPr lang="fr-CA" sz="1200" dirty="0">
-                          <a:latin typeface="Courier" pitchFamily="2" charset="0"/>
-                        </a:rPr>
-                        <a:t>1:2</a:t>
-                      </a:r>
-                    </a:p>
-                  </a:txBody>
-                  <a:tcPr/>
-                </a:tc>
-                <a:extLst>
-                  <a:ext uri="{0D108BD9-81ED-4DB2-BD59-A6C34878D82A}">
-                    <a16:rowId xmlns:a16="http://schemas.microsoft.com/office/drawing/2014/main" val="2017206795"/>
-                  </a:ext>
-                </a:extLst>
-              </a:tr>
-              <a:tr h="320780">
-                <a:tc>
-                  <a:txBody>
-                    <a:bodyPr/>
-                    <a:lstStyle/>
-                    <a:p>
-                      <a:pPr algn="ctr"/>
-                      <a:r>
-                        <a:rPr lang="fr-CA" sz="1200" dirty="0">
+                        <a:rPr lang="fr-CA" sz="2400" dirty="0">
                           <a:highlight>
                             <a:srgbClr val="FFFF00"/>
                           </a:highlight>
@@ -23156,7 +22694,7 @@
                     <a:p>
                       <a:pPr algn="ctr"/>
                       <a:r>
-                        <a:rPr lang="fr-CA" sz="1200" dirty="0">
+                        <a:rPr lang="fr-CA" sz="2400" dirty="0">
                           <a:highlight>
                             <a:srgbClr val="FFFF00"/>
                           </a:highlight>
@@ -23171,120 +22709,6 @@
                 <a:extLst>
                   <a:ext uri="{0D108BD9-81ED-4DB2-BD59-A6C34878D82A}">
                     <a16:rowId xmlns:a16="http://schemas.microsoft.com/office/drawing/2014/main" val="1078201899"/>
-                  </a:ext>
-                </a:extLst>
-              </a:tr>
-              <a:tr h="320780">
-                <a:tc>
-                  <a:txBody>
-                    <a:bodyPr/>
-                    <a:lstStyle/>
-                    <a:p>
-                      <a:pPr algn="ctr"/>
-                      <a:r>
-                        <a:rPr lang="fr-CA" sz="1200" dirty="0">
-                          <a:latin typeface="Courier" pitchFamily="2" charset="0"/>
-                        </a:rPr>
-                        <a:t>2</a:t>
-                      </a:r>
-                    </a:p>
-                  </a:txBody>
-                  <a:tcPr/>
-                </a:tc>
-                <a:tc>
-                  <a:txBody>
-                    <a:bodyPr/>
-                    <a:lstStyle/>
-                    <a:p>
-                      <a:pPr algn="ctr"/>
-                      <a:r>
-                        <a:rPr lang="fr-CA" sz="1200" dirty="0">
-                          <a:latin typeface="Courier" pitchFamily="2" charset="0"/>
-                        </a:rPr>
-                        <a:t>`</a:t>
-                      </a:r>
-                      <a:r>
-                        <a:rPr lang="fr-CA" sz="1200" dirty="0" err="1">
-                          <a:latin typeface="Courier" pitchFamily="2" charset="0"/>
-                        </a:rPr>
-                        <a:t>auteur.trice</a:t>
-                      </a:r>
-                      <a:r>
-                        <a:rPr lang="fr-CA" sz="1200" dirty="0">
-                          <a:latin typeface="Courier" pitchFamily="2" charset="0"/>
-                        </a:rPr>
-                        <a:t>` </a:t>
-                      </a:r>
-                    </a:p>
-                  </a:txBody>
-                  <a:tcPr/>
-                </a:tc>
-                <a:extLst>
-                  <a:ext uri="{0D108BD9-81ED-4DB2-BD59-A6C34878D82A}">
-                    <a16:rowId xmlns:a16="http://schemas.microsoft.com/office/drawing/2014/main" val="3399532434"/>
-                  </a:ext>
-                </a:extLst>
-              </a:tr>
-              <a:tr h="361217">
-                <a:tc>
-                  <a:txBody>
-                    <a:bodyPr/>
-                    <a:lstStyle/>
-                    <a:p>
-                      <a:pPr algn="ctr"/>
-                      <a:r>
-                        <a:rPr lang="fr-CA" sz="1200" dirty="0">
-                          <a:latin typeface="Courier" pitchFamily="2" charset="0"/>
-                        </a:rPr>
-                        <a:t>c(1, 3)</a:t>
-                      </a:r>
-                    </a:p>
-                  </a:txBody>
-                  <a:tcPr/>
-                </a:tc>
-                <a:tc>
-                  <a:txBody>
-                    <a:bodyPr/>
-                    <a:lstStyle/>
-                    <a:p>
-                      <a:pPr algn="ctr"/>
-                      <a:r>
-                        <a:rPr lang="fr-CA" sz="1200" dirty="0">
-                          <a:latin typeface="Courier" pitchFamily="2" charset="0"/>
-                        </a:rPr>
-                        <a:t>c(`</a:t>
-                      </a:r>
-                      <a:r>
-                        <a:rPr lang="fr-CA" sz="1200" dirty="0" err="1">
-                          <a:latin typeface="Courier" pitchFamily="2" charset="0"/>
-                        </a:rPr>
-                        <a:t>oeuvre</a:t>
-                      </a:r>
-                      <a:r>
-                        <a:rPr lang="fr-CA" sz="1200" dirty="0">
-                          <a:latin typeface="Courier" pitchFamily="2" charset="0"/>
-                        </a:rPr>
-                        <a:t>`, `</a:t>
-                      </a:r>
-                      <a:r>
-                        <a:rPr lang="fr-CA" sz="1200" dirty="0" err="1">
-                          <a:latin typeface="Courier" pitchFamily="2" charset="0"/>
-                        </a:rPr>
-                        <a:t>est.femme</a:t>
-                      </a:r>
-                      <a:r>
-                        <a:rPr lang="fr-CA" sz="1200" dirty="0">
-                          <a:latin typeface="Courier" pitchFamily="2" charset="0"/>
-                        </a:rPr>
-                        <a:t>`)</a:t>
-                      </a:r>
-                    </a:p>
-                  </a:txBody>
-                  <a:tcPr/>
-                </a:tc>
-                <a:extLst>
-                  <a:ext uri="{0D108BD9-81ED-4DB2-BD59-A6C34878D82A}">
-                    <a16:rowId xmlns:a16="http://schemas.microsoft.com/office/drawing/2014/main" val="3336460639"/>
                   </a:ext>
                 </a:extLst>
               </a:tr>
@@ -23837,14 +23261,14 @@
           <p:nvPr>
             <p:extLst>
               <p:ext uri="{D42A27DB-BD31-4B8C-83A1-F6EECF244321}">
-                <p14:modId xmlns:p14="http://schemas.microsoft.com/office/powerpoint/2010/main" val="3762587750"/>
+                <p14:modId xmlns:p14="http://schemas.microsoft.com/office/powerpoint/2010/main" val="1256521485"/>
               </p:ext>
             </p:extLst>
           </p:nvPr>
         </p:nvGraphicFramePr>
         <p:xfrm>
-          <a:off x="4980237" y="1579999"/>
-          <a:ext cx="5114380" cy="1644337"/>
+          <a:off x="4958738" y="2322788"/>
+          <a:ext cx="5114380" cy="822960"/>
         </p:xfrm>
         <a:graphic>
           <a:graphicData uri="http://schemas.openxmlformats.org/drawingml/2006/table">
@@ -23876,124 +23300,7 @@
                     <a:p>
                       <a:pPr algn="ctr"/>
                       <a:r>
-                        <a:rPr lang="fr-CA" sz="1200" dirty="0">
-                          <a:latin typeface="Courier" pitchFamily="2" charset="0"/>
-                        </a:rPr>
-                        <a:t>1</a:t>
-                      </a:r>
-                    </a:p>
-                  </a:txBody>
-                  <a:tcPr/>
-                </a:tc>
-                <a:tc>
-                  <a:txBody>
-                    <a:bodyPr/>
-                    <a:lstStyle/>
-                    <a:p>
-                      <a:pPr algn="ctr"/>
-                      <a:r>
-                        <a:rPr lang="fr-CA" sz="1200" dirty="0">
-                          <a:latin typeface="Courier" pitchFamily="2" charset="0"/>
-                        </a:rPr>
-                        <a:t>1</a:t>
-                      </a:r>
-                    </a:p>
-                  </a:txBody>
-                  <a:tcPr/>
-                </a:tc>
-                <a:extLst>
-                  <a:ext uri="{0D108BD9-81ED-4DB2-BD59-A6C34878D82A}">
-                    <a16:rowId xmlns:a16="http://schemas.microsoft.com/office/drawing/2014/main" val="1084043891"/>
-                  </a:ext>
-                </a:extLst>
-              </a:tr>
-              <a:tr h="320780">
-                <a:tc>
-                  <a:txBody>
-                    <a:bodyPr/>
-                    <a:lstStyle/>
-                    <a:p>
-                      <a:pPr algn="ctr"/>
-                      <a:r>
-                        <a:rPr lang="fr-CA" sz="1200" dirty="0">
-                          <a:latin typeface="Courier" pitchFamily="2" charset="0"/>
-                        </a:rPr>
-                        <a:t>1:3</a:t>
-                      </a:r>
-                    </a:p>
-                  </a:txBody>
-                  <a:tcPr/>
-                </a:tc>
-                <a:tc>
-                  <a:txBody>
-                    <a:bodyPr/>
-                    <a:lstStyle/>
-                    <a:p>
-                      <a:pPr algn="ctr"/>
-                      <a:r>
-                        <a:rPr lang="fr-CA" sz="1200" dirty="0">
-                          <a:latin typeface="Courier" pitchFamily="2" charset="0"/>
-                        </a:rPr>
-                        <a:t>1:2</a:t>
-                      </a:r>
-                    </a:p>
-                  </a:txBody>
-                  <a:tcPr/>
-                </a:tc>
-                <a:extLst>
-                  <a:ext uri="{0D108BD9-81ED-4DB2-BD59-A6C34878D82A}">
-                    <a16:rowId xmlns:a16="http://schemas.microsoft.com/office/drawing/2014/main" val="2017206795"/>
-                  </a:ext>
-                </a:extLst>
-              </a:tr>
-              <a:tr h="320780">
-                <a:tc>
-                  <a:txBody>
-                    <a:bodyPr/>
-                    <a:lstStyle/>
-                    <a:p>
-                      <a:pPr algn="ctr"/>
-                      <a:r>
-                        <a:rPr lang="fr-CA" sz="1200" dirty="0">
-                          <a:latin typeface="Courier" pitchFamily="2" charset="0"/>
-                        </a:rPr>
-                        <a:t>c(1, 4)</a:t>
-                      </a:r>
-                    </a:p>
-                  </a:txBody>
-                  <a:tcPr/>
-                </a:tc>
-                <a:tc>
-                  <a:txBody>
-                    <a:bodyPr/>
-                    <a:lstStyle/>
-                    <a:p>
-                      <a:pPr algn="ctr"/>
-                      <a:r>
-                        <a:rPr lang="fr-CA" sz="1200" dirty="0">
-                          <a:latin typeface="Courier" pitchFamily="2" charset="0"/>
-                        </a:rPr>
-                        <a:t>c(1, 2)</a:t>
-                      </a:r>
-                    </a:p>
-                  </a:txBody>
-                  <a:tcPr/>
-                </a:tc>
-                <a:extLst>
-                  <a:ext uri="{0D108BD9-81ED-4DB2-BD59-A6C34878D82A}">
-                    <a16:rowId xmlns:a16="http://schemas.microsoft.com/office/drawing/2014/main" val="1078201899"/>
-                  </a:ext>
-                </a:extLst>
-              </a:tr>
-              <a:tr h="320780">
-                <a:tc>
-                  <a:txBody>
-                    <a:bodyPr/>
-                    <a:lstStyle/>
-                    <a:p>
-                      <a:pPr algn="ctr"/>
-                      <a:r>
-                        <a:rPr lang="fr-CA" sz="1200" dirty="0">
+                        <a:rPr lang="fr-CA" sz="2400" dirty="0">
                           <a:highlight>
                             <a:srgbClr val="FFFF00"/>
                           </a:highlight>
@@ -24012,7 +23319,7 @@
                     <a:p>
                       <a:pPr algn="ctr"/>
                       <a:r>
-                        <a:rPr lang="fr-CA" sz="1200" dirty="0">
+                        <a:rPr lang="fr-CA" sz="2400" dirty="0">
                           <a:highlight>
                             <a:srgbClr val="FFFF00"/>
                           </a:highlight>
@@ -24021,7 +23328,7 @@
                         <a:t>`</a:t>
                       </a:r>
                       <a:r>
-                        <a:rPr lang="fr-CA" sz="1200" dirty="0" err="1">
+                        <a:rPr lang="fr-CA" sz="2400" dirty="0" err="1">
                           <a:highlight>
                             <a:srgbClr val="FFFF00"/>
                           </a:highlight>
@@ -24030,7 +23337,7 @@
                         <a:t>auteur.trice</a:t>
                       </a:r>
                       <a:r>
-                        <a:rPr lang="fr-CA" sz="1200" dirty="0">
+                        <a:rPr lang="fr-CA" sz="2400" dirty="0">
                           <a:highlight>
                             <a:srgbClr val="FFFF00"/>
                           </a:highlight>
@@ -24045,69 +23352,6 @@
                 <a:extLst>
                   <a:ext uri="{0D108BD9-81ED-4DB2-BD59-A6C34878D82A}">
                     <a16:rowId xmlns:a16="http://schemas.microsoft.com/office/drawing/2014/main" val="3399532434"/>
-                  </a:ext>
-                </a:extLst>
-              </a:tr>
-              <a:tr h="361217">
-                <a:tc>
-                  <a:txBody>
-                    <a:bodyPr/>
-                    <a:lstStyle/>
-                    <a:p>
-                      <a:pPr algn="ctr"/>
-                      <a:r>
-                        <a:rPr lang="fr-CA" sz="1200" dirty="0">
-                          <a:latin typeface="Courier" pitchFamily="2" charset="0"/>
-                        </a:rPr>
-                        <a:t>c(1, 3)</a:t>
-                      </a:r>
-                    </a:p>
-                  </a:txBody>
-                  <a:tcPr/>
-                </a:tc>
-                <a:tc>
-                  <a:txBody>
-                    <a:bodyPr/>
-                    <a:lstStyle/>
-                    <a:p>
-                      <a:pPr algn="ctr"/>
-                      <a:r>
-                        <a:rPr lang="fr-CA" sz="1200" dirty="0">
-                          <a:latin typeface="Courier" pitchFamily="2" charset="0"/>
-                        </a:rPr>
-                        <a:t>c(`</a:t>
-                      </a:r>
-                      <a:r>
-                        <a:rPr lang="fr-CA" sz="1200" dirty="0" err="1">
-                          <a:latin typeface="Courier" pitchFamily="2" charset="0"/>
-                        </a:rPr>
-                        <a:t>oeuvre</a:t>
-                      </a:r>
-                      <a:r>
-                        <a:rPr lang="fr-CA" sz="1200" dirty="0">
-                          <a:latin typeface="Courier" pitchFamily="2" charset="0"/>
-                        </a:rPr>
-                        <a:t>`, `</a:t>
-                      </a:r>
-                      <a:r>
-                        <a:rPr lang="fr-CA" sz="1200" dirty="0" err="1">
-                          <a:latin typeface="Courier" pitchFamily="2" charset="0"/>
-                        </a:rPr>
-                        <a:t>est.femme</a:t>
-                      </a:r>
-                      <a:r>
-                        <a:rPr lang="fr-CA" sz="1200" dirty="0">
-                          <a:latin typeface="Courier" pitchFamily="2" charset="0"/>
-                        </a:rPr>
-                        <a:t>`)</a:t>
-                      </a:r>
-                    </a:p>
-                  </a:txBody>
-                  <a:tcPr/>
-                </a:tc>
-                <a:extLst>
-                  <a:ext uri="{0D108BD9-81ED-4DB2-BD59-A6C34878D82A}">
-                    <a16:rowId xmlns:a16="http://schemas.microsoft.com/office/drawing/2014/main" val="3336460639"/>
                   </a:ext>
                 </a:extLst>
               </a:tr>
@@ -24968,14 +24212,14 @@
           <p:nvPr>
             <p:extLst>
               <p:ext uri="{D42A27DB-BD31-4B8C-83A1-F6EECF244321}">
-                <p14:modId xmlns:p14="http://schemas.microsoft.com/office/powerpoint/2010/main" val="1497500529"/>
+                <p14:modId xmlns:p14="http://schemas.microsoft.com/office/powerpoint/2010/main" val="3238695132"/>
               </p:ext>
             </p:extLst>
           </p:nvPr>
         </p:nvGraphicFramePr>
         <p:xfrm>
-          <a:off x="4980237" y="1579999"/>
-          <a:ext cx="5114380" cy="1644337"/>
+          <a:off x="4738209" y="2131883"/>
+          <a:ext cx="5767000" cy="361217"/>
         </p:xfrm>
         <a:graphic>
           <a:graphicData uri="http://schemas.openxmlformats.org/drawingml/2006/table">
@@ -24984,14 +24228,14 @@
                 <a:tableStyleId>{2D5ABB26-0587-4C30-8999-92F81FD0307C}</a:tableStyleId>
               </a:tblPr>
               <a:tblGrid>
-                <a:gridCol w="2557190">
+                <a:gridCol w="2883500">
                   <a:extLst>
                     <a:ext uri="{9D8B030D-6E8A-4147-A177-3AD203B41FA5}">
                       <a16:colId xmlns:a16="http://schemas.microsoft.com/office/drawing/2014/main" val="879718433"/>
                     </a:ext>
                   </a:extLst>
                 </a:gridCol>
-                <a:gridCol w="2557190">
+                <a:gridCol w="2883500">
                   <a:extLst>
                     <a:ext uri="{9D8B030D-6E8A-4147-A177-3AD203B41FA5}">
                       <a16:colId xmlns:a16="http://schemas.microsoft.com/office/drawing/2014/main" val="2059953055"/>
@@ -24999,174 +24243,6 @@
                   </a:extLst>
                 </a:gridCol>
               </a:tblGrid>
-              <a:tr h="320780">
-                <a:tc>
-                  <a:txBody>
-                    <a:bodyPr/>
-                    <a:lstStyle/>
-                    <a:p>
-                      <a:pPr algn="ctr"/>
-                      <a:r>
-                        <a:rPr lang="fr-CA" sz="1200" dirty="0">
-                          <a:latin typeface="Courier" pitchFamily="2" charset="0"/>
-                        </a:rPr>
-                        <a:t>1</a:t>
-                      </a:r>
-                    </a:p>
-                  </a:txBody>
-                  <a:tcPr/>
-                </a:tc>
-                <a:tc>
-                  <a:txBody>
-                    <a:bodyPr/>
-                    <a:lstStyle/>
-                    <a:p>
-                      <a:pPr algn="ctr"/>
-                      <a:r>
-                        <a:rPr lang="fr-CA" sz="1200" dirty="0">
-                          <a:latin typeface="Courier" pitchFamily="2" charset="0"/>
-                        </a:rPr>
-                        <a:t>1</a:t>
-                      </a:r>
-                    </a:p>
-                  </a:txBody>
-                  <a:tcPr/>
-                </a:tc>
-                <a:extLst>
-                  <a:ext uri="{0D108BD9-81ED-4DB2-BD59-A6C34878D82A}">
-                    <a16:rowId xmlns:a16="http://schemas.microsoft.com/office/drawing/2014/main" val="1084043891"/>
-                  </a:ext>
-                </a:extLst>
-              </a:tr>
-              <a:tr h="320780">
-                <a:tc>
-                  <a:txBody>
-                    <a:bodyPr/>
-                    <a:lstStyle/>
-                    <a:p>
-                      <a:pPr algn="ctr"/>
-                      <a:r>
-                        <a:rPr lang="fr-CA" sz="1200" dirty="0">
-                          <a:latin typeface="Courier" pitchFamily="2" charset="0"/>
-                        </a:rPr>
-                        <a:t>1:3</a:t>
-                      </a:r>
-                    </a:p>
-                  </a:txBody>
-                  <a:tcPr/>
-                </a:tc>
-                <a:tc>
-                  <a:txBody>
-                    <a:bodyPr/>
-                    <a:lstStyle/>
-                    <a:p>
-                      <a:pPr algn="ctr"/>
-                      <a:r>
-                        <a:rPr lang="fr-CA" sz="1200" dirty="0">
-                          <a:latin typeface="Courier" pitchFamily="2" charset="0"/>
-                        </a:rPr>
-                        <a:t>1:2</a:t>
-                      </a:r>
-                    </a:p>
-                  </a:txBody>
-                  <a:tcPr/>
-                </a:tc>
-                <a:extLst>
-                  <a:ext uri="{0D108BD9-81ED-4DB2-BD59-A6C34878D82A}">
-                    <a16:rowId xmlns:a16="http://schemas.microsoft.com/office/drawing/2014/main" val="2017206795"/>
-                  </a:ext>
-                </a:extLst>
-              </a:tr>
-              <a:tr h="320780">
-                <a:tc>
-                  <a:txBody>
-                    <a:bodyPr/>
-                    <a:lstStyle/>
-                    <a:p>
-                      <a:pPr algn="ctr"/>
-                      <a:r>
-                        <a:rPr lang="fr-CA" sz="1200" dirty="0">
-                          <a:latin typeface="Courier" pitchFamily="2" charset="0"/>
-                        </a:rPr>
-                        <a:t>c(1, 4)</a:t>
-                      </a:r>
-                    </a:p>
-                  </a:txBody>
-                  <a:tcPr/>
-                </a:tc>
-                <a:tc>
-                  <a:txBody>
-                    <a:bodyPr/>
-                    <a:lstStyle/>
-                    <a:p>
-                      <a:pPr algn="ctr"/>
-                      <a:r>
-                        <a:rPr lang="fr-CA" sz="1200" dirty="0">
-                          <a:latin typeface="Courier" pitchFamily="2" charset="0"/>
-                        </a:rPr>
-                        <a:t>c(1, 2)</a:t>
-                      </a:r>
-                    </a:p>
-                  </a:txBody>
-                  <a:tcPr/>
-                </a:tc>
-                <a:extLst>
-                  <a:ext uri="{0D108BD9-81ED-4DB2-BD59-A6C34878D82A}">
-                    <a16:rowId xmlns:a16="http://schemas.microsoft.com/office/drawing/2014/main" val="1078201899"/>
-                  </a:ext>
-                </a:extLst>
-              </a:tr>
-              <a:tr h="320780">
-                <a:tc>
-                  <a:txBody>
-                    <a:bodyPr/>
-                    <a:lstStyle/>
-                    <a:p>
-                      <a:pPr algn="ctr"/>
-                      <a:r>
-                        <a:rPr lang="fr-CA" sz="1200" dirty="0">
-                          <a:latin typeface="Courier" pitchFamily="2" charset="0"/>
-                        </a:rPr>
-                        <a:t>2</a:t>
-                      </a:r>
-                    </a:p>
-                  </a:txBody>
-                  <a:tcPr/>
-                </a:tc>
-                <a:tc>
-                  <a:txBody>
-                    <a:bodyPr/>
-                    <a:lstStyle/>
-                    <a:p>
-                      <a:pPr algn="ctr"/>
-                      <a:r>
-                        <a:rPr lang="fr-CA" sz="1200" dirty="0">
-                          <a:latin typeface="Courier" pitchFamily="2" charset="0"/>
-                        </a:rPr>
-                        <a:t>`</a:t>
-                      </a:r>
-                      <a:r>
-                        <a:rPr lang="fr-CA" sz="1200" dirty="0" err="1">
-                          <a:latin typeface="Courier" pitchFamily="2" charset="0"/>
-                        </a:rPr>
-                        <a:t>auteur.trice</a:t>
-                      </a:r>
-                      <a:r>
-                        <a:rPr lang="fr-CA" sz="1200" dirty="0">
-                          <a:latin typeface="Courier" pitchFamily="2" charset="0"/>
-                        </a:rPr>
-                        <a:t>` </a:t>
-                      </a:r>
-                    </a:p>
-                  </a:txBody>
-                  <a:tcPr/>
-                </a:tc>
-                <a:extLst>
-                  <a:ext uri="{0D108BD9-81ED-4DB2-BD59-A6C34878D82A}">
-                    <a16:rowId xmlns:a16="http://schemas.microsoft.com/office/drawing/2014/main" val="3399532434"/>
-                  </a:ext>
-                </a:extLst>
-              </a:tr>
               <a:tr h="361217">
                 <a:tc>
                   <a:txBody>
@@ -25175,7 +24251,7 @@
                     <a:p>
                       <a:pPr algn="ctr"/>
                       <a:r>
-                        <a:rPr lang="fr-CA" sz="1200" dirty="0">
+                        <a:rPr lang="fr-CA" sz="1400" dirty="0">
                           <a:highlight>
                             <a:srgbClr val="FFFF00"/>
                           </a:highlight>
@@ -25194,7 +24270,7 @@
                     <a:p>
                       <a:pPr algn="ctr"/>
                       <a:r>
-                        <a:rPr lang="fr-CA" sz="1200" dirty="0">
+                        <a:rPr lang="fr-CA" sz="1400" dirty="0">
                           <a:highlight>
                             <a:srgbClr val="FFFF00"/>
                           </a:highlight>
@@ -25203,7 +24279,7 @@
                         <a:t>c(`</a:t>
                       </a:r>
                       <a:r>
-                        <a:rPr lang="fr-CA" sz="1200" dirty="0" err="1">
+                        <a:rPr lang="fr-CA" sz="1400" dirty="0" err="1">
                           <a:highlight>
                             <a:srgbClr val="FFFF00"/>
                           </a:highlight>
@@ -25212,7 +24288,7 @@
                         <a:t>oeuvre</a:t>
                       </a:r>
                       <a:r>
-                        <a:rPr lang="fr-CA" sz="1200" dirty="0">
+                        <a:rPr lang="fr-CA" sz="1400" dirty="0">
                           <a:highlight>
                             <a:srgbClr val="FFFF00"/>
                           </a:highlight>
@@ -25221,7 +24297,7 @@
                         <a:t>`, `</a:t>
                       </a:r>
                       <a:r>
-                        <a:rPr lang="fr-CA" sz="1200" dirty="0" err="1">
+                        <a:rPr lang="fr-CA" sz="1400" dirty="0" err="1">
                           <a:highlight>
                             <a:srgbClr val="FFFF00"/>
                           </a:highlight>
@@ -25230,7 +24306,7 @@
                         <a:t>est.femme</a:t>
                       </a:r>
                       <a:r>
-                        <a:rPr lang="fr-CA" sz="1200" dirty="0">
+                        <a:rPr lang="fr-CA" sz="1400" dirty="0">
                           <a:highlight>
                             <a:srgbClr val="FFFF00"/>
                           </a:highlight>
@@ -25595,14 +24671,14 @@
                 <a:latin typeface="American Typewriter" panose="02090604020004020304" pitchFamily="18" charset="77"/>
                 <a:cs typeface="Arial" panose="020B0604020202020204" pitchFamily="34" charset="0"/>
               </a:rPr>
-              <a:t>       </a:t>
+              <a:t>       	</a:t>
             </a:r>
             <a:r>
               <a:rPr lang="fr-CA" dirty="0" err="1">
                 <a:latin typeface="American Typewriter" panose="02090604020004020304" pitchFamily="18" charset="77"/>
                 <a:cs typeface="Arial" panose="020B0604020202020204" pitchFamily="34" charset="0"/>
               </a:rPr>
-              <a:t>corpus_xyz</a:t>
+              <a:t>xyz</a:t>
             </a:r>
             <a:r>
               <a:rPr lang="fr-CA" dirty="0">
@@ -26037,7 +25113,7 @@
                 <a:latin typeface="American Typewriter" panose="02090604020004020304" pitchFamily="18" charset="77"/>
                 <a:cs typeface="Arial" panose="020B0604020202020204" pitchFamily="34" charset="0"/>
               </a:rPr>
-              <a:t>URI</a:t>
+              <a:t>auteur.trice</a:t>
             </a:r>
             <a:r>
               <a:rPr lang="fr-CA" dirty="0">
@@ -26135,7 +25211,7 @@
         </p:nvSpPr>
         <p:spPr>
           <a:xfrm>
-            <a:off x="4162749" y="4340550"/>
+            <a:off x="5294313" y="4334338"/>
             <a:ext cx="333633" cy="358346"/>
           </a:xfrm>
           <a:prstGeom prst="upArrow">
@@ -26184,7 +25260,7 @@
         </p:nvSpPr>
         <p:spPr>
           <a:xfrm rot="5400000">
-            <a:off x="5929183" y="3588409"/>
+            <a:off x="6125674" y="3585451"/>
             <a:ext cx="333633" cy="358346"/>
           </a:xfrm>
           <a:prstGeom prst="upArrow">
@@ -26274,7 +25350,7 @@
         </p:nvSpPr>
         <p:spPr>
           <a:xfrm>
-            <a:off x="3701245" y="4861476"/>
+            <a:off x="4665993" y="4855655"/>
             <a:ext cx="1590274" cy="307777"/>
           </a:xfrm>
           <a:prstGeom prst="rect">
@@ -30124,8 +29200,10 @@
             </a:r>
           </a:p>
           <a:p>
-            <a:pPr lvl="1"/>
-            <a:endParaRPr lang="fr-CA" dirty="0"/>
+            <a:r>
+              <a:rPr lang="fr-CA" dirty="0"/>
+              <a:t>Temps requis</a:t>
+            </a:r>
           </a:p>
           <a:p>
             <a:endParaRPr lang="fr-CA" dirty="0"/>
@@ -30227,7 +29305,7 @@
           <a:p>
             <a:r>
               <a:rPr lang="fr-CA" dirty="0"/>
-              <a:t>Coût nul</a:t>
+              <a:t>Coût réduit</a:t>
             </a:r>
           </a:p>
           <a:p>

--- a/Introduction_EDA_R.pptx
+++ b/Introduction_EDA_R.pptx
@@ -5,7 +5,7 @@
     <p:sldMasterId id="2147483710" r:id="rId1"/>
   </p:sldMasterIdLst>
   <p:notesMasterIdLst>
-    <p:notesMasterId r:id="rId29"/>
+    <p:notesMasterId r:id="rId30"/>
   </p:notesMasterIdLst>
   <p:sldIdLst>
     <p:sldId id="256" r:id="rId2"/>
@@ -14,27 +14,28 @@
     <p:sldId id="261" r:id="rId5"/>
     <p:sldId id="260" r:id="rId6"/>
     <p:sldId id="259" r:id="rId7"/>
-    <p:sldId id="317" r:id="rId8"/>
-    <p:sldId id="287" r:id="rId9"/>
-    <p:sldId id="288" r:id="rId10"/>
-    <p:sldId id="289" r:id="rId11"/>
-    <p:sldId id="316" r:id="rId12"/>
-    <p:sldId id="328" r:id="rId13"/>
-    <p:sldId id="323" r:id="rId14"/>
-    <p:sldId id="322" r:id="rId15"/>
-    <p:sldId id="321" r:id="rId16"/>
-    <p:sldId id="313" r:id="rId17"/>
-    <p:sldId id="324" r:id="rId18"/>
-    <p:sldId id="325" r:id="rId19"/>
-    <p:sldId id="326" r:id="rId20"/>
-    <p:sldId id="327" r:id="rId21"/>
-    <p:sldId id="315" r:id="rId22"/>
-    <p:sldId id="320" r:id="rId23"/>
-    <p:sldId id="314" r:id="rId24"/>
-    <p:sldId id="318" r:id="rId25"/>
-    <p:sldId id="319" r:id="rId26"/>
-    <p:sldId id="329" r:id="rId27"/>
-    <p:sldId id="309" r:id="rId28"/>
+    <p:sldId id="331" r:id="rId8"/>
+    <p:sldId id="317" r:id="rId9"/>
+    <p:sldId id="287" r:id="rId10"/>
+    <p:sldId id="288" r:id="rId11"/>
+    <p:sldId id="289" r:id="rId12"/>
+    <p:sldId id="316" r:id="rId13"/>
+    <p:sldId id="328" r:id="rId14"/>
+    <p:sldId id="323" r:id="rId15"/>
+    <p:sldId id="322" r:id="rId16"/>
+    <p:sldId id="321" r:id="rId17"/>
+    <p:sldId id="313" r:id="rId18"/>
+    <p:sldId id="324" r:id="rId19"/>
+    <p:sldId id="325" r:id="rId20"/>
+    <p:sldId id="326" r:id="rId21"/>
+    <p:sldId id="327" r:id="rId22"/>
+    <p:sldId id="315" r:id="rId23"/>
+    <p:sldId id="320" r:id="rId24"/>
+    <p:sldId id="314" r:id="rId25"/>
+    <p:sldId id="318" r:id="rId26"/>
+    <p:sldId id="319" r:id="rId27"/>
+    <p:sldId id="329" r:id="rId28"/>
+    <p:sldId id="309" r:id="rId29"/>
   </p:sldIdLst>
   <p:sldSz cx="12192000" cy="6858000"/>
   <p:notesSz cx="6858000" cy="9144000"/>
@@ -144,6 +145,7 @@
             <p14:sldId id="261"/>
             <p14:sldId id="260"/>
             <p14:sldId id="259"/>
+            <p14:sldId id="331"/>
             <p14:sldId id="317"/>
             <p14:sldId id="287"/>
             <p14:sldId id="288"/>
@@ -3859,7 +3861,14 @@
             <a:rPr lang="fr-CA" dirty="0" err="1"/>
             <a:t>Rstudio</a:t>
           </a:r>
-          <a:endParaRPr lang="en-US" dirty="0"/>
+          <a:endParaRPr lang="fr-CA" dirty="0"/>
+        </a:p>
+        <a:p>
+          <a:r>
+            <a:rPr lang="fr-CA" b="1" dirty="0"/>
+            <a:t>Présentation .pptx</a:t>
+          </a:r>
+          <a:endParaRPr lang="en-US" b="1" dirty="0"/>
         </a:p>
       </dgm:t>
     </dgm:pt>
@@ -3894,15 +3903,7 @@
         <a:p>
           <a:r>
             <a:rPr lang="fr-CA" dirty="0"/>
-            <a:t>Ouverture de </a:t>
-          </a:r>
-          <a:r>
-            <a:rPr lang="fr-CA" dirty="0" err="1"/>
-            <a:t>RStudio</a:t>
-          </a:r>
-          <a:r>
-            <a:rPr lang="fr-CA" dirty="0"/>
-            <a:t> et exploration de l’environnement</a:t>
+            <a:t>Ouverture de POSIT-Cloud et exploration de l’environnement</a:t>
           </a:r>
           <a:endParaRPr lang="en-US" dirty="0"/>
         </a:p>
@@ -3938,10 +3939,14 @@
         <a:lstStyle/>
         <a:p>
           <a:r>
-            <a:rPr lang="fr-CA"/>
-            <a:t>Importation d’un « projet » à partir de Github</a:t>
+            <a:rPr lang="fr-CA" dirty="0"/>
+            <a:t>Importation d’un « projet » à partir de </a:t>
           </a:r>
-          <a:endParaRPr lang="en-US"/>
+          <a:r>
+            <a:rPr lang="fr-CA" dirty="0" err="1"/>
+            <a:t>Github</a:t>
+          </a:r>
+          <a:endParaRPr lang="en-US" dirty="0"/>
         </a:p>
       </dgm:t>
     </dgm:pt>
@@ -5328,7 +5333,26 @@
             <a:rPr lang="fr-CA" sz="1200" kern="1200" dirty="0" err="1"/>
             <a:t>Rstudio</a:t>
           </a:r>
-          <a:endParaRPr lang="en-US" sz="1200" kern="1200" dirty="0"/>
+          <a:endParaRPr lang="fr-CA" sz="1200" kern="1200" dirty="0"/>
+        </a:p>
+        <a:p>
+          <a:pPr marL="0" lvl="0" indent="0" algn="ctr" defTabSz="533400">
+            <a:lnSpc>
+              <a:spcPct val="90000"/>
+            </a:lnSpc>
+            <a:spcBef>
+              <a:spcPct val="0"/>
+            </a:spcBef>
+            <a:spcAft>
+              <a:spcPct val="35000"/>
+            </a:spcAft>
+            <a:buNone/>
+          </a:pPr>
+          <a:r>
+            <a:rPr lang="fr-CA" sz="1200" b="1" kern="1200" dirty="0"/>
+            <a:t>Présentation .pptx</a:t>
+          </a:r>
+          <a:endParaRPr lang="en-US" sz="1200" b="1" kern="1200" dirty="0"/>
         </a:p>
       </dsp:txBody>
       <dsp:txXfrm>
@@ -5476,15 +5500,7 @@
           </a:pPr>
           <a:r>
             <a:rPr lang="fr-CA" sz="1200" kern="1200" dirty="0"/>
-            <a:t>Ouverture de </a:t>
-          </a:r>
-          <a:r>
-            <a:rPr lang="fr-CA" sz="1200" kern="1200" dirty="0" err="1"/>
-            <a:t>RStudio</a:t>
-          </a:r>
-          <a:r>
-            <a:rPr lang="fr-CA" sz="1200" kern="1200" dirty="0"/>
-            <a:t> et exploration de l’environnement</a:t>
+            <a:t>Ouverture de POSIT-Cloud et exploration de l’environnement</a:t>
           </a:r>
           <a:endParaRPr lang="en-US" sz="1200" kern="1200" dirty="0"/>
         </a:p>
@@ -5633,10 +5649,14 @@
             <a:buNone/>
           </a:pPr>
           <a:r>
-            <a:rPr lang="fr-CA" sz="1200" kern="1200"/>
-            <a:t>Importation d’un « projet » à partir de Github</a:t>
+            <a:rPr lang="fr-CA" sz="1200" kern="1200" dirty="0"/>
+            <a:t>Importation d’un « projet » à partir de </a:t>
           </a:r>
-          <a:endParaRPr lang="en-US" sz="1200" kern="1200"/>
+          <a:r>
+            <a:rPr lang="fr-CA" sz="1200" kern="1200" dirty="0" err="1"/>
+            <a:t>Github</a:t>
+          </a:r>
+          <a:endParaRPr lang="en-US" sz="1200" kern="1200" dirty="0"/>
         </a:p>
       </dsp:txBody>
       <dsp:txXfrm>
@@ -11998,7 +12018,7 @@
           <a:p>
             <a:fld id="{95F3A9C0-D7C5-1F4F-9ADD-323C3EAE9429}" type="datetimeFigureOut">
               <a:rPr lang="fr-CA" smtClean="0"/>
-              <a:t>2023-02-22</a:t>
+              <a:t>2023-02-23</a:t>
             </a:fld>
             <a:endParaRPr lang="fr-CA"/>
           </a:p>
@@ -12353,7 +12373,7 @@
           <a:p>
             <a:fld id="{5AF06E3D-D3AF-974B-B662-9B3DFC1298AA}" type="slidenum">
               <a:rPr lang="fr-CA" smtClean="0"/>
-              <a:t>24</a:t>
+              <a:t>25</a:t>
             </a:fld>
             <a:endParaRPr lang="fr-CA"/>
           </a:p>
@@ -12528,7 +12548,7 @@
           <a:p>
             <a:fld id="{02AC24A9-CCB6-4F8D-B8DB-C2F3692CFA5A}" type="datetimeFigureOut">
               <a:rPr lang="en-US" smtClean="0"/>
-              <a:t>2/22/23</a:t>
+              <a:t>2/23/23</a:t>
             </a:fld>
             <a:endParaRPr lang="en-US" dirty="0"/>
           </a:p>
@@ -12898,7 +12918,7 @@
           <a:p>
             <a:fld id="{02AC24A9-CCB6-4F8D-B8DB-C2F3692CFA5A}" type="datetimeFigureOut">
               <a:rPr lang="en-US" smtClean="0"/>
-              <a:t>2/22/23</a:t>
+              <a:t>2/23/23</a:t>
             </a:fld>
             <a:endParaRPr lang="en-US"/>
           </a:p>
@@ -13107,7 +13127,7 @@
           <a:p>
             <a:fld id="{02AC24A9-CCB6-4F8D-B8DB-C2F3692CFA5A}" type="datetimeFigureOut">
               <a:rPr lang="en-US" smtClean="0"/>
-              <a:t>2/22/23</a:t>
+              <a:t>2/23/23</a:t>
             </a:fld>
             <a:endParaRPr lang="en-US"/>
           </a:p>
@@ -13577,7 +13597,7 @@
           <a:p>
             <a:fld id="{02AC24A9-CCB6-4F8D-B8DB-C2F3692CFA5A}" type="datetimeFigureOut">
               <a:rPr lang="en-US" smtClean="0"/>
-              <a:t>2/22/23</a:t>
+              <a:t>2/23/23</a:t>
             </a:fld>
             <a:endParaRPr lang="en-US"/>
           </a:p>
@@ -14031,7 +14051,7 @@
           <a:p>
             <a:fld id="{02AC24A9-CCB6-4F8D-B8DB-C2F3692CFA5A}" type="datetimeFigureOut">
               <a:rPr lang="en-US" smtClean="0"/>
-              <a:t>2/22/23</a:t>
+              <a:t>2/23/23</a:t>
             </a:fld>
             <a:endParaRPr lang="en-US"/>
           </a:p>
@@ -14563,7 +14583,7 @@
           <a:p>
             <a:fld id="{02AC24A9-CCB6-4F8D-B8DB-C2F3692CFA5A}" type="datetimeFigureOut">
               <a:rPr lang="en-US" smtClean="0"/>
-              <a:t>2/22/23</a:t>
+              <a:t>2/23/23</a:t>
             </a:fld>
             <a:endParaRPr lang="en-US"/>
           </a:p>
@@ -15262,7 +15282,7 @@
           <a:p>
             <a:fld id="{02AC24A9-CCB6-4F8D-B8DB-C2F3692CFA5A}" type="datetimeFigureOut">
               <a:rPr lang="en-US" smtClean="0"/>
-              <a:t>2/22/23</a:t>
+              <a:t>2/23/23</a:t>
             </a:fld>
             <a:endParaRPr lang="en-US"/>
           </a:p>
@@ -15591,7 +15611,7 @@
           <a:p>
             <a:fld id="{02AC24A9-CCB6-4F8D-B8DB-C2F3692CFA5A}" type="datetimeFigureOut">
               <a:rPr lang="en-US" smtClean="0"/>
-              <a:t>2/22/23</a:t>
+              <a:t>2/23/23</a:t>
             </a:fld>
             <a:endParaRPr lang="en-US"/>
           </a:p>
@@ -15704,7 +15724,7 @@
           <a:p>
             <a:fld id="{02AC24A9-CCB6-4F8D-B8DB-C2F3692CFA5A}" type="datetimeFigureOut">
               <a:rPr lang="en-US" smtClean="0"/>
-              <a:t>2/22/23</a:t>
+              <a:t>2/23/23</a:t>
             </a:fld>
             <a:endParaRPr lang="en-US"/>
           </a:p>
@@ -16199,7 +16219,7 @@
           <a:p>
             <a:fld id="{02AC24A9-CCB6-4F8D-B8DB-C2F3692CFA5A}" type="datetimeFigureOut">
               <a:rPr lang="en-US" smtClean="0"/>
-              <a:t>2/22/23</a:t>
+              <a:t>2/23/23</a:t>
             </a:fld>
             <a:endParaRPr lang="en-US" dirty="0"/>
           </a:p>
@@ -16676,7 +16696,7 @@
           <a:p>
             <a:fld id="{02AC24A9-CCB6-4F8D-B8DB-C2F3692CFA5A}" type="datetimeFigureOut">
               <a:rPr lang="en-US" smtClean="0"/>
-              <a:t>2/22/23</a:t>
+              <a:t>2/23/23</a:t>
             </a:fld>
             <a:endParaRPr lang="en-US"/>
           </a:p>
@@ -16919,7 +16939,7 @@
           <a:p>
             <a:fld id="{02AC24A9-CCB6-4F8D-B8DB-C2F3692CFA5A}" type="datetimeFigureOut">
               <a:rPr lang="en-US" smtClean="0"/>
-              <a:t>2/22/23</a:t>
+              <a:t>2/23/23</a:t>
             </a:fld>
             <a:endParaRPr lang="en-US"/>
           </a:p>
@@ -17812,6 +17832,285 @@
 <file path=ppt/slides/slide10.xml><?xml version="1.0" encoding="utf-8"?>
 <p:sld xmlns:a="http://schemas.openxmlformats.org/drawingml/2006/main" xmlns:r="http://schemas.openxmlformats.org/officeDocument/2006/relationships" xmlns:p="http://schemas.openxmlformats.org/presentationml/2006/main">
   <p:cSld>
+    <p:spTree>
+      <p:nvGrpSpPr>
+        <p:cNvPr id="1" name=""/>
+        <p:cNvGrpSpPr/>
+        <p:nvPr/>
+      </p:nvGrpSpPr>
+      <p:grpSpPr>
+        <a:xfrm>
+          <a:off x="0" y="0"/>
+          <a:ext cx="0" cy="0"/>
+          <a:chOff x="0" y="0"/>
+          <a:chExt cx="0" cy="0"/>
+        </a:xfrm>
+      </p:grpSpPr>
+      <p:sp>
+        <p:nvSpPr>
+          <p:cNvPr id="2" name="Titre 1">
+            <a:extLst>
+              <a:ext uri="{FF2B5EF4-FFF2-40B4-BE49-F238E27FC236}">
+                <a16:creationId xmlns:a16="http://schemas.microsoft.com/office/drawing/2014/main" id="{4894CC04-BD6D-BFF7-6DCC-C47280A99CCA}"/>
+              </a:ext>
+            </a:extLst>
+          </p:cNvPr>
+          <p:cNvSpPr>
+            <a:spLocks noGrp="1"/>
+          </p:cNvSpPr>
+          <p:nvPr>
+            <p:ph type="title"/>
+          </p:nvPr>
+        </p:nvSpPr>
+        <p:spPr/>
+        <p:txBody>
+          <a:bodyPr>
+            <a:normAutofit fontScale="90000"/>
+          </a:bodyPr>
+          <a:lstStyle/>
+          <a:p>
+            <a:r>
+              <a:rPr lang="fr-CA" dirty="0"/>
+              <a:t>Désavantages et avantages de la programmation</a:t>
+            </a:r>
+          </a:p>
+        </p:txBody>
+      </p:sp>
+      <p:sp>
+        <p:nvSpPr>
+          <p:cNvPr id="3" name="Espace réservé du texte 2">
+            <a:extLst>
+              <a:ext uri="{FF2B5EF4-FFF2-40B4-BE49-F238E27FC236}">
+                <a16:creationId xmlns:a16="http://schemas.microsoft.com/office/drawing/2014/main" id="{AB547F14-C897-878E-0BBF-34D8C5BDC71A}"/>
+              </a:ext>
+            </a:extLst>
+          </p:cNvPr>
+          <p:cNvSpPr>
+            <a:spLocks noGrp="1"/>
+          </p:cNvSpPr>
+          <p:nvPr>
+            <p:ph type="body" idx="1"/>
+          </p:nvPr>
+        </p:nvSpPr>
+        <p:spPr/>
+        <p:txBody>
+          <a:bodyPr>
+            <a:normAutofit/>
+          </a:bodyPr>
+          <a:lstStyle/>
+          <a:p>
+            <a:pPr algn="ctr"/>
+            <a:r>
+              <a:rPr lang="fr-CA" dirty="0"/>
+              <a:t>Désavantages</a:t>
+            </a:r>
+          </a:p>
+        </p:txBody>
+      </p:sp>
+      <p:sp>
+        <p:nvSpPr>
+          <p:cNvPr id="4" name="Espace réservé du contenu 3">
+            <a:extLst>
+              <a:ext uri="{FF2B5EF4-FFF2-40B4-BE49-F238E27FC236}">
+                <a16:creationId xmlns:a16="http://schemas.microsoft.com/office/drawing/2014/main" id="{7EA93664-D195-8F08-AA1E-77BD92524D8C}"/>
+              </a:ext>
+            </a:extLst>
+          </p:cNvPr>
+          <p:cNvSpPr>
+            <a:spLocks noGrp="1"/>
+          </p:cNvSpPr>
+          <p:nvPr>
+            <p:ph sz="half" idx="2"/>
+          </p:nvPr>
+        </p:nvSpPr>
+        <p:spPr/>
+        <p:txBody>
+          <a:bodyPr>
+            <a:normAutofit fontScale="70000" lnSpcReduction="20000"/>
+          </a:bodyPr>
+          <a:lstStyle/>
+          <a:p>
+            <a:r>
+              <a:rPr lang="fr-CA" dirty="0"/>
+              <a:t>Plusieurs options! Laquelle choisir? Python, R, Rust, Julia?</a:t>
+            </a:r>
+          </a:p>
+          <a:p>
+            <a:r>
+              <a:rPr lang="fr-CA" dirty="0"/>
+              <a:t>Exige un changement d’attitude vis-à-vis de l’outil ordinateur;</a:t>
+            </a:r>
+          </a:p>
+          <a:p>
+            <a:r>
+              <a:rPr lang="fr-CA" dirty="0"/>
+              <a:t>Courbe d’apprentissage abrupte</a:t>
+            </a:r>
+          </a:p>
+          <a:p>
+            <a:pPr lvl="1"/>
+            <a:r>
+              <a:rPr lang="fr-CA" dirty="0"/>
+              <a:t>Nouveaux environnements</a:t>
+            </a:r>
+          </a:p>
+          <a:p>
+            <a:pPr lvl="1"/>
+            <a:r>
+              <a:rPr lang="fr-CA" dirty="0"/>
+              <a:t>Nouveaux concepts</a:t>
+            </a:r>
+          </a:p>
+          <a:p>
+            <a:pPr lvl="1"/>
+            <a:r>
+              <a:rPr lang="fr-CA" dirty="0"/>
+              <a:t>Opérateurs</a:t>
+            </a:r>
+          </a:p>
+          <a:p>
+            <a:pPr lvl="1"/>
+            <a:r>
+              <a:rPr lang="fr-CA" dirty="0"/>
+              <a:t>Langage formel</a:t>
+            </a:r>
+          </a:p>
+          <a:p>
+            <a:r>
+              <a:rPr lang="fr-CA" dirty="0"/>
+              <a:t>Temps requis</a:t>
+            </a:r>
+          </a:p>
+          <a:p>
+            <a:endParaRPr lang="fr-CA" dirty="0"/>
+          </a:p>
+          <a:p>
+            <a:pPr lvl="1"/>
+            <a:endParaRPr lang="fr-CA" dirty="0"/>
+          </a:p>
+          <a:p>
+            <a:endParaRPr lang="fr-CA" dirty="0"/>
+          </a:p>
+          <a:p>
+            <a:endParaRPr lang="fr-CA" dirty="0"/>
+          </a:p>
+        </p:txBody>
+      </p:sp>
+      <p:sp>
+        <p:nvSpPr>
+          <p:cNvPr id="5" name="Espace réservé du texte 4">
+            <a:extLst>
+              <a:ext uri="{FF2B5EF4-FFF2-40B4-BE49-F238E27FC236}">
+                <a16:creationId xmlns:a16="http://schemas.microsoft.com/office/drawing/2014/main" id="{43C0657A-038E-0D06-164A-20BEE6A968D1}"/>
+              </a:ext>
+            </a:extLst>
+          </p:cNvPr>
+          <p:cNvSpPr>
+            <a:spLocks noGrp="1"/>
+          </p:cNvSpPr>
+          <p:nvPr>
+            <p:ph type="body" sz="quarter" idx="3"/>
+          </p:nvPr>
+        </p:nvSpPr>
+        <p:spPr/>
+        <p:txBody>
+          <a:bodyPr>
+            <a:normAutofit/>
+          </a:bodyPr>
+          <a:lstStyle/>
+          <a:p>
+            <a:pPr algn="ctr"/>
+            <a:r>
+              <a:rPr lang="fr-CA" dirty="0"/>
+              <a:t>Avantages</a:t>
+            </a:r>
+          </a:p>
+        </p:txBody>
+      </p:sp>
+      <p:sp>
+        <p:nvSpPr>
+          <p:cNvPr id="6" name="Espace réservé du contenu 5">
+            <a:extLst>
+              <a:ext uri="{FF2B5EF4-FFF2-40B4-BE49-F238E27FC236}">
+                <a16:creationId xmlns:a16="http://schemas.microsoft.com/office/drawing/2014/main" id="{1B519AB7-07E0-8721-1783-5CF4A9B88F8F}"/>
+              </a:ext>
+            </a:extLst>
+          </p:cNvPr>
+          <p:cNvSpPr>
+            <a:spLocks noGrp="1"/>
+          </p:cNvSpPr>
+          <p:nvPr>
+            <p:ph sz="quarter" idx="4"/>
+          </p:nvPr>
+        </p:nvSpPr>
+        <p:spPr>
+          <a:xfrm>
+            <a:off x="6345936" y="3203687"/>
+            <a:ext cx="4937760" cy="3208688"/>
+          </a:xfrm>
+        </p:spPr>
+        <p:txBody>
+          <a:bodyPr>
+            <a:normAutofit fontScale="70000" lnSpcReduction="20000"/>
+          </a:bodyPr>
+          <a:lstStyle/>
+          <a:p>
+            <a:r>
+              <a:rPr lang="fr-CA" dirty="0"/>
+              <a:t>L’écriture du code épouse la question de recherche </a:t>
+            </a:r>
+          </a:p>
+          <a:p>
+            <a:r>
+              <a:rPr lang="fr-CA" dirty="0"/>
+              <a:t>Connaissance intime des opérations faites sur les textes</a:t>
+            </a:r>
+          </a:p>
+          <a:p>
+            <a:r>
+              <a:rPr lang="fr-CA" dirty="0"/>
+              <a:t>Pour des langages comme R et Python, très large soutien de la communauté</a:t>
+            </a:r>
+          </a:p>
+          <a:p>
+            <a:r>
+              <a:rPr lang="fr-CA" dirty="0"/>
+              <a:t>Tire parti de la puissance des ordinateurs (attitude active)</a:t>
+            </a:r>
+          </a:p>
+          <a:p>
+            <a:r>
+              <a:rPr lang="fr-CA" dirty="0"/>
+              <a:t>Coût réduit</a:t>
+            </a:r>
+          </a:p>
+          <a:p>
+            <a:r>
+              <a:rPr lang="fr-CA" dirty="0"/>
+              <a:t>Créativité et plaisir…</a:t>
+            </a:r>
+          </a:p>
+          <a:p>
+            <a:endParaRPr lang="fr-CA" dirty="0"/>
+          </a:p>
+        </p:txBody>
+      </p:sp>
+    </p:spTree>
+    <p:extLst>
+      <p:ext uri="{BB962C8B-B14F-4D97-AF65-F5344CB8AC3E}">
+        <p14:creationId xmlns:p14="http://schemas.microsoft.com/office/powerpoint/2010/main" val="2374111141"/>
+      </p:ext>
+    </p:extLst>
+  </p:cSld>
+  <p:clrMapOvr>
+    <a:masterClrMapping/>
+  </p:clrMapOvr>
+</p:sld>
+</file>
+
+<file path=ppt/slides/slide11.xml><?xml version="1.0" encoding="utf-8"?>
+<p:sld xmlns:a="http://schemas.openxmlformats.org/drawingml/2006/main" xmlns:r="http://schemas.openxmlformats.org/officeDocument/2006/relationships" xmlns:p="http://schemas.openxmlformats.org/presentationml/2006/main">
+  <p:cSld>
     <p:bg>
       <p:bgPr>
         <a:solidFill>
@@ -18158,7 +18457,7 @@
 </p:sld>
 </file>
 
-<file path=ppt/slides/slide11.xml><?xml version="1.0" encoding="utf-8"?>
+<file path=ppt/slides/slide12.xml><?xml version="1.0" encoding="utf-8"?>
 <p:sld xmlns:a="http://schemas.openxmlformats.org/drawingml/2006/main" xmlns:r="http://schemas.openxmlformats.org/officeDocument/2006/relationships" xmlns:p="http://schemas.openxmlformats.org/presentationml/2006/main">
   <p:cSld>
     <p:spTree>
@@ -18216,7 +18515,7 @@
 </p:sld>
 </file>
 
-<file path=ppt/slides/slide12.xml><?xml version="1.0" encoding="utf-8"?>
+<file path=ppt/slides/slide13.xml><?xml version="1.0" encoding="utf-8"?>
 <p:sld xmlns:a="http://schemas.openxmlformats.org/drawingml/2006/main" xmlns:r="http://schemas.openxmlformats.org/officeDocument/2006/relationships" xmlns:p="http://schemas.openxmlformats.org/presentationml/2006/main">
   <p:cSld>
     <p:spTree>
@@ -18640,7 +18939,7 @@
 </p:sld>
 </file>
 
-<file path=ppt/slides/slide13.xml><?xml version="1.0" encoding="utf-8"?>
+<file path=ppt/slides/slide14.xml><?xml version="1.0" encoding="utf-8"?>
 <p:sld xmlns:a="http://schemas.openxmlformats.org/drawingml/2006/main" xmlns:r="http://schemas.openxmlformats.org/officeDocument/2006/relationships" xmlns:p="http://schemas.openxmlformats.org/presentationml/2006/main">
   <p:cSld>
     <p:spTree>
@@ -19465,7 +19764,7 @@
 </p:sld>
 </file>
 
-<file path=ppt/slides/slide14.xml><?xml version="1.0" encoding="utf-8"?>
+<file path=ppt/slides/slide15.xml><?xml version="1.0" encoding="utf-8"?>
 <p:sld xmlns:a="http://schemas.openxmlformats.org/drawingml/2006/main" xmlns:r="http://schemas.openxmlformats.org/officeDocument/2006/relationships" xmlns:p="http://schemas.openxmlformats.org/presentationml/2006/main">
   <p:cSld>
     <p:spTree>
@@ -19681,15 +19980,15 @@
             <a:pPr marL="285750"/>
             <a:r>
               <a:rPr lang="en-US" dirty="0"/>
-              <a:t>Indexation du 2e </a:t>
+              <a:t>Indexation d’un </a:t>
             </a:r>
             <a:r>
               <a:rPr lang="en-US" dirty="0" err="1"/>
-              <a:t>élément</a:t>
+              <a:t>vecteur</a:t>
             </a:r>
             <a:r>
               <a:rPr lang="en-US" dirty="0"/>
-              <a:t>:</a:t>
+              <a:t> :</a:t>
             </a:r>
           </a:p>
         </p:txBody>
@@ -19771,7 +20070,7 @@
         </p:nvSpPr>
         <p:spPr>
           <a:xfrm>
-            <a:off x="4432830" y="5542155"/>
+            <a:off x="4131494" y="5542155"/>
             <a:ext cx="2168693" cy="369332"/>
           </a:xfrm>
           <a:prstGeom prst="rect">
@@ -19911,7 +20210,7 @@
 </p:sld>
 </file>
 
-<file path=ppt/slides/slide15.xml><?xml version="1.0" encoding="utf-8"?>
+<file path=ppt/slides/slide16.xml><?xml version="1.0" encoding="utf-8"?>
 <p:sld xmlns:a="http://schemas.openxmlformats.org/drawingml/2006/main" xmlns:r="http://schemas.openxmlformats.org/officeDocument/2006/relationships" xmlns:p="http://schemas.openxmlformats.org/presentationml/2006/main">
   <p:cSld>
     <p:bg>
@@ -21109,7 +21408,7 @@
 </p:sld>
 </file>
 
-<file path=ppt/slides/slide16.xml><?xml version="1.0" encoding="utf-8"?>
+<file path=ppt/slides/slide17.xml><?xml version="1.0" encoding="utf-8"?>
 <p:sld xmlns:a="http://schemas.openxmlformats.org/drawingml/2006/main" xmlns:r="http://schemas.openxmlformats.org/officeDocument/2006/relationships" xmlns:p="http://schemas.openxmlformats.org/presentationml/2006/main">
   <p:cSld>
     <p:spTree>
@@ -21581,7 +21880,7 @@
 </p:sld>
 </file>
 
-<file path=ppt/slides/slide17.xml><?xml version="1.0" encoding="utf-8"?>
+<file path=ppt/slides/slide18.xml><?xml version="1.0" encoding="utf-8"?>
 <p:sld xmlns:a="http://schemas.openxmlformats.org/drawingml/2006/main" xmlns:r="http://schemas.openxmlformats.org/officeDocument/2006/relationships" xmlns:p="http://schemas.openxmlformats.org/presentationml/2006/main">
   <p:cSld>
     <p:spTree>
@@ -22308,7 +22607,7 @@
 </p:sld>
 </file>
 
-<file path=ppt/slides/slide18.xml><?xml version="1.0" encoding="utf-8"?>
+<file path=ppt/slides/slide19.xml><?xml version="1.0" encoding="utf-8"?>
 <p:sld xmlns:a="http://schemas.openxmlformats.org/drawingml/2006/main" xmlns:r="http://schemas.openxmlformats.org/officeDocument/2006/relationships" xmlns:p="http://schemas.openxmlformats.org/presentationml/2006/main">
   <p:cSld>
     <p:spTree>
@@ -22933,7 +23232,468 @@
 </p:sld>
 </file>
 
-<file path=ppt/slides/slide19.xml><?xml version="1.0" encoding="utf-8"?>
+<file path=ppt/slides/slide2.xml><?xml version="1.0" encoding="utf-8"?>
+<p:sld xmlns:a="http://schemas.openxmlformats.org/drawingml/2006/main" xmlns:r="http://schemas.openxmlformats.org/officeDocument/2006/relationships" xmlns:p="http://schemas.openxmlformats.org/presentationml/2006/main">
+  <p:cSld>
+    <p:bg>
+      <p:bgPr>
+        <a:solidFill>
+          <a:schemeClr val="bg1"/>
+        </a:solidFill>
+        <a:effectLst/>
+      </p:bgPr>
+    </p:bg>
+    <p:spTree>
+      <p:nvGrpSpPr>
+        <p:cNvPr id="1" name=""/>
+        <p:cNvGrpSpPr/>
+        <p:nvPr/>
+      </p:nvGrpSpPr>
+      <p:grpSpPr>
+        <a:xfrm>
+          <a:off x="0" y="0"/>
+          <a:ext cx="0" cy="0"/>
+          <a:chOff x="0" y="0"/>
+          <a:chExt cx="0" cy="0"/>
+        </a:xfrm>
+      </p:grpSpPr>
+      <p:sp useBgFill="1">
+        <p:nvSpPr>
+          <p:cNvPr id="23" name="Rectangle 22">
+            <a:extLst>
+              <a:ext uri="{FF2B5EF4-FFF2-40B4-BE49-F238E27FC236}">
+                <a16:creationId xmlns:a16="http://schemas.microsoft.com/office/drawing/2014/main" id="{DF44879F-6698-4394-89D4-7B3CDB92E9A0}"/>
+              </a:ext>
+              <a:ext uri="{C183D7F6-B498-43B3-948B-1728B52AA6E4}">
+                <adec:decorative xmlns:adec="http://schemas.microsoft.com/office/drawing/2017/decorative" val="1"/>
+              </a:ext>
+            </a:extLst>
+          </p:cNvPr>
+          <p:cNvSpPr>
+            <a:spLocks noGrp="1" noRot="1" noChangeAspect="1" noMove="1" noResize="1" noEditPoints="1" noAdjustHandles="1" noChangeArrowheads="1" noChangeShapeType="1" noTextEdit="1"/>
+          </p:cNvSpPr>
+          <p:nvPr>
+            <p:extLst>
+              <p:ext uri="{386F3935-93C4-4BCD-93E2-E3B085C9AB24}">
+                <p16:designElem xmlns:p16="http://schemas.microsoft.com/office/powerpoint/2015/main" val="1"/>
+              </p:ext>
+            </p:extLst>
+          </p:nvPr>
+        </p:nvSpPr>
+        <p:spPr>
+          <a:xfrm>
+            <a:off x="0" y="0"/>
+            <a:ext cx="12192000" cy="6858000"/>
+          </a:xfrm>
+          <a:prstGeom prst="rect">
+            <a:avLst/>
+          </a:prstGeom>
+          <a:ln w="12700" cap="flat" cmpd="sng" algn="ctr">
+            <a:noFill/>
+            <a:prstDash val="solid"/>
+            <a:miter lim="800000"/>
+          </a:ln>
+          <a:effectLst/>
+          <a:extLst>
+            <a:ext uri="{91240B29-F687-4F45-9708-019B960494DF}">
+              <a14:hiddenLine xmlns:a14="http://schemas.microsoft.com/office/drawing/2010/main" w="12700" cap="flat" cmpd="sng" algn="ctr">
+                <a:solidFill>
+                  <a:schemeClr val="accent1">
+                    <a:shade val="50000"/>
+                  </a:schemeClr>
+                </a:solidFill>
+                <a:prstDash val="solid"/>
+                <a:miter lim="800000"/>
+              </a14:hiddenLine>
+            </a:ext>
+          </a:extLst>
+        </p:spPr>
+        <p:style>
+          <a:lnRef idx="2">
+            <a:schemeClr val="accent1">
+              <a:shade val="50000"/>
+            </a:schemeClr>
+          </a:lnRef>
+          <a:fillRef idx="1">
+            <a:schemeClr val="accent1"/>
+          </a:fillRef>
+          <a:effectRef idx="0">
+            <a:schemeClr val="accent1"/>
+          </a:effectRef>
+          <a:fontRef idx="minor">
+            <a:schemeClr val="lt1"/>
+          </a:fontRef>
+        </p:style>
+        <p:txBody>
+          <a:bodyPr rtlCol="0" anchor="ctr"/>
+          <a:lstStyle/>
+          <a:p>
+            <a:pPr algn="ctr"/>
+            <a:endParaRPr lang="en-US"/>
+          </a:p>
+        </p:txBody>
+      </p:sp>
+      <p:sp>
+        <p:nvSpPr>
+          <p:cNvPr id="25" name="!!Rectangle">
+            <a:extLst>
+              <a:ext uri="{FF2B5EF4-FFF2-40B4-BE49-F238E27FC236}">
+                <a16:creationId xmlns:a16="http://schemas.microsoft.com/office/drawing/2014/main" id="{C65FD3B2-577C-49A0-B40E-4845C5D597CF}"/>
+              </a:ext>
+              <a:ext uri="{C183D7F6-B498-43B3-948B-1728B52AA6E4}">
+                <adec:decorative xmlns:adec="http://schemas.microsoft.com/office/drawing/2017/decorative" val="1"/>
+              </a:ext>
+            </a:extLst>
+          </p:cNvPr>
+          <p:cNvSpPr>
+            <a:spLocks noGrp="1" noRot="1" noChangeAspect="1" noMove="1" noResize="1" noEditPoints="1" noAdjustHandles="1" noChangeArrowheads="1" noChangeShapeType="1" noTextEdit="1"/>
+          </p:cNvSpPr>
+          <p:nvPr>
+            <p:extLst>
+              <p:ext uri="{386F3935-93C4-4BCD-93E2-E3B085C9AB24}">
+                <p16:designElem xmlns:p16="http://schemas.microsoft.com/office/powerpoint/2015/main" val="1"/>
+              </p:ext>
+            </p:extLst>
+          </p:nvPr>
+        </p:nvSpPr>
+        <p:spPr>
+          <a:xfrm>
+            <a:off x="0" y="0"/>
+            <a:ext cx="12192000" cy="6858000"/>
+          </a:xfrm>
+          <a:prstGeom prst="rect">
+            <a:avLst/>
+          </a:prstGeom>
+          <a:solidFill>
+            <a:srgbClr val="000000"/>
+          </a:solidFill>
+          <a:ln>
+            <a:noFill/>
+          </a:ln>
+        </p:spPr>
+        <p:style>
+          <a:lnRef idx="2">
+            <a:schemeClr val="accent1">
+              <a:shade val="50000"/>
+            </a:schemeClr>
+          </a:lnRef>
+          <a:fillRef idx="1">
+            <a:schemeClr val="accent1"/>
+          </a:fillRef>
+          <a:effectRef idx="0">
+            <a:schemeClr val="accent1"/>
+          </a:effectRef>
+          <a:fontRef idx="minor">
+            <a:schemeClr val="lt1"/>
+          </a:fontRef>
+        </p:style>
+        <p:txBody>
+          <a:bodyPr rtlCol="0" anchor="ctr"/>
+          <a:lstStyle/>
+          <a:p>
+            <a:pPr marL="0" marR="0" lvl="0" indent="0" algn="ctr" defTabSz="914400" rtl="0" eaLnBrk="1" fontAlgn="auto" latinLnBrk="0" hangingPunct="1">
+              <a:lnSpc>
+                <a:spcPct val="100000"/>
+              </a:lnSpc>
+              <a:spcBef>
+                <a:spcPts val="0"/>
+              </a:spcBef>
+              <a:spcAft>
+                <a:spcPts val="0"/>
+              </a:spcAft>
+              <a:buClrTx/>
+              <a:buSzTx/>
+              <a:buFontTx/>
+              <a:buNone/>
+              <a:tabLst/>
+              <a:defRPr/>
+            </a:pPr>
+            <a:endParaRPr kumimoji="0" lang="en-US" sz="1800" b="0" i="0" u="none" strike="noStrike" kern="1200" cap="none" spc="0" normalizeH="0" baseline="0" noProof="0">
+              <a:ln>
+                <a:noFill/>
+              </a:ln>
+              <a:solidFill>
+                <a:prstClr val="white"/>
+              </a:solidFill>
+              <a:effectLst/>
+              <a:uLnTx/>
+              <a:uFillTx/>
+              <a:latin typeface="Avenir Next LT Pro"/>
+              <a:ea typeface="+mn-ea"/>
+              <a:cs typeface="+mn-cs"/>
+            </a:endParaRPr>
+          </a:p>
+        </p:txBody>
+      </p:sp>
+      <p:sp>
+        <p:nvSpPr>
+          <p:cNvPr id="2" name="Titre 1">
+            <a:extLst>
+              <a:ext uri="{FF2B5EF4-FFF2-40B4-BE49-F238E27FC236}">
+                <a16:creationId xmlns:a16="http://schemas.microsoft.com/office/drawing/2014/main" id="{478DAC22-24EF-F518-530D-6A360CC088DA}"/>
+              </a:ext>
+            </a:extLst>
+          </p:cNvPr>
+          <p:cNvSpPr>
+            <a:spLocks noGrp="1"/>
+          </p:cNvSpPr>
+          <p:nvPr>
+            <p:ph type="title"/>
+          </p:nvPr>
+        </p:nvSpPr>
+        <p:spPr>
+          <a:xfrm>
+            <a:off x="841248" y="426720"/>
+            <a:ext cx="10506456" cy="1919141"/>
+          </a:xfrm>
+        </p:spPr>
+        <p:txBody>
+          <a:bodyPr anchor="b">
+            <a:normAutofit/>
+          </a:bodyPr>
+          <a:lstStyle/>
+          <a:p>
+            <a:r>
+              <a:rPr lang="fr-CA" sz="6000">
+                <a:solidFill>
+                  <a:srgbClr val="FFFFFF"/>
+                </a:solidFill>
+              </a:rPr>
+              <a:t>Objectifs de l’atelier</a:t>
+            </a:r>
+          </a:p>
+        </p:txBody>
+      </p:sp>
+      <p:sp>
+        <p:nvSpPr>
+          <p:cNvPr id="27" name="Rectangle 26">
+            <a:extLst>
+              <a:ext uri="{FF2B5EF4-FFF2-40B4-BE49-F238E27FC236}">
+                <a16:creationId xmlns:a16="http://schemas.microsoft.com/office/drawing/2014/main" id="{7A0B5DEA-ADF6-4BA5-9307-147F0A4685A0}"/>
+              </a:ext>
+              <a:ext uri="{C183D7F6-B498-43B3-948B-1728B52AA6E4}">
+                <adec:decorative xmlns:adec="http://schemas.microsoft.com/office/drawing/2017/decorative" val="1"/>
+              </a:ext>
+            </a:extLst>
+          </p:cNvPr>
+          <p:cNvSpPr>
+            <a:spLocks noGrp="1" noRot="1" noChangeAspect="1" noMove="1" noResize="1" noEditPoints="1" noAdjustHandles="1" noChangeArrowheads="1" noChangeShapeType="1" noTextEdit="1"/>
+          </p:cNvSpPr>
+          <p:nvPr>
+            <p:extLst>
+              <p:ext uri="{386F3935-93C4-4BCD-93E2-E3B085C9AB24}">
+                <p16:designElem xmlns:p16="http://schemas.microsoft.com/office/powerpoint/2015/main" val="1"/>
+              </p:ext>
+            </p:extLst>
+          </p:nvPr>
+        </p:nvSpPr>
+        <p:spPr>
+          <a:xfrm>
+            <a:off x="868680" y="2898648"/>
+            <a:ext cx="10506456" cy="18288"/>
+          </a:xfrm>
+          <a:prstGeom prst="rect">
+            <a:avLst/>
+          </a:prstGeom>
+          <a:solidFill>
+            <a:srgbClr val="FFFFFF"/>
+          </a:solidFill>
+          <a:ln w="3175">
+            <a:noFill/>
+          </a:ln>
+          <a:effectLst/>
+        </p:spPr>
+        <p:style>
+          <a:lnRef idx="2">
+            <a:schemeClr val="accent1">
+              <a:shade val="50000"/>
+            </a:schemeClr>
+          </a:lnRef>
+          <a:fillRef idx="1">
+            <a:schemeClr val="accent1"/>
+          </a:fillRef>
+          <a:effectRef idx="0">
+            <a:schemeClr val="accent1"/>
+          </a:effectRef>
+          <a:fontRef idx="minor">
+            <a:schemeClr val="lt1"/>
+          </a:fontRef>
+        </p:style>
+        <p:txBody>
+          <a:bodyPr rtlCol="0" anchor="ctr"/>
+          <a:lstStyle/>
+          <a:p>
+            <a:pPr marL="0" marR="0" lvl="0" indent="0" algn="ctr" defTabSz="914400" rtl="0" eaLnBrk="1" fontAlgn="auto" latinLnBrk="0" hangingPunct="1">
+              <a:lnSpc>
+                <a:spcPct val="100000"/>
+              </a:lnSpc>
+              <a:spcBef>
+                <a:spcPts val="0"/>
+              </a:spcBef>
+              <a:spcAft>
+                <a:spcPts val="0"/>
+              </a:spcAft>
+              <a:buClrTx/>
+              <a:buSzTx/>
+              <a:buFontTx/>
+              <a:buNone/>
+              <a:tabLst/>
+              <a:defRPr/>
+            </a:pPr>
+            <a:endParaRPr kumimoji="0" lang="en-US" sz="1800" b="0" i="0" u="none" strike="noStrike" kern="1200" cap="none" spc="0" normalizeH="0" baseline="0" noProof="0">
+              <a:ln>
+                <a:noFill/>
+              </a:ln>
+              <a:solidFill>
+                <a:prstClr val="white"/>
+              </a:solidFill>
+              <a:effectLst/>
+              <a:uLnTx/>
+              <a:uFillTx/>
+              <a:latin typeface="Calibri" panose="020F0502020204030204"/>
+              <a:ea typeface="+mn-ea"/>
+              <a:cs typeface="+mn-cs"/>
+            </a:endParaRPr>
+          </a:p>
+        </p:txBody>
+      </p:sp>
+      <p:sp>
+        <p:nvSpPr>
+          <p:cNvPr id="29" name="Rectangle 28">
+            <a:extLst>
+              <a:ext uri="{FF2B5EF4-FFF2-40B4-BE49-F238E27FC236}">
+                <a16:creationId xmlns:a16="http://schemas.microsoft.com/office/drawing/2014/main" id="{9DECDBF4-02B6-4BB4-B65B-B8107AD6A9E8}"/>
+              </a:ext>
+              <a:ext uri="{C183D7F6-B498-43B3-948B-1728B52AA6E4}">
+                <adec:decorative xmlns:adec="http://schemas.microsoft.com/office/drawing/2017/decorative" val="1"/>
+              </a:ext>
+            </a:extLst>
+          </p:cNvPr>
+          <p:cNvSpPr>
+            <a:spLocks noGrp="1" noRot="1" noChangeAspect="1" noMove="1" noResize="1" noEditPoints="1" noAdjustHandles="1" noChangeArrowheads="1" noChangeShapeType="1" noTextEdit="1"/>
+          </p:cNvSpPr>
+          <p:nvPr>
+            <p:extLst>
+              <p:ext uri="{386F3935-93C4-4BCD-93E2-E3B085C9AB24}">
+                <p16:designElem xmlns:p16="http://schemas.microsoft.com/office/powerpoint/2015/main" val="1"/>
+              </p:ext>
+            </p:extLst>
+          </p:nvPr>
+        </p:nvSpPr>
+        <p:spPr>
+          <a:xfrm flipV="1">
+            <a:off x="841248" y="2783982"/>
+            <a:ext cx="1873457" cy="137160"/>
+          </a:xfrm>
+          <a:prstGeom prst="rect">
+            <a:avLst/>
+          </a:prstGeom>
+          <a:solidFill>
+            <a:schemeClr val="accent1"/>
+          </a:solidFill>
+          <a:ln>
+            <a:noFill/>
+          </a:ln>
+        </p:spPr>
+        <p:style>
+          <a:lnRef idx="2">
+            <a:schemeClr val="accent1">
+              <a:shade val="50000"/>
+            </a:schemeClr>
+          </a:lnRef>
+          <a:fillRef idx="1">
+            <a:schemeClr val="accent1"/>
+          </a:fillRef>
+          <a:effectRef idx="0">
+            <a:schemeClr val="accent1"/>
+          </a:effectRef>
+          <a:fontRef idx="minor">
+            <a:schemeClr val="lt1"/>
+          </a:fontRef>
+        </p:style>
+        <p:txBody>
+          <a:bodyPr rtlCol="0" anchor="ctr"/>
+          <a:lstStyle/>
+          <a:p>
+            <a:pPr marL="0" marR="0" lvl="0" indent="0" algn="ctr" defTabSz="914400" rtl="0" eaLnBrk="1" fontAlgn="auto" latinLnBrk="0" hangingPunct="1">
+              <a:lnSpc>
+                <a:spcPct val="100000"/>
+              </a:lnSpc>
+              <a:spcBef>
+                <a:spcPts val="0"/>
+              </a:spcBef>
+              <a:spcAft>
+                <a:spcPts val="0"/>
+              </a:spcAft>
+              <a:buClrTx/>
+              <a:buSzTx/>
+              <a:buFontTx/>
+              <a:buNone/>
+              <a:tabLst/>
+              <a:defRPr/>
+            </a:pPr>
+            <a:endParaRPr kumimoji="0" lang="en-US" sz="1800" b="0" i="0" u="none" strike="noStrike" kern="1200" cap="none" spc="0" normalizeH="0" baseline="0" noProof="0">
+              <a:ln>
+                <a:noFill/>
+              </a:ln>
+              <a:solidFill>
+                <a:prstClr val="white"/>
+              </a:solidFill>
+              <a:effectLst/>
+              <a:uLnTx/>
+              <a:uFillTx/>
+              <a:latin typeface="Calibri" panose="020F0502020204030204"/>
+              <a:ea typeface="+mn-ea"/>
+              <a:cs typeface="+mn-cs"/>
+            </a:endParaRPr>
+          </a:p>
+        </p:txBody>
+      </p:sp>
+      <p:graphicFrame>
+        <p:nvGraphicFramePr>
+          <p:cNvPr id="18" name="Espace réservé du contenu 2">
+            <a:extLst>
+              <a:ext uri="{FF2B5EF4-FFF2-40B4-BE49-F238E27FC236}">
+                <a16:creationId xmlns:a16="http://schemas.microsoft.com/office/drawing/2014/main" id="{30FDE603-8964-CCFE-D6F0-EABD5241800A}"/>
+              </a:ext>
+            </a:extLst>
+          </p:cNvPr>
+          <p:cNvGraphicFramePr>
+            <a:graphicFrameLocks noGrp="1"/>
+          </p:cNvGraphicFramePr>
+          <p:nvPr>
+            <p:ph idx="1"/>
+            <p:extLst>
+              <p:ext uri="{D42A27DB-BD31-4B8C-83A1-F6EECF244321}">
+                <p14:modId xmlns:p14="http://schemas.microsoft.com/office/powerpoint/2010/main" val="3411886490"/>
+              </p:ext>
+            </p:extLst>
+          </p:nvPr>
+        </p:nvGraphicFramePr>
+        <p:xfrm>
+          <a:off x="841248" y="3337269"/>
+          <a:ext cx="10509504" cy="2905686"/>
+        </p:xfrm>
+        <a:graphic>
+          <a:graphicData uri="http://schemas.openxmlformats.org/drawingml/2006/diagram">
+            <dgm:relIds xmlns:dgm="http://schemas.openxmlformats.org/drawingml/2006/diagram" xmlns:r="http://schemas.openxmlformats.org/officeDocument/2006/relationships" r:dm="rId2" r:lo="rId3" r:qs="rId4" r:cs="rId5"/>
+          </a:graphicData>
+        </a:graphic>
+      </p:graphicFrame>
+    </p:spTree>
+    <p:extLst>
+      <p:ext uri="{BB962C8B-B14F-4D97-AF65-F5344CB8AC3E}">
+        <p14:creationId xmlns:p14="http://schemas.microsoft.com/office/powerpoint/2010/main" val="2049150351"/>
+      </p:ext>
+    </p:extLst>
+  </p:cSld>
+  <p:clrMapOvr>
+    <a:masterClrMapping/>
+  </p:clrMapOvr>
+</p:sld>
+</file>
+
+<file path=ppt/slides/slide20.xml><?xml version="1.0" encoding="utf-8"?>
 <p:sld xmlns:a="http://schemas.openxmlformats.org/drawingml/2006/main" xmlns:r="http://schemas.openxmlformats.org/officeDocument/2006/relationships" xmlns:p="http://schemas.openxmlformats.org/presentationml/2006/main">
   <p:cSld>
     <p:spTree>
@@ -23423,468 +24183,7 @@
 </p:sld>
 </file>
 
-<file path=ppt/slides/slide2.xml><?xml version="1.0" encoding="utf-8"?>
-<p:sld xmlns:a="http://schemas.openxmlformats.org/drawingml/2006/main" xmlns:r="http://schemas.openxmlformats.org/officeDocument/2006/relationships" xmlns:p="http://schemas.openxmlformats.org/presentationml/2006/main">
-  <p:cSld>
-    <p:bg>
-      <p:bgPr>
-        <a:solidFill>
-          <a:schemeClr val="bg1"/>
-        </a:solidFill>
-        <a:effectLst/>
-      </p:bgPr>
-    </p:bg>
-    <p:spTree>
-      <p:nvGrpSpPr>
-        <p:cNvPr id="1" name=""/>
-        <p:cNvGrpSpPr/>
-        <p:nvPr/>
-      </p:nvGrpSpPr>
-      <p:grpSpPr>
-        <a:xfrm>
-          <a:off x="0" y="0"/>
-          <a:ext cx="0" cy="0"/>
-          <a:chOff x="0" y="0"/>
-          <a:chExt cx="0" cy="0"/>
-        </a:xfrm>
-      </p:grpSpPr>
-      <p:sp useBgFill="1">
-        <p:nvSpPr>
-          <p:cNvPr id="23" name="Rectangle 22">
-            <a:extLst>
-              <a:ext uri="{FF2B5EF4-FFF2-40B4-BE49-F238E27FC236}">
-                <a16:creationId xmlns:a16="http://schemas.microsoft.com/office/drawing/2014/main" id="{DF44879F-6698-4394-89D4-7B3CDB92E9A0}"/>
-              </a:ext>
-              <a:ext uri="{C183D7F6-B498-43B3-948B-1728B52AA6E4}">
-                <adec:decorative xmlns:adec="http://schemas.microsoft.com/office/drawing/2017/decorative" val="1"/>
-              </a:ext>
-            </a:extLst>
-          </p:cNvPr>
-          <p:cNvSpPr>
-            <a:spLocks noGrp="1" noRot="1" noChangeAspect="1" noMove="1" noResize="1" noEditPoints="1" noAdjustHandles="1" noChangeArrowheads="1" noChangeShapeType="1" noTextEdit="1"/>
-          </p:cNvSpPr>
-          <p:nvPr>
-            <p:extLst>
-              <p:ext uri="{386F3935-93C4-4BCD-93E2-E3B085C9AB24}">
-                <p16:designElem xmlns:p16="http://schemas.microsoft.com/office/powerpoint/2015/main" val="1"/>
-              </p:ext>
-            </p:extLst>
-          </p:nvPr>
-        </p:nvSpPr>
-        <p:spPr>
-          <a:xfrm>
-            <a:off x="0" y="0"/>
-            <a:ext cx="12192000" cy="6858000"/>
-          </a:xfrm>
-          <a:prstGeom prst="rect">
-            <a:avLst/>
-          </a:prstGeom>
-          <a:ln w="12700" cap="flat" cmpd="sng" algn="ctr">
-            <a:noFill/>
-            <a:prstDash val="solid"/>
-            <a:miter lim="800000"/>
-          </a:ln>
-          <a:effectLst/>
-          <a:extLst>
-            <a:ext uri="{91240B29-F687-4F45-9708-019B960494DF}">
-              <a14:hiddenLine xmlns:a14="http://schemas.microsoft.com/office/drawing/2010/main" w="12700" cap="flat" cmpd="sng" algn="ctr">
-                <a:solidFill>
-                  <a:schemeClr val="accent1">
-                    <a:shade val="50000"/>
-                  </a:schemeClr>
-                </a:solidFill>
-                <a:prstDash val="solid"/>
-                <a:miter lim="800000"/>
-              </a14:hiddenLine>
-            </a:ext>
-          </a:extLst>
-        </p:spPr>
-        <p:style>
-          <a:lnRef idx="2">
-            <a:schemeClr val="accent1">
-              <a:shade val="50000"/>
-            </a:schemeClr>
-          </a:lnRef>
-          <a:fillRef idx="1">
-            <a:schemeClr val="accent1"/>
-          </a:fillRef>
-          <a:effectRef idx="0">
-            <a:schemeClr val="accent1"/>
-          </a:effectRef>
-          <a:fontRef idx="minor">
-            <a:schemeClr val="lt1"/>
-          </a:fontRef>
-        </p:style>
-        <p:txBody>
-          <a:bodyPr rtlCol="0" anchor="ctr"/>
-          <a:lstStyle/>
-          <a:p>
-            <a:pPr algn="ctr"/>
-            <a:endParaRPr lang="en-US"/>
-          </a:p>
-        </p:txBody>
-      </p:sp>
-      <p:sp>
-        <p:nvSpPr>
-          <p:cNvPr id="25" name="!!Rectangle">
-            <a:extLst>
-              <a:ext uri="{FF2B5EF4-FFF2-40B4-BE49-F238E27FC236}">
-                <a16:creationId xmlns:a16="http://schemas.microsoft.com/office/drawing/2014/main" id="{C65FD3B2-577C-49A0-B40E-4845C5D597CF}"/>
-              </a:ext>
-              <a:ext uri="{C183D7F6-B498-43B3-948B-1728B52AA6E4}">
-                <adec:decorative xmlns:adec="http://schemas.microsoft.com/office/drawing/2017/decorative" val="1"/>
-              </a:ext>
-            </a:extLst>
-          </p:cNvPr>
-          <p:cNvSpPr>
-            <a:spLocks noGrp="1" noRot="1" noChangeAspect="1" noMove="1" noResize="1" noEditPoints="1" noAdjustHandles="1" noChangeArrowheads="1" noChangeShapeType="1" noTextEdit="1"/>
-          </p:cNvSpPr>
-          <p:nvPr>
-            <p:extLst>
-              <p:ext uri="{386F3935-93C4-4BCD-93E2-E3B085C9AB24}">
-                <p16:designElem xmlns:p16="http://schemas.microsoft.com/office/powerpoint/2015/main" val="1"/>
-              </p:ext>
-            </p:extLst>
-          </p:nvPr>
-        </p:nvSpPr>
-        <p:spPr>
-          <a:xfrm>
-            <a:off x="0" y="0"/>
-            <a:ext cx="12192000" cy="6858000"/>
-          </a:xfrm>
-          <a:prstGeom prst="rect">
-            <a:avLst/>
-          </a:prstGeom>
-          <a:solidFill>
-            <a:srgbClr val="000000"/>
-          </a:solidFill>
-          <a:ln>
-            <a:noFill/>
-          </a:ln>
-        </p:spPr>
-        <p:style>
-          <a:lnRef idx="2">
-            <a:schemeClr val="accent1">
-              <a:shade val="50000"/>
-            </a:schemeClr>
-          </a:lnRef>
-          <a:fillRef idx="1">
-            <a:schemeClr val="accent1"/>
-          </a:fillRef>
-          <a:effectRef idx="0">
-            <a:schemeClr val="accent1"/>
-          </a:effectRef>
-          <a:fontRef idx="minor">
-            <a:schemeClr val="lt1"/>
-          </a:fontRef>
-        </p:style>
-        <p:txBody>
-          <a:bodyPr rtlCol="0" anchor="ctr"/>
-          <a:lstStyle/>
-          <a:p>
-            <a:pPr marL="0" marR="0" lvl="0" indent="0" algn="ctr" defTabSz="914400" rtl="0" eaLnBrk="1" fontAlgn="auto" latinLnBrk="0" hangingPunct="1">
-              <a:lnSpc>
-                <a:spcPct val="100000"/>
-              </a:lnSpc>
-              <a:spcBef>
-                <a:spcPts val="0"/>
-              </a:spcBef>
-              <a:spcAft>
-                <a:spcPts val="0"/>
-              </a:spcAft>
-              <a:buClrTx/>
-              <a:buSzTx/>
-              <a:buFontTx/>
-              <a:buNone/>
-              <a:tabLst/>
-              <a:defRPr/>
-            </a:pPr>
-            <a:endParaRPr kumimoji="0" lang="en-US" sz="1800" b="0" i="0" u="none" strike="noStrike" kern="1200" cap="none" spc="0" normalizeH="0" baseline="0" noProof="0">
-              <a:ln>
-                <a:noFill/>
-              </a:ln>
-              <a:solidFill>
-                <a:prstClr val="white"/>
-              </a:solidFill>
-              <a:effectLst/>
-              <a:uLnTx/>
-              <a:uFillTx/>
-              <a:latin typeface="Avenir Next LT Pro"/>
-              <a:ea typeface="+mn-ea"/>
-              <a:cs typeface="+mn-cs"/>
-            </a:endParaRPr>
-          </a:p>
-        </p:txBody>
-      </p:sp>
-      <p:sp>
-        <p:nvSpPr>
-          <p:cNvPr id="2" name="Titre 1">
-            <a:extLst>
-              <a:ext uri="{FF2B5EF4-FFF2-40B4-BE49-F238E27FC236}">
-                <a16:creationId xmlns:a16="http://schemas.microsoft.com/office/drawing/2014/main" id="{478DAC22-24EF-F518-530D-6A360CC088DA}"/>
-              </a:ext>
-            </a:extLst>
-          </p:cNvPr>
-          <p:cNvSpPr>
-            <a:spLocks noGrp="1"/>
-          </p:cNvSpPr>
-          <p:nvPr>
-            <p:ph type="title"/>
-          </p:nvPr>
-        </p:nvSpPr>
-        <p:spPr>
-          <a:xfrm>
-            <a:off x="841248" y="426720"/>
-            <a:ext cx="10506456" cy="1919141"/>
-          </a:xfrm>
-        </p:spPr>
-        <p:txBody>
-          <a:bodyPr anchor="b">
-            <a:normAutofit/>
-          </a:bodyPr>
-          <a:lstStyle/>
-          <a:p>
-            <a:r>
-              <a:rPr lang="fr-CA" sz="6000">
-                <a:solidFill>
-                  <a:srgbClr val="FFFFFF"/>
-                </a:solidFill>
-              </a:rPr>
-              <a:t>Objectifs de l’atelier</a:t>
-            </a:r>
-          </a:p>
-        </p:txBody>
-      </p:sp>
-      <p:sp>
-        <p:nvSpPr>
-          <p:cNvPr id="27" name="Rectangle 26">
-            <a:extLst>
-              <a:ext uri="{FF2B5EF4-FFF2-40B4-BE49-F238E27FC236}">
-                <a16:creationId xmlns:a16="http://schemas.microsoft.com/office/drawing/2014/main" id="{7A0B5DEA-ADF6-4BA5-9307-147F0A4685A0}"/>
-              </a:ext>
-              <a:ext uri="{C183D7F6-B498-43B3-948B-1728B52AA6E4}">
-                <adec:decorative xmlns:adec="http://schemas.microsoft.com/office/drawing/2017/decorative" val="1"/>
-              </a:ext>
-            </a:extLst>
-          </p:cNvPr>
-          <p:cNvSpPr>
-            <a:spLocks noGrp="1" noRot="1" noChangeAspect="1" noMove="1" noResize="1" noEditPoints="1" noAdjustHandles="1" noChangeArrowheads="1" noChangeShapeType="1" noTextEdit="1"/>
-          </p:cNvSpPr>
-          <p:nvPr>
-            <p:extLst>
-              <p:ext uri="{386F3935-93C4-4BCD-93E2-E3B085C9AB24}">
-                <p16:designElem xmlns:p16="http://schemas.microsoft.com/office/powerpoint/2015/main" val="1"/>
-              </p:ext>
-            </p:extLst>
-          </p:nvPr>
-        </p:nvSpPr>
-        <p:spPr>
-          <a:xfrm>
-            <a:off x="868680" y="2898648"/>
-            <a:ext cx="10506456" cy="18288"/>
-          </a:xfrm>
-          <a:prstGeom prst="rect">
-            <a:avLst/>
-          </a:prstGeom>
-          <a:solidFill>
-            <a:srgbClr val="FFFFFF"/>
-          </a:solidFill>
-          <a:ln w="3175">
-            <a:noFill/>
-          </a:ln>
-          <a:effectLst/>
-        </p:spPr>
-        <p:style>
-          <a:lnRef idx="2">
-            <a:schemeClr val="accent1">
-              <a:shade val="50000"/>
-            </a:schemeClr>
-          </a:lnRef>
-          <a:fillRef idx="1">
-            <a:schemeClr val="accent1"/>
-          </a:fillRef>
-          <a:effectRef idx="0">
-            <a:schemeClr val="accent1"/>
-          </a:effectRef>
-          <a:fontRef idx="minor">
-            <a:schemeClr val="lt1"/>
-          </a:fontRef>
-        </p:style>
-        <p:txBody>
-          <a:bodyPr rtlCol="0" anchor="ctr"/>
-          <a:lstStyle/>
-          <a:p>
-            <a:pPr marL="0" marR="0" lvl="0" indent="0" algn="ctr" defTabSz="914400" rtl="0" eaLnBrk="1" fontAlgn="auto" latinLnBrk="0" hangingPunct="1">
-              <a:lnSpc>
-                <a:spcPct val="100000"/>
-              </a:lnSpc>
-              <a:spcBef>
-                <a:spcPts val="0"/>
-              </a:spcBef>
-              <a:spcAft>
-                <a:spcPts val="0"/>
-              </a:spcAft>
-              <a:buClrTx/>
-              <a:buSzTx/>
-              <a:buFontTx/>
-              <a:buNone/>
-              <a:tabLst/>
-              <a:defRPr/>
-            </a:pPr>
-            <a:endParaRPr kumimoji="0" lang="en-US" sz="1800" b="0" i="0" u="none" strike="noStrike" kern="1200" cap="none" spc="0" normalizeH="0" baseline="0" noProof="0">
-              <a:ln>
-                <a:noFill/>
-              </a:ln>
-              <a:solidFill>
-                <a:prstClr val="white"/>
-              </a:solidFill>
-              <a:effectLst/>
-              <a:uLnTx/>
-              <a:uFillTx/>
-              <a:latin typeface="Calibri" panose="020F0502020204030204"/>
-              <a:ea typeface="+mn-ea"/>
-              <a:cs typeface="+mn-cs"/>
-            </a:endParaRPr>
-          </a:p>
-        </p:txBody>
-      </p:sp>
-      <p:sp>
-        <p:nvSpPr>
-          <p:cNvPr id="29" name="Rectangle 28">
-            <a:extLst>
-              <a:ext uri="{FF2B5EF4-FFF2-40B4-BE49-F238E27FC236}">
-                <a16:creationId xmlns:a16="http://schemas.microsoft.com/office/drawing/2014/main" id="{9DECDBF4-02B6-4BB4-B65B-B8107AD6A9E8}"/>
-              </a:ext>
-              <a:ext uri="{C183D7F6-B498-43B3-948B-1728B52AA6E4}">
-                <adec:decorative xmlns:adec="http://schemas.microsoft.com/office/drawing/2017/decorative" val="1"/>
-              </a:ext>
-            </a:extLst>
-          </p:cNvPr>
-          <p:cNvSpPr>
-            <a:spLocks noGrp="1" noRot="1" noChangeAspect="1" noMove="1" noResize="1" noEditPoints="1" noAdjustHandles="1" noChangeArrowheads="1" noChangeShapeType="1" noTextEdit="1"/>
-          </p:cNvSpPr>
-          <p:nvPr>
-            <p:extLst>
-              <p:ext uri="{386F3935-93C4-4BCD-93E2-E3B085C9AB24}">
-                <p16:designElem xmlns:p16="http://schemas.microsoft.com/office/powerpoint/2015/main" val="1"/>
-              </p:ext>
-            </p:extLst>
-          </p:nvPr>
-        </p:nvSpPr>
-        <p:spPr>
-          <a:xfrm flipV="1">
-            <a:off x="841248" y="2783982"/>
-            <a:ext cx="1873457" cy="137160"/>
-          </a:xfrm>
-          <a:prstGeom prst="rect">
-            <a:avLst/>
-          </a:prstGeom>
-          <a:solidFill>
-            <a:schemeClr val="accent1"/>
-          </a:solidFill>
-          <a:ln>
-            <a:noFill/>
-          </a:ln>
-        </p:spPr>
-        <p:style>
-          <a:lnRef idx="2">
-            <a:schemeClr val="accent1">
-              <a:shade val="50000"/>
-            </a:schemeClr>
-          </a:lnRef>
-          <a:fillRef idx="1">
-            <a:schemeClr val="accent1"/>
-          </a:fillRef>
-          <a:effectRef idx="0">
-            <a:schemeClr val="accent1"/>
-          </a:effectRef>
-          <a:fontRef idx="minor">
-            <a:schemeClr val="lt1"/>
-          </a:fontRef>
-        </p:style>
-        <p:txBody>
-          <a:bodyPr rtlCol="0" anchor="ctr"/>
-          <a:lstStyle/>
-          <a:p>
-            <a:pPr marL="0" marR="0" lvl="0" indent="0" algn="ctr" defTabSz="914400" rtl="0" eaLnBrk="1" fontAlgn="auto" latinLnBrk="0" hangingPunct="1">
-              <a:lnSpc>
-                <a:spcPct val="100000"/>
-              </a:lnSpc>
-              <a:spcBef>
-                <a:spcPts val="0"/>
-              </a:spcBef>
-              <a:spcAft>
-                <a:spcPts val="0"/>
-              </a:spcAft>
-              <a:buClrTx/>
-              <a:buSzTx/>
-              <a:buFontTx/>
-              <a:buNone/>
-              <a:tabLst/>
-              <a:defRPr/>
-            </a:pPr>
-            <a:endParaRPr kumimoji="0" lang="en-US" sz="1800" b="0" i="0" u="none" strike="noStrike" kern="1200" cap="none" spc="0" normalizeH="0" baseline="0" noProof="0">
-              <a:ln>
-                <a:noFill/>
-              </a:ln>
-              <a:solidFill>
-                <a:prstClr val="white"/>
-              </a:solidFill>
-              <a:effectLst/>
-              <a:uLnTx/>
-              <a:uFillTx/>
-              <a:latin typeface="Calibri" panose="020F0502020204030204"/>
-              <a:ea typeface="+mn-ea"/>
-              <a:cs typeface="+mn-cs"/>
-            </a:endParaRPr>
-          </a:p>
-        </p:txBody>
-      </p:sp>
-      <p:graphicFrame>
-        <p:nvGraphicFramePr>
-          <p:cNvPr id="18" name="Espace réservé du contenu 2">
-            <a:extLst>
-              <a:ext uri="{FF2B5EF4-FFF2-40B4-BE49-F238E27FC236}">
-                <a16:creationId xmlns:a16="http://schemas.microsoft.com/office/drawing/2014/main" id="{30FDE603-8964-CCFE-D6F0-EABD5241800A}"/>
-              </a:ext>
-            </a:extLst>
-          </p:cNvPr>
-          <p:cNvGraphicFramePr>
-            <a:graphicFrameLocks noGrp="1"/>
-          </p:cNvGraphicFramePr>
-          <p:nvPr>
-            <p:ph idx="1"/>
-            <p:extLst>
-              <p:ext uri="{D42A27DB-BD31-4B8C-83A1-F6EECF244321}">
-                <p14:modId xmlns:p14="http://schemas.microsoft.com/office/powerpoint/2010/main" val="3411886490"/>
-              </p:ext>
-            </p:extLst>
-          </p:nvPr>
-        </p:nvGraphicFramePr>
-        <p:xfrm>
-          <a:off x="841248" y="3337269"/>
-          <a:ext cx="10509504" cy="2905686"/>
-        </p:xfrm>
-        <a:graphic>
-          <a:graphicData uri="http://schemas.openxmlformats.org/drawingml/2006/diagram">
-            <dgm:relIds xmlns:dgm="http://schemas.openxmlformats.org/drawingml/2006/diagram" xmlns:r="http://schemas.openxmlformats.org/officeDocument/2006/relationships" r:dm="rId2" r:lo="rId3" r:qs="rId4" r:cs="rId5"/>
-          </a:graphicData>
-        </a:graphic>
-      </p:graphicFrame>
-    </p:spTree>
-    <p:extLst>
-      <p:ext uri="{BB962C8B-B14F-4D97-AF65-F5344CB8AC3E}">
-        <p14:creationId xmlns:p14="http://schemas.microsoft.com/office/powerpoint/2010/main" val="2049150351"/>
-      </p:ext>
-    </p:extLst>
-  </p:cSld>
-  <p:clrMapOvr>
-    <a:masterClrMapping/>
-  </p:clrMapOvr>
-</p:sld>
-</file>
-
-<file path=ppt/slides/slide20.xml><?xml version="1.0" encoding="utf-8"?>
+<file path=ppt/slides/slide21.xml><?xml version="1.0" encoding="utf-8"?>
 <p:sld xmlns:a="http://schemas.openxmlformats.org/drawingml/2006/main" xmlns:r="http://schemas.openxmlformats.org/officeDocument/2006/relationships" xmlns:p="http://schemas.openxmlformats.org/presentationml/2006/main">
   <p:cSld>
     <p:spTree>
@@ -24545,7 +24844,7 @@
 </p:sld>
 </file>
 
-<file path=ppt/slides/slide21.xml><?xml version="1.0" encoding="utf-8"?>
+<file path=ppt/slides/slide22.xml><?xml version="1.0" encoding="utf-8"?>
 <p:sld xmlns:a="http://schemas.openxmlformats.org/drawingml/2006/main" xmlns:r="http://schemas.openxmlformats.org/officeDocument/2006/relationships" xmlns:p="http://schemas.openxmlformats.org/presentationml/2006/main">
   <p:cSld>
     <p:spTree>
@@ -24626,14 +24925,14 @@
           <a:p>
             <a:r>
               <a:rPr lang="fr-CA" dirty="0"/>
-              <a:t>Exemple:</a:t>
+              <a:t>Exemple :</a:t>
             </a:r>
           </a:p>
           <a:p>
             <a:pPr marL="0" indent="0">
               <a:buNone/>
             </a:pPr>
-            <a:endParaRPr lang="fr-CA" sz="1800" dirty="0">
+            <a:endParaRPr lang="fr-CA" dirty="0">
               <a:latin typeface="American Typewriter" panose="02090604020004020304" pitchFamily="18" charset="77"/>
               <a:cs typeface="Arial" panose="020B0604020202020204" pitchFamily="34" charset="0"/>
             </a:endParaRPr>
@@ -24974,7 +25273,7 @@
               <a:rPr lang="fr-CA" sz="1400" dirty="0">
                 <a:latin typeface="Monaco" pitchFamily="2" charset="77"/>
               </a:rPr>
-              <a:t>instruction</a:t>
+              <a:t>indexation</a:t>
             </a:r>
           </a:p>
         </p:txBody>
@@ -24992,7 +25291,7 @@
 </p:sld>
 </file>
 
-<file path=ppt/slides/slide22.xml><?xml version="1.0" encoding="utf-8"?>
+<file path=ppt/slides/slide23.xml><?xml version="1.0" encoding="utf-8"?>
 <p:sld xmlns:a="http://schemas.openxmlformats.org/drawingml/2006/main" xmlns:r="http://schemas.openxmlformats.org/officeDocument/2006/relationships" xmlns:p="http://schemas.openxmlformats.org/presentationml/2006/main">
   <p:cSld>
     <p:spTree>
@@ -25432,7 +25731,7 @@
 </p:sld>
 </file>
 
-<file path=ppt/slides/slide23.xml><?xml version="1.0" encoding="utf-8"?>
+<file path=ppt/slides/slide24.xml><?xml version="1.0" encoding="utf-8"?>
 <p:sld xmlns:a="http://schemas.openxmlformats.org/drawingml/2006/main" xmlns:r="http://schemas.openxmlformats.org/officeDocument/2006/relationships" xmlns:p="http://schemas.openxmlformats.org/presentationml/2006/main">
   <p:cSld>
     <p:spTree>
@@ -26028,7 +26327,7 @@
 </p:sld>
 </file>
 
-<file path=ppt/slides/slide24.xml><?xml version="1.0" encoding="utf-8"?>
+<file path=ppt/slides/slide25.xml><?xml version="1.0" encoding="utf-8"?>
 <p:sld xmlns:a="http://schemas.openxmlformats.org/drawingml/2006/main" xmlns:r="http://schemas.openxmlformats.org/officeDocument/2006/relationships" xmlns:p="http://schemas.openxmlformats.org/presentationml/2006/main">
   <p:cSld>
     <p:spTree>
@@ -26116,7 +26415,7 @@
 </p:sld>
 </file>
 
-<file path=ppt/slides/slide25.xml><?xml version="1.0" encoding="utf-8"?>
+<file path=ppt/slides/slide26.xml><?xml version="1.0" encoding="utf-8"?>
 <p:sld xmlns:a="http://schemas.openxmlformats.org/drawingml/2006/main" xmlns:r="http://schemas.openxmlformats.org/officeDocument/2006/relationships" xmlns:p="http://schemas.openxmlformats.org/presentationml/2006/main">
   <p:cSld>
     <p:bg>
@@ -26868,7 +27167,7 @@
 </p:sld>
 </file>
 
-<file path=ppt/slides/slide26.xml><?xml version="1.0" encoding="utf-8"?>
+<file path=ppt/slides/slide27.xml><?xml version="1.0" encoding="utf-8"?>
 <p:sld xmlns:a="http://schemas.openxmlformats.org/drawingml/2006/main" xmlns:r="http://schemas.openxmlformats.org/officeDocument/2006/relationships" xmlns:p="http://schemas.openxmlformats.org/presentationml/2006/main">
   <p:cSld>
     <p:spTree>
@@ -27099,7 +27398,7 @@
 </p:sld>
 </file>
 
-<file path=ppt/slides/slide27.xml><?xml version="1.0" encoding="utf-8"?>
+<file path=ppt/slides/slide28.xml><?xml version="1.0" encoding="utf-8"?>
 <p:sld xmlns:a="http://schemas.openxmlformats.org/drawingml/2006/main" xmlns:r="http://schemas.openxmlformats.org/officeDocument/2006/relationships" xmlns:p="http://schemas.openxmlformats.org/presentationml/2006/main">
   <p:cSld>
     <p:spTree>
@@ -28269,7 +28568,7 @@
             <p:ph idx="1"/>
             <p:extLst>
               <p:ext uri="{D42A27DB-BD31-4B8C-83A1-F6EECF244321}">
-                <p14:modId xmlns:p14="http://schemas.microsoft.com/office/powerpoint/2010/main" val="83639092"/>
+                <p14:modId xmlns:p14="http://schemas.microsoft.com/office/powerpoint/2010/main" val="3279683714"/>
               </p:ext>
             </p:extLst>
           </p:nvPr>
@@ -28734,10 +29033,10 @@
       </p:grpSpPr>
       <p:sp>
         <p:nvSpPr>
-          <p:cNvPr id="2" name="Titre 1">
+          <p:cNvPr id="4" name="Titre 3">
             <a:extLst>
               <a:ext uri="{FF2B5EF4-FFF2-40B4-BE49-F238E27FC236}">
-                <a16:creationId xmlns:a16="http://schemas.microsoft.com/office/drawing/2014/main" id="{CF24CA6F-25E3-275F-57B2-8ABE348B8CE0}"/>
+                <a16:creationId xmlns:a16="http://schemas.microsoft.com/office/drawing/2014/main" id="{165F55D0-01C7-4AA7-949A-A880D56A9DEB}"/>
               </a:ext>
             </a:extLst>
           </p:cNvPr>
@@ -28755,7 +29054,191 @@
           <a:p>
             <a:r>
               <a:rPr lang="fr-CA" dirty="0"/>
-              <a:t>Logiciel ou programmation? </a:t>
+              <a:t>Ouvrir maintenant votre navigateur</a:t>
+            </a:r>
+          </a:p>
+        </p:txBody>
+      </p:sp>
+      <p:sp>
+        <p:nvSpPr>
+          <p:cNvPr id="5" name="Espace réservé du texte 4">
+            <a:extLst>
+              <a:ext uri="{FF2B5EF4-FFF2-40B4-BE49-F238E27FC236}">
+                <a16:creationId xmlns:a16="http://schemas.microsoft.com/office/drawing/2014/main" id="{CCB8861C-800E-C35F-5B3C-481916BF2A5B}"/>
+              </a:ext>
+            </a:extLst>
+          </p:cNvPr>
+          <p:cNvSpPr>
+            <a:spLocks noGrp="1"/>
+          </p:cNvSpPr>
+          <p:nvPr>
+            <p:ph type="body" idx="1"/>
+          </p:nvPr>
+        </p:nvSpPr>
+        <p:spPr/>
+        <p:txBody>
+          <a:bodyPr/>
+          <a:lstStyle/>
+          <a:p>
+            <a:r>
+              <a:rPr lang="fr-CA" dirty="0"/>
+              <a:t>Fenêtre 1: POSIT-Cloud</a:t>
+            </a:r>
+          </a:p>
+        </p:txBody>
+      </p:sp>
+      <p:sp>
+        <p:nvSpPr>
+          <p:cNvPr id="6" name="Espace réservé du contenu 5">
+            <a:extLst>
+              <a:ext uri="{FF2B5EF4-FFF2-40B4-BE49-F238E27FC236}">
+                <a16:creationId xmlns:a16="http://schemas.microsoft.com/office/drawing/2014/main" id="{601737A8-9279-ACDC-E169-1FD732F2921F}"/>
+              </a:ext>
+            </a:extLst>
+          </p:cNvPr>
+          <p:cNvSpPr>
+            <a:spLocks noGrp="1"/>
+          </p:cNvSpPr>
+          <p:nvPr>
+            <p:ph sz="half" idx="2"/>
+          </p:nvPr>
+        </p:nvSpPr>
+        <p:spPr/>
+        <p:txBody>
+          <a:bodyPr/>
+          <a:lstStyle/>
+          <a:p>
+            <a:r>
+              <a:rPr lang="fr-CA" dirty="0"/>
+              <a:t>Interface </a:t>
+            </a:r>
+            <a:r>
+              <a:rPr lang="fr-CA" dirty="0" err="1"/>
+              <a:t>RStudio</a:t>
+            </a:r>
+            <a:endParaRPr lang="fr-CA" dirty="0"/>
+          </a:p>
+          <a:p>
+            <a:pPr marL="0" indent="0">
+              <a:buNone/>
+            </a:pPr>
+            <a:endParaRPr lang="fr-CA" dirty="0"/>
+          </a:p>
+          <a:p>
+            <a:pPr marL="0" indent="0">
+              <a:buNone/>
+            </a:pPr>
+            <a:r>
+              <a:rPr lang="fr-CA" dirty="0">
+                <a:highlight>
+                  <a:srgbClr val="FFFF00"/>
+                </a:highlight>
+              </a:rPr>
+              <a:t>https://posit.cloud/</a:t>
+            </a:r>
+          </a:p>
+          <a:p>
+            <a:pPr marL="0" indent="0">
+              <a:buNone/>
+            </a:pPr>
+            <a:endParaRPr lang="fr-CA" dirty="0"/>
+          </a:p>
+        </p:txBody>
+      </p:sp>
+      <p:sp>
+        <p:nvSpPr>
+          <p:cNvPr id="7" name="Espace réservé du texte 6">
+            <a:extLst>
+              <a:ext uri="{FF2B5EF4-FFF2-40B4-BE49-F238E27FC236}">
+                <a16:creationId xmlns:a16="http://schemas.microsoft.com/office/drawing/2014/main" id="{E21FE5F3-AB0C-BE5A-D0D4-0054B14A3930}"/>
+              </a:ext>
+            </a:extLst>
+          </p:cNvPr>
+          <p:cNvSpPr>
+            <a:spLocks noGrp="1"/>
+          </p:cNvSpPr>
+          <p:nvPr>
+            <p:ph type="body" sz="quarter" idx="3"/>
+          </p:nvPr>
+        </p:nvSpPr>
+        <p:spPr/>
+        <p:txBody>
+          <a:bodyPr/>
+          <a:lstStyle/>
+          <a:p>
+            <a:r>
+              <a:rPr lang="fr-CA" dirty="0"/>
+              <a:t>Fenêtre 2: </a:t>
+            </a:r>
+            <a:r>
+              <a:rPr lang="fr-CA" dirty="0" err="1"/>
+              <a:t>Github</a:t>
+            </a:r>
+            <a:endParaRPr lang="fr-CA" dirty="0"/>
+          </a:p>
+        </p:txBody>
+      </p:sp>
+      <p:sp>
+        <p:nvSpPr>
+          <p:cNvPr id="8" name="Espace réservé du contenu 7">
+            <a:extLst>
+              <a:ext uri="{FF2B5EF4-FFF2-40B4-BE49-F238E27FC236}">
+                <a16:creationId xmlns:a16="http://schemas.microsoft.com/office/drawing/2014/main" id="{74385B60-9F7F-C58A-3CDB-E330008EFAC4}"/>
+              </a:ext>
+            </a:extLst>
+          </p:cNvPr>
+          <p:cNvSpPr>
+            <a:spLocks noGrp="1"/>
+          </p:cNvSpPr>
+          <p:nvPr>
+            <p:ph sz="quarter" idx="4"/>
+          </p:nvPr>
+        </p:nvSpPr>
+        <p:spPr/>
+        <p:txBody>
+          <a:bodyPr/>
+          <a:lstStyle/>
+          <a:p>
+            <a:r>
+              <a:rPr lang="fr-CA" dirty="0"/>
+              <a:t>Projet à importer dans </a:t>
+            </a:r>
+            <a:r>
+              <a:rPr lang="fr-CA" dirty="0" err="1"/>
+              <a:t>RStudio</a:t>
+            </a:r>
+            <a:endParaRPr lang="fr-CA" dirty="0"/>
+          </a:p>
+          <a:p>
+            <a:endParaRPr lang="fr-CA" dirty="0"/>
+          </a:p>
+          <a:p>
+            <a:pPr marL="0" indent="0">
+              <a:buNone/>
+            </a:pPr>
+            <a:r>
+              <a:rPr lang="fr-CA" dirty="0">
+                <a:highlight>
+                  <a:srgbClr val="FFFF00"/>
+                </a:highlight>
+              </a:rPr>
+              <a:t>https://</a:t>
+            </a:r>
+            <a:r>
+              <a:rPr lang="fr-CA" dirty="0" err="1">
+                <a:highlight>
+                  <a:srgbClr val="FFFF00"/>
+                </a:highlight>
+              </a:rPr>
+              <a:t>github.com</a:t>
+            </a:r>
+            <a:r>
+              <a:rPr lang="fr-CA" dirty="0">
+                <a:highlight>
+                  <a:srgbClr val="FFFF00"/>
+                </a:highlight>
+              </a:rPr>
+              <a:t>/pbriss7/20230223_PB_atelier_ladirec_exploration_textes_R</a:t>
             </a:r>
           </a:p>
         </p:txBody>
@@ -28763,7 +29246,7 @@
     </p:spTree>
     <p:extLst>
       <p:ext uri="{BB962C8B-B14F-4D97-AF65-F5344CB8AC3E}">
-        <p14:creationId xmlns:p14="http://schemas.microsoft.com/office/powerpoint/2010/main" val="1809901611"/>
+        <p14:creationId xmlns:p14="http://schemas.microsoft.com/office/powerpoint/2010/main" val="2517642604"/>
       </p:ext>
     </p:extLst>
   </p:cSld>
@@ -28795,7 +29278,7 @@
           <p:cNvPr id="2" name="Titre 1">
             <a:extLst>
               <a:ext uri="{FF2B5EF4-FFF2-40B4-BE49-F238E27FC236}">
-                <a16:creationId xmlns:a16="http://schemas.microsoft.com/office/drawing/2014/main" id="{4894CC04-BD6D-BFF7-6DCC-C47280A99CCA}"/>
+                <a16:creationId xmlns:a16="http://schemas.microsoft.com/office/drawing/2014/main" id="{CF24CA6F-25E3-275F-57B2-8ABE348B8CE0}"/>
               </a:ext>
             </a:extLst>
           </p:cNvPr>
@@ -28808,242 +29291,20 @@
         </p:nvSpPr>
         <p:spPr/>
         <p:txBody>
-          <a:bodyPr>
-            <a:normAutofit/>
-          </a:bodyPr>
-          <a:lstStyle/>
-          <a:p>
-            <a:r>
-              <a:rPr lang="fr-CA" dirty="0"/>
-              <a:t>Avantages et limites des logiciels</a:t>
-            </a:r>
-          </a:p>
-        </p:txBody>
-      </p:sp>
-      <p:sp>
-        <p:nvSpPr>
-          <p:cNvPr id="3" name="Espace réservé du texte 2">
-            <a:extLst>
-              <a:ext uri="{FF2B5EF4-FFF2-40B4-BE49-F238E27FC236}">
-                <a16:creationId xmlns:a16="http://schemas.microsoft.com/office/drawing/2014/main" id="{AB547F14-C897-878E-0BBF-34D8C5BDC71A}"/>
-              </a:ext>
-            </a:extLst>
-          </p:cNvPr>
-          <p:cNvSpPr>
-            <a:spLocks noGrp="1"/>
-          </p:cNvSpPr>
-          <p:nvPr>
-            <p:ph type="body" idx="1"/>
-          </p:nvPr>
-        </p:nvSpPr>
-        <p:spPr>
-          <a:xfrm>
-            <a:off x="1115568" y="2372650"/>
-            <a:ext cx="4937760" cy="470911"/>
-          </a:xfrm>
-        </p:spPr>
-        <p:txBody>
           <a:bodyPr/>
           <a:lstStyle/>
           <a:p>
-            <a:pPr algn="ctr"/>
             <a:r>
               <a:rPr lang="fr-CA" dirty="0"/>
-              <a:t>Avantages</a:t>
-            </a:r>
-          </a:p>
-        </p:txBody>
-      </p:sp>
-      <p:sp>
-        <p:nvSpPr>
-          <p:cNvPr id="4" name="Espace réservé du contenu 3">
-            <a:extLst>
-              <a:ext uri="{FF2B5EF4-FFF2-40B4-BE49-F238E27FC236}">
-                <a16:creationId xmlns:a16="http://schemas.microsoft.com/office/drawing/2014/main" id="{7EA93664-D195-8F08-AA1E-77BD92524D8C}"/>
-              </a:ext>
-            </a:extLst>
-          </p:cNvPr>
-          <p:cNvSpPr>
-            <a:spLocks noGrp="1"/>
-          </p:cNvSpPr>
-          <p:nvPr>
-            <p:ph sz="half" idx="2"/>
-          </p:nvPr>
-        </p:nvSpPr>
-        <p:spPr>
-          <a:xfrm>
-            <a:off x="1115568" y="3021980"/>
-            <a:ext cx="4937760" cy="3150220"/>
-          </a:xfrm>
-        </p:spPr>
-        <p:txBody>
-          <a:bodyPr>
-            <a:normAutofit fontScale="85000" lnSpcReduction="20000"/>
-          </a:bodyPr>
-          <a:lstStyle/>
-          <a:p>
-            <a:r>
-              <a:rPr lang="fr-CA" dirty="0"/>
-              <a:t>Nombreux: Voyant Tools, Alceste, </a:t>
-            </a:r>
-            <a:r>
-              <a:rPr lang="fr-CA" dirty="0" err="1"/>
-              <a:t>Iramuteq</a:t>
-            </a:r>
-            <a:r>
-              <a:rPr lang="fr-CA" dirty="0"/>
-              <a:t>, </a:t>
-            </a:r>
-            <a:r>
-              <a:rPr lang="fr-CA" dirty="0" err="1"/>
-              <a:t>Constellate</a:t>
-            </a:r>
-            <a:r>
-              <a:rPr lang="fr-CA" dirty="0"/>
-              <a:t> (</a:t>
-            </a:r>
-            <a:r>
-              <a:rPr lang="fr-CA" dirty="0" err="1"/>
-              <a:t>Jstor</a:t>
-            </a:r>
-            <a:r>
-              <a:rPr lang="fr-CA" dirty="0"/>
-              <a:t>), TDM-Studio (Pro-</a:t>
-            </a:r>
-            <a:r>
-              <a:rPr lang="fr-CA" dirty="0" err="1"/>
-              <a:t>Quest</a:t>
-            </a:r>
-            <a:r>
-              <a:rPr lang="fr-CA" dirty="0"/>
-              <a:t>), etc.</a:t>
-            </a:r>
-          </a:p>
-          <a:p>
-            <a:r>
-              <a:rPr lang="fr-CA" dirty="0"/>
-              <a:t>Accessibles, résultats rapides</a:t>
-            </a:r>
-          </a:p>
-          <a:p>
-            <a:r>
-              <a:rPr lang="fr-CA" dirty="0"/>
-              <a:t>Une partie du travail peut être fait automatiquement (</a:t>
-            </a:r>
-            <a:r>
-              <a:rPr lang="fr-CA" dirty="0" err="1"/>
-              <a:t>tokénisation</a:t>
-            </a:r>
-            <a:r>
-              <a:rPr lang="fr-CA" dirty="0"/>
-              <a:t>, etc.)</a:t>
-            </a:r>
-          </a:p>
-          <a:p>
-            <a:endParaRPr lang="fr-CA" dirty="0"/>
-          </a:p>
-        </p:txBody>
-      </p:sp>
-      <p:sp>
-        <p:nvSpPr>
-          <p:cNvPr id="5" name="Espace réservé du texte 4">
-            <a:extLst>
-              <a:ext uri="{FF2B5EF4-FFF2-40B4-BE49-F238E27FC236}">
-                <a16:creationId xmlns:a16="http://schemas.microsoft.com/office/drawing/2014/main" id="{43C0657A-038E-0D06-164A-20BEE6A968D1}"/>
-              </a:ext>
-            </a:extLst>
-          </p:cNvPr>
-          <p:cNvSpPr>
-            <a:spLocks noGrp="1"/>
-          </p:cNvSpPr>
-          <p:nvPr>
-            <p:ph type="body" sz="quarter" idx="3"/>
-          </p:nvPr>
-        </p:nvSpPr>
-        <p:spPr>
-          <a:xfrm>
-            <a:off x="6345936" y="2372650"/>
-            <a:ext cx="4937760" cy="470911"/>
-          </a:xfrm>
-        </p:spPr>
-        <p:txBody>
-          <a:bodyPr/>
-          <a:lstStyle/>
-          <a:p>
-            <a:pPr algn="ctr"/>
-            <a:r>
-              <a:rPr lang="fr-CA" dirty="0"/>
-              <a:t>Limites</a:t>
-            </a:r>
-          </a:p>
-        </p:txBody>
-      </p:sp>
-      <p:sp>
-        <p:nvSpPr>
-          <p:cNvPr id="6" name="Espace réservé du contenu 5">
-            <a:extLst>
-              <a:ext uri="{FF2B5EF4-FFF2-40B4-BE49-F238E27FC236}">
-                <a16:creationId xmlns:a16="http://schemas.microsoft.com/office/drawing/2014/main" id="{1B519AB7-07E0-8721-1783-5CF4A9B88F8F}"/>
-              </a:ext>
-            </a:extLst>
-          </p:cNvPr>
-          <p:cNvSpPr>
-            <a:spLocks noGrp="1"/>
-          </p:cNvSpPr>
-          <p:nvPr>
-            <p:ph sz="quarter" idx="4"/>
-          </p:nvPr>
-        </p:nvSpPr>
-        <p:spPr>
-          <a:xfrm>
-            <a:off x="6345936" y="3021980"/>
-            <a:ext cx="4937760" cy="3650963"/>
-          </a:xfrm>
-        </p:spPr>
-        <p:txBody>
-          <a:bodyPr>
-            <a:normAutofit fontScale="85000" lnSpcReduction="20000"/>
-          </a:bodyPr>
-          <a:lstStyle/>
-          <a:p>
-            <a:r>
-              <a:rPr lang="fr-CA" dirty="0"/>
-              <a:t>L’« accessibilité » est peut-être un leurre: la démarche scientifique suppose qu’on sache ce que le logiciel fait avec le corpus.</a:t>
-            </a:r>
-          </a:p>
-          <a:p>
-            <a:r>
-              <a:rPr lang="fr-CA" dirty="0"/>
-              <a:t>La « rapidité » d’exécution repose sur des choix et des paramètres qui ne cadrent pas forcément avec les questions de recherche.</a:t>
-            </a:r>
-          </a:p>
-          <a:p>
-            <a:r>
-              <a:rPr lang="fr-CA" dirty="0"/>
-              <a:t>Cadres rigides, outils limités.</a:t>
-            </a:r>
-          </a:p>
-          <a:p>
-            <a:r>
-              <a:rPr lang="fr-CA" dirty="0"/>
-              <a:t>Coût (services payants)</a:t>
-            </a:r>
-          </a:p>
-          <a:p>
-            <a:r>
-              <a:rPr lang="fr-CA" dirty="0"/>
-              <a:t>Orientation « client »</a:t>
-            </a:r>
-          </a:p>
-          <a:p>
-            <a:endParaRPr lang="fr-CA" dirty="0"/>
+              <a:t>Logiciel ou programmation? </a:t>
+            </a:r>
           </a:p>
         </p:txBody>
       </p:sp>
     </p:spTree>
     <p:extLst>
       <p:ext uri="{BB962C8B-B14F-4D97-AF65-F5344CB8AC3E}">
-        <p14:creationId xmlns:p14="http://schemas.microsoft.com/office/powerpoint/2010/main" val="1628584938"/>
+        <p14:creationId xmlns:p14="http://schemas.microsoft.com/office/powerpoint/2010/main" val="1809901611"/>
       </p:ext>
     </p:extLst>
   </p:cSld>
@@ -29089,13 +29350,13 @@
         <p:spPr/>
         <p:txBody>
           <a:bodyPr>
-            <a:normAutofit fontScale="90000"/>
+            <a:normAutofit/>
           </a:bodyPr>
           <a:lstStyle/>
           <a:p>
             <a:r>
               <a:rPr lang="fr-CA" dirty="0"/>
-              <a:t>Désavantages et avantages de la programmation</a:t>
+              <a:t>Avantages et limites des logiciels</a:t>
             </a:r>
           </a:p>
         </p:txBody>
@@ -29116,17 +29377,20 @@
             <p:ph type="body" idx="1"/>
           </p:nvPr>
         </p:nvSpPr>
-        <p:spPr/>
+        <p:spPr>
+          <a:xfrm>
+            <a:off x="1115568" y="2372650"/>
+            <a:ext cx="4937760" cy="470911"/>
+          </a:xfrm>
+        </p:spPr>
         <p:txBody>
-          <a:bodyPr>
-            <a:normAutofit/>
-          </a:bodyPr>
+          <a:bodyPr/>
           <a:lstStyle/>
           <a:p>
             <a:pPr algn="ctr"/>
             <a:r>
               <a:rPr lang="fr-CA" dirty="0"/>
-              <a:t>Désavantages</a:t>
+              <a:t>Avantages</a:t>
             </a:r>
           </a:p>
         </p:txBody>
@@ -29147,73 +29411,74 @@
             <p:ph sz="half" idx="2"/>
           </p:nvPr>
         </p:nvSpPr>
-        <p:spPr/>
+        <p:spPr>
+          <a:xfrm>
+            <a:off x="1115568" y="3021980"/>
+            <a:ext cx="4937760" cy="3150220"/>
+          </a:xfrm>
+        </p:spPr>
         <p:txBody>
           <a:bodyPr>
-            <a:normAutofit fontScale="70000" lnSpcReduction="20000"/>
+            <a:normAutofit fontScale="85000" lnSpcReduction="20000"/>
           </a:bodyPr>
           <a:lstStyle/>
           <a:p>
             <a:r>
               <a:rPr lang="fr-CA" dirty="0"/>
-              <a:t>Plusieurs options! Laquelle choisir? Python, R, Rust, Julia?</a:t>
-            </a:r>
-          </a:p>
-          <a:p>
+              <a:t>Nombreux: Voyant Tools, Alceste, </a:t>
+            </a:r>
+            <a:r>
+              <a:rPr lang="fr-CA" dirty="0" err="1"/>
+              <a:t>Iramuteq</a:t>
+            </a:r>
             <a:r>
               <a:rPr lang="fr-CA" dirty="0"/>
-              <a:t>Exige un changement d’attitude vis-à-vis de l’outil ordinateur;</a:t>
-            </a:r>
-          </a:p>
-          <a:p>
+              <a:t>, </a:t>
+            </a:r>
+            <a:r>
+              <a:rPr lang="fr-CA" dirty="0" err="1"/>
+              <a:t>Constellate</a:t>
+            </a:r>
             <a:r>
               <a:rPr lang="fr-CA" dirty="0"/>
-              <a:t>Courbe d’apprentissage abrupte</a:t>
-            </a:r>
-          </a:p>
-          <a:p>
-            <a:pPr lvl="1"/>
+              <a:t> (</a:t>
+            </a:r>
+            <a:r>
+              <a:rPr lang="fr-CA" dirty="0" err="1"/>
+              <a:t>Jstor</a:t>
+            </a:r>
             <a:r>
               <a:rPr lang="fr-CA" dirty="0"/>
-              <a:t>Nouveaux environnements</a:t>
-            </a:r>
-          </a:p>
-          <a:p>
-            <a:pPr lvl="1"/>
+              <a:t>), TDM-Studio (Pro-</a:t>
+            </a:r>
+            <a:r>
+              <a:rPr lang="fr-CA" dirty="0" err="1"/>
+              <a:t>Quest</a:t>
+            </a:r>
             <a:r>
               <a:rPr lang="fr-CA" dirty="0"/>
-              <a:t>Nouveaux concepts</a:t>
-            </a:r>
-          </a:p>
-          <a:p>
-            <a:pPr lvl="1"/>
+              <a:t>), etc.</a:t>
+            </a:r>
+          </a:p>
+          <a:p>
             <a:r>
               <a:rPr lang="fr-CA" dirty="0"/>
-              <a:t>Opérateurs</a:t>
-            </a:r>
-          </a:p>
-          <a:p>
-            <a:pPr lvl="1"/>
+              <a:t>Accessibles, résultats rapides</a:t>
+            </a:r>
+          </a:p>
+          <a:p>
             <a:r>
               <a:rPr lang="fr-CA" dirty="0"/>
-              <a:t>Langage formel</a:t>
-            </a:r>
-          </a:p>
-          <a:p>
+              <a:t>Une partie du travail peut être fait automatiquement (</a:t>
+            </a:r>
+            <a:r>
+              <a:rPr lang="fr-CA" dirty="0" err="1"/>
+              <a:t>tokénisation</a:t>
+            </a:r>
             <a:r>
               <a:rPr lang="fr-CA" dirty="0"/>
-              <a:t>Temps requis</a:t>
-            </a:r>
-          </a:p>
-          <a:p>
-            <a:endParaRPr lang="fr-CA" dirty="0"/>
-          </a:p>
-          <a:p>
-            <a:pPr lvl="1"/>
-            <a:endParaRPr lang="fr-CA" dirty="0"/>
-          </a:p>
-          <a:p>
-            <a:endParaRPr lang="fr-CA" dirty="0"/>
+              <a:t>, etc.)</a:t>
+            </a:r>
           </a:p>
           <a:p>
             <a:endParaRPr lang="fr-CA" dirty="0"/>
@@ -29236,17 +29501,20 @@
             <p:ph type="body" sz="quarter" idx="3"/>
           </p:nvPr>
         </p:nvSpPr>
-        <p:spPr/>
+        <p:spPr>
+          <a:xfrm>
+            <a:off x="6345936" y="2372650"/>
+            <a:ext cx="4937760" cy="470911"/>
+          </a:xfrm>
+        </p:spPr>
         <p:txBody>
-          <a:bodyPr>
-            <a:normAutofit/>
-          </a:bodyPr>
+          <a:bodyPr/>
           <a:lstStyle/>
           <a:p>
             <a:pPr algn="ctr"/>
             <a:r>
               <a:rPr lang="fr-CA" dirty="0"/>
-              <a:t>Avantages</a:t>
+              <a:t>Limites</a:t>
             </a:r>
           </a:p>
         </p:txBody>
@@ -29269,49 +29537,43 @@
         </p:nvSpPr>
         <p:spPr>
           <a:xfrm>
-            <a:off x="6345936" y="3203687"/>
-            <a:ext cx="4937760" cy="3208688"/>
+            <a:off x="6345936" y="3021980"/>
+            <a:ext cx="4937760" cy="3650963"/>
           </a:xfrm>
         </p:spPr>
         <p:txBody>
           <a:bodyPr>
-            <a:normAutofit fontScale="70000" lnSpcReduction="20000"/>
+            <a:normAutofit fontScale="85000" lnSpcReduction="20000"/>
           </a:bodyPr>
           <a:lstStyle/>
           <a:p>
             <a:r>
               <a:rPr lang="fr-CA" dirty="0"/>
-              <a:t>L’écriture du code épouse la question de recherche </a:t>
+              <a:t>L’« accessibilité » est peut-être un leurre: la démarche scientifique suppose qu’on sache ce que le logiciel fait avec le corpus.</a:t>
             </a:r>
           </a:p>
           <a:p>
             <a:r>
               <a:rPr lang="fr-CA" dirty="0"/>
-              <a:t>Connaissance intime des opérations faites sur les textes</a:t>
+              <a:t>La « rapidité » d’exécution repose sur des choix et des paramètres qui ne cadrent pas forcément avec les questions de recherche.</a:t>
             </a:r>
           </a:p>
           <a:p>
             <a:r>
               <a:rPr lang="fr-CA" dirty="0"/>
-              <a:t>Pour des langages comme R et Python, très large soutien de la communauté</a:t>
+              <a:t>Cadres rigides, outils limités.</a:t>
             </a:r>
           </a:p>
           <a:p>
             <a:r>
               <a:rPr lang="fr-CA" dirty="0"/>
-              <a:t>Tire parti de la puissance des ordinateurs (attitude active)</a:t>
+              <a:t>Coût (services payants)</a:t>
             </a:r>
           </a:p>
           <a:p>
             <a:r>
               <a:rPr lang="fr-CA" dirty="0"/>
-              <a:t>Coût réduit</a:t>
-            </a:r>
-          </a:p>
-          <a:p>
-            <a:r>
-              <a:rPr lang="fr-CA" dirty="0"/>
-              <a:t>Créativité et plaisir…</a:t>
+              <a:t>Orientation « client »</a:t>
             </a:r>
           </a:p>
           <a:p>
@@ -29322,7 +29584,7 @@
     </p:spTree>
     <p:extLst>
       <p:ext uri="{BB962C8B-B14F-4D97-AF65-F5344CB8AC3E}">
-        <p14:creationId xmlns:p14="http://schemas.microsoft.com/office/powerpoint/2010/main" val="2374111141"/>
+        <p14:creationId xmlns:p14="http://schemas.microsoft.com/office/powerpoint/2010/main" val="1628584938"/>
       </p:ext>
     </p:extLst>
   </p:cSld>

--- a/Introduction_EDA_R.pptx
+++ b/Introduction_EDA_R.pptx
@@ -13,8 +13,8 @@
     <p:sldId id="330" r:id="rId4"/>
     <p:sldId id="261" r:id="rId5"/>
     <p:sldId id="260" r:id="rId6"/>
-    <p:sldId id="259" r:id="rId7"/>
-    <p:sldId id="331" r:id="rId8"/>
+    <p:sldId id="331" r:id="rId7"/>
+    <p:sldId id="259" r:id="rId8"/>
     <p:sldId id="317" r:id="rId9"/>
     <p:sldId id="287" r:id="rId10"/>
     <p:sldId id="288" r:id="rId11"/>
@@ -144,8 +144,8 @@
             <p14:sldId id="330"/>
             <p14:sldId id="261"/>
             <p14:sldId id="260"/>
+            <p14:sldId id="331"/>
             <p14:sldId id="259"/>
-            <p14:sldId id="331"/>
             <p14:sldId id="317"/>
             <p14:sldId id="287"/>
             <p14:sldId id="288"/>
@@ -28659,6 +28659,248 @@
 <file path=ppt/slides/slide6.xml><?xml version="1.0" encoding="utf-8"?>
 <p:sld xmlns:a="http://schemas.openxmlformats.org/drawingml/2006/main" xmlns:r="http://schemas.openxmlformats.org/officeDocument/2006/relationships" xmlns:p="http://schemas.openxmlformats.org/presentationml/2006/main">
   <p:cSld>
+    <p:spTree>
+      <p:nvGrpSpPr>
+        <p:cNvPr id="1" name=""/>
+        <p:cNvGrpSpPr/>
+        <p:nvPr/>
+      </p:nvGrpSpPr>
+      <p:grpSpPr>
+        <a:xfrm>
+          <a:off x="0" y="0"/>
+          <a:ext cx="0" cy="0"/>
+          <a:chOff x="0" y="0"/>
+          <a:chExt cx="0" cy="0"/>
+        </a:xfrm>
+      </p:grpSpPr>
+      <p:sp>
+        <p:nvSpPr>
+          <p:cNvPr id="4" name="Titre 3">
+            <a:extLst>
+              <a:ext uri="{FF2B5EF4-FFF2-40B4-BE49-F238E27FC236}">
+                <a16:creationId xmlns:a16="http://schemas.microsoft.com/office/drawing/2014/main" id="{165F55D0-01C7-4AA7-949A-A880D56A9DEB}"/>
+              </a:ext>
+            </a:extLst>
+          </p:cNvPr>
+          <p:cNvSpPr>
+            <a:spLocks noGrp="1"/>
+          </p:cNvSpPr>
+          <p:nvPr>
+            <p:ph type="title"/>
+          </p:nvPr>
+        </p:nvSpPr>
+        <p:spPr/>
+        <p:txBody>
+          <a:bodyPr/>
+          <a:lstStyle/>
+          <a:p>
+            <a:r>
+              <a:rPr lang="fr-CA" dirty="0"/>
+              <a:t>Ouvrir maintenant votre navigateur</a:t>
+            </a:r>
+          </a:p>
+        </p:txBody>
+      </p:sp>
+      <p:sp>
+        <p:nvSpPr>
+          <p:cNvPr id="5" name="Espace réservé du texte 4">
+            <a:extLst>
+              <a:ext uri="{FF2B5EF4-FFF2-40B4-BE49-F238E27FC236}">
+                <a16:creationId xmlns:a16="http://schemas.microsoft.com/office/drawing/2014/main" id="{CCB8861C-800E-C35F-5B3C-481916BF2A5B}"/>
+              </a:ext>
+            </a:extLst>
+          </p:cNvPr>
+          <p:cNvSpPr>
+            <a:spLocks noGrp="1"/>
+          </p:cNvSpPr>
+          <p:nvPr>
+            <p:ph type="body" idx="1"/>
+          </p:nvPr>
+        </p:nvSpPr>
+        <p:spPr/>
+        <p:txBody>
+          <a:bodyPr/>
+          <a:lstStyle/>
+          <a:p>
+            <a:r>
+              <a:rPr lang="fr-CA" dirty="0"/>
+              <a:t>Fenêtre 1: POSIT-Cloud</a:t>
+            </a:r>
+          </a:p>
+        </p:txBody>
+      </p:sp>
+      <p:sp>
+        <p:nvSpPr>
+          <p:cNvPr id="6" name="Espace réservé du contenu 5">
+            <a:extLst>
+              <a:ext uri="{FF2B5EF4-FFF2-40B4-BE49-F238E27FC236}">
+                <a16:creationId xmlns:a16="http://schemas.microsoft.com/office/drawing/2014/main" id="{601737A8-9279-ACDC-E169-1FD732F2921F}"/>
+              </a:ext>
+            </a:extLst>
+          </p:cNvPr>
+          <p:cNvSpPr>
+            <a:spLocks noGrp="1"/>
+          </p:cNvSpPr>
+          <p:nvPr>
+            <p:ph sz="half" idx="2"/>
+          </p:nvPr>
+        </p:nvSpPr>
+        <p:spPr/>
+        <p:txBody>
+          <a:bodyPr/>
+          <a:lstStyle/>
+          <a:p>
+            <a:r>
+              <a:rPr lang="fr-CA" dirty="0"/>
+              <a:t>Interface </a:t>
+            </a:r>
+            <a:r>
+              <a:rPr lang="fr-CA" dirty="0" err="1"/>
+              <a:t>RStudio</a:t>
+            </a:r>
+            <a:endParaRPr lang="fr-CA" dirty="0"/>
+          </a:p>
+          <a:p>
+            <a:pPr marL="0" indent="0">
+              <a:buNone/>
+            </a:pPr>
+            <a:endParaRPr lang="fr-CA" dirty="0"/>
+          </a:p>
+          <a:p>
+            <a:pPr marL="0" indent="0">
+              <a:buNone/>
+            </a:pPr>
+            <a:r>
+              <a:rPr lang="fr-CA" dirty="0">
+                <a:highlight>
+                  <a:srgbClr val="FFFF00"/>
+                </a:highlight>
+              </a:rPr>
+              <a:t>https://posit.cloud/</a:t>
+            </a:r>
+          </a:p>
+          <a:p>
+            <a:pPr marL="0" indent="0">
+              <a:buNone/>
+            </a:pPr>
+            <a:endParaRPr lang="fr-CA" dirty="0"/>
+          </a:p>
+        </p:txBody>
+      </p:sp>
+      <p:sp>
+        <p:nvSpPr>
+          <p:cNvPr id="7" name="Espace réservé du texte 6">
+            <a:extLst>
+              <a:ext uri="{FF2B5EF4-FFF2-40B4-BE49-F238E27FC236}">
+                <a16:creationId xmlns:a16="http://schemas.microsoft.com/office/drawing/2014/main" id="{E21FE5F3-AB0C-BE5A-D0D4-0054B14A3930}"/>
+              </a:ext>
+            </a:extLst>
+          </p:cNvPr>
+          <p:cNvSpPr>
+            <a:spLocks noGrp="1"/>
+          </p:cNvSpPr>
+          <p:nvPr>
+            <p:ph type="body" sz="quarter" idx="3"/>
+          </p:nvPr>
+        </p:nvSpPr>
+        <p:spPr/>
+        <p:txBody>
+          <a:bodyPr/>
+          <a:lstStyle/>
+          <a:p>
+            <a:r>
+              <a:rPr lang="fr-CA" dirty="0"/>
+              <a:t>Fenêtre 2: </a:t>
+            </a:r>
+            <a:r>
+              <a:rPr lang="fr-CA" dirty="0" err="1"/>
+              <a:t>Github</a:t>
+            </a:r>
+            <a:endParaRPr lang="fr-CA" dirty="0"/>
+          </a:p>
+        </p:txBody>
+      </p:sp>
+      <p:sp>
+        <p:nvSpPr>
+          <p:cNvPr id="8" name="Espace réservé du contenu 7">
+            <a:extLst>
+              <a:ext uri="{FF2B5EF4-FFF2-40B4-BE49-F238E27FC236}">
+                <a16:creationId xmlns:a16="http://schemas.microsoft.com/office/drawing/2014/main" id="{74385B60-9F7F-C58A-3CDB-E330008EFAC4}"/>
+              </a:ext>
+            </a:extLst>
+          </p:cNvPr>
+          <p:cNvSpPr>
+            <a:spLocks noGrp="1"/>
+          </p:cNvSpPr>
+          <p:nvPr>
+            <p:ph sz="quarter" idx="4"/>
+          </p:nvPr>
+        </p:nvSpPr>
+        <p:spPr/>
+        <p:txBody>
+          <a:bodyPr/>
+          <a:lstStyle/>
+          <a:p>
+            <a:r>
+              <a:rPr lang="fr-CA" dirty="0"/>
+              <a:t>Projet à importer dans </a:t>
+            </a:r>
+            <a:r>
+              <a:rPr lang="fr-CA" dirty="0" err="1"/>
+              <a:t>RStudio</a:t>
+            </a:r>
+            <a:endParaRPr lang="fr-CA" dirty="0"/>
+          </a:p>
+          <a:p>
+            <a:endParaRPr lang="fr-CA" dirty="0"/>
+          </a:p>
+          <a:p>
+            <a:pPr marL="0" indent="0">
+              <a:buNone/>
+            </a:pPr>
+            <a:r>
+              <a:rPr lang="fr-CA" dirty="0">
+                <a:highlight>
+                  <a:srgbClr val="FFFF00"/>
+                </a:highlight>
+              </a:rPr>
+              <a:t>https://</a:t>
+            </a:r>
+            <a:r>
+              <a:rPr lang="fr-CA" dirty="0" err="1">
+                <a:highlight>
+                  <a:srgbClr val="FFFF00"/>
+                </a:highlight>
+              </a:rPr>
+              <a:t>github.com</a:t>
+            </a:r>
+            <a:r>
+              <a:rPr lang="fr-CA" dirty="0">
+                <a:highlight>
+                  <a:srgbClr val="FFFF00"/>
+                </a:highlight>
+              </a:rPr>
+              <a:t>/pbriss7/20230223_PB_atelier_ladirec_exploration_textes_R</a:t>
+            </a:r>
+          </a:p>
+        </p:txBody>
+      </p:sp>
+    </p:spTree>
+    <p:extLst>
+      <p:ext uri="{BB962C8B-B14F-4D97-AF65-F5344CB8AC3E}">
+        <p14:creationId xmlns:p14="http://schemas.microsoft.com/office/powerpoint/2010/main" val="2517642604"/>
+      </p:ext>
+    </p:extLst>
+  </p:cSld>
+  <p:clrMapOvr>
+    <a:masterClrMapping/>
+  </p:clrMapOvr>
+</p:sld>
+</file>
+
+<file path=ppt/slides/slide7.xml><?xml version="1.0" encoding="utf-8"?>
+<p:sld xmlns:a="http://schemas.openxmlformats.org/drawingml/2006/main" xmlns:r="http://schemas.openxmlformats.org/officeDocument/2006/relationships" xmlns:p="http://schemas.openxmlformats.org/presentationml/2006/main">
+  <p:cSld>
     <p:bg>
       <p:bgPr>
         <a:solidFill>
@@ -29005,248 +29247,6 @@
     <p:extLst>
       <p:ext uri="{BB962C8B-B14F-4D97-AF65-F5344CB8AC3E}">
         <p14:creationId xmlns:p14="http://schemas.microsoft.com/office/powerpoint/2010/main" val="825984011"/>
-      </p:ext>
-    </p:extLst>
-  </p:cSld>
-  <p:clrMapOvr>
-    <a:masterClrMapping/>
-  </p:clrMapOvr>
-</p:sld>
-</file>
-
-<file path=ppt/slides/slide7.xml><?xml version="1.0" encoding="utf-8"?>
-<p:sld xmlns:a="http://schemas.openxmlformats.org/drawingml/2006/main" xmlns:r="http://schemas.openxmlformats.org/officeDocument/2006/relationships" xmlns:p="http://schemas.openxmlformats.org/presentationml/2006/main">
-  <p:cSld>
-    <p:spTree>
-      <p:nvGrpSpPr>
-        <p:cNvPr id="1" name=""/>
-        <p:cNvGrpSpPr/>
-        <p:nvPr/>
-      </p:nvGrpSpPr>
-      <p:grpSpPr>
-        <a:xfrm>
-          <a:off x="0" y="0"/>
-          <a:ext cx="0" cy="0"/>
-          <a:chOff x="0" y="0"/>
-          <a:chExt cx="0" cy="0"/>
-        </a:xfrm>
-      </p:grpSpPr>
-      <p:sp>
-        <p:nvSpPr>
-          <p:cNvPr id="4" name="Titre 3">
-            <a:extLst>
-              <a:ext uri="{FF2B5EF4-FFF2-40B4-BE49-F238E27FC236}">
-                <a16:creationId xmlns:a16="http://schemas.microsoft.com/office/drawing/2014/main" id="{165F55D0-01C7-4AA7-949A-A880D56A9DEB}"/>
-              </a:ext>
-            </a:extLst>
-          </p:cNvPr>
-          <p:cNvSpPr>
-            <a:spLocks noGrp="1"/>
-          </p:cNvSpPr>
-          <p:nvPr>
-            <p:ph type="title"/>
-          </p:nvPr>
-        </p:nvSpPr>
-        <p:spPr/>
-        <p:txBody>
-          <a:bodyPr/>
-          <a:lstStyle/>
-          <a:p>
-            <a:r>
-              <a:rPr lang="fr-CA" dirty="0"/>
-              <a:t>Ouvrir maintenant votre navigateur</a:t>
-            </a:r>
-          </a:p>
-        </p:txBody>
-      </p:sp>
-      <p:sp>
-        <p:nvSpPr>
-          <p:cNvPr id="5" name="Espace réservé du texte 4">
-            <a:extLst>
-              <a:ext uri="{FF2B5EF4-FFF2-40B4-BE49-F238E27FC236}">
-                <a16:creationId xmlns:a16="http://schemas.microsoft.com/office/drawing/2014/main" id="{CCB8861C-800E-C35F-5B3C-481916BF2A5B}"/>
-              </a:ext>
-            </a:extLst>
-          </p:cNvPr>
-          <p:cNvSpPr>
-            <a:spLocks noGrp="1"/>
-          </p:cNvSpPr>
-          <p:nvPr>
-            <p:ph type="body" idx="1"/>
-          </p:nvPr>
-        </p:nvSpPr>
-        <p:spPr/>
-        <p:txBody>
-          <a:bodyPr/>
-          <a:lstStyle/>
-          <a:p>
-            <a:r>
-              <a:rPr lang="fr-CA" dirty="0"/>
-              <a:t>Fenêtre 1: POSIT-Cloud</a:t>
-            </a:r>
-          </a:p>
-        </p:txBody>
-      </p:sp>
-      <p:sp>
-        <p:nvSpPr>
-          <p:cNvPr id="6" name="Espace réservé du contenu 5">
-            <a:extLst>
-              <a:ext uri="{FF2B5EF4-FFF2-40B4-BE49-F238E27FC236}">
-                <a16:creationId xmlns:a16="http://schemas.microsoft.com/office/drawing/2014/main" id="{601737A8-9279-ACDC-E169-1FD732F2921F}"/>
-              </a:ext>
-            </a:extLst>
-          </p:cNvPr>
-          <p:cNvSpPr>
-            <a:spLocks noGrp="1"/>
-          </p:cNvSpPr>
-          <p:nvPr>
-            <p:ph sz="half" idx="2"/>
-          </p:nvPr>
-        </p:nvSpPr>
-        <p:spPr/>
-        <p:txBody>
-          <a:bodyPr/>
-          <a:lstStyle/>
-          <a:p>
-            <a:r>
-              <a:rPr lang="fr-CA" dirty="0"/>
-              <a:t>Interface </a:t>
-            </a:r>
-            <a:r>
-              <a:rPr lang="fr-CA" dirty="0" err="1"/>
-              <a:t>RStudio</a:t>
-            </a:r>
-            <a:endParaRPr lang="fr-CA" dirty="0"/>
-          </a:p>
-          <a:p>
-            <a:pPr marL="0" indent="0">
-              <a:buNone/>
-            </a:pPr>
-            <a:endParaRPr lang="fr-CA" dirty="0"/>
-          </a:p>
-          <a:p>
-            <a:pPr marL="0" indent="0">
-              <a:buNone/>
-            </a:pPr>
-            <a:r>
-              <a:rPr lang="fr-CA" dirty="0">
-                <a:highlight>
-                  <a:srgbClr val="FFFF00"/>
-                </a:highlight>
-              </a:rPr>
-              <a:t>https://posit.cloud/</a:t>
-            </a:r>
-          </a:p>
-          <a:p>
-            <a:pPr marL="0" indent="0">
-              <a:buNone/>
-            </a:pPr>
-            <a:endParaRPr lang="fr-CA" dirty="0"/>
-          </a:p>
-        </p:txBody>
-      </p:sp>
-      <p:sp>
-        <p:nvSpPr>
-          <p:cNvPr id="7" name="Espace réservé du texte 6">
-            <a:extLst>
-              <a:ext uri="{FF2B5EF4-FFF2-40B4-BE49-F238E27FC236}">
-                <a16:creationId xmlns:a16="http://schemas.microsoft.com/office/drawing/2014/main" id="{E21FE5F3-AB0C-BE5A-D0D4-0054B14A3930}"/>
-              </a:ext>
-            </a:extLst>
-          </p:cNvPr>
-          <p:cNvSpPr>
-            <a:spLocks noGrp="1"/>
-          </p:cNvSpPr>
-          <p:nvPr>
-            <p:ph type="body" sz="quarter" idx="3"/>
-          </p:nvPr>
-        </p:nvSpPr>
-        <p:spPr/>
-        <p:txBody>
-          <a:bodyPr/>
-          <a:lstStyle/>
-          <a:p>
-            <a:r>
-              <a:rPr lang="fr-CA" dirty="0"/>
-              <a:t>Fenêtre 2: </a:t>
-            </a:r>
-            <a:r>
-              <a:rPr lang="fr-CA" dirty="0" err="1"/>
-              <a:t>Github</a:t>
-            </a:r>
-            <a:endParaRPr lang="fr-CA" dirty="0"/>
-          </a:p>
-        </p:txBody>
-      </p:sp>
-      <p:sp>
-        <p:nvSpPr>
-          <p:cNvPr id="8" name="Espace réservé du contenu 7">
-            <a:extLst>
-              <a:ext uri="{FF2B5EF4-FFF2-40B4-BE49-F238E27FC236}">
-                <a16:creationId xmlns:a16="http://schemas.microsoft.com/office/drawing/2014/main" id="{74385B60-9F7F-C58A-3CDB-E330008EFAC4}"/>
-              </a:ext>
-            </a:extLst>
-          </p:cNvPr>
-          <p:cNvSpPr>
-            <a:spLocks noGrp="1"/>
-          </p:cNvSpPr>
-          <p:nvPr>
-            <p:ph sz="quarter" idx="4"/>
-          </p:nvPr>
-        </p:nvSpPr>
-        <p:spPr/>
-        <p:txBody>
-          <a:bodyPr/>
-          <a:lstStyle/>
-          <a:p>
-            <a:r>
-              <a:rPr lang="fr-CA" dirty="0"/>
-              <a:t>Projet à importer dans </a:t>
-            </a:r>
-            <a:r>
-              <a:rPr lang="fr-CA" dirty="0" err="1"/>
-              <a:t>RStudio</a:t>
-            </a:r>
-            <a:endParaRPr lang="fr-CA" dirty="0"/>
-          </a:p>
-          <a:p>
-            <a:endParaRPr lang="fr-CA" dirty="0"/>
-          </a:p>
-          <a:p>
-            <a:pPr marL="0" indent="0">
-              <a:buNone/>
-            </a:pPr>
-            <a:r>
-              <a:rPr lang="fr-CA" dirty="0">
-                <a:highlight>
-                  <a:srgbClr val="FFFF00"/>
-                </a:highlight>
-              </a:rPr>
-              <a:t>https://</a:t>
-            </a:r>
-            <a:r>
-              <a:rPr lang="fr-CA" dirty="0" err="1">
-                <a:highlight>
-                  <a:srgbClr val="FFFF00"/>
-                </a:highlight>
-              </a:rPr>
-              <a:t>github.com</a:t>
-            </a:r>
-            <a:r>
-              <a:rPr lang="fr-CA" dirty="0">
-                <a:highlight>
-                  <a:srgbClr val="FFFF00"/>
-                </a:highlight>
-              </a:rPr>
-              <a:t>/pbriss7/20230223_PB_atelier_ladirec_exploration_textes_R</a:t>
-            </a:r>
-          </a:p>
-        </p:txBody>
-      </p:sp>
-    </p:spTree>
-    <p:extLst>
-      <p:ext uri="{BB962C8B-B14F-4D97-AF65-F5344CB8AC3E}">
-        <p14:creationId xmlns:p14="http://schemas.microsoft.com/office/powerpoint/2010/main" val="2517642604"/>
       </p:ext>
     </p:extLst>
   </p:cSld>
